--- a/Dalia Presentation/20171006_Dalia_Lunchtime Talk_Election Forecasting_v2.pptx
+++ b/Dalia Presentation/20171006_Dalia_Lunchtime Talk_Election Forecasting_v2.pptx
@@ -129,7 +129,7 @@
   </p:defaultTextStyle>
   <p:extLst>
     <p:ext uri="{EFAFB233-063F-42B5-8137-9DF3F51BA10A}">
-      <p15:sldGuideLst xmlns:p15="http://schemas.microsoft.com/office/powerpoint/2012/main" xmlns="">
+      <p15:sldGuideLst xmlns:p15="http://schemas.microsoft.com/office/powerpoint/2012/main">
         <p15:guide id="1" orient="horz" pos="2160" userDrawn="1">
           <p15:clr>
             <a:srgbClr val="A4A3A4"/>
@@ -144,6 +144,10 @@
     </p:ext>
   </p:extLst>
 </p:presentation>
+</file>
+
+<file path=ppt/revisionInfo.xml><?xml version="1.0" encoding="utf-8"?>
+<p1510:revInfo xmlns:a="http://schemas.openxmlformats.org/drawingml/2006/main" xmlns:r="http://schemas.openxmlformats.org/officeDocument/2006/relationships" xmlns:p1510="http://schemas.microsoft.com/office/powerpoint/2015/10/main"/>
 </file>
 
 <file path=ppt/notesMasters/notesMaster1.xml><?xml version="1.0" encoding="utf-8"?>
@@ -541,7 +545,7 @@
           <a:lstStyle/>
           <a:p>
             <a:r>
-              <a:rPr lang="de-DE" b="1" i="0" u="none" strike="noStrike" baseline="0" dirty="0" smtClean="0">
+              <a:rPr lang="de-DE" b="1" i="0" u="none" strike="noStrike" baseline="0" dirty="0">
                 <a:latin typeface="SFBMR10"/>
               </a:rPr>
               <a:t>Considerations</a:t>
@@ -553,7 +557,7 @@
               <a:buChar char="§"/>
             </a:pPr>
             <a:r>
-              <a:rPr lang="de-DE" sz="1200" dirty="0" smtClean="0">
+              <a:rPr lang="de-DE" sz="1200" dirty="0">
                 <a:latin typeface="SFBMR9"/>
               </a:rPr>
               <a:t>decreasing response rates</a:t>
@@ -565,7 +569,7 @@
               <a:buChar char="§"/>
             </a:pPr>
             <a:r>
-              <a:rPr lang="de-DE" sz="1200" dirty="0" smtClean="0">
+              <a:rPr lang="de-DE" sz="1200" dirty="0">
                 <a:latin typeface="SFBMR9"/>
               </a:rPr>
               <a:t>realized samples are biased</a:t>
@@ -576,13 +580,13 @@
               <a:buFont typeface="Wingdings" panose="05000000000000000000" pitchFamily="2" charset="2"/>
               <a:buChar char="§"/>
             </a:pPr>
-            <a:endParaRPr lang="de-DE" sz="1200" dirty="0" smtClean="0">
+            <a:endParaRPr lang="de-DE" sz="1200" dirty="0">
               <a:latin typeface="SFBMR9"/>
             </a:endParaRPr>
           </a:p>
           <a:p>
             <a:r>
-              <a:rPr lang="de-DE" b="1" i="0" u="none" strike="noStrike" baseline="0" dirty="0" smtClean="0">
+              <a:rPr lang="de-DE" b="1" i="0" u="none" strike="noStrike" baseline="0" dirty="0">
                 <a:latin typeface="SFBMR10"/>
               </a:rPr>
               <a:t>Approach</a:t>
@@ -594,7 +598,7 @@
               <a:buAutoNum type="arabicPeriod"/>
             </a:pPr>
             <a:r>
-              <a:rPr lang="it-IT" sz="1200" dirty="0" smtClean="0">
+              <a:rPr lang="it-IT" sz="1200" dirty="0">
                 <a:latin typeface="SFBMR9"/>
               </a:rPr>
               <a:t>realize (massive) non-representative poll</a:t>
@@ -606,7 +610,7 @@
               <a:buAutoNum type="arabicPeriod"/>
             </a:pPr>
             <a:r>
-              <a:rPr lang="en-US" sz="1200" dirty="0" smtClean="0">
+              <a:rPr lang="en-US" sz="1200" dirty="0">
                 <a:latin typeface="SFBMR9"/>
               </a:rPr>
               <a:t>collect predictive demographic dimensions (sex, race, age, education, state, party ID, ideology, previous vote)</a:t>
@@ -618,18 +622,18 @@
               <a:buAutoNum type="arabicPeriod"/>
             </a:pPr>
             <a:r>
-              <a:rPr lang="en-US" sz="1200" dirty="0" smtClean="0">
+              <a:rPr lang="en-US" sz="1200" dirty="0">
                 <a:latin typeface="SFBMR9"/>
               </a:rPr>
               <a:t>statistically adjust for bias using multilevel-regression with </a:t>
             </a:r>
             <a:r>
-              <a:rPr lang="de-DE" sz="1200" dirty="0" smtClean="0">
+              <a:rPr lang="de-DE" sz="1200" dirty="0">
                 <a:latin typeface="SFBMR9"/>
               </a:rPr>
               <a:t>poststratification (MRP)</a:t>
             </a:r>
-            <a:endParaRPr lang="de-DE" sz="1200" dirty="0" smtClean="0"/>
+            <a:endParaRPr lang="de-DE" sz="1200" dirty="0"/>
           </a:p>
           <a:p>
             <a:endParaRPr lang="de-DE" dirty="0"/>
@@ -694,7 +698,7 @@
           <p:cNvPr id="3" name="Subtitle 2">
             <a:extLst>
               <a:ext uri="{FF2B5EF4-FFF2-40B4-BE49-F238E27FC236}">
-                <a16:creationId xmlns:a16="http://schemas.microsoft.com/office/drawing/2014/main" xmlns="" id="{52CB8609-D1C9-4053-9799-16F0B8007F7D}"/>
+                <a16:creationId xmlns:a16="http://schemas.microsoft.com/office/drawing/2014/main" id="{52CB8609-D1C9-4053-9799-16F0B8007F7D}"/>
               </a:ext>
             </a:extLst>
           </p:cNvPr>
@@ -765,7 +769,7 @@
           <p:cNvPr id="12" name="Title 11">
             <a:extLst>
               <a:ext uri="{FF2B5EF4-FFF2-40B4-BE49-F238E27FC236}">
-                <a16:creationId xmlns:a16="http://schemas.microsoft.com/office/drawing/2014/main" xmlns="" id="{4A249804-7F1E-492E-B488-2DC1CF94AB81}"/>
+                <a16:creationId xmlns:a16="http://schemas.microsoft.com/office/drawing/2014/main" id="{4A249804-7F1E-492E-B488-2DC1CF94AB81}"/>
               </a:ext>
             </a:extLst>
           </p:cNvPr>
@@ -832,7 +836,7 @@
           <p:cNvPr id="2" name="Title 1">
             <a:extLst>
               <a:ext uri="{FF2B5EF4-FFF2-40B4-BE49-F238E27FC236}">
-                <a16:creationId xmlns:a16="http://schemas.microsoft.com/office/drawing/2014/main" xmlns="" id="{590B7302-973C-43E2-8266-EB309C74CAE0}"/>
+                <a16:creationId xmlns:a16="http://schemas.microsoft.com/office/drawing/2014/main" id="{590B7302-973C-43E2-8266-EB309C74CAE0}"/>
               </a:ext>
             </a:extLst>
           </p:cNvPr>
@@ -873,7 +877,7 @@
           <p:cNvPr id="3" name="Picture Placeholder 2">
             <a:extLst>
               <a:ext uri="{FF2B5EF4-FFF2-40B4-BE49-F238E27FC236}">
-                <a16:creationId xmlns:a16="http://schemas.microsoft.com/office/drawing/2014/main" xmlns="" id="{0BB4836D-2B27-4E99-A4E9-44E63B07037A}"/>
+                <a16:creationId xmlns:a16="http://schemas.microsoft.com/office/drawing/2014/main" id="{0BB4836D-2B27-4E99-A4E9-44E63B07037A}"/>
               </a:ext>
             </a:extLst>
           </p:cNvPr>
@@ -940,7 +944,7 @@
           <p:cNvPr id="4" name="Text Placeholder 3">
             <a:extLst>
               <a:ext uri="{FF2B5EF4-FFF2-40B4-BE49-F238E27FC236}">
-                <a16:creationId xmlns:a16="http://schemas.microsoft.com/office/drawing/2014/main" xmlns="" id="{7E6EB6B5-C561-4656-9550-3F6CDD14D15F}"/>
+                <a16:creationId xmlns:a16="http://schemas.microsoft.com/office/drawing/2014/main" id="{7E6EB6B5-C561-4656-9550-3F6CDD14D15F}"/>
               </a:ext>
             </a:extLst>
           </p:cNvPr>
@@ -1011,7 +1015,7 @@
           <p:cNvPr id="5" name="Date Placeholder 4">
             <a:extLst>
               <a:ext uri="{FF2B5EF4-FFF2-40B4-BE49-F238E27FC236}">
-                <a16:creationId xmlns:a16="http://schemas.microsoft.com/office/drawing/2014/main" xmlns="" id="{B2403665-2894-4978-BE66-31EBAF67ADD9}"/>
+                <a16:creationId xmlns:a16="http://schemas.microsoft.com/office/drawing/2014/main" id="{B2403665-2894-4978-BE66-31EBAF67ADD9}"/>
               </a:ext>
             </a:extLst>
           </p:cNvPr>
@@ -1047,7 +1051,7 @@
           <p:cNvPr id="6" name="Footer Placeholder 5">
             <a:extLst>
               <a:ext uri="{FF2B5EF4-FFF2-40B4-BE49-F238E27FC236}">
-                <a16:creationId xmlns:a16="http://schemas.microsoft.com/office/drawing/2014/main" xmlns="" id="{CB79DDA8-96EB-4C77-B5AA-536AAD6A1C2C}"/>
+                <a16:creationId xmlns:a16="http://schemas.microsoft.com/office/drawing/2014/main" id="{CB79DDA8-96EB-4C77-B5AA-536AAD6A1C2C}"/>
               </a:ext>
             </a:extLst>
           </p:cNvPr>
@@ -1083,7 +1087,7 @@
           <p:cNvPr id="7" name="Slide Number Placeholder 6">
             <a:extLst>
               <a:ext uri="{FF2B5EF4-FFF2-40B4-BE49-F238E27FC236}">
-                <a16:creationId xmlns:a16="http://schemas.microsoft.com/office/drawing/2014/main" xmlns="" id="{99887644-4078-46FE-AFB7-670AAA65DFEC}"/>
+                <a16:creationId xmlns:a16="http://schemas.microsoft.com/office/drawing/2014/main" id="{99887644-4078-46FE-AFB7-670AAA65DFEC}"/>
               </a:ext>
             </a:extLst>
           </p:cNvPr>
@@ -1142,7 +1146,7 @@
           <p:cNvPr id="2" name="Title 1">
             <a:extLst>
               <a:ext uri="{FF2B5EF4-FFF2-40B4-BE49-F238E27FC236}">
-                <a16:creationId xmlns:a16="http://schemas.microsoft.com/office/drawing/2014/main" xmlns="" id="{F5979442-03EA-4EBA-BD35-CB21398A83A0}"/>
+                <a16:creationId xmlns:a16="http://schemas.microsoft.com/office/drawing/2014/main" id="{F5979442-03EA-4EBA-BD35-CB21398A83A0}"/>
               </a:ext>
             </a:extLst>
           </p:cNvPr>
@@ -1179,7 +1183,7 @@
           <p:cNvPr id="3" name="Vertical Text Placeholder 2">
             <a:extLst>
               <a:ext uri="{FF2B5EF4-FFF2-40B4-BE49-F238E27FC236}">
-                <a16:creationId xmlns:a16="http://schemas.microsoft.com/office/drawing/2014/main" xmlns="" id="{3027FAED-F90B-411D-9103-FB91E40E2E81}"/>
+                <a16:creationId xmlns:a16="http://schemas.microsoft.com/office/drawing/2014/main" id="{3027FAED-F90B-411D-9103-FB91E40E2E81}"/>
               </a:ext>
             </a:extLst>
           </p:cNvPr>
@@ -1237,7 +1241,7 @@
           <p:cNvPr id="4" name="Date Placeholder 3">
             <a:extLst>
               <a:ext uri="{FF2B5EF4-FFF2-40B4-BE49-F238E27FC236}">
-                <a16:creationId xmlns:a16="http://schemas.microsoft.com/office/drawing/2014/main" xmlns="" id="{448AA73C-A629-4F94-AC74-6BE10A9D2661}"/>
+                <a16:creationId xmlns:a16="http://schemas.microsoft.com/office/drawing/2014/main" id="{448AA73C-A629-4F94-AC74-6BE10A9D2661}"/>
               </a:ext>
             </a:extLst>
           </p:cNvPr>
@@ -1273,7 +1277,7 @@
           <p:cNvPr id="5" name="Footer Placeholder 4">
             <a:extLst>
               <a:ext uri="{FF2B5EF4-FFF2-40B4-BE49-F238E27FC236}">
-                <a16:creationId xmlns:a16="http://schemas.microsoft.com/office/drawing/2014/main" xmlns="" id="{11AFB4C5-DC5C-4E0B-A30A-B3E2C65006F8}"/>
+                <a16:creationId xmlns:a16="http://schemas.microsoft.com/office/drawing/2014/main" id="{11AFB4C5-DC5C-4E0B-A30A-B3E2C65006F8}"/>
               </a:ext>
             </a:extLst>
           </p:cNvPr>
@@ -1309,7 +1313,7 @@
           <p:cNvPr id="6" name="Slide Number Placeholder 5">
             <a:extLst>
               <a:ext uri="{FF2B5EF4-FFF2-40B4-BE49-F238E27FC236}">
-                <a16:creationId xmlns:a16="http://schemas.microsoft.com/office/drawing/2014/main" xmlns="" id="{BA60360F-588E-4EC9-8B45-836F48AC3064}"/>
+                <a16:creationId xmlns:a16="http://schemas.microsoft.com/office/drawing/2014/main" id="{BA60360F-588E-4EC9-8B45-836F48AC3064}"/>
               </a:ext>
             </a:extLst>
           </p:cNvPr>
@@ -1368,7 +1372,7 @@
           <p:cNvPr id="2" name="Vertical Title 1">
             <a:extLst>
               <a:ext uri="{FF2B5EF4-FFF2-40B4-BE49-F238E27FC236}">
-                <a16:creationId xmlns:a16="http://schemas.microsoft.com/office/drawing/2014/main" xmlns="" id="{37030969-C7E9-4B4B-AF99-D36C9DDF4398}"/>
+                <a16:creationId xmlns:a16="http://schemas.microsoft.com/office/drawing/2014/main" id="{37030969-C7E9-4B4B-AF99-D36C9DDF4398}"/>
               </a:ext>
             </a:extLst>
           </p:cNvPr>
@@ -1405,7 +1409,7 @@
           <p:cNvPr id="3" name="Vertical Text Placeholder 2">
             <a:extLst>
               <a:ext uri="{FF2B5EF4-FFF2-40B4-BE49-F238E27FC236}">
-                <a16:creationId xmlns:a16="http://schemas.microsoft.com/office/drawing/2014/main" xmlns="" id="{31BD9FE5-2ED8-4149-8CAD-50697597EE3C}"/>
+                <a16:creationId xmlns:a16="http://schemas.microsoft.com/office/drawing/2014/main" id="{31BD9FE5-2ED8-4149-8CAD-50697597EE3C}"/>
               </a:ext>
             </a:extLst>
           </p:cNvPr>
@@ -1468,7 +1472,7 @@
           <p:cNvPr id="4" name="Date Placeholder 3">
             <a:extLst>
               <a:ext uri="{FF2B5EF4-FFF2-40B4-BE49-F238E27FC236}">
-                <a16:creationId xmlns:a16="http://schemas.microsoft.com/office/drawing/2014/main" xmlns="" id="{8E2818A7-EBD8-420F-9988-4CA46CC2962D}"/>
+                <a16:creationId xmlns:a16="http://schemas.microsoft.com/office/drawing/2014/main" id="{8E2818A7-EBD8-420F-9988-4CA46CC2962D}"/>
               </a:ext>
             </a:extLst>
           </p:cNvPr>
@@ -1504,7 +1508,7 @@
           <p:cNvPr id="5" name="Footer Placeholder 4">
             <a:extLst>
               <a:ext uri="{FF2B5EF4-FFF2-40B4-BE49-F238E27FC236}">
-                <a16:creationId xmlns:a16="http://schemas.microsoft.com/office/drawing/2014/main" xmlns="" id="{0EA8B38A-E7CA-4BB1-BED4-A750E07D50E9}"/>
+                <a16:creationId xmlns:a16="http://schemas.microsoft.com/office/drawing/2014/main" id="{0EA8B38A-E7CA-4BB1-BED4-A750E07D50E9}"/>
               </a:ext>
             </a:extLst>
           </p:cNvPr>
@@ -1540,7 +1544,7 @@
           <p:cNvPr id="6" name="Slide Number Placeholder 5">
             <a:extLst>
               <a:ext uri="{FF2B5EF4-FFF2-40B4-BE49-F238E27FC236}">
-                <a16:creationId xmlns:a16="http://schemas.microsoft.com/office/drawing/2014/main" xmlns="" id="{137CEC92-5AB4-4AA4-9949-EE34922FC12D}"/>
+                <a16:creationId xmlns:a16="http://schemas.microsoft.com/office/drawing/2014/main" id="{137CEC92-5AB4-4AA4-9949-EE34922FC12D}"/>
               </a:ext>
             </a:extLst>
           </p:cNvPr>
@@ -1599,7 +1603,7 @@
           <p:cNvPr id="2" name="Title 1">
             <a:extLst>
               <a:ext uri="{FF2B5EF4-FFF2-40B4-BE49-F238E27FC236}">
-                <a16:creationId xmlns:a16="http://schemas.microsoft.com/office/drawing/2014/main" xmlns="" id="{90AA0FE8-9A07-48C1-9F71-A15EDD4BED76}"/>
+                <a16:creationId xmlns:a16="http://schemas.microsoft.com/office/drawing/2014/main" id="{90AA0FE8-9A07-48C1-9F71-A15EDD4BED76}"/>
               </a:ext>
             </a:extLst>
           </p:cNvPr>
@@ -1637,7 +1641,7 @@
           <p:cNvPr id="3" name="Subtitle 2">
             <a:extLst>
               <a:ext uri="{FF2B5EF4-FFF2-40B4-BE49-F238E27FC236}">
-                <a16:creationId xmlns:a16="http://schemas.microsoft.com/office/drawing/2014/main" xmlns="" id="{1FAD4D1B-3833-42A1-952B-D0C7D674817A}"/>
+                <a16:creationId xmlns:a16="http://schemas.microsoft.com/office/drawing/2014/main" id="{1FAD4D1B-3833-42A1-952B-D0C7D674817A}"/>
               </a:ext>
             </a:extLst>
           </p:cNvPr>
@@ -1708,7 +1712,7 @@
           <p:cNvPr id="4" name="Date Placeholder 3">
             <a:extLst>
               <a:ext uri="{FF2B5EF4-FFF2-40B4-BE49-F238E27FC236}">
-                <a16:creationId xmlns:a16="http://schemas.microsoft.com/office/drawing/2014/main" xmlns="" id="{AA71BE10-EFB9-4A3B-BF06-A7DB4E2DD265}"/>
+                <a16:creationId xmlns:a16="http://schemas.microsoft.com/office/drawing/2014/main" id="{AA71BE10-EFB9-4A3B-BF06-A7DB4E2DD265}"/>
               </a:ext>
             </a:extLst>
           </p:cNvPr>
@@ -1736,7 +1740,7 @@
           <p:cNvPr id="5" name="Footer Placeholder 4">
             <a:extLst>
               <a:ext uri="{FF2B5EF4-FFF2-40B4-BE49-F238E27FC236}">
-                <a16:creationId xmlns:a16="http://schemas.microsoft.com/office/drawing/2014/main" xmlns="" id="{E81DB2DB-DFB9-40C4-96A7-715247ACBC1F}"/>
+                <a16:creationId xmlns:a16="http://schemas.microsoft.com/office/drawing/2014/main" id="{E81DB2DB-DFB9-40C4-96A7-715247ACBC1F}"/>
               </a:ext>
             </a:extLst>
           </p:cNvPr>
@@ -1764,7 +1768,7 @@
           <p:cNvPr id="6" name="Slide Number Placeholder 5">
             <a:extLst>
               <a:ext uri="{FF2B5EF4-FFF2-40B4-BE49-F238E27FC236}">
-                <a16:creationId xmlns:a16="http://schemas.microsoft.com/office/drawing/2014/main" xmlns="" id="{219B381C-86DD-4A40-AC0B-D2DCD0BBDB54}"/>
+                <a16:creationId xmlns:a16="http://schemas.microsoft.com/office/drawing/2014/main" id="{219B381C-86DD-4A40-AC0B-D2DCD0BBDB54}"/>
               </a:ext>
             </a:extLst>
           </p:cNvPr>
@@ -1823,7 +1827,7 @@
           <p:cNvPr id="2" name="Title 1">
             <a:extLst>
               <a:ext uri="{FF2B5EF4-FFF2-40B4-BE49-F238E27FC236}">
-                <a16:creationId xmlns:a16="http://schemas.microsoft.com/office/drawing/2014/main" xmlns="" id="{A7837CE3-4941-42FC-8805-8D05E504259E}"/>
+                <a16:creationId xmlns:a16="http://schemas.microsoft.com/office/drawing/2014/main" id="{A7837CE3-4941-42FC-8805-8D05E504259E}"/>
               </a:ext>
             </a:extLst>
           </p:cNvPr>
@@ -1852,7 +1856,7 @@
           <p:cNvPr id="3" name="Content Placeholder 2">
             <a:extLst>
               <a:ext uri="{FF2B5EF4-FFF2-40B4-BE49-F238E27FC236}">
-                <a16:creationId xmlns:a16="http://schemas.microsoft.com/office/drawing/2014/main" xmlns="" id="{7B646712-37D0-4CA7-9647-F4CC4067FB11}"/>
+                <a16:creationId xmlns:a16="http://schemas.microsoft.com/office/drawing/2014/main" id="{7B646712-37D0-4CA7-9647-F4CC4067FB11}"/>
               </a:ext>
             </a:extLst>
           </p:cNvPr>
@@ -1910,7 +1914,7 @@
           <p:cNvPr id="4" name="Date Placeholder 3">
             <a:extLst>
               <a:ext uri="{FF2B5EF4-FFF2-40B4-BE49-F238E27FC236}">
-                <a16:creationId xmlns:a16="http://schemas.microsoft.com/office/drawing/2014/main" xmlns="" id="{3A2EF43D-BC10-43CF-9AF4-6491CF3C9F62}"/>
+                <a16:creationId xmlns:a16="http://schemas.microsoft.com/office/drawing/2014/main" id="{3A2EF43D-BC10-43CF-9AF4-6491CF3C9F62}"/>
               </a:ext>
             </a:extLst>
           </p:cNvPr>
@@ -1938,7 +1942,7 @@
           <p:cNvPr id="5" name="Footer Placeholder 4">
             <a:extLst>
               <a:ext uri="{FF2B5EF4-FFF2-40B4-BE49-F238E27FC236}">
-                <a16:creationId xmlns:a16="http://schemas.microsoft.com/office/drawing/2014/main" xmlns="" id="{B1BDC6ED-B168-4960-BDDB-8600C1032A35}"/>
+                <a16:creationId xmlns:a16="http://schemas.microsoft.com/office/drawing/2014/main" id="{B1BDC6ED-B168-4960-BDDB-8600C1032A35}"/>
               </a:ext>
             </a:extLst>
           </p:cNvPr>
@@ -1966,7 +1970,7 @@
           <p:cNvPr id="6" name="Slide Number Placeholder 5">
             <a:extLst>
               <a:ext uri="{FF2B5EF4-FFF2-40B4-BE49-F238E27FC236}">
-                <a16:creationId xmlns:a16="http://schemas.microsoft.com/office/drawing/2014/main" xmlns="" id="{D5093027-2CD6-42FD-B8E8-BB382F4F2940}"/>
+                <a16:creationId xmlns:a16="http://schemas.microsoft.com/office/drawing/2014/main" id="{D5093027-2CD6-42FD-B8E8-BB382F4F2940}"/>
               </a:ext>
             </a:extLst>
           </p:cNvPr>
@@ -2025,7 +2029,7 @@
           <p:cNvPr id="2" name="Title 1">
             <a:extLst>
               <a:ext uri="{FF2B5EF4-FFF2-40B4-BE49-F238E27FC236}">
-                <a16:creationId xmlns:a16="http://schemas.microsoft.com/office/drawing/2014/main" xmlns="" id="{996AEA25-E535-44A9-AA7C-AAC286AF6024}"/>
+                <a16:creationId xmlns:a16="http://schemas.microsoft.com/office/drawing/2014/main" id="{996AEA25-E535-44A9-AA7C-AAC286AF6024}"/>
               </a:ext>
             </a:extLst>
           </p:cNvPr>
@@ -2063,7 +2067,7 @@
           <p:cNvPr id="3" name="Text Placeholder 2">
             <a:extLst>
               <a:ext uri="{FF2B5EF4-FFF2-40B4-BE49-F238E27FC236}">
-                <a16:creationId xmlns:a16="http://schemas.microsoft.com/office/drawing/2014/main" xmlns="" id="{5BEA329E-1D30-4D0A-A2FD-F1A9410710B1}"/>
+                <a16:creationId xmlns:a16="http://schemas.microsoft.com/office/drawing/2014/main" id="{5BEA329E-1D30-4D0A-A2FD-F1A9410710B1}"/>
               </a:ext>
             </a:extLst>
           </p:cNvPr>
@@ -2188,7 +2192,7 @@
           <p:cNvPr id="4" name="Date Placeholder 3">
             <a:extLst>
               <a:ext uri="{FF2B5EF4-FFF2-40B4-BE49-F238E27FC236}">
-                <a16:creationId xmlns:a16="http://schemas.microsoft.com/office/drawing/2014/main" xmlns="" id="{209EAD24-9BEF-45A1-96C7-0736FE62AD1F}"/>
+                <a16:creationId xmlns:a16="http://schemas.microsoft.com/office/drawing/2014/main" id="{209EAD24-9BEF-45A1-96C7-0736FE62AD1F}"/>
               </a:ext>
             </a:extLst>
           </p:cNvPr>
@@ -2216,7 +2220,7 @@
           <p:cNvPr id="5" name="Footer Placeholder 4">
             <a:extLst>
               <a:ext uri="{FF2B5EF4-FFF2-40B4-BE49-F238E27FC236}">
-                <a16:creationId xmlns:a16="http://schemas.microsoft.com/office/drawing/2014/main" xmlns="" id="{3FFB2A4B-5A5F-4F72-8147-77C997DA72C0}"/>
+                <a16:creationId xmlns:a16="http://schemas.microsoft.com/office/drawing/2014/main" id="{3FFB2A4B-5A5F-4F72-8147-77C997DA72C0}"/>
               </a:ext>
             </a:extLst>
           </p:cNvPr>
@@ -2244,7 +2248,7 @@
           <p:cNvPr id="6" name="Slide Number Placeholder 5">
             <a:extLst>
               <a:ext uri="{FF2B5EF4-FFF2-40B4-BE49-F238E27FC236}">
-                <a16:creationId xmlns:a16="http://schemas.microsoft.com/office/drawing/2014/main" xmlns="" id="{26AAB9A1-7091-4A31-AD61-B89A39E37401}"/>
+                <a16:creationId xmlns:a16="http://schemas.microsoft.com/office/drawing/2014/main" id="{26AAB9A1-7091-4A31-AD61-B89A39E37401}"/>
               </a:ext>
             </a:extLst>
           </p:cNvPr>
@@ -2303,7 +2307,7 @@
           <p:cNvPr id="2" name="Title 1">
             <a:extLst>
               <a:ext uri="{FF2B5EF4-FFF2-40B4-BE49-F238E27FC236}">
-                <a16:creationId xmlns:a16="http://schemas.microsoft.com/office/drawing/2014/main" xmlns="" id="{A1A2D6D2-5BF4-4D03-9734-B1A9D7395B39}"/>
+                <a16:creationId xmlns:a16="http://schemas.microsoft.com/office/drawing/2014/main" id="{A1A2D6D2-5BF4-4D03-9734-B1A9D7395B39}"/>
               </a:ext>
             </a:extLst>
           </p:cNvPr>
@@ -2332,7 +2336,7 @@
           <p:cNvPr id="3" name="Content Placeholder 2">
             <a:extLst>
               <a:ext uri="{FF2B5EF4-FFF2-40B4-BE49-F238E27FC236}">
-                <a16:creationId xmlns:a16="http://schemas.microsoft.com/office/drawing/2014/main" xmlns="" id="{A160FD90-9E4E-4A0C-B0B2-BF3BFD76EA6A}"/>
+                <a16:creationId xmlns:a16="http://schemas.microsoft.com/office/drawing/2014/main" id="{A160FD90-9E4E-4A0C-B0B2-BF3BFD76EA6A}"/>
               </a:ext>
             </a:extLst>
           </p:cNvPr>
@@ -2395,7 +2399,7 @@
           <p:cNvPr id="4" name="Content Placeholder 3">
             <a:extLst>
               <a:ext uri="{FF2B5EF4-FFF2-40B4-BE49-F238E27FC236}">
-                <a16:creationId xmlns:a16="http://schemas.microsoft.com/office/drawing/2014/main" xmlns="" id="{47206AD0-AA8C-4E70-8FE4-4D6D7CECED97}"/>
+                <a16:creationId xmlns:a16="http://schemas.microsoft.com/office/drawing/2014/main" id="{47206AD0-AA8C-4E70-8FE4-4D6D7CECED97}"/>
               </a:ext>
             </a:extLst>
           </p:cNvPr>
@@ -2458,7 +2462,7 @@
           <p:cNvPr id="5" name="Date Placeholder 4">
             <a:extLst>
               <a:ext uri="{FF2B5EF4-FFF2-40B4-BE49-F238E27FC236}">
-                <a16:creationId xmlns:a16="http://schemas.microsoft.com/office/drawing/2014/main" xmlns="" id="{E019F736-CA2D-4F85-AE35-45A1D5074F93}"/>
+                <a16:creationId xmlns:a16="http://schemas.microsoft.com/office/drawing/2014/main" id="{E019F736-CA2D-4F85-AE35-45A1D5074F93}"/>
               </a:ext>
             </a:extLst>
           </p:cNvPr>
@@ -2486,7 +2490,7 @@
           <p:cNvPr id="6" name="Footer Placeholder 5">
             <a:extLst>
               <a:ext uri="{FF2B5EF4-FFF2-40B4-BE49-F238E27FC236}">
-                <a16:creationId xmlns:a16="http://schemas.microsoft.com/office/drawing/2014/main" xmlns="" id="{F9641821-57BD-409F-84E6-FC232F22D55A}"/>
+                <a16:creationId xmlns:a16="http://schemas.microsoft.com/office/drawing/2014/main" id="{F9641821-57BD-409F-84E6-FC232F22D55A}"/>
               </a:ext>
             </a:extLst>
           </p:cNvPr>
@@ -2514,7 +2518,7 @@
           <p:cNvPr id="7" name="Slide Number Placeholder 6">
             <a:extLst>
               <a:ext uri="{FF2B5EF4-FFF2-40B4-BE49-F238E27FC236}">
-                <a16:creationId xmlns:a16="http://schemas.microsoft.com/office/drawing/2014/main" xmlns="" id="{C7E89143-81F1-4298-A74A-D30324EA4090}"/>
+                <a16:creationId xmlns:a16="http://schemas.microsoft.com/office/drawing/2014/main" id="{C7E89143-81F1-4298-A74A-D30324EA4090}"/>
               </a:ext>
             </a:extLst>
           </p:cNvPr>
@@ -2573,7 +2577,7 @@
           <p:cNvPr id="2" name="Title 1">
             <a:extLst>
               <a:ext uri="{FF2B5EF4-FFF2-40B4-BE49-F238E27FC236}">
-                <a16:creationId xmlns:a16="http://schemas.microsoft.com/office/drawing/2014/main" xmlns="" id="{A46AA468-23A1-474E-836D-D09773ACDFF2}"/>
+                <a16:creationId xmlns:a16="http://schemas.microsoft.com/office/drawing/2014/main" id="{A46AA468-23A1-474E-836D-D09773ACDFF2}"/>
               </a:ext>
             </a:extLst>
           </p:cNvPr>
@@ -2607,7 +2611,7 @@
           <p:cNvPr id="3" name="Text Placeholder 2">
             <a:extLst>
               <a:ext uri="{FF2B5EF4-FFF2-40B4-BE49-F238E27FC236}">
-                <a16:creationId xmlns:a16="http://schemas.microsoft.com/office/drawing/2014/main" xmlns="" id="{95B730A4-5FED-4C39-B4A2-96F8CFB25CAD}"/>
+                <a16:creationId xmlns:a16="http://schemas.microsoft.com/office/drawing/2014/main" id="{95B730A4-5FED-4C39-B4A2-96F8CFB25CAD}"/>
               </a:ext>
             </a:extLst>
           </p:cNvPr>
@@ -2678,7 +2682,7 @@
           <p:cNvPr id="4" name="Content Placeholder 3">
             <a:extLst>
               <a:ext uri="{FF2B5EF4-FFF2-40B4-BE49-F238E27FC236}">
-                <a16:creationId xmlns:a16="http://schemas.microsoft.com/office/drawing/2014/main" xmlns="" id="{05972F4C-5CBF-40F0-9B58-8CE9C52A9A00}"/>
+                <a16:creationId xmlns:a16="http://schemas.microsoft.com/office/drawing/2014/main" id="{05972F4C-5CBF-40F0-9B58-8CE9C52A9A00}"/>
               </a:ext>
             </a:extLst>
           </p:cNvPr>
@@ -2741,7 +2745,7 @@
           <p:cNvPr id="5" name="Text Placeholder 4">
             <a:extLst>
               <a:ext uri="{FF2B5EF4-FFF2-40B4-BE49-F238E27FC236}">
-                <a16:creationId xmlns:a16="http://schemas.microsoft.com/office/drawing/2014/main" xmlns="" id="{3B7848B4-22E1-4953-BC1B-96F59730AD25}"/>
+                <a16:creationId xmlns:a16="http://schemas.microsoft.com/office/drawing/2014/main" id="{3B7848B4-22E1-4953-BC1B-96F59730AD25}"/>
               </a:ext>
             </a:extLst>
           </p:cNvPr>
@@ -2812,7 +2816,7 @@
           <p:cNvPr id="6" name="Content Placeholder 5">
             <a:extLst>
               <a:ext uri="{FF2B5EF4-FFF2-40B4-BE49-F238E27FC236}">
-                <a16:creationId xmlns:a16="http://schemas.microsoft.com/office/drawing/2014/main" xmlns="" id="{BEAA87B8-8395-459F-8CEE-659FF42544A8}"/>
+                <a16:creationId xmlns:a16="http://schemas.microsoft.com/office/drawing/2014/main" id="{BEAA87B8-8395-459F-8CEE-659FF42544A8}"/>
               </a:ext>
             </a:extLst>
           </p:cNvPr>
@@ -2875,7 +2879,7 @@
           <p:cNvPr id="7" name="Date Placeholder 6">
             <a:extLst>
               <a:ext uri="{FF2B5EF4-FFF2-40B4-BE49-F238E27FC236}">
-                <a16:creationId xmlns:a16="http://schemas.microsoft.com/office/drawing/2014/main" xmlns="" id="{3F8CF109-8121-4B61-8E36-04656F0E52AB}"/>
+                <a16:creationId xmlns:a16="http://schemas.microsoft.com/office/drawing/2014/main" id="{3F8CF109-8121-4B61-8E36-04656F0E52AB}"/>
               </a:ext>
             </a:extLst>
           </p:cNvPr>
@@ -2903,7 +2907,7 @@
           <p:cNvPr id="8" name="Footer Placeholder 7">
             <a:extLst>
               <a:ext uri="{FF2B5EF4-FFF2-40B4-BE49-F238E27FC236}">
-                <a16:creationId xmlns:a16="http://schemas.microsoft.com/office/drawing/2014/main" xmlns="" id="{6C29360A-D844-4153-AB93-90E691C4AA75}"/>
+                <a16:creationId xmlns:a16="http://schemas.microsoft.com/office/drawing/2014/main" id="{6C29360A-D844-4153-AB93-90E691C4AA75}"/>
               </a:ext>
             </a:extLst>
           </p:cNvPr>
@@ -2931,7 +2935,7 @@
           <p:cNvPr id="9" name="Slide Number Placeholder 8">
             <a:extLst>
               <a:ext uri="{FF2B5EF4-FFF2-40B4-BE49-F238E27FC236}">
-                <a16:creationId xmlns:a16="http://schemas.microsoft.com/office/drawing/2014/main" xmlns="" id="{4B1DDE8F-8FC7-460C-B500-B6B26C62C352}"/>
+                <a16:creationId xmlns:a16="http://schemas.microsoft.com/office/drawing/2014/main" id="{4B1DDE8F-8FC7-460C-B500-B6B26C62C352}"/>
               </a:ext>
             </a:extLst>
           </p:cNvPr>
@@ -2990,7 +2994,7 @@
           <p:cNvPr id="2" name="Title 1">
             <a:extLst>
               <a:ext uri="{FF2B5EF4-FFF2-40B4-BE49-F238E27FC236}">
-                <a16:creationId xmlns:a16="http://schemas.microsoft.com/office/drawing/2014/main" xmlns="" id="{3FA11698-2FAE-4208-83FB-AFB7F3BF5F7E}"/>
+                <a16:creationId xmlns:a16="http://schemas.microsoft.com/office/drawing/2014/main" id="{3FA11698-2FAE-4208-83FB-AFB7F3BF5F7E}"/>
               </a:ext>
             </a:extLst>
           </p:cNvPr>
@@ -3019,7 +3023,7 @@
           <p:cNvPr id="3" name="Date Placeholder 2">
             <a:extLst>
               <a:ext uri="{FF2B5EF4-FFF2-40B4-BE49-F238E27FC236}">
-                <a16:creationId xmlns:a16="http://schemas.microsoft.com/office/drawing/2014/main" xmlns="" id="{8073870F-A4ED-4837-935A-B497D0AF5E08}"/>
+                <a16:creationId xmlns:a16="http://schemas.microsoft.com/office/drawing/2014/main" id="{8073870F-A4ED-4837-935A-B497D0AF5E08}"/>
               </a:ext>
             </a:extLst>
           </p:cNvPr>
@@ -3047,7 +3051,7 @@
           <p:cNvPr id="4" name="Footer Placeholder 3">
             <a:extLst>
               <a:ext uri="{FF2B5EF4-FFF2-40B4-BE49-F238E27FC236}">
-                <a16:creationId xmlns:a16="http://schemas.microsoft.com/office/drawing/2014/main" xmlns="" id="{EC13DD87-F26E-4AC7-A1FB-4F0C54C8E8F4}"/>
+                <a16:creationId xmlns:a16="http://schemas.microsoft.com/office/drawing/2014/main" id="{EC13DD87-F26E-4AC7-A1FB-4F0C54C8E8F4}"/>
               </a:ext>
             </a:extLst>
           </p:cNvPr>
@@ -3075,7 +3079,7 @@
           <p:cNvPr id="5" name="Slide Number Placeholder 4">
             <a:extLst>
               <a:ext uri="{FF2B5EF4-FFF2-40B4-BE49-F238E27FC236}">
-                <a16:creationId xmlns:a16="http://schemas.microsoft.com/office/drawing/2014/main" xmlns="" id="{7F0EAF5A-977A-4A0B-B296-2EACB9A22FA0}"/>
+                <a16:creationId xmlns:a16="http://schemas.microsoft.com/office/drawing/2014/main" id="{7F0EAF5A-977A-4A0B-B296-2EACB9A22FA0}"/>
               </a:ext>
             </a:extLst>
           </p:cNvPr>
@@ -3134,7 +3138,7 @@
           <p:cNvPr id="2" name="Date Placeholder 1">
             <a:extLst>
               <a:ext uri="{FF2B5EF4-FFF2-40B4-BE49-F238E27FC236}">
-                <a16:creationId xmlns:a16="http://schemas.microsoft.com/office/drawing/2014/main" xmlns="" id="{E127DAAF-7F7D-443C-A7F2-C577454C3118}"/>
+                <a16:creationId xmlns:a16="http://schemas.microsoft.com/office/drawing/2014/main" id="{E127DAAF-7F7D-443C-A7F2-C577454C3118}"/>
               </a:ext>
             </a:extLst>
           </p:cNvPr>
@@ -3162,7 +3166,7 @@
           <p:cNvPr id="3" name="Footer Placeholder 2">
             <a:extLst>
               <a:ext uri="{FF2B5EF4-FFF2-40B4-BE49-F238E27FC236}">
-                <a16:creationId xmlns:a16="http://schemas.microsoft.com/office/drawing/2014/main" xmlns="" id="{987003E4-481D-4AA5-B0A9-4F0EF4909A4D}"/>
+                <a16:creationId xmlns:a16="http://schemas.microsoft.com/office/drawing/2014/main" id="{987003E4-481D-4AA5-B0A9-4F0EF4909A4D}"/>
               </a:ext>
             </a:extLst>
           </p:cNvPr>
@@ -3190,7 +3194,7 @@
           <p:cNvPr id="4" name="Slide Number Placeholder 3">
             <a:extLst>
               <a:ext uri="{FF2B5EF4-FFF2-40B4-BE49-F238E27FC236}">
-                <a16:creationId xmlns:a16="http://schemas.microsoft.com/office/drawing/2014/main" xmlns="" id="{A3C17DD6-DC58-4270-BA44-5DD5E53A2061}"/>
+                <a16:creationId xmlns:a16="http://schemas.microsoft.com/office/drawing/2014/main" id="{A3C17DD6-DC58-4270-BA44-5DD5E53A2061}"/>
               </a:ext>
             </a:extLst>
           </p:cNvPr>
@@ -3249,7 +3253,7 @@
           <p:cNvPr id="4" name="Footer Placeholder 3">
             <a:extLst>
               <a:ext uri="{FF2B5EF4-FFF2-40B4-BE49-F238E27FC236}">
-                <a16:creationId xmlns:a16="http://schemas.microsoft.com/office/drawing/2014/main" xmlns="" id="{6764A468-E363-410F-BC5D-EBDB40606F2F}"/>
+                <a16:creationId xmlns:a16="http://schemas.microsoft.com/office/drawing/2014/main" id="{6764A468-E363-410F-BC5D-EBDB40606F2F}"/>
               </a:ext>
             </a:extLst>
           </p:cNvPr>
@@ -3296,7 +3300,7 @@
           <p:cNvPr id="5" name="Slide Number Placeholder 4">
             <a:extLst>
               <a:ext uri="{FF2B5EF4-FFF2-40B4-BE49-F238E27FC236}">
-                <a16:creationId xmlns:a16="http://schemas.microsoft.com/office/drawing/2014/main" xmlns="" id="{1DC0058B-ACBF-4487-89CD-041FA73B8C70}"/>
+                <a16:creationId xmlns:a16="http://schemas.microsoft.com/office/drawing/2014/main" id="{1DC0058B-ACBF-4487-89CD-041FA73B8C70}"/>
               </a:ext>
             </a:extLst>
           </p:cNvPr>
@@ -3336,7 +3340,7 @@
           <p:cNvPr id="6" name="Rectangle: Rounded Corners 5">
             <a:extLst>
               <a:ext uri="{FF2B5EF4-FFF2-40B4-BE49-F238E27FC236}">
-                <a16:creationId xmlns:a16="http://schemas.microsoft.com/office/drawing/2014/main" xmlns="" id="{14BD397D-1ECA-47D4-A0C0-4C0CCFBC3928}"/>
+                <a16:creationId xmlns:a16="http://schemas.microsoft.com/office/drawing/2014/main" id="{14BD397D-1ECA-47D4-A0C0-4C0CCFBC3928}"/>
               </a:ext>
             </a:extLst>
           </p:cNvPr>
@@ -3392,7 +3396,7 @@
           <p:cNvPr id="8" name="Title 1">
             <a:extLst>
               <a:ext uri="{FF2B5EF4-FFF2-40B4-BE49-F238E27FC236}">
-                <a16:creationId xmlns:a16="http://schemas.microsoft.com/office/drawing/2014/main" xmlns="" id="{F50940E9-D71A-4A32-82D0-42198457C50B}"/>
+                <a16:creationId xmlns:a16="http://schemas.microsoft.com/office/drawing/2014/main" id="{F50940E9-D71A-4A32-82D0-42198457C50B}"/>
               </a:ext>
             </a:extLst>
           </p:cNvPr>
@@ -3437,7 +3441,7 @@
           <p:cNvPr id="9" name="Footer Placeholder 4">
             <a:extLst>
               <a:ext uri="{FF2B5EF4-FFF2-40B4-BE49-F238E27FC236}">
-                <a16:creationId xmlns:a16="http://schemas.microsoft.com/office/drawing/2014/main" xmlns="" id="{40A74FF7-9F5E-4406-982E-23E39DBF604A}"/>
+                <a16:creationId xmlns:a16="http://schemas.microsoft.com/office/drawing/2014/main" id="{40A74FF7-9F5E-4406-982E-23E39DBF604A}"/>
               </a:ext>
             </a:extLst>
           </p:cNvPr>
@@ -3599,7 +3603,7 @@
           <p:cNvPr id="2" name="Title 1">
             <a:extLst>
               <a:ext uri="{FF2B5EF4-FFF2-40B4-BE49-F238E27FC236}">
-                <a16:creationId xmlns:a16="http://schemas.microsoft.com/office/drawing/2014/main" xmlns="" id="{7C996E02-04DC-4E38-A180-B6235D88577B}"/>
+                <a16:creationId xmlns:a16="http://schemas.microsoft.com/office/drawing/2014/main" id="{7C996E02-04DC-4E38-A180-B6235D88577B}"/>
               </a:ext>
             </a:extLst>
           </p:cNvPr>
@@ -3637,7 +3641,7 @@
           <p:cNvPr id="3" name="Content Placeholder 2">
             <a:extLst>
               <a:ext uri="{FF2B5EF4-FFF2-40B4-BE49-F238E27FC236}">
-                <a16:creationId xmlns:a16="http://schemas.microsoft.com/office/drawing/2014/main" xmlns="" id="{A470C626-9D39-4C37-9415-41412FB74456}"/>
+                <a16:creationId xmlns:a16="http://schemas.microsoft.com/office/drawing/2014/main" id="{A470C626-9D39-4C37-9415-41412FB74456}"/>
               </a:ext>
             </a:extLst>
           </p:cNvPr>
@@ -3728,7 +3732,7 @@
           <p:cNvPr id="4" name="Text Placeholder 3">
             <a:extLst>
               <a:ext uri="{FF2B5EF4-FFF2-40B4-BE49-F238E27FC236}">
-                <a16:creationId xmlns:a16="http://schemas.microsoft.com/office/drawing/2014/main" xmlns="" id="{5F6D8FAF-8C98-43D3-A021-DDD8F8542563}"/>
+                <a16:creationId xmlns:a16="http://schemas.microsoft.com/office/drawing/2014/main" id="{5F6D8FAF-8C98-43D3-A021-DDD8F8542563}"/>
               </a:ext>
             </a:extLst>
           </p:cNvPr>
@@ -3799,7 +3803,7 @@
           <p:cNvPr id="5" name="Date Placeholder 4">
             <a:extLst>
               <a:ext uri="{FF2B5EF4-FFF2-40B4-BE49-F238E27FC236}">
-                <a16:creationId xmlns:a16="http://schemas.microsoft.com/office/drawing/2014/main" xmlns="" id="{CA7D6792-CD36-402C-B6E7-CAB3E19E6AD9}"/>
+                <a16:creationId xmlns:a16="http://schemas.microsoft.com/office/drawing/2014/main" id="{CA7D6792-CD36-402C-B6E7-CAB3E19E6AD9}"/>
               </a:ext>
             </a:extLst>
           </p:cNvPr>
@@ -3827,7 +3831,7 @@
           <p:cNvPr id="6" name="Footer Placeholder 5">
             <a:extLst>
               <a:ext uri="{FF2B5EF4-FFF2-40B4-BE49-F238E27FC236}">
-                <a16:creationId xmlns:a16="http://schemas.microsoft.com/office/drawing/2014/main" xmlns="" id="{260F526C-5CDD-4DC8-A807-188160CDAB97}"/>
+                <a16:creationId xmlns:a16="http://schemas.microsoft.com/office/drawing/2014/main" id="{260F526C-5CDD-4DC8-A807-188160CDAB97}"/>
               </a:ext>
             </a:extLst>
           </p:cNvPr>
@@ -3855,7 +3859,7 @@
           <p:cNvPr id="7" name="Slide Number Placeholder 6">
             <a:extLst>
               <a:ext uri="{FF2B5EF4-FFF2-40B4-BE49-F238E27FC236}">
-                <a16:creationId xmlns:a16="http://schemas.microsoft.com/office/drawing/2014/main" xmlns="" id="{F4250E34-A9B1-4A4B-AA8F-F3B56005B638}"/>
+                <a16:creationId xmlns:a16="http://schemas.microsoft.com/office/drawing/2014/main" id="{F4250E34-A9B1-4A4B-AA8F-F3B56005B638}"/>
               </a:ext>
             </a:extLst>
           </p:cNvPr>
@@ -3914,7 +3918,7 @@
           <p:cNvPr id="2" name="Title 1">
             <a:extLst>
               <a:ext uri="{FF2B5EF4-FFF2-40B4-BE49-F238E27FC236}">
-                <a16:creationId xmlns:a16="http://schemas.microsoft.com/office/drawing/2014/main" xmlns="" id="{0965F309-ACB4-4A02-B252-BB308E86B0EA}"/>
+                <a16:creationId xmlns:a16="http://schemas.microsoft.com/office/drawing/2014/main" id="{0965F309-ACB4-4A02-B252-BB308E86B0EA}"/>
               </a:ext>
             </a:extLst>
           </p:cNvPr>
@@ -3952,7 +3956,7 @@
           <p:cNvPr id="3" name="Picture Placeholder 2">
             <a:extLst>
               <a:ext uri="{FF2B5EF4-FFF2-40B4-BE49-F238E27FC236}">
-                <a16:creationId xmlns:a16="http://schemas.microsoft.com/office/drawing/2014/main" xmlns="" id="{E8398C3A-15A4-40EB-B19E-C593B3B99189}"/>
+                <a16:creationId xmlns:a16="http://schemas.microsoft.com/office/drawing/2014/main" id="{E8398C3A-15A4-40EB-B19E-C593B3B99189}"/>
               </a:ext>
             </a:extLst>
           </p:cNvPr>
@@ -4019,7 +4023,7 @@
           <p:cNvPr id="4" name="Text Placeholder 3">
             <a:extLst>
               <a:ext uri="{FF2B5EF4-FFF2-40B4-BE49-F238E27FC236}">
-                <a16:creationId xmlns:a16="http://schemas.microsoft.com/office/drawing/2014/main" xmlns="" id="{88DB9E60-8399-47B0-92B9-03998DC0E46A}"/>
+                <a16:creationId xmlns:a16="http://schemas.microsoft.com/office/drawing/2014/main" id="{88DB9E60-8399-47B0-92B9-03998DC0E46A}"/>
               </a:ext>
             </a:extLst>
           </p:cNvPr>
@@ -4090,7 +4094,7 @@
           <p:cNvPr id="5" name="Date Placeholder 4">
             <a:extLst>
               <a:ext uri="{FF2B5EF4-FFF2-40B4-BE49-F238E27FC236}">
-                <a16:creationId xmlns:a16="http://schemas.microsoft.com/office/drawing/2014/main" xmlns="" id="{4017D339-69ED-42AC-8BC2-17B3B0A8E4BF}"/>
+                <a16:creationId xmlns:a16="http://schemas.microsoft.com/office/drawing/2014/main" id="{4017D339-69ED-42AC-8BC2-17B3B0A8E4BF}"/>
               </a:ext>
             </a:extLst>
           </p:cNvPr>
@@ -4118,7 +4122,7 @@
           <p:cNvPr id="6" name="Footer Placeholder 5">
             <a:extLst>
               <a:ext uri="{FF2B5EF4-FFF2-40B4-BE49-F238E27FC236}">
-                <a16:creationId xmlns:a16="http://schemas.microsoft.com/office/drawing/2014/main" xmlns="" id="{9DC14141-BABE-4C23-BF95-B7F7EE67B7E2}"/>
+                <a16:creationId xmlns:a16="http://schemas.microsoft.com/office/drawing/2014/main" id="{9DC14141-BABE-4C23-BF95-B7F7EE67B7E2}"/>
               </a:ext>
             </a:extLst>
           </p:cNvPr>
@@ -4146,7 +4150,7 @@
           <p:cNvPr id="7" name="Slide Number Placeholder 6">
             <a:extLst>
               <a:ext uri="{FF2B5EF4-FFF2-40B4-BE49-F238E27FC236}">
-                <a16:creationId xmlns:a16="http://schemas.microsoft.com/office/drawing/2014/main" xmlns="" id="{DAF4A564-D15C-4390-AB73-32021A889D77}"/>
+                <a16:creationId xmlns:a16="http://schemas.microsoft.com/office/drawing/2014/main" id="{DAF4A564-D15C-4390-AB73-32021A889D77}"/>
               </a:ext>
             </a:extLst>
           </p:cNvPr>
@@ -4205,7 +4209,7 @@
           <p:cNvPr id="2" name="Title 1">
             <a:extLst>
               <a:ext uri="{FF2B5EF4-FFF2-40B4-BE49-F238E27FC236}">
-                <a16:creationId xmlns:a16="http://schemas.microsoft.com/office/drawing/2014/main" xmlns="" id="{47107D61-3B9E-47FF-93B4-4332CB617FB6}"/>
+                <a16:creationId xmlns:a16="http://schemas.microsoft.com/office/drawing/2014/main" id="{47107D61-3B9E-47FF-93B4-4332CB617FB6}"/>
               </a:ext>
             </a:extLst>
           </p:cNvPr>
@@ -4234,7 +4238,7 @@
           <p:cNvPr id="3" name="Vertical Text Placeholder 2">
             <a:extLst>
               <a:ext uri="{FF2B5EF4-FFF2-40B4-BE49-F238E27FC236}">
-                <a16:creationId xmlns:a16="http://schemas.microsoft.com/office/drawing/2014/main" xmlns="" id="{BA9D4B74-EA97-435E-B579-D50840505F09}"/>
+                <a16:creationId xmlns:a16="http://schemas.microsoft.com/office/drawing/2014/main" id="{BA9D4B74-EA97-435E-B579-D50840505F09}"/>
               </a:ext>
             </a:extLst>
           </p:cNvPr>
@@ -4292,7 +4296,7 @@
           <p:cNvPr id="4" name="Date Placeholder 3">
             <a:extLst>
               <a:ext uri="{FF2B5EF4-FFF2-40B4-BE49-F238E27FC236}">
-                <a16:creationId xmlns:a16="http://schemas.microsoft.com/office/drawing/2014/main" xmlns="" id="{89CA1304-DA09-44CF-A5D2-553AC49A17CC}"/>
+                <a16:creationId xmlns:a16="http://schemas.microsoft.com/office/drawing/2014/main" id="{89CA1304-DA09-44CF-A5D2-553AC49A17CC}"/>
               </a:ext>
             </a:extLst>
           </p:cNvPr>
@@ -4320,7 +4324,7 @@
           <p:cNvPr id="5" name="Footer Placeholder 4">
             <a:extLst>
               <a:ext uri="{FF2B5EF4-FFF2-40B4-BE49-F238E27FC236}">
-                <a16:creationId xmlns:a16="http://schemas.microsoft.com/office/drawing/2014/main" xmlns="" id="{428D3C90-37BD-4AF3-B294-7700114377AC}"/>
+                <a16:creationId xmlns:a16="http://schemas.microsoft.com/office/drawing/2014/main" id="{428D3C90-37BD-4AF3-B294-7700114377AC}"/>
               </a:ext>
             </a:extLst>
           </p:cNvPr>
@@ -4348,7 +4352,7 @@
           <p:cNvPr id="6" name="Slide Number Placeholder 5">
             <a:extLst>
               <a:ext uri="{FF2B5EF4-FFF2-40B4-BE49-F238E27FC236}">
-                <a16:creationId xmlns:a16="http://schemas.microsoft.com/office/drawing/2014/main" xmlns="" id="{846AF888-F3F9-42B4-AD0D-0958DDAD94B0}"/>
+                <a16:creationId xmlns:a16="http://schemas.microsoft.com/office/drawing/2014/main" id="{846AF888-F3F9-42B4-AD0D-0958DDAD94B0}"/>
               </a:ext>
             </a:extLst>
           </p:cNvPr>
@@ -4407,7 +4411,7 @@
           <p:cNvPr id="2" name="Vertical Title 1">
             <a:extLst>
               <a:ext uri="{FF2B5EF4-FFF2-40B4-BE49-F238E27FC236}">
-                <a16:creationId xmlns:a16="http://schemas.microsoft.com/office/drawing/2014/main" xmlns="" id="{0EA842E8-A0AC-4991-ADE2-2473F4B54456}"/>
+                <a16:creationId xmlns:a16="http://schemas.microsoft.com/office/drawing/2014/main" id="{0EA842E8-A0AC-4991-ADE2-2473F4B54456}"/>
               </a:ext>
             </a:extLst>
           </p:cNvPr>
@@ -4441,7 +4445,7 @@
           <p:cNvPr id="3" name="Vertical Text Placeholder 2">
             <a:extLst>
               <a:ext uri="{FF2B5EF4-FFF2-40B4-BE49-F238E27FC236}">
-                <a16:creationId xmlns:a16="http://schemas.microsoft.com/office/drawing/2014/main" xmlns="" id="{30AA7ADB-41CD-43CC-A23D-CDBD9D0D8193}"/>
+                <a16:creationId xmlns:a16="http://schemas.microsoft.com/office/drawing/2014/main" id="{30AA7ADB-41CD-43CC-A23D-CDBD9D0D8193}"/>
               </a:ext>
             </a:extLst>
           </p:cNvPr>
@@ -4504,7 +4508,7 @@
           <p:cNvPr id="4" name="Date Placeholder 3">
             <a:extLst>
               <a:ext uri="{FF2B5EF4-FFF2-40B4-BE49-F238E27FC236}">
-                <a16:creationId xmlns:a16="http://schemas.microsoft.com/office/drawing/2014/main" xmlns="" id="{459DFDFF-8A3E-40A3-BD0E-4FE88A014182}"/>
+                <a16:creationId xmlns:a16="http://schemas.microsoft.com/office/drawing/2014/main" id="{459DFDFF-8A3E-40A3-BD0E-4FE88A014182}"/>
               </a:ext>
             </a:extLst>
           </p:cNvPr>
@@ -4532,7 +4536,7 @@
           <p:cNvPr id="5" name="Footer Placeholder 4">
             <a:extLst>
               <a:ext uri="{FF2B5EF4-FFF2-40B4-BE49-F238E27FC236}">
-                <a16:creationId xmlns:a16="http://schemas.microsoft.com/office/drawing/2014/main" xmlns="" id="{2EEC31E1-B173-4E5B-8253-18ABB91CEDFA}"/>
+                <a16:creationId xmlns:a16="http://schemas.microsoft.com/office/drawing/2014/main" id="{2EEC31E1-B173-4E5B-8253-18ABB91CEDFA}"/>
               </a:ext>
             </a:extLst>
           </p:cNvPr>
@@ -4560,7 +4564,7 @@
           <p:cNvPr id="6" name="Slide Number Placeholder 5">
             <a:extLst>
               <a:ext uri="{FF2B5EF4-FFF2-40B4-BE49-F238E27FC236}">
-                <a16:creationId xmlns:a16="http://schemas.microsoft.com/office/drawing/2014/main" xmlns="" id="{D610562A-D3E2-4D59-B9C2-B0960479F195}"/>
+                <a16:creationId xmlns:a16="http://schemas.microsoft.com/office/drawing/2014/main" id="{D610562A-D3E2-4D59-B9C2-B0960479F195}"/>
               </a:ext>
             </a:extLst>
           </p:cNvPr>
@@ -4619,7 +4623,7 @@
           <p:cNvPr id="2" name="Title 1">
             <a:extLst>
               <a:ext uri="{FF2B5EF4-FFF2-40B4-BE49-F238E27FC236}">
-                <a16:creationId xmlns:a16="http://schemas.microsoft.com/office/drawing/2014/main" xmlns="" id="{EF40842B-C6CA-43A0-8C7B-C51A8BA4E18E}"/>
+                <a16:creationId xmlns:a16="http://schemas.microsoft.com/office/drawing/2014/main" id="{EF40842B-C6CA-43A0-8C7B-C51A8BA4E18E}"/>
               </a:ext>
             </a:extLst>
           </p:cNvPr>
@@ -4657,7 +4661,7 @@
           <p:cNvPr id="3" name="Subtitle 2">
             <a:extLst>
               <a:ext uri="{FF2B5EF4-FFF2-40B4-BE49-F238E27FC236}">
-                <a16:creationId xmlns:a16="http://schemas.microsoft.com/office/drawing/2014/main" xmlns="" id="{52CB8609-D1C9-4053-9799-16F0B8007F7D}"/>
+                <a16:creationId xmlns:a16="http://schemas.microsoft.com/office/drawing/2014/main" id="{52CB8609-D1C9-4053-9799-16F0B8007F7D}"/>
               </a:ext>
             </a:extLst>
           </p:cNvPr>
@@ -4728,7 +4732,7 @@
           <p:cNvPr id="4" name="Date Placeholder 3">
             <a:extLst>
               <a:ext uri="{FF2B5EF4-FFF2-40B4-BE49-F238E27FC236}">
-                <a16:creationId xmlns:a16="http://schemas.microsoft.com/office/drawing/2014/main" xmlns="" id="{F2E68D7E-AF4D-4C00-8C02-89B28DF7B604}"/>
+                <a16:creationId xmlns:a16="http://schemas.microsoft.com/office/drawing/2014/main" id="{F2E68D7E-AF4D-4C00-8C02-89B28DF7B604}"/>
               </a:ext>
             </a:extLst>
           </p:cNvPr>
@@ -4756,7 +4760,7 @@
           <p:cNvPr id="5" name="Footer Placeholder 4">
             <a:extLst>
               <a:ext uri="{FF2B5EF4-FFF2-40B4-BE49-F238E27FC236}">
-                <a16:creationId xmlns:a16="http://schemas.microsoft.com/office/drawing/2014/main" xmlns="" id="{859379C3-5354-435E-8EB3-C5E2012D7430}"/>
+                <a16:creationId xmlns:a16="http://schemas.microsoft.com/office/drawing/2014/main" id="{859379C3-5354-435E-8EB3-C5E2012D7430}"/>
               </a:ext>
             </a:extLst>
           </p:cNvPr>
@@ -4784,7 +4788,7 @@
           <p:cNvPr id="6" name="Slide Number Placeholder 5">
             <a:extLst>
               <a:ext uri="{FF2B5EF4-FFF2-40B4-BE49-F238E27FC236}">
-                <a16:creationId xmlns:a16="http://schemas.microsoft.com/office/drawing/2014/main" xmlns="" id="{90DCA2A0-DDFB-45DB-B7EF-062DE2EF1079}"/>
+                <a16:creationId xmlns:a16="http://schemas.microsoft.com/office/drawing/2014/main" id="{90DCA2A0-DDFB-45DB-B7EF-062DE2EF1079}"/>
               </a:ext>
             </a:extLst>
           </p:cNvPr>
@@ -4843,7 +4847,7 @@
           <p:cNvPr id="2" name="Title 1">
             <a:extLst>
               <a:ext uri="{FF2B5EF4-FFF2-40B4-BE49-F238E27FC236}">
-                <a16:creationId xmlns:a16="http://schemas.microsoft.com/office/drawing/2014/main" xmlns="" id="{F69BB830-5846-4BFF-94AC-4EC6ADCFDCAD}"/>
+                <a16:creationId xmlns:a16="http://schemas.microsoft.com/office/drawing/2014/main" id="{F69BB830-5846-4BFF-94AC-4EC6ADCFDCAD}"/>
               </a:ext>
             </a:extLst>
           </p:cNvPr>
@@ -4872,7 +4876,7 @@
           <p:cNvPr id="3" name="Content Placeholder 2">
             <a:extLst>
               <a:ext uri="{FF2B5EF4-FFF2-40B4-BE49-F238E27FC236}">
-                <a16:creationId xmlns:a16="http://schemas.microsoft.com/office/drawing/2014/main" xmlns="" id="{FFD1DC8A-530A-4051-8628-65AAC3BD36BC}"/>
+                <a16:creationId xmlns:a16="http://schemas.microsoft.com/office/drawing/2014/main" id="{FFD1DC8A-530A-4051-8628-65AAC3BD36BC}"/>
               </a:ext>
             </a:extLst>
           </p:cNvPr>
@@ -4930,7 +4934,7 @@
           <p:cNvPr id="4" name="Date Placeholder 3">
             <a:extLst>
               <a:ext uri="{FF2B5EF4-FFF2-40B4-BE49-F238E27FC236}">
-                <a16:creationId xmlns:a16="http://schemas.microsoft.com/office/drawing/2014/main" xmlns="" id="{62EBD670-43FB-418C-8970-CC12DC5DAD9F}"/>
+                <a16:creationId xmlns:a16="http://schemas.microsoft.com/office/drawing/2014/main" id="{62EBD670-43FB-418C-8970-CC12DC5DAD9F}"/>
               </a:ext>
             </a:extLst>
           </p:cNvPr>
@@ -4958,7 +4962,7 @@
           <p:cNvPr id="5" name="Footer Placeholder 4">
             <a:extLst>
               <a:ext uri="{FF2B5EF4-FFF2-40B4-BE49-F238E27FC236}">
-                <a16:creationId xmlns:a16="http://schemas.microsoft.com/office/drawing/2014/main" xmlns="" id="{0E8ECFD0-8AA1-4672-A66F-2F482DE1A92F}"/>
+                <a16:creationId xmlns:a16="http://schemas.microsoft.com/office/drawing/2014/main" id="{0E8ECFD0-8AA1-4672-A66F-2F482DE1A92F}"/>
               </a:ext>
             </a:extLst>
           </p:cNvPr>
@@ -4986,7 +4990,7 @@
           <p:cNvPr id="6" name="Slide Number Placeholder 5">
             <a:extLst>
               <a:ext uri="{FF2B5EF4-FFF2-40B4-BE49-F238E27FC236}">
-                <a16:creationId xmlns:a16="http://schemas.microsoft.com/office/drawing/2014/main" xmlns="" id="{EDA04B25-8EB3-4981-853A-C79EAA4B6292}"/>
+                <a16:creationId xmlns:a16="http://schemas.microsoft.com/office/drawing/2014/main" id="{EDA04B25-8EB3-4981-853A-C79EAA4B6292}"/>
               </a:ext>
             </a:extLst>
           </p:cNvPr>
@@ -5045,7 +5049,7 @@
           <p:cNvPr id="2" name="Title 1">
             <a:extLst>
               <a:ext uri="{FF2B5EF4-FFF2-40B4-BE49-F238E27FC236}">
-                <a16:creationId xmlns:a16="http://schemas.microsoft.com/office/drawing/2014/main" xmlns="" id="{94ADA874-EEE2-44F9-9137-4320AB078C65}"/>
+                <a16:creationId xmlns:a16="http://schemas.microsoft.com/office/drawing/2014/main" id="{94ADA874-EEE2-44F9-9137-4320AB078C65}"/>
               </a:ext>
             </a:extLst>
           </p:cNvPr>
@@ -5083,7 +5087,7 @@
           <p:cNvPr id="3" name="Text Placeholder 2">
             <a:extLst>
               <a:ext uri="{FF2B5EF4-FFF2-40B4-BE49-F238E27FC236}">
-                <a16:creationId xmlns:a16="http://schemas.microsoft.com/office/drawing/2014/main" xmlns="" id="{ACDA1EFE-1D8A-478A-9AFA-91409EBBBCF3}"/>
+                <a16:creationId xmlns:a16="http://schemas.microsoft.com/office/drawing/2014/main" id="{ACDA1EFE-1D8A-478A-9AFA-91409EBBBCF3}"/>
               </a:ext>
             </a:extLst>
           </p:cNvPr>
@@ -5208,7 +5212,7 @@
           <p:cNvPr id="4" name="Date Placeholder 3">
             <a:extLst>
               <a:ext uri="{FF2B5EF4-FFF2-40B4-BE49-F238E27FC236}">
-                <a16:creationId xmlns:a16="http://schemas.microsoft.com/office/drawing/2014/main" xmlns="" id="{D3F1E7FD-497A-491B-8917-253A34DF4EB1}"/>
+                <a16:creationId xmlns:a16="http://schemas.microsoft.com/office/drawing/2014/main" id="{D3F1E7FD-497A-491B-8917-253A34DF4EB1}"/>
               </a:ext>
             </a:extLst>
           </p:cNvPr>
@@ -5236,7 +5240,7 @@
           <p:cNvPr id="5" name="Footer Placeholder 4">
             <a:extLst>
               <a:ext uri="{FF2B5EF4-FFF2-40B4-BE49-F238E27FC236}">
-                <a16:creationId xmlns:a16="http://schemas.microsoft.com/office/drawing/2014/main" xmlns="" id="{9534D2FA-20F1-4183-A307-7A55CC8E1EFE}"/>
+                <a16:creationId xmlns:a16="http://schemas.microsoft.com/office/drawing/2014/main" id="{9534D2FA-20F1-4183-A307-7A55CC8E1EFE}"/>
               </a:ext>
             </a:extLst>
           </p:cNvPr>
@@ -5264,7 +5268,7 @@
           <p:cNvPr id="6" name="Slide Number Placeholder 5">
             <a:extLst>
               <a:ext uri="{FF2B5EF4-FFF2-40B4-BE49-F238E27FC236}">
-                <a16:creationId xmlns:a16="http://schemas.microsoft.com/office/drawing/2014/main" xmlns="" id="{EB62A000-FACF-4C3A-999D-9801F85A5B78}"/>
+                <a16:creationId xmlns:a16="http://schemas.microsoft.com/office/drawing/2014/main" id="{EB62A000-FACF-4C3A-999D-9801F85A5B78}"/>
               </a:ext>
             </a:extLst>
           </p:cNvPr>
@@ -5323,7 +5327,7 @@
           <p:cNvPr id="2" name="Title 1">
             <a:extLst>
               <a:ext uri="{FF2B5EF4-FFF2-40B4-BE49-F238E27FC236}">
-                <a16:creationId xmlns:a16="http://schemas.microsoft.com/office/drawing/2014/main" xmlns="" id="{C613E725-FB4D-4A68-9B99-2621DA34273F}"/>
+                <a16:creationId xmlns:a16="http://schemas.microsoft.com/office/drawing/2014/main" id="{C613E725-FB4D-4A68-9B99-2621DA34273F}"/>
               </a:ext>
             </a:extLst>
           </p:cNvPr>
@@ -5352,7 +5356,7 @@
           <p:cNvPr id="3" name="Content Placeholder 2">
             <a:extLst>
               <a:ext uri="{FF2B5EF4-FFF2-40B4-BE49-F238E27FC236}">
-                <a16:creationId xmlns:a16="http://schemas.microsoft.com/office/drawing/2014/main" xmlns="" id="{74D48DA3-CF9C-49A7-B8EF-F58E7C9DD96B}"/>
+                <a16:creationId xmlns:a16="http://schemas.microsoft.com/office/drawing/2014/main" id="{74D48DA3-CF9C-49A7-B8EF-F58E7C9DD96B}"/>
               </a:ext>
             </a:extLst>
           </p:cNvPr>
@@ -5415,7 +5419,7 @@
           <p:cNvPr id="4" name="Content Placeholder 3">
             <a:extLst>
               <a:ext uri="{FF2B5EF4-FFF2-40B4-BE49-F238E27FC236}">
-                <a16:creationId xmlns:a16="http://schemas.microsoft.com/office/drawing/2014/main" xmlns="" id="{F90842DA-F193-4FD2-B85C-820D02F67803}"/>
+                <a16:creationId xmlns:a16="http://schemas.microsoft.com/office/drawing/2014/main" id="{F90842DA-F193-4FD2-B85C-820D02F67803}"/>
               </a:ext>
             </a:extLst>
           </p:cNvPr>
@@ -5478,7 +5482,7 @@
           <p:cNvPr id="5" name="Date Placeholder 4">
             <a:extLst>
               <a:ext uri="{FF2B5EF4-FFF2-40B4-BE49-F238E27FC236}">
-                <a16:creationId xmlns:a16="http://schemas.microsoft.com/office/drawing/2014/main" xmlns="" id="{D1FFF39B-B900-4142-BD19-4C7BC14A9C3D}"/>
+                <a16:creationId xmlns:a16="http://schemas.microsoft.com/office/drawing/2014/main" id="{D1FFF39B-B900-4142-BD19-4C7BC14A9C3D}"/>
               </a:ext>
             </a:extLst>
           </p:cNvPr>
@@ -5506,7 +5510,7 @@
           <p:cNvPr id="6" name="Footer Placeholder 5">
             <a:extLst>
               <a:ext uri="{FF2B5EF4-FFF2-40B4-BE49-F238E27FC236}">
-                <a16:creationId xmlns:a16="http://schemas.microsoft.com/office/drawing/2014/main" xmlns="" id="{8FFBC69E-19FD-4BF3-8BD4-78AD855CA3A9}"/>
+                <a16:creationId xmlns:a16="http://schemas.microsoft.com/office/drawing/2014/main" id="{8FFBC69E-19FD-4BF3-8BD4-78AD855CA3A9}"/>
               </a:ext>
             </a:extLst>
           </p:cNvPr>
@@ -5534,7 +5538,7 @@
           <p:cNvPr id="7" name="Slide Number Placeholder 6">
             <a:extLst>
               <a:ext uri="{FF2B5EF4-FFF2-40B4-BE49-F238E27FC236}">
-                <a16:creationId xmlns:a16="http://schemas.microsoft.com/office/drawing/2014/main" xmlns="" id="{C18E0F0F-E071-4289-9E46-1C97383E8B16}"/>
+                <a16:creationId xmlns:a16="http://schemas.microsoft.com/office/drawing/2014/main" id="{C18E0F0F-E071-4289-9E46-1C97383E8B16}"/>
               </a:ext>
             </a:extLst>
           </p:cNvPr>
@@ -5593,7 +5597,7 @@
           <p:cNvPr id="2" name="Title 1">
             <a:extLst>
               <a:ext uri="{FF2B5EF4-FFF2-40B4-BE49-F238E27FC236}">
-                <a16:creationId xmlns:a16="http://schemas.microsoft.com/office/drawing/2014/main" xmlns="" id="{9CBCC924-5FC3-40EF-AA67-3D8D94E469FD}"/>
+                <a16:creationId xmlns:a16="http://schemas.microsoft.com/office/drawing/2014/main" id="{9CBCC924-5FC3-40EF-AA67-3D8D94E469FD}"/>
               </a:ext>
             </a:extLst>
           </p:cNvPr>
@@ -5627,7 +5631,7 @@
           <p:cNvPr id="3" name="Text Placeholder 2">
             <a:extLst>
               <a:ext uri="{FF2B5EF4-FFF2-40B4-BE49-F238E27FC236}">
-                <a16:creationId xmlns:a16="http://schemas.microsoft.com/office/drawing/2014/main" xmlns="" id="{5B107A9B-C253-4673-8329-D020D5F18957}"/>
+                <a16:creationId xmlns:a16="http://schemas.microsoft.com/office/drawing/2014/main" id="{5B107A9B-C253-4673-8329-D020D5F18957}"/>
               </a:ext>
             </a:extLst>
           </p:cNvPr>
@@ -5698,7 +5702,7 @@
           <p:cNvPr id="4" name="Content Placeholder 3">
             <a:extLst>
               <a:ext uri="{FF2B5EF4-FFF2-40B4-BE49-F238E27FC236}">
-                <a16:creationId xmlns:a16="http://schemas.microsoft.com/office/drawing/2014/main" xmlns="" id="{DC691E33-F611-4241-BE78-D855D265C0BD}"/>
+                <a16:creationId xmlns:a16="http://schemas.microsoft.com/office/drawing/2014/main" id="{DC691E33-F611-4241-BE78-D855D265C0BD}"/>
               </a:ext>
             </a:extLst>
           </p:cNvPr>
@@ -5761,7 +5765,7 @@
           <p:cNvPr id="5" name="Text Placeholder 4">
             <a:extLst>
               <a:ext uri="{FF2B5EF4-FFF2-40B4-BE49-F238E27FC236}">
-                <a16:creationId xmlns:a16="http://schemas.microsoft.com/office/drawing/2014/main" xmlns="" id="{DCD9C807-6408-4D96-B053-DBDB3B44C35D}"/>
+                <a16:creationId xmlns:a16="http://schemas.microsoft.com/office/drawing/2014/main" id="{DCD9C807-6408-4D96-B053-DBDB3B44C35D}"/>
               </a:ext>
             </a:extLst>
           </p:cNvPr>
@@ -5832,7 +5836,7 @@
           <p:cNvPr id="6" name="Content Placeholder 5">
             <a:extLst>
               <a:ext uri="{FF2B5EF4-FFF2-40B4-BE49-F238E27FC236}">
-                <a16:creationId xmlns:a16="http://schemas.microsoft.com/office/drawing/2014/main" xmlns="" id="{FB8BDB55-FD39-4883-AC08-C990C56E6612}"/>
+                <a16:creationId xmlns:a16="http://schemas.microsoft.com/office/drawing/2014/main" id="{FB8BDB55-FD39-4883-AC08-C990C56E6612}"/>
               </a:ext>
             </a:extLst>
           </p:cNvPr>
@@ -5895,7 +5899,7 @@
           <p:cNvPr id="7" name="Date Placeholder 6">
             <a:extLst>
               <a:ext uri="{FF2B5EF4-FFF2-40B4-BE49-F238E27FC236}">
-                <a16:creationId xmlns:a16="http://schemas.microsoft.com/office/drawing/2014/main" xmlns="" id="{1C6402DF-2215-4CD2-8CDD-D7F43333FDDC}"/>
+                <a16:creationId xmlns:a16="http://schemas.microsoft.com/office/drawing/2014/main" id="{1C6402DF-2215-4CD2-8CDD-D7F43333FDDC}"/>
               </a:ext>
             </a:extLst>
           </p:cNvPr>
@@ -5923,7 +5927,7 @@
           <p:cNvPr id="8" name="Footer Placeholder 7">
             <a:extLst>
               <a:ext uri="{FF2B5EF4-FFF2-40B4-BE49-F238E27FC236}">
-                <a16:creationId xmlns:a16="http://schemas.microsoft.com/office/drawing/2014/main" xmlns="" id="{F8DEC84C-54F8-4052-BD55-5B1A789D3429}"/>
+                <a16:creationId xmlns:a16="http://schemas.microsoft.com/office/drawing/2014/main" id="{F8DEC84C-54F8-4052-BD55-5B1A789D3429}"/>
               </a:ext>
             </a:extLst>
           </p:cNvPr>
@@ -5951,7 +5955,7 @@
           <p:cNvPr id="9" name="Slide Number Placeholder 8">
             <a:extLst>
               <a:ext uri="{FF2B5EF4-FFF2-40B4-BE49-F238E27FC236}">
-                <a16:creationId xmlns:a16="http://schemas.microsoft.com/office/drawing/2014/main" xmlns="" id="{0444D7D6-6DF9-4DA0-85C9-5F7127EF9CF5}"/>
+                <a16:creationId xmlns:a16="http://schemas.microsoft.com/office/drawing/2014/main" id="{0444D7D6-6DF9-4DA0-85C9-5F7127EF9CF5}"/>
               </a:ext>
             </a:extLst>
           </p:cNvPr>
@@ -6010,7 +6014,7 @@
           <p:cNvPr id="2" name="Title 1">
             <a:extLst>
               <a:ext uri="{FF2B5EF4-FFF2-40B4-BE49-F238E27FC236}">
-                <a16:creationId xmlns:a16="http://schemas.microsoft.com/office/drawing/2014/main" xmlns="" id="{CEF827E2-1D5B-4507-B543-84936310706F}"/>
+                <a16:creationId xmlns:a16="http://schemas.microsoft.com/office/drawing/2014/main" id="{CEF827E2-1D5B-4507-B543-84936310706F}"/>
               </a:ext>
             </a:extLst>
           </p:cNvPr>
@@ -6039,7 +6043,7 @@
           <p:cNvPr id="3" name="Date Placeholder 2">
             <a:extLst>
               <a:ext uri="{FF2B5EF4-FFF2-40B4-BE49-F238E27FC236}">
-                <a16:creationId xmlns:a16="http://schemas.microsoft.com/office/drawing/2014/main" xmlns="" id="{EBA6D65D-D8C4-4F81-AF58-83B63151B46F}"/>
+                <a16:creationId xmlns:a16="http://schemas.microsoft.com/office/drawing/2014/main" id="{EBA6D65D-D8C4-4F81-AF58-83B63151B46F}"/>
               </a:ext>
             </a:extLst>
           </p:cNvPr>
@@ -6067,7 +6071,7 @@
           <p:cNvPr id="4" name="Footer Placeholder 3">
             <a:extLst>
               <a:ext uri="{FF2B5EF4-FFF2-40B4-BE49-F238E27FC236}">
-                <a16:creationId xmlns:a16="http://schemas.microsoft.com/office/drawing/2014/main" xmlns="" id="{A6178248-65F1-4276-A5D6-E764CA5BD92F}"/>
+                <a16:creationId xmlns:a16="http://schemas.microsoft.com/office/drawing/2014/main" id="{A6178248-65F1-4276-A5D6-E764CA5BD92F}"/>
               </a:ext>
             </a:extLst>
           </p:cNvPr>
@@ -6095,7 +6099,7 @@
           <p:cNvPr id="5" name="Slide Number Placeholder 4">
             <a:extLst>
               <a:ext uri="{FF2B5EF4-FFF2-40B4-BE49-F238E27FC236}">
-                <a16:creationId xmlns:a16="http://schemas.microsoft.com/office/drawing/2014/main" xmlns="" id="{E3184932-81C3-41E8-BB6B-D32E0A6B1361}"/>
+                <a16:creationId xmlns:a16="http://schemas.microsoft.com/office/drawing/2014/main" id="{E3184932-81C3-41E8-BB6B-D32E0A6B1361}"/>
               </a:ext>
             </a:extLst>
           </p:cNvPr>
@@ -6154,7 +6158,7 @@
           <p:cNvPr id="2" name="Title 1">
             <a:extLst>
               <a:ext uri="{FF2B5EF4-FFF2-40B4-BE49-F238E27FC236}">
-                <a16:creationId xmlns:a16="http://schemas.microsoft.com/office/drawing/2014/main" xmlns="" id="{F69BB830-5846-4BFF-94AC-4EC6ADCFDCAD}"/>
+                <a16:creationId xmlns:a16="http://schemas.microsoft.com/office/drawing/2014/main" id="{F69BB830-5846-4BFF-94AC-4EC6ADCFDCAD}"/>
               </a:ext>
             </a:extLst>
           </p:cNvPr>
@@ -6191,7 +6195,7 @@
           <p:cNvPr id="3" name="Content Placeholder 2">
             <a:extLst>
               <a:ext uri="{FF2B5EF4-FFF2-40B4-BE49-F238E27FC236}">
-                <a16:creationId xmlns:a16="http://schemas.microsoft.com/office/drawing/2014/main" xmlns="" id="{FFD1DC8A-530A-4051-8628-65AAC3BD36BC}"/>
+                <a16:creationId xmlns:a16="http://schemas.microsoft.com/office/drawing/2014/main" id="{FFD1DC8A-530A-4051-8628-65AAC3BD36BC}"/>
               </a:ext>
             </a:extLst>
           </p:cNvPr>
@@ -6254,7 +6258,7 @@
           <p:cNvPr id="4" name="Date Placeholder 3">
             <a:extLst>
               <a:ext uri="{FF2B5EF4-FFF2-40B4-BE49-F238E27FC236}">
-                <a16:creationId xmlns:a16="http://schemas.microsoft.com/office/drawing/2014/main" xmlns="" id="{62EBD670-43FB-418C-8970-CC12DC5DAD9F}"/>
+                <a16:creationId xmlns:a16="http://schemas.microsoft.com/office/drawing/2014/main" id="{62EBD670-43FB-418C-8970-CC12DC5DAD9F}"/>
               </a:ext>
             </a:extLst>
           </p:cNvPr>
@@ -6290,7 +6294,7 @@
           <p:cNvPr id="5" name="Footer Placeholder 4">
             <a:extLst>
               <a:ext uri="{FF2B5EF4-FFF2-40B4-BE49-F238E27FC236}">
-                <a16:creationId xmlns:a16="http://schemas.microsoft.com/office/drawing/2014/main" xmlns="" id="{0E8ECFD0-8AA1-4672-A66F-2F482DE1A92F}"/>
+                <a16:creationId xmlns:a16="http://schemas.microsoft.com/office/drawing/2014/main" id="{0E8ECFD0-8AA1-4672-A66F-2F482DE1A92F}"/>
               </a:ext>
             </a:extLst>
           </p:cNvPr>
@@ -6327,7 +6331,7 @@
           <p:cNvPr id="6" name="Slide Number Placeholder 5">
             <a:extLst>
               <a:ext uri="{FF2B5EF4-FFF2-40B4-BE49-F238E27FC236}">
-                <a16:creationId xmlns:a16="http://schemas.microsoft.com/office/drawing/2014/main" xmlns="" id="{EDA04B25-8EB3-4981-853A-C79EAA4B6292}"/>
+                <a16:creationId xmlns:a16="http://schemas.microsoft.com/office/drawing/2014/main" id="{EDA04B25-8EB3-4981-853A-C79EAA4B6292}"/>
               </a:ext>
             </a:extLst>
           </p:cNvPr>
@@ -6386,7 +6390,7 @@
           <p:cNvPr id="2" name="Date Placeholder 1">
             <a:extLst>
               <a:ext uri="{FF2B5EF4-FFF2-40B4-BE49-F238E27FC236}">
-                <a16:creationId xmlns:a16="http://schemas.microsoft.com/office/drawing/2014/main" xmlns="" id="{7DA7B4B3-1D5D-4642-951F-BE795AAE65C4}"/>
+                <a16:creationId xmlns:a16="http://schemas.microsoft.com/office/drawing/2014/main" id="{7DA7B4B3-1D5D-4642-951F-BE795AAE65C4}"/>
               </a:ext>
             </a:extLst>
           </p:cNvPr>
@@ -6414,7 +6418,7 @@
           <p:cNvPr id="3" name="Footer Placeholder 2">
             <a:extLst>
               <a:ext uri="{FF2B5EF4-FFF2-40B4-BE49-F238E27FC236}">
-                <a16:creationId xmlns:a16="http://schemas.microsoft.com/office/drawing/2014/main" xmlns="" id="{8884173B-5683-4B07-A6B6-FE65E1A82E77}"/>
+                <a16:creationId xmlns:a16="http://schemas.microsoft.com/office/drawing/2014/main" id="{8884173B-5683-4B07-A6B6-FE65E1A82E77}"/>
               </a:ext>
             </a:extLst>
           </p:cNvPr>
@@ -6442,7 +6446,7 @@
           <p:cNvPr id="4" name="Slide Number Placeholder 3">
             <a:extLst>
               <a:ext uri="{FF2B5EF4-FFF2-40B4-BE49-F238E27FC236}">
-                <a16:creationId xmlns:a16="http://schemas.microsoft.com/office/drawing/2014/main" xmlns="" id="{A3604C50-87DF-45F5-93A9-563F680A4F86}"/>
+                <a16:creationId xmlns:a16="http://schemas.microsoft.com/office/drawing/2014/main" id="{A3604C50-87DF-45F5-93A9-563F680A4F86}"/>
               </a:ext>
             </a:extLst>
           </p:cNvPr>
@@ -6501,7 +6505,7 @@
           <p:cNvPr id="2" name="Title 1">
             <a:extLst>
               <a:ext uri="{FF2B5EF4-FFF2-40B4-BE49-F238E27FC236}">
-                <a16:creationId xmlns:a16="http://schemas.microsoft.com/office/drawing/2014/main" xmlns="" id="{89DE626C-A862-4DB9-BB4B-60DFE8BAA8FD}"/>
+                <a16:creationId xmlns:a16="http://schemas.microsoft.com/office/drawing/2014/main" id="{89DE626C-A862-4DB9-BB4B-60DFE8BAA8FD}"/>
               </a:ext>
             </a:extLst>
           </p:cNvPr>
@@ -6539,7 +6543,7 @@
           <p:cNvPr id="3" name="Content Placeholder 2">
             <a:extLst>
               <a:ext uri="{FF2B5EF4-FFF2-40B4-BE49-F238E27FC236}">
-                <a16:creationId xmlns:a16="http://schemas.microsoft.com/office/drawing/2014/main" xmlns="" id="{30C8A0A6-E54D-4A23-82BB-ED65BAE64D38}"/>
+                <a16:creationId xmlns:a16="http://schemas.microsoft.com/office/drawing/2014/main" id="{30C8A0A6-E54D-4A23-82BB-ED65BAE64D38}"/>
               </a:ext>
             </a:extLst>
           </p:cNvPr>
@@ -6630,7 +6634,7 @@
           <p:cNvPr id="4" name="Text Placeholder 3">
             <a:extLst>
               <a:ext uri="{FF2B5EF4-FFF2-40B4-BE49-F238E27FC236}">
-                <a16:creationId xmlns:a16="http://schemas.microsoft.com/office/drawing/2014/main" xmlns="" id="{F974B46C-C7A3-468B-9B6D-13DBE08782F6}"/>
+                <a16:creationId xmlns:a16="http://schemas.microsoft.com/office/drawing/2014/main" id="{F974B46C-C7A3-468B-9B6D-13DBE08782F6}"/>
               </a:ext>
             </a:extLst>
           </p:cNvPr>
@@ -6701,7 +6705,7 @@
           <p:cNvPr id="5" name="Date Placeholder 4">
             <a:extLst>
               <a:ext uri="{FF2B5EF4-FFF2-40B4-BE49-F238E27FC236}">
-                <a16:creationId xmlns:a16="http://schemas.microsoft.com/office/drawing/2014/main" xmlns="" id="{3A0DEE69-0C06-40B4-A585-623689A0E1B7}"/>
+                <a16:creationId xmlns:a16="http://schemas.microsoft.com/office/drawing/2014/main" id="{3A0DEE69-0C06-40B4-A585-623689A0E1B7}"/>
               </a:ext>
             </a:extLst>
           </p:cNvPr>
@@ -6729,7 +6733,7 @@
           <p:cNvPr id="6" name="Footer Placeholder 5">
             <a:extLst>
               <a:ext uri="{FF2B5EF4-FFF2-40B4-BE49-F238E27FC236}">
-                <a16:creationId xmlns:a16="http://schemas.microsoft.com/office/drawing/2014/main" xmlns="" id="{7DC33A2F-2971-4E6B-BEE2-98ECF3481927}"/>
+                <a16:creationId xmlns:a16="http://schemas.microsoft.com/office/drawing/2014/main" id="{7DC33A2F-2971-4E6B-BEE2-98ECF3481927}"/>
               </a:ext>
             </a:extLst>
           </p:cNvPr>
@@ -6757,7 +6761,7 @@
           <p:cNvPr id="7" name="Slide Number Placeholder 6">
             <a:extLst>
               <a:ext uri="{FF2B5EF4-FFF2-40B4-BE49-F238E27FC236}">
-                <a16:creationId xmlns:a16="http://schemas.microsoft.com/office/drawing/2014/main" xmlns="" id="{A0E8ED68-03D2-4B6B-9D83-4B8C7798C47E}"/>
+                <a16:creationId xmlns:a16="http://schemas.microsoft.com/office/drawing/2014/main" id="{A0E8ED68-03D2-4B6B-9D83-4B8C7798C47E}"/>
               </a:ext>
             </a:extLst>
           </p:cNvPr>
@@ -6816,7 +6820,7 @@
           <p:cNvPr id="2" name="Title 1">
             <a:extLst>
               <a:ext uri="{FF2B5EF4-FFF2-40B4-BE49-F238E27FC236}">
-                <a16:creationId xmlns:a16="http://schemas.microsoft.com/office/drawing/2014/main" xmlns="" id="{590B7302-973C-43E2-8266-EB309C74CAE0}"/>
+                <a16:creationId xmlns:a16="http://schemas.microsoft.com/office/drawing/2014/main" id="{590B7302-973C-43E2-8266-EB309C74CAE0}"/>
               </a:ext>
             </a:extLst>
           </p:cNvPr>
@@ -6854,7 +6858,7 @@
           <p:cNvPr id="3" name="Picture Placeholder 2">
             <a:extLst>
               <a:ext uri="{FF2B5EF4-FFF2-40B4-BE49-F238E27FC236}">
-                <a16:creationId xmlns:a16="http://schemas.microsoft.com/office/drawing/2014/main" xmlns="" id="{0BB4836D-2B27-4E99-A4E9-44E63B07037A}"/>
+                <a16:creationId xmlns:a16="http://schemas.microsoft.com/office/drawing/2014/main" id="{0BB4836D-2B27-4E99-A4E9-44E63B07037A}"/>
               </a:ext>
             </a:extLst>
           </p:cNvPr>
@@ -6921,7 +6925,7 @@
           <p:cNvPr id="4" name="Text Placeholder 3">
             <a:extLst>
               <a:ext uri="{FF2B5EF4-FFF2-40B4-BE49-F238E27FC236}">
-                <a16:creationId xmlns:a16="http://schemas.microsoft.com/office/drawing/2014/main" xmlns="" id="{7E6EB6B5-C561-4656-9550-3F6CDD14D15F}"/>
+                <a16:creationId xmlns:a16="http://schemas.microsoft.com/office/drawing/2014/main" id="{7E6EB6B5-C561-4656-9550-3F6CDD14D15F}"/>
               </a:ext>
             </a:extLst>
           </p:cNvPr>
@@ -6992,7 +6996,7 @@
           <p:cNvPr id="5" name="Date Placeholder 4">
             <a:extLst>
               <a:ext uri="{FF2B5EF4-FFF2-40B4-BE49-F238E27FC236}">
-                <a16:creationId xmlns:a16="http://schemas.microsoft.com/office/drawing/2014/main" xmlns="" id="{B2403665-2894-4978-BE66-31EBAF67ADD9}"/>
+                <a16:creationId xmlns:a16="http://schemas.microsoft.com/office/drawing/2014/main" id="{B2403665-2894-4978-BE66-31EBAF67ADD9}"/>
               </a:ext>
             </a:extLst>
           </p:cNvPr>
@@ -7020,7 +7024,7 @@
           <p:cNvPr id="6" name="Footer Placeholder 5">
             <a:extLst>
               <a:ext uri="{FF2B5EF4-FFF2-40B4-BE49-F238E27FC236}">
-                <a16:creationId xmlns:a16="http://schemas.microsoft.com/office/drawing/2014/main" xmlns="" id="{CB79DDA8-96EB-4C77-B5AA-536AAD6A1C2C}"/>
+                <a16:creationId xmlns:a16="http://schemas.microsoft.com/office/drawing/2014/main" id="{CB79DDA8-96EB-4C77-B5AA-536AAD6A1C2C}"/>
               </a:ext>
             </a:extLst>
           </p:cNvPr>
@@ -7048,7 +7052,7 @@
           <p:cNvPr id="7" name="Slide Number Placeholder 6">
             <a:extLst>
               <a:ext uri="{FF2B5EF4-FFF2-40B4-BE49-F238E27FC236}">
-                <a16:creationId xmlns:a16="http://schemas.microsoft.com/office/drawing/2014/main" xmlns="" id="{99887644-4078-46FE-AFB7-670AAA65DFEC}"/>
+                <a16:creationId xmlns:a16="http://schemas.microsoft.com/office/drawing/2014/main" id="{99887644-4078-46FE-AFB7-670AAA65DFEC}"/>
               </a:ext>
             </a:extLst>
           </p:cNvPr>
@@ -7107,7 +7111,7 @@
           <p:cNvPr id="2" name="Title 1">
             <a:extLst>
               <a:ext uri="{FF2B5EF4-FFF2-40B4-BE49-F238E27FC236}">
-                <a16:creationId xmlns:a16="http://schemas.microsoft.com/office/drawing/2014/main" xmlns="" id="{F5979442-03EA-4EBA-BD35-CB21398A83A0}"/>
+                <a16:creationId xmlns:a16="http://schemas.microsoft.com/office/drawing/2014/main" id="{F5979442-03EA-4EBA-BD35-CB21398A83A0}"/>
               </a:ext>
             </a:extLst>
           </p:cNvPr>
@@ -7136,7 +7140,7 @@
           <p:cNvPr id="3" name="Vertical Text Placeholder 2">
             <a:extLst>
               <a:ext uri="{FF2B5EF4-FFF2-40B4-BE49-F238E27FC236}">
-                <a16:creationId xmlns:a16="http://schemas.microsoft.com/office/drawing/2014/main" xmlns="" id="{3027FAED-F90B-411D-9103-FB91E40E2E81}"/>
+                <a16:creationId xmlns:a16="http://schemas.microsoft.com/office/drawing/2014/main" id="{3027FAED-F90B-411D-9103-FB91E40E2E81}"/>
               </a:ext>
             </a:extLst>
           </p:cNvPr>
@@ -7194,7 +7198,7 @@
           <p:cNvPr id="4" name="Date Placeholder 3">
             <a:extLst>
               <a:ext uri="{FF2B5EF4-FFF2-40B4-BE49-F238E27FC236}">
-                <a16:creationId xmlns:a16="http://schemas.microsoft.com/office/drawing/2014/main" xmlns="" id="{448AA73C-A629-4F94-AC74-6BE10A9D2661}"/>
+                <a16:creationId xmlns:a16="http://schemas.microsoft.com/office/drawing/2014/main" id="{448AA73C-A629-4F94-AC74-6BE10A9D2661}"/>
               </a:ext>
             </a:extLst>
           </p:cNvPr>
@@ -7222,7 +7226,7 @@
           <p:cNvPr id="5" name="Footer Placeholder 4">
             <a:extLst>
               <a:ext uri="{FF2B5EF4-FFF2-40B4-BE49-F238E27FC236}">
-                <a16:creationId xmlns:a16="http://schemas.microsoft.com/office/drawing/2014/main" xmlns="" id="{11AFB4C5-DC5C-4E0B-A30A-B3E2C65006F8}"/>
+                <a16:creationId xmlns:a16="http://schemas.microsoft.com/office/drawing/2014/main" id="{11AFB4C5-DC5C-4E0B-A30A-B3E2C65006F8}"/>
               </a:ext>
             </a:extLst>
           </p:cNvPr>
@@ -7250,7 +7254,7 @@
           <p:cNvPr id="6" name="Slide Number Placeholder 5">
             <a:extLst>
               <a:ext uri="{FF2B5EF4-FFF2-40B4-BE49-F238E27FC236}">
-                <a16:creationId xmlns:a16="http://schemas.microsoft.com/office/drawing/2014/main" xmlns="" id="{BA60360F-588E-4EC9-8B45-836F48AC3064}"/>
+                <a16:creationId xmlns:a16="http://schemas.microsoft.com/office/drawing/2014/main" id="{BA60360F-588E-4EC9-8B45-836F48AC3064}"/>
               </a:ext>
             </a:extLst>
           </p:cNvPr>
@@ -7309,7 +7313,7 @@
           <p:cNvPr id="2" name="Vertical Title 1">
             <a:extLst>
               <a:ext uri="{FF2B5EF4-FFF2-40B4-BE49-F238E27FC236}">
-                <a16:creationId xmlns:a16="http://schemas.microsoft.com/office/drawing/2014/main" xmlns="" id="{37030969-C7E9-4B4B-AF99-D36C9DDF4398}"/>
+                <a16:creationId xmlns:a16="http://schemas.microsoft.com/office/drawing/2014/main" id="{37030969-C7E9-4B4B-AF99-D36C9DDF4398}"/>
               </a:ext>
             </a:extLst>
           </p:cNvPr>
@@ -7343,7 +7347,7 @@
           <p:cNvPr id="3" name="Vertical Text Placeholder 2">
             <a:extLst>
               <a:ext uri="{FF2B5EF4-FFF2-40B4-BE49-F238E27FC236}">
-                <a16:creationId xmlns:a16="http://schemas.microsoft.com/office/drawing/2014/main" xmlns="" id="{31BD9FE5-2ED8-4149-8CAD-50697597EE3C}"/>
+                <a16:creationId xmlns:a16="http://schemas.microsoft.com/office/drawing/2014/main" id="{31BD9FE5-2ED8-4149-8CAD-50697597EE3C}"/>
               </a:ext>
             </a:extLst>
           </p:cNvPr>
@@ -7406,7 +7410,7 @@
           <p:cNvPr id="4" name="Date Placeholder 3">
             <a:extLst>
               <a:ext uri="{FF2B5EF4-FFF2-40B4-BE49-F238E27FC236}">
-                <a16:creationId xmlns:a16="http://schemas.microsoft.com/office/drawing/2014/main" xmlns="" id="{8E2818A7-EBD8-420F-9988-4CA46CC2962D}"/>
+                <a16:creationId xmlns:a16="http://schemas.microsoft.com/office/drawing/2014/main" id="{8E2818A7-EBD8-420F-9988-4CA46CC2962D}"/>
               </a:ext>
             </a:extLst>
           </p:cNvPr>
@@ -7434,7 +7438,7 @@
           <p:cNvPr id="5" name="Footer Placeholder 4">
             <a:extLst>
               <a:ext uri="{FF2B5EF4-FFF2-40B4-BE49-F238E27FC236}">
-                <a16:creationId xmlns:a16="http://schemas.microsoft.com/office/drawing/2014/main" xmlns="" id="{0EA8B38A-E7CA-4BB1-BED4-A750E07D50E9}"/>
+                <a16:creationId xmlns:a16="http://schemas.microsoft.com/office/drawing/2014/main" id="{0EA8B38A-E7CA-4BB1-BED4-A750E07D50E9}"/>
               </a:ext>
             </a:extLst>
           </p:cNvPr>
@@ -7462,7 +7466,7 @@
           <p:cNvPr id="6" name="Slide Number Placeholder 5">
             <a:extLst>
               <a:ext uri="{FF2B5EF4-FFF2-40B4-BE49-F238E27FC236}">
-                <a16:creationId xmlns:a16="http://schemas.microsoft.com/office/drawing/2014/main" xmlns="" id="{137CEC92-5AB4-4AA4-9949-EE34922FC12D}"/>
+                <a16:creationId xmlns:a16="http://schemas.microsoft.com/office/drawing/2014/main" id="{137CEC92-5AB4-4AA4-9949-EE34922FC12D}"/>
               </a:ext>
             </a:extLst>
           </p:cNvPr>
@@ -7521,7 +7525,7 @@
           <p:cNvPr id="2" name="Title 1">
             <a:extLst>
               <a:ext uri="{FF2B5EF4-FFF2-40B4-BE49-F238E27FC236}">
-                <a16:creationId xmlns:a16="http://schemas.microsoft.com/office/drawing/2014/main" xmlns="" id="{EF40842B-C6CA-43A0-8C7B-C51A8BA4E18E}"/>
+                <a16:creationId xmlns:a16="http://schemas.microsoft.com/office/drawing/2014/main" id="{EF40842B-C6CA-43A0-8C7B-C51A8BA4E18E}"/>
               </a:ext>
             </a:extLst>
           </p:cNvPr>
@@ -7559,7 +7563,7 @@
           <p:cNvPr id="3" name="Subtitle 2">
             <a:extLst>
               <a:ext uri="{FF2B5EF4-FFF2-40B4-BE49-F238E27FC236}">
-                <a16:creationId xmlns:a16="http://schemas.microsoft.com/office/drawing/2014/main" xmlns="" id="{52CB8609-D1C9-4053-9799-16F0B8007F7D}"/>
+                <a16:creationId xmlns:a16="http://schemas.microsoft.com/office/drawing/2014/main" id="{52CB8609-D1C9-4053-9799-16F0B8007F7D}"/>
               </a:ext>
             </a:extLst>
           </p:cNvPr>
@@ -7630,7 +7634,7 @@
           <p:cNvPr id="4" name="Date Placeholder 3">
             <a:extLst>
               <a:ext uri="{FF2B5EF4-FFF2-40B4-BE49-F238E27FC236}">
-                <a16:creationId xmlns:a16="http://schemas.microsoft.com/office/drawing/2014/main" xmlns="" id="{F2E68D7E-AF4D-4C00-8C02-89B28DF7B604}"/>
+                <a16:creationId xmlns:a16="http://schemas.microsoft.com/office/drawing/2014/main" id="{F2E68D7E-AF4D-4C00-8C02-89B28DF7B604}"/>
               </a:ext>
             </a:extLst>
           </p:cNvPr>
@@ -7658,7 +7662,7 @@
           <p:cNvPr id="5" name="Footer Placeholder 4">
             <a:extLst>
               <a:ext uri="{FF2B5EF4-FFF2-40B4-BE49-F238E27FC236}">
-                <a16:creationId xmlns:a16="http://schemas.microsoft.com/office/drawing/2014/main" xmlns="" id="{859379C3-5354-435E-8EB3-C5E2012D7430}"/>
+                <a16:creationId xmlns:a16="http://schemas.microsoft.com/office/drawing/2014/main" id="{859379C3-5354-435E-8EB3-C5E2012D7430}"/>
               </a:ext>
             </a:extLst>
           </p:cNvPr>
@@ -7686,7 +7690,7 @@
           <p:cNvPr id="6" name="Slide Number Placeholder 5">
             <a:extLst>
               <a:ext uri="{FF2B5EF4-FFF2-40B4-BE49-F238E27FC236}">
-                <a16:creationId xmlns:a16="http://schemas.microsoft.com/office/drawing/2014/main" xmlns="" id="{90DCA2A0-DDFB-45DB-B7EF-062DE2EF1079}"/>
+                <a16:creationId xmlns:a16="http://schemas.microsoft.com/office/drawing/2014/main" id="{90DCA2A0-DDFB-45DB-B7EF-062DE2EF1079}"/>
               </a:ext>
             </a:extLst>
           </p:cNvPr>
@@ -7745,7 +7749,7 @@
           <p:cNvPr id="2" name="Title 1">
             <a:extLst>
               <a:ext uri="{FF2B5EF4-FFF2-40B4-BE49-F238E27FC236}">
-                <a16:creationId xmlns:a16="http://schemas.microsoft.com/office/drawing/2014/main" xmlns="" id="{F69BB830-5846-4BFF-94AC-4EC6ADCFDCAD}"/>
+                <a16:creationId xmlns:a16="http://schemas.microsoft.com/office/drawing/2014/main" id="{F69BB830-5846-4BFF-94AC-4EC6ADCFDCAD}"/>
               </a:ext>
             </a:extLst>
           </p:cNvPr>
@@ -7774,7 +7778,7 @@
           <p:cNvPr id="3" name="Content Placeholder 2">
             <a:extLst>
               <a:ext uri="{FF2B5EF4-FFF2-40B4-BE49-F238E27FC236}">
-                <a16:creationId xmlns:a16="http://schemas.microsoft.com/office/drawing/2014/main" xmlns="" id="{FFD1DC8A-530A-4051-8628-65AAC3BD36BC}"/>
+                <a16:creationId xmlns:a16="http://schemas.microsoft.com/office/drawing/2014/main" id="{FFD1DC8A-530A-4051-8628-65AAC3BD36BC}"/>
               </a:ext>
             </a:extLst>
           </p:cNvPr>
@@ -7832,7 +7836,7 @@
           <p:cNvPr id="4" name="Date Placeholder 3">
             <a:extLst>
               <a:ext uri="{FF2B5EF4-FFF2-40B4-BE49-F238E27FC236}">
-                <a16:creationId xmlns:a16="http://schemas.microsoft.com/office/drawing/2014/main" xmlns="" id="{62EBD670-43FB-418C-8970-CC12DC5DAD9F}"/>
+                <a16:creationId xmlns:a16="http://schemas.microsoft.com/office/drawing/2014/main" id="{62EBD670-43FB-418C-8970-CC12DC5DAD9F}"/>
               </a:ext>
             </a:extLst>
           </p:cNvPr>
@@ -7860,7 +7864,7 @@
           <p:cNvPr id="5" name="Footer Placeholder 4">
             <a:extLst>
               <a:ext uri="{FF2B5EF4-FFF2-40B4-BE49-F238E27FC236}">
-                <a16:creationId xmlns:a16="http://schemas.microsoft.com/office/drawing/2014/main" xmlns="" id="{0E8ECFD0-8AA1-4672-A66F-2F482DE1A92F}"/>
+                <a16:creationId xmlns:a16="http://schemas.microsoft.com/office/drawing/2014/main" id="{0E8ECFD0-8AA1-4672-A66F-2F482DE1A92F}"/>
               </a:ext>
             </a:extLst>
           </p:cNvPr>
@@ -7888,7 +7892,7 @@
           <p:cNvPr id="6" name="Slide Number Placeholder 5">
             <a:extLst>
               <a:ext uri="{FF2B5EF4-FFF2-40B4-BE49-F238E27FC236}">
-                <a16:creationId xmlns:a16="http://schemas.microsoft.com/office/drawing/2014/main" xmlns="" id="{EDA04B25-8EB3-4981-853A-C79EAA4B6292}"/>
+                <a16:creationId xmlns:a16="http://schemas.microsoft.com/office/drawing/2014/main" id="{EDA04B25-8EB3-4981-853A-C79EAA4B6292}"/>
               </a:ext>
             </a:extLst>
           </p:cNvPr>
@@ -7947,7 +7951,7 @@
           <p:cNvPr id="2" name="Title 1">
             <a:extLst>
               <a:ext uri="{FF2B5EF4-FFF2-40B4-BE49-F238E27FC236}">
-                <a16:creationId xmlns:a16="http://schemas.microsoft.com/office/drawing/2014/main" xmlns="" id="{94ADA874-EEE2-44F9-9137-4320AB078C65}"/>
+                <a16:creationId xmlns:a16="http://schemas.microsoft.com/office/drawing/2014/main" id="{94ADA874-EEE2-44F9-9137-4320AB078C65}"/>
               </a:ext>
             </a:extLst>
           </p:cNvPr>
@@ -7985,7 +7989,7 @@
           <p:cNvPr id="3" name="Text Placeholder 2">
             <a:extLst>
               <a:ext uri="{FF2B5EF4-FFF2-40B4-BE49-F238E27FC236}">
-                <a16:creationId xmlns:a16="http://schemas.microsoft.com/office/drawing/2014/main" xmlns="" id="{ACDA1EFE-1D8A-478A-9AFA-91409EBBBCF3}"/>
+                <a16:creationId xmlns:a16="http://schemas.microsoft.com/office/drawing/2014/main" id="{ACDA1EFE-1D8A-478A-9AFA-91409EBBBCF3}"/>
               </a:ext>
             </a:extLst>
           </p:cNvPr>
@@ -8110,7 +8114,7 @@
           <p:cNvPr id="4" name="Date Placeholder 3">
             <a:extLst>
               <a:ext uri="{FF2B5EF4-FFF2-40B4-BE49-F238E27FC236}">
-                <a16:creationId xmlns:a16="http://schemas.microsoft.com/office/drawing/2014/main" xmlns="" id="{D3F1E7FD-497A-491B-8917-253A34DF4EB1}"/>
+                <a16:creationId xmlns:a16="http://schemas.microsoft.com/office/drawing/2014/main" id="{D3F1E7FD-497A-491B-8917-253A34DF4EB1}"/>
               </a:ext>
             </a:extLst>
           </p:cNvPr>
@@ -8138,7 +8142,7 @@
           <p:cNvPr id="5" name="Footer Placeholder 4">
             <a:extLst>
               <a:ext uri="{FF2B5EF4-FFF2-40B4-BE49-F238E27FC236}">
-                <a16:creationId xmlns:a16="http://schemas.microsoft.com/office/drawing/2014/main" xmlns="" id="{9534D2FA-20F1-4183-A307-7A55CC8E1EFE}"/>
+                <a16:creationId xmlns:a16="http://schemas.microsoft.com/office/drawing/2014/main" id="{9534D2FA-20F1-4183-A307-7A55CC8E1EFE}"/>
               </a:ext>
             </a:extLst>
           </p:cNvPr>
@@ -8166,7 +8170,7 @@
           <p:cNvPr id="6" name="Slide Number Placeholder 5">
             <a:extLst>
               <a:ext uri="{FF2B5EF4-FFF2-40B4-BE49-F238E27FC236}">
-                <a16:creationId xmlns:a16="http://schemas.microsoft.com/office/drawing/2014/main" xmlns="" id="{EB62A000-FACF-4C3A-999D-9801F85A5B78}"/>
+                <a16:creationId xmlns:a16="http://schemas.microsoft.com/office/drawing/2014/main" id="{EB62A000-FACF-4C3A-999D-9801F85A5B78}"/>
               </a:ext>
             </a:extLst>
           </p:cNvPr>
@@ -8225,7 +8229,7 @@
           <p:cNvPr id="2" name="Title 1">
             <a:extLst>
               <a:ext uri="{FF2B5EF4-FFF2-40B4-BE49-F238E27FC236}">
-                <a16:creationId xmlns:a16="http://schemas.microsoft.com/office/drawing/2014/main" xmlns="" id="{C613E725-FB4D-4A68-9B99-2621DA34273F}"/>
+                <a16:creationId xmlns:a16="http://schemas.microsoft.com/office/drawing/2014/main" id="{C613E725-FB4D-4A68-9B99-2621DA34273F}"/>
               </a:ext>
             </a:extLst>
           </p:cNvPr>
@@ -8254,7 +8258,7 @@
           <p:cNvPr id="3" name="Content Placeholder 2">
             <a:extLst>
               <a:ext uri="{FF2B5EF4-FFF2-40B4-BE49-F238E27FC236}">
-                <a16:creationId xmlns:a16="http://schemas.microsoft.com/office/drawing/2014/main" xmlns="" id="{74D48DA3-CF9C-49A7-B8EF-F58E7C9DD96B}"/>
+                <a16:creationId xmlns:a16="http://schemas.microsoft.com/office/drawing/2014/main" id="{74D48DA3-CF9C-49A7-B8EF-F58E7C9DD96B}"/>
               </a:ext>
             </a:extLst>
           </p:cNvPr>
@@ -8317,7 +8321,7 @@
           <p:cNvPr id="4" name="Content Placeholder 3">
             <a:extLst>
               <a:ext uri="{FF2B5EF4-FFF2-40B4-BE49-F238E27FC236}">
-                <a16:creationId xmlns:a16="http://schemas.microsoft.com/office/drawing/2014/main" xmlns="" id="{F90842DA-F193-4FD2-B85C-820D02F67803}"/>
+                <a16:creationId xmlns:a16="http://schemas.microsoft.com/office/drawing/2014/main" id="{F90842DA-F193-4FD2-B85C-820D02F67803}"/>
               </a:ext>
             </a:extLst>
           </p:cNvPr>
@@ -8380,7 +8384,7 @@
           <p:cNvPr id="5" name="Date Placeholder 4">
             <a:extLst>
               <a:ext uri="{FF2B5EF4-FFF2-40B4-BE49-F238E27FC236}">
-                <a16:creationId xmlns:a16="http://schemas.microsoft.com/office/drawing/2014/main" xmlns="" id="{D1FFF39B-B900-4142-BD19-4C7BC14A9C3D}"/>
+                <a16:creationId xmlns:a16="http://schemas.microsoft.com/office/drawing/2014/main" id="{D1FFF39B-B900-4142-BD19-4C7BC14A9C3D}"/>
               </a:ext>
             </a:extLst>
           </p:cNvPr>
@@ -8408,7 +8412,7 @@
           <p:cNvPr id="6" name="Footer Placeholder 5">
             <a:extLst>
               <a:ext uri="{FF2B5EF4-FFF2-40B4-BE49-F238E27FC236}">
-                <a16:creationId xmlns:a16="http://schemas.microsoft.com/office/drawing/2014/main" xmlns="" id="{8FFBC69E-19FD-4BF3-8BD4-78AD855CA3A9}"/>
+                <a16:creationId xmlns:a16="http://schemas.microsoft.com/office/drawing/2014/main" id="{8FFBC69E-19FD-4BF3-8BD4-78AD855CA3A9}"/>
               </a:ext>
             </a:extLst>
           </p:cNvPr>
@@ -8436,7 +8440,7 @@
           <p:cNvPr id="7" name="Slide Number Placeholder 6">
             <a:extLst>
               <a:ext uri="{FF2B5EF4-FFF2-40B4-BE49-F238E27FC236}">
-                <a16:creationId xmlns:a16="http://schemas.microsoft.com/office/drawing/2014/main" xmlns="" id="{C18E0F0F-E071-4289-9E46-1C97383E8B16}"/>
+                <a16:creationId xmlns:a16="http://schemas.microsoft.com/office/drawing/2014/main" id="{C18E0F0F-E071-4289-9E46-1C97383E8B16}"/>
               </a:ext>
             </a:extLst>
           </p:cNvPr>
@@ -8495,7 +8499,7 @@
           <p:cNvPr id="2" name="Title 1">
             <a:extLst>
               <a:ext uri="{FF2B5EF4-FFF2-40B4-BE49-F238E27FC236}">
-                <a16:creationId xmlns:a16="http://schemas.microsoft.com/office/drawing/2014/main" xmlns="" id="{9CBCC924-5FC3-40EF-AA67-3D8D94E469FD}"/>
+                <a16:creationId xmlns:a16="http://schemas.microsoft.com/office/drawing/2014/main" id="{9CBCC924-5FC3-40EF-AA67-3D8D94E469FD}"/>
               </a:ext>
             </a:extLst>
           </p:cNvPr>
@@ -8529,7 +8533,7 @@
           <p:cNvPr id="3" name="Text Placeholder 2">
             <a:extLst>
               <a:ext uri="{FF2B5EF4-FFF2-40B4-BE49-F238E27FC236}">
-                <a16:creationId xmlns:a16="http://schemas.microsoft.com/office/drawing/2014/main" xmlns="" id="{5B107A9B-C253-4673-8329-D020D5F18957}"/>
+                <a16:creationId xmlns:a16="http://schemas.microsoft.com/office/drawing/2014/main" id="{5B107A9B-C253-4673-8329-D020D5F18957}"/>
               </a:ext>
             </a:extLst>
           </p:cNvPr>
@@ -8600,7 +8604,7 @@
           <p:cNvPr id="4" name="Content Placeholder 3">
             <a:extLst>
               <a:ext uri="{FF2B5EF4-FFF2-40B4-BE49-F238E27FC236}">
-                <a16:creationId xmlns:a16="http://schemas.microsoft.com/office/drawing/2014/main" xmlns="" id="{DC691E33-F611-4241-BE78-D855D265C0BD}"/>
+                <a16:creationId xmlns:a16="http://schemas.microsoft.com/office/drawing/2014/main" id="{DC691E33-F611-4241-BE78-D855D265C0BD}"/>
               </a:ext>
             </a:extLst>
           </p:cNvPr>
@@ -8663,7 +8667,7 @@
           <p:cNvPr id="5" name="Text Placeholder 4">
             <a:extLst>
               <a:ext uri="{FF2B5EF4-FFF2-40B4-BE49-F238E27FC236}">
-                <a16:creationId xmlns:a16="http://schemas.microsoft.com/office/drawing/2014/main" xmlns="" id="{DCD9C807-6408-4D96-B053-DBDB3B44C35D}"/>
+                <a16:creationId xmlns:a16="http://schemas.microsoft.com/office/drawing/2014/main" id="{DCD9C807-6408-4D96-B053-DBDB3B44C35D}"/>
               </a:ext>
             </a:extLst>
           </p:cNvPr>
@@ -8734,7 +8738,7 @@
           <p:cNvPr id="6" name="Content Placeholder 5">
             <a:extLst>
               <a:ext uri="{FF2B5EF4-FFF2-40B4-BE49-F238E27FC236}">
-                <a16:creationId xmlns:a16="http://schemas.microsoft.com/office/drawing/2014/main" xmlns="" id="{FB8BDB55-FD39-4883-AC08-C990C56E6612}"/>
+                <a16:creationId xmlns:a16="http://schemas.microsoft.com/office/drawing/2014/main" id="{FB8BDB55-FD39-4883-AC08-C990C56E6612}"/>
               </a:ext>
             </a:extLst>
           </p:cNvPr>
@@ -8797,7 +8801,7 @@
           <p:cNvPr id="7" name="Date Placeholder 6">
             <a:extLst>
               <a:ext uri="{FF2B5EF4-FFF2-40B4-BE49-F238E27FC236}">
-                <a16:creationId xmlns:a16="http://schemas.microsoft.com/office/drawing/2014/main" xmlns="" id="{1C6402DF-2215-4CD2-8CDD-D7F43333FDDC}"/>
+                <a16:creationId xmlns:a16="http://schemas.microsoft.com/office/drawing/2014/main" id="{1C6402DF-2215-4CD2-8CDD-D7F43333FDDC}"/>
               </a:ext>
             </a:extLst>
           </p:cNvPr>
@@ -8825,7 +8829,7 @@
           <p:cNvPr id="8" name="Footer Placeholder 7">
             <a:extLst>
               <a:ext uri="{FF2B5EF4-FFF2-40B4-BE49-F238E27FC236}">
-                <a16:creationId xmlns:a16="http://schemas.microsoft.com/office/drawing/2014/main" xmlns="" id="{F8DEC84C-54F8-4052-BD55-5B1A789D3429}"/>
+                <a16:creationId xmlns:a16="http://schemas.microsoft.com/office/drawing/2014/main" id="{F8DEC84C-54F8-4052-BD55-5B1A789D3429}"/>
               </a:ext>
             </a:extLst>
           </p:cNvPr>
@@ -8853,7 +8857,7 @@
           <p:cNvPr id="9" name="Slide Number Placeholder 8">
             <a:extLst>
               <a:ext uri="{FF2B5EF4-FFF2-40B4-BE49-F238E27FC236}">
-                <a16:creationId xmlns:a16="http://schemas.microsoft.com/office/drawing/2014/main" xmlns="" id="{0444D7D6-6DF9-4DA0-85C9-5F7127EF9CF5}"/>
+                <a16:creationId xmlns:a16="http://schemas.microsoft.com/office/drawing/2014/main" id="{0444D7D6-6DF9-4DA0-85C9-5F7127EF9CF5}"/>
               </a:ext>
             </a:extLst>
           </p:cNvPr>
@@ -8912,7 +8916,7 @@
           <p:cNvPr id="2" name="Title 1">
             <a:extLst>
               <a:ext uri="{FF2B5EF4-FFF2-40B4-BE49-F238E27FC236}">
-                <a16:creationId xmlns:a16="http://schemas.microsoft.com/office/drawing/2014/main" xmlns="" id="{94ADA874-EEE2-44F9-9137-4320AB078C65}"/>
+                <a16:creationId xmlns:a16="http://schemas.microsoft.com/office/drawing/2014/main" id="{94ADA874-EEE2-44F9-9137-4320AB078C65}"/>
               </a:ext>
             </a:extLst>
           </p:cNvPr>
@@ -8953,7 +8957,7 @@
           <p:cNvPr id="3" name="Text Placeholder 2">
             <a:extLst>
               <a:ext uri="{FF2B5EF4-FFF2-40B4-BE49-F238E27FC236}">
-                <a16:creationId xmlns:a16="http://schemas.microsoft.com/office/drawing/2014/main" xmlns="" id="{ACDA1EFE-1D8A-478A-9AFA-91409EBBBCF3}"/>
+                <a16:creationId xmlns:a16="http://schemas.microsoft.com/office/drawing/2014/main" id="{ACDA1EFE-1D8A-478A-9AFA-91409EBBBCF3}"/>
               </a:ext>
             </a:extLst>
           </p:cNvPr>
@@ -9078,7 +9082,7 @@
           <p:cNvPr id="4" name="Date Placeholder 3">
             <a:extLst>
               <a:ext uri="{FF2B5EF4-FFF2-40B4-BE49-F238E27FC236}">
-                <a16:creationId xmlns:a16="http://schemas.microsoft.com/office/drawing/2014/main" xmlns="" id="{D3F1E7FD-497A-491B-8917-253A34DF4EB1}"/>
+                <a16:creationId xmlns:a16="http://schemas.microsoft.com/office/drawing/2014/main" id="{D3F1E7FD-497A-491B-8917-253A34DF4EB1}"/>
               </a:ext>
             </a:extLst>
           </p:cNvPr>
@@ -9114,7 +9118,7 @@
           <p:cNvPr id="5" name="Footer Placeholder 4">
             <a:extLst>
               <a:ext uri="{FF2B5EF4-FFF2-40B4-BE49-F238E27FC236}">
-                <a16:creationId xmlns:a16="http://schemas.microsoft.com/office/drawing/2014/main" xmlns="" id="{9534D2FA-20F1-4183-A307-7A55CC8E1EFE}"/>
+                <a16:creationId xmlns:a16="http://schemas.microsoft.com/office/drawing/2014/main" id="{9534D2FA-20F1-4183-A307-7A55CC8E1EFE}"/>
               </a:ext>
             </a:extLst>
           </p:cNvPr>
@@ -9150,7 +9154,7 @@
           <p:cNvPr id="6" name="Slide Number Placeholder 5">
             <a:extLst>
               <a:ext uri="{FF2B5EF4-FFF2-40B4-BE49-F238E27FC236}">
-                <a16:creationId xmlns:a16="http://schemas.microsoft.com/office/drawing/2014/main" xmlns="" id="{EB62A000-FACF-4C3A-999D-9801F85A5B78}"/>
+                <a16:creationId xmlns:a16="http://schemas.microsoft.com/office/drawing/2014/main" id="{EB62A000-FACF-4C3A-999D-9801F85A5B78}"/>
               </a:ext>
             </a:extLst>
           </p:cNvPr>
@@ -9209,7 +9213,7 @@
           <p:cNvPr id="2" name="Title 1">
             <a:extLst>
               <a:ext uri="{FF2B5EF4-FFF2-40B4-BE49-F238E27FC236}">
-                <a16:creationId xmlns:a16="http://schemas.microsoft.com/office/drawing/2014/main" xmlns="" id="{CEF827E2-1D5B-4507-B543-84936310706F}"/>
+                <a16:creationId xmlns:a16="http://schemas.microsoft.com/office/drawing/2014/main" id="{CEF827E2-1D5B-4507-B543-84936310706F}"/>
               </a:ext>
             </a:extLst>
           </p:cNvPr>
@@ -9238,7 +9242,7 @@
           <p:cNvPr id="3" name="Date Placeholder 2">
             <a:extLst>
               <a:ext uri="{FF2B5EF4-FFF2-40B4-BE49-F238E27FC236}">
-                <a16:creationId xmlns:a16="http://schemas.microsoft.com/office/drawing/2014/main" xmlns="" id="{EBA6D65D-D8C4-4F81-AF58-83B63151B46F}"/>
+                <a16:creationId xmlns:a16="http://schemas.microsoft.com/office/drawing/2014/main" id="{EBA6D65D-D8C4-4F81-AF58-83B63151B46F}"/>
               </a:ext>
             </a:extLst>
           </p:cNvPr>
@@ -9266,7 +9270,7 @@
           <p:cNvPr id="4" name="Footer Placeholder 3">
             <a:extLst>
               <a:ext uri="{FF2B5EF4-FFF2-40B4-BE49-F238E27FC236}">
-                <a16:creationId xmlns:a16="http://schemas.microsoft.com/office/drawing/2014/main" xmlns="" id="{A6178248-65F1-4276-A5D6-E764CA5BD92F}"/>
+                <a16:creationId xmlns:a16="http://schemas.microsoft.com/office/drawing/2014/main" id="{A6178248-65F1-4276-A5D6-E764CA5BD92F}"/>
               </a:ext>
             </a:extLst>
           </p:cNvPr>
@@ -9294,7 +9298,7 @@
           <p:cNvPr id="5" name="Slide Number Placeholder 4">
             <a:extLst>
               <a:ext uri="{FF2B5EF4-FFF2-40B4-BE49-F238E27FC236}">
-                <a16:creationId xmlns:a16="http://schemas.microsoft.com/office/drawing/2014/main" xmlns="" id="{E3184932-81C3-41E8-BB6B-D32E0A6B1361}"/>
+                <a16:creationId xmlns:a16="http://schemas.microsoft.com/office/drawing/2014/main" id="{E3184932-81C3-41E8-BB6B-D32E0A6B1361}"/>
               </a:ext>
             </a:extLst>
           </p:cNvPr>
@@ -9353,7 +9357,7 @@
           <p:cNvPr id="2" name="Date Placeholder 1">
             <a:extLst>
               <a:ext uri="{FF2B5EF4-FFF2-40B4-BE49-F238E27FC236}">
-                <a16:creationId xmlns:a16="http://schemas.microsoft.com/office/drawing/2014/main" xmlns="" id="{7DA7B4B3-1D5D-4642-951F-BE795AAE65C4}"/>
+                <a16:creationId xmlns:a16="http://schemas.microsoft.com/office/drawing/2014/main" id="{7DA7B4B3-1D5D-4642-951F-BE795AAE65C4}"/>
               </a:ext>
             </a:extLst>
           </p:cNvPr>
@@ -9381,7 +9385,7 @@
           <p:cNvPr id="3" name="Footer Placeholder 2">
             <a:extLst>
               <a:ext uri="{FF2B5EF4-FFF2-40B4-BE49-F238E27FC236}">
-                <a16:creationId xmlns:a16="http://schemas.microsoft.com/office/drawing/2014/main" xmlns="" id="{8884173B-5683-4B07-A6B6-FE65E1A82E77}"/>
+                <a16:creationId xmlns:a16="http://schemas.microsoft.com/office/drawing/2014/main" id="{8884173B-5683-4B07-A6B6-FE65E1A82E77}"/>
               </a:ext>
             </a:extLst>
           </p:cNvPr>
@@ -9409,7 +9413,7 @@
           <p:cNvPr id="4" name="Slide Number Placeholder 3">
             <a:extLst>
               <a:ext uri="{FF2B5EF4-FFF2-40B4-BE49-F238E27FC236}">
-                <a16:creationId xmlns:a16="http://schemas.microsoft.com/office/drawing/2014/main" xmlns="" id="{A3604C50-87DF-45F5-93A9-563F680A4F86}"/>
+                <a16:creationId xmlns:a16="http://schemas.microsoft.com/office/drawing/2014/main" id="{A3604C50-87DF-45F5-93A9-563F680A4F86}"/>
               </a:ext>
             </a:extLst>
           </p:cNvPr>
@@ -9468,7 +9472,7 @@
           <p:cNvPr id="2" name="Title 1">
             <a:extLst>
               <a:ext uri="{FF2B5EF4-FFF2-40B4-BE49-F238E27FC236}">
-                <a16:creationId xmlns:a16="http://schemas.microsoft.com/office/drawing/2014/main" xmlns="" id="{89DE626C-A862-4DB9-BB4B-60DFE8BAA8FD}"/>
+                <a16:creationId xmlns:a16="http://schemas.microsoft.com/office/drawing/2014/main" id="{89DE626C-A862-4DB9-BB4B-60DFE8BAA8FD}"/>
               </a:ext>
             </a:extLst>
           </p:cNvPr>
@@ -9506,7 +9510,7 @@
           <p:cNvPr id="3" name="Content Placeholder 2">
             <a:extLst>
               <a:ext uri="{FF2B5EF4-FFF2-40B4-BE49-F238E27FC236}">
-                <a16:creationId xmlns:a16="http://schemas.microsoft.com/office/drawing/2014/main" xmlns="" id="{30C8A0A6-E54D-4A23-82BB-ED65BAE64D38}"/>
+                <a16:creationId xmlns:a16="http://schemas.microsoft.com/office/drawing/2014/main" id="{30C8A0A6-E54D-4A23-82BB-ED65BAE64D38}"/>
               </a:ext>
             </a:extLst>
           </p:cNvPr>
@@ -9597,7 +9601,7 @@
           <p:cNvPr id="4" name="Text Placeholder 3">
             <a:extLst>
               <a:ext uri="{FF2B5EF4-FFF2-40B4-BE49-F238E27FC236}">
-                <a16:creationId xmlns:a16="http://schemas.microsoft.com/office/drawing/2014/main" xmlns="" id="{F974B46C-C7A3-468B-9B6D-13DBE08782F6}"/>
+                <a16:creationId xmlns:a16="http://schemas.microsoft.com/office/drawing/2014/main" id="{F974B46C-C7A3-468B-9B6D-13DBE08782F6}"/>
               </a:ext>
             </a:extLst>
           </p:cNvPr>
@@ -9668,7 +9672,7 @@
           <p:cNvPr id="5" name="Date Placeholder 4">
             <a:extLst>
               <a:ext uri="{FF2B5EF4-FFF2-40B4-BE49-F238E27FC236}">
-                <a16:creationId xmlns:a16="http://schemas.microsoft.com/office/drawing/2014/main" xmlns="" id="{3A0DEE69-0C06-40B4-A585-623689A0E1B7}"/>
+                <a16:creationId xmlns:a16="http://schemas.microsoft.com/office/drawing/2014/main" id="{3A0DEE69-0C06-40B4-A585-623689A0E1B7}"/>
               </a:ext>
             </a:extLst>
           </p:cNvPr>
@@ -9696,7 +9700,7 @@
           <p:cNvPr id="6" name="Footer Placeholder 5">
             <a:extLst>
               <a:ext uri="{FF2B5EF4-FFF2-40B4-BE49-F238E27FC236}">
-                <a16:creationId xmlns:a16="http://schemas.microsoft.com/office/drawing/2014/main" xmlns="" id="{7DC33A2F-2971-4E6B-BEE2-98ECF3481927}"/>
+                <a16:creationId xmlns:a16="http://schemas.microsoft.com/office/drawing/2014/main" id="{7DC33A2F-2971-4E6B-BEE2-98ECF3481927}"/>
               </a:ext>
             </a:extLst>
           </p:cNvPr>
@@ -9724,7 +9728,7 @@
           <p:cNvPr id="7" name="Slide Number Placeholder 6">
             <a:extLst>
               <a:ext uri="{FF2B5EF4-FFF2-40B4-BE49-F238E27FC236}">
-                <a16:creationId xmlns:a16="http://schemas.microsoft.com/office/drawing/2014/main" xmlns="" id="{A0E8ED68-03D2-4B6B-9D83-4B8C7798C47E}"/>
+                <a16:creationId xmlns:a16="http://schemas.microsoft.com/office/drawing/2014/main" id="{A0E8ED68-03D2-4B6B-9D83-4B8C7798C47E}"/>
               </a:ext>
             </a:extLst>
           </p:cNvPr>
@@ -9783,7 +9787,7 @@
           <p:cNvPr id="2" name="Title 1">
             <a:extLst>
               <a:ext uri="{FF2B5EF4-FFF2-40B4-BE49-F238E27FC236}">
-                <a16:creationId xmlns:a16="http://schemas.microsoft.com/office/drawing/2014/main" xmlns="" id="{590B7302-973C-43E2-8266-EB309C74CAE0}"/>
+                <a16:creationId xmlns:a16="http://schemas.microsoft.com/office/drawing/2014/main" id="{590B7302-973C-43E2-8266-EB309C74CAE0}"/>
               </a:ext>
             </a:extLst>
           </p:cNvPr>
@@ -9821,7 +9825,7 @@
           <p:cNvPr id="3" name="Picture Placeholder 2">
             <a:extLst>
               <a:ext uri="{FF2B5EF4-FFF2-40B4-BE49-F238E27FC236}">
-                <a16:creationId xmlns:a16="http://schemas.microsoft.com/office/drawing/2014/main" xmlns="" id="{0BB4836D-2B27-4E99-A4E9-44E63B07037A}"/>
+                <a16:creationId xmlns:a16="http://schemas.microsoft.com/office/drawing/2014/main" id="{0BB4836D-2B27-4E99-A4E9-44E63B07037A}"/>
               </a:ext>
             </a:extLst>
           </p:cNvPr>
@@ -9888,7 +9892,7 @@
           <p:cNvPr id="4" name="Text Placeholder 3">
             <a:extLst>
               <a:ext uri="{FF2B5EF4-FFF2-40B4-BE49-F238E27FC236}">
-                <a16:creationId xmlns:a16="http://schemas.microsoft.com/office/drawing/2014/main" xmlns="" id="{7E6EB6B5-C561-4656-9550-3F6CDD14D15F}"/>
+                <a16:creationId xmlns:a16="http://schemas.microsoft.com/office/drawing/2014/main" id="{7E6EB6B5-C561-4656-9550-3F6CDD14D15F}"/>
               </a:ext>
             </a:extLst>
           </p:cNvPr>
@@ -9959,7 +9963,7 @@
           <p:cNvPr id="5" name="Date Placeholder 4">
             <a:extLst>
               <a:ext uri="{FF2B5EF4-FFF2-40B4-BE49-F238E27FC236}">
-                <a16:creationId xmlns:a16="http://schemas.microsoft.com/office/drawing/2014/main" xmlns="" id="{B2403665-2894-4978-BE66-31EBAF67ADD9}"/>
+                <a16:creationId xmlns:a16="http://schemas.microsoft.com/office/drawing/2014/main" id="{B2403665-2894-4978-BE66-31EBAF67ADD9}"/>
               </a:ext>
             </a:extLst>
           </p:cNvPr>
@@ -9987,7 +9991,7 @@
           <p:cNvPr id="6" name="Footer Placeholder 5">
             <a:extLst>
               <a:ext uri="{FF2B5EF4-FFF2-40B4-BE49-F238E27FC236}">
-                <a16:creationId xmlns:a16="http://schemas.microsoft.com/office/drawing/2014/main" xmlns="" id="{CB79DDA8-96EB-4C77-B5AA-536AAD6A1C2C}"/>
+                <a16:creationId xmlns:a16="http://schemas.microsoft.com/office/drawing/2014/main" id="{CB79DDA8-96EB-4C77-B5AA-536AAD6A1C2C}"/>
               </a:ext>
             </a:extLst>
           </p:cNvPr>
@@ -10015,7 +10019,7 @@
           <p:cNvPr id="7" name="Slide Number Placeholder 6">
             <a:extLst>
               <a:ext uri="{FF2B5EF4-FFF2-40B4-BE49-F238E27FC236}">
-                <a16:creationId xmlns:a16="http://schemas.microsoft.com/office/drawing/2014/main" xmlns="" id="{99887644-4078-46FE-AFB7-670AAA65DFEC}"/>
+                <a16:creationId xmlns:a16="http://schemas.microsoft.com/office/drawing/2014/main" id="{99887644-4078-46FE-AFB7-670AAA65DFEC}"/>
               </a:ext>
             </a:extLst>
           </p:cNvPr>
@@ -10074,7 +10078,7 @@
           <p:cNvPr id="2" name="Title 1">
             <a:extLst>
               <a:ext uri="{FF2B5EF4-FFF2-40B4-BE49-F238E27FC236}">
-                <a16:creationId xmlns:a16="http://schemas.microsoft.com/office/drawing/2014/main" xmlns="" id="{F5979442-03EA-4EBA-BD35-CB21398A83A0}"/>
+                <a16:creationId xmlns:a16="http://schemas.microsoft.com/office/drawing/2014/main" id="{F5979442-03EA-4EBA-BD35-CB21398A83A0}"/>
               </a:ext>
             </a:extLst>
           </p:cNvPr>
@@ -10103,7 +10107,7 @@
           <p:cNvPr id="3" name="Vertical Text Placeholder 2">
             <a:extLst>
               <a:ext uri="{FF2B5EF4-FFF2-40B4-BE49-F238E27FC236}">
-                <a16:creationId xmlns:a16="http://schemas.microsoft.com/office/drawing/2014/main" xmlns="" id="{3027FAED-F90B-411D-9103-FB91E40E2E81}"/>
+                <a16:creationId xmlns:a16="http://schemas.microsoft.com/office/drawing/2014/main" id="{3027FAED-F90B-411D-9103-FB91E40E2E81}"/>
               </a:ext>
             </a:extLst>
           </p:cNvPr>
@@ -10161,7 +10165,7 @@
           <p:cNvPr id="4" name="Date Placeholder 3">
             <a:extLst>
               <a:ext uri="{FF2B5EF4-FFF2-40B4-BE49-F238E27FC236}">
-                <a16:creationId xmlns:a16="http://schemas.microsoft.com/office/drawing/2014/main" xmlns="" id="{448AA73C-A629-4F94-AC74-6BE10A9D2661}"/>
+                <a16:creationId xmlns:a16="http://schemas.microsoft.com/office/drawing/2014/main" id="{448AA73C-A629-4F94-AC74-6BE10A9D2661}"/>
               </a:ext>
             </a:extLst>
           </p:cNvPr>
@@ -10189,7 +10193,7 @@
           <p:cNvPr id="5" name="Footer Placeholder 4">
             <a:extLst>
               <a:ext uri="{FF2B5EF4-FFF2-40B4-BE49-F238E27FC236}">
-                <a16:creationId xmlns:a16="http://schemas.microsoft.com/office/drawing/2014/main" xmlns="" id="{11AFB4C5-DC5C-4E0B-A30A-B3E2C65006F8}"/>
+                <a16:creationId xmlns:a16="http://schemas.microsoft.com/office/drawing/2014/main" id="{11AFB4C5-DC5C-4E0B-A30A-B3E2C65006F8}"/>
               </a:ext>
             </a:extLst>
           </p:cNvPr>
@@ -10217,7 +10221,7 @@
           <p:cNvPr id="6" name="Slide Number Placeholder 5">
             <a:extLst>
               <a:ext uri="{FF2B5EF4-FFF2-40B4-BE49-F238E27FC236}">
-                <a16:creationId xmlns:a16="http://schemas.microsoft.com/office/drawing/2014/main" xmlns="" id="{BA60360F-588E-4EC9-8B45-836F48AC3064}"/>
+                <a16:creationId xmlns:a16="http://schemas.microsoft.com/office/drawing/2014/main" id="{BA60360F-588E-4EC9-8B45-836F48AC3064}"/>
               </a:ext>
             </a:extLst>
           </p:cNvPr>
@@ -10276,7 +10280,7 @@
           <p:cNvPr id="2" name="Vertical Title 1">
             <a:extLst>
               <a:ext uri="{FF2B5EF4-FFF2-40B4-BE49-F238E27FC236}">
-                <a16:creationId xmlns:a16="http://schemas.microsoft.com/office/drawing/2014/main" xmlns="" id="{37030969-C7E9-4B4B-AF99-D36C9DDF4398}"/>
+                <a16:creationId xmlns:a16="http://schemas.microsoft.com/office/drawing/2014/main" id="{37030969-C7E9-4B4B-AF99-D36C9DDF4398}"/>
               </a:ext>
             </a:extLst>
           </p:cNvPr>
@@ -10310,7 +10314,7 @@
           <p:cNvPr id="3" name="Vertical Text Placeholder 2">
             <a:extLst>
               <a:ext uri="{FF2B5EF4-FFF2-40B4-BE49-F238E27FC236}">
-                <a16:creationId xmlns:a16="http://schemas.microsoft.com/office/drawing/2014/main" xmlns="" id="{31BD9FE5-2ED8-4149-8CAD-50697597EE3C}"/>
+                <a16:creationId xmlns:a16="http://schemas.microsoft.com/office/drawing/2014/main" id="{31BD9FE5-2ED8-4149-8CAD-50697597EE3C}"/>
               </a:ext>
             </a:extLst>
           </p:cNvPr>
@@ -10373,7 +10377,7 @@
           <p:cNvPr id="4" name="Date Placeholder 3">
             <a:extLst>
               <a:ext uri="{FF2B5EF4-FFF2-40B4-BE49-F238E27FC236}">
-                <a16:creationId xmlns:a16="http://schemas.microsoft.com/office/drawing/2014/main" xmlns="" id="{8E2818A7-EBD8-420F-9988-4CA46CC2962D}"/>
+                <a16:creationId xmlns:a16="http://schemas.microsoft.com/office/drawing/2014/main" id="{8E2818A7-EBD8-420F-9988-4CA46CC2962D}"/>
               </a:ext>
             </a:extLst>
           </p:cNvPr>
@@ -10401,7 +10405,7 @@
           <p:cNvPr id="5" name="Footer Placeholder 4">
             <a:extLst>
               <a:ext uri="{FF2B5EF4-FFF2-40B4-BE49-F238E27FC236}">
-                <a16:creationId xmlns:a16="http://schemas.microsoft.com/office/drawing/2014/main" xmlns="" id="{0EA8B38A-E7CA-4BB1-BED4-A750E07D50E9}"/>
+                <a16:creationId xmlns:a16="http://schemas.microsoft.com/office/drawing/2014/main" id="{0EA8B38A-E7CA-4BB1-BED4-A750E07D50E9}"/>
               </a:ext>
             </a:extLst>
           </p:cNvPr>
@@ -10429,7 +10433,7 @@
           <p:cNvPr id="6" name="Slide Number Placeholder 5">
             <a:extLst>
               <a:ext uri="{FF2B5EF4-FFF2-40B4-BE49-F238E27FC236}">
-                <a16:creationId xmlns:a16="http://schemas.microsoft.com/office/drawing/2014/main" xmlns="" id="{137CEC92-5AB4-4AA4-9949-EE34922FC12D}"/>
+                <a16:creationId xmlns:a16="http://schemas.microsoft.com/office/drawing/2014/main" id="{137CEC92-5AB4-4AA4-9949-EE34922FC12D}"/>
               </a:ext>
             </a:extLst>
           </p:cNvPr>
@@ -10488,7 +10492,7 @@
           <p:cNvPr id="2" name="Title 1">
             <a:extLst>
               <a:ext uri="{FF2B5EF4-FFF2-40B4-BE49-F238E27FC236}">
-                <a16:creationId xmlns:a16="http://schemas.microsoft.com/office/drawing/2014/main" xmlns="" id="{EF40842B-C6CA-43A0-8C7B-C51A8BA4E18E}"/>
+                <a16:creationId xmlns:a16="http://schemas.microsoft.com/office/drawing/2014/main" id="{EF40842B-C6CA-43A0-8C7B-C51A8BA4E18E}"/>
               </a:ext>
             </a:extLst>
           </p:cNvPr>
@@ -10526,7 +10530,7 @@
           <p:cNvPr id="3" name="Subtitle 2">
             <a:extLst>
               <a:ext uri="{FF2B5EF4-FFF2-40B4-BE49-F238E27FC236}">
-                <a16:creationId xmlns:a16="http://schemas.microsoft.com/office/drawing/2014/main" xmlns="" id="{52CB8609-D1C9-4053-9799-16F0B8007F7D}"/>
+                <a16:creationId xmlns:a16="http://schemas.microsoft.com/office/drawing/2014/main" id="{52CB8609-D1C9-4053-9799-16F0B8007F7D}"/>
               </a:ext>
             </a:extLst>
           </p:cNvPr>
@@ -10597,7 +10601,7 @@
           <p:cNvPr id="4" name="Date Placeholder 3">
             <a:extLst>
               <a:ext uri="{FF2B5EF4-FFF2-40B4-BE49-F238E27FC236}">
-                <a16:creationId xmlns:a16="http://schemas.microsoft.com/office/drawing/2014/main" xmlns="" id="{F2E68D7E-AF4D-4C00-8C02-89B28DF7B604}"/>
+                <a16:creationId xmlns:a16="http://schemas.microsoft.com/office/drawing/2014/main" id="{F2E68D7E-AF4D-4C00-8C02-89B28DF7B604}"/>
               </a:ext>
             </a:extLst>
           </p:cNvPr>
@@ -10625,7 +10629,7 @@
           <p:cNvPr id="5" name="Footer Placeholder 4">
             <a:extLst>
               <a:ext uri="{FF2B5EF4-FFF2-40B4-BE49-F238E27FC236}">
-                <a16:creationId xmlns:a16="http://schemas.microsoft.com/office/drawing/2014/main" xmlns="" id="{859379C3-5354-435E-8EB3-C5E2012D7430}"/>
+                <a16:creationId xmlns:a16="http://schemas.microsoft.com/office/drawing/2014/main" id="{859379C3-5354-435E-8EB3-C5E2012D7430}"/>
               </a:ext>
             </a:extLst>
           </p:cNvPr>
@@ -10653,7 +10657,7 @@
           <p:cNvPr id="6" name="Slide Number Placeholder 5">
             <a:extLst>
               <a:ext uri="{FF2B5EF4-FFF2-40B4-BE49-F238E27FC236}">
-                <a16:creationId xmlns:a16="http://schemas.microsoft.com/office/drawing/2014/main" xmlns="" id="{90DCA2A0-DDFB-45DB-B7EF-062DE2EF1079}"/>
+                <a16:creationId xmlns:a16="http://schemas.microsoft.com/office/drawing/2014/main" id="{90DCA2A0-DDFB-45DB-B7EF-062DE2EF1079}"/>
               </a:ext>
             </a:extLst>
           </p:cNvPr>
@@ -10712,7 +10716,7 @@
           <p:cNvPr id="2" name="Title 1">
             <a:extLst>
               <a:ext uri="{FF2B5EF4-FFF2-40B4-BE49-F238E27FC236}">
-                <a16:creationId xmlns:a16="http://schemas.microsoft.com/office/drawing/2014/main" xmlns="" id="{F69BB830-5846-4BFF-94AC-4EC6ADCFDCAD}"/>
+                <a16:creationId xmlns:a16="http://schemas.microsoft.com/office/drawing/2014/main" id="{F69BB830-5846-4BFF-94AC-4EC6ADCFDCAD}"/>
               </a:ext>
             </a:extLst>
           </p:cNvPr>
@@ -10741,7 +10745,7 @@
           <p:cNvPr id="3" name="Content Placeholder 2">
             <a:extLst>
               <a:ext uri="{FF2B5EF4-FFF2-40B4-BE49-F238E27FC236}">
-                <a16:creationId xmlns:a16="http://schemas.microsoft.com/office/drawing/2014/main" xmlns="" id="{FFD1DC8A-530A-4051-8628-65AAC3BD36BC}"/>
+                <a16:creationId xmlns:a16="http://schemas.microsoft.com/office/drawing/2014/main" id="{FFD1DC8A-530A-4051-8628-65AAC3BD36BC}"/>
               </a:ext>
             </a:extLst>
           </p:cNvPr>
@@ -10799,7 +10803,7 @@
           <p:cNvPr id="4" name="Date Placeholder 3">
             <a:extLst>
               <a:ext uri="{FF2B5EF4-FFF2-40B4-BE49-F238E27FC236}">
-                <a16:creationId xmlns:a16="http://schemas.microsoft.com/office/drawing/2014/main" xmlns="" id="{62EBD670-43FB-418C-8970-CC12DC5DAD9F}"/>
+                <a16:creationId xmlns:a16="http://schemas.microsoft.com/office/drawing/2014/main" id="{62EBD670-43FB-418C-8970-CC12DC5DAD9F}"/>
               </a:ext>
             </a:extLst>
           </p:cNvPr>
@@ -10827,7 +10831,7 @@
           <p:cNvPr id="5" name="Footer Placeholder 4">
             <a:extLst>
               <a:ext uri="{FF2B5EF4-FFF2-40B4-BE49-F238E27FC236}">
-                <a16:creationId xmlns:a16="http://schemas.microsoft.com/office/drawing/2014/main" xmlns="" id="{0E8ECFD0-8AA1-4672-A66F-2F482DE1A92F}"/>
+                <a16:creationId xmlns:a16="http://schemas.microsoft.com/office/drawing/2014/main" id="{0E8ECFD0-8AA1-4672-A66F-2F482DE1A92F}"/>
               </a:ext>
             </a:extLst>
           </p:cNvPr>
@@ -10855,7 +10859,7 @@
           <p:cNvPr id="6" name="Slide Number Placeholder 5">
             <a:extLst>
               <a:ext uri="{FF2B5EF4-FFF2-40B4-BE49-F238E27FC236}">
-                <a16:creationId xmlns:a16="http://schemas.microsoft.com/office/drawing/2014/main" xmlns="" id="{EDA04B25-8EB3-4981-853A-C79EAA4B6292}"/>
+                <a16:creationId xmlns:a16="http://schemas.microsoft.com/office/drawing/2014/main" id="{EDA04B25-8EB3-4981-853A-C79EAA4B6292}"/>
               </a:ext>
             </a:extLst>
           </p:cNvPr>
@@ -10914,7 +10918,7 @@
           <p:cNvPr id="2" name="Title 1">
             <a:extLst>
               <a:ext uri="{FF2B5EF4-FFF2-40B4-BE49-F238E27FC236}">
-                <a16:creationId xmlns:a16="http://schemas.microsoft.com/office/drawing/2014/main" xmlns="" id="{94ADA874-EEE2-44F9-9137-4320AB078C65}"/>
+                <a16:creationId xmlns:a16="http://schemas.microsoft.com/office/drawing/2014/main" id="{94ADA874-EEE2-44F9-9137-4320AB078C65}"/>
               </a:ext>
             </a:extLst>
           </p:cNvPr>
@@ -10952,7 +10956,7 @@
           <p:cNvPr id="3" name="Text Placeholder 2">
             <a:extLst>
               <a:ext uri="{FF2B5EF4-FFF2-40B4-BE49-F238E27FC236}">
-                <a16:creationId xmlns:a16="http://schemas.microsoft.com/office/drawing/2014/main" xmlns="" id="{ACDA1EFE-1D8A-478A-9AFA-91409EBBBCF3}"/>
+                <a16:creationId xmlns:a16="http://schemas.microsoft.com/office/drawing/2014/main" id="{ACDA1EFE-1D8A-478A-9AFA-91409EBBBCF3}"/>
               </a:ext>
             </a:extLst>
           </p:cNvPr>
@@ -11077,7 +11081,7 @@
           <p:cNvPr id="4" name="Date Placeholder 3">
             <a:extLst>
               <a:ext uri="{FF2B5EF4-FFF2-40B4-BE49-F238E27FC236}">
-                <a16:creationId xmlns:a16="http://schemas.microsoft.com/office/drawing/2014/main" xmlns="" id="{D3F1E7FD-497A-491B-8917-253A34DF4EB1}"/>
+                <a16:creationId xmlns:a16="http://schemas.microsoft.com/office/drawing/2014/main" id="{D3F1E7FD-497A-491B-8917-253A34DF4EB1}"/>
               </a:ext>
             </a:extLst>
           </p:cNvPr>
@@ -11105,7 +11109,7 @@
           <p:cNvPr id="5" name="Footer Placeholder 4">
             <a:extLst>
               <a:ext uri="{FF2B5EF4-FFF2-40B4-BE49-F238E27FC236}">
-                <a16:creationId xmlns:a16="http://schemas.microsoft.com/office/drawing/2014/main" xmlns="" id="{9534D2FA-20F1-4183-A307-7A55CC8E1EFE}"/>
+                <a16:creationId xmlns:a16="http://schemas.microsoft.com/office/drawing/2014/main" id="{9534D2FA-20F1-4183-A307-7A55CC8E1EFE}"/>
               </a:ext>
             </a:extLst>
           </p:cNvPr>
@@ -11133,7 +11137,7 @@
           <p:cNvPr id="6" name="Slide Number Placeholder 5">
             <a:extLst>
               <a:ext uri="{FF2B5EF4-FFF2-40B4-BE49-F238E27FC236}">
-                <a16:creationId xmlns:a16="http://schemas.microsoft.com/office/drawing/2014/main" xmlns="" id="{EB62A000-FACF-4C3A-999D-9801F85A5B78}"/>
+                <a16:creationId xmlns:a16="http://schemas.microsoft.com/office/drawing/2014/main" id="{EB62A000-FACF-4C3A-999D-9801F85A5B78}"/>
               </a:ext>
             </a:extLst>
           </p:cNvPr>
@@ -11192,7 +11196,7 @@
           <p:cNvPr id="2" name="Title 1">
             <a:extLst>
               <a:ext uri="{FF2B5EF4-FFF2-40B4-BE49-F238E27FC236}">
-                <a16:creationId xmlns:a16="http://schemas.microsoft.com/office/drawing/2014/main" xmlns="" id="{C613E725-FB4D-4A68-9B99-2621DA34273F}"/>
+                <a16:creationId xmlns:a16="http://schemas.microsoft.com/office/drawing/2014/main" id="{C613E725-FB4D-4A68-9B99-2621DA34273F}"/>
               </a:ext>
             </a:extLst>
           </p:cNvPr>
@@ -11221,7 +11225,7 @@
           <p:cNvPr id="3" name="Content Placeholder 2">
             <a:extLst>
               <a:ext uri="{FF2B5EF4-FFF2-40B4-BE49-F238E27FC236}">
-                <a16:creationId xmlns:a16="http://schemas.microsoft.com/office/drawing/2014/main" xmlns="" id="{74D48DA3-CF9C-49A7-B8EF-F58E7C9DD96B}"/>
+                <a16:creationId xmlns:a16="http://schemas.microsoft.com/office/drawing/2014/main" id="{74D48DA3-CF9C-49A7-B8EF-F58E7C9DD96B}"/>
               </a:ext>
             </a:extLst>
           </p:cNvPr>
@@ -11284,7 +11288,7 @@
           <p:cNvPr id="4" name="Content Placeholder 3">
             <a:extLst>
               <a:ext uri="{FF2B5EF4-FFF2-40B4-BE49-F238E27FC236}">
-                <a16:creationId xmlns:a16="http://schemas.microsoft.com/office/drawing/2014/main" xmlns="" id="{F90842DA-F193-4FD2-B85C-820D02F67803}"/>
+                <a16:creationId xmlns:a16="http://schemas.microsoft.com/office/drawing/2014/main" id="{F90842DA-F193-4FD2-B85C-820D02F67803}"/>
               </a:ext>
             </a:extLst>
           </p:cNvPr>
@@ -11347,7 +11351,7 @@
           <p:cNvPr id="5" name="Date Placeholder 4">
             <a:extLst>
               <a:ext uri="{FF2B5EF4-FFF2-40B4-BE49-F238E27FC236}">
-                <a16:creationId xmlns:a16="http://schemas.microsoft.com/office/drawing/2014/main" xmlns="" id="{D1FFF39B-B900-4142-BD19-4C7BC14A9C3D}"/>
+                <a16:creationId xmlns:a16="http://schemas.microsoft.com/office/drawing/2014/main" id="{D1FFF39B-B900-4142-BD19-4C7BC14A9C3D}"/>
               </a:ext>
             </a:extLst>
           </p:cNvPr>
@@ -11375,7 +11379,7 @@
           <p:cNvPr id="6" name="Footer Placeholder 5">
             <a:extLst>
               <a:ext uri="{FF2B5EF4-FFF2-40B4-BE49-F238E27FC236}">
-                <a16:creationId xmlns:a16="http://schemas.microsoft.com/office/drawing/2014/main" xmlns="" id="{8FFBC69E-19FD-4BF3-8BD4-78AD855CA3A9}"/>
+                <a16:creationId xmlns:a16="http://schemas.microsoft.com/office/drawing/2014/main" id="{8FFBC69E-19FD-4BF3-8BD4-78AD855CA3A9}"/>
               </a:ext>
             </a:extLst>
           </p:cNvPr>
@@ -11403,7 +11407,7 @@
           <p:cNvPr id="7" name="Slide Number Placeholder 6">
             <a:extLst>
               <a:ext uri="{FF2B5EF4-FFF2-40B4-BE49-F238E27FC236}">
-                <a16:creationId xmlns:a16="http://schemas.microsoft.com/office/drawing/2014/main" xmlns="" id="{C18E0F0F-E071-4289-9E46-1C97383E8B16}"/>
+                <a16:creationId xmlns:a16="http://schemas.microsoft.com/office/drawing/2014/main" id="{C18E0F0F-E071-4289-9E46-1C97383E8B16}"/>
               </a:ext>
             </a:extLst>
           </p:cNvPr>
@@ -11462,7 +11466,7 @@
           <p:cNvPr id="2" name="Title 1">
             <a:extLst>
               <a:ext uri="{FF2B5EF4-FFF2-40B4-BE49-F238E27FC236}">
-                <a16:creationId xmlns:a16="http://schemas.microsoft.com/office/drawing/2014/main" xmlns="" id="{C613E725-FB4D-4A68-9B99-2621DA34273F}"/>
+                <a16:creationId xmlns:a16="http://schemas.microsoft.com/office/drawing/2014/main" id="{C613E725-FB4D-4A68-9B99-2621DA34273F}"/>
               </a:ext>
             </a:extLst>
           </p:cNvPr>
@@ -11499,7 +11503,7 @@
           <p:cNvPr id="3" name="Content Placeholder 2">
             <a:extLst>
               <a:ext uri="{FF2B5EF4-FFF2-40B4-BE49-F238E27FC236}">
-                <a16:creationId xmlns:a16="http://schemas.microsoft.com/office/drawing/2014/main" xmlns="" id="{74D48DA3-CF9C-49A7-B8EF-F58E7C9DD96B}"/>
+                <a16:creationId xmlns:a16="http://schemas.microsoft.com/office/drawing/2014/main" id="{74D48DA3-CF9C-49A7-B8EF-F58E7C9DD96B}"/>
               </a:ext>
             </a:extLst>
           </p:cNvPr>
@@ -11562,7 +11566,7 @@
           <p:cNvPr id="4" name="Content Placeholder 3">
             <a:extLst>
               <a:ext uri="{FF2B5EF4-FFF2-40B4-BE49-F238E27FC236}">
-                <a16:creationId xmlns:a16="http://schemas.microsoft.com/office/drawing/2014/main" xmlns="" id="{F90842DA-F193-4FD2-B85C-820D02F67803}"/>
+                <a16:creationId xmlns:a16="http://schemas.microsoft.com/office/drawing/2014/main" id="{F90842DA-F193-4FD2-B85C-820D02F67803}"/>
               </a:ext>
             </a:extLst>
           </p:cNvPr>
@@ -11625,7 +11629,7 @@
           <p:cNvPr id="5" name="Date Placeholder 4">
             <a:extLst>
               <a:ext uri="{FF2B5EF4-FFF2-40B4-BE49-F238E27FC236}">
-                <a16:creationId xmlns:a16="http://schemas.microsoft.com/office/drawing/2014/main" xmlns="" id="{D1FFF39B-B900-4142-BD19-4C7BC14A9C3D}"/>
+                <a16:creationId xmlns:a16="http://schemas.microsoft.com/office/drawing/2014/main" id="{D1FFF39B-B900-4142-BD19-4C7BC14A9C3D}"/>
               </a:ext>
             </a:extLst>
           </p:cNvPr>
@@ -11661,7 +11665,7 @@
           <p:cNvPr id="6" name="Footer Placeholder 5">
             <a:extLst>
               <a:ext uri="{FF2B5EF4-FFF2-40B4-BE49-F238E27FC236}">
-                <a16:creationId xmlns:a16="http://schemas.microsoft.com/office/drawing/2014/main" xmlns="" id="{8FFBC69E-19FD-4BF3-8BD4-78AD855CA3A9}"/>
+                <a16:creationId xmlns:a16="http://schemas.microsoft.com/office/drawing/2014/main" id="{8FFBC69E-19FD-4BF3-8BD4-78AD855CA3A9}"/>
               </a:ext>
             </a:extLst>
           </p:cNvPr>
@@ -11697,7 +11701,7 @@
           <p:cNvPr id="7" name="Slide Number Placeholder 6">
             <a:extLst>
               <a:ext uri="{FF2B5EF4-FFF2-40B4-BE49-F238E27FC236}">
-                <a16:creationId xmlns:a16="http://schemas.microsoft.com/office/drawing/2014/main" xmlns="" id="{C18E0F0F-E071-4289-9E46-1C97383E8B16}"/>
+                <a16:creationId xmlns:a16="http://schemas.microsoft.com/office/drawing/2014/main" id="{C18E0F0F-E071-4289-9E46-1C97383E8B16}"/>
               </a:ext>
             </a:extLst>
           </p:cNvPr>
@@ -11756,7 +11760,7 @@
           <p:cNvPr id="2" name="Title 1">
             <a:extLst>
               <a:ext uri="{FF2B5EF4-FFF2-40B4-BE49-F238E27FC236}">
-                <a16:creationId xmlns:a16="http://schemas.microsoft.com/office/drawing/2014/main" xmlns="" id="{9CBCC924-5FC3-40EF-AA67-3D8D94E469FD}"/>
+                <a16:creationId xmlns:a16="http://schemas.microsoft.com/office/drawing/2014/main" id="{9CBCC924-5FC3-40EF-AA67-3D8D94E469FD}"/>
               </a:ext>
             </a:extLst>
           </p:cNvPr>
@@ -11790,7 +11794,7 @@
           <p:cNvPr id="3" name="Text Placeholder 2">
             <a:extLst>
               <a:ext uri="{FF2B5EF4-FFF2-40B4-BE49-F238E27FC236}">
-                <a16:creationId xmlns:a16="http://schemas.microsoft.com/office/drawing/2014/main" xmlns="" id="{5B107A9B-C253-4673-8329-D020D5F18957}"/>
+                <a16:creationId xmlns:a16="http://schemas.microsoft.com/office/drawing/2014/main" id="{5B107A9B-C253-4673-8329-D020D5F18957}"/>
               </a:ext>
             </a:extLst>
           </p:cNvPr>
@@ -11861,7 +11865,7 @@
           <p:cNvPr id="4" name="Content Placeholder 3">
             <a:extLst>
               <a:ext uri="{FF2B5EF4-FFF2-40B4-BE49-F238E27FC236}">
-                <a16:creationId xmlns:a16="http://schemas.microsoft.com/office/drawing/2014/main" xmlns="" id="{DC691E33-F611-4241-BE78-D855D265C0BD}"/>
+                <a16:creationId xmlns:a16="http://schemas.microsoft.com/office/drawing/2014/main" id="{DC691E33-F611-4241-BE78-D855D265C0BD}"/>
               </a:ext>
             </a:extLst>
           </p:cNvPr>
@@ -11924,7 +11928,7 @@
           <p:cNvPr id="5" name="Text Placeholder 4">
             <a:extLst>
               <a:ext uri="{FF2B5EF4-FFF2-40B4-BE49-F238E27FC236}">
-                <a16:creationId xmlns:a16="http://schemas.microsoft.com/office/drawing/2014/main" xmlns="" id="{DCD9C807-6408-4D96-B053-DBDB3B44C35D}"/>
+                <a16:creationId xmlns:a16="http://schemas.microsoft.com/office/drawing/2014/main" id="{DCD9C807-6408-4D96-B053-DBDB3B44C35D}"/>
               </a:ext>
             </a:extLst>
           </p:cNvPr>
@@ -11995,7 +11999,7 @@
           <p:cNvPr id="6" name="Content Placeholder 5">
             <a:extLst>
               <a:ext uri="{FF2B5EF4-FFF2-40B4-BE49-F238E27FC236}">
-                <a16:creationId xmlns:a16="http://schemas.microsoft.com/office/drawing/2014/main" xmlns="" id="{FB8BDB55-FD39-4883-AC08-C990C56E6612}"/>
+                <a16:creationId xmlns:a16="http://schemas.microsoft.com/office/drawing/2014/main" id="{FB8BDB55-FD39-4883-AC08-C990C56E6612}"/>
               </a:ext>
             </a:extLst>
           </p:cNvPr>
@@ -12058,7 +12062,7 @@
           <p:cNvPr id="7" name="Date Placeholder 6">
             <a:extLst>
               <a:ext uri="{FF2B5EF4-FFF2-40B4-BE49-F238E27FC236}">
-                <a16:creationId xmlns:a16="http://schemas.microsoft.com/office/drawing/2014/main" xmlns="" id="{1C6402DF-2215-4CD2-8CDD-D7F43333FDDC}"/>
+                <a16:creationId xmlns:a16="http://schemas.microsoft.com/office/drawing/2014/main" id="{1C6402DF-2215-4CD2-8CDD-D7F43333FDDC}"/>
               </a:ext>
             </a:extLst>
           </p:cNvPr>
@@ -12086,7 +12090,7 @@
           <p:cNvPr id="8" name="Footer Placeholder 7">
             <a:extLst>
               <a:ext uri="{FF2B5EF4-FFF2-40B4-BE49-F238E27FC236}">
-                <a16:creationId xmlns:a16="http://schemas.microsoft.com/office/drawing/2014/main" xmlns="" id="{F8DEC84C-54F8-4052-BD55-5B1A789D3429}"/>
+                <a16:creationId xmlns:a16="http://schemas.microsoft.com/office/drawing/2014/main" id="{F8DEC84C-54F8-4052-BD55-5B1A789D3429}"/>
               </a:ext>
             </a:extLst>
           </p:cNvPr>
@@ -12114,7 +12118,7 @@
           <p:cNvPr id="9" name="Slide Number Placeholder 8">
             <a:extLst>
               <a:ext uri="{FF2B5EF4-FFF2-40B4-BE49-F238E27FC236}">
-                <a16:creationId xmlns:a16="http://schemas.microsoft.com/office/drawing/2014/main" xmlns="" id="{0444D7D6-6DF9-4DA0-85C9-5F7127EF9CF5}"/>
+                <a16:creationId xmlns:a16="http://schemas.microsoft.com/office/drawing/2014/main" id="{0444D7D6-6DF9-4DA0-85C9-5F7127EF9CF5}"/>
               </a:ext>
             </a:extLst>
           </p:cNvPr>
@@ -12173,7 +12177,7 @@
           <p:cNvPr id="2" name="Title 1">
             <a:extLst>
               <a:ext uri="{FF2B5EF4-FFF2-40B4-BE49-F238E27FC236}">
-                <a16:creationId xmlns:a16="http://schemas.microsoft.com/office/drawing/2014/main" xmlns="" id="{CEF827E2-1D5B-4507-B543-84936310706F}"/>
+                <a16:creationId xmlns:a16="http://schemas.microsoft.com/office/drawing/2014/main" id="{CEF827E2-1D5B-4507-B543-84936310706F}"/>
               </a:ext>
             </a:extLst>
           </p:cNvPr>
@@ -12202,7 +12206,7 @@
           <p:cNvPr id="3" name="Date Placeholder 2">
             <a:extLst>
               <a:ext uri="{FF2B5EF4-FFF2-40B4-BE49-F238E27FC236}">
-                <a16:creationId xmlns:a16="http://schemas.microsoft.com/office/drawing/2014/main" xmlns="" id="{EBA6D65D-D8C4-4F81-AF58-83B63151B46F}"/>
+                <a16:creationId xmlns:a16="http://schemas.microsoft.com/office/drawing/2014/main" id="{EBA6D65D-D8C4-4F81-AF58-83B63151B46F}"/>
               </a:ext>
             </a:extLst>
           </p:cNvPr>
@@ -12230,7 +12234,7 @@
           <p:cNvPr id="4" name="Footer Placeholder 3">
             <a:extLst>
               <a:ext uri="{FF2B5EF4-FFF2-40B4-BE49-F238E27FC236}">
-                <a16:creationId xmlns:a16="http://schemas.microsoft.com/office/drawing/2014/main" xmlns="" id="{A6178248-65F1-4276-A5D6-E764CA5BD92F}"/>
+                <a16:creationId xmlns:a16="http://schemas.microsoft.com/office/drawing/2014/main" id="{A6178248-65F1-4276-A5D6-E764CA5BD92F}"/>
               </a:ext>
             </a:extLst>
           </p:cNvPr>
@@ -12258,7 +12262,7 @@
           <p:cNvPr id="5" name="Slide Number Placeholder 4">
             <a:extLst>
               <a:ext uri="{FF2B5EF4-FFF2-40B4-BE49-F238E27FC236}">
-                <a16:creationId xmlns:a16="http://schemas.microsoft.com/office/drawing/2014/main" xmlns="" id="{E3184932-81C3-41E8-BB6B-D32E0A6B1361}"/>
+                <a16:creationId xmlns:a16="http://schemas.microsoft.com/office/drawing/2014/main" id="{E3184932-81C3-41E8-BB6B-D32E0A6B1361}"/>
               </a:ext>
             </a:extLst>
           </p:cNvPr>
@@ -12317,7 +12321,7 @@
           <p:cNvPr id="2" name="Date Placeholder 1">
             <a:extLst>
               <a:ext uri="{FF2B5EF4-FFF2-40B4-BE49-F238E27FC236}">
-                <a16:creationId xmlns:a16="http://schemas.microsoft.com/office/drawing/2014/main" xmlns="" id="{7DA7B4B3-1D5D-4642-951F-BE795AAE65C4}"/>
+                <a16:creationId xmlns:a16="http://schemas.microsoft.com/office/drawing/2014/main" id="{7DA7B4B3-1D5D-4642-951F-BE795AAE65C4}"/>
               </a:ext>
             </a:extLst>
           </p:cNvPr>
@@ -12345,7 +12349,7 @@
           <p:cNvPr id="3" name="Footer Placeholder 2">
             <a:extLst>
               <a:ext uri="{FF2B5EF4-FFF2-40B4-BE49-F238E27FC236}">
-                <a16:creationId xmlns:a16="http://schemas.microsoft.com/office/drawing/2014/main" xmlns="" id="{8884173B-5683-4B07-A6B6-FE65E1A82E77}"/>
+                <a16:creationId xmlns:a16="http://schemas.microsoft.com/office/drawing/2014/main" id="{8884173B-5683-4B07-A6B6-FE65E1A82E77}"/>
               </a:ext>
             </a:extLst>
           </p:cNvPr>
@@ -12373,7 +12377,7 @@
           <p:cNvPr id="4" name="Slide Number Placeholder 3">
             <a:extLst>
               <a:ext uri="{FF2B5EF4-FFF2-40B4-BE49-F238E27FC236}">
-                <a16:creationId xmlns:a16="http://schemas.microsoft.com/office/drawing/2014/main" xmlns="" id="{A3604C50-87DF-45F5-93A9-563F680A4F86}"/>
+                <a16:creationId xmlns:a16="http://schemas.microsoft.com/office/drawing/2014/main" id="{A3604C50-87DF-45F5-93A9-563F680A4F86}"/>
               </a:ext>
             </a:extLst>
           </p:cNvPr>
@@ -12432,7 +12436,7 @@
           <p:cNvPr id="2" name="Title 1">
             <a:extLst>
               <a:ext uri="{FF2B5EF4-FFF2-40B4-BE49-F238E27FC236}">
-                <a16:creationId xmlns:a16="http://schemas.microsoft.com/office/drawing/2014/main" xmlns="" id="{89DE626C-A862-4DB9-BB4B-60DFE8BAA8FD}"/>
+                <a16:creationId xmlns:a16="http://schemas.microsoft.com/office/drawing/2014/main" id="{89DE626C-A862-4DB9-BB4B-60DFE8BAA8FD}"/>
               </a:ext>
             </a:extLst>
           </p:cNvPr>
@@ -12470,7 +12474,7 @@
           <p:cNvPr id="3" name="Content Placeholder 2">
             <a:extLst>
               <a:ext uri="{FF2B5EF4-FFF2-40B4-BE49-F238E27FC236}">
-                <a16:creationId xmlns:a16="http://schemas.microsoft.com/office/drawing/2014/main" xmlns="" id="{30C8A0A6-E54D-4A23-82BB-ED65BAE64D38}"/>
+                <a16:creationId xmlns:a16="http://schemas.microsoft.com/office/drawing/2014/main" id="{30C8A0A6-E54D-4A23-82BB-ED65BAE64D38}"/>
               </a:ext>
             </a:extLst>
           </p:cNvPr>
@@ -12561,7 +12565,7 @@
           <p:cNvPr id="4" name="Text Placeholder 3">
             <a:extLst>
               <a:ext uri="{FF2B5EF4-FFF2-40B4-BE49-F238E27FC236}">
-                <a16:creationId xmlns:a16="http://schemas.microsoft.com/office/drawing/2014/main" xmlns="" id="{F974B46C-C7A3-468B-9B6D-13DBE08782F6}"/>
+                <a16:creationId xmlns:a16="http://schemas.microsoft.com/office/drawing/2014/main" id="{F974B46C-C7A3-468B-9B6D-13DBE08782F6}"/>
               </a:ext>
             </a:extLst>
           </p:cNvPr>
@@ -12632,7 +12636,7 @@
           <p:cNvPr id="5" name="Date Placeholder 4">
             <a:extLst>
               <a:ext uri="{FF2B5EF4-FFF2-40B4-BE49-F238E27FC236}">
-                <a16:creationId xmlns:a16="http://schemas.microsoft.com/office/drawing/2014/main" xmlns="" id="{3A0DEE69-0C06-40B4-A585-623689A0E1B7}"/>
+                <a16:creationId xmlns:a16="http://schemas.microsoft.com/office/drawing/2014/main" id="{3A0DEE69-0C06-40B4-A585-623689A0E1B7}"/>
               </a:ext>
             </a:extLst>
           </p:cNvPr>
@@ -12660,7 +12664,7 @@
           <p:cNvPr id="6" name="Footer Placeholder 5">
             <a:extLst>
               <a:ext uri="{FF2B5EF4-FFF2-40B4-BE49-F238E27FC236}">
-                <a16:creationId xmlns:a16="http://schemas.microsoft.com/office/drawing/2014/main" xmlns="" id="{7DC33A2F-2971-4E6B-BEE2-98ECF3481927}"/>
+                <a16:creationId xmlns:a16="http://schemas.microsoft.com/office/drawing/2014/main" id="{7DC33A2F-2971-4E6B-BEE2-98ECF3481927}"/>
               </a:ext>
             </a:extLst>
           </p:cNvPr>
@@ -12688,7 +12692,7 @@
           <p:cNvPr id="7" name="Slide Number Placeholder 6">
             <a:extLst>
               <a:ext uri="{FF2B5EF4-FFF2-40B4-BE49-F238E27FC236}">
-                <a16:creationId xmlns:a16="http://schemas.microsoft.com/office/drawing/2014/main" xmlns="" id="{A0E8ED68-03D2-4B6B-9D83-4B8C7798C47E}"/>
+                <a16:creationId xmlns:a16="http://schemas.microsoft.com/office/drawing/2014/main" id="{A0E8ED68-03D2-4B6B-9D83-4B8C7798C47E}"/>
               </a:ext>
             </a:extLst>
           </p:cNvPr>
@@ -12747,7 +12751,7 @@
           <p:cNvPr id="2" name="Title 1">
             <a:extLst>
               <a:ext uri="{FF2B5EF4-FFF2-40B4-BE49-F238E27FC236}">
-                <a16:creationId xmlns:a16="http://schemas.microsoft.com/office/drawing/2014/main" xmlns="" id="{590B7302-973C-43E2-8266-EB309C74CAE0}"/>
+                <a16:creationId xmlns:a16="http://schemas.microsoft.com/office/drawing/2014/main" id="{590B7302-973C-43E2-8266-EB309C74CAE0}"/>
               </a:ext>
             </a:extLst>
           </p:cNvPr>
@@ -12785,7 +12789,7 @@
           <p:cNvPr id="3" name="Picture Placeholder 2">
             <a:extLst>
               <a:ext uri="{FF2B5EF4-FFF2-40B4-BE49-F238E27FC236}">
-                <a16:creationId xmlns:a16="http://schemas.microsoft.com/office/drawing/2014/main" xmlns="" id="{0BB4836D-2B27-4E99-A4E9-44E63B07037A}"/>
+                <a16:creationId xmlns:a16="http://schemas.microsoft.com/office/drawing/2014/main" id="{0BB4836D-2B27-4E99-A4E9-44E63B07037A}"/>
               </a:ext>
             </a:extLst>
           </p:cNvPr>
@@ -12852,7 +12856,7 @@
           <p:cNvPr id="4" name="Text Placeholder 3">
             <a:extLst>
               <a:ext uri="{FF2B5EF4-FFF2-40B4-BE49-F238E27FC236}">
-                <a16:creationId xmlns:a16="http://schemas.microsoft.com/office/drawing/2014/main" xmlns="" id="{7E6EB6B5-C561-4656-9550-3F6CDD14D15F}"/>
+                <a16:creationId xmlns:a16="http://schemas.microsoft.com/office/drawing/2014/main" id="{7E6EB6B5-C561-4656-9550-3F6CDD14D15F}"/>
               </a:ext>
             </a:extLst>
           </p:cNvPr>
@@ -12923,7 +12927,7 @@
           <p:cNvPr id="5" name="Date Placeholder 4">
             <a:extLst>
               <a:ext uri="{FF2B5EF4-FFF2-40B4-BE49-F238E27FC236}">
-                <a16:creationId xmlns:a16="http://schemas.microsoft.com/office/drawing/2014/main" xmlns="" id="{B2403665-2894-4978-BE66-31EBAF67ADD9}"/>
+                <a16:creationId xmlns:a16="http://schemas.microsoft.com/office/drawing/2014/main" id="{B2403665-2894-4978-BE66-31EBAF67ADD9}"/>
               </a:ext>
             </a:extLst>
           </p:cNvPr>
@@ -12951,7 +12955,7 @@
           <p:cNvPr id="6" name="Footer Placeholder 5">
             <a:extLst>
               <a:ext uri="{FF2B5EF4-FFF2-40B4-BE49-F238E27FC236}">
-                <a16:creationId xmlns:a16="http://schemas.microsoft.com/office/drawing/2014/main" xmlns="" id="{CB79DDA8-96EB-4C77-B5AA-536AAD6A1C2C}"/>
+                <a16:creationId xmlns:a16="http://schemas.microsoft.com/office/drawing/2014/main" id="{CB79DDA8-96EB-4C77-B5AA-536AAD6A1C2C}"/>
               </a:ext>
             </a:extLst>
           </p:cNvPr>
@@ -12979,7 +12983,7 @@
           <p:cNvPr id="7" name="Slide Number Placeholder 6">
             <a:extLst>
               <a:ext uri="{FF2B5EF4-FFF2-40B4-BE49-F238E27FC236}">
-                <a16:creationId xmlns:a16="http://schemas.microsoft.com/office/drawing/2014/main" xmlns="" id="{99887644-4078-46FE-AFB7-670AAA65DFEC}"/>
+                <a16:creationId xmlns:a16="http://schemas.microsoft.com/office/drawing/2014/main" id="{99887644-4078-46FE-AFB7-670AAA65DFEC}"/>
               </a:ext>
             </a:extLst>
           </p:cNvPr>
@@ -13038,7 +13042,7 @@
           <p:cNvPr id="2" name="Title 1">
             <a:extLst>
               <a:ext uri="{FF2B5EF4-FFF2-40B4-BE49-F238E27FC236}">
-                <a16:creationId xmlns:a16="http://schemas.microsoft.com/office/drawing/2014/main" xmlns="" id="{F5979442-03EA-4EBA-BD35-CB21398A83A0}"/>
+                <a16:creationId xmlns:a16="http://schemas.microsoft.com/office/drawing/2014/main" id="{F5979442-03EA-4EBA-BD35-CB21398A83A0}"/>
               </a:ext>
             </a:extLst>
           </p:cNvPr>
@@ -13067,7 +13071,7 @@
           <p:cNvPr id="3" name="Vertical Text Placeholder 2">
             <a:extLst>
               <a:ext uri="{FF2B5EF4-FFF2-40B4-BE49-F238E27FC236}">
-                <a16:creationId xmlns:a16="http://schemas.microsoft.com/office/drawing/2014/main" xmlns="" id="{3027FAED-F90B-411D-9103-FB91E40E2E81}"/>
+                <a16:creationId xmlns:a16="http://schemas.microsoft.com/office/drawing/2014/main" id="{3027FAED-F90B-411D-9103-FB91E40E2E81}"/>
               </a:ext>
             </a:extLst>
           </p:cNvPr>
@@ -13125,7 +13129,7 @@
           <p:cNvPr id="4" name="Date Placeholder 3">
             <a:extLst>
               <a:ext uri="{FF2B5EF4-FFF2-40B4-BE49-F238E27FC236}">
-                <a16:creationId xmlns:a16="http://schemas.microsoft.com/office/drawing/2014/main" xmlns="" id="{448AA73C-A629-4F94-AC74-6BE10A9D2661}"/>
+                <a16:creationId xmlns:a16="http://schemas.microsoft.com/office/drawing/2014/main" id="{448AA73C-A629-4F94-AC74-6BE10A9D2661}"/>
               </a:ext>
             </a:extLst>
           </p:cNvPr>
@@ -13153,7 +13157,7 @@
           <p:cNvPr id="5" name="Footer Placeholder 4">
             <a:extLst>
               <a:ext uri="{FF2B5EF4-FFF2-40B4-BE49-F238E27FC236}">
-                <a16:creationId xmlns:a16="http://schemas.microsoft.com/office/drawing/2014/main" xmlns="" id="{11AFB4C5-DC5C-4E0B-A30A-B3E2C65006F8}"/>
+                <a16:creationId xmlns:a16="http://schemas.microsoft.com/office/drawing/2014/main" id="{11AFB4C5-DC5C-4E0B-A30A-B3E2C65006F8}"/>
               </a:ext>
             </a:extLst>
           </p:cNvPr>
@@ -13181,7 +13185,7 @@
           <p:cNvPr id="6" name="Slide Number Placeholder 5">
             <a:extLst>
               <a:ext uri="{FF2B5EF4-FFF2-40B4-BE49-F238E27FC236}">
-                <a16:creationId xmlns:a16="http://schemas.microsoft.com/office/drawing/2014/main" xmlns="" id="{BA60360F-588E-4EC9-8B45-836F48AC3064}"/>
+                <a16:creationId xmlns:a16="http://schemas.microsoft.com/office/drawing/2014/main" id="{BA60360F-588E-4EC9-8B45-836F48AC3064}"/>
               </a:ext>
             </a:extLst>
           </p:cNvPr>
@@ -13240,7 +13244,7 @@
           <p:cNvPr id="2" name="Vertical Title 1">
             <a:extLst>
               <a:ext uri="{FF2B5EF4-FFF2-40B4-BE49-F238E27FC236}">
-                <a16:creationId xmlns:a16="http://schemas.microsoft.com/office/drawing/2014/main" xmlns="" id="{37030969-C7E9-4B4B-AF99-D36C9DDF4398}"/>
+                <a16:creationId xmlns:a16="http://schemas.microsoft.com/office/drawing/2014/main" id="{37030969-C7E9-4B4B-AF99-D36C9DDF4398}"/>
               </a:ext>
             </a:extLst>
           </p:cNvPr>
@@ -13274,7 +13278,7 @@
           <p:cNvPr id="3" name="Vertical Text Placeholder 2">
             <a:extLst>
               <a:ext uri="{FF2B5EF4-FFF2-40B4-BE49-F238E27FC236}">
-                <a16:creationId xmlns:a16="http://schemas.microsoft.com/office/drawing/2014/main" xmlns="" id="{31BD9FE5-2ED8-4149-8CAD-50697597EE3C}"/>
+                <a16:creationId xmlns:a16="http://schemas.microsoft.com/office/drawing/2014/main" id="{31BD9FE5-2ED8-4149-8CAD-50697597EE3C}"/>
               </a:ext>
             </a:extLst>
           </p:cNvPr>
@@ -13337,7 +13341,7 @@
           <p:cNvPr id="4" name="Date Placeholder 3">
             <a:extLst>
               <a:ext uri="{FF2B5EF4-FFF2-40B4-BE49-F238E27FC236}">
-                <a16:creationId xmlns:a16="http://schemas.microsoft.com/office/drawing/2014/main" xmlns="" id="{8E2818A7-EBD8-420F-9988-4CA46CC2962D}"/>
+                <a16:creationId xmlns:a16="http://schemas.microsoft.com/office/drawing/2014/main" id="{8E2818A7-EBD8-420F-9988-4CA46CC2962D}"/>
               </a:ext>
             </a:extLst>
           </p:cNvPr>
@@ -13365,7 +13369,7 @@
           <p:cNvPr id="5" name="Footer Placeholder 4">
             <a:extLst>
               <a:ext uri="{FF2B5EF4-FFF2-40B4-BE49-F238E27FC236}">
-                <a16:creationId xmlns:a16="http://schemas.microsoft.com/office/drawing/2014/main" xmlns="" id="{0EA8B38A-E7CA-4BB1-BED4-A750E07D50E9}"/>
+                <a16:creationId xmlns:a16="http://schemas.microsoft.com/office/drawing/2014/main" id="{0EA8B38A-E7CA-4BB1-BED4-A750E07D50E9}"/>
               </a:ext>
             </a:extLst>
           </p:cNvPr>
@@ -13393,7 +13397,7 @@
           <p:cNvPr id="6" name="Slide Number Placeholder 5">
             <a:extLst>
               <a:ext uri="{FF2B5EF4-FFF2-40B4-BE49-F238E27FC236}">
-                <a16:creationId xmlns:a16="http://schemas.microsoft.com/office/drawing/2014/main" xmlns="" id="{137CEC92-5AB4-4AA4-9949-EE34922FC12D}"/>
+                <a16:creationId xmlns:a16="http://schemas.microsoft.com/office/drawing/2014/main" id="{137CEC92-5AB4-4AA4-9949-EE34922FC12D}"/>
               </a:ext>
             </a:extLst>
           </p:cNvPr>
@@ -13452,7 +13456,7 @@
           <p:cNvPr id="2" name="Title 1">
             <a:extLst>
               <a:ext uri="{FF2B5EF4-FFF2-40B4-BE49-F238E27FC236}">
-                <a16:creationId xmlns:a16="http://schemas.microsoft.com/office/drawing/2014/main" xmlns="" id="{EF40842B-C6CA-43A0-8C7B-C51A8BA4E18E}"/>
+                <a16:creationId xmlns:a16="http://schemas.microsoft.com/office/drawing/2014/main" id="{EF40842B-C6CA-43A0-8C7B-C51A8BA4E18E}"/>
               </a:ext>
             </a:extLst>
           </p:cNvPr>
@@ -13490,7 +13494,7 @@
           <p:cNvPr id="3" name="Subtitle 2">
             <a:extLst>
               <a:ext uri="{FF2B5EF4-FFF2-40B4-BE49-F238E27FC236}">
-                <a16:creationId xmlns:a16="http://schemas.microsoft.com/office/drawing/2014/main" xmlns="" id="{52CB8609-D1C9-4053-9799-16F0B8007F7D}"/>
+                <a16:creationId xmlns:a16="http://schemas.microsoft.com/office/drawing/2014/main" id="{52CB8609-D1C9-4053-9799-16F0B8007F7D}"/>
               </a:ext>
             </a:extLst>
           </p:cNvPr>
@@ -13561,7 +13565,7 @@
           <p:cNvPr id="4" name="Date Placeholder 3">
             <a:extLst>
               <a:ext uri="{FF2B5EF4-FFF2-40B4-BE49-F238E27FC236}">
-                <a16:creationId xmlns:a16="http://schemas.microsoft.com/office/drawing/2014/main" xmlns="" id="{F2E68D7E-AF4D-4C00-8C02-89B28DF7B604}"/>
+                <a16:creationId xmlns:a16="http://schemas.microsoft.com/office/drawing/2014/main" id="{F2E68D7E-AF4D-4C00-8C02-89B28DF7B604}"/>
               </a:ext>
             </a:extLst>
           </p:cNvPr>
@@ -13589,7 +13593,7 @@
           <p:cNvPr id="5" name="Footer Placeholder 4">
             <a:extLst>
               <a:ext uri="{FF2B5EF4-FFF2-40B4-BE49-F238E27FC236}">
-                <a16:creationId xmlns:a16="http://schemas.microsoft.com/office/drawing/2014/main" xmlns="" id="{859379C3-5354-435E-8EB3-C5E2012D7430}"/>
+                <a16:creationId xmlns:a16="http://schemas.microsoft.com/office/drawing/2014/main" id="{859379C3-5354-435E-8EB3-C5E2012D7430}"/>
               </a:ext>
             </a:extLst>
           </p:cNvPr>
@@ -13617,7 +13621,7 @@
           <p:cNvPr id="6" name="Slide Number Placeholder 5">
             <a:extLst>
               <a:ext uri="{FF2B5EF4-FFF2-40B4-BE49-F238E27FC236}">
-                <a16:creationId xmlns:a16="http://schemas.microsoft.com/office/drawing/2014/main" xmlns="" id="{90DCA2A0-DDFB-45DB-B7EF-062DE2EF1079}"/>
+                <a16:creationId xmlns:a16="http://schemas.microsoft.com/office/drawing/2014/main" id="{90DCA2A0-DDFB-45DB-B7EF-062DE2EF1079}"/>
               </a:ext>
             </a:extLst>
           </p:cNvPr>
@@ -13676,7 +13680,7 @@
           <p:cNvPr id="2" name="Title 1">
             <a:extLst>
               <a:ext uri="{FF2B5EF4-FFF2-40B4-BE49-F238E27FC236}">
-                <a16:creationId xmlns:a16="http://schemas.microsoft.com/office/drawing/2014/main" xmlns="" id="{F69BB830-5846-4BFF-94AC-4EC6ADCFDCAD}"/>
+                <a16:creationId xmlns:a16="http://schemas.microsoft.com/office/drawing/2014/main" id="{F69BB830-5846-4BFF-94AC-4EC6ADCFDCAD}"/>
               </a:ext>
             </a:extLst>
           </p:cNvPr>
@@ -13705,7 +13709,7 @@
           <p:cNvPr id="3" name="Content Placeholder 2">
             <a:extLst>
               <a:ext uri="{FF2B5EF4-FFF2-40B4-BE49-F238E27FC236}">
-                <a16:creationId xmlns:a16="http://schemas.microsoft.com/office/drawing/2014/main" xmlns="" id="{FFD1DC8A-530A-4051-8628-65AAC3BD36BC}"/>
+                <a16:creationId xmlns:a16="http://schemas.microsoft.com/office/drawing/2014/main" id="{FFD1DC8A-530A-4051-8628-65AAC3BD36BC}"/>
               </a:ext>
             </a:extLst>
           </p:cNvPr>
@@ -13763,7 +13767,7 @@
           <p:cNvPr id="4" name="Date Placeholder 3">
             <a:extLst>
               <a:ext uri="{FF2B5EF4-FFF2-40B4-BE49-F238E27FC236}">
-                <a16:creationId xmlns:a16="http://schemas.microsoft.com/office/drawing/2014/main" xmlns="" id="{62EBD670-43FB-418C-8970-CC12DC5DAD9F}"/>
+                <a16:creationId xmlns:a16="http://schemas.microsoft.com/office/drawing/2014/main" id="{62EBD670-43FB-418C-8970-CC12DC5DAD9F}"/>
               </a:ext>
             </a:extLst>
           </p:cNvPr>
@@ -13791,7 +13795,7 @@
           <p:cNvPr id="5" name="Footer Placeholder 4">
             <a:extLst>
               <a:ext uri="{FF2B5EF4-FFF2-40B4-BE49-F238E27FC236}">
-                <a16:creationId xmlns:a16="http://schemas.microsoft.com/office/drawing/2014/main" xmlns="" id="{0E8ECFD0-8AA1-4672-A66F-2F482DE1A92F}"/>
+                <a16:creationId xmlns:a16="http://schemas.microsoft.com/office/drawing/2014/main" id="{0E8ECFD0-8AA1-4672-A66F-2F482DE1A92F}"/>
               </a:ext>
             </a:extLst>
           </p:cNvPr>
@@ -13819,7 +13823,7 @@
           <p:cNvPr id="6" name="Slide Number Placeholder 5">
             <a:extLst>
               <a:ext uri="{FF2B5EF4-FFF2-40B4-BE49-F238E27FC236}">
-                <a16:creationId xmlns:a16="http://schemas.microsoft.com/office/drawing/2014/main" xmlns="" id="{EDA04B25-8EB3-4981-853A-C79EAA4B6292}"/>
+                <a16:creationId xmlns:a16="http://schemas.microsoft.com/office/drawing/2014/main" id="{EDA04B25-8EB3-4981-853A-C79EAA4B6292}"/>
               </a:ext>
             </a:extLst>
           </p:cNvPr>
@@ -13878,7 +13882,7 @@
           <p:cNvPr id="2" name="Title 1">
             <a:extLst>
               <a:ext uri="{FF2B5EF4-FFF2-40B4-BE49-F238E27FC236}">
-                <a16:creationId xmlns:a16="http://schemas.microsoft.com/office/drawing/2014/main" xmlns="" id="{94ADA874-EEE2-44F9-9137-4320AB078C65}"/>
+                <a16:creationId xmlns:a16="http://schemas.microsoft.com/office/drawing/2014/main" id="{94ADA874-EEE2-44F9-9137-4320AB078C65}"/>
               </a:ext>
             </a:extLst>
           </p:cNvPr>
@@ -13916,7 +13920,7 @@
           <p:cNvPr id="3" name="Text Placeholder 2">
             <a:extLst>
               <a:ext uri="{FF2B5EF4-FFF2-40B4-BE49-F238E27FC236}">
-                <a16:creationId xmlns:a16="http://schemas.microsoft.com/office/drawing/2014/main" xmlns="" id="{ACDA1EFE-1D8A-478A-9AFA-91409EBBBCF3}"/>
+                <a16:creationId xmlns:a16="http://schemas.microsoft.com/office/drawing/2014/main" id="{ACDA1EFE-1D8A-478A-9AFA-91409EBBBCF3}"/>
               </a:ext>
             </a:extLst>
           </p:cNvPr>
@@ -14041,7 +14045,7 @@
           <p:cNvPr id="4" name="Date Placeholder 3">
             <a:extLst>
               <a:ext uri="{FF2B5EF4-FFF2-40B4-BE49-F238E27FC236}">
-                <a16:creationId xmlns:a16="http://schemas.microsoft.com/office/drawing/2014/main" xmlns="" id="{D3F1E7FD-497A-491B-8917-253A34DF4EB1}"/>
+                <a16:creationId xmlns:a16="http://schemas.microsoft.com/office/drawing/2014/main" id="{D3F1E7FD-497A-491B-8917-253A34DF4EB1}"/>
               </a:ext>
             </a:extLst>
           </p:cNvPr>
@@ -14069,7 +14073,7 @@
           <p:cNvPr id="5" name="Footer Placeholder 4">
             <a:extLst>
               <a:ext uri="{FF2B5EF4-FFF2-40B4-BE49-F238E27FC236}">
-                <a16:creationId xmlns:a16="http://schemas.microsoft.com/office/drawing/2014/main" xmlns="" id="{9534D2FA-20F1-4183-A307-7A55CC8E1EFE}"/>
+                <a16:creationId xmlns:a16="http://schemas.microsoft.com/office/drawing/2014/main" id="{9534D2FA-20F1-4183-A307-7A55CC8E1EFE}"/>
               </a:ext>
             </a:extLst>
           </p:cNvPr>
@@ -14097,7 +14101,7 @@
           <p:cNvPr id="6" name="Slide Number Placeholder 5">
             <a:extLst>
               <a:ext uri="{FF2B5EF4-FFF2-40B4-BE49-F238E27FC236}">
-                <a16:creationId xmlns:a16="http://schemas.microsoft.com/office/drawing/2014/main" xmlns="" id="{EB62A000-FACF-4C3A-999D-9801F85A5B78}"/>
+                <a16:creationId xmlns:a16="http://schemas.microsoft.com/office/drawing/2014/main" id="{EB62A000-FACF-4C3A-999D-9801F85A5B78}"/>
               </a:ext>
             </a:extLst>
           </p:cNvPr>
@@ -14156,7 +14160,7 @@
           <p:cNvPr id="2" name="Title 1">
             <a:extLst>
               <a:ext uri="{FF2B5EF4-FFF2-40B4-BE49-F238E27FC236}">
-                <a16:creationId xmlns:a16="http://schemas.microsoft.com/office/drawing/2014/main" xmlns="" id="{9CBCC924-5FC3-40EF-AA67-3D8D94E469FD}"/>
+                <a16:creationId xmlns:a16="http://schemas.microsoft.com/office/drawing/2014/main" id="{9CBCC924-5FC3-40EF-AA67-3D8D94E469FD}"/>
               </a:ext>
             </a:extLst>
           </p:cNvPr>
@@ -14193,7 +14197,7 @@
           <p:cNvPr id="3" name="Text Placeholder 2">
             <a:extLst>
               <a:ext uri="{FF2B5EF4-FFF2-40B4-BE49-F238E27FC236}">
-                <a16:creationId xmlns:a16="http://schemas.microsoft.com/office/drawing/2014/main" xmlns="" id="{5B107A9B-C253-4673-8329-D020D5F18957}"/>
+                <a16:creationId xmlns:a16="http://schemas.microsoft.com/office/drawing/2014/main" id="{5B107A9B-C253-4673-8329-D020D5F18957}"/>
               </a:ext>
             </a:extLst>
           </p:cNvPr>
@@ -14264,7 +14268,7 @@
           <p:cNvPr id="4" name="Content Placeholder 3">
             <a:extLst>
               <a:ext uri="{FF2B5EF4-FFF2-40B4-BE49-F238E27FC236}">
-                <a16:creationId xmlns:a16="http://schemas.microsoft.com/office/drawing/2014/main" xmlns="" id="{DC691E33-F611-4241-BE78-D855D265C0BD}"/>
+                <a16:creationId xmlns:a16="http://schemas.microsoft.com/office/drawing/2014/main" id="{DC691E33-F611-4241-BE78-D855D265C0BD}"/>
               </a:ext>
             </a:extLst>
           </p:cNvPr>
@@ -14327,7 +14331,7 @@
           <p:cNvPr id="5" name="Text Placeholder 4">
             <a:extLst>
               <a:ext uri="{FF2B5EF4-FFF2-40B4-BE49-F238E27FC236}">
-                <a16:creationId xmlns:a16="http://schemas.microsoft.com/office/drawing/2014/main" xmlns="" id="{DCD9C807-6408-4D96-B053-DBDB3B44C35D}"/>
+                <a16:creationId xmlns:a16="http://schemas.microsoft.com/office/drawing/2014/main" id="{DCD9C807-6408-4D96-B053-DBDB3B44C35D}"/>
               </a:ext>
             </a:extLst>
           </p:cNvPr>
@@ -14398,7 +14402,7 @@
           <p:cNvPr id="6" name="Content Placeholder 5">
             <a:extLst>
               <a:ext uri="{FF2B5EF4-FFF2-40B4-BE49-F238E27FC236}">
-                <a16:creationId xmlns:a16="http://schemas.microsoft.com/office/drawing/2014/main" xmlns="" id="{FB8BDB55-FD39-4883-AC08-C990C56E6612}"/>
+                <a16:creationId xmlns:a16="http://schemas.microsoft.com/office/drawing/2014/main" id="{FB8BDB55-FD39-4883-AC08-C990C56E6612}"/>
               </a:ext>
             </a:extLst>
           </p:cNvPr>
@@ -14461,7 +14465,7 @@
           <p:cNvPr id="7" name="Date Placeholder 6">
             <a:extLst>
               <a:ext uri="{FF2B5EF4-FFF2-40B4-BE49-F238E27FC236}">
-                <a16:creationId xmlns:a16="http://schemas.microsoft.com/office/drawing/2014/main" xmlns="" id="{1C6402DF-2215-4CD2-8CDD-D7F43333FDDC}"/>
+                <a16:creationId xmlns:a16="http://schemas.microsoft.com/office/drawing/2014/main" id="{1C6402DF-2215-4CD2-8CDD-D7F43333FDDC}"/>
               </a:ext>
             </a:extLst>
           </p:cNvPr>
@@ -14497,7 +14501,7 @@
           <p:cNvPr id="8" name="Footer Placeholder 7">
             <a:extLst>
               <a:ext uri="{FF2B5EF4-FFF2-40B4-BE49-F238E27FC236}">
-                <a16:creationId xmlns:a16="http://schemas.microsoft.com/office/drawing/2014/main" xmlns="" id="{F8DEC84C-54F8-4052-BD55-5B1A789D3429}"/>
+                <a16:creationId xmlns:a16="http://schemas.microsoft.com/office/drawing/2014/main" id="{F8DEC84C-54F8-4052-BD55-5B1A789D3429}"/>
               </a:ext>
             </a:extLst>
           </p:cNvPr>
@@ -14533,7 +14537,7 @@
           <p:cNvPr id="9" name="Slide Number Placeholder 8">
             <a:extLst>
               <a:ext uri="{FF2B5EF4-FFF2-40B4-BE49-F238E27FC236}">
-                <a16:creationId xmlns:a16="http://schemas.microsoft.com/office/drawing/2014/main" xmlns="" id="{0444D7D6-6DF9-4DA0-85C9-5F7127EF9CF5}"/>
+                <a16:creationId xmlns:a16="http://schemas.microsoft.com/office/drawing/2014/main" id="{0444D7D6-6DF9-4DA0-85C9-5F7127EF9CF5}"/>
               </a:ext>
             </a:extLst>
           </p:cNvPr>
@@ -14592,7 +14596,7 @@
           <p:cNvPr id="2" name="Title 1">
             <a:extLst>
               <a:ext uri="{FF2B5EF4-FFF2-40B4-BE49-F238E27FC236}">
-                <a16:creationId xmlns:a16="http://schemas.microsoft.com/office/drawing/2014/main" xmlns="" id="{C613E725-FB4D-4A68-9B99-2621DA34273F}"/>
+                <a16:creationId xmlns:a16="http://schemas.microsoft.com/office/drawing/2014/main" id="{C613E725-FB4D-4A68-9B99-2621DA34273F}"/>
               </a:ext>
             </a:extLst>
           </p:cNvPr>
@@ -14621,7 +14625,7 @@
           <p:cNvPr id="3" name="Content Placeholder 2">
             <a:extLst>
               <a:ext uri="{FF2B5EF4-FFF2-40B4-BE49-F238E27FC236}">
-                <a16:creationId xmlns:a16="http://schemas.microsoft.com/office/drawing/2014/main" xmlns="" id="{74D48DA3-CF9C-49A7-B8EF-F58E7C9DD96B}"/>
+                <a16:creationId xmlns:a16="http://schemas.microsoft.com/office/drawing/2014/main" id="{74D48DA3-CF9C-49A7-B8EF-F58E7C9DD96B}"/>
               </a:ext>
             </a:extLst>
           </p:cNvPr>
@@ -14684,7 +14688,7 @@
           <p:cNvPr id="4" name="Content Placeholder 3">
             <a:extLst>
               <a:ext uri="{FF2B5EF4-FFF2-40B4-BE49-F238E27FC236}">
-                <a16:creationId xmlns:a16="http://schemas.microsoft.com/office/drawing/2014/main" xmlns="" id="{F90842DA-F193-4FD2-B85C-820D02F67803}"/>
+                <a16:creationId xmlns:a16="http://schemas.microsoft.com/office/drawing/2014/main" id="{F90842DA-F193-4FD2-B85C-820D02F67803}"/>
               </a:ext>
             </a:extLst>
           </p:cNvPr>
@@ -14747,7 +14751,7 @@
           <p:cNvPr id="5" name="Date Placeholder 4">
             <a:extLst>
               <a:ext uri="{FF2B5EF4-FFF2-40B4-BE49-F238E27FC236}">
-                <a16:creationId xmlns:a16="http://schemas.microsoft.com/office/drawing/2014/main" xmlns="" id="{D1FFF39B-B900-4142-BD19-4C7BC14A9C3D}"/>
+                <a16:creationId xmlns:a16="http://schemas.microsoft.com/office/drawing/2014/main" id="{D1FFF39B-B900-4142-BD19-4C7BC14A9C3D}"/>
               </a:ext>
             </a:extLst>
           </p:cNvPr>
@@ -14775,7 +14779,7 @@
           <p:cNvPr id="6" name="Footer Placeholder 5">
             <a:extLst>
               <a:ext uri="{FF2B5EF4-FFF2-40B4-BE49-F238E27FC236}">
-                <a16:creationId xmlns:a16="http://schemas.microsoft.com/office/drawing/2014/main" xmlns="" id="{8FFBC69E-19FD-4BF3-8BD4-78AD855CA3A9}"/>
+                <a16:creationId xmlns:a16="http://schemas.microsoft.com/office/drawing/2014/main" id="{8FFBC69E-19FD-4BF3-8BD4-78AD855CA3A9}"/>
               </a:ext>
             </a:extLst>
           </p:cNvPr>
@@ -14803,7 +14807,7 @@
           <p:cNvPr id="7" name="Slide Number Placeholder 6">
             <a:extLst>
               <a:ext uri="{FF2B5EF4-FFF2-40B4-BE49-F238E27FC236}">
-                <a16:creationId xmlns:a16="http://schemas.microsoft.com/office/drawing/2014/main" xmlns="" id="{C18E0F0F-E071-4289-9E46-1C97383E8B16}"/>
+                <a16:creationId xmlns:a16="http://schemas.microsoft.com/office/drawing/2014/main" id="{C18E0F0F-E071-4289-9E46-1C97383E8B16}"/>
               </a:ext>
             </a:extLst>
           </p:cNvPr>
@@ -14862,7 +14866,7 @@
           <p:cNvPr id="2" name="Title 1">
             <a:extLst>
               <a:ext uri="{FF2B5EF4-FFF2-40B4-BE49-F238E27FC236}">
-                <a16:creationId xmlns:a16="http://schemas.microsoft.com/office/drawing/2014/main" xmlns="" id="{9CBCC924-5FC3-40EF-AA67-3D8D94E469FD}"/>
+                <a16:creationId xmlns:a16="http://schemas.microsoft.com/office/drawing/2014/main" id="{9CBCC924-5FC3-40EF-AA67-3D8D94E469FD}"/>
               </a:ext>
             </a:extLst>
           </p:cNvPr>
@@ -14896,7 +14900,7 @@
           <p:cNvPr id="3" name="Text Placeholder 2">
             <a:extLst>
               <a:ext uri="{FF2B5EF4-FFF2-40B4-BE49-F238E27FC236}">
-                <a16:creationId xmlns:a16="http://schemas.microsoft.com/office/drawing/2014/main" xmlns="" id="{5B107A9B-C253-4673-8329-D020D5F18957}"/>
+                <a16:creationId xmlns:a16="http://schemas.microsoft.com/office/drawing/2014/main" id="{5B107A9B-C253-4673-8329-D020D5F18957}"/>
               </a:ext>
             </a:extLst>
           </p:cNvPr>
@@ -14967,7 +14971,7 @@
           <p:cNvPr id="4" name="Content Placeholder 3">
             <a:extLst>
               <a:ext uri="{FF2B5EF4-FFF2-40B4-BE49-F238E27FC236}">
-                <a16:creationId xmlns:a16="http://schemas.microsoft.com/office/drawing/2014/main" xmlns="" id="{DC691E33-F611-4241-BE78-D855D265C0BD}"/>
+                <a16:creationId xmlns:a16="http://schemas.microsoft.com/office/drawing/2014/main" id="{DC691E33-F611-4241-BE78-D855D265C0BD}"/>
               </a:ext>
             </a:extLst>
           </p:cNvPr>
@@ -15030,7 +15034,7 @@
           <p:cNvPr id="5" name="Text Placeholder 4">
             <a:extLst>
               <a:ext uri="{FF2B5EF4-FFF2-40B4-BE49-F238E27FC236}">
-                <a16:creationId xmlns:a16="http://schemas.microsoft.com/office/drawing/2014/main" xmlns="" id="{DCD9C807-6408-4D96-B053-DBDB3B44C35D}"/>
+                <a16:creationId xmlns:a16="http://schemas.microsoft.com/office/drawing/2014/main" id="{DCD9C807-6408-4D96-B053-DBDB3B44C35D}"/>
               </a:ext>
             </a:extLst>
           </p:cNvPr>
@@ -15101,7 +15105,7 @@
           <p:cNvPr id="6" name="Content Placeholder 5">
             <a:extLst>
               <a:ext uri="{FF2B5EF4-FFF2-40B4-BE49-F238E27FC236}">
-                <a16:creationId xmlns:a16="http://schemas.microsoft.com/office/drawing/2014/main" xmlns="" id="{FB8BDB55-FD39-4883-AC08-C990C56E6612}"/>
+                <a16:creationId xmlns:a16="http://schemas.microsoft.com/office/drawing/2014/main" id="{FB8BDB55-FD39-4883-AC08-C990C56E6612}"/>
               </a:ext>
             </a:extLst>
           </p:cNvPr>
@@ -15164,7 +15168,7 @@
           <p:cNvPr id="7" name="Date Placeholder 6">
             <a:extLst>
               <a:ext uri="{FF2B5EF4-FFF2-40B4-BE49-F238E27FC236}">
-                <a16:creationId xmlns:a16="http://schemas.microsoft.com/office/drawing/2014/main" xmlns="" id="{1C6402DF-2215-4CD2-8CDD-D7F43333FDDC}"/>
+                <a16:creationId xmlns:a16="http://schemas.microsoft.com/office/drawing/2014/main" id="{1C6402DF-2215-4CD2-8CDD-D7F43333FDDC}"/>
               </a:ext>
             </a:extLst>
           </p:cNvPr>
@@ -15192,7 +15196,7 @@
           <p:cNvPr id="8" name="Footer Placeholder 7">
             <a:extLst>
               <a:ext uri="{FF2B5EF4-FFF2-40B4-BE49-F238E27FC236}">
-                <a16:creationId xmlns:a16="http://schemas.microsoft.com/office/drawing/2014/main" xmlns="" id="{F8DEC84C-54F8-4052-BD55-5B1A789D3429}"/>
+                <a16:creationId xmlns:a16="http://schemas.microsoft.com/office/drawing/2014/main" id="{F8DEC84C-54F8-4052-BD55-5B1A789D3429}"/>
               </a:ext>
             </a:extLst>
           </p:cNvPr>
@@ -15220,7 +15224,7 @@
           <p:cNvPr id="9" name="Slide Number Placeholder 8">
             <a:extLst>
               <a:ext uri="{FF2B5EF4-FFF2-40B4-BE49-F238E27FC236}">
-                <a16:creationId xmlns:a16="http://schemas.microsoft.com/office/drawing/2014/main" xmlns="" id="{0444D7D6-6DF9-4DA0-85C9-5F7127EF9CF5}"/>
+                <a16:creationId xmlns:a16="http://schemas.microsoft.com/office/drawing/2014/main" id="{0444D7D6-6DF9-4DA0-85C9-5F7127EF9CF5}"/>
               </a:ext>
             </a:extLst>
           </p:cNvPr>
@@ -15279,7 +15283,7 @@
           <p:cNvPr id="2" name="Title 1">
             <a:extLst>
               <a:ext uri="{FF2B5EF4-FFF2-40B4-BE49-F238E27FC236}">
-                <a16:creationId xmlns:a16="http://schemas.microsoft.com/office/drawing/2014/main" xmlns="" id="{CEF827E2-1D5B-4507-B543-84936310706F}"/>
+                <a16:creationId xmlns:a16="http://schemas.microsoft.com/office/drawing/2014/main" id="{CEF827E2-1D5B-4507-B543-84936310706F}"/>
               </a:ext>
             </a:extLst>
           </p:cNvPr>
@@ -15308,7 +15312,7 @@
           <p:cNvPr id="3" name="Date Placeholder 2">
             <a:extLst>
               <a:ext uri="{FF2B5EF4-FFF2-40B4-BE49-F238E27FC236}">
-                <a16:creationId xmlns:a16="http://schemas.microsoft.com/office/drawing/2014/main" xmlns="" id="{EBA6D65D-D8C4-4F81-AF58-83B63151B46F}"/>
+                <a16:creationId xmlns:a16="http://schemas.microsoft.com/office/drawing/2014/main" id="{EBA6D65D-D8C4-4F81-AF58-83B63151B46F}"/>
               </a:ext>
             </a:extLst>
           </p:cNvPr>
@@ -15336,7 +15340,7 @@
           <p:cNvPr id="4" name="Footer Placeholder 3">
             <a:extLst>
               <a:ext uri="{FF2B5EF4-FFF2-40B4-BE49-F238E27FC236}">
-                <a16:creationId xmlns:a16="http://schemas.microsoft.com/office/drawing/2014/main" xmlns="" id="{A6178248-65F1-4276-A5D6-E764CA5BD92F}"/>
+                <a16:creationId xmlns:a16="http://schemas.microsoft.com/office/drawing/2014/main" id="{A6178248-65F1-4276-A5D6-E764CA5BD92F}"/>
               </a:ext>
             </a:extLst>
           </p:cNvPr>
@@ -15364,7 +15368,7 @@
           <p:cNvPr id="5" name="Slide Number Placeholder 4">
             <a:extLst>
               <a:ext uri="{FF2B5EF4-FFF2-40B4-BE49-F238E27FC236}">
-                <a16:creationId xmlns:a16="http://schemas.microsoft.com/office/drawing/2014/main" xmlns="" id="{E3184932-81C3-41E8-BB6B-D32E0A6B1361}"/>
+                <a16:creationId xmlns:a16="http://schemas.microsoft.com/office/drawing/2014/main" id="{E3184932-81C3-41E8-BB6B-D32E0A6B1361}"/>
               </a:ext>
             </a:extLst>
           </p:cNvPr>
@@ -15423,7 +15427,7 @@
           <p:cNvPr id="2" name="Date Placeholder 1">
             <a:extLst>
               <a:ext uri="{FF2B5EF4-FFF2-40B4-BE49-F238E27FC236}">
-                <a16:creationId xmlns:a16="http://schemas.microsoft.com/office/drawing/2014/main" xmlns="" id="{7DA7B4B3-1D5D-4642-951F-BE795AAE65C4}"/>
+                <a16:creationId xmlns:a16="http://schemas.microsoft.com/office/drawing/2014/main" id="{7DA7B4B3-1D5D-4642-951F-BE795AAE65C4}"/>
               </a:ext>
             </a:extLst>
           </p:cNvPr>
@@ -15451,7 +15455,7 @@
           <p:cNvPr id="3" name="Footer Placeholder 2">
             <a:extLst>
               <a:ext uri="{FF2B5EF4-FFF2-40B4-BE49-F238E27FC236}">
-                <a16:creationId xmlns:a16="http://schemas.microsoft.com/office/drawing/2014/main" xmlns="" id="{8884173B-5683-4B07-A6B6-FE65E1A82E77}"/>
+                <a16:creationId xmlns:a16="http://schemas.microsoft.com/office/drawing/2014/main" id="{8884173B-5683-4B07-A6B6-FE65E1A82E77}"/>
               </a:ext>
             </a:extLst>
           </p:cNvPr>
@@ -15479,7 +15483,7 @@
           <p:cNvPr id="4" name="Slide Number Placeholder 3">
             <a:extLst>
               <a:ext uri="{FF2B5EF4-FFF2-40B4-BE49-F238E27FC236}">
-                <a16:creationId xmlns:a16="http://schemas.microsoft.com/office/drawing/2014/main" xmlns="" id="{A3604C50-87DF-45F5-93A9-563F680A4F86}"/>
+                <a16:creationId xmlns:a16="http://schemas.microsoft.com/office/drawing/2014/main" id="{A3604C50-87DF-45F5-93A9-563F680A4F86}"/>
               </a:ext>
             </a:extLst>
           </p:cNvPr>
@@ -15538,7 +15542,7 @@
           <p:cNvPr id="2" name="Title 1">
             <a:extLst>
               <a:ext uri="{FF2B5EF4-FFF2-40B4-BE49-F238E27FC236}">
-                <a16:creationId xmlns:a16="http://schemas.microsoft.com/office/drawing/2014/main" xmlns="" id="{89DE626C-A862-4DB9-BB4B-60DFE8BAA8FD}"/>
+                <a16:creationId xmlns:a16="http://schemas.microsoft.com/office/drawing/2014/main" id="{89DE626C-A862-4DB9-BB4B-60DFE8BAA8FD}"/>
               </a:ext>
             </a:extLst>
           </p:cNvPr>
@@ -15576,7 +15580,7 @@
           <p:cNvPr id="3" name="Content Placeholder 2">
             <a:extLst>
               <a:ext uri="{FF2B5EF4-FFF2-40B4-BE49-F238E27FC236}">
-                <a16:creationId xmlns:a16="http://schemas.microsoft.com/office/drawing/2014/main" xmlns="" id="{30C8A0A6-E54D-4A23-82BB-ED65BAE64D38}"/>
+                <a16:creationId xmlns:a16="http://schemas.microsoft.com/office/drawing/2014/main" id="{30C8A0A6-E54D-4A23-82BB-ED65BAE64D38}"/>
               </a:ext>
             </a:extLst>
           </p:cNvPr>
@@ -15667,7 +15671,7 @@
           <p:cNvPr id="4" name="Text Placeholder 3">
             <a:extLst>
               <a:ext uri="{FF2B5EF4-FFF2-40B4-BE49-F238E27FC236}">
-                <a16:creationId xmlns:a16="http://schemas.microsoft.com/office/drawing/2014/main" xmlns="" id="{F974B46C-C7A3-468B-9B6D-13DBE08782F6}"/>
+                <a16:creationId xmlns:a16="http://schemas.microsoft.com/office/drawing/2014/main" id="{F974B46C-C7A3-468B-9B6D-13DBE08782F6}"/>
               </a:ext>
             </a:extLst>
           </p:cNvPr>
@@ -15738,7 +15742,7 @@
           <p:cNvPr id="5" name="Date Placeholder 4">
             <a:extLst>
               <a:ext uri="{FF2B5EF4-FFF2-40B4-BE49-F238E27FC236}">
-                <a16:creationId xmlns:a16="http://schemas.microsoft.com/office/drawing/2014/main" xmlns="" id="{3A0DEE69-0C06-40B4-A585-623689A0E1B7}"/>
+                <a16:creationId xmlns:a16="http://schemas.microsoft.com/office/drawing/2014/main" id="{3A0DEE69-0C06-40B4-A585-623689A0E1B7}"/>
               </a:ext>
             </a:extLst>
           </p:cNvPr>
@@ -15766,7 +15770,7 @@
           <p:cNvPr id="6" name="Footer Placeholder 5">
             <a:extLst>
               <a:ext uri="{FF2B5EF4-FFF2-40B4-BE49-F238E27FC236}">
-                <a16:creationId xmlns:a16="http://schemas.microsoft.com/office/drawing/2014/main" xmlns="" id="{7DC33A2F-2971-4E6B-BEE2-98ECF3481927}"/>
+                <a16:creationId xmlns:a16="http://schemas.microsoft.com/office/drawing/2014/main" id="{7DC33A2F-2971-4E6B-BEE2-98ECF3481927}"/>
               </a:ext>
             </a:extLst>
           </p:cNvPr>
@@ -15794,7 +15798,7 @@
           <p:cNvPr id="7" name="Slide Number Placeholder 6">
             <a:extLst>
               <a:ext uri="{FF2B5EF4-FFF2-40B4-BE49-F238E27FC236}">
-                <a16:creationId xmlns:a16="http://schemas.microsoft.com/office/drawing/2014/main" xmlns="" id="{A0E8ED68-03D2-4B6B-9D83-4B8C7798C47E}"/>
+                <a16:creationId xmlns:a16="http://schemas.microsoft.com/office/drawing/2014/main" id="{A0E8ED68-03D2-4B6B-9D83-4B8C7798C47E}"/>
               </a:ext>
             </a:extLst>
           </p:cNvPr>
@@ -15853,7 +15857,7 @@
           <p:cNvPr id="2" name="Title 1">
             <a:extLst>
               <a:ext uri="{FF2B5EF4-FFF2-40B4-BE49-F238E27FC236}">
-                <a16:creationId xmlns:a16="http://schemas.microsoft.com/office/drawing/2014/main" xmlns="" id="{590B7302-973C-43E2-8266-EB309C74CAE0}"/>
+                <a16:creationId xmlns:a16="http://schemas.microsoft.com/office/drawing/2014/main" id="{590B7302-973C-43E2-8266-EB309C74CAE0}"/>
               </a:ext>
             </a:extLst>
           </p:cNvPr>
@@ -15891,7 +15895,7 @@
           <p:cNvPr id="3" name="Picture Placeholder 2">
             <a:extLst>
               <a:ext uri="{FF2B5EF4-FFF2-40B4-BE49-F238E27FC236}">
-                <a16:creationId xmlns:a16="http://schemas.microsoft.com/office/drawing/2014/main" xmlns="" id="{0BB4836D-2B27-4E99-A4E9-44E63B07037A}"/>
+                <a16:creationId xmlns:a16="http://schemas.microsoft.com/office/drawing/2014/main" id="{0BB4836D-2B27-4E99-A4E9-44E63B07037A}"/>
               </a:ext>
             </a:extLst>
           </p:cNvPr>
@@ -15958,7 +15962,7 @@
           <p:cNvPr id="4" name="Text Placeholder 3">
             <a:extLst>
               <a:ext uri="{FF2B5EF4-FFF2-40B4-BE49-F238E27FC236}">
-                <a16:creationId xmlns:a16="http://schemas.microsoft.com/office/drawing/2014/main" xmlns="" id="{7E6EB6B5-C561-4656-9550-3F6CDD14D15F}"/>
+                <a16:creationId xmlns:a16="http://schemas.microsoft.com/office/drawing/2014/main" id="{7E6EB6B5-C561-4656-9550-3F6CDD14D15F}"/>
               </a:ext>
             </a:extLst>
           </p:cNvPr>
@@ -16029,7 +16033,7 @@
           <p:cNvPr id="5" name="Date Placeholder 4">
             <a:extLst>
               <a:ext uri="{FF2B5EF4-FFF2-40B4-BE49-F238E27FC236}">
-                <a16:creationId xmlns:a16="http://schemas.microsoft.com/office/drawing/2014/main" xmlns="" id="{B2403665-2894-4978-BE66-31EBAF67ADD9}"/>
+                <a16:creationId xmlns:a16="http://schemas.microsoft.com/office/drawing/2014/main" id="{B2403665-2894-4978-BE66-31EBAF67ADD9}"/>
               </a:ext>
             </a:extLst>
           </p:cNvPr>
@@ -16057,7 +16061,7 @@
           <p:cNvPr id="6" name="Footer Placeholder 5">
             <a:extLst>
               <a:ext uri="{FF2B5EF4-FFF2-40B4-BE49-F238E27FC236}">
-                <a16:creationId xmlns:a16="http://schemas.microsoft.com/office/drawing/2014/main" xmlns="" id="{CB79DDA8-96EB-4C77-B5AA-536AAD6A1C2C}"/>
+                <a16:creationId xmlns:a16="http://schemas.microsoft.com/office/drawing/2014/main" id="{CB79DDA8-96EB-4C77-B5AA-536AAD6A1C2C}"/>
               </a:ext>
             </a:extLst>
           </p:cNvPr>
@@ -16085,7 +16089,7 @@
           <p:cNvPr id="7" name="Slide Number Placeholder 6">
             <a:extLst>
               <a:ext uri="{FF2B5EF4-FFF2-40B4-BE49-F238E27FC236}">
-                <a16:creationId xmlns:a16="http://schemas.microsoft.com/office/drawing/2014/main" xmlns="" id="{99887644-4078-46FE-AFB7-670AAA65DFEC}"/>
+                <a16:creationId xmlns:a16="http://schemas.microsoft.com/office/drawing/2014/main" id="{99887644-4078-46FE-AFB7-670AAA65DFEC}"/>
               </a:ext>
             </a:extLst>
           </p:cNvPr>
@@ -16144,7 +16148,7 @@
           <p:cNvPr id="2" name="Title 1">
             <a:extLst>
               <a:ext uri="{FF2B5EF4-FFF2-40B4-BE49-F238E27FC236}">
-                <a16:creationId xmlns:a16="http://schemas.microsoft.com/office/drawing/2014/main" xmlns="" id="{F5979442-03EA-4EBA-BD35-CB21398A83A0}"/>
+                <a16:creationId xmlns:a16="http://schemas.microsoft.com/office/drawing/2014/main" id="{F5979442-03EA-4EBA-BD35-CB21398A83A0}"/>
               </a:ext>
             </a:extLst>
           </p:cNvPr>
@@ -16173,7 +16177,7 @@
           <p:cNvPr id="3" name="Vertical Text Placeholder 2">
             <a:extLst>
               <a:ext uri="{FF2B5EF4-FFF2-40B4-BE49-F238E27FC236}">
-                <a16:creationId xmlns:a16="http://schemas.microsoft.com/office/drawing/2014/main" xmlns="" id="{3027FAED-F90B-411D-9103-FB91E40E2E81}"/>
+                <a16:creationId xmlns:a16="http://schemas.microsoft.com/office/drawing/2014/main" id="{3027FAED-F90B-411D-9103-FB91E40E2E81}"/>
               </a:ext>
             </a:extLst>
           </p:cNvPr>
@@ -16231,7 +16235,7 @@
           <p:cNvPr id="4" name="Date Placeholder 3">
             <a:extLst>
               <a:ext uri="{FF2B5EF4-FFF2-40B4-BE49-F238E27FC236}">
-                <a16:creationId xmlns:a16="http://schemas.microsoft.com/office/drawing/2014/main" xmlns="" id="{448AA73C-A629-4F94-AC74-6BE10A9D2661}"/>
+                <a16:creationId xmlns:a16="http://schemas.microsoft.com/office/drawing/2014/main" id="{448AA73C-A629-4F94-AC74-6BE10A9D2661}"/>
               </a:ext>
             </a:extLst>
           </p:cNvPr>
@@ -16259,7 +16263,7 @@
           <p:cNvPr id="5" name="Footer Placeholder 4">
             <a:extLst>
               <a:ext uri="{FF2B5EF4-FFF2-40B4-BE49-F238E27FC236}">
-                <a16:creationId xmlns:a16="http://schemas.microsoft.com/office/drawing/2014/main" xmlns="" id="{11AFB4C5-DC5C-4E0B-A30A-B3E2C65006F8}"/>
+                <a16:creationId xmlns:a16="http://schemas.microsoft.com/office/drawing/2014/main" id="{11AFB4C5-DC5C-4E0B-A30A-B3E2C65006F8}"/>
               </a:ext>
             </a:extLst>
           </p:cNvPr>
@@ -16287,7 +16291,7 @@
           <p:cNvPr id="6" name="Slide Number Placeholder 5">
             <a:extLst>
               <a:ext uri="{FF2B5EF4-FFF2-40B4-BE49-F238E27FC236}">
-                <a16:creationId xmlns:a16="http://schemas.microsoft.com/office/drawing/2014/main" xmlns="" id="{BA60360F-588E-4EC9-8B45-836F48AC3064}"/>
+                <a16:creationId xmlns:a16="http://schemas.microsoft.com/office/drawing/2014/main" id="{BA60360F-588E-4EC9-8B45-836F48AC3064}"/>
               </a:ext>
             </a:extLst>
           </p:cNvPr>
@@ -16346,7 +16350,7 @@
           <p:cNvPr id="2" name="Vertical Title 1">
             <a:extLst>
               <a:ext uri="{FF2B5EF4-FFF2-40B4-BE49-F238E27FC236}">
-                <a16:creationId xmlns:a16="http://schemas.microsoft.com/office/drawing/2014/main" xmlns="" id="{37030969-C7E9-4B4B-AF99-D36C9DDF4398}"/>
+                <a16:creationId xmlns:a16="http://schemas.microsoft.com/office/drawing/2014/main" id="{37030969-C7E9-4B4B-AF99-D36C9DDF4398}"/>
               </a:ext>
             </a:extLst>
           </p:cNvPr>
@@ -16380,7 +16384,7 @@
           <p:cNvPr id="3" name="Vertical Text Placeholder 2">
             <a:extLst>
               <a:ext uri="{FF2B5EF4-FFF2-40B4-BE49-F238E27FC236}">
-                <a16:creationId xmlns:a16="http://schemas.microsoft.com/office/drawing/2014/main" xmlns="" id="{31BD9FE5-2ED8-4149-8CAD-50697597EE3C}"/>
+                <a16:creationId xmlns:a16="http://schemas.microsoft.com/office/drawing/2014/main" id="{31BD9FE5-2ED8-4149-8CAD-50697597EE3C}"/>
               </a:ext>
             </a:extLst>
           </p:cNvPr>
@@ -16443,7 +16447,7 @@
           <p:cNvPr id="4" name="Date Placeholder 3">
             <a:extLst>
               <a:ext uri="{FF2B5EF4-FFF2-40B4-BE49-F238E27FC236}">
-                <a16:creationId xmlns:a16="http://schemas.microsoft.com/office/drawing/2014/main" xmlns="" id="{8E2818A7-EBD8-420F-9988-4CA46CC2962D}"/>
+                <a16:creationId xmlns:a16="http://schemas.microsoft.com/office/drawing/2014/main" id="{8E2818A7-EBD8-420F-9988-4CA46CC2962D}"/>
               </a:ext>
             </a:extLst>
           </p:cNvPr>
@@ -16471,7 +16475,7 @@
           <p:cNvPr id="5" name="Footer Placeholder 4">
             <a:extLst>
               <a:ext uri="{FF2B5EF4-FFF2-40B4-BE49-F238E27FC236}">
-                <a16:creationId xmlns:a16="http://schemas.microsoft.com/office/drawing/2014/main" xmlns="" id="{0EA8B38A-E7CA-4BB1-BED4-A750E07D50E9}"/>
+                <a16:creationId xmlns:a16="http://schemas.microsoft.com/office/drawing/2014/main" id="{0EA8B38A-E7CA-4BB1-BED4-A750E07D50E9}"/>
               </a:ext>
             </a:extLst>
           </p:cNvPr>
@@ -16499,7 +16503,7 @@
           <p:cNvPr id="6" name="Slide Number Placeholder 5">
             <a:extLst>
               <a:ext uri="{FF2B5EF4-FFF2-40B4-BE49-F238E27FC236}">
-                <a16:creationId xmlns:a16="http://schemas.microsoft.com/office/drawing/2014/main" xmlns="" id="{137CEC92-5AB4-4AA4-9949-EE34922FC12D}"/>
+                <a16:creationId xmlns:a16="http://schemas.microsoft.com/office/drawing/2014/main" id="{137CEC92-5AB4-4AA4-9949-EE34922FC12D}"/>
               </a:ext>
             </a:extLst>
           </p:cNvPr>
@@ -16558,7 +16562,7 @@
           <p:cNvPr id="2" name="Title 1">
             <a:extLst>
               <a:ext uri="{FF2B5EF4-FFF2-40B4-BE49-F238E27FC236}">
-                <a16:creationId xmlns:a16="http://schemas.microsoft.com/office/drawing/2014/main" xmlns="" id="{74A03561-673B-4EE8-978F-778E47A1D172}"/>
+                <a16:creationId xmlns:a16="http://schemas.microsoft.com/office/drawing/2014/main" id="{74A03561-673B-4EE8-978F-778E47A1D172}"/>
               </a:ext>
             </a:extLst>
           </p:cNvPr>
@@ -16596,7 +16600,7 @@
           <p:cNvPr id="3" name="Subtitle 2">
             <a:extLst>
               <a:ext uri="{FF2B5EF4-FFF2-40B4-BE49-F238E27FC236}">
-                <a16:creationId xmlns:a16="http://schemas.microsoft.com/office/drawing/2014/main" xmlns="" id="{389A1386-B307-45AC-AD3D-9794754A881C}"/>
+                <a16:creationId xmlns:a16="http://schemas.microsoft.com/office/drawing/2014/main" id="{389A1386-B307-45AC-AD3D-9794754A881C}"/>
               </a:ext>
             </a:extLst>
           </p:cNvPr>
@@ -16667,7 +16671,7 @@
           <p:cNvPr id="4" name="Date Placeholder 3">
             <a:extLst>
               <a:ext uri="{FF2B5EF4-FFF2-40B4-BE49-F238E27FC236}">
-                <a16:creationId xmlns:a16="http://schemas.microsoft.com/office/drawing/2014/main" xmlns="" id="{7A5F9F07-DA9D-4DE4-8ED5-7F4D5879A178}"/>
+                <a16:creationId xmlns:a16="http://schemas.microsoft.com/office/drawing/2014/main" id="{7A5F9F07-DA9D-4DE4-8ED5-7F4D5879A178}"/>
               </a:ext>
             </a:extLst>
           </p:cNvPr>
@@ -16695,7 +16699,7 @@
           <p:cNvPr id="5" name="Footer Placeholder 4">
             <a:extLst>
               <a:ext uri="{FF2B5EF4-FFF2-40B4-BE49-F238E27FC236}">
-                <a16:creationId xmlns:a16="http://schemas.microsoft.com/office/drawing/2014/main" xmlns="" id="{CBB2CE29-745B-4D03-ACD9-7CABACFB8FA1}"/>
+                <a16:creationId xmlns:a16="http://schemas.microsoft.com/office/drawing/2014/main" id="{CBB2CE29-745B-4D03-ACD9-7CABACFB8FA1}"/>
               </a:ext>
             </a:extLst>
           </p:cNvPr>
@@ -16723,7 +16727,7 @@
           <p:cNvPr id="6" name="Slide Number Placeholder 5">
             <a:extLst>
               <a:ext uri="{FF2B5EF4-FFF2-40B4-BE49-F238E27FC236}">
-                <a16:creationId xmlns:a16="http://schemas.microsoft.com/office/drawing/2014/main" xmlns="" id="{A3564628-0188-41B4-9B1D-86E2EBE2B198}"/>
+                <a16:creationId xmlns:a16="http://schemas.microsoft.com/office/drawing/2014/main" id="{A3564628-0188-41B4-9B1D-86E2EBE2B198}"/>
               </a:ext>
             </a:extLst>
           </p:cNvPr>
@@ -16782,7 +16786,7 @@
           <p:cNvPr id="2" name="Title 1">
             <a:extLst>
               <a:ext uri="{FF2B5EF4-FFF2-40B4-BE49-F238E27FC236}">
-                <a16:creationId xmlns:a16="http://schemas.microsoft.com/office/drawing/2014/main" xmlns="" id="{EF733AD1-3BE1-4012-B7D3-21ACB8F3C7E9}"/>
+                <a16:creationId xmlns:a16="http://schemas.microsoft.com/office/drawing/2014/main" id="{EF733AD1-3BE1-4012-B7D3-21ACB8F3C7E9}"/>
               </a:ext>
             </a:extLst>
           </p:cNvPr>
@@ -16811,7 +16815,7 @@
           <p:cNvPr id="3" name="Content Placeholder 2">
             <a:extLst>
               <a:ext uri="{FF2B5EF4-FFF2-40B4-BE49-F238E27FC236}">
-                <a16:creationId xmlns:a16="http://schemas.microsoft.com/office/drawing/2014/main" xmlns="" id="{CA67E07B-2B87-4660-98AE-49C3C9BF87FB}"/>
+                <a16:creationId xmlns:a16="http://schemas.microsoft.com/office/drawing/2014/main" id="{CA67E07B-2B87-4660-98AE-49C3C9BF87FB}"/>
               </a:ext>
             </a:extLst>
           </p:cNvPr>
@@ -16869,7 +16873,7 @@
           <p:cNvPr id="4" name="Date Placeholder 3">
             <a:extLst>
               <a:ext uri="{FF2B5EF4-FFF2-40B4-BE49-F238E27FC236}">
-                <a16:creationId xmlns:a16="http://schemas.microsoft.com/office/drawing/2014/main" xmlns="" id="{F7690054-2CF0-42DF-B9E2-37B997E17E7A}"/>
+                <a16:creationId xmlns:a16="http://schemas.microsoft.com/office/drawing/2014/main" id="{F7690054-2CF0-42DF-B9E2-37B997E17E7A}"/>
               </a:ext>
             </a:extLst>
           </p:cNvPr>
@@ -16897,7 +16901,7 @@
           <p:cNvPr id="5" name="Footer Placeholder 4">
             <a:extLst>
               <a:ext uri="{FF2B5EF4-FFF2-40B4-BE49-F238E27FC236}">
-                <a16:creationId xmlns:a16="http://schemas.microsoft.com/office/drawing/2014/main" xmlns="" id="{DE809ECF-0791-404B-BAF8-B56F439CBA0A}"/>
+                <a16:creationId xmlns:a16="http://schemas.microsoft.com/office/drawing/2014/main" id="{DE809ECF-0791-404B-BAF8-B56F439CBA0A}"/>
               </a:ext>
             </a:extLst>
           </p:cNvPr>
@@ -16925,7 +16929,7 @@
           <p:cNvPr id="6" name="Slide Number Placeholder 5">
             <a:extLst>
               <a:ext uri="{FF2B5EF4-FFF2-40B4-BE49-F238E27FC236}">
-                <a16:creationId xmlns:a16="http://schemas.microsoft.com/office/drawing/2014/main" xmlns="" id="{358CC913-DB14-4561-968C-E56583E216B2}"/>
+                <a16:creationId xmlns:a16="http://schemas.microsoft.com/office/drawing/2014/main" id="{358CC913-DB14-4561-968C-E56583E216B2}"/>
               </a:ext>
             </a:extLst>
           </p:cNvPr>
@@ -16984,7 +16988,7 @@
           <p:cNvPr id="2" name="Title 1">
             <a:extLst>
               <a:ext uri="{FF2B5EF4-FFF2-40B4-BE49-F238E27FC236}">
-                <a16:creationId xmlns:a16="http://schemas.microsoft.com/office/drawing/2014/main" xmlns="" id="{CEF827E2-1D5B-4507-B543-84936310706F}"/>
+                <a16:creationId xmlns:a16="http://schemas.microsoft.com/office/drawing/2014/main" id="{CEF827E2-1D5B-4507-B543-84936310706F}"/>
               </a:ext>
             </a:extLst>
           </p:cNvPr>
@@ -17021,7 +17025,7 @@
           <p:cNvPr id="3" name="Date Placeholder 2">
             <a:extLst>
               <a:ext uri="{FF2B5EF4-FFF2-40B4-BE49-F238E27FC236}">
-                <a16:creationId xmlns:a16="http://schemas.microsoft.com/office/drawing/2014/main" xmlns="" id="{EBA6D65D-D8C4-4F81-AF58-83B63151B46F}"/>
+                <a16:creationId xmlns:a16="http://schemas.microsoft.com/office/drawing/2014/main" id="{EBA6D65D-D8C4-4F81-AF58-83B63151B46F}"/>
               </a:ext>
             </a:extLst>
           </p:cNvPr>
@@ -17057,7 +17061,7 @@
           <p:cNvPr id="4" name="Footer Placeholder 3">
             <a:extLst>
               <a:ext uri="{FF2B5EF4-FFF2-40B4-BE49-F238E27FC236}">
-                <a16:creationId xmlns:a16="http://schemas.microsoft.com/office/drawing/2014/main" xmlns="" id="{A6178248-65F1-4276-A5D6-E764CA5BD92F}"/>
+                <a16:creationId xmlns:a16="http://schemas.microsoft.com/office/drawing/2014/main" id="{A6178248-65F1-4276-A5D6-E764CA5BD92F}"/>
               </a:ext>
             </a:extLst>
           </p:cNvPr>
@@ -17093,7 +17097,7 @@
           <p:cNvPr id="5" name="Slide Number Placeholder 4">
             <a:extLst>
               <a:ext uri="{FF2B5EF4-FFF2-40B4-BE49-F238E27FC236}">
-                <a16:creationId xmlns:a16="http://schemas.microsoft.com/office/drawing/2014/main" xmlns="" id="{E3184932-81C3-41E8-BB6B-D32E0A6B1361}"/>
+                <a16:creationId xmlns:a16="http://schemas.microsoft.com/office/drawing/2014/main" id="{E3184932-81C3-41E8-BB6B-D32E0A6B1361}"/>
               </a:ext>
             </a:extLst>
           </p:cNvPr>
@@ -17152,7 +17156,7 @@
           <p:cNvPr id="2" name="Title 1">
             <a:extLst>
               <a:ext uri="{FF2B5EF4-FFF2-40B4-BE49-F238E27FC236}">
-                <a16:creationId xmlns:a16="http://schemas.microsoft.com/office/drawing/2014/main" xmlns="" id="{C1C86B2F-0E0C-4BF3-8BC9-6DA878858FEC}"/>
+                <a16:creationId xmlns:a16="http://schemas.microsoft.com/office/drawing/2014/main" id="{C1C86B2F-0E0C-4BF3-8BC9-6DA878858FEC}"/>
               </a:ext>
             </a:extLst>
           </p:cNvPr>
@@ -17190,7 +17194,7 @@
           <p:cNvPr id="3" name="Text Placeholder 2">
             <a:extLst>
               <a:ext uri="{FF2B5EF4-FFF2-40B4-BE49-F238E27FC236}">
-                <a16:creationId xmlns:a16="http://schemas.microsoft.com/office/drawing/2014/main" xmlns="" id="{8A220467-6566-4D6B-9B1F-9E7961580019}"/>
+                <a16:creationId xmlns:a16="http://schemas.microsoft.com/office/drawing/2014/main" id="{8A220467-6566-4D6B-9B1F-9E7961580019}"/>
               </a:ext>
             </a:extLst>
           </p:cNvPr>
@@ -17315,7 +17319,7 @@
           <p:cNvPr id="4" name="Date Placeholder 3">
             <a:extLst>
               <a:ext uri="{FF2B5EF4-FFF2-40B4-BE49-F238E27FC236}">
-                <a16:creationId xmlns:a16="http://schemas.microsoft.com/office/drawing/2014/main" xmlns="" id="{F4579452-A5C9-4A8F-B2B1-22BC1F7CF1D2}"/>
+                <a16:creationId xmlns:a16="http://schemas.microsoft.com/office/drawing/2014/main" id="{F4579452-A5C9-4A8F-B2B1-22BC1F7CF1D2}"/>
               </a:ext>
             </a:extLst>
           </p:cNvPr>
@@ -17343,7 +17347,7 @@
           <p:cNvPr id="5" name="Footer Placeholder 4">
             <a:extLst>
               <a:ext uri="{FF2B5EF4-FFF2-40B4-BE49-F238E27FC236}">
-                <a16:creationId xmlns:a16="http://schemas.microsoft.com/office/drawing/2014/main" xmlns="" id="{10BE6889-122E-4368-857E-50E45328CCEF}"/>
+                <a16:creationId xmlns:a16="http://schemas.microsoft.com/office/drawing/2014/main" id="{10BE6889-122E-4368-857E-50E45328CCEF}"/>
               </a:ext>
             </a:extLst>
           </p:cNvPr>
@@ -17371,7 +17375,7 @@
           <p:cNvPr id="6" name="Slide Number Placeholder 5">
             <a:extLst>
               <a:ext uri="{FF2B5EF4-FFF2-40B4-BE49-F238E27FC236}">
-                <a16:creationId xmlns:a16="http://schemas.microsoft.com/office/drawing/2014/main" xmlns="" id="{3DBC5090-3C58-4AF7-AB6C-1512E4E7D753}"/>
+                <a16:creationId xmlns:a16="http://schemas.microsoft.com/office/drawing/2014/main" id="{3DBC5090-3C58-4AF7-AB6C-1512E4E7D753}"/>
               </a:ext>
             </a:extLst>
           </p:cNvPr>
@@ -17430,7 +17434,7 @@
           <p:cNvPr id="2" name="Title 1">
             <a:extLst>
               <a:ext uri="{FF2B5EF4-FFF2-40B4-BE49-F238E27FC236}">
-                <a16:creationId xmlns:a16="http://schemas.microsoft.com/office/drawing/2014/main" xmlns="" id="{23D28DB5-4F75-472B-B8C6-4927BCA01A1C}"/>
+                <a16:creationId xmlns:a16="http://schemas.microsoft.com/office/drawing/2014/main" id="{23D28DB5-4F75-472B-B8C6-4927BCA01A1C}"/>
               </a:ext>
             </a:extLst>
           </p:cNvPr>
@@ -17459,7 +17463,7 @@
           <p:cNvPr id="3" name="Content Placeholder 2">
             <a:extLst>
               <a:ext uri="{FF2B5EF4-FFF2-40B4-BE49-F238E27FC236}">
-                <a16:creationId xmlns:a16="http://schemas.microsoft.com/office/drawing/2014/main" xmlns="" id="{3771CBFF-9052-4837-AFCC-6EF3B63BE8C3}"/>
+                <a16:creationId xmlns:a16="http://schemas.microsoft.com/office/drawing/2014/main" id="{3771CBFF-9052-4837-AFCC-6EF3B63BE8C3}"/>
               </a:ext>
             </a:extLst>
           </p:cNvPr>
@@ -17522,7 +17526,7 @@
           <p:cNvPr id="4" name="Content Placeholder 3">
             <a:extLst>
               <a:ext uri="{FF2B5EF4-FFF2-40B4-BE49-F238E27FC236}">
-                <a16:creationId xmlns:a16="http://schemas.microsoft.com/office/drawing/2014/main" xmlns="" id="{165C4696-FCB5-48F7-BC9E-8249CD7DAFBF}"/>
+                <a16:creationId xmlns:a16="http://schemas.microsoft.com/office/drawing/2014/main" id="{165C4696-FCB5-48F7-BC9E-8249CD7DAFBF}"/>
               </a:ext>
             </a:extLst>
           </p:cNvPr>
@@ -17585,7 +17589,7 @@
           <p:cNvPr id="5" name="Date Placeholder 4">
             <a:extLst>
               <a:ext uri="{FF2B5EF4-FFF2-40B4-BE49-F238E27FC236}">
-                <a16:creationId xmlns:a16="http://schemas.microsoft.com/office/drawing/2014/main" xmlns="" id="{88044935-68A4-4F9E-B7BE-20DAFDD1A3FA}"/>
+                <a16:creationId xmlns:a16="http://schemas.microsoft.com/office/drawing/2014/main" id="{88044935-68A4-4F9E-B7BE-20DAFDD1A3FA}"/>
               </a:ext>
             </a:extLst>
           </p:cNvPr>
@@ -17613,7 +17617,7 @@
           <p:cNvPr id="6" name="Footer Placeholder 5">
             <a:extLst>
               <a:ext uri="{FF2B5EF4-FFF2-40B4-BE49-F238E27FC236}">
-                <a16:creationId xmlns:a16="http://schemas.microsoft.com/office/drawing/2014/main" xmlns="" id="{82D2F816-2A4F-425E-BE9A-760FAFD9017D}"/>
+                <a16:creationId xmlns:a16="http://schemas.microsoft.com/office/drawing/2014/main" id="{82D2F816-2A4F-425E-BE9A-760FAFD9017D}"/>
               </a:ext>
             </a:extLst>
           </p:cNvPr>
@@ -17641,7 +17645,7 @@
           <p:cNvPr id="7" name="Slide Number Placeholder 6">
             <a:extLst>
               <a:ext uri="{FF2B5EF4-FFF2-40B4-BE49-F238E27FC236}">
-                <a16:creationId xmlns:a16="http://schemas.microsoft.com/office/drawing/2014/main" xmlns="" id="{5559C903-9DE6-4C9F-A99F-9858910C5A64}"/>
+                <a16:creationId xmlns:a16="http://schemas.microsoft.com/office/drawing/2014/main" id="{5559C903-9DE6-4C9F-A99F-9858910C5A64}"/>
               </a:ext>
             </a:extLst>
           </p:cNvPr>
@@ -17700,7 +17704,7 @@
           <p:cNvPr id="2" name="Title 1">
             <a:extLst>
               <a:ext uri="{FF2B5EF4-FFF2-40B4-BE49-F238E27FC236}">
-                <a16:creationId xmlns:a16="http://schemas.microsoft.com/office/drawing/2014/main" xmlns="" id="{9BDF2350-6224-47D3-82DC-AE239E37324F}"/>
+                <a16:creationId xmlns:a16="http://schemas.microsoft.com/office/drawing/2014/main" id="{9BDF2350-6224-47D3-82DC-AE239E37324F}"/>
               </a:ext>
             </a:extLst>
           </p:cNvPr>
@@ -17734,7 +17738,7 @@
           <p:cNvPr id="3" name="Text Placeholder 2">
             <a:extLst>
               <a:ext uri="{FF2B5EF4-FFF2-40B4-BE49-F238E27FC236}">
-                <a16:creationId xmlns:a16="http://schemas.microsoft.com/office/drawing/2014/main" xmlns="" id="{7AB9E4D6-E38A-4E18-A7B7-73C8142E9F6A}"/>
+                <a16:creationId xmlns:a16="http://schemas.microsoft.com/office/drawing/2014/main" id="{7AB9E4D6-E38A-4E18-A7B7-73C8142E9F6A}"/>
               </a:ext>
             </a:extLst>
           </p:cNvPr>
@@ -17805,7 +17809,7 @@
           <p:cNvPr id="4" name="Content Placeholder 3">
             <a:extLst>
               <a:ext uri="{FF2B5EF4-FFF2-40B4-BE49-F238E27FC236}">
-                <a16:creationId xmlns:a16="http://schemas.microsoft.com/office/drawing/2014/main" xmlns="" id="{ECAE4A65-E4C0-416F-905C-75B76928280E}"/>
+                <a16:creationId xmlns:a16="http://schemas.microsoft.com/office/drawing/2014/main" id="{ECAE4A65-E4C0-416F-905C-75B76928280E}"/>
               </a:ext>
             </a:extLst>
           </p:cNvPr>
@@ -17868,7 +17872,7 @@
           <p:cNvPr id="5" name="Text Placeholder 4">
             <a:extLst>
               <a:ext uri="{FF2B5EF4-FFF2-40B4-BE49-F238E27FC236}">
-                <a16:creationId xmlns:a16="http://schemas.microsoft.com/office/drawing/2014/main" xmlns="" id="{F0C5ED7C-DCFE-4FA1-982C-124F27C3918C}"/>
+                <a16:creationId xmlns:a16="http://schemas.microsoft.com/office/drawing/2014/main" id="{F0C5ED7C-DCFE-4FA1-982C-124F27C3918C}"/>
               </a:ext>
             </a:extLst>
           </p:cNvPr>
@@ -17939,7 +17943,7 @@
           <p:cNvPr id="6" name="Content Placeholder 5">
             <a:extLst>
               <a:ext uri="{FF2B5EF4-FFF2-40B4-BE49-F238E27FC236}">
-                <a16:creationId xmlns:a16="http://schemas.microsoft.com/office/drawing/2014/main" xmlns="" id="{BC2E85FD-18C9-4042-B24E-316A616C60C0}"/>
+                <a16:creationId xmlns:a16="http://schemas.microsoft.com/office/drawing/2014/main" id="{BC2E85FD-18C9-4042-B24E-316A616C60C0}"/>
               </a:ext>
             </a:extLst>
           </p:cNvPr>
@@ -18002,7 +18006,7 @@
           <p:cNvPr id="7" name="Date Placeholder 6">
             <a:extLst>
               <a:ext uri="{FF2B5EF4-FFF2-40B4-BE49-F238E27FC236}">
-                <a16:creationId xmlns:a16="http://schemas.microsoft.com/office/drawing/2014/main" xmlns="" id="{A7F33DAA-361D-42FD-A121-FFFC86F1DF39}"/>
+                <a16:creationId xmlns:a16="http://schemas.microsoft.com/office/drawing/2014/main" id="{A7F33DAA-361D-42FD-A121-FFFC86F1DF39}"/>
               </a:ext>
             </a:extLst>
           </p:cNvPr>
@@ -18030,7 +18034,7 @@
           <p:cNvPr id="8" name="Footer Placeholder 7">
             <a:extLst>
               <a:ext uri="{FF2B5EF4-FFF2-40B4-BE49-F238E27FC236}">
-                <a16:creationId xmlns:a16="http://schemas.microsoft.com/office/drawing/2014/main" xmlns="" id="{591B2D77-4C20-48C1-86AA-35588318CE6A}"/>
+                <a16:creationId xmlns:a16="http://schemas.microsoft.com/office/drawing/2014/main" id="{591B2D77-4C20-48C1-86AA-35588318CE6A}"/>
               </a:ext>
             </a:extLst>
           </p:cNvPr>
@@ -18058,7 +18062,7 @@
           <p:cNvPr id="9" name="Slide Number Placeholder 8">
             <a:extLst>
               <a:ext uri="{FF2B5EF4-FFF2-40B4-BE49-F238E27FC236}">
-                <a16:creationId xmlns:a16="http://schemas.microsoft.com/office/drawing/2014/main" xmlns="" id="{61BFB683-ECC0-4FD0-BE82-55517AE12233}"/>
+                <a16:creationId xmlns:a16="http://schemas.microsoft.com/office/drawing/2014/main" id="{61BFB683-ECC0-4FD0-BE82-55517AE12233}"/>
               </a:ext>
             </a:extLst>
           </p:cNvPr>
@@ -18117,7 +18121,7 @@
           <p:cNvPr id="2" name="Title 1">
             <a:extLst>
               <a:ext uri="{FF2B5EF4-FFF2-40B4-BE49-F238E27FC236}">
-                <a16:creationId xmlns:a16="http://schemas.microsoft.com/office/drawing/2014/main" xmlns="" id="{25280A49-D7C9-47AB-AD25-697B22C703E9}"/>
+                <a16:creationId xmlns:a16="http://schemas.microsoft.com/office/drawing/2014/main" id="{25280A49-D7C9-47AB-AD25-697B22C703E9}"/>
               </a:ext>
             </a:extLst>
           </p:cNvPr>
@@ -18146,7 +18150,7 @@
           <p:cNvPr id="3" name="Date Placeholder 2">
             <a:extLst>
               <a:ext uri="{FF2B5EF4-FFF2-40B4-BE49-F238E27FC236}">
-                <a16:creationId xmlns:a16="http://schemas.microsoft.com/office/drawing/2014/main" xmlns="" id="{B7A01FE6-976C-4C1E-8158-09A88B7AE1F4}"/>
+                <a16:creationId xmlns:a16="http://schemas.microsoft.com/office/drawing/2014/main" id="{B7A01FE6-976C-4C1E-8158-09A88B7AE1F4}"/>
               </a:ext>
             </a:extLst>
           </p:cNvPr>
@@ -18174,7 +18178,7 @@
           <p:cNvPr id="4" name="Footer Placeholder 3">
             <a:extLst>
               <a:ext uri="{FF2B5EF4-FFF2-40B4-BE49-F238E27FC236}">
-                <a16:creationId xmlns:a16="http://schemas.microsoft.com/office/drawing/2014/main" xmlns="" id="{0205F8D8-64EA-428C-B1D8-1FB5BB991307}"/>
+                <a16:creationId xmlns:a16="http://schemas.microsoft.com/office/drawing/2014/main" id="{0205F8D8-64EA-428C-B1D8-1FB5BB991307}"/>
               </a:ext>
             </a:extLst>
           </p:cNvPr>
@@ -18202,7 +18206,7 @@
           <p:cNvPr id="5" name="Slide Number Placeholder 4">
             <a:extLst>
               <a:ext uri="{FF2B5EF4-FFF2-40B4-BE49-F238E27FC236}">
-                <a16:creationId xmlns:a16="http://schemas.microsoft.com/office/drawing/2014/main" xmlns="" id="{714F293F-276D-448C-BC7A-1E3C68539C42}"/>
+                <a16:creationId xmlns:a16="http://schemas.microsoft.com/office/drawing/2014/main" id="{714F293F-276D-448C-BC7A-1E3C68539C42}"/>
               </a:ext>
             </a:extLst>
           </p:cNvPr>
@@ -18261,7 +18265,7 @@
           <p:cNvPr id="2" name="Date Placeholder 1">
             <a:extLst>
               <a:ext uri="{FF2B5EF4-FFF2-40B4-BE49-F238E27FC236}">
-                <a16:creationId xmlns:a16="http://schemas.microsoft.com/office/drawing/2014/main" xmlns="" id="{E62B9DE7-CD96-4ECC-8AE4-E9CBDE878FD2}"/>
+                <a16:creationId xmlns:a16="http://schemas.microsoft.com/office/drawing/2014/main" id="{E62B9DE7-CD96-4ECC-8AE4-E9CBDE878FD2}"/>
               </a:ext>
             </a:extLst>
           </p:cNvPr>
@@ -18289,7 +18293,7 @@
           <p:cNvPr id="3" name="Footer Placeholder 2">
             <a:extLst>
               <a:ext uri="{FF2B5EF4-FFF2-40B4-BE49-F238E27FC236}">
-                <a16:creationId xmlns:a16="http://schemas.microsoft.com/office/drawing/2014/main" xmlns="" id="{6D04D3AC-7077-4083-A7FA-5A513923F8B2}"/>
+                <a16:creationId xmlns:a16="http://schemas.microsoft.com/office/drawing/2014/main" id="{6D04D3AC-7077-4083-A7FA-5A513923F8B2}"/>
               </a:ext>
             </a:extLst>
           </p:cNvPr>
@@ -18317,7 +18321,7 @@
           <p:cNvPr id="4" name="Slide Number Placeholder 3">
             <a:extLst>
               <a:ext uri="{FF2B5EF4-FFF2-40B4-BE49-F238E27FC236}">
-                <a16:creationId xmlns:a16="http://schemas.microsoft.com/office/drawing/2014/main" xmlns="" id="{5382F872-91BB-4897-A374-EC78A9D75257}"/>
+                <a16:creationId xmlns:a16="http://schemas.microsoft.com/office/drawing/2014/main" id="{5382F872-91BB-4897-A374-EC78A9D75257}"/>
               </a:ext>
             </a:extLst>
           </p:cNvPr>
@@ -18376,7 +18380,7 @@
           <p:cNvPr id="2" name="Title 1">
             <a:extLst>
               <a:ext uri="{FF2B5EF4-FFF2-40B4-BE49-F238E27FC236}">
-                <a16:creationId xmlns:a16="http://schemas.microsoft.com/office/drawing/2014/main" xmlns="" id="{54CE5727-0697-4B17-A0A2-4E5434FF25E9}"/>
+                <a16:creationId xmlns:a16="http://schemas.microsoft.com/office/drawing/2014/main" id="{54CE5727-0697-4B17-A0A2-4E5434FF25E9}"/>
               </a:ext>
             </a:extLst>
           </p:cNvPr>
@@ -18414,7 +18418,7 @@
           <p:cNvPr id="3" name="Content Placeholder 2">
             <a:extLst>
               <a:ext uri="{FF2B5EF4-FFF2-40B4-BE49-F238E27FC236}">
-                <a16:creationId xmlns:a16="http://schemas.microsoft.com/office/drawing/2014/main" xmlns="" id="{EF909629-7333-44C3-B6B2-C7B3C60DCE42}"/>
+                <a16:creationId xmlns:a16="http://schemas.microsoft.com/office/drawing/2014/main" id="{EF909629-7333-44C3-B6B2-C7B3C60DCE42}"/>
               </a:ext>
             </a:extLst>
           </p:cNvPr>
@@ -18505,7 +18509,7 @@
           <p:cNvPr id="4" name="Text Placeholder 3">
             <a:extLst>
               <a:ext uri="{FF2B5EF4-FFF2-40B4-BE49-F238E27FC236}">
-                <a16:creationId xmlns:a16="http://schemas.microsoft.com/office/drawing/2014/main" xmlns="" id="{89CD481C-30CC-4777-805E-583B343EA41D}"/>
+                <a16:creationId xmlns:a16="http://schemas.microsoft.com/office/drawing/2014/main" id="{89CD481C-30CC-4777-805E-583B343EA41D}"/>
               </a:ext>
             </a:extLst>
           </p:cNvPr>
@@ -18576,7 +18580,7 @@
           <p:cNvPr id="5" name="Date Placeholder 4">
             <a:extLst>
               <a:ext uri="{FF2B5EF4-FFF2-40B4-BE49-F238E27FC236}">
-                <a16:creationId xmlns:a16="http://schemas.microsoft.com/office/drawing/2014/main" xmlns="" id="{7FA7F1CF-391D-4025-9A5A-66D7F8A5A014}"/>
+                <a16:creationId xmlns:a16="http://schemas.microsoft.com/office/drawing/2014/main" id="{7FA7F1CF-391D-4025-9A5A-66D7F8A5A014}"/>
               </a:ext>
             </a:extLst>
           </p:cNvPr>
@@ -18604,7 +18608,7 @@
           <p:cNvPr id="6" name="Footer Placeholder 5">
             <a:extLst>
               <a:ext uri="{FF2B5EF4-FFF2-40B4-BE49-F238E27FC236}">
-                <a16:creationId xmlns:a16="http://schemas.microsoft.com/office/drawing/2014/main" xmlns="" id="{BE92D260-A4D4-4D20-B54B-6F4088529360}"/>
+                <a16:creationId xmlns:a16="http://schemas.microsoft.com/office/drawing/2014/main" id="{BE92D260-A4D4-4D20-B54B-6F4088529360}"/>
               </a:ext>
             </a:extLst>
           </p:cNvPr>
@@ -18632,7 +18636,7 @@
           <p:cNvPr id="7" name="Slide Number Placeholder 6">
             <a:extLst>
               <a:ext uri="{FF2B5EF4-FFF2-40B4-BE49-F238E27FC236}">
-                <a16:creationId xmlns:a16="http://schemas.microsoft.com/office/drawing/2014/main" xmlns="" id="{77AC80B8-2200-4B38-AE45-FDE47A94A0E7}"/>
+                <a16:creationId xmlns:a16="http://schemas.microsoft.com/office/drawing/2014/main" id="{77AC80B8-2200-4B38-AE45-FDE47A94A0E7}"/>
               </a:ext>
             </a:extLst>
           </p:cNvPr>
@@ -18691,7 +18695,7 @@
           <p:cNvPr id="2" name="Title 1">
             <a:extLst>
               <a:ext uri="{FF2B5EF4-FFF2-40B4-BE49-F238E27FC236}">
-                <a16:creationId xmlns:a16="http://schemas.microsoft.com/office/drawing/2014/main" xmlns="" id="{474C08A6-262D-482F-A236-DBE3C537FD43}"/>
+                <a16:creationId xmlns:a16="http://schemas.microsoft.com/office/drawing/2014/main" id="{474C08A6-262D-482F-A236-DBE3C537FD43}"/>
               </a:ext>
             </a:extLst>
           </p:cNvPr>
@@ -18729,7 +18733,7 @@
           <p:cNvPr id="3" name="Picture Placeholder 2">
             <a:extLst>
               <a:ext uri="{FF2B5EF4-FFF2-40B4-BE49-F238E27FC236}">
-                <a16:creationId xmlns:a16="http://schemas.microsoft.com/office/drawing/2014/main" xmlns="" id="{99D8EEF7-390C-4A14-A245-3979DD80A9DC}"/>
+                <a16:creationId xmlns:a16="http://schemas.microsoft.com/office/drawing/2014/main" id="{99D8EEF7-390C-4A14-A245-3979DD80A9DC}"/>
               </a:ext>
             </a:extLst>
           </p:cNvPr>
@@ -18796,7 +18800,7 @@
           <p:cNvPr id="4" name="Text Placeholder 3">
             <a:extLst>
               <a:ext uri="{FF2B5EF4-FFF2-40B4-BE49-F238E27FC236}">
-                <a16:creationId xmlns:a16="http://schemas.microsoft.com/office/drawing/2014/main" xmlns="" id="{C46D3F36-AB9A-4995-BD56-02DF5A9D8143}"/>
+                <a16:creationId xmlns:a16="http://schemas.microsoft.com/office/drawing/2014/main" id="{C46D3F36-AB9A-4995-BD56-02DF5A9D8143}"/>
               </a:ext>
             </a:extLst>
           </p:cNvPr>
@@ -18867,7 +18871,7 @@
           <p:cNvPr id="5" name="Date Placeholder 4">
             <a:extLst>
               <a:ext uri="{FF2B5EF4-FFF2-40B4-BE49-F238E27FC236}">
-                <a16:creationId xmlns:a16="http://schemas.microsoft.com/office/drawing/2014/main" xmlns="" id="{550708F2-9356-409D-924D-E4EDDBF4A7A7}"/>
+                <a16:creationId xmlns:a16="http://schemas.microsoft.com/office/drawing/2014/main" id="{550708F2-9356-409D-924D-E4EDDBF4A7A7}"/>
               </a:ext>
             </a:extLst>
           </p:cNvPr>
@@ -18895,7 +18899,7 @@
           <p:cNvPr id="6" name="Footer Placeholder 5">
             <a:extLst>
               <a:ext uri="{FF2B5EF4-FFF2-40B4-BE49-F238E27FC236}">
-                <a16:creationId xmlns:a16="http://schemas.microsoft.com/office/drawing/2014/main" xmlns="" id="{86EA0E75-4295-4E22-922C-6522230085DC}"/>
+                <a16:creationId xmlns:a16="http://schemas.microsoft.com/office/drawing/2014/main" id="{86EA0E75-4295-4E22-922C-6522230085DC}"/>
               </a:ext>
             </a:extLst>
           </p:cNvPr>
@@ -18923,7 +18927,7 @@
           <p:cNvPr id="7" name="Slide Number Placeholder 6">
             <a:extLst>
               <a:ext uri="{FF2B5EF4-FFF2-40B4-BE49-F238E27FC236}">
-                <a16:creationId xmlns:a16="http://schemas.microsoft.com/office/drawing/2014/main" xmlns="" id="{970C9313-8543-4B43-9B5E-06F6CA5F76EB}"/>
+                <a16:creationId xmlns:a16="http://schemas.microsoft.com/office/drawing/2014/main" id="{970C9313-8543-4B43-9B5E-06F6CA5F76EB}"/>
               </a:ext>
             </a:extLst>
           </p:cNvPr>
@@ -18982,7 +18986,7 @@
           <p:cNvPr id="2" name="Title 1">
             <a:extLst>
               <a:ext uri="{FF2B5EF4-FFF2-40B4-BE49-F238E27FC236}">
-                <a16:creationId xmlns:a16="http://schemas.microsoft.com/office/drawing/2014/main" xmlns="" id="{CA1F0E16-CB75-4A72-9809-960D6AB1FCB7}"/>
+                <a16:creationId xmlns:a16="http://schemas.microsoft.com/office/drawing/2014/main" id="{CA1F0E16-CB75-4A72-9809-960D6AB1FCB7}"/>
               </a:ext>
             </a:extLst>
           </p:cNvPr>
@@ -19011,7 +19015,7 @@
           <p:cNvPr id="3" name="Vertical Text Placeholder 2">
             <a:extLst>
               <a:ext uri="{FF2B5EF4-FFF2-40B4-BE49-F238E27FC236}">
-                <a16:creationId xmlns:a16="http://schemas.microsoft.com/office/drawing/2014/main" xmlns="" id="{823C304E-0F6E-4F84-85E9-68657341589F}"/>
+                <a16:creationId xmlns:a16="http://schemas.microsoft.com/office/drawing/2014/main" id="{823C304E-0F6E-4F84-85E9-68657341589F}"/>
               </a:ext>
             </a:extLst>
           </p:cNvPr>
@@ -19069,7 +19073,7 @@
           <p:cNvPr id="4" name="Date Placeholder 3">
             <a:extLst>
               <a:ext uri="{FF2B5EF4-FFF2-40B4-BE49-F238E27FC236}">
-                <a16:creationId xmlns:a16="http://schemas.microsoft.com/office/drawing/2014/main" xmlns="" id="{00A9121A-5810-42C0-9DD4-A5E4EF82CD98}"/>
+                <a16:creationId xmlns:a16="http://schemas.microsoft.com/office/drawing/2014/main" id="{00A9121A-5810-42C0-9DD4-A5E4EF82CD98}"/>
               </a:ext>
             </a:extLst>
           </p:cNvPr>
@@ -19097,7 +19101,7 @@
           <p:cNvPr id="5" name="Footer Placeholder 4">
             <a:extLst>
               <a:ext uri="{FF2B5EF4-FFF2-40B4-BE49-F238E27FC236}">
-                <a16:creationId xmlns:a16="http://schemas.microsoft.com/office/drawing/2014/main" xmlns="" id="{0DC99013-8F7C-4DEC-8DA5-9C2FB46783A3}"/>
+                <a16:creationId xmlns:a16="http://schemas.microsoft.com/office/drawing/2014/main" id="{0DC99013-8F7C-4DEC-8DA5-9C2FB46783A3}"/>
               </a:ext>
             </a:extLst>
           </p:cNvPr>
@@ -19125,7 +19129,7 @@
           <p:cNvPr id="6" name="Slide Number Placeholder 5">
             <a:extLst>
               <a:ext uri="{FF2B5EF4-FFF2-40B4-BE49-F238E27FC236}">
-                <a16:creationId xmlns:a16="http://schemas.microsoft.com/office/drawing/2014/main" xmlns="" id="{DF0E7E18-1AEE-463C-B1EA-6965BBD9FDAC}"/>
+                <a16:creationId xmlns:a16="http://schemas.microsoft.com/office/drawing/2014/main" id="{DF0E7E18-1AEE-463C-B1EA-6965BBD9FDAC}"/>
               </a:ext>
             </a:extLst>
           </p:cNvPr>
@@ -19184,7 +19188,7 @@
           <p:cNvPr id="2" name="Vertical Title 1">
             <a:extLst>
               <a:ext uri="{FF2B5EF4-FFF2-40B4-BE49-F238E27FC236}">
-                <a16:creationId xmlns:a16="http://schemas.microsoft.com/office/drawing/2014/main" xmlns="" id="{B225F123-2447-4D42-9366-CBB04B3C4F7C}"/>
+                <a16:creationId xmlns:a16="http://schemas.microsoft.com/office/drawing/2014/main" id="{B225F123-2447-4D42-9366-CBB04B3C4F7C}"/>
               </a:ext>
             </a:extLst>
           </p:cNvPr>
@@ -19218,7 +19222,7 @@
           <p:cNvPr id="3" name="Vertical Text Placeholder 2">
             <a:extLst>
               <a:ext uri="{FF2B5EF4-FFF2-40B4-BE49-F238E27FC236}">
-                <a16:creationId xmlns:a16="http://schemas.microsoft.com/office/drawing/2014/main" xmlns="" id="{D3F26E51-150F-42E0-B486-66B12C82088B}"/>
+                <a16:creationId xmlns:a16="http://schemas.microsoft.com/office/drawing/2014/main" id="{D3F26E51-150F-42E0-B486-66B12C82088B}"/>
               </a:ext>
             </a:extLst>
           </p:cNvPr>
@@ -19281,7 +19285,7 @@
           <p:cNvPr id="4" name="Date Placeholder 3">
             <a:extLst>
               <a:ext uri="{FF2B5EF4-FFF2-40B4-BE49-F238E27FC236}">
-                <a16:creationId xmlns:a16="http://schemas.microsoft.com/office/drawing/2014/main" xmlns="" id="{9D793371-20B4-4977-81E2-C722E363B771}"/>
+                <a16:creationId xmlns:a16="http://schemas.microsoft.com/office/drawing/2014/main" id="{9D793371-20B4-4977-81E2-C722E363B771}"/>
               </a:ext>
             </a:extLst>
           </p:cNvPr>
@@ -19309,7 +19313,7 @@
           <p:cNvPr id="5" name="Footer Placeholder 4">
             <a:extLst>
               <a:ext uri="{FF2B5EF4-FFF2-40B4-BE49-F238E27FC236}">
-                <a16:creationId xmlns:a16="http://schemas.microsoft.com/office/drawing/2014/main" xmlns="" id="{5C67776E-59F5-48FB-BDED-589412F5F4BA}"/>
+                <a16:creationId xmlns:a16="http://schemas.microsoft.com/office/drawing/2014/main" id="{5C67776E-59F5-48FB-BDED-589412F5F4BA}"/>
               </a:ext>
             </a:extLst>
           </p:cNvPr>
@@ -19337,7 +19341,7 @@
           <p:cNvPr id="6" name="Slide Number Placeholder 5">
             <a:extLst>
               <a:ext uri="{FF2B5EF4-FFF2-40B4-BE49-F238E27FC236}">
-                <a16:creationId xmlns:a16="http://schemas.microsoft.com/office/drawing/2014/main" xmlns="" id="{1FEACF8C-07B0-477C-BE2D-DBF3F87BBDFA}"/>
+                <a16:creationId xmlns:a16="http://schemas.microsoft.com/office/drawing/2014/main" id="{1FEACF8C-07B0-477C-BE2D-DBF3F87BBDFA}"/>
               </a:ext>
             </a:extLst>
           </p:cNvPr>
@@ -19396,7 +19400,7 @@
           <p:cNvPr id="2" name="Date Placeholder 1">
             <a:extLst>
               <a:ext uri="{FF2B5EF4-FFF2-40B4-BE49-F238E27FC236}">
-                <a16:creationId xmlns:a16="http://schemas.microsoft.com/office/drawing/2014/main" xmlns="" id="{7DA7B4B3-1D5D-4642-951F-BE795AAE65C4}"/>
+                <a16:creationId xmlns:a16="http://schemas.microsoft.com/office/drawing/2014/main" id="{7DA7B4B3-1D5D-4642-951F-BE795AAE65C4}"/>
               </a:ext>
             </a:extLst>
           </p:cNvPr>
@@ -19432,7 +19436,7 @@
           <p:cNvPr id="3" name="Footer Placeholder 2">
             <a:extLst>
               <a:ext uri="{FF2B5EF4-FFF2-40B4-BE49-F238E27FC236}">
-                <a16:creationId xmlns:a16="http://schemas.microsoft.com/office/drawing/2014/main" xmlns="" id="{8884173B-5683-4B07-A6B6-FE65E1A82E77}"/>
+                <a16:creationId xmlns:a16="http://schemas.microsoft.com/office/drawing/2014/main" id="{8884173B-5683-4B07-A6B6-FE65E1A82E77}"/>
               </a:ext>
             </a:extLst>
           </p:cNvPr>
@@ -19468,7 +19472,7 @@
           <p:cNvPr id="4" name="Slide Number Placeholder 3">
             <a:extLst>
               <a:ext uri="{FF2B5EF4-FFF2-40B4-BE49-F238E27FC236}">
-                <a16:creationId xmlns:a16="http://schemas.microsoft.com/office/drawing/2014/main" xmlns="" id="{A3604C50-87DF-45F5-93A9-563F680A4F86}"/>
+                <a16:creationId xmlns:a16="http://schemas.microsoft.com/office/drawing/2014/main" id="{A3604C50-87DF-45F5-93A9-563F680A4F86}"/>
               </a:ext>
             </a:extLst>
           </p:cNvPr>
@@ -19527,7 +19531,7 @@
           <p:cNvPr id="2" name="Title 1">
             <a:extLst>
               <a:ext uri="{FF2B5EF4-FFF2-40B4-BE49-F238E27FC236}">
-                <a16:creationId xmlns:a16="http://schemas.microsoft.com/office/drawing/2014/main" xmlns="" id="{89DE626C-A862-4DB9-BB4B-60DFE8BAA8FD}"/>
+                <a16:creationId xmlns:a16="http://schemas.microsoft.com/office/drawing/2014/main" id="{89DE626C-A862-4DB9-BB4B-60DFE8BAA8FD}"/>
               </a:ext>
             </a:extLst>
           </p:cNvPr>
@@ -19568,7 +19572,7 @@
           <p:cNvPr id="3" name="Content Placeholder 2">
             <a:extLst>
               <a:ext uri="{FF2B5EF4-FFF2-40B4-BE49-F238E27FC236}">
-                <a16:creationId xmlns:a16="http://schemas.microsoft.com/office/drawing/2014/main" xmlns="" id="{30C8A0A6-E54D-4A23-82BB-ED65BAE64D38}"/>
+                <a16:creationId xmlns:a16="http://schemas.microsoft.com/office/drawing/2014/main" id="{30C8A0A6-E54D-4A23-82BB-ED65BAE64D38}"/>
               </a:ext>
             </a:extLst>
           </p:cNvPr>
@@ -19659,7 +19663,7 @@
           <p:cNvPr id="4" name="Text Placeholder 3">
             <a:extLst>
               <a:ext uri="{FF2B5EF4-FFF2-40B4-BE49-F238E27FC236}">
-                <a16:creationId xmlns:a16="http://schemas.microsoft.com/office/drawing/2014/main" xmlns="" id="{F974B46C-C7A3-468B-9B6D-13DBE08782F6}"/>
+                <a16:creationId xmlns:a16="http://schemas.microsoft.com/office/drawing/2014/main" id="{F974B46C-C7A3-468B-9B6D-13DBE08782F6}"/>
               </a:ext>
             </a:extLst>
           </p:cNvPr>
@@ -19730,7 +19734,7 @@
           <p:cNvPr id="5" name="Date Placeholder 4">
             <a:extLst>
               <a:ext uri="{FF2B5EF4-FFF2-40B4-BE49-F238E27FC236}">
-                <a16:creationId xmlns:a16="http://schemas.microsoft.com/office/drawing/2014/main" xmlns="" id="{3A0DEE69-0C06-40B4-A585-623689A0E1B7}"/>
+                <a16:creationId xmlns:a16="http://schemas.microsoft.com/office/drawing/2014/main" id="{3A0DEE69-0C06-40B4-A585-623689A0E1B7}"/>
               </a:ext>
             </a:extLst>
           </p:cNvPr>
@@ -19766,7 +19770,7 @@
           <p:cNvPr id="6" name="Footer Placeholder 5">
             <a:extLst>
               <a:ext uri="{FF2B5EF4-FFF2-40B4-BE49-F238E27FC236}">
-                <a16:creationId xmlns:a16="http://schemas.microsoft.com/office/drawing/2014/main" xmlns="" id="{7DC33A2F-2971-4E6B-BEE2-98ECF3481927}"/>
+                <a16:creationId xmlns:a16="http://schemas.microsoft.com/office/drawing/2014/main" id="{7DC33A2F-2971-4E6B-BEE2-98ECF3481927}"/>
               </a:ext>
             </a:extLst>
           </p:cNvPr>
@@ -19802,7 +19806,7 @@
           <p:cNvPr id="7" name="Slide Number Placeholder 6">
             <a:extLst>
               <a:ext uri="{FF2B5EF4-FFF2-40B4-BE49-F238E27FC236}">
-                <a16:creationId xmlns:a16="http://schemas.microsoft.com/office/drawing/2014/main" xmlns="" id="{A0E8ED68-03D2-4B6B-9D83-4B8C7798C47E}"/>
+                <a16:creationId xmlns:a16="http://schemas.microsoft.com/office/drawing/2014/main" id="{A0E8ED68-03D2-4B6B-9D83-4B8C7798C47E}"/>
               </a:ext>
             </a:extLst>
           </p:cNvPr>
@@ -19866,7 +19870,7 @@
           <p:cNvPr id="3" name="Text Placeholder 2">
             <a:extLst>
               <a:ext uri="{FF2B5EF4-FFF2-40B4-BE49-F238E27FC236}">
-                <a16:creationId xmlns:a16="http://schemas.microsoft.com/office/drawing/2014/main" xmlns="" id="{FC2E2E25-8D67-4426-BED3-000EECFC99DC}"/>
+                <a16:creationId xmlns:a16="http://schemas.microsoft.com/office/drawing/2014/main" id="{FC2E2E25-8D67-4426-BED3-000EECFC99DC}"/>
               </a:ext>
             </a:extLst>
           </p:cNvPr>
@@ -19934,7 +19938,7 @@
           <p:cNvPr id="6" name="Slide Number Placeholder 5">
             <a:extLst>
               <a:ext uri="{FF2B5EF4-FFF2-40B4-BE49-F238E27FC236}">
-                <a16:creationId xmlns:a16="http://schemas.microsoft.com/office/drawing/2014/main" xmlns="" id="{F3E9AECE-A1A2-425A-9129-6F77B5DE4959}"/>
+                <a16:creationId xmlns:a16="http://schemas.microsoft.com/office/drawing/2014/main" id="{F3E9AECE-A1A2-425A-9129-6F77B5DE4959}"/>
               </a:ext>
             </a:extLst>
           </p:cNvPr>
@@ -19981,7 +19985,7 @@
           <p:cNvPr id="12" name="Group 11">
             <a:extLst>
               <a:ext uri="{FF2B5EF4-FFF2-40B4-BE49-F238E27FC236}">
-                <a16:creationId xmlns:a16="http://schemas.microsoft.com/office/drawing/2014/main" xmlns="" id="{6FD8E3C3-EEFF-4FC3-BF2D-BDE336158EBB}"/>
+                <a16:creationId xmlns:a16="http://schemas.microsoft.com/office/drawing/2014/main" id="{6FD8E3C3-EEFF-4FC3-BF2D-BDE336158EBB}"/>
               </a:ext>
             </a:extLst>
           </p:cNvPr>
@@ -20001,7 +20005,7 @@
             <p:cNvPr id="9" name="Footer Placeholder 4">
               <a:extLst>
                 <a:ext uri="{FF2B5EF4-FFF2-40B4-BE49-F238E27FC236}">
-                  <a16:creationId xmlns:a16="http://schemas.microsoft.com/office/drawing/2014/main" xmlns="" id="{9A68BA21-0156-41F9-A88B-1228255CC0F8}"/>
+                  <a16:creationId xmlns:a16="http://schemas.microsoft.com/office/drawing/2014/main" id="{9A68BA21-0156-41F9-A88B-1228255CC0F8}"/>
                 </a:ext>
               </a:extLst>
             </p:cNvPr>
@@ -20142,7 +20146,7 @@
             <p:cNvPr id="10" name="Picture 9" descr="A close up of a sign&#10;&#10;Description generated with high confidence">
               <a:extLst>
                 <a:ext uri="{FF2B5EF4-FFF2-40B4-BE49-F238E27FC236}">
-                  <a16:creationId xmlns:a16="http://schemas.microsoft.com/office/drawing/2014/main" xmlns="" id="{FCE68F13-D472-4C9D-948D-951BD124F178}"/>
+                  <a16:creationId xmlns:a16="http://schemas.microsoft.com/office/drawing/2014/main" id="{FCE68F13-D472-4C9D-948D-951BD124F178}"/>
                 </a:ext>
               </a:extLst>
             </p:cNvPr>
@@ -20522,7 +20526,7 @@
           <p:cNvPr id="2" name="Title Placeholder 1">
             <a:extLst>
               <a:ext uri="{FF2B5EF4-FFF2-40B4-BE49-F238E27FC236}">
-                <a16:creationId xmlns:a16="http://schemas.microsoft.com/office/drawing/2014/main" xmlns="" id="{D616F725-915E-4BE4-B069-DB49D922489E}"/>
+                <a16:creationId xmlns:a16="http://schemas.microsoft.com/office/drawing/2014/main" id="{D616F725-915E-4BE4-B069-DB49D922489E}"/>
               </a:ext>
             </a:extLst>
           </p:cNvPr>
@@ -20561,7 +20565,7 @@
           <p:cNvPr id="3" name="Text Placeholder 2">
             <a:extLst>
               <a:ext uri="{FF2B5EF4-FFF2-40B4-BE49-F238E27FC236}">
-                <a16:creationId xmlns:a16="http://schemas.microsoft.com/office/drawing/2014/main" xmlns="" id="{DDA19520-FC9E-4186-AF12-E30A561F6388}"/>
+                <a16:creationId xmlns:a16="http://schemas.microsoft.com/office/drawing/2014/main" id="{DDA19520-FC9E-4186-AF12-E30A561F6388}"/>
               </a:ext>
             </a:extLst>
           </p:cNvPr>
@@ -20629,7 +20633,7 @@
           <p:cNvPr id="4" name="Date Placeholder 3">
             <a:extLst>
               <a:ext uri="{FF2B5EF4-FFF2-40B4-BE49-F238E27FC236}">
-                <a16:creationId xmlns:a16="http://schemas.microsoft.com/office/drawing/2014/main" xmlns="" id="{08EFC4A8-FDF8-4F21-BC70-98475D01FBEE}"/>
+                <a16:creationId xmlns:a16="http://schemas.microsoft.com/office/drawing/2014/main" id="{08EFC4A8-FDF8-4F21-BC70-98475D01FBEE}"/>
               </a:ext>
             </a:extLst>
           </p:cNvPr>
@@ -20675,7 +20679,7 @@
           <p:cNvPr id="5" name="Footer Placeholder 4">
             <a:extLst>
               <a:ext uri="{FF2B5EF4-FFF2-40B4-BE49-F238E27FC236}">
-                <a16:creationId xmlns:a16="http://schemas.microsoft.com/office/drawing/2014/main" xmlns="" id="{9136EE38-C237-4C31-B509-70C0C5697A8B}"/>
+                <a16:creationId xmlns:a16="http://schemas.microsoft.com/office/drawing/2014/main" id="{9136EE38-C237-4C31-B509-70C0C5697A8B}"/>
               </a:ext>
             </a:extLst>
           </p:cNvPr>
@@ -20721,7 +20725,7 @@
           <p:cNvPr id="6" name="Slide Number Placeholder 5">
             <a:extLst>
               <a:ext uri="{FF2B5EF4-FFF2-40B4-BE49-F238E27FC236}">
-                <a16:creationId xmlns:a16="http://schemas.microsoft.com/office/drawing/2014/main" xmlns="" id="{1B33980C-2599-4D95-9494-3299F70AD679}"/>
+                <a16:creationId xmlns:a16="http://schemas.microsoft.com/office/drawing/2014/main" id="{1B33980C-2599-4D95-9494-3299F70AD679}"/>
               </a:ext>
             </a:extLst>
           </p:cNvPr>
@@ -21095,7 +21099,7 @@
           <p:cNvPr id="2" name="Title Placeholder 1">
             <a:extLst>
               <a:ext uri="{FF2B5EF4-FFF2-40B4-BE49-F238E27FC236}">
-                <a16:creationId xmlns:a16="http://schemas.microsoft.com/office/drawing/2014/main" xmlns="" id="{303D8E64-645E-4FAA-A2E9-E8AC6CA81CF6}"/>
+                <a16:creationId xmlns:a16="http://schemas.microsoft.com/office/drawing/2014/main" id="{303D8E64-645E-4FAA-A2E9-E8AC6CA81CF6}"/>
               </a:ext>
             </a:extLst>
           </p:cNvPr>
@@ -21134,7 +21138,7 @@
           <p:cNvPr id="3" name="Text Placeholder 2">
             <a:extLst>
               <a:ext uri="{FF2B5EF4-FFF2-40B4-BE49-F238E27FC236}">
-                <a16:creationId xmlns:a16="http://schemas.microsoft.com/office/drawing/2014/main" xmlns="" id="{FC2E2E25-8D67-4426-BED3-000EECFC99DC}"/>
+                <a16:creationId xmlns:a16="http://schemas.microsoft.com/office/drawing/2014/main" id="{FC2E2E25-8D67-4426-BED3-000EECFC99DC}"/>
               </a:ext>
             </a:extLst>
           </p:cNvPr>
@@ -21202,7 +21206,7 @@
           <p:cNvPr id="4" name="Date Placeholder 3">
             <a:extLst>
               <a:ext uri="{FF2B5EF4-FFF2-40B4-BE49-F238E27FC236}">
-                <a16:creationId xmlns:a16="http://schemas.microsoft.com/office/drawing/2014/main" xmlns="" id="{A7F24D76-9E54-4939-A00F-87F0330AC2F9}"/>
+                <a16:creationId xmlns:a16="http://schemas.microsoft.com/office/drawing/2014/main" id="{A7F24D76-9E54-4939-A00F-87F0330AC2F9}"/>
               </a:ext>
             </a:extLst>
           </p:cNvPr>
@@ -21248,7 +21252,7 @@
           <p:cNvPr id="5" name="Footer Placeholder 4">
             <a:extLst>
               <a:ext uri="{FF2B5EF4-FFF2-40B4-BE49-F238E27FC236}">
-                <a16:creationId xmlns:a16="http://schemas.microsoft.com/office/drawing/2014/main" xmlns="" id="{631F7A46-051D-4218-91A1-F7766B1FD9BA}"/>
+                <a16:creationId xmlns:a16="http://schemas.microsoft.com/office/drawing/2014/main" id="{631F7A46-051D-4218-91A1-F7766B1FD9BA}"/>
               </a:ext>
             </a:extLst>
           </p:cNvPr>
@@ -21294,7 +21298,7 @@
           <p:cNvPr id="6" name="Slide Number Placeholder 5">
             <a:extLst>
               <a:ext uri="{FF2B5EF4-FFF2-40B4-BE49-F238E27FC236}">
-                <a16:creationId xmlns:a16="http://schemas.microsoft.com/office/drawing/2014/main" xmlns="" id="{F3E9AECE-A1A2-425A-9129-6F77B5DE4959}"/>
+                <a16:creationId xmlns:a16="http://schemas.microsoft.com/office/drawing/2014/main" id="{F3E9AECE-A1A2-425A-9129-6F77B5DE4959}"/>
               </a:ext>
             </a:extLst>
           </p:cNvPr>
@@ -21668,7 +21672,7 @@
           <p:cNvPr id="2" name="Title Placeholder 1">
             <a:extLst>
               <a:ext uri="{FF2B5EF4-FFF2-40B4-BE49-F238E27FC236}">
-                <a16:creationId xmlns:a16="http://schemas.microsoft.com/office/drawing/2014/main" xmlns="" id="{303D8E64-645E-4FAA-A2E9-E8AC6CA81CF6}"/>
+                <a16:creationId xmlns:a16="http://schemas.microsoft.com/office/drawing/2014/main" id="{303D8E64-645E-4FAA-A2E9-E8AC6CA81CF6}"/>
               </a:ext>
             </a:extLst>
           </p:cNvPr>
@@ -21707,7 +21711,7 @@
           <p:cNvPr id="3" name="Text Placeholder 2">
             <a:extLst>
               <a:ext uri="{FF2B5EF4-FFF2-40B4-BE49-F238E27FC236}">
-                <a16:creationId xmlns:a16="http://schemas.microsoft.com/office/drawing/2014/main" xmlns="" id="{FC2E2E25-8D67-4426-BED3-000EECFC99DC}"/>
+                <a16:creationId xmlns:a16="http://schemas.microsoft.com/office/drawing/2014/main" id="{FC2E2E25-8D67-4426-BED3-000EECFC99DC}"/>
               </a:ext>
             </a:extLst>
           </p:cNvPr>
@@ -21775,7 +21779,7 @@
           <p:cNvPr id="4" name="Date Placeholder 3">
             <a:extLst>
               <a:ext uri="{FF2B5EF4-FFF2-40B4-BE49-F238E27FC236}">
-                <a16:creationId xmlns:a16="http://schemas.microsoft.com/office/drawing/2014/main" xmlns="" id="{A7F24D76-9E54-4939-A00F-87F0330AC2F9}"/>
+                <a16:creationId xmlns:a16="http://schemas.microsoft.com/office/drawing/2014/main" id="{A7F24D76-9E54-4939-A00F-87F0330AC2F9}"/>
               </a:ext>
             </a:extLst>
           </p:cNvPr>
@@ -21821,7 +21825,7 @@
           <p:cNvPr id="5" name="Footer Placeholder 4">
             <a:extLst>
               <a:ext uri="{FF2B5EF4-FFF2-40B4-BE49-F238E27FC236}">
-                <a16:creationId xmlns:a16="http://schemas.microsoft.com/office/drawing/2014/main" xmlns="" id="{631F7A46-051D-4218-91A1-F7766B1FD9BA}"/>
+                <a16:creationId xmlns:a16="http://schemas.microsoft.com/office/drawing/2014/main" id="{631F7A46-051D-4218-91A1-F7766B1FD9BA}"/>
               </a:ext>
             </a:extLst>
           </p:cNvPr>
@@ -21867,7 +21871,7 @@
           <p:cNvPr id="6" name="Slide Number Placeholder 5">
             <a:extLst>
               <a:ext uri="{FF2B5EF4-FFF2-40B4-BE49-F238E27FC236}">
-                <a16:creationId xmlns:a16="http://schemas.microsoft.com/office/drawing/2014/main" xmlns="" id="{F3E9AECE-A1A2-425A-9129-6F77B5DE4959}"/>
+                <a16:creationId xmlns:a16="http://schemas.microsoft.com/office/drawing/2014/main" id="{F3E9AECE-A1A2-425A-9129-6F77B5DE4959}"/>
               </a:ext>
             </a:extLst>
           </p:cNvPr>
@@ -22241,7 +22245,7 @@
           <p:cNvPr id="2" name="Title Placeholder 1">
             <a:extLst>
               <a:ext uri="{FF2B5EF4-FFF2-40B4-BE49-F238E27FC236}">
-                <a16:creationId xmlns:a16="http://schemas.microsoft.com/office/drawing/2014/main" xmlns="" id="{303D8E64-645E-4FAA-A2E9-E8AC6CA81CF6}"/>
+                <a16:creationId xmlns:a16="http://schemas.microsoft.com/office/drawing/2014/main" id="{303D8E64-645E-4FAA-A2E9-E8AC6CA81CF6}"/>
               </a:ext>
             </a:extLst>
           </p:cNvPr>
@@ -22280,7 +22284,7 @@
           <p:cNvPr id="3" name="Text Placeholder 2">
             <a:extLst>
               <a:ext uri="{FF2B5EF4-FFF2-40B4-BE49-F238E27FC236}">
-                <a16:creationId xmlns:a16="http://schemas.microsoft.com/office/drawing/2014/main" xmlns="" id="{FC2E2E25-8D67-4426-BED3-000EECFC99DC}"/>
+                <a16:creationId xmlns:a16="http://schemas.microsoft.com/office/drawing/2014/main" id="{FC2E2E25-8D67-4426-BED3-000EECFC99DC}"/>
               </a:ext>
             </a:extLst>
           </p:cNvPr>
@@ -22348,7 +22352,7 @@
           <p:cNvPr id="4" name="Date Placeholder 3">
             <a:extLst>
               <a:ext uri="{FF2B5EF4-FFF2-40B4-BE49-F238E27FC236}">
-                <a16:creationId xmlns:a16="http://schemas.microsoft.com/office/drawing/2014/main" xmlns="" id="{A7F24D76-9E54-4939-A00F-87F0330AC2F9}"/>
+                <a16:creationId xmlns:a16="http://schemas.microsoft.com/office/drawing/2014/main" id="{A7F24D76-9E54-4939-A00F-87F0330AC2F9}"/>
               </a:ext>
             </a:extLst>
           </p:cNvPr>
@@ -22394,7 +22398,7 @@
           <p:cNvPr id="5" name="Footer Placeholder 4">
             <a:extLst>
               <a:ext uri="{FF2B5EF4-FFF2-40B4-BE49-F238E27FC236}">
-                <a16:creationId xmlns:a16="http://schemas.microsoft.com/office/drawing/2014/main" xmlns="" id="{631F7A46-051D-4218-91A1-F7766B1FD9BA}"/>
+                <a16:creationId xmlns:a16="http://schemas.microsoft.com/office/drawing/2014/main" id="{631F7A46-051D-4218-91A1-F7766B1FD9BA}"/>
               </a:ext>
             </a:extLst>
           </p:cNvPr>
@@ -22440,7 +22444,7 @@
           <p:cNvPr id="6" name="Slide Number Placeholder 5">
             <a:extLst>
               <a:ext uri="{FF2B5EF4-FFF2-40B4-BE49-F238E27FC236}">
-                <a16:creationId xmlns:a16="http://schemas.microsoft.com/office/drawing/2014/main" xmlns="" id="{F3E9AECE-A1A2-425A-9129-6F77B5DE4959}"/>
+                <a16:creationId xmlns:a16="http://schemas.microsoft.com/office/drawing/2014/main" id="{F3E9AECE-A1A2-425A-9129-6F77B5DE4959}"/>
               </a:ext>
             </a:extLst>
           </p:cNvPr>
@@ -22814,7 +22818,7 @@
           <p:cNvPr id="2" name="Title Placeholder 1">
             <a:extLst>
               <a:ext uri="{FF2B5EF4-FFF2-40B4-BE49-F238E27FC236}">
-                <a16:creationId xmlns:a16="http://schemas.microsoft.com/office/drawing/2014/main" xmlns="" id="{303D8E64-645E-4FAA-A2E9-E8AC6CA81CF6}"/>
+                <a16:creationId xmlns:a16="http://schemas.microsoft.com/office/drawing/2014/main" id="{303D8E64-645E-4FAA-A2E9-E8AC6CA81CF6}"/>
               </a:ext>
             </a:extLst>
           </p:cNvPr>
@@ -22853,7 +22857,7 @@
           <p:cNvPr id="3" name="Text Placeholder 2">
             <a:extLst>
               <a:ext uri="{FF2B5EF4-FFF2-40B4-BE49-F238E27FC236}">
-                <a16:creationId xmlns:a16="http://schemas.microsoft.com/office/drawing/2014/main" xmlns="" id="{FC2E2E25-8D67-4426-BED3-000EECFC99DC}"/>
+                <a16:creationId xmlns:a16="http://schemas.microsoft.com/office/drawing/2014/main" id="{FC2E2E25-8D67-4426-BED3-000EECFC99DC}"/>
               </a:ext>
             </a:extLst>
           </p:cNvPr>
@@ -22921,7 +22925,7 @@
           <p:cNvPr id="4" name="Date Placeholder 3">
             <a:extLst>
               <a:ext uri="{FF2B5EF4-FFF2-40B4-BE49-F238E27FC236}">
-                <a16:creationId xmlns:a16="http://schemas.microsoft.com/office/drawing/2014/main" xmlns="" id="{A7F24D76-9E54-4939-A00F-87F0330AC2F9}"/>
+                <a16:creationId xmlns:a16="http://schemas.microsoft.com/office/drawing/2014/main" id="{A7F24D76-9E54-4939-A00F-87F0330AC2F9}"/>
               </a:ext>
             </a:extLst>
           </p:cNvPr>
@@ -22967,7 +22971,7 @@
           <p:cNvPr id="5" name="Footer Placeholder 4">
             <a:extLst>
               <a:ext uri="{FF2B5EF4-FFF2-40B4-BE49-F238E27FC236}">
-                <a16:creationId xmlns:a16="http://schemas.microsoft.com/office/drawing/2014/main" xmlns="" id="{631F7A46-051D-4218-91A1-F7766B1FD9BA}"/>
+                <a16:creationId xmlns:a16="http://schemas.microsoft.com/office/drawing/2014/main" id="{631F7A46-051D-4218-91A1-F7766B1FD9BA}"/>
               </a:ext>
             </a:extLst>
           </p:cNvPr>
@@ -23013,7 +23017,7 @@
           <p:cNvPr id="6" name="Slide Number Placeholder 5">
             <a:extLst>
               <a:ext uri="{FF2B5EF4-FFF2-40B4-BE49-F238E27FC236}">
-                <a16:creationId xmlns:a16="http://schemas.microsoft.com/office/drawing/2014/main" xmlns="" id="{F3E9AECE-A1A2-425A-9129-6F77B5DE4959}"/>
+                <a16:creationId xmlns:a16="http://schemas.microsoft.com/office/drawing/2014/main" id="{F3E9AECE-A1A2-425A-9129-6F77B5DE4959}"/>
               </a:ext>
             </a:extLst>
           </p:cNvPr>
@@ -23387,7 +23391,7 @@
           <p:cNvPr id="2" name="Title Placeholder 1">
             <a:extLst>
               <a:ext uri="{FF2B5EF4-FFF2-40B4-BE49-F238E27FC236}">
-                <a16:creationId xmlns:a16="http://schemas.microsoft.com/office/drawing/2014/main" xmlns="" id="{7A5094E4-7489-463B-B540-5BFE48556C7D}"/>
+                <a16:creationId xmlns:a16="http://schemas.microsoft.com/office/drawing/2014/main" id="{7A5094E4-7489-463B-B540-5BFE48556C7D}"/>
               </a:ext>
             </a:extLst>
           </p:cNvPr>
@@ -23426,7 +23430,7 @@
           <p:cNvPr id="3" name="Text Placeholder 2">
             <a:extLst>
               <a:ext uri="{FF2B5EF4-FFF2-40B4-BE49-F238E27FC236}">
-                <a16:creationId xmlns:a16="http://schemas.microsoft.com/office/drawing/2014/main" xmlns="" id="{BF711C78-5208-4358-9C16-578640BB7964}"/>
+                <a16:creationId xmlns:a16="http://schemas.microsoft.com/office/drawing/2014/main" id="{BF711C78-5208-4358-9C16-578640BB7964}"/>
               </a:ext>
             </a:extLst>
           </p:cNvPr>
@@ -23494,7 +23498,7 @@
           <p:cNvPr id="4" name="Date Placeholder 3">
             <a:extLst>
               <a:ext uri="{FF2B5EF4-FFF2-40B4-BE49-F238E27FC236}">
-                <a16:creationId xmlns:a16="http://schemas.microsoft.com/office/drawing/2014/main" xmlns="" id="{AF2E5181-0C09-405C-B867-BC562A72C239}"/>
+                <a16:creationId xmlns:a16="http://schemas.microsoft.com/office/drawing/2014/main" id="{AF2E5181-0C09-405C-B867-BC562A72C239}"/>
               </a:ext>
             </a:extLst>
           </p:cNvPr>
@@ -23540,7 +23544,7 @@
           <p:cNvPr id="5" name="Footer Placeholder 4">
             <a:extLst>
               <a:ext uri="{FF2B5EF4-FFF2-40B4-BE49-F238E27FC236}">
-                <a16:creationId xmlns:a16="http://schemas.microsoft.com/office/drawing/2014/main" xmlns="" id="{5892A7AE-5BF8-4FBD-9B0B-AFFC238A4F34}"/>
+                <a16:creationId xmlns:a16="http://schemas.microsoft.com/office/drawing/2014/main" id="{5892A7AE-5BF8-4FBD-9B0B-AFFC238A4F34}"/>
               </a:ext>
             </a:extLst>
           </p:cNvPr>
@@ -23586,7 +23590,7 @@
           <p:cNvPr id="6" name="Slide Number Placeholder 5">
             <a:extLst>
               <a:ext uri="{FF2B5EF4-FFF2-40B4-BE49-F238E27FC236}">
-                <a16:creationId xmlns:a16="http://schemas.microsoft.com/office/drawing/2014/main" xmlns="" id="{9F4E2777-B121-44EA-9281-59D097FB663E}"/>
+                <a16:creationId xmlns:a16="http://schemas.microsoft.com/office/drawing/2014/main" id="{9F4E2777-B121-44EA-9281-59D097FB663E}"/>
               </a:ext>
             </a:extLst>
           </p:cNvPr>
@@ -23955,7 +23959,7 @@
           <p:cNvPr id="2" name="Title 1">
             <a:extLst>
               <a:ext uri="{FF2B5EF4-FFF2-40B4-BE49-F238E27FC236}">
-                <a16:creationId xmlns:a16="http://schemas.microsoft.com/office/drawing/2014/main" xmlns="" id="{032C85AB-1D7E-4CA3-8340-39CBD394BF3E}"/>
+                <a16:creationId xmlns:a16="http://schemas.microsoft.com/office/drawing/2014/main" id="{032C85AB-1D7E-4CA3-8340-39CBD394BF3E}"/>
               </a:ext>
             </a:extLst>
           </p:cNvPr>
@@ -24012,7 +24016,7 @@
           <p:cNvPr id="3" name="Subtitle 2">
             <a:extLst>
               <a:ext uri="{FF2B5EF4-FFF2-40B4-BE49-F238E27FC236}">
-                <a16:creationId xmlns:a16="http://schemas.microsoft.com/office/drawing/2014/main" xmlns="" id="{DEBF45EC-2724-4F61-A440-6BF061274043}"/>
+                <a16:creationId xmlns:a16="http://schemas.microsoft.com/office/drawing/2014/main" id="{DEBF45EC-2724-4F61-A440-6BF061274043}"/>
               </a:ext>
             </a:extLst>
           </p:cNvPr>
@@ -24058,7 +24062,7 @@
           <p:cNvPr id="10" name="Straight Connector 9">
             <a:extLst>
               <a:ext uri="{FF2B5EF4-FFF2-40B4-BE49-F238E27FC236}">
-                <a16:creationId xmlns:a16="http://schemas.microsoft.com/office/drawing/2014/main" xmlns="" id="{502B73EC-A0D1-4DB8-BCCC-B97BB2F42897}"/>
+                <a16:creationId xmlns:a16="http://schemas.microsoft.com/office/drawing/2014/main" id="{502B73EC-A0D1-4DB8-BCCC-B97BB2F42897}"/>
               </a:ext>
             </a:extLst>
           </p:cNvPr>
@@ -24099,7 +24103,7 @@
           <p:cNvPr id="12" name="Group 11">
             <a:extLst>
               <a:ext uri="{FF2B5EF4-FFF2-40B4-BE49-F238E27FC236}">
-                <a16:creationId xmlns:a16="http://schemas.microsoft.com/office/drawing/2014/main" xmlns="" id="{AF87287F-ACD6-4720-8E2E-44B792E6AF92}"/>
+                <a16:creationId xmlns:a16="http://schemas.microsoft.com/office/drawing/2014/main" id="{AF87287F-ACD6-4720-8E2E-44B792E6AF92}"/>
               </a:ext>
             </a:extLst>
           </p:cNvPr>
@@ -24119,7 +24123,7 @@
             <p:cNvPr id="5" name="TextBox 4">
               <a:extLst>
                 <a:ext uri="{FF2B5EF4-FFF2-40B4-BE49-F238E27FC236}">
-                  <a16:creationId xmlns:a16="http://schemas.microsoft.com/office/drawing/2014/main" xmlns="" id="{0A35E5DB-5DCA-4C79-973B-22435E75E89A}"/>
+                  <a16:creationId xmlns:a16="http://schemas.microsoft.com/office/drawing/2014/main" id="{0A35E5DB-5DCA-4C79-973B-22435E75E89A}"/>
                 </a:ext>
               </a:extLst>
             </p:cNvPr>
@@ -24162,7 +24166,7 @@
             <p:cNvPr id="11" name="Footer Placeholder 4">
               <a:extLst>
                 <a:ext uri="{FF2B5EF4-FFF2-40B4-BE49-F238E27FC236}">
-                  <a16:creationId xmlns:a16="http://schemas.microsoft.com/office/drawing/2014/main" xmlns="" id="{0C6F5DBE-018D-4EDE-B311-3701DEA53A3E}"/>
+                  <a16:creationId xmlns:a16="http://schemas.microsoft.com/office/drawing/2014/main" id="{0C6F5DBE-018D-4EDE-B311-3701DEA53A3E}"/>
                 </a:ext>
               </a:extLst>
             </p:cNvPr>
@@ -24294,13 +24298,6 @@
   <p:clrMapOvr>
     <a:masterClrMapping/>
   </p:clrMapOvr>
-  <p:timing>
-    <p:tnLst>
-      <p:par>
-        <p:cTn id="1" dur="indefinite" restart="never" nodeType="tmRoot"/>
-      </p:par>
-    </p:tnLst>
-  </p:timing>
 </p:sld>
 </file>
 
@@ -24326,7 +24323,7 @@
           <p:cNvPr id="4" name="Footer Placeholder 3">
             <a:extLst>
               <a:ext uri="{FF2B5EF4-FFF2-40B4-BE49-F238E27FC236}">
-                <a16:creationId xmlns:a16="http://schemas.microsoft.com/office/drawing/2014/main" xmlns="" id="{661A11DD-06F3-46BD-8483-02820BC1BABD}"/>
+                <a16:creationId xmlns:a16="http://schemas.microsoft.com/office/drawing/2014/main" id="{661A11DD-06F3-46BD-8483-02820BC1BABD}"/>
               </a:ext>
             </a:extLst>
           </p:cNvPr>
@@ -24356,7 +24353,7 @@
           <p:cNvPr id="5" name="Slide Number Placeholder 4">
             <a:extLst>
               <a:ext uri="{FF2B5EF4-FFF2-40B4-BE49-F238E27FC236}">
-                <a16:creationId xmlns:a16="http://schemas.microsoft.com/office/drawing/2014/main" xmlns="" id="{4BA4614F-9420-4DDC-A044-B7FDF2B50010}"/>
+                <a16:creationId xmlns:a16="http://schemas.microsoft.com/office/drawing/2014/main" id="{4BA4614F-9420-4DDC-A044-B7FDF2B50010}"/>
               </a:ext>
             </a:extLst>
           </p:cNvPr>
@@ -24385,7 +24382,7 @@
           <p:cNvPr id="2" name="Title 1">
             <a:extLst>
               <a:ext uri="{FF2B5EF4-FFF2-40B4-BE49-F238E27FC236}">
-                <a16:creationId xmlns:a16="http://schemas.microsoft.com/office/drawing/2014/main" xmlns="" id="{03CCF6E9-3AA2-4C28-B85E-CE1C41357C88}"/>
+                <a16:creationId xmlns:a16="http://schemas.microsoft.com/office/drawing/2014/main" id="{03CCF6E9-3AA2-4C28-B85E-CE1C41357C88}"/>
               </a:ext>
             </a:extLst>
           </p:cNvPr>
@@ -24440,7 +24437,7 @@
           <p:cNvPr id="6" name="Group 5">
             <a:extLst>
               <a:ext uri="{FF2B5EF4-FFF2-40B4-BE49-F238E27FC236}">
-                <a16:creationId xmlns:a16="http://schemas.microsoft.com/office/drawing/2014/main" xmlns="" id="{BC62B6A4-7E3A-4D00-9199-7FFF3EAD1485}"/>
+                <a16:creationId xmlns:a16="http://schemas.microsoft.com/office/drawing/2014/main" id="{BC62B6A4-7E3A-4D00-9199-7FFF3EAD1485}"/>
               </a:ext>
             </a:extLst>
           </p:cNvPr>
@@ -24460,7 +24457,7 @@
             <p:cNvPr id="7" name="Rectangle 6">
               <a:extLst>
                 <a:ext uri="{FF2B5EF4-FFF2-40B4-BE49-F238E27FC236}">
-                  <a16:creationId xmlns:a16="http://schemas.microsoft.com/office/drawing/2014/main" xmlns="" id="{694673B8-2688-48BC-A16B-397F61832538}"/>
+                  <a16:creationId xmlns:a16="http://schemas.microsoft.com/office/drawing/2014/main" id="{694673B8-2688-48BC-A16B-397F61832538}"/>
                 </a:ext>
               </a:extLst>
             </p:cNvPr>
@@ -24512,7 +24509,7 @@
             <p:cNvPr id="8" name="TextBox 7">
               <a:extLst>
                 <a:ext uri="{FF2B5EF4-FFF2-40B4-BE49-F238E27FC236}">
-                  <a16:creationId xmlns:a16="http://schemas.microsoft.com/office/drawing/2014/main" xmlns="" id="{9EB8FADB-34AE-46F5-9882-BF0AF21F83C9}"/>
+                  <a16:creationId xmlns:a16="http://schemas.microsoft.com/office/drawing/2014/main" id="{9EB8FADB-34AE-46F5-9882-BF0AF21F83C9}"/>
                 </a:ext>
               </a:extLst>
             </p:cNvPr>
@@ -24549,7 +24546,7 @@
             <p:cNvPr id="9" name="Rectangle 8">
               <a:extLst>
                 <a:ext uri="{FF2B5EF4-FFF2-40B4-BE49-F238E27FC236}">
-                  <a16:creationId xmlns:a16="http://schemas.microsoft.com/office/drawing/2014/main" xmlns="" id="{389434B2-EC6F-421C-B6E3-1C5C7DD99BE1}"/>
+                  <a16:creationId xmlns:a16="http://schemas.microsoft.com/office/drawing/2014/main" id="{389434B2-EC6F-421C-B6E3-1C5C7DD99BE1}"/>
                 </a:ext>
               </a:extLst>
             </p:cNvPr>
@@ -24586,7 +24583,7 @@
             <p:cNvPr id="10" name="Rectangle 9">
               <a:extLst>
                 <a:ext uri="{FF2B5EF4-FFF2-40B4-BE49-F238E27FC236}">
-                  <a16:creationId xmlns:a16="http://schemas.microsoft.com/office/drawing/2014/main" xmlns="" id="{7D26B5CB-A8C9-4F77-8DEB-83AD52D7119C}"/>
+                  <a16:creationId xmlns:a16="http://schemas.microsoft.com/office/drawing/2014/main" id="{7D26B5CB-A8C9-4F77-8DEB-83AD52D7119C}"/>
                 </a:ext>
               </a:extLst>
             </p:cNvPr>
@@ -24638,7 +24635,7 @@
             <p:cNvPr id="11" name="TextBox 10">
               <a:extLst>
                 <a:ext uri="{FF2B5EF4-FFF2-40B4-BE49-F238E27FC236}">
-                  <a16:creationId xmlns:a16="http://schemas.microsoft.com/office/drawing/2014/main" xmlns="" id="{5B8E362C-3C46-4B67-9648-FF85BC689582}"/>
+                  <a16:creationId xmlns:a16="http://schemas.microsoft.com/office/drawing/2014/main" id="{5B8E362C-3C46-4B67-9648-FF85BC689582}"/>
                 </a:ext>
               </a:extLst>
             </p:cNvPr>
@@ -24665,7 +24662,19 @@
                 <a:rPr lang="de-DE" sz="2400" dirty="0">
                   <a:latin typeface="Arial Black" panose="020B0A04020102020204" pitchFamily="34" charset="0"/>
                 </a:rPr>
-                <a:t>Post-stratification with past-vote is promising</a:t>
+                <a:t>Post-stratification with </a:t>
+              </a:r>
+              <a:r>
+                <a:rPr lang="de-DE" sz="2400" u="sng" dirty="0">
+                  <a:latin typeface="Arial Black" panose="020B0A04020102020204" pitchFamily="34" charset="0"/>
+                </a:rPr>
+                <a:t>past-vote</a:t>
+              </a:r>
+              <a:r>
+                <a:rPr lang="de-DE" sz="2400" dirty="0">
+                  <a:latin typeface="Arial Black" panose="020B0A04020102020204" pitchFamily="34" charset="0"/>
+                </a:rPr>
+                <a:t> is promising</a:t>
               </a:r>
             </a:p>
           </p:txBody>
@@ -24675,7 +24684,7 @@
             <p:cNvPr id="12" name="Rectangle 11">
               <a:extLst>
                 <a:ext uri="{FF2B5EF4-FFF2-40B4-BE49-F238E27FC236}">
-                  <a16:creationId xmlns:a16="http://schemas.microsoft.com/office/drawing/2014/main" xmlns="" id="{70AC819E-F906-481B-AB2C-971C6CA8B71F}"/>
+                  <a16:creationId xmlns:a16="http://schemas.microsoft.com/office/drawing/2014/main" id="{70AC819E-F906-481B-AB2C-971C6CA8B71F}"/>
                 </a:ext>
               </a:extLst>
             </p:cNvPr>
@@ -24712,7 +24721,7 @@
             <p:cNvPr id="13" name="Rectangle 12">
               <a:extLst>
                 <a:ext uri="{FF2B5EF4-FFF2-40B4-BE49-F238E27FC236}">
-                  <a16:creationId xmlns:a16="http://schemas.microsoft.com/office/drawing/2014/main" xmlns="" id="{6E2A2B25-34EB-4290-B2DA-E2C2FCECE448}"/>
+                  <a16:creationId xmlns:a16="http://schemas.microsoft.com/office/drawing/2014/main" id="{6E2A2B25-34EB-4290-B2DA-E2C2FCECE448}"/>
                 </a:ext>
               </a:extLst>
             </p:cNvPr>
@@ -24764,7 +24773,7 @@
             <p:cNvPr id="14" name="TextBox 13">
               <a:extLst>
                 <a:ext uri="{FF2B5EF4-FFF2-40B4-BE49-F238E27FC236}">
-                  <a16:creationId xmlns:a16="http://schemas.microsoft.com/office/drawing/2014/main" xmlns="" id="{266EEBF9-C9B2-4CD6-BDD4-6FC8C818646C}"/>
+                  <a16:creationId xmlns:a16="http://schemas.microsoft.com/office/drawing/2014/main" id="{266EEBF9-C9B2-4CD6-BDD4-6FC8C818646C}"/>
                 </a:ext>
               </a:extLst>
             </p:cNvPr>
@@ -24791,8 +24800,29 @@
                 <a:rPr lang="de-DE" sz="2400" dirty="0">
                   <a:latin typeface="Arial Black" panose="020B0A04020102020204" pitchFamily="34" charset="0"/>
                 </a:rPr>
-                <a:t>No improvements from census-only post-stratification</a:t>
+                <a:t>No improvements from </a:t>
               </a:r>
+              <a:r>
+                <a:rPr lang="de-DE" sz="2400" dirty="0" err="1">
+                  <a:latin typeface="Arial Black" panose="020B0A04020102020204" pitchFamily="34" charset="0"/>
+                </a:rPr>
+                <a:t>census-only</a:t>
+              </a:r>
+              <a:r>
+                <a:rPr lang="de-DE" sz="2400" dirty="0">
+                  <a:latin typeface="Arial Black" panose="020B0A04020102020204" pitchFamily="34" charset="0"/>
+                </a:rPr>
+                <a:t> post-</a:t>
+              </a:r>
+              <a:r>
+                <a:rPr lang="de-DE" sz="2400" dirty="0" err="1">
+                  <a:latin typeface="Arial Black" panose="020B0A04020102020204" pitchFamily="34" charset="0"/>
+                </a:rPr>
+                <a:t>stratification</a:t>
+              </a:r>
+              <a:endParaRPr lang="de-DE" sz="2400" dirty="0">
+                <a:latin typeface="Arial Black" panose="020B0A04020102020204" pitchFamily="34" charset="0"/>
+              </a:endParaRPr>
             </a:p>
           </p:txBody>
         </p:sp>
@@ -24801,7 +24831,7 @@
             <p:cNvPr id="15" name="Rectangle 14">
               <a:extLst>
                 <a:ext uri="{FF2B5EF4-FFF2-40B4-BE49-F238E27FC236}">
-                  <a16:creationId xmlns:a16="http://schemas.microsoft.com/office/drawing/2014/main" xmlns="" id="{3EF040AE-C45B-4440-BF11-074CA40A5DBB}"/>
+                  <a16:creationId xmlns:a16="http://schemas.microsoft.com/office/drawing/2014/main" id="{3EF040AE-C45B-4440-BF11-074CA40A5DBB}"/>
                 </a:ext>
               </a:extLst>
             </p:cNvPr>
@@ -24838,7 +24868,7 @@
             <p:cNvPr id="16" name="Rectangle 15">
               <a:extLst>
                 <a:ext uri="{FF2B5EF4-FFF2-40B4-BE49-F238E27FC236}">
-                  <a16:creationId xmlns:a16="http://schemas.microsoft.com/office/drawing/2014/main" xmlns="" id="{5E712BD8-1945-4212-92CA-0E06F169AEF2}"/>
+                  <a16:creationId xmlns:a16="http://schemas.microsoft.com/office/drawing/2014/main" id="{5E712BD8-1945-4212-92CA-0E06F169AEF2}"/>
                 </a:ext>
               </a:extLst>
             </p:cNvPr>
@@ -24890,7 +24920,7 @@
             <p:cNvPr id="17" name="TextBox 16">
               <a:extLst>
                 <a:ext uri="{FF2B5EF4-FFF2-40B4-BE49-F238E27FC236}">
-                  <a16:creationId xmlns:a16="http://schemas.microsoft.com/office/drawing/2014/main" xmlns="" id="{84C6A423-CEF7-4726-BFD1-580E54A22648}"/>
+                  <a16:creationId xmlns:a16="http://schemas.microsoft.com/office/drawing/2014/main" id="{84C6A423-CEF7-4726-BFD1-580E54A22648}"/>
                 </a:ext>
               </a:extLst>
             </p:cNvPr>
@@ -24927,7 +24957,7 @@
             <p:cNvPr id="18" name="Rectangle 17">
               <a:extLst>
                 <a:ext uri="{FF2B5EF4-FFF2-40B4-BE49-F238E27FC236}">
-                  <a16:creationId xmlns:a16="http://schemas.microsoft.com/office/drawing/2014/main" xmlns="" id="{82FAE4E4-8974-4D43-8837-ABA368DABA9A}"/>
+                  <a16:creationId xmlns:a16="http://schemas.microsoft.com/office/drawing/2014/main" id="{82FAE4E4-8974-4D43-8837-ABA368DABA9A}"/>
                 </a:ext>
               </a:extLst>
             </p:cNvPr>
@@ -24970,13 +25000,6 @@
   <p:clrMapOvr>
     <a:masterClrMapping/>
   </p:clrMapOvr>
-  <p:timing>
-    <p:tnLst>
-      <p:par>
-        <p:cTn id="1" dur="indefinite" restart="never" nodeType="tmRoot"/>
-      </p:par>
-    </p:tnLst>
-  </p:timing>
 </p:sld>
 </file>
 
@@ -25002,7 +25025,7 @@
           <p:cNvPr id="5" name="Footer Placeholder 4">
             <a:extLst>
               <a:ext uri="{FF2B5EF4-FFF2-40B4-BE49-F238E27FC236}">
-                <a16:creationId xmlns:a16="http://schemas.microsoft.com/office/drawing/2014/main" xmlns="" id="{9B02C603-B93A-48B7-B987-397CF7A5C17B}"/>
+                <a16:creationId xmlns:a16="http://schemas.microsoft.com/office/drawing/2014/main" id="{9B02C603-B93A-48B7-B987-397CF7A5C17B}"/>
               </a:ext>
             </a:extLst>
           </p:cNvPr>
@@ -25032,7 +25055,7 @@
           <p:cNvPr id="6" name="Slide Number Placeholder 5">
             <a:extLst>
               <a:ext uri="{FF2B5EF4-FFF2-40B4-BE49-F238E27FC236}">
-                <a16:creationId xmlns:a16="http://schemas.microsoft.com/office/drawing/2014/main" xmlns="" id="{1FFA6EAA-3B37-4F04-9B1C-1E27BE68E62E}"/>
+                <a16:creationId xmlns:a16="http://schemas.microsoft.com/office/drawing/2014/main" id="{1FFA6EAA-3B37-4F04-9B1C-1E27BE68E62E}"/>
               </a:ext>
             </a:extLst>
           </p:cNvPr>
@@ -25061,7 +25084,7 @@
           <p:cNvPr id="2" name="Title 1">
             <a:extLst>
               <a:ext uri="{FF2B5EF4-FFF2-40B4-BE49-F238E27FC236}">
-                <a16:creationId xmlns:a16="http://schemas.microsoft.com/office/drawing/2014/main" xmlns="" id="{03CCF6E9-3AA2-4C28-B85E-CE1C41357C88}"/>
+                <a16:creationId xmlns:a16="http://schemas.microsoft.com/office/drawing/2014/main" id="{03CCF6E9-3AA2-4C28-B85E-CE1C41357C88}"/>
               </a:ext>
             </a:extLst>
           </p:cNvPr>
@@ -25097,7 +25120,7 @@
           <p:cNvPr id="8" name="TextBox 7">
             <a:extLst>
               <a:ext uri="{FF2B5EF4-FFF2-40B4-BE49-F238E27FC236}">
-                <a16:creationId xmlns:a16="http://schemas.microsoft.com/office/drawing/2014/main" xmlns="" id="{0C6E69E5-2E3B-4380-93E9-45EDA8AEAAC8}"/>
+                <a16:creationId xmlns:a16="http://schemas.microsoft.com/office/drawing/2014/main" id="{0C6E69E5-2E3B-4380-93E9-45EDA8AEAAC8}"/>
               </a:ext>
             </a:extLst>
           </p:cNvPr>
@@ -25107,7 +25130,7 @@
         <p:spPr>
           <a:xfrm>
             <a:off x="591456" y="1663700"/>
-            <a:ext cx="10990944" cy="4278094"/>
+            <a:ext cx="10990944" cy="4770537"/>
           </a:xfrm>
           <a:prstGeom prst="rect">
             <a:avLst/>
@@ -25239,24 +25262,104 @@
               <a:buChar char="-"/>
             </a:pPr>
             <a:r>
-              <a:rPr lang="en-US" sz="1600" b="1" dirty="0" err="1"/>
-              <a:t>Goel</a:t>
-            </a:r>
-            <a:r>
-              <a:rPr lang="en-US" sz="1600" b="1" dirty="0"/>
-              <a:t>, Sharad, Adam </a:t>
-            </a:r>
-            <a:r>
-              <a:rPr lang="en-US" sz="1600" b="1" dirty="0" err="1"/>
-              <a:t>Obeng</a:t>
-            </a:r>
-            <a:r>
-              <a:rPr lang="en-US" sz="1600" b="1" dirty="0"/>
-              <a:t>, and David Rothschild. 2017. </a:t>
-            </a:r>
-            <a:r>
-              <a:rPr lang="en-US" sz="1600" dirty="0"/>
-              <a:t>“Online, Opt-in Surveys: Fast and Cheap, but Art They Accurate?” Working Paper.</a:t>
+              <a:rPr lang="de-DE" sz="1600" b="1" dirty="0" err="1"/>
+              <a:t>Gelman</a:t>
+            </a:r>
+            <a:r>
+              <a:rPr lang="de-DE" sz="1600" b="1" dirty="0"/>
+              <a:t> &amp; King 1993.</a:t>
+            </a:r>
+            <a:r>
+              <a:rPr lang="de-DE" sz="1600" dirty="0"/>
+              <a:t> „</a:t>
+            </a:r>
+            <a:r>
+              <a:rPr lang="de-DE" sz="1600" dirty="0" err="1"/>
+              <a:t>Why</a:t>
+            </a:r>
+            <a:r>
+              <a:rPr lang="de-DE" sz="1600" dirty="0"/>
+              <a:t> </a:t>
+            </a:r>
+            <a:r>
+              <a:rPr lang="de-DE" sz="1600" dirty="0" err="1"/>
+              <a:t>are</a:t>
+            </a:r>
+            <a:r>
+              <a:rPr lang="de-DE" sz="1600" dirty="0"/>
+              <a:t> </a:t>
+            </a:r>
+            <a:r>
+              <a:rPr lang="de-DE" sz="1600" dirty="0" err="1"/>
+              <a:t>american</a:t>
+            </a:r>
+            <a:r>
+              <a:rPr lang="de-DE" sz="1600" dirty="0"/>
+              <a:t> </a:t>
+            </a:r>
+            <a:r>
+              <a:rPr lang="de-DE" sz="1600" dirty="0" err="1"/>
+              <a:t>presidential</a:t>
+            </a:r>
+            <a:r>
+              <a:rPr lang="de-DE" sz="1600" dirty="0"/>
+              <a:t> </a:t>
+            </a:r>
+            <a:r>
+              <a:rPr lang="de-DE" sz="1600" dirty="0" err="1"/>
+              <a:t>campaign</a:t>
+            </a:r>
+            <a:r>
+              <a:rPr lang="de-DE" sz="1600" dirty="0"/>
+              <a:t> </a:t>
+            </a:r>
+            <a:r>
+              <a:rPr lang="de-DE" sz="1600" dirty="0" err="1"/>
+              <a:t>prolls</a:t>
+            </a:r>
+            <a:r>
+              <a:rPr lang="de-DE" sz="1600" dirty="0"/>
+              <a:t> so variable </a:t>
+            </a:r>
+            <a:r>
+              <a:rPr lang="de-DE" sz="1600" dirty="0" err="1"/>
+              <a:t>when</a:t>
+            </a:r>
+            <a:r>
+              <a:rPr lang="de-DE" sz="1600" dirty="0"/>
+              <a:t> </a:t>
+            </a:r>
+            <a:r>
+              <a:rPr lang="de-DE" sz="1600" dirty="0" err="1"/>
+              <a:t>votes</a:t>
+            </a:r>
+            <a:r>
+              <a:rPr lang="de-DE" sz="1600" dirty="0"/>
+              <a:t> </a:t>
+            </a:r>
+            <a:r>
+              <a:rPr lang="de-DE" sz="1600" dirty="0" err="1"/>
+              <a:t>are</a:t>
+            </a:r>
+            <a:r>
+              <a:rPr lang="de-DE" sz="1600" dirty="0"/>
+              <a:t> so </a:t>
+            </a:r>
+            <a:r>
+              <a:rPr lang="de-DE" sz="1600" dirty="0" err="1"/>
+              <a:t>predictable</a:t>
+            </a:r>
+            <a:r>
+              <a:rPr lang="de-DE" sz="1600" dirty="0"/>
+              <a:t>?, British Journal </a:t>
+            </a:r>
+            <a:r>
+              <a:rPr lang="de-DE" sz="1600" dirty="0" err="1"/>
+              <a:t>of</a:t>
+            </a:r>
+            <a:r>
+              <a:rPr lang="de-DE" sz="1600" dirty="0"/>
+              <a:t> Political Science 13(04), pp. 409 – 451.</a:t>
             </a:r>
           </a:p>
           <a:p>
@@ -25265,20 +25368,24 @@
               <a:buChar char="-"/>
             </a:pPr>
             <a:r>
+              <a:rPr lang="en-US" sz="1600" b="1" dirty="0" err="1"/>
+              <a:t>Goel</a:t>
+            </a:r>
+            <a:r>
               <a:rPr lang="en-US" sz="1600" b="1" dirty="0"/>
-              <a:t>Jackman, Simon. 2005. </a:t>
+              <a:t>, Sharad, Adam </a:t>
+            </a:r>
+            <a:r>
+              <a:rPr lang="en-US" sz="1600" b="1" dirty="0" err="1"/>
+              <a:t>Obeng</a:t>
+            </a:r>
+            <a:r>
+              <a:rPr lang="en-US" sz="1600" b="1" dirty="0"/>
+              <a:t>, and David Rothschild. 2017. </a:t>
             </a:r>
             <a:r>
               <a:rPr lang="en-US" sz="1600" dirty="0"/>
-              <a:t>“Pooling the Polls over an Election Campaign.” Australian Journal of Political </a:t>
-            </a:r>
-            <a:r>
-              <a:rPr lang="fr-FR" sz="1600" dirty="0"/>
-              <a:t>Science 40 (4): 499–517. doi:10.1080/10361140500302472.</a:t>
-            </a:r>
-            <a:r>
-              <a:rPr lang="fr-FR" sz="1600" b="1" dirty="0"/>
-              <a:t> </a:t>
+              <a:t>“Online, Opt-in Surveys: Fast and Cheap, but Art They Accurate?” Working Paper.</a:t>
             </a:r>
           </a:p>
           <a:p>
@@ -25287,32 +25394,20 @@
               <a:buChar char="-"/>
             </a:pPr>
             <a:r>
-              <a:rPr lang="en-US" sz="1600" b="1" dirty="0" err="1"/>
-              <a:t>Keeter</a:t>
-            </a:r>
-            <a:r>
               <a:rPr lang="en-US" sz="1600" b="1" dirty="0"/>
-              <a:t>, Scott, Ruth </a:t>
-            </a:r>
-            <a:r>
-              <a:rPr lang="en-US" sz="1600" b="1" dirty="0" err="1"/>
-              <a:t>Igielnik</a:t>
-            </a:r>
-            <a:r>
-              <a:rPr lang="en-US" sz="1600" b="1" dirty="0"/>
-              <a:t>, and Rachel </a:t>
-            </a:r>
-            <a:r>
-              <a:rPr lang="en-US" sz="1600" b="1" dirty="0" err="1"/>
-              <a:t>Weisel</a:t>
-            </a:r>
-            <a:r>
-              <a:rPr lang="en-US" sz="1600" b="1" dirty="0"/>
-              <a:t>. 2016. </a:t>
+              <a:t>Jackman, Simon. 2005. </a:t>
             </a:r>
             <a:r>
               <a:rPr lang="en-US" sz="1600" dirty="0"/>
-              <a:t>“Can Likely Voter Models Be Improved? Evidence from the 2014 U.S. House Elections.” Pew Research Center.</a:t>
+              <a:t>“Pooling the Polls over an Election Campaign.” Australian Journal of Political </a:t>
+            </a:r>
+            <a:r>
+              <a:rPr lang="fr-FR" sz="1600" dirty="0"/>
+              <a:t>Science 40 (4): 499–517. doi:10.1080/10361140500302472.</a:t>
+            </a:r>
+            <a:r>
+              <a:rPr lang="fr-FR" sz="1600" b="1" dirty="0"/>
+              <a:t> </a:t>
             </a:r>
           </a:p>
           <a:p>
@@ -25321,6 +25416,40 @@
               <a:buChar char="-"/>
             </a:pPr>
             <a:r>
+              <a:rPr lang="en-US" sz="1600" b="1" dirty="0" err="1"/>
+              <a:t>Keeter</a:t>
+            </a:r>
+            <a:r>
+              <a:rPr lang="en-US" sz="1600" b="1" dirty="0"/>
+              <a:t>, Scott, Ruth </a:t>
+            </a:r>
+            <a:r>
+              <a:rPr lang="en-US" sz="1600" b="1" dirty="0" err="1"/>
+              <a:t>Igielnik</a:t>
+            </a:r>
+            <a:r>
+              <a:rPr lang="en-US" sz="1600" b="1" dirty="0"/>
+              <a:t>, and Rachel </a:t>
+            </a:r>
+            <a:r>
+              <a:rPr lang="en-US" sz="1600" b="1" dirty="0" err="1"/>
+              <a:t>Weisel</a:t>
+            </a:r>
+            <a:r>
+              <a:rPr lang="en-US" sz="1600" b="1" dirty="0"/>
+              <a:t>. 2016. </a:t>
+            </a:r>
+            <a:r>
+              <a:rPr lang="en-US" sz="1600" dirty="0"/>
+              <a:t>“Can Likely Voter Models Be Improved? Evidence from the 2014 U.S. House Elections.” Pew Research Center.</a:t>
+            </a:r>
+          </a:p>
+          <a:p>
+            <a:pPr marL="285750" indent="-285750">
+              <a:buFont typeface="Symbol" panose="05050102010706020507" pitchFamily="18" charset="2"/>
+              <a:buChar char="-"/>
+            </a:pPr>
+            <a:r>
               <a:rPr lang="de-DE" sz="1600" b="1" dirty="0" err="1"/>
               <a:t>Keeter</a:t>
             </a:r>
@@ -25366,6 +25495,7 @@
               <a:rPr lang="en-US" sz="1600" dirty="0"/>
               <a:t>. </a:t>
             </a:r>
+            <a:endParaRPr lang="en-US" sz="1600" b="1" dirty="0"/>
           </a:p>
           <a:p>
             <a:pPr marL="285750" indent="-285750">
@@ -25374,213 +25504,11 @@
             </a:pPr>
             <a:r>
               <a:rPr lang="en-US" sz="1600" b="1" dirty="0"/>
-              <a:t>Mellon, Jonathan, and Chris Prosser. 2015. </a:t>
+              <a:t>Linzer 2013.</a:t>
             </a:r>
             <a:r>
               <a:rPr lang="en-US" sz="1600" dirty="0"/>
-              <a:t>“Investigating the Great British Polling Miss: Evidence from the British Election Study.” SSRN Electronic Journal. doi:10.2139/ssrn.2631165. </a:t>
-            </a:r>
-          </a:p>
-        </p:txBody>
-      </p:sp>
-      <p:sp>
-        <p:nvSpPr>
-          <p:cNvPr id="9" name="Speech Bubble: Rectangle 8">
-            <a:extLst>
-              <a:ext uri="{FF2B5EF4-FFF2-40B4-BE49-F238E27FC236}">
-                <a16:creationId xmlns:a16="http://schemas.microsoft.com/office/drawing/2014/main" xmlns="" id="{8499122C-45A4-4012-935A-61855661F156}"/>
-              </a:ext>
-            </a:extLst>
-          </p:cNvPr>
-          <p:cNvSpPr/>
-          <p:nvPr/>
-        </p:nvSpPr>
-        <p:spPr>
-          <a:xfrm>
-            <a:off x="4158759" y="2316847"/>
-            <a:ext cx="3380994" cy="1485900"/>
-          </a:xfrm>
-          <a:prstGeom prst="wedgeRectCallout">
-            <a:avLst/>
-          </a:prstGeom>
-          <a:solidFill>
-            <a:srgbClr val="FFFF00"/>
-          </a:solidFill>
-        </p:spPr>
-        <p:style>
-          <a:lnRef idx="2">
-            <a:schemeClr val="accent1">
-              <a:shade val="50000"/>
-            </a:schemeClr>
-          </a:lnRef>
-          <a:fillRef idx="1">
-            <a:schemeClr val="accent1"/>
-          </a:fillRef>
-          <a:effectRef idx="0">
-            <a:schemeClr val="accent1"/>
-          </a:effectRef>
-          <a:fontRef idx="minor">
-            <a:schemeClr val="lt1"/>
-          </a:fontRef>
-        </p:style>
-        <p:txBody>
-          <a:bodyPr rtlCol="0" anchor="ctr"/>
-          <a:lstStyle/>
-          <a:p>
-            <a:pPr algn="ctr"/>
-            <a:r>
-              <a:rPr lang="de-DE" dirty="0">
-                <a:solidFill>
-                  <a:schemeClr val="tx1">
-                    <a:lumMod val="95000"/>
-                    <a:lumOff val="5000"/>
-                  </a:schemeClr>
-                </a:solidFill>
-                <a:highlight>
-                  <a:srgbClr val="FFFF00"/>
-                </a:highlight>
-              </a:rPr>
-              <a:t>Fehlt, damit komplett </a:t>
-            </a:r>
-            <a:r>
-              <a:rPr lang="de-DE" dirty="0" err="1">
-                <a:solidFill>
-                  <a:schemeClr val="tx1">
-                    <a:lumMod val="95000"/>
-                    <a:lumOff val="5000"/>
-                  </a:schemeClr>
-                </a:solidFill>
-                <a:highlight>
-                  <a:srgbClr val="FFFF00"/>
-                </a:highlight>
-              </a:rPr>
-              <a:t>bzgl</a:t>
-            </a:r>
-            <a:r>
-              <a:rPr lang="de-DE" dirty="0">
-                <a:solidFill>
-                  <a:schemeClr val="tx1">
-                    <a:lumMod val="95000"/>
-                    <a:lumOff val="5000"/>
-                  </a:schemeClr>
-                </a:solidFill>
-                <a:highlight>
-                  <a:srgbClr val="FFFF00"/>
-                </a:highlight>
-              </a:rPr>
-              <a:t> </a:t>
-            </a:r>
-            <a:r>
-              <a:rPr lang="de-DE" dirty="0" err="1">
-                <a:solidFill>
-                  <a:schemeClr val="tx1">
-                    <a:lumMod val="95000"/>
-                    <a:lumOff val="5000"/>
-                  </a:schemeClr>
-                </a:solidFill>
-                <a:highlight>
-                  <a:srgbClr val="FFFF00"/>
-                </a:highlight>
-              </a:rPr>
-              <a:t>Election</a:t>
-            </a:r>
-            <a:r>
-              <a:rPr lang="de-DE" dirty="0">
-                <a:solidFill>
-                  <a:schemeClr val="tx1">
-                    <a:lumMod val="95000"/>
-                    <a:lumOff val="5000"/>
-                  </a:schemeClr>
-                </a:solidFill>
-                <a:highlight>
-                  <a:srgbClr val="FFFF00"/>
-                </a:highlight>
-              </a:rPr>
-              <a:t> </a:t>
-            </a:r>
-            <a:r>
-              <a:rPr lang="de-DE" dirty="0" err="1">
-                <a:solidFill>
-                  <a:schemeClr val="tx1">
-                    <a:lumMod val="95000"/>
-                    <a:lumOff val="5000"/>
-                  </a:schemeClr>
-                </a:solidFill>
-                <a:highlight>
-                  <a:srgbClr val="FFFF00"/>
-                </a:highlight>
-              </a:rPr>
-              <a:t>Forecasting</a:t>
-            </a:r>
-            <a:r>
-              <a:rPr lang="de-DE" dirty="0">
-                <a:solidFill>
-                  <a:schemeClr val="tx1">
-                    <a:lumMod val="95000"/>
-                    <a:lumOff val="5000"/>
-                  </a:schemeClr>
-                </a:solidFill>
-                <a:highlight>
-                  <a:srgbClr val="FFFF00"/>
-                </a:highlight>
-              </a:rPr>
-              <a:t>: </a:t>
-            </a:r>
-            <a:r>
-              <a:rPr lang="de-DE" dirty="0" err="1">
-                <a:solidFill>
-                  <a:schemeClr val="tx1">
-                    <a:lumMod val="95000"/>
-                    <a:lumOff val="5000"/>
-                  </a:schemeClr>
-                </a:solidFill>
-                <a:highlight>
-                  <a:srgbClr val="FFFF00"/>
-                </a:highlight>
-              </a:rPr>
-              <a:t>Gelman</a:t>
-            </a:r>
-            <a:r>
-              <a:rPr lang="de-DE" dirty="0">
-                <a:solidFill>
-                  <a:schemeClr val="tx1">
-                    <a:lumMod val="95000"/>
-                    <a:lumOff val="5000"/>
-                  </a:schemeClr>
-                </a:solidFill>
-                <a:highlight>
-                  <a:srgbClr val="FFFF00"/>
-                </a:highlight>
-              </a:rPr>
-              <a:t> &amp; King 1993; Linzer 2013, Jackman 2005, Murr 2011, </a:t>
-            </a:r>
-            <a:r>
-              <a:rPr lang="de-DE" dirty="0" err="1">
-                <a:solidFill>
-                  <a:schemeClr val="tx1">
-                    <a:lumMod val="95000"/>
-                    <a:lumOff val="5000"/>
-                  </a:schemeClr>
-                </a:solidFill>
-                <a:highlight>
-                  <a:srgbClr val="FFFF00"/>
-                </a:highlight>
-              </a:rPr>
-              <a:t>Swearingen</a:t>
-            </a:r>
-            <a:r>
-              <a:rPr lang="de-DE" dirty="0">
-                <a:solidFill>
-                  <a:schemeClr val="tx1">
-                    <a:lumMod val="95000"/>
-                    <a:lumOff val="5000"/>
-                  </a:schemeClr>
-                </a:solidFill>
-                <a:highlight>
-                  <a:srgbClr val="FFFF00"/>
-                </a:highlight>
-              </a:rPr>
-              <a:t> 2014, Rothschild 2015</a:t>
+              <a:t> “Dynamic Bayesian Forecasting of Presidential Elections in the States”, Journal of the American Statistical Association 108(501): 124 – 134.</a:t>
             </a:r>
           </a:p>
         </p:txBody>
@@ -25595,13 +25523,6 @@
   <p:clrMapOvr>
     <a:masterClrMapping/>
   </p:clrMapOvr>
-  <p:timing>
-    <p:tnLst>
-      <p:par>
-        <p:cTn id="1" dur="indefinite" restart="never" nodeType="tmRoot"/>
-      </p:par>
-    </p:tnLst>
-  </p:timing>
 </p:sld>
 </file>
 
@@ -25627,7 +25548,7 @@
           <p:cNvPr id="5" name="Footer Placeholder 4">
             <a:extLst>
               <a:ext uri="{FF2B5EF4-FFF2-40B4-BE49-F238E27FC236}">
-                <a16:creationId xmlns:a16="http://schemas.microsoft.com/office/drawing/2014/main" xmlns="" id="{9B02C603-B93A-48B7-B987-397CF7A5C17B}"/>
+                <a16:creationId xmlns:a16="http://schemas.microsoft.com/office/drawing/2014/main" id="{9B02C603-B93A-48B7-B987-397CF7A5C17B}"/>
               </a:ext>
             </a:extLst>
           </p:cNvPr>
@@ -25657,7 +25578,7 @@
           <p:cNvPr id="6" name="Slide Number Placeholder 5">
             <a:extLst>
               <a:ext uri="{FF2B5EF4-FFF2-40B4-BE49-F238E27FC236}">
-                <a16:creationId xmlns:a16="http://schemas.microsoft.com/office/drawing/2014/main" xmlns="" id="{1FFA6EAA-3B37-4F04-9B1C-1E27BE68E62E}"/>
+                <a16:creationId xmlns:a16="http://schemas.microsoft.com/office/drawing/2014/main" id="{1FFA6EAA-3B37-4F04-9B1C-1E27BE68E62E}"/>
               </a:ext>
             </a:extLst>
           </p:cNvPr>
@@ -25686,7 +25607,7 @@
           <p:cNvPr id="2" name="Title 1">
             <a:extLst>
               <a:ext uri="{FF2B5EF4-FFF2-40B4-BE49-F238E27FC236}">
-                <a16:creationId xmlns:a16="http://schemas.microsoft.com/office/drawing/2014/main" xmlns="" id="{03CCF6E9-3AA2-4C28-B85E-CE1C41357C88}"/>
+                <a16:creationId xmlns:a16="http://schemas.microsoft.com/office/drawing/2014/main" id="{03CCF6E9-3AA2-4C28-B85E-CE1C41357C88}"/>
               </a:ext>
             </a:extLst>
           </p:cNvPr>
@@ -25722,7 +25643,7 @@
           <p:cNvPr id="8" name="TextBox 7">
             <a:extLst>
               <a:ext uri="{FF2B5EF4-FFF2-40B4-BE49-F238E27FC236}">
-                <a16:creationId xmlns:a16="http://schemas.microsoft.com/office/drawing/2014/main" xmlns="" id="{0C6E69E5-2E3B-4380-93E9-45EDA8AEAAC8}"/>
+                <a16:creationId xmlns:a16="http://schemas.microsoft.com/office/drawing/2014/main" id="{0C6E69E5-2E3B-4380-93E9-45EDA8AEAAC8}"/>
               </a:ext>
             </a:extLst>
           </p:cNvPr>
@@ -25732,7 +25653,7 @@
         <p:spPr>
           <a:xfrm>
             <a:off x="591456" y="1663700"/>
-            <a:ext cx="10990944" cy="3293209"/>
+            <a:ext cx="10990944" cy="4770537"/>
           </a:xfrm>
           <a:prstGeom prst="rect">
             <a:avLst/>
@@ -25751,19 +25672,11 @@
             </a:pPr>
             <a:r>
               <a:rPr lang="en-US" sz="1600" b="1" dirty="0"/>
-              <a:t>Perry, Paul. 1960. </a:t>
+              <a:t>Mellon, Jonathan, and Chris Prosser. 2015. </a:t>
             </a:r>
             <a:r>
               <a:rPr lang="en-US" sz="1600" dirty="0"/>
-              <a:t>“Election Survey Procedures of the Gallup Poll.” Public Opinion </a:t>
-            </a:r>
-            <a:r>
-              <a:rPr lang="en-US" sz="1600" dirty="0" err="1"/>
-              <a:t>Quaterly</a:t>
-            </a:r>
-            <a:r>
-              <a:rPr lang="en-US" sz="1600" dirty="0"/>
-              <a:t> 24: </a:t>
+              <a:t>“Investigating the Great British Polling Miss: Evidence from the British Election Study.” SSRN Electronic Journal. doi:10.2139/ssrn.2631165. </a:t>
             </a:r>
           </a:p>
           <a:p>
@@ -25772,6 +25685,47 @@
               <a:buChar char="-"/>
             </a:pPr>
             <a:r>
+              <a:rPr lang="en-US" sz="1600" b="1" dirty="0" err="1"/>
+              <a:t>Murr</a:t>
+            </a:r>
+            <a:r>
+              <a:rPr lang="en-US" sz="1600" b="1" dirty="0"/>
+              <a:t> 2011.</a:t>
+            </a:r>
+            <a:r>
+              <a:rPr lang="en-US" sz="1600" dirty="0"/>
+              <a:t> “’Wisdom of crowds’? A decentralized election forecasting model that uses citizens’ local expectations”. Electoral Studies 30 (2011) 771-783. </a:t>
+            </a:r>
+            <a:endParaRPr lang="en-US" sz="1600" b="1" dirty="0"/>
+          </a:p>
+          <a:p>
+            <a:pPr marL="285750" indent="-285750">
+              <a:buFont typeface="Symbol" panose="05050102010706020507" pitchFamily="18" charset="2"/>
+              <a:buChar char="-"/>
+            </a:pPr>
+            <a:r>
+              <a:rPr lang="en-US" sz="1600" b="1" dirty="0"/>
+              <a:t>Perry, Paul. 1960. </a:t>
+            </a:r>
+            <a:r>
+              <a:rPr lang="en-US" sz="1600" dirty="0"/>
+              <a:t>“Election Survey Procedures of the Gallup Poll.” Public Opinion </a:t>
+            </a:r>
+            <a:r>
+              <a:rPr lang="en-US" sz="1600" dirty="0" err="1"/>
+              <a:t>Quaterly</a:t>
+            </a:r>
+            <a:r>
+              <a:rPr lang="en-US" sz="1600" dirty="0"/>
+              <a:t> 24: </a:t>
+            </a:r>
+          </a:p>
+          <a:p>
+            <a:pPr marL="285750" indent="-285750">
+              <a:buFont typeface="Symbol" panose="05050102010706020507" pitchFamily="18" charset="2"/>
+              <a:buChar char="-"/>
+            </a:pPr>
+            <a:r>
               <a:rPr lang="en-US" sz="1600" b="1" dirty="0"/>
               <a:t>Pew Research Center. 2012. </a:t>
             </a:r>
@@ -25788,6 +25742,20 @@
             <a:r>
               <a:rPr lang="en-US" sz="1600" dirty="0"/>
               <a:t>.</a:t>
+            </a:r>
+          </a:p>
+          <a:p>
+            <a:pPr marL="285750" indent="-285750">
+              <a:buFont typeface="Symbol" panose="05050102010706020507" pitchFamily="18" charset="2"/>
+              <a:buChar char="-"/>
+            </a:pPr>
+            <a:r>
+              <a:rPr lang="en-US" sz="1600" b="1" dirty="0"/>
+              <a:t>Rothschild 2015.</a:t>
+            </a:r>
+            <a:r>
+              <a:rPr lang="en-US" sz="1600" dirty="0"/>
+              <a:t> “Combining forecasts for elections: Accurate, relevant, and timely”. International Journal of Forecasting, 31 (2015) 952-964.</a:t>
             </a:r>
           </a:p>
           <a:p>
@@ -26008,7 +25976,7 @@
           <p:cNvPr id="9" name="Picture 8" descr="A close up of a map&#10;&#10;Description generated with high confidence">
             <a:extLst>
               <a:ext uri="{FF2B5EF4-FFF2-40B4-BE49-F238E27FC236}">
-                <a16:creationId xmlns:a16="http://schemas.microsoft.com/office/drawing/2014/main" xmlns="" id="{FDA5F165-838C-4801-AA4F-0FEF6E6E387A}"/>
+                <a16:creationId xmlns:a16="http://schemas.microsoft.com/office/drawing/2014/main" id="{FDA5F165-838C-4801-AA4F-0FEF6E6E387A}"/>
               </a:ext>
             </a:extLst>
           </p:cNvPr>
@@ -26043,7 +26011,7 @@
           <p:cNvPr id="3" name="Footer Placeholder 2">
             <a:extLst>
               <a:ext uri="{FF2B5EF4-FFF2-40B4-BE49-F238E27FC236}">
-                <a16:creationId xmlns:a16="http://schemas.microsoft.com/office/drawing/2014/main" xmlns="" id="{EF9E36A0-794C-4615-AF87-189AB6A03E20}"/>
+                <a16:creationId xmlns:a16="http://schemas.microsoft.com/office/drawing/2014/main" id="{EF9E36A0-794C-4615-AF87-189AB6A03E20}"/>
               </a:ext>
             </a:extLst>
           </p:cNvPr>
@@ -26073,7 +26041,7 @@
           <p:cNvPr id="4" name="Slide Number Placeholder 3">
             <a:extLst>
               <a:ext uri="{FF2B5EF4-FFF2-40B4-BE49-F238E27FC236}">
-                <a16:creationId xmlns:a16="http://schemas.microsoft.com/office/drawing/2014/main" xmlns="" id="{F750773E-5713-4393-BFBD-2EA32ABE59FD}"/>
+                <a16:creationId xmlns:a16="http://schemas.microsoft.com/office/drawing/2014/main" id="{F750773E-5713-4393-BFBD-2EA32ABE59FD}"/>
               </a:ext>
             </a:extLst>
           </p:cNvPr>
@@ -26102,7 +26070,7 @@
           <p:cNvPr id="2" name="Title 1">
             <a:extLst>
               <a:ext uri="{FF2B5EF4-FFF2-40B4-BE49-F238E27FC236}">
-                <a16:creationId xmlns:a16="http://schemas.microsoft.com/office/drawing/2014/main" xmlns="" id="{03CCF6E9-3AA2-4C28-B85E-CE1C41357C88}"/>
+                <a16:creationId xmlns:a16="http://schemas.microsoft.com/office/drawing/2014/main" id="{03CCF6E9-3AA2-4C28-B85E-CE1C41357C88}"/>
               </a:ext>
             </a:extLst>
           </p:cNvPr>
@@ -26147,7 +26115,7 @@
           <p:cNvPr id="7" name="Content Placeholder 2">
             <a:extLst>
               <a:ext uri="{FF2B5EF4-FFF2-40B4-BE49-F238E27FC236}">
-                <a16:creationId xmlns:a16="http://schemas.microsoft.com/office/drawing/2014/main" xmlns="" id="{C38B3F35-6CC2-4D19-8230-F792387EBA79}"/>
+                <a16:creationId xmlns:a16="http://schemas.microsoft.com/office/drawing/2014/main" id="{C38B3F35-6CC2-4D19-8230-F792387EBA79}"/>
               </a:ext>
             </a:extLst>
           </p:cNvPr>
@@ -26171,7 +26139,7 @@
           <a:lstStyle/>
           <a:p>
             <a:r>
-              <a:rPr lang="de-DE" sz="1800" b="1" dirty="0" smtClean="0">
+              <a:rPr lang="de-DE" sz="1800" b="1" dirty="0">
                 <a:solidFill>
                   <a:schemeClr val="tx1">
                     <a:lumMod val="75000"/>
@@ -26184,27 +26152,27 @@
           </a:p>
           <a:p>
             <a:r>
-              <a:rPr lang="de-DE" sz="1800" b="1" dirty="0" smtClean="0"/>
+              <a:rPr lang="de-DE" sz="1800" b="1" dirty="0"/>
               <a:t>Showing robust change in voter support is difficult</a:t>
             </a:r>
           </a:p>
           <a:p>
             <a:pPr lvl="1"/>
             <a:r>
-              <a:rPr lang="de-DE" sz="1800" b="1" dirty="0" smtClean="0"/>
+              <a:rPr lang="de-DE" sz="1800" b="1" dirty="0"/>
               <a:t>Large samples required</a:t>
             </a:r>
           </a:p>
           <a:p>
             <a:pPr lvl="1"/>
             <a:r>
-              <a:rPr lang="de-DE" sz="1800" b="1" dirty="0" smtClean="0"/>
+              <a:rPr lang="de-DE" sz="1800" b="1" dirty="0"/>
               <a:t>Hence, limited reliability of classical polls</a:t>
             </a:r>
-            <a:endParaRPr lang="de-DE" sz="2200" b="1" dirty="0" smtClean="0"/>
-          </a:p>
-          <a:p>
-            <a:endParaRPr lang="de-DE" sz="1800" b="1" dirty="0" smtClean="0">
+            <a:endParaRPr lang="de-DE" sz="2200" b="1" dirty="0"/>
+          </a:p>
+          <a:p>
+            <a:endParaRPr lang="de-DE" sz="1800" b="1" dirty="0">
               <a:solidFill>
                 <a:schemeClr val="tx1">
                   <a:lumMod val="75000"/>
@@ -26217,7 +26185,7 @@
             <a:endParaRPr lang="de-DE" sz="1800" b="1" dirty="0"/>
           </a:p>
           <a:p>
-            <a:endParaRPr lang="de-DE" sz="1800" b="1" dirty="0" smtClean="0">
+            <a:endParaRPr lang="de-DE" sz="1800" b="1" dirty="0">
               <a:solidFill>
                 <a:schemeClr val="tx1">
                   <a:lumMod val="75000"/>
@@ -26231,7 +26199,7 @@
           </a:p>
           <a:p>
             <a:r>
-              <a:rPr lang="de-DE" sz="1800" b="1" dirty="0" smtClean="0">
+              <a:rPr lang="de-DE" sz="1800" b="1" dirty="0">
                 <a:solidFill>
                   <a:schemeClr val="tx1">
                     <a:lumMod val="75000"/>
@@ -26266,7 +26234,7 @@
           <p:cNvPr id="11" name="Picture 10" descr="A picture containing object&#10;&#10;Description generated with very high confidence">
             <a:extLst>
               <a:ext uri="{FF2B5EF4-FFF2-40B4-BE49-F238E27FC236}">
-                <a16:creationId xmlns:a16="http://schemas.microsoft.com/office/drawing/2014/main" xmlns="" id="{C9FCC23B-C008-4215-A2FC-F258C9CBAB47}"/>
+                <a16:creationId xmlns:a16="http://schemas.microsoft.com/office/drawing/2014/main" id="{C9FCC23B-C008-4215-A2FC-F258C9CBAB47}"/>
               </a:ext>
             </a:extLst>
           </p:cNvPr>
@@ -26307,13 +26275,6 @@
   <p:clrMapOvr>
     <a:masterClrMapping/>
   </p:clrMapOvr>
-  <p:timing>
-    <p:tnLst>
-      <p:par>
-        <p:cTn id="1" dur="indefinite" restart="never" nodeType="tmRoot"/>
-      </p:par>
-    </p:tnLst>
-  </p:timing>
 </p:sld>
 </file>
 
@@ -26339,7 +26300,7 @@
           <p:cNvPr id="5" name="Footer Placeholder 4">
             <a:extLst>
               <a:ext uri="{FF2B5EF4-FFF2-40B4-BE49-F238E27FC236}">
-                <a16:creationId xmlns:a16="http://schemas.microsoft.com/office/drawing/2014/main" xmlns="" id="{13AC2200-672F-4184-A8F1-040A0AB0AC15}"/>
+                <a16:creationId xmlns:a16="http://schemas.microsoft.com/office/drawing/2014/main" id="{13AC2200-672F-4184-A8F1-040A0AB0AC15}"/>
               </a:ext>
             </a:extLst>
           </p:cNvPr>
@@ -26369,7 +26330,7 @@
           <p:cNvPr id="7" name="Slide Number Placeholder 6">
             <a:extLst>
               <a:ext uri="{FF2B5EF4-FFF2-40B4-BE49-F238E27FC236}">
-                <a16:creationId xmlns:a16="http://schemas.microsoft.com/office/drawing/2014/main" xmlns="" id="{B2B890B5-F570-4B94-A6DA-0BC1422ECA80}"/>
+                <a16:creationId xmlns:a16="http://schemas.microsoft.com/office/drawing/2014/main" id="{B2B890B5-F570-4B94-A6DA-0BC1422ECA80}"/>
               </a:ext>
             </a:extLst>
           </p:cNvPr>
@@ -26398,7 +26359,7 @@
           <p:cNvPr id="2" name="Title 1">
             <a:extLst>
               <a:ext uri="{FF2B5EF4-FFF2-40B4-BE49-F238E27FC236}">
-                <a16:creationId xmlns:a16="http://schemas.microsoft.com/office/drawing/2014/main" xmlns="" id="{03CCF6E9-3AA2-4C28-B85E-CE1C41357C88}"/>
+                <a16:creationId xmlns:a16="http://schemas.microsoft.com/office/drawing/2014/main" id="{03CCF6E9-3AA2-4C28-B85E-CE1C41357C88}"/>
               </a:ext>
             </a:extLst>
           </p:cNvPr>
@@ -26443,7 +26404,7 @@
           <p:cNvPr id="9" name="Group 8">
             <a:extLst>
               <a:ext uri="{FF2B5EF4-FFF2-40B4-BE49-F238E27FC236}">
-                <a16:creationId xmlns:a16="http://schemas.microsoft.com/office/drawing/2014/main" xmlns="" id="{EFE7E6FD-6B3F-4C20-832F-8FB7353D84F6}"/>
+                <a16:creationId xmlns:a16="http://schemas.microsoft.com/office/drawing/2014/main" id="{EFE7E6FD-6B3F-4C20-832F-8FB7353D84F6}"/>
               </a:ext>
             </a:extLst>
           </p:cNvPr>
@@ -26463,7 +26424,7 @@
             <p:cNvPr id="10" name="Freeform: Shape 9">
               <a:extLst>
                 <a:ext uri="{FF2B5EF4-FFF2-40B4-BE49-F238E27FC236}">
-                  <a16:creationId xmlns:a16="http://schemas.microsoft.com/office/drawing/2014/main" xmlns="" id="{0237C9BE-9224-43EB-8B58-1A3E5F09F65D}"/>
+                  <a16:creationId xmlns:a16="http://schemas.microsoft.com/office/drawing/2014/main" id="{0237C9BE-9224-43EB-8B58-1A3E5F09F65D}"/>
                 </a:ext>
               </a:extLst>
             </p:cNvPr>
@@ -26612,7 +26573,7 @@
             <p:cNvPr id="11" name="Freeform: Shape 10">
               <a:extLst>
                 <a:ext uri="{FF2B5EF4-FFF2-40B4-BE49-F238E27FC236}">
-                  <a16:creationId xmlns:a16="http://schemas.microsoft.com/office/drawing/2014/main" xmlns="" id="{4301A182-F5D7-4729-B166-FA8667FD7FC3}"/>
+                  <a16:creationId xmlns:a16="http://schemas.microsoft.com/office/drawing/2014/main" id="{4301A182-F5D7-4729-B166-FA8667FD7FC3}"/>
                 </a:ext>
               </a:extLst>
             </p:cNvPr>
@@ -26840,19 +26801,7 @@
                 <a:rPr lang="en-US" sz="2300" kern="1200" dirty="0">
                   <a:latin typeface="+mj-lt"/>
                 </a:rPr>
-                <a:t>high face </a:t>
-              </a:r>
-              <a:r>
-                <a:rPr lang="en-US" sz="2300" kern="1200" dirty="0" smtClean="0">
-                  <a:latin typeface="+mj-lt"/>
-                </a:rPr>
-                <a:t>validity: </a:t>
-              </a:r>
-              <a:r>
-                <a:rPr lang="en-US" sz="2300" kern="1200" dirty="0">
-                  <a:latin typeface="+mj-lt"/>
-                </a:rPr>
-                <a:t>predictor and outcome closely related</a:t>
+                <a:t>high face validity: predictor and outcome closely related</a:t>
               </a:r>
             </a:p>
           </p:txBody>
@@ -26862,7 +26811,7 @@
             <p:cNvPr id="12" name="Freeform: Shape 11">
               <a:extLst>
                 <a:ext uri="{FF2B5EF4-FFF2-40B4-BE49-F238E27FC236}">
-                  <a16:creationId xmlns:a16="http://schemas.microsoft.com/office/drawing/2014/main" xmlns="" id="{038D6F5B-4863-4ED3-B110-2C97C6AEC8C2}"/>
+                  <a16:creationId xmlns:a16="http://schemas.microsoft.com/office/drawing/2014/main" id="{038D6F5B-4863-4ED3-B110-2C97C6AEC8C2}"/>
                 </a:ext>
               </a:extLst>
             </p:cNvPr>
@@ -27002,7 +26951,7 @@
             <p:cNvPr id="13" name="Freeform: Shape 12">
               <a:extLst>
                 <a:ext uri="{FF2B5EF4-FFF2-40B4-BE49-F238E27FC236}">
-                  <a16:creationId xmlns:a16="http://schemas.microsoft.com/office/drawing/2014/main" xmlns="" id="{2A53E908-1A43-42B3-B046-B00B4284C415}"/>
+                  <a16:creationId xmlns:a16="http://schemas.microsoft.com/office/drawing/2014/main" id="{2A53E908-1A43-42B3-B046-B00B4284C415}"/>
                 </a:ext>
               </a:extLst>
             </p:cNvPr>
@@ -27140,23 +27089,17 @@
                 <a:t>campaign noise </a:t>
               </a:r>
               <a:r>
-                <a:rPr lang="en-US" sz="2300" kern="1200" dirty="0" smtClean="0">
+                <a:rPr lang="en-US" sz="2300" kern="1200" dirty="0">
                   <a:latin typeface="+mj-lt"/>
                   <a:sym typeface="Wingdings" panose="05000000000000000000" pitchFamily="2" charset="2"/>
                 </a:rPr>
                 <a:t></a:t>
               </a:r>
               <a:r>
-                <a:rPr lang="en-US" sz="2300" kern="1200" dirty="0" smtClean="0">
-                  <a:latin typeface="+mj-lt"/>
-                </a:rPr>
-                <a:t> </a:t>
-              </a:r>
-              <a:r>
                 <a:rPr lang="en-US" sz="2300" kern="1200" dirty="0">
                   <a:latin typeface="+mj-lt"/>
                 </a:rPr>
-                <a:t>are observed shifts substantive?</a:t>
+                <a:t> are observed shifts substantive?</a:t>
               </a:r>
               <a:endParaRPr lang="de-DE" sz="2300" kern="1200" dirty="0">
                 <a:latin typeface="+mj-lt"/>
@@ -27298,13 +27241,6 @@
   <p:clrMapOvr>
     <a:masterClrMapping/>
   </p:clrMapOvr>
-  <p:timing>
-    <p:tnLst>
-      <p:par>
-        <p:cTn id="1" dur="indefinite" restart="never" nodeType="tmRoot"/>
-      </p:par>
-    </p:tnLst>
-  </p:timing>
 </p:sld>
 </file>
 
@@ -27330,7 +27266,7 @@
           <p:cNvPr id="4" name="Footer Placeholder 3">
             <a:extLst>
               <a:ext uri="{FF2B5EF4-FFF2-40B4-BE49-F238E27FC236}">
-                <a16:creationId xmlns:a16="http://schemas.microsoft.com/office/drawing/2014/main" xmlns="" id="{FB69459A-8DAA-43B4-BB51-A73832D7B6C9}"/>
+                <a16:creationId xmlns:a16="http://schemas.microsoft.com/office/drawing/2014/main" id="{FB69459A-8DAA-43B4-BB51-A73832D7B6C9}"/>
               </a:ext>
             </a:extLst>
           </p:cNvPr>
@@ -27360,7 +27296,7 @@
           <p:cNvPr id="6" name="Slide Number Placeholder 5">
             <a:extLst>
               <a:ext uri="{FF2B5EF4-FFF2-40B4-BE49-F238E27FC236}">
-                <a16:creationId xmlns:a16="http://schemas.microsoft.com/office/drawing/2014/main" xmlns="" id="{8601D1AA-B326-42FD-933D-C02E148EE487}"/>
+                <a16:creationId xmlns:a16="http://schemas.microsoft.com/office/drawing/2014/main" id="{8601D1AA-B326-42FD-933D-C02E148EE487}"/>
               </a:ext>
             </a:extLst>
           </p:cNvPr>
@@ -27389,7 +27325,7 @@
           <p:cNvPr id="2" name="Title 1">
             <a:extLst>
               <a:ext uri="{FF2B5EF4-FFF2-40B4-BE49-F238E27FC236}">
-                <a16:creationId xmlns:a16="http://schemas.microsoft.com/office/drawing/2014/main" xmlns="" id="{03CCF6E9-3AA2-4C28-B85E-CE1C41357C88}"/>
+                <a16:creationId xmlns:a16="http://schemas.microsoft.com/office/drawing/2014/main" id="{03CCF6E9-3AA2-4C28-B85E-CE1C41357C88}"/>
               </a:ext>
             </a:extLst>
           </p:cNvPr>
@@ -27437,7 +27373,7 @@
           <p:cNvPr id="5" name="Rectangle 4">
             <a:extLst>
               <a:ext uri="{FF2B5EF4-FFF2-40B4-BE49-F238E27FC236}">
-                <a16:creationId xmlns:a16="http://schemas.microsoft.com/office/drawing/2014/main" xmlns="" id="{DED952B7-5A22-4A6C-82B8-2B8940026C6A}"/>
+                <a16:creationId xmlns:a16="http://schemas.microsoft.com/office/drawing/2014/main" id="{DED952B7-5A22-4A6C-82B8-2B8940026C6A}"/>
               </a:ext>
             </a:extLst>
           </p:cNvPr>
@@ -27622,13 +27558,6 @@
   <p:clrMapOvr>
     <a:masterClrMapping/>
   </p:clrMapOvr>
-  <p:timing>
-    <p:tnLst>
-      <p:par>
-        <p:cTn id="1" dur="indefinite" restart="never" nodeType="tmRoot"/>
-      </p:par>
-    </p:tnLst>
-  </p:timing>
 </p:sld>
 </file>
 
@@ -27654,7 +27583,7 @@
           <p:cNvPr id="2" name="Title 1">
             <a:extLst>
               <a:ext uri="{FF2B5EF4-FFF2-40B4-BE49-F238E27FC236}">
-                <a16:creationId xmlns:a16="http://schemas.microsoft.com/office/drawing/2014/main" xmlns="" id="{03CCF6E9-3AA2-4C28-B85E-CE1C41357C88}"/>
+                <a16:creationId xmlns:a16="http://schemas.microsoft.com/office/drawing/2014/main" id="{03CCF6E9-3AA2-4C28-B85E-CE1C41357C88}"/>
               </a:ext>
             </a:extLst>
           </p:cNvPr>
@@ -27694,7 +27623,7 @@
           <p:cNvPr id="3" name="Content Placeholder 2">
             <a:extLst>
               <a:ext uri="{FF2B5EF4-FFF2-40B4-BE49-F238E27FC236}">
-                <a16:creationId xmlns:a16="http://schemas.microsoft.com/office/drawing/2014/main" xmlns="" id="{6FE2FFA4-F718-4F5A-8E9F-CE4D52755ACD}"/>
+                <a16:creationId xmlns:a16="http://schemas.microsoft.com/office/drawing/2014/main" id="{6FE2FFA4-F718-4F5A-8E9F-CE4D52755ACD}"/>
               </a:ext>
             </a:extLst>
           </p:cNvPr>
@@ -27842,7 +27771,7 @@
           <p:cNvPr id="4" name="Footer Placeholder 3">
             <a:extLst>
               <a:ext uri="{FF2B5EF4-FFF2-40B4-BE49-F238E27FC236}">
-                <a16:creationId xmlns:a16="http://schemas.microsoft.com/office/drawing/2014/main" xmlns="" id="{F7FF8BF5-F19B-4D6E-A91F-F32D05D50D8A}"/>
+                <a16:creationId xmlns:a16="http://schemas.microsoft.com/office/drawing/2014/main" id="{F7FF8BF5-F19B-4D6E-A91F-F32D05D50D8A}"/>
               </a:ext>
             </a:extLst>
           </p:cNvPr>
@@ -27872,7 +27801,7 @@
           <p:cNvPr id="5" name="Slide Number Placeholder 4">
             <a:extLst>
               <a:ext uri="{FF2B5EF4-FFF2-40B4-BE49-F238E27FC236}">
-                <a16:creationId xmlns:a16="http://schemas.microsoft.com/office/drawing/2014/main" xmlns="" id="{3887320C-EC08-4010-BABA-F09CA20C9CDA}"/>
+                <a16:creationId xmlns:a16="http://schemas.microsoft.com/office/drawing/2014/main" id="{3887320C-EC08-4010-BABA-F09CA20C9CDA}"/>
               </a:ext>
             </a:extLst>
           </p:cNvPr>
@@ -27906,13 +27835,6 @@
   <p:clrMapOvr>
     <a:masterClrMapping/>
   </p:clrMapOvr>
-  <p:timing>
-    <p:tnLst>
-      <p:par>
-        <p:cTn id="1" dur="indefinite" restart="never" nodeType="tmRoot"/>
-      </p:par>
-    </p:tnLst>
-  </p:timing>
 </p:sld>
 </file>
 
@@ -27938,7 +27860,7 @@
           <p:cNvPr id="4" name="Footer Placeholder 3">
             <a:extLst>
               <a:ext uri="{FF2B5EF4-FFF2-40B4-BE49-F238E27FC236}">
-                <a16:creationId xmlns:a16="http://schemas.microsoft.com/office/drawing/2014/main" xmlns="" id="{52E02BE0-4DB5-4C19-AF13-260CE4776365}"/>
+                <a16:creationId xmlns:a16="http://schemas.microsoft.com/office/drawing/2014/main" id="{52E02BE0-4DB5-4C19-AF13-260CE4776365}"/>
               </a:ext>
             </a:extLst>
           </p:cNvPr>
@@ -27968,7 +27890,7 @@
           <p:cNvPr id="5" name="Slide Number Placeholder 4">
             <a:extLst>
               <a:ext uri="{FF2B5EF4-FFF2-40B4-BE49-F238E27FC236}">
-                <a16:creationId xmlns:a16="http://schemas.microsoft.com/office/drawing/2014/main" xmlns="" id="{D5A4ED33-7535-4F9B-862D-71BFA1E8534E}"/>
+                <a16:creationId xmlns:a16="http://schemas.microsoft.com/office/drawing/2014/main" id="{D5A4ED33-7535-4F9B-862D-71BFA1E8534E}"/>
               </a:ext>
             </a:extLst>
           </p:cNvPr>
@@ -27997,7 +27919,7 @@
           <p:cNvPr id="6" name="Title 5">
             <a:extLst>
               <a:ext uri="{FF2B5EF4-FFF2-40B4-BE49-F238E27FC236}">
-                <a16:creationId xmlns:a16="http://schemas.microsoft.com/office/drawing/2014/main" xmlns="" id="{EA7EC3C7-0422-45D6-BD84-E8ABE19E69EB}"/>
+                <a16:creationId xmlns:a16="http://schemas.microsoft.com/office/drawing/2014/main" id="{EA7EC3C7-0422-45D6-BD84-E8ABE19E69EB}"/>
               </a:ext>
             </a:extLst>
           </p:cNvPr>
@@ -28037,7 +27959,7 @@
           <p:cNvPr id="7" name="Group 6">
             <a:extLst>
               <a:ext uri="{FF2B5EF4-FFF2-40B4-BE49-F238E27FC236}">
-                <a16:creationId xmlns:a16="http://schemas.microsoft.com/office/drawing/2014/main" xmlns="" id="{11D9B790-277C-4548-B1DE-7A26C9269371}"/>
+                <a16:creationId xmlns:a16="http://schemas.microsoft.com/office/drawing/2014/main" id="{11D9B790-277C-4548-B1DE-7A26C9269371}"/>
               </a:ext>
             </a:extLst>
           </p:cNvPr>
@@ -28057,7 +27979,7 @@
             <p:cNvPr id="8" name="Rectangle 7">
               <a:extLst>
                 <a:ext uri="{FF2B5EF4-FFF2-40B4-BE49-F238E27FC236}">
-                  <a16:creationId xmlns:a16="http://schemas.microsoft.com/office/drawing/2014/main" xmlns="" id="{7D99495E-6F4C-4A59-B867-42E035870D38}"/>
+                  <a16:creationId xmlns:a16="http://schemas.microsoft.com/office/drawing/2014/main" id="{7D99495E-6F4C-4A59-B867-42E035870D38}"/>
                 </a:ext>
               </a:extLst>
             </p:cNvPr>
@@ -28111,7 +28033,7 @@
             <p:cNvPr id="9" name="Rectangle 8">
               <a:extLst>
                 <a:ext uri="{FF2B5EF4-FFF2-40B4-BE49-F238E27FC236}">
-                  <a16:creationId xmlns:a16="http://schemas.microsoft.com/office/drawing/2014/main" xmlns="" id="{EF79EA5E-267D-452C-98DC-C2F7D21970CB}"/>
+                  <a16:creationId xmlns:a16="http://schemas.microsoft.com/office/drawing/2014/main" id="{EF79EA5E-267D-452C-98DC-C2F7D21970CB}"/>
                 </a:ext>
               </a:extLst>
             </p:cNvPr>
@@ -28160,7 +28082,7 @@
             <p:cNvPr id="10" name="Rectangle 9">
               <a:extLst>
                 <a:ext uri="{FF2B5EF4-FFF2-40B4-BE49-F238E27FC236}">
-                  <a16:creationId xmlns:a16="http://schemas.microsoft.com/office/drawing/2014/main" xmlns="" id="{13671E83-EF04-4E07-BD31-2B4B90667657}"/>
+                  <a16:creationId xmlns:a16="http://schemas.microsoft.com/office/drawing/2014/main" id="{13671E83-EF04-4E07-BD31-2B4B90667657}"/>
                 </a:ext>
               </a:extLst>
             </p:cNvPr>
@@ -28214,7 +28136,7 @@
             <p:cNvPr id="11" name="Rectangle 10">
               <a:extLst>
                 <a:ext uri="{FF2B5EF4-FFF2-40B4-BE49-F238E27FC236}">
-                  <a16:creationId xmlns:a16="http://schemas.microsoft.com/office/drawing/2014/main" xmlns="" id="{D5E2C502-6822-476F-AA4D-9925166DC144}"/>
+                  <a16:creationId xmlns:a16="http://schemas.microsoft.com/office/drawing/2014/main" id="{D5E2C502-6822-476F-AA4D-9925166DC144}"/>
                 </a:ext>
               </a:extLst>
             </p:cNvPr>
@@ -28268,7 +28190,7 @@
             <p:cNvPr id="12" name="Rectangle 11">
               <a:extLst>
                 <a:ext uri="{FF2B5EF4-FFF2-40B4-BE49-F238E27FC236}">
-                  <a16:creationId xmlns:a16="http://schemas.microsoft.com/office/drawing/2014/main" xmlns="" id="{F01A7696-3F88-45E4-8139-91BAFB1598DC}"/>
+                  <a16:creationId xmlns:a16="http://schemas.microsoft.com/office/drawing/2014/main" id="{F01A7696-3F88-45E4-8139-91BAFB1598DC}"/>
                 </a:ext>
               </a:extLst>
             </p:cNvPr>
@@ -28322,7 +28244,7 @@
             <p:cNvPr id="13" name="Rectangle 12">
               <a:extLst>
                 <a:ext uri="{FF2B5EF4-FFF2-40B4-BE49-F238E27FC236}">
-                  <a16:creationId xmlns:a16="http://schemas.microsoft.com/office/drawing/2014/main" xmlns="" id="{A7C4B42B-4112-4759-B238-F6C4271632F5}"/>
+                  <a16:creationId xmlns:a16="http://schemas.microsoft.com/office/drawing/2014/main" id="{A7C4B42B-4112-4759-B238-F6C4271632F5}"/>
                 </a:ext>
               </a:extLst>
             </p:cNvPr>
@@ -28376,7 +28298,7 @@
             <p:cNvPr id="14" name="TextBox 13">
               <a:extLst>
                 <a:ext uri="{FF2B5EF4-FFF2-40B4-BE49-F238E27FC236}">
-                  <a16:creationId xmlns:a16="http://schemas.microsoft.com/office/drawing/2014/main" xmlns="" id="{DD2BD608-DBA7-4686-80B7-ED5E0AA87D54}"/>
+                  <a16:creationId xmlns:a16="http://schemas.microsoft.com/office/drawing/2014/main" id="{DD2BD608-DBA7-4686-80B7-ED5E0AA87D54}"/>
                 </a:ext>
               </a:extLst>
             </p:cNvPr>
@@ -28414,7 +28336,7 @@
             <p:cNvPr id="15" name="TextBox 14">
               <a:extLst>
                 <a:ext uri="{FF2B5EF4-FFF2-40B4-BE49-F238E27FC236}">
-                  <a16:creationId xmlns:a16="http://schemas.microsoft.com/office/drawing/2014/main" xmlns="" id="{0D571318-B2B6-4D81-B07C-28610E8AC063}"/>
+                  <a16:creationId xmlns:a16="http://schemas.microsoft.com/office/drawing/2014/main" id="{0D571318-B2B6-4D81-B07C-28610E8AC063}"/>
                 </a:ext>
               </a:extLst>
             </p:cNvPr>
@@ -28452,7 +28374,7 @@
             <p:cNvPr id="16" name="TextBox 15">
               <a:extLst>
                 <a:ext uri="{FF2B5EF4-FFF2-40B4-BE49-F238E27FC236}">
-                  <a16:creationId xmlns:a16="http://schemas.microsoft.com/office/drawing/2014/main" xmlns="" id="{37B8B858-DFE1-4BD9-A50F-9F449BAF64F9}"/>
+                  <a16:creationId xmlns:a16="http://schemas.microsoft.com/office/drawing/2014/main" id="{37B8B858-DFE1-4BD9-A50F-9F449BAF64F9}"/>
                 </a:ext>
               </a:extLst>
             </p:cNvPr>
@@ -28490,7 +28412,7 @@
             <p:cNvPr id="17" name="TextBox 16">
               <a:extLst>
                 <a:ext uri="{FF2B5EF4-FFF2-40B4-BE49-F238E27FC236}">
-                  <a16:creationId xmlns:a16="http://schemas.microsoft.com/office/drawing/2014/main" xmlns="" id="{5CDD0C04-E313-49E0-BC3E-288CBC265E7F}"/>
+                  <a16:creationId xmlns:a16="http://schemas.microsoft.com/office/drawing/2014/main" id="{5CDD0C04-E313-49E0-BC3E-288CBC265E7F}"/>
                 </a:ext>
               </a:extLst>
             </p:cNvPr>
@@ -28528,7 +28450,7 @@
             <p:cNvPr id="18" name="TextBox 17">
               <a:extLst>
                 <a:ext uri="{FF2B5EF4-FFF2-40B4-BE49-F238E27FC236}">
-                  <a16:creationId xmlns:a16="http://schemas.microsoft.com/office/drawing/2014/main" xmlns="" id="{72F46BFA-B0A7-42CB-98E1-44A2DE7CC316}"/>
+                  <a16:creationId xmlns:a16="http://schemas.microsoft.com/office/drawing/2014/main" id="{72F46BFA-B0A7-42CB-98E1-44A2DE7CC316}"/>
                 </a:ext>
               </a:extLst>
             </p:cNvPr>
@@ -28566,7 +28488,7 @@
             <p:cNvPr id="19" name="TextBox 18">
               <a:extLst>
                 <a:ext uri="{FF2B5EF4-FFF2-40B4-BE49-F238E27FC236}">
-                  <a16:creationId xmlns:a16="http://schemas.microsoft.com/office/drawing/2014/main" xmlns="" id="{47A3215C-3829-4089-981F-45372D9F8320}"/>
+                  <a16:creationId xmlns:a16="http://schemas.microsoft.com/office/drawing/2014/main" id="{47A3215C-3829-4089-981F-45372D9F8320}"/>
                 </a:ext>
               </a:extLst>
             </p:cNvPr>
@@ -28604,7 +28526,7 @@
             <p:cNvPr id="20" name="TextBox 19">
               <a:extLst>
                 <a:ext uri="{FF2B5EF4-FFF2-40B4-BE49-F238E27FC236}">
-                  <a16:creationId xmlns:a16="http://schemas.microsoft.com/office/drawing/2014/main" xmlns="" id="{486E841F-9A87-4A9A-BF79-29192C45DC52}"/>
+                  <a16:creationId xmlns:a16="http://schemas.microsoft.com/office/drawing/2014/main" id="{486E841F-9A87-4A9A-BF79-29192C45DC52}"/>
                 </a:ext>
               </a:extLst>
             </p:cNvPr>
@@ -28649,7 +28571,7 @@
             <p:cNvPr id="21" name="Rectangle 20">
               <a:extLst>
                 <a:ext uri="{FF2B5EF4-FFF2-40B4-BE49-F238E27FC236}">
-                  <a16:creationId xmlns:a16="http://schemas.microsoft.com/office/drawing/2014/main" xmlns="" id="{6CB9B212-A55A-40EA-B8F0-6704EA9B7E0B}"/>
+                  <a16:creationId xmlns:a16="http://schemas.microsoft.com/office/drawing/2014/main" id="{6CB9B212-A55A-40EA-B8F0-6704EA9B7E0B}"/>
                 </a:ext>
               </a:extLst>
             </p:cNvPr>
@@ -28686,7 +28608,7 @@
             <p:cNvPr id="22" name="TextBox 21">
               <a:extLst>
                 <a:ext uri="{FF2B5EF4-FFF2-40B4-BE49-F238E27FC236}">
-                  <a16:creationId xmlns:a16="http://schemas.microsoft.com/office/drawing/2014/main" xmlns="" id="{894C1F34-F1E1-486E-830A-51B25334126C}"/>
+                  <a16:creationId xmlns:a16="http://schemas.microsoft.com/office/drawing/2014/main" id="{894C1F34-F1E1-486E-830A-51B25334126C}"/>
                 </a:ext>
               </a:extLst>
             </p:cNvPr>
@@ -28731,7 +28653,7 @@
             <p:cNvPr id="23" name="Straight Arrow Connector 22">
               <a:extLst>
                 <a:ext uri="{FF2B5EF4-FFF2-40B4-BE49-F238E27FC236}">
-                  <a16:creationId xmlns:a16="http://schemas.microsoft.com/office/drawing/2014/main" xmlns="" id="{C52618E9-106C-454A-B38F-AB0793B1CA73}"/>
+                  <a16:creationId xmlns:a16="http://schemas.microsoft.com/office/drawing/2014/main" id="{C52618E9-106C-454A-B38F-AB0793B1CA73}"/>
                 </a:ext>
               </a:extLst>
             </p:cNvPr>
@@ -28775,7 +28697,7 @@
             <p:cNvPr id="24" name="Straight Arrow Connector 23">
               <a:extLst>
                 <a:ext uri="{FF2B5EF4-FFF2-40B4-BE49-F238E27FC236}">
-                  <a16:creationId xmlns:a16="http://schemas.microsoft.com/office/drawing/2014/main" xmlns="" id="{CC115C25-5353-4E7A-ACFF-65147C305A89}"/>
+                  <a16:creationId xmlns:a16="http://schemas.microsoft.com/office/drawing/2014/main" id="{CC115C25-5353-4E7A-ACFF-65147C305A89}"/>
                 </a:ext>
               </a:extLst>
             </p:cNvPr>
@@ -28817,7 +28739,7 @@
             <p:cNvPr id="25" name="Picture 2" descr="https://facebookbrand.com/wp-content/themes/fb-branding/prj-fb-branding/assets/images/fb-art.png">
               <a:extLst>
                 <a:ext uri="{FF2B5EF4-FFF2-40B4-BE49-F238E27FC236}">
-                  <a16:creationId xmlns:a16="http://schemas.microsoft.com/office/drawing/2014/main" xmlns="" id="{BA293DC2-0F00-4E70-8426-9E0242A4405A}"/>
+                  <a16:creationId xmlns:a16="http://schemas.microsoft.com/office/drawing/2014/main" id="{BA293DC2-0F00-4E70-8426-9E0242A4405A}"/>
                 </a:ext>
               </a:extLst>
             </p:cNvPr>
@@ -28864,7 +28786,7 @@
             <p:cNvPr id="26" name="Picture 4" descr="https://www.sketchappsources.com/resources/source-image/twitterlogo_1x.png">
               <a:extLst>
                 <a:ext uri="{FF2B5EF4-FFF2-40B4-BE49-F238E27FC236}">
-                  <a16:creationId xmlns:a16="http://schemas.microsoft.com/office/drawing/2014/main" xmlns="" id="{9E671737-62F7-4123-B727-E6CB49F599B4}"/>
+                  <a16:creationId xmlns:a16="http://schemas.microsoft.com/office/drawing/2014/main" id="{9E671737-62F7-4123-B727-E6CB49F599B4}"/>
                 </a:ext>
               </a:extLst>
             </p:cNvPr>
@@ -28911,7 +28833,7 @@
             <p:cNvPr id="27" name="Picture 8" descr="https://upload.wikimedia.org/wikipedia/commons/thumb/5/53/Google_%22G%22_Logo.svg/1000px-Google_%22G%22_Logo.svg.png">
               <a:extLst>
                 <a:ext uri="{FF2B5EF4-FFF2-40B4-BE49-F238E27FC236}">
-                  <a16:creationId xmlns:a16="http://schemas.microsoft.com/office/drawing/2014/main" xmlns="" id="{3BA78E80-6E02-4995-9677-D2BF4CB7E203}"/>
+                  <a16:creationId xmlns:a16="http://schemas.microsoft.com/office/drawing/2014/main" id="{3BA78E80-6E02-4995-9677-D2BF4CB7E203}"/>
                 </a:ext>
               </a:extLst>
             </p:cNvPr>
@@ -28958,7 +28880,7 @@
             <p:cNvPr id="28" name="Picture 10" descr="https://computationallegalstudies.com/wp-content/uploads/2010/11/Screen-shot-2010-11-01-at-11.30.07-PM.png">
               <a:extLst>
                 <a:ext uri="{FF2B5EF4-FFF2-40B4-BE49-F238E27FC236}">
-                  <a16:creationId xmlns:a16="http://schemas.microsoft.com/office/drawing/2014/main" xmlns="" id="{81610F28-6F39-4539-A87D-DF709B0D807B}"/>
+                  <a16:creationId xmlns:a16="http://schemas.microsoft.com/office/drawing/2014/main" id="{81610F28-6F39-4539-A87D-DF709B0D807B}"/>
                 </a:ext>
               </a:extLst>
             </p:cNvPr>
@@ -29005,7 +28927,7 @@
             <p:cNvPr id="29" name="TextBox 28">
               <a:extLst>
                 <a:ext uri="{FF2B5EF4-FFF2-40B4-BE49-F238E27FC236}">
-                  <a16:creationId xmlns:a16="http://schemas.microsoft.com/office/drawing/2014/main" xmlns="" id="{B4621847-5CEA-4EFB-A517-A6CF0ED8ABC2}"/>
+                  <a16:creationId xmlns:a16="http://schemas.microsoft.com/office/drawing/2014/main" id="{B4621847-5CEA-4EFB-A517-A6CF0ED8ABC2}"/>
                 </a:ext>
               </a:extLst>
             </p:cNvPr>
@@ -29064,7 +28986,7 @@
             <p:cNvPr id="30" name="Picture 16" descr="https://upload.wikimedia.org/wikipedia/commons/thumb/1/13/FiveThirtyEight_Logo.svg/2000px-FiveThirtyEight_Logo.svg.png">
               <a:extLst>
                 <a:ext uri="{FF2B5EF4-FFF2-40B4-BE49-F238E27FC236}">
-                  <a16:creationId xmlns:a16="http://schemas.microsoft.com/office/drawing/2014/main" xmlns="" id="{E56F567D-CCA3-43B5-A5FF-39C31490C599}"/>
+                  <a16:creationId xmlns:a16="http://schemas.microsoft.com/office/drawing/2014/main" id="{E56F567D-CCA3-43B5-A5FF-39C31490C599}"/>
                 </a:ext>
               </a:extLst>
             </p:cNvPr>
@@ -29111,7 +29033,7 @@
             <p:cNvPr id="31" name="Picture 18" descr="https://upload.wikimedia.org/wikipedia/commons/thumb/f/ff/S%C3%BCddeutsche-Zeitung-Logo.svg/1280px-S%C3%BCddeutsche-Zeitung-Logo.svg.png">
               <a:extLst>
                 <a:ext uri="{FF2B5EF4-FFF2-40B4-BE49-F238E27FC236}">
-                  <a16:creationId xmlns:a16="http://schemas.microsoft.com/office/drawing/2014/main" xmlns="" id="{B0D2A5D9-1603-4C45-B4FF-95C34A74CD8B}"/>
+                  <a16:creationId xmlns:a16="http://schemas.microsoft.com/office/drawing/2014/main" id="{B0D2A5D9-1603-4C45-B4FF-95C34A74CD8B}"/>
                 </a:ext>
               </a:extLst>
             </p:cNvPr>
@@ -29158,7 +29080,7 @@
             <p:cNvPr id="32" name="Picture 20" descr="http://zweitstimme.org/img/logo_orange.png">
               <a:extLst>
                 <a:ext uri="{FF2B5EF4-FFF2-40B4-BE49-F238E27FC236}">
-                  <a16:creationId xmlns:a16="http://schemas.microsoft.com/office/drawing/2014/main" xmlns="" id="{546BD194-E458-471E-8150-210A0F9F0A57}"/>
+                  <a16:creationId xmlns:a16="http://schemas.microsoft.com/office/drawing/2014/main" id="{546BD194-E458-471E-8150-210A0F9F0A57}"/>
                 </a:ext>
               </a:extLst>
             </p:cNvPr>
@@ -29205,7 +29127,7 @@
             <p:cNvPr id="33" name="Picture 22" descr="http://www.politicalcampaigningtips.com/wp-content/uploads/2014/09/political-polls.jpg">
               <a:extLst>
                 <a:ext uri="{FF2B5EF4-FFF2-40B4-BE49-F238E27FC236}">
-                  <a16:creationId xmlns:a16="http://schemas.microsoft.com/office/drawing/2014/main" xmlns="" id="{D269E46C-9F46-4EF2-9552-4421C5DC1AEF}"/>
+                  <a16:creationId xmlns:a16="http://schemas.microsoft.com/office/drawing/2014/main" id="{D269E46C-9F46-4EF2-9552-4421C5DC1AEF}"/>
                 </a:ext>
               </a:extLst>
             </p:cNvPr>
@@ -29258,13 +29180,6 @@
   <p:clrMapOvr>
     <a:masterClrMapping/>
   </p:clrMapOvr>
-  <p:timing>
-    <p:tnLst>
-      <p:par>
-        <p:cTn id="1" dur="indefinite" restart="never" nodeType="tmRoot"/>
-      </p:par>
-    </p:tnLst>
-  </p:timing>
 </p:sld>
 </file>
 
@@ -29290,7 +29205,7 @@
           <p:cNvPr id="3" name="Footer Placeholder 2">
             <a:extLst>
               <a:ext uri="{FF2B5EF4-FFF2-40B4-BE49-F238E27FC236}">
-                <a16:creationId xmlns:a16="http://schemas.microsoft.com/office/drawing/2014/main" xmlns="" id="{B5B0C009-E66B-4550-8E04-B2C171D9F9BF}"/>
+                <a16:creationId xmlns:a16="http://schemas.microsoft.com/office/drawing/2014/main" id="{B5B0C009-E66B-4550-8E04-B2C171D9F9BF}"/>
               </a:ext>
             </a:extLst>
           </p:cNvPr>
@@ -29320,7 +29235,7 @@
           <p:cNvPr id="5" name="Slide Number Placeholder 4">
             <a:extLst>
               <a:ext uri="{FF2B5EF4-FFF2-40B4-BE49-F238E27FC236}">
-                <a16:creationId xmlns:a16="http://schemas.microsoft.com/office/drawing/2014/main" xmlns="" id="{D4698CF4-DA43-4259-8C19-B2608AEB59AF}"/>
+                <a16:creationId xmlns:a16="http://schemas.microsoft.com/office/drawing/2014/main" id="{D4698CF4-DA43-4259-8C19-B2608AEB59AF}"/>
               </a:ext>
             </a:extLst>
           </p:cNvPr>
@@ -29349,7 +29264,7 @@
           <p:cNvPr id="2" name="Title 1">
             <a:extLst>
               <a:ext uri="{FF2B5EF4-FFF2-40B4-BE49-F238E27FC236}">
-                <a16:creationId xmlns:a16="http://schemas.microsoft.com/office/drawing/2014/main" xmlns="" id="{03CCF6E9-3AA2-4C28-B85E-CE1C41357C88}"/>
+                <a16:creationId xmlns:a16="http://schemas.microsoft.com/office/drawing/2014/main" id="{03CCF6E9-3AA2-4C28-B85E-CE1C41357C88}"/>
               </a:ext>
             </a:extLst>
           </p:cNvPr>
@@ -29408,7 +29323,7 @@
           <p:cNvPr id="4" name="Picture 3" descr="A close up of a map&#10;&#10;Description generated with very high confidence">
             <a:extLst>
               <a:ext uri="{FF2B5EF4-FFF2-40B4-BE49-F238E27FC236}">
-                <a16:creationId xmlns:a16="http://schemas.microsoft.com/office/drawing/2014/main" xmlns="" id="{4FA2BB9E-F671-47F2-B994-60698360332E}"/>
+                <a16:creationId xmlns:a16="http://schemas.microsoft.com/office/drawing/2014/main" id="{4FA2BB9E-F671-47F2-B994-60698360332E}"/>
               </a:ext>
             </a:extLst>
           </p:cNvPr>
@@ -29444,7 +29359,7 @@
           <p:cNvPr id="6" name="Picture 5" descr="A close up of a map&#10;&#10;Description generated with high confidence">
             <a:extLst>
               <a:ext uri="{FF2B5EF4-FFF2-40B4-BE49-F238E27FC236}">
-                <a16:creationId xmlns:a16="http://schemas.microsoft.com/office/drawing/2014/main" xmlns="" id="{933DC4F2-00CC-4B97-9E44-D2C7330D1BCC}"/>
+                <a16:creationId xmlns:a16="http://schemas.microsoft.com/office/drawing/2014/main" id="{933DC4F2-00CC-4B97-9E44-D2C7330D1BCC}"/>
               </a:ext>
             </a:extLst>
           </p:cNvPr>
@@ -29480,7 +29395,7 @@
           <p:cNvPr id="8" name="Content Placeholder 2">
             <a:extLst>
               <a:ext uri="{FF2B5EF4-FFF2-40B4-BE49-F238E27FC236}">
-                <a16:creationId xmlns:a16="http://schemas.microsoft.com/office/drawing/2014/main" xmlns="" id="{C3C779AF-886A-4A32-B6F5-2ABCB5AC01B0}"/>
+                <a16:creationId xmlns:a16="http://schemas.microsoft.com/office/drawing/2014/main" id="{C3C779AF-886A-4A32-B6F5-2ABCB5AC01B0}"/>
               </a:ext>
             </a:extLst>
           </p:cNvPr>
@@ -29668,7 +29583,7 @@
           </a:lstStyle>
           <a:p>
             <a:r>
-              <a:rPr lang="de-DE" sz="2000" b="1" dirty="0" smtClean="0">
+              <a:rPr lang="de-DE" sz="2000" b="1" dirty="0">
                 <a:solidFill>
                   <a:schemeClr val="tx1">
                     <a:lumMod val="75000"/>
@@ -29682,7 +29597,7 @@
           <a:p>
             <a:pPr lvl="1"/>
             <a:r>
-              <a:rPr lang="de-DE" sz="1800" b="1" dirty="0" smtClean="0">
+              <a:rPr lang="de-DE" sz="1800" b="1" dirty="0">
                 <a:solidFill>
                   <a:schemeClr val="tx1">
                     <a:lumMod val="75000"/>
@@ -29694,7 +29609,7 @@
             </a:r>
           </a:p>
           <a:p>
-            <a:endParaRPr lang="de-DE" sz="1800" b="1" dirty="0" smtClean="0">
+            <a:endParaRPr lang="de-DE" sz="1800" b="1" dirty="0">
               <a:solidFill>
                 <a:schemeClr val="tx1">
                   <a:lumMod val="75000"/>
@@ -29705,7 +29620,7 @@
           </a:p>
           <a:p>
             <a:r>
-              <a:rPr lang="de-DE" sz="2000" b="1" dirty="0" smtClean="0">
+              <a:rPr lang="de-DE" sz="2000" b="1" dirty="0">
                 <a:solidFill>
                   <a:schemeClr val="tx1">
                     <a:lumMod val="75000"/>
@@ -29716,7 +29631,7 @@
               <a:t>Tendency to </a:t>
             </a:r>
             <a:r>
-              <a:rPr lang="de-DE" sz="2000" b="1" dirty="0" smtClean="0">
+              <a:rPr lang="de-DE" sz="2000" b="1" dirty="0">
                 <a:solidFill>
                   <a:srgbClr val="00CBE6"/>
                 </a:solidFill>
@@ -29727,7 +29642,7 @@
           <a:p>
             <a:pPr lvl="1"/>
             <a:r>
-              <a:rPr lang="de-DE" sz="1800" b="1" dirty="0" smtClean="0">
+              <a:rPr lang="de-DE" sz="1800" b="1" dirty="0">
                 <a:solidFill>
                   <a:schemeClr val="tx1">
                     <a:lumMod val="75000"/>
@@ -29741,7 +29656,7 @@
           <a:p>
             <a:pPr lvl="1"/>
             <a:r>
-              <a:rPr lang="de-DE" sz="1800" b="1" dirty="0" smtClean="0">
+              <a:rPr lang="de-DE" sz="1800" b="1" dirty="0">
                 <a:solidFill>
                   <a:schemeClr val="tx1">
                     <a:lumMod val="75000"/>
@@ -29751,14 +29666,6 @@
               </a:rPr>
               <a:t>Statistical standard errors are ignored</a:t>
             </a:r>
-            <a:endParaRPr lang="de-DE" sz="1800" b="1" dirty="0">
-              <a:solidFill>
-                <a:schemeClr val="tx1">
-                  <a:lumMod val="75000"/>
-                  <a:lumOff val="25000"/>
-                </a:schemeClr>
-              </a:solidFill>
-            </a:endParaRPr>
           </a:p>
         </p:txBody>
       </p:sp>
@@ -29772,13 +29679,6 @@
   <p:clrMapOvr>
     <a:masterClrMapping/>
   </p:clrMapOvr>
-  <p:timing>
-    <p:tnLst>
-      <p:par>
-        <p:cTn id="1" dur="indefinite" restart="never" nodeType="tmRoot"/>
-      </p:par>
-    </p:tnLst>
-  </p:timing>
 </p:sld>
 </file>
 
@@ -29804,7 +29704,7 @@
           <p:cNvPr id="8" name="Picture 7" descr="A close up of a map&#10;&#10;Description generated with high confidence">
             <a:extLst>
               <a:ext uri="{FF2B5EF4-FFF2-40B4-BE49-F238E27FC236}">
-                <a16:creationId xmlns:a16="http://schemas.microsoft.com/office/drawing/2014/main" xmlns="" id="{FDA5F165-838C-4801-AA4F-0FEF6E6E387A}"/>
+                <a16:creationId xmlns:a16="http://schemas.microsoft.com/office/drawing/2014/main" id="{FDA5F165-838C-4801-AA4F-0FEF6E6E387A}"/>
               </a:ext>
             </a:extLst>
           </p:cNvPr>
@@ -29839,7 +29739,7 @@
           <p:cNvPr id="11" name="Footer Placeholder 10">
             <a:extLst>
               <a:ext uri="{FF2B5EF4-FFF2-40B4-BE49-F238E27FC236}">
-                <a16:creationId xmlns:a16="http://schemas.microsoft.com/office/drawing/2014/main" xmlns="" id="{66BD8FAE-B0A8-4C31-AE01-91E11A0A4F53}"/>
+                <a16:creationId xmlns:a16="http://schemas.microsoft.com/office/drawing/2014/main" id="{66BD8FAE-B0A8-4C31-AE01-91E11A0A4F53}"/>
               </a:ext>
             </a:extLst>
           </p:cNvPr>
@@ -29869,7 +29769,7 @@
           <p:cNvPr id="12" name="Slide Number Placeholder 11">
             <a:extLst>
               <a:ext uri="{FF2B5EF4-FFF2-40B4-BE49-F238E27FC236}">
-                <a16:creationId xmlns:a16="http://schemas.microsoft.com/office/drawing/2014/main" xmlns="" id="{6F64087E-089A-4FE9-8E47-42105E369018}"/>
+                <a16:creationId xmlns:a16="http://schemas.microsoft.com/office/drawing/2014/main" id="{6F64087E-089A-4FE9-8E47-42105E369018}"/>
               </a:ext>
             </a:extLst>
           </p:cNvPr>
@@ -29898,7 +29798,7 @@
           <p:cNvPr id="2" name="Title 1">
             <a:extLst>
               <a:ext uri="{FF2B5EF4-FFF2-40B4-BE49-F238E27FC236}">
-                <a16:creationId xmlns:a16="http://schemas.microsoft.com/office/drawing/2014/main" xmlns="" id="{03CCF6E9-3AA2-4C28-B85E-CE1C41357C88}"/>
+                <a16:creationId xmlns:a16="http://schemas.microsoft.com/office/drawing/2014/main" id="{03CCF6E9-3AA2-4C28-B85E-CE1C41357C88}"/>
               </a:ext>
             </a:extLst>
           </p:cNvPr>
@@ -29927,7 +29827,7 @@
               <a:t>Polling: </a:t>
             </a:r>
             <a:r>
-              <a:rPr lang="de-DE" b="1" dirty="0" smtClean="0"/>
+              <a:rPr lang="de-DE" b="1" dirty="0"/>
               <a:t>Accuracy and Confidence</a:t>
             </a:r>
             <a:endParaRPr lang="de-DE" b="1" dirty="0">
@@ -29941,7 +29841,7 @@
           <p:cNvPr id="9" name="Picture 8" descr="A large map&#10;&#10;Description generated with high confidence">
             <a:extLst>
               <a:ext uri="{FF2B5EF4-FFF2-40B4-BE49-F238E27FC236}">
-                <a16:creationId xmlns:a16="http://schemas.microsoft.com/office/drawing/2014/main" xmlns="" id="{79FE17B6-7392-470D-B005-B0C3F2526D8F}"/>
+                <a16:creationId xmlns:a16="http://schemas.microsoft.com/office/drawing/2014/main" id="{79FE17B6-7392-470D-B005-B0C3F2526D8F}"/>
               </a:ext>
             </a:extLst>
           </p:cNvPr>
@@ -29977,7 +29877,7 @@
           <p:cNvPr id="6" name="Content Placeholder 2">
             <a:extLst>
               <a:ext uri="{FF2B5EF4-FFF2-40B4-BE49-F238E27FC236}">
-                <a16:creationId xmlns:a16="http://schemas.microsoft.com/office/drawing/2014/main" xmlns="" id="{C38B3F35-6CC2-4D19-8230-F792387EBA79}"/>
+                <a16:creationId xmlns:a16="http://schemas.microsoft.com/office/drawing/2014/main" id="{C38B3F35-6CC2-4D19-8230-F792387EBA79}"/>
               </a:ext>
             </a:extLst>
           </p:cNvPr>
@@ -30180,11 +30080,11 @@
           </a:lstStyle>
           <a:p>
             <a:r>
-              <a:rPr lang="de-DE" sz="1800" b="1" dirty="0" smtClean="0"/>
+              <a:rPr lang="de-DE" sz="1800" b="1" dirty="0"/>
               <a:t>Generally: </a:t>
             </a:r>
             <a:r>
-              <a:rPr lang="de-DE" sz="1800" b="1" dirty="0" smtClean="0">
+              <a:rPr lang="de-DE" sz="1800" b="1" dirty="0">
                 <a:solidFill>
                   <a:srgbClr val="00CBE6"/>
                 </a:solidFill>
@@ -30192,20 +30092,20 @@
               <a:t>Accuracy</a:t>
             </a:r>
             <a:r>
-              <a:rPr lang="de-DE" sz="1800" b="1" dirty="0" smtClean="0"/>
+              <a:rPr lang="de-DE" sz="1800" b="1" dirty="0"/>
               <a:t> increases as elections approach</a:t>
             </a:r>
           </a:p>
           <a:p>
             <a:r>
-              <a:rPr lang="de-DE" sz="1800" b="1" dirty="0" smtClean="0"/>
+              <a:rPr lang="de-DE" sz="1800" b="1" dirty="0"/>
               <a:t>But: Campaign noice before elections</a:t>
             </a:r>
           </a:p>
           <a:p>
             <a:pPr lvl="1"/>
             <a:r>
-              <a:rPr lang="de-DE" sz="1800" b="1" dirty="0" smtClean="0"/>
+              <a:rPr lang="de-DE" sz="1800" b="1" dirty="0"/>
               <a:t>More accurate polls 8 months before actual election</a:t>
             </a:r>
           </a:p>
@@ -30216,7 +30116,7 @@
           <p:cNvPr id="7" name="Content Placeholder 2">
             <a:extLst>
               <a:ext uri="{FF2B5EF4-FFF2-40B4-BE49-F238E27FC236}">
-                <a16:creationId xmlns:a16="http://schemas.microsoft.com/office/drawing/2014/main" xmlns="" id="{C38B3F35-6CC2-4D19-8230-F792387EBA79}"/>
+                <a16:creationId xmlns:a16="http://schemas.microsoft.com/office/drawing/2014/main" id="{C38B3F35-6CC2-4D19-8230-F792387EBA79}"/>
               </a:ext>
             </a:extLst>
           </p:cNvPr>
@@ -30429,7 +30329,7 @@
               <a:t>Showing </a:t>
             </a:r>
             <a:r>
-              <a:rPr lang="de-DE" sz="1800" b="1" dirty="0" smtClean="0">
+              <a:rPr lang="de-DE" sz="1800" b="1" dirty="0">
                 <a:solidFill>
                   <a:srgbClr val="00CBE6"/>
                 </a:solidFill>
@@ -30437,12 +30337,8 @@
               <a:t>robust change</a:t>
             </a:r>
             <a:r>
-              <a:rPr lang="de-DE" sz="1800" b="1" dirty="0" smtClean="0"/>
-              <a:t> </a:t>
-            </a:r>
-            <a:r>
               <a:rPr lang="de-DE" sz="1800" b="1" dirty="0"/>
-              <a:t>in voter support is difficult</a:t>
+              <a:t> in voter support is difficult</a:t>
             </a:r>
           </a:p>
         </p:txBody>
@@ -30452,7 +30348,7 @@
           <p:cNvPr id="10" name="Picture 9" descr="A picture containing object&#10;&#10;Description generated with very high confidence">
             <a:extLst>
               <a:ext uri="{FF2B5EF4-FFF2-40B4-BE49-F238E27FC236}">
-                <a16:creationId xmlns:a16="http://schemas.microsoft.com/office/drawing/2014/main" xmlns="" id="{C9FCC23B-C008-4215-A2FC-F258C9CBAB47}"/>
+                <a16:creationId xmlns:a16="http://schemas.microsoft.com/office/drawing/2014/main" id="{C9FCC23B-C008-4215-A2FC-F258C9CBAB47}"/>
               </a:ext>
             </a:extLst>
           </p:cNvPr>
@@ -30493,13 +30389,6 @@
   <p:clrMapOvr>
     <a:masterClrMapping/>
   </p:clrMapOvr>
-  <p:timing>
-    <p:tnLst>
-      <p:par>
-        <p:cTn id="1" dur="indefinite" restart="never" nodeType="tmRoot"/>
-      </p:par>
-    </p:tnLst>
-  </p:timing>
 </p:sld>
 </file>
 
@@ -30525,7 +30414,7 @@
           <p:cNvPr id="10" name="Footer Placeholder 9">
             <a:extLst>
               <a:ext uri="{FF2B5EF4-FFF2-40B4-BE49-F238E27FC236}">
-                <a16:creationId xmlns:a16="http://schemas.microsoft.com/office/drawing/2014/main" xmlns="" id="{04E4B0AD-8F2B-49B9-813A-D1CC744900A3}"/>
+                <a16:creationId xmlns:a16="http://schemas.microsoft.com/office/drawing/2014/main" id="{04E4B0AD-8F2B-49B9-813A-D1CC744900A3}"/>
               </a:ext>
             </a:extLst>
           </p:cNvPr>
@@ -30555,7 +30444,7 @@
           <p:cNvPr id="11" name="Slide Number Placeholder 10">
             <a:extLst>
               <a:ext uri="{FF2B5EF4-FFF2-40B4-BE49-F238E27FC236}">
-                <a16:creationId xmlns:a16="http://schemas.microsoft.com/office/drawing/2014/main" xmlns="" id="{537FB0D4-F136-4F44-9539-019D64F2C0ED}"/>
+                <a16:creationId xmlns:a16="http://schemas.microsoft.com/office/drawing/2014/main" id="{537FB0D4-F136-4F44-9539-019D64F2C0ED}"/>
               </a:ext>
             </a:extLst>
           </p:cNvPr>
@@ -30584,7 +30473,7 @@
           <p:cNvPr id="2" name="Title 1">
             <a:extLst>
               <a:ext uri="{FF2B5EF4-FFF2-40B4-BE49-F238E27FC236}">
-                <a16:creationId xmlns:a16="http://schemas.microsoft.com/office/drawing/2014/main" xmlns="" id="{03CCF6E9-3AA2-4C28-B85E-CE1C41357C88}"/>
+                <a16:creationId xmlns:a16="http://schemas.microsoft.com/office/drawing/2014/main" id="{03CCF6E9-3AA2-4C28-B85E-CE1C41357C88}"/>
               </a:ext>
             </a:extLst>
           </p:cNvPr>
@@ -30622,13 +30511,8 @@
             </a:r>
             <a:r>
               <a:rPr lang="de-DE" b="1" dirty="0"/>
-              <a:t>: </a:t>
-            </a:r>
-            <a:r>
-              <a:rPr lang="de-DE" b="1" dirty="0" smtClean="0"/>
-              <a:t>Collection vs. Analytics</a:t>
-            </a:r>
-            <a:endParaRPr lang="de-DE" b="1" dirty="0"/>
+              <a:t>: Collection vs. Analytics</a:t>
+            </a:r>
           </a:p>
         </p:txBody>
       </p:sp>
@@ -30637,7 +30521,7 @@
           <p:cNvPr id="13" name="Up-Down Arrow 6">
             <a:extLst>
               <a:ext uri="{FF2B5EF4-FFF2-40B4-BE49-F238E27FC236}">
-                <a16:creationId xmlns:a16="http://schemas.microsoft.com/office/drawing/2014/main" xmlns="" id="{D7248591-4567-447A-9088-C87785A71CC6}"/>
+                <a16:creationId xmlns:a16="http://schemas.microsoft.com/office/drawing/2014/main" id="{D7248591-4567-447A-9088-C87785A71CC6}"/>
               </a:ext>
             </a:extLst>
           </p:cNvPr>
@@ -30691,7 +30575,7 @@
           <p:cNvPr id="14" name="Rectangle 13">
             <a:extLst>
               <a:ext uri="{FF2B5EF4-FFF2-40B4-BE49-F238E27FC236}">
-                <a16:creationId xmlns:a16="http://schemas.microsoft.com/office/drawing/2014/main" xmlns="" id="{59565F05-BB1B-431F-A20E-49CF090116C5}"/>
+                <a16:creationId xmlns:a16="http://schemas.microsoft.com/office/drawing/2014/main" id="{59565F05-BB1B-431F-A20E-49CF090116C5}"/>
               </a:ext>
             </a:extLst>
           </p:cNvPr>
@@ -30737,7 +30621,7 @@
           <p:cNvPr id="15" name="Rectangle 14">
             <a:extLst>
               <a:ext uri="{FF2B5EF4-FFF2-40B4-BE49-F238E27FC236}">
-                <a16:creationId xmlns:a16="http://schemas.microsoft.com/office/drawing/2014/main" xmlns="" id="{8111D2A0-4D62-4409-A3AA-79C3285DAAA0}"/>
+                <a16:creationId xmlns:a16="http://schemas.microsoft.com/office/drawing/2014/main" id="{8111D2A0-4D62-4409-A3AA-79C3285DAAA0}"/>
               </a:ext>
             </a:extLst>
           </p:cNvPr>
@@ -30773,7 +30657,7 @@
           <p:cNvPr id="16" name="Rectangle 15">
             <a:extLst>
               <a:ext uri="{FF2B5EF4-FFF2-40B4-BE49-F238E27FC236}">
-                <a16:creationId xmlns:a16="http://schemas.microsoft.com/office/drawing/2014/main" xmlns="" id="{E736AC81-DE23-4F91-96B1-22A87D663D43}"/>
+                <a16:creationId xmlns:a16="http://schemas.microsoft.com/office/drawing/2014/main" id="{E736AC81-DE23-4F91-96B1-22A87D663D43}"/>
               </a:ext>
             </a:extLst>
           </p:cNvPr>
@@ -30819,7 +30703,7 @@
           <p:cNvPr id="17" name="Rectangle 16">
             <a:extLst>
               <a:ext uri="{FF2B5EF4-FFF2-40B4-BE49-F238E27FC236}">
-                <a16:creationId xmlns:a16="http://schemas.microsoft.com/office/drawing/2014/main" xmlns="" id="{62188D1B-26AE-4749-A3BD-DAF0A6ED65D7}"/>
+                <a16:creationId xmlns:a16="http://schemas.microsoft.com/office/drawing/2014/main" id="{62188D1B-26AE-4749-A3BD-DAF0A6ED65D7}"/>
               </a:ext>
             </a:extLst>
           </p:cNvPr>
@@ -30865,7 +30749,7 @@
           <p:cNvPr id="18" name="Rectangle 17">
             <a:extLst>
               <a:ext uri="{FF2B5EF4-FFF2-40B4-BE49-F238E27FC236}">
-                <a16:creationId xmlns:a16="http://schemas.microsoft.com/office/drawing/2014/main" xmlns="" id="{58CAD762-6299-4DE3-A8AA-86FA4F8AF350}"/>
+                <a16:creationId xmlns:a16="http://schemas.microsoft.com/office/drawing/2014/main" id="{58CAD762-6299-4DE3-A8AA-86FA4F8AF350}"/>
               </a:ext>
             </a:extLst>
           </p:cNvPr>
@@ -30911,7 +30795,7 @@
           <p:cNvPr id="19" name="Rectangle 18">
             <a:extLst>
               <a:ext uri="{FF2B5EF4-FFF2-40B4-BE49-F238E27FC236}">
-                <a16:creationId xmlns:a16="http://schemas.microsoft.com/office/drawing/2014/main" xmlns="" id="{AC067333-9068-461E-9DA7-77A1CE35F330}"/>
+                <a16:creationId xmlns:a16="http://schemas.microsoft.com/office/drawing/2014/main" id="{AC067333-9068-461E-9DA7-77A1CE35F330}"/>
               </a:ext>
             </a:extLst>
           </p:cNvPr>
@@ -30962,7 +30846,7 @@
           <p:cNvPr id="20" name="Rectangle 19">
             <a:extLst>
               <a:ext uri="{FF2B5EF4-FFF2-40B4-BE49-F238E27FC236}">
-                <a16:creationId xmlns:a16="http://schemas.microsoft.com/office/drawing/2014/main" xmlns="" id="{AE88A5EC-0D97-46F5-A219-16930B032707}"/>
+                <a16:creationId xmlns:a16="http://schemas.microsoft.com/office/drawing/2014/main" id="{AE88A5EC-0D97-46F5-A219-16930B032707}"/>
               </a:ext>
             </a:extLst>
           </p:cNvPr>
@@ -30991,15 +30875,7 @@
           <a:p>
             <a:r>
               <a:rPr lang="de-DE" sz="2000" b="1" dirty="0"/>
-              <a:t>Response </a:t>
-            </a:r>
-            <a:r>
-              <a:rPr lang="de-DE" sz="2000" b="1" dirty="0" smtClean="0"/>
-              <a:t>„on Street“</a:t>
-            </a:r>
-            <a:r>
-              <a:rPr lang="de-DE" sz="2000" b="1" dirty="0"/>
-              <a:t/>
+              <a:t>Response „on Street“</a:t>
             </a:r>
             <a:br>
               <a:rPr lang="de-DE" sz="2000" b="1" dirty="0"/>
@@ -31017,7 +30893,7 @@
           <p:cNvPr id="21" name="Rectangle 20">
             <a:extLst>
               <a:ext uri="{FF2B5EF4-FFF2-40B4-BE49-F238E27FC236}">
-                <a16:creationId xmlns:a16="http://schemas.microsoft.com/office/drawing/2014/main" xmlns="" id="{18B85337-5EB4-4600-B2AF-93E4BA176A9F}"/>
+                <a16:creationId xmlns:a16="http://schemas.microsoft.com/office/drawing/2014/main" id="{18B85337-5EB4-4600-B2AF-93E4BA176A9F}"/>
               </a:ext>
             </a:extLst>
           </p:cNvPr>
@@ -31062,7 +30938,7 @@
           <p:cNvPr id="22" name="Rectangle 21">
             <a:extLst>
               <a:ext uri="{FF2B5EF4-FFF2-40B4-BE49-F238E27FC236}">
-                <a16:creationId xmlns:a16="http://schemas.microsoft.com/office/drawing/2014/main" xmlns="" id="{5AB57E7C-54B5-41E7-8CB7-70CF4497855B}"/>
+                <a16:creationId xmlns:a16="http://schemas.microsoft.com/office/drawing/2014/main" id="{5AB57E7C-54B5-41E7-8CB7-70CF4497855B}"/>
               </a:ext>
             </a:extLst>
           </p:cNvPr>
@@ -31113,7 +30989,7 @@
           <p:cNvPr id="23" name="Rectangle 22">
             <a:extLst>
               <a:ext uri="{FF2B5EF4-FFF2-40B4-BE49-F238E27FC236}">
-                <a16:creationId xmlns:a16="http://schemas.microsoft.com/office/drawing/2014/main" xmlns="" id="{8F7EA6B4-1030-4610-A12E-7F47B66F3F15}"/>
+                <a16:creationId xmlns:a16="http://schemas.microsoft.com/office/drawing/2014/main" id="{8F7EA6B4-1030-4610-A12E-7F47B66F3F15}"/>
               </a:ext>
             </a:extLst>
           </p:cNvPr>
@@ -31164,7 +31040,7 @@
           <p:cNvPr id="24" name="Up-Down Arrow 17">
             <a:extLst>
               <a:ext uri="{FF2B5EF4-FFF2-40B4-BE49-F238E27FC236}">
-                <a16:creationId xmlns:a16="http://schemas.microsoft.com/office/drawing/2014/main" xmlns="" id="{D09528CA-4469-44EB-9F57-EE8347EC39E2}"/>
+                <a16:creationId xmlns:a16="http://schemas.microsoft.com/office/drawing/2014/main" id="{D09528CA-4469-44EB-9F57-EE8347EC39E2}"/>
               </a:ext>
             </a:extLst>
           </p:cNvPr>
@@ -31218,7 +31094,7 @@
           <p:cNvPr id="25" name="Rectangle 24">
             <a:extLst>
               <a:ext uri="{FF2B5EF4-FFF2-40B4-BE49-F238E27FC236}">
-                <a16:creationId xmlns:a16="http://schemas.microsoft.com/office/drawing/2014/main" xmlns="" id="{D87CFDED-770A-40BC-85F1-C74F3CB1D33A}"/>
+                <a16:creationId xmlns:a16="http://schemas.microsoft.com/office/drawing/2014/main" id="{D87CFDED-770A-40BC-85F1-C74F3CB1D33A}"/>
               </a:ext>
             </a:extLst>
           </p:cNvPr>
@@ -31254,7 +31130,7 @@
           <p:cNvPr id="26" name="Right Arrow 19">
             <a:extLst>
               <a:ext uri="{FF2B5EF4-FFF2-40B4-BE49-F238E27FC236}">
-                <a16:creationId xmlns:a16="http://schemas.microsoft.com/office/drawing/2014/main" xmlns="" id="{DD28E636-3F2A-49AA-853B-9F7A2C6CCE26}"/>
+                <a16:creationId xmlns:a16="http://schemas.microsoft.com/office/drawing/2014/main" id="{DD28E636-3F2A-49AA-853B-9F7A2C6CCE26}"/>
               </a:ext>
             </a:extLst>
           </p:cNvPr>
@@ -31308,7 +31184,7 @@
           <p:cNvPr id="28" name="Right Arrow 19">
             <a:extLst>
               <a:ext uri="{FF2B5EF4-FFF2-40B4-BE49-F238E27FC236}">
-                <a16:creationId xmlns:a16="http://schemas.microsoft.com/office/drawing/2014/main" xmlns="" id="{EE4AC01E-6251-4F5B-90C4-D5522CA48BFB}"/>
+                <a16:creationId xmlns:a16="http://schemas.microsoft.com/office/drawing/2014/main" id="{EE4AC01E-6251-4F5B-90C4-D5522CA48BFB}"/>
               </a:ext>
             </a:extLst>
           </p:cNvPr>
@@ -31362,7 +31238,7 @@
           <p:cNvPr id="29" name="Rectangle: Rounded Corners 28">
             <a:extLst>
               <a:ext uri="{FF2B5EF4-FFF2-40B4-BE49-F238E27FC236}">
-                <a16:creationId xmlns:a16="http://schemas.microsoft.com/office/drawing/2014/main" xmlns="" id="{FEB2FC0C-7965-435A-98DA-CDCA925DAC4C}"/>
+                <a16:creationId xmlns:a16="http://schemas.microsoft.com/office/drawing/2014/main" id="{FEB2FC0C-7965-435A-98DA-CDCA925DAC4C}"/>
               </a:ext>
             </a:extLst>
           </p:cNvPr>
@@ -31442,13 +31318,6 @@
   <p:clrMapOvr>
     <a:masterClrMapping/>
   </p:clrMapOvr>
-  <p:timing>
-    <p:tnLst>
-      <p:par>
-        <p:cTn id="1" dur="indefinite" restart="never" nodeType="tmRoot"/>
-      </p:par>
-    </p:tnLst>
-  </p:timing>
 </p:sld>
 </file>
 
@@ -31474,7 +31343,7 @@
           <p:cNvPr id="4" name="Footer Placeholder 3">
             <a:extLst>
               <a:ext uri="{FF2B5EF4-FFF2-40B4-BE49-F238E27FC236}">
-                <a16:creationId xmlns:a16="http://schemas.microsoft.com/office/drawing/2014/main" xmlns="" id="{C4FFD36D-497E-420D-9EC7-3B97DBD33A37}"/>
+                <a16:creationId xmlns:a16="http://schemas.microsoft.com/office/drawing/2014/main" id="{C4FFD36D-497E-420D-9EC7-3B97DBD33A37}"/>
               </a:ext>
             </a:extLst>
           </p:cNvPr>
@@ -31504,7 +31373,7 @@
           <p:cNvPr id="5" name="Slide Number Placeholder 4">
             <a:extLst>
               <a:ext uri="{FF2B5EF4-FFF2-40B4-BE49-F238E27FC236}">
-                <a16:creationId xmlns:a16="http://schemas.microsoft.com/office/drawing/2014/main" xmlns="" id="{EB1781EB-FA17-4D07-A6EA-FD877F66ACED}"/>
+                <a16:creationId xmlns:a16="http://schemas.microsoft.com/office/drawing/2014/main" id="{EB1781EB-FA17-4D07-A6EA-FD877F66ACED}"/>
               </a:ext>
             </a:extLst>
           </p:cNvPr>
@@ -31533,7 +31402,7 @@
           <p:cNvPr id="2" name="Title 1">
             <a:extLst>
               <a:ext uri="{FF2B5EF4-FFF2-40B4-BE49-F238E27FC236}">
-                <a16:creationId xmlns:a16="http://schemas.microsoft.com/office/drawing/2014/main" xmlns="" id="{03CCF6E9-3AA2-4C28-B85E-CE1C41357C88}"/>
+                <a16:creationId xmlns:a16="http://schemas.microsoft.com/office/drawing/2014/main" id="{03CCF6E9-3AA2-4C28-B85E-CE1C41357C88}"/>
               </a:ext>
             </a:extLst>
           </p:cNvPr>
@@ -31584,7 +31453,7 @@
           <p:cNvPr id="8" name="Content Placeholder 2">
             <a:extLst>
               <a:ext uri="{FF2B5EF4-FFF2-40B4-BE49-F238E27FC236}">
-                <a16:creationId xmlns:a16="http://schemas.microsoft.com/office/drawing/2014/main" xmlns="" id="{C3C779AF-886A-4A32-B6F5-2ABCB5AC01B0}"/>
+                <a16:creationId xmlns:a16="http://schemas.microsoft.com/office/drawing/2014/main" id="{C3C779AF-886A-4A32-B6F5-2ABCB5AC01B0}"/>
               </a:ext>
             </a:extLst>
           </p:cNvPr>
@@ -31595,8 +31464,8 @@
         </p:nvSpPr>
         <p:spPr>
           <a:xfrm>
-            <a:off x="622300" y="1901824"/>
-            <a:ext cx="4991100" cy="4275137"/>
+            <a:off x="622300" y="3882887"/>
+            <a:ext cx="4991100" cy="2294074"/>
           </a:xfrm>
           <a:prstGeom prst="rect">
             <a:avLst/>
@@ -31771,188 +31640,7 @@
             </a:lvl9pPr>
           </a:lstStyle>
           <a:p>
-            <a:r>
-              <a:rPr lang="de-DE" sz="2000" b="1" dirty="0" smtClean="0">
-                <a:solidFill>
-                  <a:schemeClr val="tx1">
-                    <a:lumMod val="75000"/>
-                    <a:lumOff val="25000"/>
-                  </a:schemeClr>
-                </a:solidFill>
-              </a:rPr>
-              <a:t>Post-stratification</a:t>
-            </a:r>
-          </a:p>
-          <a:p>
             <a:pPr lvl="1"/>
-            <a:r>
-              <a:rPr lang="de-DE" sz="1800" b="1" dirty="0" smtClean="0">
-                <a:solidFill>
-                  <a:schemeClr val="tx1">
-                    <a:lumMod val="75000"/>
-                    <a:lumOff val="25000"/>
-                  </a:schemeClr>
-                </a:solidFill>
-              </a:rPr>
-              <a:t>Combined distribution</a:t>
-            </a:r>
-          </a:p>
-          <a:p>
-            <a:pPr lvl="1"/>
-            <a:r>
-              <a:rPr lang="de-DE" sz="1800" b="1" dirty="0" smtClean="0">
-                <a:solidFill>
-                  <a:schemeClr val="tx1">
-                    <a:lumMod val="75000"/>
-                    <a:lumOff val="25000"/>
-                  </a:schemeClr>
-                </a:solidFill>
-              </a:rPr>
-              <a:t>E.g. Women above 60 from rural settlement</a:t>
-            </a:r>
-          </a:p>
-          <a:p>
-            <a:pPr lvl="1"/>
-            <a:r>
-              <a:rPr lang="de-DE" sz="1800" b="1" dirty="0">
-                <a:solidFill>
-                  <a:schemeClr val="tx1">
-                    <a:lumMod val="75000"/>
-                    <a:lumOff val="25000"/>
-                  </a:schemeClr>
-                </a:solidFill>
-              </a:rPr>
-              <a:t>4</a:t>
-            </a:r>
-            <a:r>
-              <a:rPr lang="de-DE" sz="1800" b="1" dirty="0" smtClean="0">
-                <a:solidFill>
-                  <a:schemeClr val="tx1">
-                    <a:lumMod val="75000"/>
-                    <a:lumOff val="25000"/>
-                  </a:schemeClr>
-                </a:solidFill>
-              </a:rPr>
-              <a:t>% of population, but only 2% in sample</a:t>
-            </a:r>
-          </a:p>
-          <a:p>
-            <a:pPr lvl="1"/>
-            <a:r>
-              <a:rPr lang="de-DE" sz="1800" b="1" dirty="0" smtClean="0">
-                <a:solidFill>
-                  <a:schemeClr val="tx1">
-                    <a:lumMod val="75000"/>
-                    <a:lumOff val="25000"/>
-                  </a:schemeClr>
-                </a:solidFill>
-              </a:rPr>
-              <a:t>Weight: 2</a:t>
-            </a:r>
-          </a:p>
-          <a:p>
-            <a:pPr lvl="1"/>
-            <a:endParaRPr lang="de-DE" sz="1800" b="1" dirty="0" smtClean="0">
-              <a:solidFill>
-                <a:schemeClr val="tx1">
-                  <a:lumMod val="75000"/>
-                  <a:lumOff val="25000"/>
-                </a:schemeClr>
-              </a:solidFill>
-            </a:endParaRPr>
-          </a:p>
-          <a:p>
-            <a:r>
-              <a:rPr lang="de-DE" sz="2000" b="1" dirty="0" smtClean="0">
-                <a:solidFill>
-                  <a:schemeClr val="tx1">
-                    <a:lumMod val="75000"/>
-                    <a:lumOff val="25000"/>
-                  </a:schemeClr>
-                </a:solidFill>
-              </a:rPr>
-              <a:t>Problem: Exponential growth of clusters</a:t>
-            </a:r>
-          </a:p>
-          <a:p>
-            <a:pPr lvl="1"/>
-            <a:r>
-              <a:rPr lang="de-DE" sz="1800" b="1" dirty="0" smtClean="0">
-                <a:solidFill>
-                  <a:schemeClr val="tx1">
-                    <a:lumMod val="75000"/>
-                    <a:lumOff val="25000"/>
-                  </a:schemeClr>
-                </a:solidFill>
-              </a:rPr>
-              <a:t>1. Small clusters (n&lt;30)</a:t>
-            </a:r>
-          </a:p>
-          <a:p>
-            <a:pPr lvl="2"/>
-            <a:r>
-              <a:rPr lang="de-DE" sz="1800" b="1" dirty="0" smtClean="0">
-                <a:solidFill>
-                  <a:schemeClr val="tx1">
-                    <a:lumMod val="75000"/>
-                    <a:lumOff val="25000"/>
-                  </a:schemeClr>
-                </a:solidFill>
-              </a:rPr>
-              <a:t>Lead to large standard errors</a:t>
-            </a:r>
-          </a:p>
-          <a:p>
-            <a:pPr lvl="1"/>
-            <a:r>
-              <a:rPr lang="de-DE" sz="1800" b="1" dirty="0" smtClean="0">
-                <a:solidFill>
-                  <a:schemeClr val="tx1">
-                    <a:lumMod val="75000"/>
-                    <a:lumOff val="25000"/>
-                  </a:schemeClr>
-                </a:solidFill>
-              </a:rPr>
-              <a:t>2. Empthy </a:t>
-            </a:r>
-            <a:r>
-              <a:rPr lang="de-DE" sz="1800" b="1" dirty="0">
-                <a:solidFill>
-                  <a:schemeClr val="tx1">
-                    <a:lumMod val="75000"/>
-                    <a:lumOff val="25000"/>
-                  </a:schemeClr>
-                </a:solidFill>
-              </a:rPr>
-              <a:t>clusters</a:t>
-            </a:r>
-          </a:p>
-          <a:p>
-            <a:pPr lvl="2"/>
-            <a:r>
-              <a:rPr lang="de-DE" sz="1800" b="1" dirty="0">
-                <a:solidFill>
-                  <a:schemeClr val="tx1">
-                    <a:lumMod val="75000"/>
-                    <a:lumOff val="25000"/>
-                  </a:schemeClr>
-                </a:solidFill>
-              </a:rPr>
-              <a:t>Ad-hoc solution: Combining categories</a:t>
-            </a:r>
-          </a:p>
-          <a:p>
-            <a:pPr lvl="1"/>
-            <a:endParaRPr lang="de-DE" sz="2200" b="1" dirty="0" smtClean="0">
-              <a:solidFill>
-                <a:schemeClr val="tx1">
-                  <a:lumMod val="75000"/>
-                  <a:lumOff val="25000"/>
-                </a:schemeClr>
-              </a:solidFill>
-            </a:endParaRPr>
-          </a:p>
-          <a:p>
             <a:endParaRPr lang="de-DE" sz="1800" b="1" dirty="0">
               <a:solidFill>
                 <a:schemeClr val="tx1">
@@ -31962,316 +31650,8 @@
               </a:solidFill>
             </a:endParaRPr>
           </a:p>
-        </p:txBody>
-      </p:sp>
-      <p:sp>
-        <p:nvSpPr>
-          <p:cNvPr id="9" name="Content Placeholder 2">
-            <a:extLst>
-              <a:ext uri="{FF2B5EF4-FFF2-40B4-BE49-F238E27FC236}">
-                <a16:creationId xmlns:a16="http://schemas.microsoft.com/office/drawing/2014/main" xmlns="" id="{C3C779AF-886A-4A32-B6F5-2ABCB5AC01B0}"/>
-              </a:ext>
-            </a:extLst>
-          </p:cNvPr>
-          <p:cNvSpPr txBox="1">
-            <a:spLocks/>
-          </p:cNvSpPr>
-          <p:nvPr/>
-        </p:nvSpPr>
-        <p:spPr>
-          <a:xfrm>
-            <a:off x="6250940" y="1873248"/>
-            <a:ext cx="4991100" cy="4275137"/>
-          </a:xfrm>
-          <a:prstGeom prst="rect">
-            <a:avLst/>
-          </a:prstGeom>
-        </p:spPr>
-        <p:txBody>
-          <a:bodyPr vert="horz" lIns="91440" tIns="45720" rIns="91440" bIns="45720" rtlCol="0">
-            <a:normAutofit/>
-          </a:bodyPr>
-          <a:lstStyle>
-            <a:lvl1pPr marL="228600" indent="-228600" algn="l" defTabSz="914400" rtl="0" eaLnBrk="1" latinLnBrk="0" hangingPunct="1">
-              <a:lnSpc>
-                <a:spcPct val="90000"/>
-              </a:lnSpc>
-              <a:spcBef>
-                <a:spcPts val="1000"/>
-              </a:spcBef>
-              <a:buFont typeface="Arial" panose="020B0604020202020204" pitchFamily="34" charset="0"/>
-              <a:buChar char="•"/>
-              <a:defRPr sz="2800" kern="1200">
-                <a:solidFill>
-                  <a:schemeClr val="tx1"/>
-                </a:solidFill>
-                <a:latin typeface="+mn-lt"/>
-                <a:ea typeface="+mn-ea"/>
-                <a:cs typeface="+mn-cs"/>
-              </a:defRPr>
-            </a:lvl1pPr>
-            <a:lvl2pPr marL="685800" indent="-228600" algn="l" defTabSz="914400" rtl="0" eaLnBrk="1" latinLnBrk="0" hangingPunct="1">
-              <a:lnSpc>
-                <a:spcPct val="90000"/>
-              </a:lnSpc>
-              <a:spcBef>
-                <a:spcPts val="500"/>
-              </a:spcBef>
-              <a:buFont typeface="Arial" panose="020B0604020202020204" pitchFamily="34" charset="0"/>
-              <a:buChar char="•"/>
-              <a:defRPr sz="2400" kern="1200">
-                <a:solidFill>
-                  <a:schemeClr val="tx1"/>
-                </a:solidFill>
-                <a:latin typeface="+mn-lt"/>
-                <a:ea typeface="+mn-ea"/>
-                <a:cs typeface="+mn-cs"/>
-              </a:defRPr>
-            </a:lvl2pPr>
-            <a:lvl3pPr marL="1143000" indent="-228600" algn="l" defTabSz="914400" rtl="0" eaLnBrk="1" latinLnBrk="0" hangingPunct="1">
-              <a:lnSpc>
-                <a:spcPct val="90000"/>
-              </a:lnSpc>
-              <a:spcBef>
-                <a:spcPts val="500"/>
-              </a:spcBef>
-              <a:buFont typeface="Arial" panose="020B0604020202020204" pitchFamily="34" charset="0"/>
-              <a:buChar char="•"/>
-              <a:defRPr sz="2000" kern="1200">
-                <a:solidFill>
-                  <a:schemeClr val="tx1"/>
-                </a:solidFill>
-                <a:latin typeface="+mn-lt"/>
-                <a:ea typeface="+mn-ea"/>
-                <a:cs typeface="+mn-cs"/>
-              </a:defRPr>
-            </a:lvl3pPr>
-            <a:lvl4pPr marL="1600200" indent="-228600" algn="l" defTabSz="914400" rtl="0" eaLnBrk="1" latinLnBrk="0" hangingPunct="1">
-              <a:lnSpc>
-                <a:spcPct val="90000"/>
-              </a:lnSpc>
-              <a:spcBef>
-                <a:spcPts val="500"/>
-              </a:spcBef>
-              <a:buFont typeface="Arial" panose="020B0604020202020204" pitchFamily="34" charset="0"/>
-              <a:buChar char="•"/>
-              <a:defRPr sz="1800" kern="1200">
-                <a:solidFill>
-                  <a:schemeClr val="tx1"/>
-                </a:solidFill>
-                <a:latin typeface="+mn-lt"/>
-                <a:ea typeface="+mn-ea"/>
-                <a:cs typeface="+mn-cs"/>
-              </a:defRPr>
-            </a:lvl4pPr>
-            <a:lvl5pPr marL="2057400" indent="-228600" algn="l" defTabSz="914400" rtl="0" eaLnBrk="1" latinLnBrk="0" hangingPunct="1">
-              <a:lnSpc>
-                <a:spcPct val="90000"/>
-              </a:lnSpc>
-              <a:spcBef>
-                <a:spcPts val="500"/>
-              </a:spcBef>
-              <a:buFont typeface="Arial" panose="020B0604020202020204" pitchFamily="34" charset="0"/>
-              <a:buChar char="•"/>
-              <a:defRPr sz="1800" kern="1200">
-                <a:solidFill>
-                  <a:schemeClr val="tx1"/>
-                </a:solidFill>
-                <a:latin typeface="+mn-lt"/>
-                <a:ea typeface="+mn-ea"/>
-                <a:cs typeface="+mn-cs"/>
-              </a:defRPr>
-            </a:lvl5pPr>
-            <a:lvl6pPr marL="2514600" indent="-228600" algn="l" defTabSz="914400" rtl="0" eaLnBrk="1" latinLnBrk="0" hangingPunct="1">
-              <a:lnSpc>
-                <a:spcPct val="90000"/>
-              </a:lnSpc>
-              <a:spcBef>
-                <a:spcPts val="500"/>
-              </a:spcBef>
-              <a:buFont typeface="Arial" panose="020B0604020202020204" pitchFamily="34" charset="0"/>
-              <a:buChar char="•"/>
-              <a:defRPr sz="1800" kern="1200">
-                <a:solidFill>
-                  <a:schemeClr val="tx1"/>
-                </a:solidFill>
-                <a:latin typeface="+mn-lt"/>
-                <a:ea typeface="+mn-ea"/>
-                <a:cs typeface="+mn-cs"/>
-              </a:defRPr>
-            </a:lvl6pPr>
-            <a:lvl7pPr marL="2971800" indent="-228600" algn="l" defTabSz="914400" rtl="0" eaLnBrk="1" latinLnBrk="0" hangingPunct="1">
-              <a:lnSpc>
-                <a:spcPct val="90000"/>
-              </a:lnSpc>
-              <a:spcBef>
-                <a:spcPts val="500"/>
-              </a:spcBef>
-              <a:buFont typeface="Arial" panose="020B0604020202020204" pitchFamily="34" charset="0"/>
-              <a:buChar char="•"/>
-              <a:defRPr sz="1800" kern="1200">
-                <a:solidFill>
-                  <a:schemeClr val="tx1"/>
-                </a:solidFill>
-                <a:latin typeface="+mn-lt"/>
-                <a:ea typeface="+mn-ea"/>
-                <a:cs typeface="+mn-cs"/>
-              </a:defRPr>
-            </a:lvl7pPr>
-            <a:lvl8pPr marL="3429000" indent="-228600" algn="l" defTabSz="914400" rtl="0" eaLnBrk="1" latinLnBrk="0" hangingPunct="1">
-              <a:lnSpc>
-                <a:spcPct val="90000"/>
-              </a:lnSpc>
-              <a:spcBef>
-                <a:spcPts val="500"/>
-              </a:spcBef>
-              <a:buFont typeface="Arial" panose="020B0604020202020204" pitchFamily="34" charset="0"/>
-              <a:buChar char="•"/>
-              <a:defRPr sz="1800" kern="1200">
-                <a:solidFill>
-                  <a:schemeClr val="tx1"/>
-                </a:solidFill>
-                <a:latin typeface="+mn-lt"/>
-                <a:ea typeface="+mn-ea"/>
-                <a:cs typeface="+mn-cs"/>
-              </a:defRPr>
-            </a:lvl8pPr>
-            <a:lvl9pPr marL="3886200" indent="-228600" algn="l" defTabSz="914400" rtl="0" eaLnBrk="1" latinLnBrk="0" hangingPunct="1">
-              <a:lnSpc>
-                <a:spcPct val="90000"/>
-              </a:lnSpc>
-              <a:spcBef>
-                <a:spcPts val="500"/>
-              </a:spcBef>
-              <a:buFont typeface="Arial" panose="020B0604020202020204" pitchFamily="34" charset="0"/>
-              <a:buChar char="•"/>
-              <a:defRPr sz="1800" kern="1200">
-                <a:solidFill>
-                  <a:schemeClr val="tx1"/>
-                </a:solidFill>
-                <a:latin typeface="+mn-lt"/>
-                <a:ea typeface="+mn-ea"/>
-                <a:cs typeface="+mn-cs"/>
-              </a:defRPr>
-            </a:lvl9pPr>
-          </a:lstStyle>
-          <a:p>
-            <a:r>
-              <a:rPr lang="de-DE" sz="2000" b="1" dirty="0" smtClean="0">
-                <a:solidFill>
-                  <a:schemeClr val="tx1">
-                    <a:lumMod val="75000"/>
-                    <a:lumOff val="25000"/>
-                  </a:schemeClr>
-                </a:solidFill>
-              </a:rPr>
-              <a:t>Surveys:</a:t>
-            </a:r>
-          </a:p>
-          <a:p>
-            <a:pPr lvl="1"/>
-            <a:r>
-              <a:rPr lang="de-DE" sz="1800" b="1" dirty="0" smtClean="0">
-                <a:solidFill>
-                  <a:srgbClr val="00CBE6"/>
-                </a:solidFill>
-              </a:rPr>
-              <a:t>Europulse</a:t>
-            </a:r>
-            <a:r>
-              <a:rPr lang="de-DE" sz="1800" b="1" dirty="0" smtClean="0">
-                <a:solidFill>
-                  <a:schemeClr val="tx1">
-                    <a:lumMod val="75000"/>
-                    <a:lumOff val="25000"/>
-                  </a:schemeClr>
-                </a:solidFill>
-              </a:rPr>
-              <a:t> Wave December 2016 and March 2017</a:t>
-            </a:r>
-          </a:p>
-          <a:p>
-            <a:r>
-              <a:rPr lang="de-DE" sz="2000" b="1" dirty="0" smtClean="0">
-                <a:solidFill>
-                  <a:schemeClr val="tx1">
-                    <a:lumMod val="75000"/>
-                    <a:lumOff val="25000"/>
-                  </a:schemeClr>
-                </a:solidFill>
-              </a:rPr>
-              <a:t>Post-stratification:</a:t>
-            </a:r>
-          </a:p>
-          <a:p>
-            <a:pPr lvl="1"/>
-            <a:r>
-              <a:rPr lang="de-DE" sz="1800" b="1" dirty="0" smtClean="0">
-                <a:solidFill>
-                  <a:schemeClr val="tx1">
-                    <a:lumMod val="75000"/>
-                    <a:lumOff val="25000"/>
-                  </a:schemeClr>
-                </a:solidFill>
-              </a:rPr>
-              <a:t>1. </a:t>
-            </a:r>
-            <a:r>
-              <a:rPr lang="de-DE" sz="1800" b="1" dirty="0" smtClean="0">
-                <a:solidFill>
-                  <a:srgbClr val="00CBE6"/>
-                </a:solidFill>
-              </a:rPr>
-              <a:t>Census 2011</a:t>
-            </a:r>
-            <a:r>
-              <a:rPr lang="de-DE" sz="1800" b="1" dirty="0" smtClean="0">
-                <a:solidFill>
-                  <a:schemeClr val="tx1">
-                    <a:lumMod val="75000"/>
-                    <a:lumOff val="25000"/>
-                  </a:schemeClr>
-                </a:solidFill>
-              </a:rPr>
-              <a:t> with gender,age and religion</a:t>
-            </a:r>
-          </a:p>
-          <a:p>
-            <a:pPr lvl="1"/>
-            <a:r>
-              <a:rPr lang="de-DE" sz="1800" b="1" dirty="0" smtClean="0">
-                <a:solidFill>
-                  <a:schemeClr val="tx1">
-                    <a:lumMod val="75000"/>
-                    <a:lumOff val="25000"/>
-                  </a:schemeClr>
-                </a:solidFill>
-              </a:rPr>
-              <a:t>2. </a:t>
-            </a:r>
-            <a:r>
-              <a:rPr lang="de-DE" sz="1800" b="1" dirty="0" smtClean="0">
-                <a:solidFill>
-                  <a:srgbClr val="00CBE6"/>
-                </a:solidFill>
-              </a:rPr>
-              <a:t>Exit-polls</a:t>
-            </a:r>
-            <a:r>
-              <a:rPr lang="de-DE" sz="1800" b="1" dirty="0" smtClean="0">
-                <a:solidFill>
-                  <a:schemeClr val="tx1">
-                    <a:lumMod val="75000"/>
-                    <a:lumOff val="25000"/>
-                  </a:schemeClr>
-                </a:solidFill>
-              </a:rPr>
-              <a:t> with age, gender and vote</a:t>
-            </a:r>
-          </a:p>
-          <a:p>
-            <a:pPr lvl="1"/>
-            <a:endParaRPr lang="de-DE" sz="1800" b="1" dirty="0" smtClean="0">
+          <a:p>
+            <a:endParaRPr lang="de-DE" sz="1800" b="1" dirty="0">
               <a:solidFill>
                 <a:schemeClr val="tx1">
                   <a:lumMod val="75000"/>
@@ -32280,43 +31660,2254 @@
               </a:solidFill>
             </a:endParaRPr>
           </a:p>
-          <a:p>
-            <a:r>
-              <a:rPr lang="de-DE" sz="2000" b="1" dirty="0" smtClean="0">
+        </p:txBody>
+      </p:sp>
+      <p:grpSp>
+        <p:nvGrpSpPr>
+          <p:cNvPr id="16" name="Group 15">
+            <a:extLst>
+              <a:ext uri="{FF2B5EF4-FFF2-40B4-BE49-F238E27FC236}">
+                <a16:creationId xmlns:a16="http://schemas.microsoft.com/office/drawing/2014/main" id="{21750DAB-DB18-4E95-9F08-16CE9E03B6D3}"/>
+              </a:ext>
+            </a:extLst>
+          </p:cNvPr>
+          <p:cNvGrpSpPr/>
+          <p:nvPr/>
+        </p:nvGrpSpPr>
+        <p:grpSpPr>
+          <a:xfrm>
+            <a:off x="716829" y="1726939"/>
+            <a:ext cx="4866047" cy="2259845"/>
+            <a:chOff x="911901" y="1726939"/>
+            <a:chExt cx="4866047" cy="2259845"/>
+          </a:xfrm>
+        </p:grpSpPr>
+        <p:sp>
+          <p:nvSpPr>
+            <p:cNvPr id="10" name="Freeform: Shape 9">
+              <a:extLst>
+                <a:ext uri="{FF2B5EF4-FFF2-40B4-BE49-F238E27FC236}">
+                  <a16:creationId xmlns:a16="http://schemas.microsoft.com/office/drawing/2014/main" id="{676DE108-3439-4F83-92F3-67B10B2ECC81}"/>
+                </a:ext>
+              </a:extLst>
+            </p:cNvPr>
+            <p:cNvSpPr/>
+            <p:nvPr/>
+          </p:nvSpPr>
+          <p:spPr>
+            <a:xfrm>
+              <a:off x="911901" y="1726939"/>
+              <a:ext cx="4866047" cy="373907"/>
+            </a:xfrm>
+            <a:custGeom>
+              <a:avLst/>
+              <a:gdLst>
+                <a:gd name="connsiteX0" fmla="*/ 0 w 4913783"/>
+                <a:gd name="connsiteY0" fmla="*/ 0 h 662400"/>
+                <a:gd name="connsiteX1" fmla="*/ 4913783 w 4913783"/>
+                <a:gd name="connsiteY1" fmla="*/ 0 h 662400"/>
+                <a:gd name="connsiteX2" fmla="*/ 4913783 w 4913783"/>
+                <a:gd name="connsiteY2" fmla="*/ 662400 h 662400"/>
+                <a:gd name="connsiteX3" fmla="*/ 0 w 4913783"/>
+                <a:gd name="connsiteY3" fmla="*/ 662400 h 662400"/>
+                <a:gd name="connsiteX4" fmla="*/ 0 w 4913783"/>
+                <a:gd name="connsiteY4" fmla="*/ 0 h 662400"/>
+              </a:gdLst>
+              <a:ahLst/>
+              <a:cxnLst>
+                <a:cxn ang="0">
+                  <a:pos x="connsiteX0" y="connsiteY0"/>
+                </a:cxn>
+                <a:cxn ang="0">
+                  <a:pos x="connsiteX1" y="connsiteY1"/>
+                </a:cxn>
+                <a:cxn ang="0">
+                  <a:pos x="connsiteX2" y="connsiteY2"/>
+                </a:cxn>
+                <a:cxn ang="0">
+                  <a:pos x="connsiteX3" y="connsiteY3"/>
+                </a:cxn>
+                <a:cxn ang="0">
+                  <a:pos x="connsiteX4" y="connsiteY4"/>
+                </a:cxn>
+              </a:cxnLst>
+              <a:rect l="l" t="t" r="r" b="b"/>
+              <a:pathLst>
+                <a:path w="4913783" h="662400">
+                  <a:moveTo>
+                    <a:pt x="0" y="0"/>
+                  </a:moveTo>
+                  <a:lnTo>
+                    <a:pt x="4913783" y="0"/>
+                  </a:lnTo>
+                  <a:lnTo>
+                    <a:pt x="4913783" y="662400"/>
+                  </a:lnTo>
+                  <a:lnTo>
+                    <a:pt x="0" y="662400"/>
+                  </a:lnTo>
+                  <a:lnTo>
+                    <a:pt x="0" y="0"/>
+                  </a:lnTo>
+                  <a:close/>
+                </a:path>
+              </a:pathLst>
+            </a:custGeom>
+            <a:solidFill>
+              <a:srgbClr val="00CBE6"/>
+            </a:solidFill>
+          </p:spPr>
+          <p:style>
+            <a:lnRef idx="2">
+              <a:schemeClr val="accent5">
+                <a:hueOff val="0"/>
+                <a:satOff val="0"/>
+                <a:lumOff val="0"/>
+                <a:alphaOff val="0"/>
+              </a:schemeClr>
+            </a:lnRef>
+            <a:fillRef idx="1">
+              <a:schemeClr val="accent5">
+                <a:hueOff val="0"/>
+                <a:satOff val="0"/>
+                <a:lumOff val="0"/>
+                <a:alphaOff val="0"/>
+              </a:schemeClr>
+            </a:fillRef>
+            <a:effectRef idx="0">
+              <a:schemeClr val="accent5">
+                <a:hueOff val="0"/>
+                <a:satOff val="0"/>
+                <a:lumOff val="0"/>
+                <a:alphaOff val="0"/>
+              </a:schemeClr>
+            </a:effectRef>
+            <a:fontRef idx="minor">
+              <a:schemeClr val="lt1"/>
+            </a:fontRef>
+          </p:style>
+          <p:txBody>
+            <a:bodyPr spcFirstLastPara="0" vert="horz" wrap="square" lIns="163576" tIns="93472" rIns="163576" bIns="93472" numCol="1" spcCol="1270" anchor="ctr" anchorCtr="0">
+              <a:noAutofit/>
+            </a:bodyPr>
+            <a:lstStyle/>
+            <a:p>
+              <a:pPr algn="ctr" defTabSz="1022350">
+                <a:lnSpc>
+                  <a:spcPct val="90000"/>
+                </a:lnSpc>
+                <a:spcBef>
+                  <a:spcPct val="0"/>
+                </a:spcBef>
+                <a:spcAft>
+                  <a:spcPct val="35000"/>
+                </a:spcAft>
+              </a:pPr>
+              <a:r>
+                <a:rPr lang="de-DE" b="1" dirty="0">
+                  <a:solidFill>
+                    <a:schemeClr val="tx1">
+                      <a:lumMod val="75000"/>
+                      <a:lumOff val="25000"/>
+                    </a:schemeClr>
+                  </a:solidFill>
+                </a:rPr>
+                <a:t>Post-</a:t>
+              </a:r>
+              <a:r>
+                <a:rPr lang="de-DE" b="1" dirty="0" err="1">
+                  <a:solidFill>
+                    <a:schemeClr val="tx1">
+                      <a:lumMod val="75000"/>
+                      <a:lumOff val="25000"/>
+                    </a:schemeClr>
+                  </a:solidFill>
+                </a:rPr>
+                <a:t>stratification</a:t>
+              </a:r>
+              <a:r>
+                <a:rPr lang="de-DE" b="1" dirty="0">
+                  <a:solidFill>
+                    <a:schemeClr val="tx1">
+                      <a:lumMod val="75000"/>
+                      <a:lumOff val="25000"/>
+                    </a:schemeClr>
+                  </a:solidFill>
+                </a:rPr>
+                <a:t> </a:t>
+              </a:r>
+              <a:r>
+                <a:rPr lang="de-DE" b="1" dirty="0" err="1">
+                  <a:solidFill>
+                    <a:schemeClr val="tx1">
+                      <a:lumMod val="75000"/>
+                      <a:lumOff val="25000"/>
+                    </a:schemeClr>
+                  </a:solidFill>
+                </a:rPr>
+                <a:t>approach</a:t>
+              </a:r>
+              <a:endParaRPr lang="de-DE" b="1" dirty="0">
                 <a:solidFill>
                   <a:schemeClr val="tx1">
                     <a:lumMod val="75000"/>
                     <a:lumOff val="25000"/>
                   </a:schemeClr>
                 </a:solidFill>
-              </a:rPr>
-              <a:t>Benchmark:</a:t>
-            </a:r>
-          </a:p>
-          <a:p>
-            <a:pPr lvl="1"/>
-            <a:r>
-              <a:rPr lang="de-DE" sz="1800" b="1" dirty="0" smtClean="0">
+              </a:endParaRPr>
+            </a:p>
+          </p:txBody>
+        </p:sp>
+        <p:sp>
+          <p:nvSpPr>
+            <p:cNvPr id="11" name="Freeform: Shape 10">
+              <a:extLst>
+                <a:ext uri="{FF2B5EF4-FFF2-40B4-BE49-F238E27FC236}">
+                  <a16:creationId xmlns:a16="http://schemas.microsoft.com/office/drawing/2014/main" id="{F0FD93ED-3741-4791-B952-2929BE2F9395}"/>
+                </a:ext>
+              </a:extLst>
+            </p:cNvPr>
+            <p:cNvSpPr/>
+            <p:nvPr/>
+          </p:nvSpPr>
+          <p:spPr>
+            <a:xfrm>
+              <a:off x="911901" y="2086361"/>
+              <a:ext cx="4866047" cy="1900423"/>
+            </a:xfrm>
+            <a:custGeom>
+              <a:avLst/>
+              <a:gdLst>
+                <a:gd name="connsiteX0" fmla="*/ 0 w 4913783"/>
+                <a:gd name="connsiteY0" fmla="*/ 0 h 3409289"/>
+                <a:gd name="connsiteX1" fmla="*/ 4913783 w 4913783"/>
+                <a:gd name="connsiteY1" fmla="*/ 0 h 3409289"/>
+                <a:gd name="connsiteX2" fmla="*/ 4913783 w 4913783"/>
+                <a:gd name="connsiteY2" fmla="*/ 3409289 h 3409289"/>
+                <a:gd name="connsiteX3" fmla="*/ 0 w 4913783"/>
+                <a:gd name="connsiteY3" fmla="*/ 3409289 h 3409289"/>
+                <a:gd name="connsiteX4" fmla="*/ 0 w 4913783"/>
+                <a:gd name="connsiteY4" fmla="*/ 0 h 3409289"/>
+              </a:gdLst>
+              <a:ahLst/>
+              <a:cxnLst>
+                <a:cxn ang="0">
+                  <a:pos x="connsiteX0" y="connsiteY0"/>
+                </a:cxn>
+                <a:cxn ang="0">
+                  <a:pos x="connsiteX1" y="connsiteY1"/>
+                </a:cxn>
+                <a:cxn ang="0">
+                  <a:pos x="connsiteX2" y="connsiteY2"/>
+                </a:cxn>
+                <a:cxn ang="0">
+                  <a:pos x="connsiteX3" y="connsiteY3"/>
+                </a:cxn>
+                <a:cxn ang="0">
+                  <a:pos x="connsiteX4" y="connsiteY4"/>
+                </a:cxn>
+              </a:cxnLst>
+              <a:rect l="l" t="t" r="r" b="b"/>
+              <a:pathLst>
+                <a:path w="4913783" h="3409289">
+                  <a:moveTo>
+                    <a:pt x="0" y="0"/>
+                  </a:moveTo>
+                  <a:lnTo>
+                    <a:pt x="4913783" y="0"/>
+                  </a:lnTo>
+                  <a:lnTo>
+                    <a:pt x="4913783" y="3409289"/>
+                  </a:lnTo>
+                  <a:lnTo>
+                    <a:pt x="0" y="3409289"/>
+                  </a:lnTo>
+                  <a:lnTo>
+                    <a:pt x="0" y="0"/>
+                  </a:lnTo>
+                  <a:close/>
+                </a:path>
+              </a:pathLst>
+            </a:custGeom>
+            <a:solidFill>
+              <a:schemeClr val="bg1">
+                <a:lumMod val="95000"/>
+                <a:alpha val="90000"/>
+              </a:schemeClr>
+            </a:solidFill>
+          </p:spPr>
+          <p:style>
+            <a:lnRef idx="2">
+              <a:schemeClr val="accent5">
+                <a:tint val="40000"/>
+                <a:alpha val="90000"/>
+                <a:hueOff val="0"/>
+                <a:satOff val="0"/>
+                <a:lumOff val="0"/>
+                <a:alphaOff val="0"/>
+              </a:schemeClr>
+            </a:lnRef>
+            <a:fillRef idx="1">
+              <a:schemeClr val="accent5">
+                <a:tint val="40000"/>
+                <a:alpha val="90000"/>
+                <a:hueOff val="0"/>
+                <a:satOff val="0"/>
+                <a:lumOff val="0"/>
+                <a:alphaOff val="0"/>
+              </a:schemeClr>
+            </a:fillRef>
+            <a:effectRef idx="0">
+              <a:schemeClr val="accent5">
+                <a:tint val="40000"/>
+                <a:alpha val="90000"/>
+                <a:hueOff val="0"/>
+                <a:satOff val="0"/>
+                <a:lumOff val="0"/>
+                <a:alphaOff val="0"/>
+              </a:schemeClr>
+            </a:effectRef>
+            <a:fontRef idx="minor">
+              <a:schemeClr val="dk1">
+                <a:hueOff val="0"/>
+                <a:satOff val="0"/>
+                <a:lumOff val="0"/>
+                <a:alphaOff val="0"/>
+              </a:schemeClr>
+            </a:fontRef>
+          </p:style>
+          <p:txBody>
+            <a:bodyPr spcFirstLastPara="0" vert="horz" wrap="square" lIns="122682" tIns="122682" rIns="163576" bIns="184023" numCol="1" spcCol="1270" anchor="t" anchorCtr="0">
+              <a:noAutofit/>
+            </a:bodyPr>
+            <a:lstStyle/>
+            <a:p>
+              <a:pPr marL="285750" indent="-285750">
+                <a:buFont typeface="Arial" panose="020B0604020202020204" pitchFamily="34" charset="0"/>
+                <a:buChar char="•"/>
+              </a:pPr>
+              <a:r>
+                <a:rPr lang="de-DE" b="1" dirty="0" err="1">
+                  <a:solidFill>
+                    <a:schemeClr val="tx1">
+                      <a:lumMod val="75000"/>
+                      <a:lumOff val="25000"/>
+                    </a:schemeClr>
+                  </a:solidFill>
+                </a:rPr>
+                <a:t>Combined</a:t>
+              </a:r>
+              <a:r>
+                <a:rPr lang="de-DE" b="1" dirty="0">
+                  <a:solidFill>
+                    <a:schemeClr val="tx1">
+                      <a:lumMod val="75000"/>
+                      <a:lumOff val="25000"/>
+                    </a:schemeClr>
+                  </a:solidFill>
+                </a:rPr>
+                <a:t> </a:t>
+              </a:r>
+              <a:r>
+                <a:rPr lang="de-DE" b="1" dirty="0" err="1">
+                  <a:solidFill>
+                    <a:schemeClr val="tx1">
+                      <a:lumMod val="75000"/>
+                      <a:lumOff val="25000"/>
+                    </a:schemeClr>
+                  </a:solidFill>
+                </a:rPr>
+                <a:t>distribution</a:t>
+              </a:r>
+              <a:r>
+                <a:rPr lang="de-DE" b="1" dirty="0">
+                  <a:solidFill>
+                    <a:schemeClr val="tx1">
+                      <a:lumMod val="75000"/>
+                      <a:lumOff val="25000"/>
+                    </a:schemeClr>
+                  </a:solidFill>
+                </a:rPr>
+                <a:t> </a:t>
+              </a:r>
+              <a:r>
+                <a:rPr lang="de-DE" b="1" dirty="0" err="1">
+                  <a:solidFill>
+                    <a:schemeClr val="tx1">
+                      <a:lumMod val="75000"/>
+                      <a:lumOff val="25000"/>
+                    </a:schemeClr>
+                  </a:solidFill>
+                </a:rPr>
+                <a:t>of</a:t>
+              </a:r>
+              <a:r>
+                <a:rPr lang="de-DE" b="1" dirty="0">
+                  <a:solidFill>
+                    <a:schemeClr val="tx1">
+                      <a:lumMod val="75000"/>
+                      <a:lumOff val="25000"/>
+                    </a:schemeClr>
+                  </a:solidFill>
+                </a:rPr>
+                <a:t> </a:t>
+              </a:r>
+              <a:r>
+                <a:rPr lang="de-DE" b="1" dirty="0" err="1">
+                  <a:solidFill>
+                    <a:schemeClr val="tx1">
+                      <a:lumMod val="75000"/>
+                      <a:lumOff val="25000"/>
+                    </a:schemeClr>
+                  </a:solidFill>
+                </a:rPr>
+                <a:t>demographics</a:t>
+              </a:r>
+              <a:r>
+                <a:rPr lang="de-DE" b="1" dirty="0">
+                  <a:solidFill>
+                    <a:schemeClr val="tx1">
+                      <a:lumMod val="75000"/>
+                      <a:lumOff val="25000"/>
+                    </a:schemeClr>
+                  </a:solidFill>
+                </a:rPr>
+                <a:t>: </a:t>
+              </a:r>
+              <a:r>
+                <a:rPr lang="de-DE" b="1" dirty="0" err="1">
+                  <a:solidFill>
+                    <a:schemeClr val="tx1">
+                      <a:lumMod val="75000"/>
+                      <a:lumOff val="25000"/>
+                    </a:schemeClr>
+                  </a:solidFill>
+                </a:rPr>
+                <a:t>age</a:t>
+              </a:r>
+              <a:r>
+                <a:rPr lang="de-DE" b="1" dirty="0">
+                  <a:solidFill>
+                    <a:schemeClr val="tx1">
+                      <a:lumMod val="75000"/>
+                      <a:lumOff val="25000"/>
+                    </a:schemeClr>
+                  </a:solidFill>
+                </a:rPr>
+                <a:t>, </a:t>
+              </a:r>
+              <a:r>
+                <a:rPr lang="de-DE" b="1" dirty="0" err="1">
+                  <a:solidFill>
+                    <a:schemeClr val="tx1">
+                      <a:lumMod val="75000"/>
+                      <a:lumOff val="25000"/>
+                    </a:schemeClr>
+                  </a:solidFill>
+                </a:rPr>
+                <a:t>gender</a:t>
+              </a:r>
+              <a:r>
+                <a:rPr lang="de-DE" b="1" dirty="0">
+                  <a:solidFill>
+                    <a:schemeClr val="tx1">
+                      <a:lumMod val="75000"/>
+                      <a:lumOff val="25000"/>
+                    </a:schemeClr>
+                  </a:solidFill>
+                </a:rPr>
+                <a:t>, </a:t>
+              </a:r>
+              <a:r>
+                <a:rPr lang="de-DE" b="1" dirty="0" err="1">
+                  <a:solidFill>
+                    <a:schemeClr val="tx1">
+                      <a:lumMod val="75000"/>
+                      <a:lumOff val="25000"/>
+                    </a:schemeClr>
+                  </a:solidFill>
+                </a:rPr>
+                <a:t>education</a:t>
+              </a:r>
+              <a:r>
+                <a:rPr lang="de-DE" b="1" dirty="0">
+                  <a:solidFill>
+                    <a:schemeClr val="tx1">
+                      <a:lumMod val="75000"/>
+                      <a:lumOff val="25000"/>
+                    </a:schemeClr>
+                  </a:solidFill>
+                </a:rPr>
+                <a:t>, rural/urban, </a:t>
+              </a:r>
+              <a:r>
+                <a:rPr lang="de-DE" b="1" dirty="0" err="1">
+                  <a:solidFill>
+                    <a:schemeClr val="tx1">
+                      <a:lumMod val="75000"/>
+                      <a:lumOff val="25000"/>
+                    </a:schemeClr>
+                  </a:solidFill>
+                </a:rPr>
+                <a:t>religion</a:t>
+              </a:r>
+              <a:r>
+                <a:rPr lang="de-DE" b="1" dirty="0">
+                  <a:solidFill>
+                    <a:schemeClr val="tx1">
+                      <a:lumMod val="75000"/>
+                      <a:lumOff val="25000"/>
+                    </a:schemeClr>
+                  </a:solidFill>
+                </a:rPr>
+                <a:t> etc…</a:t>
+              </a:r>
+            </a:p>
+            <a:p>
+              <a:pPr marL="285750" indent="-285750">
+                <a:buFont typeface="Arial" panose="020B0604020202020204" pitchFamily="34" charset="0"/>
+                <a:buChar char="•"/>
+              </a:pPr>
+              <a:r>
+                <a:rPr lang="de-DE" b="1" dirty="0" err="1">
+                  <a:solidFill>
+                    <a:schemeClr val="tx1">
+                      <a:lumMod val="75000"/>
+                      <a:lumOff val="25000"/>
+                    </a:schemeClr>
+                  </a:solidFill>
+                </a:rPr>
+                <a:t>Weights</a:t>
+              </a:r>
+              <a:r>
+                <a:rPr lang="de-DE" b="1" dirty="0">
+                  <a:solidFill>
+                    <a:schemeClr val="tx1">
+                      <a:lumMod val="75000"/>
+                      <a:lumOff val="25000"/>
+                    </a:schemeClr>
+                  </a:solidFill>
+                </a:rPr>
+                <a:t> </a:t>
+              </a:r>
+              <a:r>
+                <a:rPr lang="de-DE" b="1" dirty="0" err="1">
+                  <a:solidFill>
+                    <a:schemeClr val="tx1">
+                      <a:lumMod val="75000"/>
+                      <a:lumOff val="25000"/>
+                    </a:schemeClr>
+                  </a:solidFill>
+                </a:rPr>
+                <a:t>for</a:t>
+              </a:r>
+              <a:r>
+                <a:rPr lang="de-DE" b="1" dirty="0">
+                  <a:solidFill>
+                    <a:schemeClr val="tx1">
+                      <a:lumMod val="75000"/>
+                      <a:lumOff val="25000"/>
+                    </a:schemeClr>
+                  </a:solidFill>
+                </a:rPr>
+                <a:t> </a:t>
+              </a:r>
+              <a:r>
+                <a:rPr lang="de-DE" b="1" dirty="0" err="1">
+                  <a:solidFill>
+                    <a:schemeClr val="tx1">
+                      <a:lumMod val="75000"/>
+                      <a:lumOff val="25000"/>
+                    </a:schemeClr>
+                  </a:solidFill>
+                </a:rPr>
+                <a:t>every</a:t>
+              </a:r>
+              <a:r>
+                <a:rPr lang="de-DE" b="1" dirty="0">
+                  <a:solidFill>
+                    <a:schemeClr val="tx1">
+                      <a:lumMod val="75000"/>
+                      <a:lumOff val="25000"/>
+                    </a:schemeClr>
+                  </a:solidFill>
+                </a:rPr>
+                <a:t> </a:t>
+              </a:r>
+              <a:r>
+                <a:rPr lang="de-DE" b="1" dirty="0" err="1">
+                  <a:solidFill>
+                    <a:schemeClr val="tx1">
+                      <a:lumMod val="75000"/>
+                      <a:lumOff val="25000"/>
+                    </a:schemeClr>
+                  </a:solidFill>
+                </a:rPr>
+                <a:t>cluster</a:t>
+              </a:r>
+              <a:r>
+                <a:rPr lang="de-DE" b="1" dirty="0">
+                  <a:solidFill>
+                    <a:schemeClr val="tx1">
+                      <a:lumMod val="75000"/>
+                      <a:lumOff val="25000"/>
+                    </a:schemeClr>
+                  </a:solidFill>
+                </a:rPr>
+                <a:t>: e.g. Women </a:t>
+              </a:r>
+              <a:r>
+                <a:rPr lang="de-DE" b="1" dirty="0" err="1">
+                  <a:solidFill>
+                    <a:schemeClr val="tx1">
+                      <a:lumMod val="75000"/>
+                      <a:lumOff val="25000"/>
+                    </a:schemeClr>
+                  </a:solidFill>
+                </a:rPr>
+                <a:t>above</a:t>
+              </a:r>
+              <a:r>
+                <a:rPr lang="de-DE" b="1" dirty="0">
+                  <a:solidFill>
+                    <a:schemeClr val="tx1">
+                      <a:lumMod val="75000"/>
+                      <a:lumOff val="25000"/>
+                    </a:schemeClr>
+                  </a:solidFill>
+                </a:rPr>
+                <a:t> 60 </a:t>
+              </a:r>
+              <a:r>
+                <a:rPr lang="de-DE" b="1" dirty="0" err="1">
+                  <a:solidFill>
+                    <a:schemeClr val="tx1">
+                      <a:lumMod val="75000"/>
+                      <a:lumOff val="25000"/>
+                    </a:schemeClr>
+                  </a:solidFill>
+                </a:rPr>
+                <a:t>from</a:t>
+              </a:r>
+              <a:r>
+                <a:rPr lang="de-DE" b="1" dirty="0">
+                  <a:solidFill>
+                    <a:schemeClr val="tx1">
+                      <a:lumMod val="75000"/>
+                      <a:lumOff val="25000"/>
+                    </a:schemeClr>
+                  </a:solidFill>
+                </a:rPr>
+                <a:t> rural </a:t>
+              </a:r>
+              <a:r>
+                <a:rPr lang="de-DE" b="1" dirty="0" err="1">
+                  <a:solidFill>
+                    <a:schemeClr val="tx1">
+                      <a:lumMod val="75000"/>
+                      <a:lumOff val="25000"/>
+                    </a:schemeClr>
+                  </a:solidFill>
+                </a:rPr>
+                <a:t>settlement</a:t>
+              </a:r>
+              <a:endParaRPr lang="de-DE" b="1" dirty="0">
                 <a:solidFill>
                   <a:schemeClr val="tx1">
                     <a:lumMod val="75000"/>
                     <a:lumOff val="25000"/>
                   </a:schemeClr>
                 </a:solidFill>
-              </a:rPr>
-              <a:t>Aggregated polls from </a:t>
-            </a:r>
-            <a:r>
-              <a:rPr lang="de-DE" sz="1800" b="1" dirty="0" smtClean="0">
+              </a:endParaRPr>
+            </a:p>
+            <a:p>
+              <a:pPr marL="285750" indent="-285750">
+                <a:buFont typeface="Arial" panose="020B0604020202020204" pitchFamily="34" charset="0"/>
+                <a:buChar char="•"/>
+              </a:pPr>
+              <a:r>
+                <a:rPr lang="de-DE" b="1" dirty="0">
+                  <a:solidFill>
+                    <a:schemeClr val="tx1">
+                      <a:lumMod val="75000"/>
+                      <a:lumOff val="25000"/>
+                    </a:schemeClr>
+                  </a:solidFill>
+                </a:rPr>
+                <a:t>4% </a:t>
+              </a:r>
+              <a:r>
+                <a:rPr lang="de-DE" b="1" dirty="0" err="1">
+                  <a:solidFill>
+                    <a:schemeClr val="tx1">
+                      <a:lumMod val="75000"/>
+                      <a:lumOff val="25000"/>
+                    </a:schemeClr>
+                  </a:solidFill>
+                </a:rPr>
+                <a:t>of</a:t>
+              </a:r>
+              <a:r>
+                <a:rPr lang="de-DE" b="1" dirty="0">
+                  <a:solidFill>
+                    <a:schemeClr val="tx1">
+                      <a:lumMod val="75000"/>
+                      <a:lumOff val="25000"/>
+                    </a:schemeClr>
+                  </a:solidFill>
+                </a:rPr>
+                <a:t> </a:t>
+              </a:r>
+              <a:r>
+                <a:rPr lang="de-DE" b="1" dirty="0" err="1">
+                  <a:solidFill>
+                    <a:schemeClr val="tx1">
+                      <a:lumMod val="75000"/>
+                      <a:lumOff val="25000"/>
+                    </a:schemeClr>
+                  </a:solidFill>
+                </a:rPr>
+                <a:t>population</a:t>
+              </a:r>
+              <a:r>
+                <a:rPr lang="de-DE" b="1" dirty="0">
+                  <a:solidFill>
+                    <a:schemeClr val="tx1">
+                      <a:lumMod val="75000"/>
+                      <a:lumOff val="25000"/>
+                    </a:schemeClr>
+                  </a:solidFill>
+                </a:rPr>
+                <a:t>, but </a:t>
+              </a:r>
+              <a:r>
+                <a:rPr lang="de-DE" b="1" dirty="0" err="1">
+                  <a:solidFill>
+                    <a:schemeClr val="tx1">
+                      <a:lumMod val="75000"/>
+                      <a:lumOff val="25000"/>
+                    </a:schemeClr>
+                  </a:solidFill>
+                </a:rPr>
+                <a:t>only</a:t>
+              </a:r>
+              <a:r>
+                <a:rPr lang="de-DE" b="1" dirty="0">
+                  <a:solidFill>
+                    <a:schemeClr val="tx1">
+                      <a:lumMod val="75000"/>
+                      <a:lumOff val="25000"/>
+                    </a:schemeClr>
+                  </a:solidFill>
+                </a:rPr>
+                <a:t> 2% in sample</a:t>
+              </a:r>
+            </a:p>
+            <a:p>
+              <a:r>
+                <a:rPr lang="de-DE" b="1" dirty="0">
+                  <a:solidFill>
+                    <a:schemeClr val="tx1">
+                      <a:lumMod val="75000"/>
+                      <a:lumOff val="25000"/>
+                    </a:schemeClr>
+                  </a:solidFill>
+                  <a:sym typeface="Wingdings" panose="05000000000000000000" pitchFamily="2" charset="2"/>
+                </a:rPr>
+                <a:t> </a:t>
+              </a:r>
+              <a:r>
+                <a:rPr lang="de-DE" b="1" dirty="0" err="1">
+                  <a:solidFill>
+                    <a:schemeClr val="tx1">
+                      <a:lumMod val="75000"/>
+                      <a:lumOff val="25000"/>
+                    </a:schemeClr>
+                  </a:solidFill>
+                </a:rPr>
+                <a:t>Weight</a:t>
+              </a:r>
+              <a:r>
+                <a:rPr lang="de-DE" b="1" dirty="0">
+                  <a:solidFill>
+                    <a:schemeClr val="tx1">
+                      <a:lumMod val="75000"/>
+                      <a:lumOff val="25000"/>
+                    </a:schemeClr>
+                  </a:solidFill>
+                </a:rPr>
+                <a:t>: 2</a:t>
+              </a:r>
+            </a:p>
+            <a:p>
+              <a:pPr marL="228600" lvl="1" indent="-228600" defTabSz="1022350">
+                <a:lnSpc>
+                  <a:spcPct val="90000"/>
+                </a:lnSpc>
+                <a:spcBef>
+                  <a:spcPct val="0"/>
+                </a:spcBef>
+                <a:spcAft>
+                  <a:spcPct val="15000"/>
+                </a:spcAft>
+                <a:buChar char="•"/>
+              </a:pPr>
+              <a:endParaRPr lang="en-US" kern="1200" dirty="0">
+                <a:latin typeface="+mj-lt"/>
+              </a:endParaRPr>
+            </a:p>
+          </p:txBody>
+        </p:sp>
+      </p:grpSp>
+      <p:grpSp>
+        <p:nvGrpSpPr>
+          <p:cNvPr id="7" name="Group 6">
+            <a:extLst>
+              <a:ext uri="{FF2B5EF4-FFF2-40B4-BE49-F238E27FC236}">
+                <a16:creationId xmlns:a16="http://schemas.microsoft.com/office/drawing/2014/main" id="{4A7E91A1-3D6A-486D-B40D-E73AADE2D0A7}"/>
+              </a:ext>
+            </a:extLst>
+          </p:cNvPr>
+          <p:cNvGrpSpPr/>
+          <p:nvPr/>
+        </p:nvGrpSpPr>
+        <p:grpSpPr>
+          <a:xfrm>
+            <a:off x="6648237" y="1726939"/>
+            <a:ext cx="4866047" cy="3643637"/>
+            <a:chOff x="6843309" y="1781803"/>
+            <a:chExt cx="4866047" cy="3643637"/>
+          </a:xfrm>
+        </p:grpSpPr>
+        <p:sp>
+          <p:nvSpPr>
+            <p:cNvPr id="12" name="Freeform: Shape 11">
+              <a:extLst>
+                <a:ext uri="{FF2B5EF4-FFF2-40B4-BE49-F238E27FC236}">
+                  <a16:creationId xmlns:a16="http://schemas.microsoft.com/office/drawing/2014/main" id="{CCC7BA8A-B150-4930-A88B-16249120B0C0}"/>
+                </a:ext>
+              </a:extLst>
+            </p:cNvPr>
+            <p:cNvSpPr/>
+            <p:nvPr/>
+          </p:nvSpPr>
+          <p:spPr>
+            <a:xfrm>
+              <a:off x="6843309" y="1781803"/>
+              <a:ext cx="4866047" cy="552902"/>
+            </a:xfrm>
+            <a:custGeom>
+              <a:avLst/>
+              <a:gdLst>
+                <a:gd name="connsiteX0" fmla="*/ 0 w 4913783"/>
+                <a:gd name="connsiteY0" fmla="*/ 0 h 662400"/>
+                <a:gd name="connsiteX1" fmla="*/ 4913783 w 4913783"/>
+                <a:gd name="connsiteY1" fmla="*/ 0 h 662400"/>
+                <a:gd name="connsiteX2" fmla="*/ 4913783 w 4913783"/>
+                <a:gd name="connsiteY2" fmla="*/ 662400 h 662400"/>
+                <a:gd name="connsiteX3" fmla="*/ 0 w 4913783"/>
+                <a:gd name="connsiteY3" fmla="*/ 662400 h 662400"/>
+                <a:gd name="connsiteX4" fmla="*/ 0 w 4913783"/>
+                <a:gd name="connsiteY4" fmla="*/ 0 h 662400"/>
+              </a:gdLst>
+              <a:ahLst/>
+              <a:cxnLst>
+                <a:cxn ang="0">
+                  <a:pos x="connsiteX0" y="connsiteY0"/>
+                </a:cxn>
+                <a:cxn ang="0">
+                  <a:pos x="connsiteX1" y="connsiteY1"/>
+                </a:cxn>
+                <a:cxn ang="0">
+                  <a:pos x="connsiteX2" y="connsiteY2"/>
+                </a:cxn>
+                <a:cxn ang="0">
+                  <a:pos x="connsiteX3" y="connsiteY3"/>
+                </a:cxn>
+                <a:cxn ang="0">
+                  <a:pos x="connsiteX4" y="connsiteY4"/>
+                </a:cxn>
+              </a:cxnLst>
+              <a:rect l="l" t="t" r="r" b="b"/>
+              <a:pathLst>
+                <a:path w="4913783" h="662400">
+                  <a:moveTo>
+                    <a:pt x="0" y="0"/>
+                  </a:moveTo>
+                  <a:lnTo>
+                    <a:pt x="4913783" y="0"/>
+                  </a:lnTo>
+                  <a:lnTo>
+                    <a:pt x="4913783" y="662400"/>
+                  </a:lnTo>
+                  <a:lnTo>
+                    <a:pt x="0" y="662400"/>
+                  </a:lnTo>
+                  <a:lnTo>
+                    <a:pt x="0" y="0"/>
+                  </a:lnTo>
+                  <a:close/>
+                </a:path>
+              </a:pathLst>
+            </a:custGeom>
+            <a:solidFill>
+              <a:srgbClr val="00CBE6"/>
+            </a:solidFill>
+          </p:spPr>
+          <p:style>
+            <a:lnRef idx="2">
+              <a:schemeClr val="accent5">
+                <a:hueOff val="0"/>
+                <a:satOff val="0"/>
+                <a:lumOff val="0"/>
+                <a:alphaOff val="0"/>
+              </a:schemeClr>
+            </a:lnRef>
+            <a:fillRef idx="1">
+              <a:schemeClr val="accent5">
+                <a:hueOff val="0"/>
+                <a:satOff val="0"/>
+                <a:lumOff val="0"/>
+                <a:alphaOff val="0"/>
+              </a:schemeClr>
+            </a:fillRef>
+            <a:effectRef idx="0">
+              <a:schemeClr val="accent5">
+                <a:hueOff val="0"/>
+                <a:satOff val="0"/>
+                <a:lumOff val="0"/>
+                <a:alphaOff val="0"/>
+              </a:schemeClr>
+            </a:effectRef>
+            <a:fontRef idx="minor">
+              <a:schemeClr val="lt1"/>
+            </a:fontRef>
+          </p:style>
+          <p:txBody>
+            <a:bodyPr spcFirstLastPara="0" vert="horz" wrap="square" lIns="163576" tIns="93472" rIns="163576" bIns="93472" numCol="1" spcCol="1270" anchor="t" anchorCtr="0">
+              <a:noAutofit/>
+            </a:bodyPr>
+            <a:lstStyle/>
+            <a:p>
+              <a:pPr algn="ctr" defTabSz="1022350">
+                <a:lnSpc>
+                  <a:spcPct val="90000"/>
+                </a:lnSpc>
+                <a:spcBef>
+                  <a:spcPct val="0"/>
+                </a:spcBef>
+                <a:spcAft>
+                  <a:spcPct val="35000"/>
+                </a:spcAft>
+              </a:pPr>
+              <a:r>
+                <a:rPr lang="de-DE" b="1" dirty="0">
+                  <a:solidFill>
+                    <a:schemeClr val="tx1">
+                      <a:lumMod val="75000"/>
+                      <a:lumOff val="25000"/>
+                    </a:schemeClr>
+                  </a:solidFill>
+                </a:rPr>
+                <a:t>Data</a:t>
+              </a:r>
+            </a:p>
+          </p:txBody>
+        </p:sp>
+        <p:sp>
+          <p:nvSpPr>
+            <p:cNvPr id="13" name="Freeform: Shape 12">
+              <a:extLst>
+                <a:ext uri="{FF2B5EF4-FFF2-40B4-BE49-F238E27FC236}">
+                  <a16:creationId xmlns:a16="http://schemas.microsoft.com/office/drawing/2014/main" id="{A2604810-E4D6-4346-83A5-061FC3EB0BBA}"/>
+                </a:ext>
+              </a:extLst>
+            </p:cNvPr>
+            <p:cNvSpPr/>
+            <p:nvPr/>
+          </p:nvSpPr>
+          <p:spPr>
+            <a:xfrm>
+              <a:off x="6843309" y="2141225"/>
+              <a:ext cx="4866047" cy="3284215"/>
+            </a:xfrm>
+            <a:custGeom>
+              <a:avLst/>
+              <a:gdLst>
+                <a:gd name="connsiteX0" fmla="*/ 0 w 4913783"/>
+                <a:gd name="connsiteY0" fmla="*/ 0 h 3409289"/>
+                <a:gd name="connsiteX1" fmla="*/ 4913783 w 4913783"/>
+                <a:gd name="connsiteY1" fmla="*/ 0 h 3409289"/>
+                <a:gd name="connsiteX2" fmla="*/ 4913783 w 4913783"/>
+                <a:gd name="connsiteY2" fmla="*/ 3409289 h 3409289"/>
+                <a:gd name="connsiteX3" fmla="*/ 0 w 4913783"/>
+                <a:gd name="connsiteY3" fmla="*/ 3409289 h 3409289"/>
+                <a:gd name="connsiteX4" fmla="*/ 0 w 4913783"/>
+                <a:gd name="connsiteY4" fmla="*/ 0 h 3409289"/>
+              </a:gdLst>
+              <a:ahLst/>
+              <a:cxnLst>
+                <a:cxn ang="0">
+                  <a:pos x="connsiteX0" y="connsiteY0"/>
+                </a:cxn>
+                <a:cxn ang="0">
+                  <a:pos x="connsiteX1" y="connsiteY1"/>
+                </a:cxn>
+                <a:cxn ang="0">
+                  <a:pos x="connsiteX2" y="connsiteY2"/>
+                </a:cxn>
+                <a:cxn ang="0">
+                  <a:pos x="connsiteX3" y="connsiteY3"/>
+                </a:cxn>
+                <a:cxn ang="0">
+                  <a:pos x="connsiteX4" y="connsiteY4"/>
+                </a:cxn>
+              </a:cxnLst>
+              <a:rect l="l" t="t" r="r" b="b"/>
+              <a:pathLst>
+                <a:path w="4913783" h="3409289">
+                  <a:moveTo>
+                    <a:pt x="0" y="0"/>
+                  </a:moveTo>
+                  <a:lnTo>
+                    <a:pt x="4913783" y="0"/>
+                  </a:lnTo>
+                  <a:lnTo>
+                    <a:pt x="4913783" y="3409289"/>
+                  </a:lnTo>
+                  <a:lnTo>
+                    <a:pt x="0" y="3409289"/>
+                  </a:lnTo>
+                  <a:lnTo>
+                    <a:pt x="0" y="0"/>
+                  </a:lnTo>
+                  <a:close/>
+                </a:path>
+              </a:pathLst>
+            </a:custGeom>
+            <a:solidFill>
+              <a:schemeClr val="bg1">
+                <a:lumMod val="95000"/>
+                <a:alpha val="90000"/>
+              </a:schemeClr>
+            </a:solidFill>
+          </p:spPr>
+          <p:style>
+            <a:lnRef idx="2">
+              <a:schemeClr val="accent5">
+                <a:tint val="40000"/>
+                <a:alpha val="90000"/>
+                <a:hueOff val="0"/>
+                <a:satOff val="0"/>
+                <a:lumOff val="0"/>
+                <a:alphaOff val="0"/>
+              </a:schemeClr>
+            </a:lnRef>
+            <a:fillRef idx="1">
+              <a:schemeClr val="accent5">
+                <a:tint val="40000"/>
+                <a:alpha val="90000"/>
+                <a:hueOff val="0"/>
+                <a:satOff val="0"/>
+                <a:lumOff val="0"/>
+                <a:alphaOff val="0"/>
+              </a:schemeClr>
+            </a:fillRef>
+            <a:effectRef idx="0">
+              <a:schemeClr val="accent5">
+                <a:tint val="40000"/>
+                <a:alpha val="90000"/>
+                <a:hueOff val="0"/>
+                <a:satOff val="0"/>
+                <a:lumOff val="0"/>
+                <a:alphaOff val="0"/>
+              </a:schemeClr>
+            </a:effectRef>
+            <a:fontRef idx="minor">
+              <a:schemeClr val="dk1">
+                <a:hueOff val="0"/>
+                <a:satOff val="0"/>
+                <a:lumOff val="0"/>
+                <a:alphaOff val="0"/>
+              </a:schemeClr>
+            </a:fontRef>
+          </p:style>
+          <p:txBody>
+            <a:bodyPr spcFirstLastPara="0" vert="horz" wrap="square" lIns="122682" tIns="122682" rIns="163576" bIns="184023" numCol="1" spcCol="1270" anchor="t" anchorCtr="0">
+              <a:noAutofit/>
+            </a:bodyPr>
+            <a:lstStyle/>
+            <a:p>
+              <a:r>
+                <a:rPr lang="de-DE" sz="2000" b="1" dirty="0">
+                  <a:solidFill>
+                    <a:schemeClr val="tx1">
+                      <a:lumMod val="75000"/>
+                      <a:lumOff val="25000"/>
+                    </a:schemeClr>
+                  </a:solidFill>
+                </a:rPr>
+                <a:t>Surveys:</a:t>
+              </a:r>
+            </a:p>
+            <a:p>
+              <a:pPr lvl="1"/>
+              <a:r>
+                <a:rPr lang="de-DE" b="1" dirty="0">
+                  <a:solidFill>
+                    <a:srgbClr val="00CBE6"/>
+                  </a:solidFill>
+                </a:rPr>
+                <a:t>Europulse</a:t>
+              </a:r>
+              <a:r>
+                <a:rPr lang="de-DE" b="1" dirty="0">
+                  <a:solidFill>
+                    <a:schemeClr val="tx1">
+                      <a:lumMod val="75000"/>
+                      <a:lumOff val="25000"/>
+                    </a:schemeClr>
+                  </a:solidFill>
+                </a:rPr>
+                <a:t> Wave </a:t>
+              </a:r>
+              <a:r>
+                <a:rPr lang="de-DE" b="1" dirty="0" err="1">
+                  <a:solidFill>
+                    <a:schemeClr val="tx1">
+                      <a:lumMod val="75000"/>
+                      <a:lumOff val="25000"/>
+                    </a:schemeClr>
+                  </a:solidFill>
+                </a:rPr>
+                <a:t>December</a:t>
+              </a:r>
+              <a:r>
+                <a:rPr lang="de-DE" b="1" dirty="0">
+                  <a:solidFill>
+                    <a:schemeClr val="tx1">
+                      <a:lumMod val="75000"/>
+                      <a:lumOff val="25000"/>
+                    </a:schemeClr>
+                  </a:solidFill>
+                </a:rPr>
+                <a:t> 2016 and March 2017</a:t>
+              </a:r>
+            </a:p>
+            <a:p>
+              <a:r>
+                <a:rPr lang="de-DE" sz="2000" b="1" dirty="0">
+                  <a:solidFill>
+                    <a:schemeClr val="tx1">
+                      <a:lumMod val="75000"/>
+                      <a:lumOff val="25000"/>
+                    </a:schemeClr>
+                  </a:solidFill>
+                </a:rPr>
+                <a:t>Post-</a:t>
+              </a:r>
+              <a:r>
+                <a:rPr lang="de-DE" sz="2000" b="1" dirty="0" err="1">
+                  <a:solidFill>
+                    <a:schemeClr val="tx1">
+                      <a:lumMod val="75000"/>
+                      <a:lumOff val="25000"/>
+                    </a:schemeClr>
+                  </a:solidFill>
+                </a:rPr>
+                <a:t>stratification</a:t>
+              </a:r>
+              <a:r>
+                <a:rPr lang="de-DE" sz="2000" b="1" dirty="0">
+                  <a:solidFill>
+                    <a:schemeClr val="tx1">
+                      <a:lumMod val="75000"/>
+                      <a:lumOff val="25000"/>
+                    </a:schemeClr>
+                  </a:solidFill>
+                </a:rPr>
+                <a:t>: </a:t>
+              </a:r>
+              <a:r>
+                <a:rPr lang="de-DE" sz="2000" b="1" dirty="0" err="1">
+                  <a:solidFill>
+                    <a:schemeClr val="tx1">
+                      <a:lumMod val="75000"/>
+                      <a:lumOff val="25000"/>
+                    </a:schemeClr>
+                  </a:solidFill>
+                </a:rPr>
+                <a:t>two</a:t>
+              </a:r>
+              <a:r>
+                <a:rPr lang="de-DE" sz="2000" b="1" dirty="0">
+                  <a:solidFill>
+                    <a:schemeClr val="tx1">
+                      <a:lumMod val="75000"/>
+                      <a:lumOff val="25000"/>
+                    </a:schemeClr>
+                  </a:solidFill>
+                </a:rPr>
+                <a:t> </a:t>
+              </a:r>
+              <a:r>
+                <a:rPr lang="de-DE" sz="2000" b="1" dirty="0" err="1">
+                  <a:solidFill>
+                    <a:schemeClr val="tx1">
+                      <a:lumMod val="75000"/>
+                      <a:lumOff val="25000"/>
+                    </a:schemeClr>
+                  </a:solidFill>
+                </a:rPr>
+                <a:t>variations</a:t>
+              </a:r>
+              <a:endParaRPr lang="de-DE" sz="2000" b="1" dirty="0">
+                <a:solidFill>
+                  <a:schemeClr val="tx1">
+                    <a:lumMod val="75000"/>
+                    <a:lumOff val="25000"/>
+                  </a:schemeClr>
+                </a:solidFill>
+              </a:endParaRPr>
+            </a:p>
+            <a:p>
+              <a:pPr lvl="1"/>
+              <a:r>
+                <a:rPr lang="de-DE" b="1" dirty="0">
+                  <a:solidFill>
+                    <a:schemeClr val="tx1">
+                      <a:lumMod val="75000"/>
+                      <a:lumOff val="25000"/>
+                    </a:schemeClr>
+                  </a:solidFill>
+                </a:rPr>
+                <a:t>1. </a:t>
+              </a:r>
+              <a:r>
+                <a:rPr lang="de-DE" b="1" dirty="0" err="1">
+                  <a:solidFill>
+                    <a:srgbClr val="00CBE6"/>
+                  </a:solidFill>
+                </a:rPr>
+                <a:t>Census</a:t>
+              </a:r>
+              <a:r>
+                <a:rPr lang="de-DE" b="1" dirty="0">
+                  <a:solidFill>
+                    <a:srgbClr val="00CBE6"/>
+                  </a:solidFill>
+                </a:rPr>
+                <a:t> 2011</a:t>
+              </a:r>
+              <a:r>
+                <a:rPr lang="de-DE" b="1" dirty="0">
+                  <a:solidFill>
+                    <a:schemeClr val="tx1">
+                      <a:lumMod val="75000"/>
+                      <a:lumOff val="25000"/>
+                    </a:schemeClr>
+                  </a:solidFill>
+                </a:rPr>
+                <a:t> </a:t>
+              </a:r>
+              <a:r>
+                <a:rPr lang="de-DE" b="1" dirty="0" err="1">
+                  <a:solidFill>
+                    <a:schemeClr val="tx1">
+                      <a:lumMod val="75000"/>
+                      <a:lumOff val="25000"/>
+                    </a:schemeClr>
+                  </a:solidFill>
+                </a:rPr>
+                <a:t>with</a:t>
+              </a:r>
+              <a:r>
+                <a:rPr lang="de-DE" b="1" dirty="0">
+                  <a:solidFill>
+                    <a:schemeClr val="tx1">
+                      <a:lumMod val="75000"/>
+                      <a:lumOff val="25000"/>
+                    </a:schemeClr>
+                  </a:solidFill>
+                </a:rPr>
+                <a:t> </a:t>
+              </a:r>
+              <a:r>
+                <a:rPr lang="de-DE" b="1" dirty="0" err="1">
+                  <a:solidFill>
+                    <a:schemeClr val="tx1">
+                      <a:lumMod val="75000"/>
+                      <a:lumOff val="25000"/>
+                    </a:schemeClr>
+                  </a:solidFill>
+                </a:rPr>
+                <a:t>gender</a:t>
+              </a:r>
+              <a:r>
+                <a:rPr lang="de-DE" b="1" dirty="0">
+                  <a:solidFill>
+                    <a:schemeClr val="tx1">
+                      <a:lumMod val="75000"/>
+                      <a:lumOff val="25000"/>
+                    </a:schemeClr>
+                  </a:solidFill>
+                </a:rPr>
+                <a:t>, </a:t>
+              </a:r>
+              <a:r>
+                <a:rPr lang="de-DE" b="1" dirty="0" err="1">
+                  <a:solidFill>
+                    <a:schemeClr val="tx1">
+                      <a:lumMod val="75000"/>
+                      <a:lumOff val="25000"/>
+                    </a:schemeClr>
+                  </a:solidFill>
+                </a:rPr>
+                <a:t>age</a:t>
+              </a:r>
+              <a:r>
+                <a:rPr lang="de-DE" b="1" dirty="0">
+                  <a:solidFill>
+                    <a:schemeClr val="tx1">
+                      <a:lumMod val="75000"/>
+                      <a:lumOff val="25000"/>
+                    </a:schemeClr>
+                  </a:solidFill>
+                </a:rPr>
+                <a:t> and </a:t>
+              </a:r>
+              <a:r>
+                <a:rPr lang="de-DE" b="1" dirty="0" err="1">
+                  <a:solidFill>
+                    <a:schemeClr val="tx1">
+                      <a:lumMod val="75000"/>
+                      <a:lumOff val="25000"/>
+                    </a:schemeClr>
+                  </a:solidFill>
+                </a:rPr>
+                <a:t>religion</a:t>
+              </a:r>
+              <a:endParaRPr lang="de-DE" b="1" dirty="0">
+                <a:solidFill>
+                  <a:schemeClr val="tx1">
+                    <a:lumMod val="75000"/>
+                    <a:lumOff val="25000"/>
+                  </a:schemeClr>
+                </a:solidFill>
+              </a:endParaRPr>
+            </a:p>
+            <a:p>
+              <a:pPr lvl="1"/>
+              <a:r>
+                <a:rPr lang="de-DE" b="1" dirty="0">
+                  <a:solidFill>
+                    <a:schemeClr val="tx1">
+                      <a:lumMod val="75000"/>
+                      <a:lumOff val="25000"/>
+                    </a:schemeClr>
+                  </a:solidFill>
+                </a:rPr>
+                <a:t>2. </a:t>
+              </a:r>
+              <a:r>
+                <a:rPr lang="de-DE" b="1" dirty="0">
+                  <a:solidFill>
+                    <a:srgbClr val="00CBE6"/>
+                  </a:solidFill>
+                </a:rPr>
+                <a:t>Exit-</a:t>
+              </a:r>
+              <a:r>
+                <a:rPr lang="de-DE" b="1" dirty="0" err="1">
+                  <a:solidFill>
+                    <a:srgbClr val="00CBE6"/>
+                  </a:solidFill>
+                </a:rPr>
+                <a:t>polls</a:t>
+              </a:r>
+              <a:r>
+                <a:rPr lang="de-DE" b="1" dirty="0">
+                  <a:solidFill>
+                    <a:schemeClr val="tx1">
+                      <a:lumMod val="75000"/>
+                      <a:lumOff val="25000"/>
+                    </a:schemeClr>
+                  </a:solidFill>
+                </a:rPr>
+                <a:t> </a:t>
+              </a:r>
+              <a:r>
+                <a:rPr lang="de-DE" b="1" dirty="0" err="1">
+                  <a:solidFill>
+                    <a:schemeClr val="tx1">
+                      <a:lumMod val="75000"/>
+                      <a:lumOff val="25000"/>
+                    </a:schemeClr>
+                  </a:solidFill>
+                </a:rPr>
+                <a:t>with</a:t>
+              </a:r>
+              <a:r>
+                <a:rPr lang="de-DE" b="1" dirty="0">
+                  <a:solidFill>
+                    <a:schemeClr val="tx1">
+                      <a:lumMod val="75000"/>
+                      <a:lumOff val="25000"/>
+                    </a:schemeClr>
+                  </a:solidFill>
+                </a:rPr>
+                <a:t> </a:t>
+              </a:r>
+              <a:r>
+                <a:rPr lang="de-DE" b="1" dirty="0" err="1">
+                  <a:solidFill>
+                    <a:schemeClr val="tx1">
+                      <a:lumMod val="75000"/>
+                      <a:lumOff val="25000"/>
+                    </a:schemeClr>
+                  </a:solidFill>
+                </a:rPr>
+                <a:t>age</a:t>
+              </a:r>
+              <a:r>
+                <a:rPr lang="de-DE" b="1" dirty="0">
+                  <a:solidFill>
+                    <a:schemeClr val="tx1">
+                      <a:lumMod val="75000"/>
+                      <a:lumOff val="25000"/>
+                    </a:schemeClr>
+                  </a:solidFill>
+                </a:rPr>
+                <a:t>, </a:t>
+              </a:r>
+              <a:r>
+                <a:rPr lang="de-DE" b="1" dirty="0" err="1">
+                  <a:solidFill>
+                    <a:schemeClr val="tx1">
+                      <a:lumMod val="75000"/>
+                      <a:lumOff val="25000"/>
+                    </a:schemeClr>
+                  </a:solidFill>
+                </a:rPr>
+                <a:t>gender</a:t>
+              </a:r>
+              <a:r>
+                <a:rPr lang="de-DE" b="1" dirty="0">
+                  <a:solidFill>
+                    <a:schemeClr val="tx1">
+                      <a:lumMod val="75000"/>
+                      <a:lumOff val="25000"/>
+                    </a:schemeClr>
+                  </a:solidFill>
+                </a:rPr>
+                <a:t> and </a:t>
+              </a:r>
+              <a:r>
+                <a:rPr lang="de-DE" b="1" dirty="0" err="1">
+                  <a:solidFill>
+                    <a:schemeClr val="tx1">
+                      <a:lumMod val="75000"/>
+                      <a:lumOff val="25000"/>
+                    </a:schemeClr>
+                  </a:solidFill>
+                </a:rPr>
+                <a:t>vote</a:t>
+              </a:r>
+              <a:endParaRPr lang="de-DE" b="1" dirty="0">
+                <a:solidFill>
+                  <a:schemeClr val="tx1">
+                    <a:lumMod val="75000"/>
+                    <a:lumOff val="25000"/>
+                  </a:schemeClr>
+                </a:solidFill>
+              </a:endParaRPr>
+            </a:p>
+            <a:p>
+              <a:pPr lvl="1"/>
+              <a:endParaRPr lang="de-DE" b="1" dirty="0">
+                <a:solidFill>
+                  <a:schemeClr val="tx1">
+                    <a:lumMod val="75000"/>
+                    <a:lumOff val="25000"/>
+                  </a:schemeClr>
+                </a:solidFill>
+              </a:endParaRPr>
+            </a:p>
+            <a:p>
+              <a:r>
+                <a:rPr lang="de-DE" sz="2000" b="1" dirty="0">
+                  <a:solidFill>
+                    <a:schemeClr val="tx1">
+                      <a:lumMod val="75000"/>
+                      <a:lumOff val="25000"/>
+                    </a:schemeClr>
+                  </a:solidFill>
+                </a:rPr>
+                <a:t>Benchmark:</a:t>
+              </a:r>
+            </a:p>
+            <a:p>
+              <a:pPr lvl="1"/>
+              <a:r>
+                <a:rPr lang="de-DE" b="1" dirty="0" err="1">
+                  <a:solidFill>
+                    <a:schemeClr val="tx1">
+                      <a:lumMod val="75000"/>
+                      <a:lumOff val="25000"/>
+                    </a:schemeClr>
+                  </a:solidFill>
+                </a:rPr>
+                <a:t>Aggregated</a:t>
+              </a:r>
+              <a:r>
+                <a:rPr lang="de-DE" b="1" dirty="0">
+                  <a:solidFill>
+                    <a:schemeClr val="tx1">
+                      <a:lumMod val="75000"/>
+                      <a:lumOff val="25000"/>
+                    </a:schemeClr>
+                  </a:solidFill>
+                </a:rPr>
+                <a:t> </a:t>
+              </a:r>
+              <a:r>
+                <a:rPr lang="de-DE" b="1" dirty="0" err="1">
+                  <a:solidFill>
+                    <a:schemeClr val="tx1">
+                      <a:lumMod val="75000"/>
+                      <a:lumOff val="25000"/>
+                    </a:schemeClr>
+                  </a:solidFill>
+                </a:rPr>
+                <a:t>polls</a:t>
+              </a:r>
+              <a:r>
+                <a:rPr lang="de-DE" b="1" dirty="0">
+                  <a:solidFill>
+                    <a:schemeClr val="tx1">
+                      <a:lumMod val="75000"/>
+                      <a:lumOff val="25000"/>
+                    </a:schemeClr>
+                  </a:solidFill>
+                </a:rPr>
+                <a:t> </a:t>
+              </a:r>
+              <a:r>
+                <a:rPr lang="de-DE" b="1" dirty="0" err="1">
+                  <a:solidFill>
+                    <a:schemeClr val="tx1">
+                      <a:lumMod val="75000"/>
+                      <a:lumOff val="25000"/>
+                    </a:schemeClr>
+                  </a:solidFill>
+                </a:rPr>
+                <a:t>from</a:t>
+              </a:r>
+              <a:r>
+                <a:rPr lang="de-DE" b="1" dirty="0">
+                  <a:solidFill>
+                    <a:schemeClr val="tx1">
+                      <a:lumMod val="75000"/>
+                      <a:lumOff val="25000"/>
+                    </a:schemeClr>
+                  </a:solidFill>
+                </a:rPr>
+                <a:t> </a:t>
+              </a:r>
+              <a:r>
+                <a:rPr lang="de-DE" b="1" dirty="0" err="1">
+                  <a:solidFill>
+                    <a:srgbClr val="00CBE6"/>
+                  </a:solidFill>
+                </a:rPr>
+                <a:t>Sueddeutsche</a:t>
+              </a:r>
+              <a:endParaRPr lang="de-DE" b="1" dirty="0">
                 <a:solidFill>
                   <a:srgbClr val="00CBE6"/>
                 </a:solidFill>
-              </a:rPr>
-              <a:t>Sueddeutsche</a:t>
-            </a:r>
-          </a:p>
-        </p:txBody>
-      </p:sp>
+              </a:endParaRPr>
+            </a:p>
+            <a:p>
+              <a:pPr marL="228600" lvl="1" indent="-228600" defTabSz="1022350">
+                <a:lnSpc>
+                  <a:spcPct val="90000"/>
+                </a:lnSpc>
+                <a:spcBef>
+                  <a:spcPct val="0"/>
+                </a:spcBef>
+                <a:spcAft>
+                  <a:spcPct val="15000"/>
+                </a:spcAft>
+                <a:buChar char="•"/>
+              </a:pPr>
+              <a:endParaRPr lang="en-US" kern="1200" dirty="0">
+                <a:latin typeface="+mj-lt"/>
+              </a:endParaRPr>
+            </a:p>
+          </p:txBody>
+        </p:sp>
+      </p:grpSp>
+      <p:grpSp>
+        <p:nvGrpSpPr>
+          <p:cNvPr id="17" name="Group 16">
+            <a:extLst>
+              <a:ext uri="{FF2B5EF4-FFF2-40B4-BE49-F238E27FC236}">
+                <a16:creationId xmlns:a16="http://schemas.microsoft.com/office/drawing/2014/main" id="{22BFAE8A-68A9-4985-B00E-736BAE118810}"/>
+              </a:ext>
+            </a:extLst>
+          </p:cNvPr>
+          <p:cNvGrpSpPr/>
+          <p:nvPr/>
+        </p:nvGrpSpPr>
+        <p:grpSpPr>
+          <a:xfrm>
+            <a:off x="716829" y="4199879"/>
+            <a:ext cx="4866047" cy="1969273"/>
+            <a:chOff x="902779" y="4199879"/>
+            <a:chExt cx="4866047" cy="1969273"/>
+          </a:xfrm>
+        </p:grpSpPr>
+        <p:sp>
+          <p:nvSpPr>
+            <p:cNvPr id="14" name="Freeform: Shape 13">
+              <a:extLst>
+                <a:ext uri="{FF2B5EF4-FFF2-40B4-BE49-F238E27FC236}">
+                  <a16:creationId xmlns:a16="http://schemas.microsoft.com/office/drawing/2014/main" id="{AB3F902F-9814-4895-A89A-76F964734AD7}"/>
+                </a:ext>
+              </a:extLst>
+            </p:cNvPr>
+            <p:cNvSpPr/>
+            <p:nvPr/>
+          </p:nvSpPr>
+          <p:spPr>
+            <a:xfrm>
+              <a:off x="902779" y="4199879"/>
+              <a:ext cx="4866047" cy="373907"/>
+            </a:xfrm>
+            <a:custGeom>
+              <a:avLst/>
+              <a:gdLst>
+                <a:gd name="connsiteX0" fmla="*/ 0 w 4913783"/>
+                <a:gd name="connsiteY0" fmla="*/ 0 h 662400"/>
+                <a:gd name="connsiteX1" fmla="*/ 4913783 w 4913783"/>
+                <a:gd name="connsiteY1" fmla="*/ 0 h 662400"/>
+                <a:gd name="connsiteX2" fmla="*/ 4913783 w 4913783"/>
+                <a:gd name="connsiteY2" fmla="*/ 662400 h 662400"/>
+                <a:gd name="connsiteX3" fmla="*/ 0 w 4913783"/>
+                <a:gd name="connsiteY3" fmla="*/ 662400 h 662400"/>
+                <a:gd name="connsiteX4" fmla="*/ 0 w 4913783"/>
+                <a:gd name="connsiteY4" fmla="*/ 0 h 662400"/>
+              </a:gdLst>
+              <a:ahLst/>
+              <a:cxnLst>
+                <a:cxn ang="0">
+                  <a:pos x="connsiteX0" y="connsiteY0"/>
+                </a:cxn>
+                <a:cxn ang="0">
+                  <a:pos x="connsiteX1" y="connsiteY1"/>
+                </a:cxn>
+                <a:cxn ang="0">
+                  <a:pos x="connsiteX2" y="connsiteY2"/>
+                </a:cxn>
+                <a:cxn ang="0">
+                  <a:pos x="connsiteX3" y="connsiteY3"/>
+                </a:cxn>
+                <a:cxn ang="0">
+                  <a:pos x="connsiteX4" y="connsiteY4"/>
+                </a:cxn>
+              </a:cxnLst>
+              <a:rect l="l" t="t" r="r" b="b"/>
+              <a:pathLst>
+                <a:path w="4913783" h="662400">
+                  <a:moveTo>
+                    <a:pt x="0" y="0"/>
+                  </a:moveTo>
+                  <a:lnTo>
+                    <a:pt x="4913783" y="0"/>
+                  </a:lnTo>
+                  <a:lnTo>
+                    <a:pt x="4913783" y="662400"/>
+                  </a:lnTo>
+                  <a:lnTo>
+                    <a:pt x="0" y="662400"/>
+                  </a:lnTo>
+                  <a:lnTo>
+                    <a:pt x="0" y="0"/>
+                  </a:lnTo>
+                  <a:close/>
+                </a:path>
+              </a:pathLst>
+            </a:custGeom>
+            <a:solidFill>
+              <a:srgbClr val="00CBE6"/>
+            </a:solidFill>
+          </p:spPr>
+          <p:style>
+            <a:lnRef idx="2">
+              <a:schemeClr val="accent5">
+                <a:hueOff val="0"/>
+                <a:satOff val="0"/>
+                <a:lumOff val="0"/>
+                <a:alphaOff val="0"/>
+              </a:schemeClr>
+            </a:lnRef>
+            <a:fillRef idx="1">
+              <a:schemeClr val="accent5">
+                <a:hueOff val="0"/>
+                <a:satOff val="0"/>
+                <a:lumOff val="0"/>
+                <a:alphaOff val="0"/>
+              </a:schemeClr>
+            </a:fillRef>
+            <a:effectRef idx="0">
+              <a:schemeClr val="accent5">
+                <a:hueOff val="0"/>
+                <a:satOff val="0"/>
+                <a:lumOff val="0"/>
+                <a:alphaOff val="0"/>
+              </a:schemeClr>
+            </a:effectRef>
+            <a:fontRef idx="minor">
+              <a:schemeClr val="lt1"/>
+            </a:fontRef>
+          </p:style>
+          <p:txBody>
+            <a:bodyPr spcFirstLastPara="0" vert="horz" wrap="square" lIns="163576" tIns="93472" rIns="163576" bIns="93472" numCol="1" spcCol="1270" anchor="ctr" anchorCtr="0">
+              <a:noAutofit/>
+            </a:bodyPr>
+            <a:lstStyle/>
+            <a:p>
+              <a:pPr algn="ctr" defTabSz="1022350">
+                <a:lnSpc>
+                  <a:spcPct val="90000"/>
+                </a:lnSpc>
+                <a:spcBef>
+                  <a:spcPct val="0"/>
+                </a:spcBef>
+                <a:spcAft>
+                  <a:spcPct val="35000"/>
+                </a:spcAft>
+              </a:pPr>
+              <a:r>
+                <a:rPr lang="de-DE" b="1" dirty="0">
+                  <a:solidFill>
+                    <a:schemeClr val="tx1">
+                      <a:lumMod val="75000"/>
+                      <a:lumOff val="25000"/>
+                    </a:schemeClr>
+                  </a:solidFill>
+                </a:rPr>
+                <a:t>Post-</a:t>
+              </a:r>
+              <a:r>
+                <a:rPr lang="de-DE" b="1" dirty="0" err="1">
+                  <a:solidFill>
+                    <a:schemeClr val="tx1">
+                      <a:lumMod val="75000"/>
+                      <a:lumOff val="25000"/>
+                    </a:schemeClr>
+                  </a:solidFill>
+                </a:rPr>
+                <a:t>stratification</a:t>
+              </a:r>
+              <a:r>
+                <a:rPr lang="de-DE" b="1" dirty="0">
+                  <a:solidFill>
+                    <a:schemeClr val="tx1">
+                      <a:lumMod val="75000"/>
+                      <a:lumOff val="25000"/>
+                    </a:schemeClr>
+                  </a:solidFill>
+                </a:rPr>
+                <a:t> </a:t>
+              </a:r>
+              <a:r>
+                <a:rPr lang="de-DE" b="1" dirty="0" err="1">
+                  <a:solidFill>
+                    <a:schemeClr val="tx1">
+                      <a:lumMod val="75000"/>
+                      <a:lumOff val="25000"/>
+                    </a:schemeClr>
+                  </a:solidFill>
+                </a:rPr>
+                <a:t>approach</a:t>
+              </a:r>
+              <a:endParaRPr lang="de-DE" b="1" dirty="0">
+                <a:solidFill>
+                  <a:schemeClr val="tx1">
+                    <a:lumMod val="75000"/>
+                    <a:lumOff val="25000"/>
+                  </a:schemeClr>
+                </a:solidFill>
+              </a:endParaRPr>
+            </a:p>
+          </p:txBody>
+        </p:sp>
+        <p:sp>
+          <p:nvSpPr>
+            <p:cNvPr id="15" name="Freeform: Shape 14">
+              <a:extLst>
+                <a:ext uri="{FF2B5EF4-FFF2-40B4-BE49-F238E27FC236}">
+                  <a16:creationId xmlns:a16="http://schemas.microsoft.com/office/drawing/2014/main" id="{8C397FE8-0CF0-4934-88F8-534947F6D078}"/>
+                </a:ext>
+              </a:extLst>
+            </p:cNvPr>
+            <p:cNvSpPr/>
+            <p:nvPr/>
+          </p:nvSpPr>
+          <p:spPr>
+            <a:xfrm>
+              <a:off x="902779" y="4559301"/>
+              <a:ext cx="4866047" cy="1609851"/>
+            </a:xfrm>
+            <a:custGeom>
+              <a:avLst/>
+              <a:gdLst>
+                <a:gd name="connsiteX0" fmla="*/ 0 w 4913783"/>
+                <a:gd name="connsiteY0" fmla="*/ 0 h 3409289"/>
+                <a:gd name="connsiteX1" fmla="*/ 4913783 w 4913783"/>
+                <a:gd name="connsiteY1" fmla="*/ 0 h 3409289"/>
+                <a:gd name="connsiteX2" fmla="*/ 4913783 w 4913783"/>
+                <a:gd name="connsiteY2" fmla="*/ 3409289 h 3409289"/>
+                <a:gd name="connsiteX3" fmla="*/ 0 w 4913783"/>
+                <a:gd name="connsiteY3" fmla="*/ 3409289 h 3409289"/>
+                <a:gd name="connsiteX4" fmla="*/ 0 w 4913783"/>
+                <a:gd name="connsiteY4" fmla="*/ 0 h 3409289"/>
+              </a:gdLst>
+              <a:ahLst/>
+              <a:cxnLst>
+                <a:cxn ang="0">
+                  <a:pos x="connsiteX0" y="connsiteY0"/>
+                </a:cxn>
+                <a:cxn ang="0">
+                  <a:pos x="connsiteX1" y="connsiteY1"/>
+                </a:cxn>
+                <a:cxn ang="0">
+                  <a:pos x="connsiteX2" y="connsiteY2"/>
+                </a:cxn>
+                <a:cxn ang="0">
+                  <a:pos x="connsiteX3" y="connsiteY3"/>
+                </a:cxn>
+                <a:cxn ang="0">
+                  <a:pos x="connsiteX4" y="connsiteY4"/>
+                </a:cxn>
+              </a:cxnLst>
+              <a:rect l="l" t="t" r="r" b="b"/>
+              <a:pathLst>
+                <a:path w="4913783" h="3409289">
+                  <a:moveTo>
+                    <a:pt x="0" y="0"/>
+                  </a:moveTo>
+                  <a:lnTo>
+                    <a:pt x="4913783" y="0"/>
+                  </a:lnTo>
+                  <a:lnTo>
+                    <a:pt x="4913783" y="3409289"/>
+                  </a:lnTo>
+                  <a:lnTo>
+                    <a:pt x="0" y="3409289"/>
+                  </a:lnTo>
+                  <a:lnTo>
+                    <a:pt x="0" y="0"/>
+                  </a:lnTo>
+                  <a:close/>
+                </a:path>
+              </a:pathLst>
+            </a:custGeom>
+            <a:solidFill>
+              <a:schemeClr val="bg1">
+                <a:lumMod val="95000"/>
+                <a:alpha val="90000"/>
+              </a:schemeClr>
+            </a:solidFill>
+          </p:spPr>
+          <p:style>
+            <a:lnRef idx="2">
+              <a:schemeClr val="accent5">
+                <a:tint val="40000"/>
+                <a:alpha val="90000"/>
+                <a:hueOff val="0"/>
+                <a:satOff val="0"/>
+                <a:lumOff val="0"/>
+                <a:alphaOff val="0"/>
+              </a:schemeClr>
+            </a:lnRef>
+            <a:fillRef idx="1">
+              <a:schemeClr val="accent5">
+                <a:tint val="40000"/>
+                <a:alpha val="90000"/>
+                <a:hueOff val="0"/>
+                <a:satOff val="0"/>
+                <a:lumOff val="0"/>
+                <a:alphaOff val="0"/>
+              </a:schemeClr>
+            </a:fillRef>
+            <a:effectRef idx="0">
+              <a:schemeClr val="accent5">
+                <a:tint val="40000"/>
+                <a:alpha val="90000"/>
+                <a:hueOff val="0"/>
+                <a:satOff val="0"/>
+                <a:lumOff val="0"/>
+                <a:alphaOff val="0"/>
+              </a:schemeClr>
+            </a:effectRef>
+            <a:fontRef idx="minor">
+              <a:schemeClr val="dk1">
+                <a:hueOff val="0"/>
+                <a:satOff val="0"/>
+                <a:lumOff val="0"/>
+                <a:alphaOff val="0"/>
+              </a:schemeClr>
+            </a:fontRef>
+          </p:style>
+          <p:txBody>
+            <a:bodyPr spcFirstLastPara="0" vert="horz" wrap="square" lIns="122682" tIns="122682" rIns="163576" bIns="184023" numCol="1" spcCol="1270" anchor="t" anchorCtr="0">
+              <a:noAutofit/>
+            </a:bodyPr>
+            <a:lstStyle/>
+            <a:p>
+              <a:r>
+                <a:rPr lang="de-DE" b="1" dirty="0">
+                  <a:solidFill>
+                    <a:schemeClr val="tx1">
+                      <a:lumMod val="75000"/>
+                      <a:lumOff val="25000"/>
+                    </a:schemeClr>
+                  </a:solidFill>
+                </a:rPr>
+                <a:t>Problem: </a:t>
+              </a:r>
+              <a:r>
+                <a:rPr lang="de-DE" b="1" dirty="0" err="1">
+                  <a:solidFill>
+                    <a:schemeClr val="tx1">
+                      <a:lumMod val="75000"/>
+                      <a:lumOff val="25000"/>
+                    </a:schemeClr>
+                  </a:solidFill>
+                </a:rPr>
+                <a:t>Exponential</a:t>
+              </a:r>
+              <a:r>
+                <a:rPr lang="de-DE" b="1" dirty="0">
+                  <a:solidFill>
+                    <a:schemeClr val="tx1">
+                      <a:lumMod val="75000"/>
+                      <a:lumOff val="25000"/>
+                    </a:schemeClr>
+                  </a:solidFill>
+                </a:rPr>
+                <a:t> </a:t>
+              </a:r>
+              <a:r>
+                <a:rPr lang="de-DE" b="1" dirty="0" err="1">
+                  <a:solidFill>
+                    <a:schemeClr val="tx1">
+                      <a:lumMod val="75000"/>
+                      <a:lumOff val="25000"/>
+                    </a:schemeClr>
+                  </a:solidFill>
+                </a:rPr>
+                <a:t>growth</a:t>
+              </a:r>
+              <a:r>
+                <a:rPr lang="de-DE" b="1" dirty="0">
+                  <a:solidFill>
+                    <a:schemeClr val="tx1">
+                      <a:lumMod val="75000"/>
+                      <a:lumOff val="25000"/>
+                    </a:schemeClr>
+                  </a:solidFill>
+                </a:rPr>
+                <a:t> </a:t>
+              </a:r>
+              <a:r>
+                <a:rPr lang="de-DE" b="1" dirty="0" err="1">
+                  <a:solidFill>
+                    <a:schemeClr val="tx1">
+                      <a:lumMod val="75000"/>
+                      <a:lumOff val="25000"/>
+                    </a:schemeClr>
+                  </a:solidFill>
+                </a:rPr>
+                <a:t>of</a:t>
+              </a:r>
+              <a:r>
+                <a:rPr lang="de-DE" b="1" dirty="0">
+                  <a:solidFill>
+                    <a:schemeClr val="tx1">
+                      <a:lumMod val="75000"/>
+                      <a:lumOff val="25000"/>
+                    </a:schemeClr>
+                  </a:solidFill>
+                </a:rPr>
+                <a:t> </a:t>
+              </a:r>
+              <a:r>
+                <a:rPr lang="de-DE" b="1" dirty="0" err="1">
+                  <a:solidFill>
+                    <a:schemeClr val="tx1">
+                      <a:lumMod val="75000"/>
+                      <a:lumOff val="25000"/>
+                    </a:schemeClr>
+                  </a:solidFill>
+                </a:rPr>
+                <a:t>clusters</a:t>
+              </a:r>
+              <a:endParaRPr lang="de-DE" b="1" dirty="0">
+                <a:solidFill>
+                  <a:schemeClr val="tx1">
+                    <a:lumMod val="75000"/>
+                    <a:lumOff val="25000"/>
+                  </a:schemeClr>
+                </a:solidFill>
+              </a:endParaRPr>
+            </a:p>
+            <a:p>
+              <a:pPr lvl="1"/>
+              <a:r>
+                <a:rPr lang="de-DE" b="1" dirty="0">
+                  <a:solidFill>
+                    <a:schemeClr val="tx1">
+                      <a:lumMod val="75000"/>
+                      <a:lumOff val="25000"/>
+                    </a:schemeClr>
+                  </a:solidFill>
+                </a:rPr>
+                <a:t>1. Small </a:t>
+              </a:r>
+              <a:r>
+                <a:rPr lang="de-DE" b="1" dirty="0" err="1">
+                  <a:solidFill>
+                    <a:schemeClr val="tx1">
+                      <a:lumMod val="75000"/>
+                      <a:lumOff val="25000"/>
+                    </a:schemeClr>
+                  </a:solidFill>
+                </a:rPr>
+                <a:t>clusters</a:t>
+              </a:r>
+              <a:r>
+                <a:rPr lang="de-DE" b="1" dirty="0">
+                  <a:solidFill>
+                    <a:schemeClr val="tx1">
+                      <a:lumMod val="75000"/>
+                      <a:lumOff val="25000"/>
+                    </a:schemeClr>
+                  </a:solidFill>
+                </a:rPr>
+                <a:t> (n&lt;30)</a:t>
+              </a:r>
+            </a:p>
+            <a:p>
+              <a:pPr lvl="2"/>
+              <a:r>
+                <a:rPr lang="de-DE" b="1" dirty="0">
+                  <a:solidFill>
+                    <a:schemeClr val="tx1">
+                      <a:lumMod val="75000"/>
+                      <a:lumOff val="25000"/>
+                    </a:schemeClr>
+                  </a:solidFill>
+                </a:rPr>
+                <a:t>Lead </a:t>
+              </a:r>
+              <a:r>
+                <a:rPr lang="de-DE" b="1" dirty="0" err="1">
+                  <a:solidFill>
+                    <a:schemeClr val="tx1">
+                      <a:lumMod val="75000"/>
+                      <a:lumOff val="25000"/>
+                    </a:schemeClr>
+                  </a:solidFill>
+                </a:rPr>
+                <a:t>to</a:t>
+              </a:r>
+              <a:r>
+                <a:rPr lang="de-DE" b="1" dirty="0">
+                  <a:solidFill>
+                    <a:schemeClr val="tx1">
+                      <a:lumMod val="75000"/>
+                      <a:lumOff val="25000"/>
+                    </a:schemeClr>
+                  </a:solidFill>
+                </a:rPr>
+                <a:t> large </a:t>
+              </a:r>
+              <a:r>
+                <a:rPr lang="de-DE" b="1" dirty="0" err="1">
+                  <a:solidFill>
+                    <a:schemeClr val="tx1">
+                      <a:lumMod val="75000"/>
+                      <a:lumOff val="25000"/>
+                    </a:schemeClr>
+                  </a:solidFill>
+                </a:rPr>
+                <a:t>standard</a:t>
+              </a:r>
+              <a:r>
+                <a:rPr lang="de-DE" b="1" dirty="0">
+                  <a:solidFill>
+                    <a:schemeClr val="tx1">
+                      <a:lumMod val="75000"/>
+                      <a:lumOff val="25000"/>
+                    </a:schemeClr>
+                  </a:solidFill>
+                </a:rPr>
+                <a:t> </a:t>
+              </a:r>
+              <a:r>
+                <a:rPr lang="de-DE" b="1" dirty="0" err="1">
+                  <a:solidFill>
+                    <a:schemeClr val="tx1">
+                      <a:lumMod val="75000"/>
+                      <a:lumOff val="25000"/>
+                    </a:schemeClr>
+                  </a:solidFill>
+                </a:rPr>
+                <a:t>errors</a:t>
+              </a:r>
+              <a:endParaRPr lang="de-DE" b="1" dirty="0">
+                <a:solidFill>
+                  <a:schemeClr val="tx1">
+                    <a:lumMod val="75000"/>
+                    <a:lumOff val="25000"/>
+                  </a:schemeClr>
+                </a:solidFill>
+              </a:endParaRPr>
+            </a:p>
+            <a:p>
+              <a:pPr lvl="1"/>
+              <a:r>
+                <a:rPr lang="de-DE" b="1" dirty="0">
+                  <a:solidFill>
+                    <a:schemeClr val="tx1">
+                      <a:lumMod val="75000"/>
+                      <a:lumOff val="25000"/>
+                    </a:schemeClr>
+                  </a:solidFill>
+                </a:rPr>
+                <a:t>2. </a:t>
+              </a:r>
+              <a:r>
+                <a:rPr lang="de-DE" b="1" dirty="0" err="1">
+                  <a:solidFill>
+                    <a:schemeClr val="tx1">
+                      <a:lumMod val="75000"/>
+                      <a:lumOff val="25000"/>
+                    </a:schemeClr>
+                  </a:solidFill>
+                </a:rPr>
+                <a:t>Empthy</a:t>
+              </a:r>
+              <a:r>
+                <a:rPr lang="de-DE" b="1" dirty="0">
+                  <a:solidFill>
+                    <a:schemeClr val="tx1">
+                      <a:lumMod val="75000"/>
+                      <a:lumOff val="25000"/>
+                    </a:schemeClr>
+                  </a:solidFill>
+                </a:rPr>
+                <a:t> </a:t>
+              </a:r>
+              <a:r>
+                <a:rPr lang="de-DE" b="1" dirty="0" err="1">
+                  <a:solidFill>
+                    <a:schemeClr val="tx1">
+                      <a:lumMod val="75000"/>
+                      <a:lumOff val="25000"/>
+                    </a:schemeClr>
+                  </a:solidFill>
+                </a:rPr>
+                <a:t>clusters</a:t>
+              </a:r>
+              <a:endParaRPr lang="de-DE" b="1" dirty="0">
+                <a:solidFill>
+                  <a:schemeClr val="tx1">
+                    <a:lumMod val="75000"/>
+                    <a:lumOff val="25000"/>
+                  </a:schemeClr>
+                </a:solidFill>
+              </a:endParaRPr>
+            </a:p>
+            <a:p>
+              <a:pPr lvl="2"/>
+              <a:r>
+                <a:rPr lang="de-DE" b="1" dirty="0">
+                  <a:solidFill>
+                    <a:schemeClr val="tx1">
+                      <a:lumMod val="75000"/>
+                      <a:lumOff val="25000"/>
+                    </a:schemeClr>
+                  </a:solidFill>
+                </a:rPr>
+                <a:t>Ad-hoc </a:t>
+              </a:r>
+              <a:r>
+                <a:rPr lang="de-DE" b="1" dirty="0" err="1">
+                  <a:solidFill>
+                    <a:schemeClr val="tx1">
+                      <a:lumMod val="75000"/>
+                      <a:lumOff val="25000"/>
+                    </a:schemeClr>
+                  </a:solidFill>
+                </a:rPr>
+                <a:t>solution</a:t>
+              </a:r>
+              <a:r>
+                <a:rPr lang="de-DE" b="1" dirty="0">
+                  <a:solidFill>
+                    <a:schemeClr val="tx1">
+                      <a:lumMod val="75000"/>
+                      <a:lumOff val="25000"/>
+                    </a:schemeClr>
+                  </a:solidFill>
+                </a:rPr>
+                <a:t>: </a:t>
+              </a:r>
+              <a:r>
+                <a:rPr lang="de-DE" b="1" dirty="0" err="1">
+                  <a:solidFill>
+                    <a:schemeClr val="tx1">
+                      <a:lumMod val="75000"/>
+                      <a:lumOff val="25000"/>
+                    </a:schemeClr>
+                  </a:solidFill>
+                </a:rPr>
+                <a:t>Combining</a:t>
+              </a:r>
+              <a:r>
+                <a:rPr lang="de-DE" b="1" dirty="0">
+                  <a:solidFill>
+                    <a:schemeClr val="tx1">
+                      <a:lumMod val="75000"/>
+                      <a:lumOff val="25000"/>
+                    </a:schemeClr>
+                  </a:solidFill>
+                </a:rPr>
+                <a:t> </a:t>
+              </a:r>
+              <a:r>
+                <a:rPr lang="de-DE" b="1" dirty="0" err="1">
+                  <a:solidFill>
+                    <a:schemeClr val="tx1">
+                      <a:lumMod val="75000"/>
+                      <a:lumOff val="25000"/>
+                    </a:schemeClr>
+                  </a:solidFill>
+                </a:rPr>
+                <a:t>categories</a:t>
+              </a:r>
+              <a:endParaRPr lang="en-US" kern="1200" dirty="0">
+                <a:latin typeface="+mj-lt"/>
+              </a:endParaRPr>
+            </a:p>
+          </p:txBody>
+        </p:sp>
+      </p:grpSp>
     </p:spTree>
     <p:extLst>
       <p:ext uri="{BB962C8B-B14F-4D97-AF65-F5344CB8AC3E}">
@@ -32327,13 +33918,6 @@
   <p:clrMapOvr>
     <a:masterClrMapping/>
   </p:clrMapOvr>
-  <p:timing>
-    <p:tnLst>
-      <p:par>
-        <p:cTn id="1" dur="indefinite" restart="never" nodeType="tmRoot"/>
-      </p:par>
-    </p:tnLst>
-  </p:timing>
 </p:sld>
 </file>
 
@@ -32359,7 +33943,7 @@
           <p:cNvPr id="4" name="Title 1">
             <a:extLst>
               <a:ext uri="{FF2B5EF4-FFF2-40B4-BE49-F238E27FC236}">
-                <a16:creationId xmlns:a16="http://schemas.microsoft.com/office/drawing/2014/main" xmlns="" id="{B12A9008-576F-44B6-A8DF-579E3024792B}"/>
+                <a16:creationId xmlns:a16="http://schemas.microsoft.com/office/drawing/2014/main" id="{B12A9008-576F-44B6-A8DF-579E3024792B}"/>
               </a:ext>
             </a:extLst>
           </p:cNvPr>
@@ -32412,7 +33996,7 @@
           <p:cNvPr id="6" name="Picture 5" descr="A screenshot of a cell phone&#10;&#10;Description generated with very high confidence">
             <a:extLst>
               <a:ext uri="{FF2B5EF4-FFF2-40B4-BE49-F238E27FC236}">
-                <a16:creationId xmlns:a16="http://schemas.microsoft.com/office/drawing/2014/main" xmlns="" id="{25DE5961-EFC5-4D15-8712-A60F2F98CBE9}"/>
+                <a16:creationId xmlns:a16="http://schemas.microsoft.com/office/drawing/2014/main" id="{25DE5961-EFC5-4D15-8712-A60F2F98CBE9}"/>
               </a:ext>
             </a:extLst>
           </p:cNvPr>
@@ -32448,7 +34032,7 @@
           <p:cNvPr id="5" name="Footer Placeholder 4">
             <a:extLst>
               <a:ext uri="{FF2B5EF4-FFF2-40B4-BE49-F238E27FC236}">
-                <a16:creationId xmlns:a16="http://schemas.microsoft.com/office/drawing/2014/main" xmlns="" id="{D3DB4B50-DF6E-42BA-9A88-C6736E485B39}"/>
+                <a16:creationId xmlns:a16="http://schemas.microsoft.com/office/drawing/2014/main" id="{D3DB4B50-DF6E-42BA-9A88-C6736E485B39}"/>
               </a:ext>
             </a:extLst>
           </p:cNvPr>
@@ -32478,7 +34062,7 @@
           <p:cNvPr id="7" name="Slide Number Placeholder 6">
             <a:extLst>
               <a:ext uri="{FF2B5EF4-FFF2-40B4-BE49-F238E27FC236}">
-                <a16:creationId xmlns:a16="http://schemas.microsoft.com/office/drawing/2014/main" xmlns="" id="{9679BBEB-6D02-4B20-8098-BDEC7E96DC08}"/>
+                <a16:creationId xmlns:a16="http://schemas.microsoft.com/office/drawing/2014/main" id="{9679BBEB-6D02-4B20-8098-BDEC7E96DC08}"/>
               </a:ext>
             </a:extLst>
           </p:cNvPr>
@@ -32507,7 +34091,7 @@
           <p:cNvPr id="9" name="Title 8">
             <a:extLst>
               <a:ext uri="{FF2B5EF4-FFF2-40B4-BE49-F238E27FC236}">
-                <a16:creationId xmlns:a16="http://schemas.microsoft.com/office/drawing/2014/main" xmlns="" id="{4DF56FA4-FD68-415C-855C-02998179C95D}"/>
+                <a16:creationId xmlns:a16="http://schemas.microsoft.com/office/drawing/2014/main" id="{4DF56FA4-FD68-415C-855C-02998179C95D}"/>
               </a:ext>
             </a:extLst>
           </p:cNvPr>
@@ -32549,13 +34133,6 @@
   <p:clrMapOvr>
     <a:masterClrMapping/>
   </p:clrMapOvr>
-  <p:timing>
-    <p:tnLst>
-      <p:par>
-        <p:cTn id="1" dur="indefinite" restart="never" nodeType="tmRoot"/>
-      </p:par>
-    </p:tnLst>
-  </p:timing>
 </p:sld>
 </file>
 
@@ -32581,7 +34158,7 @@
           <p:cNvPr id="4" name="Footer Placeholder 3">
             <a:extLst>
               <a:ext uri="{FF2B5EF4-FFF2-40B4-BE49-F238E27FC236}">
-                <a16:creationId xmlns:a16="http://schemas.microsoft.com/office/drawing/2014/main" xmlns="" id="{B41C653D-7CE6-4256-9AA2-E477F5D7A7F0}"/>
+                <a16:creationId xmlns:a16="http://schemas.microsoft.com/office/drawing/2014/main" id="{B41C653D-7CE6-4256-9AA2-E477F5D7A7F0}"/>
               </a:ext>
             </a:extLst>
           </p:cNvPr>
@@ -32611,7 +34188,7 @@
           <p:cNvPr id="6" name="Slide Number Placeholder 5">
             <a:extLst>
               <a:ext uri="{FF2B5EF4-FFF2-40B4-BE49-F238E27FC236}">
-                <a16:creationId xmlns:a16="http://schemas.microsoft.com/office/drawing/2014/main" xmlns="" id="{E21AE32C-DC1D-49AE-BA07-DD20ECC21DCE}"/>
+                <a16:creationId xmlns:a16="http://schemas.microsoft.com/office/drawing/2014/main" id="{E21AE32C-DC1D-49AE-BA07-DD20ECC21DCE}"/>
               </a:ext>
             </a:extLst>
           </p:cNvPr>
@@ -32640,7 +34217,7 @@
           <p:cNvPr id="2" name="Title 1">
             <a:extLst>
               <a:ext uri="{FF2B5EF4-FFF2-40B4-BE49-F238E27FC236}">
-                <a16:creationId xmlns:a16="http://schemas.microsoft.com/office/drawing/2014/main" xmlns="" id="{03CCF6E9-3AA2-4C28-B85E-CE1C41357C88}"/>
+                <a16:creationId xmlns:a16="http://schemas.microsoft.com/office/drawing/2014/main" id="{03CCF6E9-3AA2-4C28-B85E-CE1C41357C88}"/>
               </a:ext>
             </a:extLst>
           </p:cNvPr>
@@ -32691,7 +34268,7 @@
           <p:cNvPr id="5" name="Picture 4" descr="A close up of a map&#10;&#10;Description generated with very high confidence">
             <a:extLst>
               <a:ext uri="{FF2B5EF4-FFF2-40B4-BE49-F238E27FC236}">
-                <a16:creationId xmlns:a16="http://schemas.microsoft.com/office/drawing/2014/main" xmlns="" id="{C2FDA662-4892-4168-9CB9-B819A160B29F}"/>
+                <a16:creationId xmlns:a16="http://schemas.microsoft.com/office/drawing/2014/main" id="{C2FDA662-4892-4168-9CB9-B819A160B29F}"/>
               </a:ext>
             </a:extLst>
           </p:cNvPr>
@@ -32732,13 +34309,6 @@
   <p:clrMapOvr>
     <a:masterClrMapping/>
   </p:clrMapOvr>
-  <p:timing>
-    <p:tnLst>
-      <p:par>
-        <p:cTn id="1" dur="indefinite" restart="never" nodeType="tmRoot"/>
-      </p:par>
-    </p:tnLst>
-  </p:timing>
 </p:sld>
 </file>
 
@@ -33031,7 +34601,7 @@
   <a:extraClrSchemeLst/>
   <a:extLst>
     <a:ext uri="{05A4C25C-085E-4340-85A3-A5531E510DB2}">
-      <thm15:themeFamily xmlns:thm15="http://schemas.microsoft.com/office/thememl/2012/main" xmlns="" name="Office Theme" id="{62F939B6-93AF-4DB8-9C6B-D6C7DFDC589F}" vid="{4A3C46E8-61CC-4603-A589-7422A47A8E4A}"/>
+      <thm15:themeFamily xmlns:thm15="http://schemas.microsoft.com/office/thememl/2012/main" name="Office Theme" id="{62F939B6-93AF-4DB8-9C6B-D6C7DFDC589F}" vid="{4A3C46E8-61CC-4603-A589-7422A47A8E4A}"/>
     </a:ext>
   </a:extLst>
 </a:theme>
@@ -33326,7 +34896,7 @@
   <a:extraClrSchemeLst/>
   <a:extLst>
     <a:ext uri="{05A4C25C-085E-4340-85A3-A5531E510DB2}">
-      <thm15:themeFamily xmlns:thm15="http://schemas.microsoft.com/office/thememl/2012/main" xmlns="" name="Office Theme" id="{62F939B6-93AF-4DB8-9C6B-D6C7DFDC589F}" vid="{4A3C46E8-61CC-4603-A589-7422A47A8E4A}"/>
+      <thm15:themeFamily xmlns:thm15="http://schemas.microsoft.com/office/thememl/2012/main" name="Office Theme" id="{62F939B6-93AF-4DB8-9C6B-D6C7DFDC589F}" vid="{4A3C46E8-61CC-4603-A589-7422A47A8E4A}"/>
     </a:ext>
   </a:extLst>
 </a:theme>
@@ -33621,7 +35191,7 @@
   <a:extraClrSchemeLst/>
   <a:extLst>
     <a:ext uri="{05A4C25C-085E-4340-85A3-A5531E510DB2}">
-      <thm15:themeFamily xmlns:thm15="http://schemas.microsoft.com/office/thememl/2012/main" xmlns="" name="Office Theme" id="{62F939B6-93AF-4DB8-9C6B-D6C7DFDC589F}" vid="{4A3C46E8-61CC-4603-A589-7422A47A8E4A}"/>
+      <thm15:themeFamily xmlns:thm15="http://schemas.microsoft.com/office/thememl/2012/main" name="Office Theme" id="{62F939B6-93AF-4DB8-9C6B-D6C7DFDC589F}" vid="{4A3C46E8-61CC-4603-A589-7422A47A8E4A}"/>
     </a:ext>
   </a:extLst>
 </a:theme>
@@ -33916,7 +35486,7 @@
   <a:extraClrSchemeLst/>
   <a:extLst>
     <a:ext uri="{05A4C25C-085E-4340-85A3-A5531E510DB2}">
-      <thm15:themeFamily xmlns:thm15="http://schemas.microsoft.com/office/thememl/2012/main" xmlns="" name="Office Theme" id="{62F939B6-93AF-4DB8-9C6B-D6C7DFDC589F}" vid="{4A3C46E8-61CC-4603-A589-7422A47A8E4A}"/>
+      <thm15:themeFamily xmlns:thm15="http://schemas.microsoft.com/office/thememl/2012/main" name="Office Theme" id="{62F939B6-93AF-4DB8-9C6B-D6C7DFDC589F}" vid="{4A3C46E8-61CC-4603-A589-7422A47A8E4A}"/>
     </a:ext>
   </a:extLst>
 </a:theme>
@@ -34211,7 +35781,7 @@
   <a:extraClrSchemeLst/>
   <a:extLst>
     <a:ext uri="{05A4C25C-085E-4340-85A3-A5531E510DB2}">
-      <thm15:themeFamily xmlns:thm15="http://schemas.microsoft.com/office/thememl/2012/main" xmlns="" name="Office Theme" id="{62F939B6-93AF-4DB8-9C6B-D6C7DFDC589F}" vid="{4A3C46E8-61CC-4603-A589-7422A47A8E4A}"/>
+      <thm15:themeFamily xmlns:thm15="http://schemas.microsoft.com/office/thememl/2012/main" name="Office Theme" id="{62F939B6-93AF-4DB8-9C6B-D6C7DFDC589F}" vid="{4A3C46E8-61CC-4603-A589-7422A47A8E4A}"/>
     </a:ext>
   </a:extLst>
 </a:theme>
@@ -34506,7 +36076,7 @@
   <a:extraClrSchemeLst/>
   <a:extLst>
     <a:ext uri="{05A4C25C-085E-4340-85A3-A5531E510DB2}">
-      <thm15:themeFamily xmlns:thm15="http://schemas.microsoft.com/office/thememl/2012/main" xmlns="" name="Office Theme" id="{62F939B6-93AF-4DB8-9C6B-D6C7DFDC589F}" vid="{4A3C46E8-61CC-4603-A589-7422A47A8E4A}"/>
+      <thm15:themeFamily xmlns:thm15="http://schemas.microsoft.com/office/thememl/2012/main" name="Office Theme" id="{62F939B6-93AF-4DB8-9C6B-D6C7DFDC589F}" vid="{4A3C46E8-61CC-4603-A589-7422A47A8E4A}"/>
     </a:ext>
   </a:extLst>
 </a:theme>
@@ -34801,7 +36371,7 @@
   <a:extraClrSchemeLst/>
   <a:extLst>
     <a:ext uri="{05A4C25C-085E-4340-85A3-A5531E510DB2}">
-      <thm15:themeFamily xmlns:thm15="http://schemas.microsoft.com/office/thememl/2012/main" xmlns="" name="Office Theme" id="{62F939B6-93AF-4DB8-9C6B-D6C7DFDC589F}" vid="{4A3C46E8-61CC-4603-A589-7422A47A8E4A}"/>
+      <thm15:themeFamily xmlns:thm15="http://schemas.microsoft.com/office/thememl/2012/main" name="Office Theme" id="{62F939B6-93AF-4DB8-9C6B-D6C7DFDC589F}" vid="{4A3C46E8-61CC-4603-A589-7422A47A8E4A}"/>
     </a:ext>
   </a:extLst>
 </a:theme>
@@ -35096,7 +36666,7 @@
   <a:extraClrSchemeLst/>
   <a:extLst>
     <a:ext uri="{05A4C25C-085E-4340-85A3-A5531E510DB2}">
-      <thm15:themeFamily xmlns:thm15="http://schemas.microsoft.com/office/thememl/2012/main" xmlns="" name="Office Theme" id="{62F939B6-93AF-4DB8-9C6B-D6C7DFDC589F}" vid="{4A3C46E8-61CC-4603-A589-7422A47A8E4A}"/>
+      <thm15:themeFamily xmlns:thm15="http://schemas.microsoft.com/office/thememl/2012/main" name="Office Theme" id="{62F939B6-93AF-4DB8-9C6B-D6C7DFDC589F}" vid="{4A3C46E8-61CC-4603-A589-7422A47A8E4A}"/>
     </a:ext>
   </a:extLst>
 </a:theme>

--- a/Dalia Presentation/20171006_Dalia_Lunchtime Talk_Election Forecasting_v2.pptx
+++ b/Dalia Presentation/20171006_Dalia_Lunchtime Talk_Election Forecasting_v2.pptx
@@ -11,7 +11,7 @@
     <p:sldMasterId id="2147483660" r:id="rId7"/>
   </p:sldMasterIdLst>
   <p:notesMasterIdLst>
-    <p:notesMasterId r:id="rId23"/>
+    <p:notesMasterId r:id="rId24"/>
   </p:notesMasterIdLst>
   <p:sldIdLst>
     <p:sldId id="256" r:id="rId8"/>
@@ -26,9 +26,10 @@
     <p:sldId id="263" r:id="rId17"/>
     <p:sldId id="265" r:id="rId18"/>
     <p:sldId id="273" r:id="rId19"/>
-    <p:sldId id="268" r:id="rId20"/>
-    <p:sldId id="261" r:id="rId21"/>
-    <p:sldId id="269" r:id="rId22"/>
+    <p:sldId id="274" r:id="rId20"/>
+    <p:sldId id="268" r:id="rId21"/>
+    <p:sldId id="261" r:id="rId22"/>
+    <p:sldId id="269" r:id="rId23"/>
   </p:sldIdLst>
   <p:sldSz cx="12192000" cy="6858000"/>
   <p:notesSz cx="6858000" cy="9144000"/>
@@ -232,7 +233,7 @@
           <a:p>
             <a:fld id="{04CBE4CE-4A76-4E91-A0AE-C9E6E325719B}" type="datetimeFigureOut">
               <a:rPr lang="de-DE" smtClean="0"/>
-              <a:t>10.10.2017</a:t>
+              <a:t>31.10.2017</a:t>
             </a:fld>
             <a:endParaRPr lang="de-DE"/>
           </a:p>
@@ -24990,6 +24991,128 @@
           </p:txBody>
         </p:sp>
       </p:grpSp>
+      <p:sp>
+        <p:nvSpPr>
+          <p:cNvPr id="3" name="Speech Bubble: Rectangle 2">
+            <a:extLst>
+              <a:ext uri="{FF2B5EF4-FFF2-40B4-BE49-F238E27FC236}">
+                <a16:creationId xmlns:a16="http://schemas.microsoft.com/office/drawing/2014/main" id="{E3F29CFF-41DC-42FC-9039-977D590E4A53}"/>
+              </a:ext>
+            </a:extLst>
+          </p:cNvPr>
+          <p:cNvSpPr/>
+          <p:nvPr/>
+        </p:nvSpPr>
+        <p:spPr>
+          <a:xfrm>
+            <a:off x="591456" y="794053"/>
+            <a:ext cx="4443840" cy="3043851"/>
+          </a:xfrm>
+          <a:prstGeom prst="wedgeRectCallout">
+            <a:avLst/>
+          </a:prstGeom>
+        </p:spPr>
+        <p:style>
+          <a:lnRef idx="2">
+            <a:schemeClr val="accent1">
+              <a:shade val="50000"/>
+            </a:schemeClr>
+          </a:lnRef>
+          <a:fillRef idx="1">
+            <a:schemeClr val="accent1"/>
+          </a:fillRef>
+          <a:effectRef idx="0">
+            <a:schemeClr val="accent1"/>
+          </a:effectRef>
+          <a:fontRef idx="minor">
+            <a:schemeClr val="lt1"/>
+          </a:fontRef>
+        </p:style>
+        <p:txBody>
+          <a:bodyPr rtlCol="0" anchor="ctr"/>
+          <a:lstStyle/>
+          <a:p>
+            <a:pPr algn="ctr"/>
+            <a:r>
+              <a:rPr lang="de-DE" b="1" dirty="0" err="1">
+                <a:solidFill>
+                  <a:schemeClr val="tx1"/>
+                </a:solidFill>
+              </a:rPr>
+              <a:t>Important</a:t>
+            </a:r>
+            <a:r>
+              <a:rPr lang="de-DE" b="1" dirty="0">
+                <a:solidFill>
+                  <a:schemeClr val="tx1"/>
+                </a:solidFill>
+              </a:rPr>
+              <a:t>: </a:t>
+            </a:r>
+            <a:r>
+              <a:rPr lang="de-DE" b="1" dirty="0" err="1">
+                <a:solidFill>
+                  <a:schemeClr val="tx1"/>
+                </a:solidFill>
+              </a:rPr>
+              <a:t>Leave</a:t>
+            </a:r>
+            <a:r>
+              <a:rPr lang="de-DE" b="1" dirty="0">
+                <a:solidFill>
+                  <a:schemeClr val="tx1"/>
+                </a:solidFill>
+              </a:rPr>
+              <a:t> „last </a:t>
+            </a:r>
+            <a:r>
+              <a:rPr lang="de-DE" b="1" dirty="0" err="1">
+                <a:solidFill>
+                  <a:schemeClr val="tx1"/>
+                </a:solidFill>
+              </a:rPr>
+              <a:t>vote</a:t>
+            </a:r>
+            <a:r>
+              <a:rPr lang="de-DE" b="1" dirty="0">
+                <a:solidFill>
+                  <a:schemeClr val="tx1"/>
+                </a:solidFill>
+              </a:rPr>
+              <a:t>“ in </a:t>
+            </a:r>
+            <a:r>
+              <a:rPr lang="de-DE" b="1" dirty="0" err="1">
+                <a:solidFill>
+                  <a:schemeClr val="tx1"/>
+                </a:solidFill>
+              </a:rPr>
+              <a:t>your</a:t>
+            </a:r>
+            <a:r>
+              <a:rPr lang="de-DE" b="1" dirty="0">
+                <a:solidFill>
+                  <a:schemeClr val="tx1"/>
+                </a:solidFill>
+              </a:rPr>
+              <a:t> </a:t>
+            </a:r>
+            <a:r>
+              <a:rPr lang="de-DE" b="1" dirty="0" err="1">
+                <a:solidFill>
+                  <a:schemeClr val="tx1"/>
+                </a:solidFill>
+              </a:rPr>
+              <a:t>questionaire</a:t>
+            </a:r>
+            <a:endParaRPr lang="de-DE" b="1" dirty="0">
+              <a:solidFill>
+                <a:schemeClr val="tx1"/>
+              </a:solidFill>
+            </a:endParaRPr>
+          </a:p>
+        </p:txBody>
+      </p:sp>
     </p:spTree>
     <p:extLst>
       <p:ext uri="{BB962C8B-B14F-4D97-AF65-F5344CB8AC3E}">
@@ -25315,7 +25438,7 @@
             </a:r>
             <a:r>
               <a:rPr lang="de-DE" sz="1600" dirty="0" err="1"/>
-              <a:t>prolls</a:t>
+              <a:t>polls</a:t>
             </a:r>
             <a:r>
               <a:rPr lang="de-DE" sz="1600" dirty="0"/>
@@ -25971,6 +26094,581 @@
           <a:chExt cx="0" cy="0"/>
         </a:xfrm>
       </p:grpSpPr>
+      <p:sp>
+        <p:nvSpPr>
+          <p:cNvPr id="2" name="Footer Placeholder 1">
+            <a:extLst>
+              <a:ext uri="{FF2B5EF4-FFF2-40B4-BE49-F238E27FC236}">
+                <a16:creationId xmlns:a16="http://schemas.microsoft.com/office/drawing/2014/main" id="{492C7A39-7602-4E25-BB76-1DE6581E388C}"/>
+              </a:ext>
+            </a:extLst>
+          </p:cNvPr>
+          <p:cNvSpPr>
+            <a:spLocks noGrp="1"/>
+          </p:cNvSpPr>
+          <p:nvPr>
+            <p:ph type="ftr" sz="quarter" idx="11"/>
+          </p:nvPr>
+        </p:nvSpPr>
+        <p:spPr/>
+        <p:txBody>
+          <a:bodyPr/>
+          <a:lstStyle/>
+          <a:p>
+            <a:pPr algn="ctr"/>
+            <a:r>
+              <a:rPr lang="de-DE"/>
+              <a:t>10.10.2017</a:t>
+            </a:r>
+            <a:endParaRPr lang="de-DE" dirty="0"/>
+          </a:p>
+        </p:txBody>
+      </p:sp>
+      <p:sp>
+        <p:nvSpPr>
+          <p:cNvPr id="3" name="Slide Number Placeholder 2">
+            <a:extLst>
+              <a:ext uri="{FF2B5EF4-FFF2-40B4-BE49-F238E27FC236}">
+                <a16:creationId xmlns:a16="http://schemas.microsoft.com/office/drawing/2014/main" id="{8614D188-4CBF-492E-8A54-7DA915B7B7EE}"/>
+              </a:ext>
+            </a:extLst>
+          </p:cNvPr>
+          <p:cNvSpPr>
+            <a:spLocks noGrp="1"/>
+          </p:cNvSpPr>
+          <p:nvPr>
+            <p:ph type="sldNum" sz="quarter" idx="12"/>
+          </p:nvPr>
+        </p:nvSpPr>
+        <p:spPr/>
+        <p:txBody>
+          <a:bodyPr/>
+          <a:lstStyle/>
+          <a:p>
+            <a:pPr algn="ctr"/>
+            <a:fld id="{C9A4031B-9BF7-4225-8822-865626CAA73B}" type="slidenum">
+              <a:rPr lang="de-DE" smtClean="0"/>
+              <a:pPr algn="ctr"/>
+              <a:t>13</a:t>
+            </a:fld>
+            <a:endParaRPr lang="de-DE" dirty="0"/>
+          </a:p>
+        </p:txBody>
+      </p:sp>
+      <p:sp>
+        <p:nvSpPr>
+          <p:cNvPr id="4" name="Title 3">
+            <a:extLst>
+              <a:ext uri="{FF2B5EF4-FFF2-40B4-BE49-F238E27FC236}">
+                <a16:creationId xmlns:a16="http://schemas.microsoft.com/office/drawing/2014/main" id="{1D3E4C57-5229-4C8C-9C65-71EBCFA34896}"/>
+              </a:ext>
+            </a:extLst>
+          </p:cNvPr>
+          <p:cNvSpPr>
+            <a:spLocks noGrp="1"/>
+          </p:cNvSpPr>
+          <p:nvPr>
+            <p:ph type="title"/>
+          </p:nvPr>
+        </p:nvSpPr>
+        <p:spPr/>
+        <p:txBody>
+          <a:bodyPr/>
+          <a:lstStyle/>
+          <a:p>
+            <a:pPr algn="ctr"/>
+            <a:r>
+              <a:rPr lang="de-DE" dirty="0"/>
+              <a:t>Q&amp;A</a:t>
+            </a:r>
+          </a:p>
+        </p:txBody>
+      </p:sp>
+      <p:sp>
+        <p:nvSpPr>
+          <p:cNvPr id="5" name="TextBox 4">
+            <a:extLst>
+              <a:ext uri="{FF2B5EF4-FFF2-40B4-BE49-F238E27FC236}">
+                <a16:creationId xmlns:a16="http://schemas.microsoft.com/office/drawing/2014/main" id="{8A845C4F-8FDB-446A-A287-09546570C404}"/>
+              </a:ext>
+            </a:extLst>
+          </p:cNvPr>
+          <p:cNvSpPr txBox="1"/>
+          <p:nvPr/>
+        </p:nvSpPr>
+        <p:spPr>
+          <a:xfrm>
+            <a:off x="591456" y="1584960"/>
+            <a:ext cx="10990944" cy="369332"/>
+          </a:xfrm>
+          <a:prstGeom prst="rect">
+            <a:avLst/>
+          </a:prstGeom>
+          <a:noFill/>
+        </p:spPr>
+        <p:txBody>
+          <a:bodyPr wrap="square" rtlCol="0">
+            <a:spAutoFit/>
+          </a:bodyPr>
+          <a:lstStyle/>
+          <a:p>
+            <a:pPr marL="285750" indent="-285750">
+              <a:buFont typeface="Arial" panose="020B0604020202020204" pitchFamily="34" charset="0"/>
+              <a:buChar char="•"/>
+            </a:pPr>
+            <a:r>
+              <a:rPr lang="de-DE" dirty="0"/>
+              <a:t>Questions</a:t>
+            </a:r>
+          </a:p>
+        </p:txBody>
+      </p:sp>
+      <p:sp>
+        <p:nvSpPr>
+          <p:cNvPr id="6" name="Speech Bubble: Rectangle 5">
+            <a:extLst>
+              <a:ext uri="{FF2B5EF4-FFF2-40B4-BE49-F238E27FC236}">
+                <a16:creationId xmlns:a16="http://schemas.microsoft.com/office/drawing/2014/main" id="{73BB8E4C-7AC9-4AC1-8CCC-783A86DDB949}"/>
+              </a:ext>
+            </a:extLst>
+          </p:cNvPr>
+          <p:cNvSpPr/>
+          <p:nvPr/>
+        </p:nvSpPr>
+        <p:spPr>
+          <a:xfrm>
+            <a:off x="2182368" y="2353056"/>
+            <a:ext cx="4023360" cy="2292096"/>
+          </a:xfrm>
+          <a:prstGeom prst="wedgeRectCallout">
+            <a:avLst/>
+          </a:prstGeom>
+        </p:spPr>
+        <p:style>
+          <a:lnRef idx="2">
+            <a:schemeClr val="accent1">
+              <a:shade val="50000"/>
+            </a:schemeClr>
+          </a:lnRef>
+          <a:fillRef idx="1">
+            <a:schemeClr val="accent1"/>
+          </a:fillRef>
+          <a:effectRef idx="0">
+            <a:schemeClr val="accent1"/>
+          </a:effectRef>
+          <a:fontRef idx="minor">
+            <a:schemeClr val="lt1"/>
+          </a:fontRef>
+        </p:style>
+        <p:txBody>
+          <a:bodyPr rtlCol="0" anchor="ctr"/>
+          <a:lstStyle/>
+          <a:p>
+            <a:pPr algn="ctr"/>
+            <a:r>
+              <a:rPr lang="de-DE" b="1" dirty="0" err="1">
+                <a:solidFill>
+                  <a:schemeClr val="tx1"/>
+                </a:solidFill>
+              </a:rPr>
+              <a:t>Some</a:t>
+            </a:r>
+            <a:r>
+              <a:rPr lang="de-DE" b="1" dirty="0">
+                <a:solidFill>
+                  <a:schemeClr val="tx1"/>
+                </a:solidFill>
+              </a:rPr>
+              <a:t> </a:t>
+            </a:r>
+            <a:r>
+              <a:rPr lang="de-DE" b="1" dirty="0" err="1">
+                <a:solidFill>
+                  <a:schemeClr val="tx1"/>
+                </a:solidFill>
+              </a:rPr>
+              <a:t>interesting</a:t>
+            </a:r>
+            <a:r>
+              <a:rPr lang="de-DE" b="1" dirty="0">
+                <a:solidFill>
+                  <a:schemeClr val="tx1"/>
+                </a:solidFill>
+              </a:rPr>
+              <a:t> </a:t>
+            </a:r>
+            <a:r>
+              <a:rPr lang="de-DE" b="1" dirty="0" err="1">
+                <a:solidFill>
+                  <a:schemeClr val="tx1"/>
+                </a:solidFill>
+              </a:rPr>
+              <a:t>questions</a:t>
+            </a:r>
+            <a:r>
+              <a:rPr lang="de-DE" b="1" dirty="0">
+                <a:solidFill>
+                  <a:schemeClr val="tx1"/>
+                </a:solidFill>
+              </a:rPr>
+              <a:t>:</a:t>
+            </a:r>
+            <a:br>
+              <a:rPr lang="de-DE" b="1" dirty="0">
+                <a:solidFill>
+                  <a:schemeClr val="tx1"/>
+                </a:solidFill>
+              </a:rPr>
+            </a:br>
+            <a:br>
+              <a:rPr lang="de-DE" b="1" dirty="0">
+                <a:solidFill>
+                  <a:schemeClr val="tx1"/>
+                </a:solidFill>
+              </a:rPr>
+            </a:br>
+            <a:r>
+              <a:rPr lang="de-DE" b="1" dirty="0">
+                <a:solidFill>
+                  <a:schemeClr val="tx1"/>
+                </a:solidFill>
+              </a:rPr>
+              <a:t>e.g. </a:t>
+            </a:r>
+            <a:r>
+              <a:rPr lang="de-DE" b="1" dirty="0" err="1">
+                <a:solidFill>
+                  <a:schemeClr val="tx1"/>
+                </a:solidFill>
+              </a:rPr>
+              <a:t>Simply</a:t>
+            </a:r>
+            <a:r>
+              <a:rPr lang="de-DE" b="1" dirty="0">
+                <a:solidFill>
+                  <a:schemeClr val="tx1"/>
+                </a:solidFill>
+              </a:rPr>
+              <a:t> </a:t>
+            </a:r>
+            <a:r>
+              <a:rPr lang="de-DE" b="1" dirty="0" err="1">
+                <a:solidFill>
+                  <a:schemeClr val="tx1"/>
+                </a:solidFill>
+              </a:rPr>
+              <a:t>create</a:t>
+            </a:r>
+            <a:r>
+              <a:rPr lang="de-DE" b="1" dirty="0">
+                <a:solidFill>
+                  <a:schemeClr val="tx1"/>
+                </a:solidFill>
+              </a:rPr>
+              <a:t> a </a:t>
+            </a:r>
+            <a:r>
+              <a:rPr lang="de-DE" b="1" dirty="0" err="1">
+                <a:solidFill>
+                  <a:schemeClr val="tx1"/>
+                </a:solidFill>
+              </a:rPr>
+              <a:t>profile</a:t>
+            </a:r>
+            <a:r>
+              <a:rPr lang="de-DE" b="1" dirty="0">
+                <a:solidFill>
+                  <a:schemeClr val="tx1"/>
+                </a:solidFill>
+              </a:rPr>
+              <a:t> </a:t>
+            </a:r>
+            <a:r>
+              <a:rPr lang="de-DE" b="1" dirty="0" err="1">
+                <a:solidFill>
+                  <a:schemeClr val="tx1"/>
+                </a:solidFill>
+              </a:rPr>
+              <a:t>as</a:t>
+            </a:r>
+            <a:r>
+              <a:rPr lang="de-DE" b="1" dirty="0">
+                <a:solidFill>
+                  <a:schemeClr val="tx1"/>
+                </a:solidFill>
+              </a:rPr>
+              <a:t> a </a:t>
+            </a:r>
+            <a:r>
+              <a:rPr lang="de-DE" b="1" dirty="0" err="1">
+                <a:solidFill>
+                  <a:schemeClr val="tx1"/>
+                </a:solidFill>
+              </a:rPr>
+              <a:t>more</a:t>
+            </a:r>
+            <a:r>
+              <a:rPr lang="de-DE" b="1" dirty="0">
+                <a:solidFill>
+                  <a:schemeClr val="tx1"/>
+                </a:solidFill>
+              </a:rPr>
+              <a:t> </a:t>
+            </a:r>
+            <a:r>
+              <a:rPr lang="de-DE" b="1" dirty="0" err="1">
+                <a:solidFill>
+                  <a:schemeClr val="tx1"/>
+                </a:solidFill>
+              </a:rPr>
+              <a:t>or</a:t>
+            </a:r>
+            <a:r>
+              <a:rPr lang="de-DE" b="1" dirty="0">
+                <a:solidFill>
+                  <a:schemeClr val="tx1"/>
+                </a:solidFill>
+              </a:rPr>
+              <a:t> </a:t>
+            </a:r>
+            <a:r>
+              <a:rPr lang="de-DE" b="1" dirty="0" err="1">
+                <a:solidFill>
+                  <a:schemeClr val="tx1"/>
+                </a:solidFill>
+              </a:rPr>
+              <a:t>less</a:t>
+            </a:r>
+            <a:r>
+              <a:rPr lang="de-DE" b="1" dirty="0">
+                <a:solidFill>
+                  <a:schemeClr val="tx1"/>
+                </a:solidFill>
+              </a:rPr>
+              <a:t> reliable </a:t>
+            </a:r>
+            <a:r>
+              <a:rPr lang="de-DE" b="1" dirty="0" err="1">
+                <a:solidFill>
+                  <a:schemeClr val="tx1"/>
+                </a:solidFill>
+              </a:rPr>
+              <a:t>election</a:t>
+            </a:r>
+            <a:r>
+              <a:rPr lang="de-DE" b="1" dirty="0">
+                <a:solidFill>
+                  <a:schemeClr val="tx1"/>
+                </a:solidFill>
+              </a:rPr>
+              <a:t> </a:t>
+            </a:r>
+            <a:r>
+              <a:rPr lang="de-DE" b="1" dirty="0" err="1">
+                <a:solidFill>
+                  <a:schemeClr val="tx1"/>
+                </a:solidFill>
+              </a:rPr>
+              <a:t>polling</a:t>
+            </a:r>
+            <a:r>
+              <a:rPr lang="de-DE" b="1" dirty="0">
+                <a:solidFill>
+                  <a:schemeClr val="tx1"/>
+                </a:solidFill>
+              </a:rPr>
+              <a:t> </a:t>
+            </a:r>
+            <a:r>
+              <a:rPr lang="de-DE" b="1" dirty="0" err="1">
+                <a:solidFill>
+                  <a:schemeClr val="tx1"/>
+                </a:solidFill>
+              </a:rPr>
+              <a:t>institution</a:t>
+            </a:r>
+            <a:r>
+              <a:rPr lang="de-DE" b="1" dirty="0">
+                <a:solidFill>
+                  <a:schemeClr val="tx1"/>
+                </a:solidFill>
+              </a:rPr>
+              <a:t>: additional </a:t>
+            </a:r>
+            <a:r>
+              <a:rPr lang="de-DE" b="1" dirty="0" err="1">
+                <a:solidFill>
+                  <a:schemeClr val="tx1"/>
+                </a:solidFill>
+              </a:rPr>
+              <a:t>costs</a:t>
+            </a:r>
+            <a:r>
+              <a:rPr lang="de-DE" b="1" dirty="0">
+                <a:solidFill>
+                  <a:schemeClr val="tx1"/>
+                </a:solidFill>
+              </a:rPr>
+              <a:t> </a:t>
+            </a:r>
+            <a:r>
+              <a:rPr lang="de-DE" b="1" dirty="0" err="1">
+                <a:solidFill>
+                  <a:schemeClr val="tx1"/>
+                </a:solidFill>
+              </a:rPr>
+              <a:t>are</a:t>
+            </a:r>
+            <a:r>
+              <a:rPr lang="de-DE" b="1" dirty="0">
+                <a:solidFill>
+                  <a:schemeClr val="tx1"/>
+                </a:solidFill>
+              </a:rPr>
+              <a:t> minimal; </a:t>
+            </a:r>
+            <a:r>
+              <a:rPr lang="de-DE" b="1" dirty="0" err="1">
+                <a:solidFill>
+                  <a:schemeClr val="tx1"/>
+                </a:solidFill>
+              </a:rPr>
+              <a:t>accuracy</a:t>
+            </a:r>
+            <a:r>
+              <a:rPr lang="de-DE" b="1" dirty="0">
+                <a:solidFill>
+                  <a:schemeClr val="tx1"/>
+                </a:solidFill>
+              </a:rPr>
+              <a:t> </a:t>
+            </a:r>
+            <a:r>
+              <a:rPr lang="de-DE" b="1" dirty="0" err="1">
+                <a:solidFill>
+                  <a:schemeClr val="tx1"/>
+                </a:solidFill>
+              </a:rPr>
+              <a:t>can</a:t>
+            </a:r>
+            <a:r>
+              <a:rPr lang="de-DE" b="1" dirty="0">
+                <a:solidFill>
+                  <a:schemeClr val="tx1"/>
+                </a:solidFill>
+              </a:rPr>
+              <a:t> </a:t>
+            </a:r>
+            <a:r>
+              <a:rPr lang="de-DE" b="1" dirty="0" err="1">
+                <a:solidFill>
+                  <a:schemeClr val="tx1"/>
+                </a:solidFill>
+              </a:rPr>
+              <a:t>compete</a:t>
+            </a:r>
+            <a:r>
+              <a:rPr lang="de-DE" b="1" dirty="0">
+                <a:solidFill>
+                  <a:schemeClr val="tx1"/>
+                </a:solidFill>
+              </a:rPr>
+              <a:t> </a:t>
+            </a:r>
+            <a:r>
+              <a:rPr lang="de-DE" b="1" dirty="0" err="1">
+                <a:solidFill>
+                  <a:schemeClr val="tx1"/>
+                </a:solidFill>
+              </a:rPr>
+              <a:t>with</a:t>
+            </a:r>
+            <a:r>
+              <a:rPr lang="de-DE" b="1" dirty="0">
+                <a:solidFill>
+                  <a:schemeClr val="tx1"/>
+                </a:solidFill>
+              </a:rPr>
+              <a:t> </a:t>
+            </a:r>
+            <a:r>
+              <a:rPr lang="de-DE" b="1" dirty="0" err="1">
+                <a:solidFill>
+                  <a:schemeClr val="tx1"/>
+                </a:solidFill>
+              </a:rPr>
+              <a:t>major</a:t>
+            </a:r>
+            <a:r>
+              <a:rPr lang="de-DE" b="1" dirty="0">
+                <a:solidFill>
+                  <a:schemeClr val="tx1"/>
+                </a:solidFill>
+              </a:rPr>
+              <a:t> </a:t>
+            </a:r>
+            <a:r>
+              <a:rPr lang="de-DE" b="1" dirty="0" err="1">
+                <a:solidFill>
+                  <a:schemeClr val="tx1"/>
+                </a:solidFill>
+              </a:rPr>
+              <a:t>polling</a:t>
+            </a:r>
+            <a:r>
+              <a:rPr lang="de-DE" b="1" dirty="0">
+                <a:solidFill>
+                  <a:schemeClr val="tx1"/>
+                </a:solidFill>
+              </a:rPr>
+              <a:t> </a:t>
+            </a:r>
+            <a:r>
+              <a:rPr lang="de-DE" b="1" dirty="0" err="1">
+                <a:solidFill>
+                  <a:schemeClr val="tx1"/>
+                </a:solidFill>
+              </a:rPr>
+              <a:t>institutions</a:t>
+            </a:r>
+            <a:endParaRPr lang="de-DE" b="1" dirty="0">
+              <a:solidFill>
+                <a:schemeClr val="tx1"/>
+              </a:solidFill>
+            </a:endParaRPr>
+          </a:p>
+        </p:txBody>
+      </p:sp>
+    </p:spTree>
+    <p:extLst>
+      <p:ext uri="{BB962C8B-B14F-4D97-AF65-F5344CB8AC3E}">
+        <p14:creationId xmlns:p14="http://schemas.microsoft.com/office/powerpoint/2010/main" val="754746153"/>
+      </p:ext>
+    </p:extLst>
+  </p:cSld>
+  <p:clrMapOvr>
+    <a:masterClrMapping/>
+  </p:clrMapOvr>
+</p:sld>
+</file>
+
+<file path=ppt/slides/slide14.xml><?xml version="1.0" encoding="utf-8"?>
+<p:sld xmlns:a="http://schemas.openxmlformats.org/drawingml/2006/main" xmlns:r="http://schemas.openxmlformats.org/officeDocument/2006/relationships" xmlns:p="http://schemas.openxmlformats.org/presentationml/2006/main">
+  <p:cSld>
+    <p:spTree>
+      <p:nvGrpSpPr>
+        <p:cNvPr id="1" name=""/>
+        <p:cNvGrpSpPr/>
+        <p:nvPr/>
+      </p:nvGrpSpPr>
+      <p:grpSpPr>
+        <a:xfrm>
+          <a:off x="0" y="0"/>
+          <a:ext cx="0" cy="0"/>
+          <a:chOff x="0" y="0"/>
+          <a:chExt cx="0" cy="0"/>
+        </a:xfrm>
+      </p:grpSpPr>
       <p:pic>
         <p:nvPicPr>
           <p:cNvPr id="9" name="Picture 8" descr="A close up of a map&#10;&#10;Description generated with high confidence">
@@ -26059,7 +26757,7 @@
           <a:p>
             <a:fld id="{C9A4031B-9BF7-4225-8822-865626CAA73B}" type="slidenum">
               <a:rPr lang="de-DE" smtClean="0"/>
-              <a:t>13</a:t>
+              <a:t>14</a:t>
             </a:fld>
             <a:endParaRPr lang="de-DE" dirty="0"/>
           </a:p>
@@ -26278,7 +26976,7 @@
 </p:sld>
 </file>
 
-<file path=ppt/slides/slide14.xml><?xml version="1.0" encoding="utf-8"?>
+<file path=ppt/slides/slide15.xml><?xml version="1.0" encoding="utf-8"?>
 <p:sld xmlns:a="http://schemas.openxmlformats.org/drawingml/2006/main" xmlns:r="http://schemas.openxmlformats.org/officeDocument/2006/relationships" xmlns:p="http://schemas.openxmlformats.org/presentationml/2006/main">
   <p:cSld>
     <p:spTree>
@@ -26348,7 +27046,7 @@
           <a:p>
             <a:fld id="{C9A4031B-9BF7-4225-8822-865626CAA73B}" type="slidenum">
               <a:rPr lang="de-DE" smtClean="0"/>
-              <a:t>14</a:t>
+              <a:t>15</a:t>
             </a:fld>
             <a:endParaRPr lang="de-DE" dirty="0"/>
           </a:p>
@@ -27244,7 +27942,7 @@
 </p:sld>
 </file>
 
-<file path=ppt/slides/slide15.xml><?xml version="1.0" encoding="utf-8"?>
+<file path=ppt/slides/slide16.xml><?xml version="1.0" encoding="utf-8"?>
 <p:sld xmlns:a="http://schemas.openxmlformats.org/drawingml/2006/main" xmlns:r="http://schemas.openxmlformats.org/officeDocument/2006/relationships" xmlns:p="http://schemas.openxmlformats.org/presentationml/2006/main">
   <p:cSld>
     <p:spTree>
@@ -27314,7 +28012,7 @@
           <a:p>
             <a:fld id="{C9A4031B-9BF7-4225-8822-865626CAA73B}" type="slidenum">
               <a:rPr lang="de-DE" smtClean="0"/>
-              <a:t>15</a:t>
+              <a:t>16</a:t>
             </a:fld>
             <a:endParaRPr lang="de-DE" dirty="0"/>
           </a:p>
@@ -29669,6 +30367,203 @@
           </a:p>
         </p:txBody>
       </p:sp>
+      <p:sp>
+        <p:nvSpPr>
+          <p:cNvPr id="7" name="Speech Bubble: Rectangle 6">
+            <a:extLst>
+              <a:ext uri="{FF2B5EF4-FFF2-40B4-BE49-F238E27FC236}">
+                <a16:creationId xmlns:a16="http://schemas.microsoft.com/office/drawing/2014/main" id="{9D559B88-529A-445D-A88B-6C914B206295}"/>
+              </a:ext>
+            </a:extLst>
+          </p:cNvPr>
+          <p:cNvSpPr/>
+          <p:nvPr/>
+        </p:nvSpPr>
+        <p:spPr>
+          <a:xfrm>
+            <a:off x="1524000" y="2938272"/>
+            <a:ext cx="3499104" cy="2657856"/>
+          </a:xfrm>
+          <a:prstGeom prst="wedgeRectCallout">
+            <a:avLst/>
+          </a:prstGeom>
+        </p:spPr>
+        <p:style>
+          <a:lnRef idx="2">
+            <a:schemeClr val="accent1">
+              <a:shade val="50000"/>
+            </a:schemeClr>
+          </a:lnRef>
+          <a:fillRef idx="1">
+            <a:schemeClr val="accent1"/>
+          </a:fillRef>
+          <a:effectRef idx="0">
+            <a:schemeClr val="accent1"/>
+          </a:effectRef>
+          <a:fontRef idx="minor">
+            <a:schemeClr val="lt1"/>
+          </a:fontRef>
+        </p:style>
+        <p:txBody>
+          <a:bodyPr rtlCol="0" anchor="ctr"/>
+          <a:lstStyle/>
+          <a:p>
+            <a:pPr algn="ctr"/>
+            <a:r>
+              <a:rPr lang="de-DE" b="1" dirty="0">
+                <a:solidFill>
+                  <a:schemeClr val="tx1"/>
+                </a:solidFill>
+              </a:rPr>
+              <a:t>Daily </a:t>
+            </a:r>
+            <a:r>
+              <a:rPr lang="de-DE" b="1" dirty="0" err="1">
+                <a:solidFill>
+                  <a:schemeClr val="tx1"/>
+                </a:solidFill>
+              </a:rPr>
+              <a:t>snapshop</a:t>
+            </a:r>
+            <a:r>
+              <a:rPr lang="de-DE" b="1" dirty="0">
+                <a:solidFill>
+                  <a:schemeClr val="tx1"/>
+                </a:solidFill>
+              </a:rPr>
+              <a:t> </a:t>
+            </a:r>
+            <a:r>
+              <a:rPr lang="de-DE" b="1" dirty="0" err="1">
+                <a:solidFill>
+                  <a:schemeClr val="tx1"/>
+                </a:solidFill>
+              </a:rPr>
+              <a:t>of</a:t>
+            </a:r>
+            <a:r>
+              <a:rPr lang="de-DE" b="1" dirty="0">
+                <a:solidFill>
+                  <a:schemeClr val="tx1"/>
+                </a:solidFill>
+              </a:rPr>
+              <a:t> </a:t>
+            </a:r>
+            <a:r>
+              <a:rPr lang="de-DE" b="1" dirty="0" err="1">
+                <a:solidFill>
+                  <a:schemeClr val="tx1"/>
+                </a:solidFill>
+              </a:rPr>
+              <a:t>opinion</a:t>
+            </a:r>
+            <a:r>
+              <a:rPr lang="de-DE" b="1" dirty="0">
+                <a:solidFill>
+                  <a:schemeClr val="tx1"/>
+                </a:solidFill>
+              </a:rPr>
+              <a:t> </a:t>
+            </a:r>
+            <a:r>
+              <a:rPr lang="de-DE" b="1" dirty="0" err="1">
+                <a:solidFill>
+                  <a:schemeClr val="tx1"/>
+                </a:solidFill>
+              </a:rPr>
+              <a:t>or</a:t>
+            </a:r>
+            <a:r>
+              <a:rPr lang="de-DE" b="1" dirty="0">
+                <a:solidFill>
+                  <a:schemeClr val="tx1"/>
+                </a:solidFill>
+              </a:rPr>
+              <a:t> </a:t>
+            </a:r>
+            <a:r>
+              <a:rPr lang="de-DE" b="1" dirty="0" err="1">
+                <a:solidFill>
+                  <a:schemeClr val="tx1"/>
+                </a:solidFill>
+              </a:rPr>
+              <a:t>long</a:t>
+            </a:r>
+            <a:r>
+              <a:rPr lang="de-DE" b="1" dirty="0">
+                <a:solidFill>
+                  <a:schemeClr val="tx1"/>
+                </a:solidFill>
+              </a:rPr>
+              <a:t> </a:t>
+            </a:r>
+            <a:r>
+              <a:rPr lang="de-DE" b="1" dirty="0" err="1">
+                <a:solidFill>
+                  <a:schemeClr val="tx1"/>
+                </a:solidFill>
+              </a:rPr>
+              <a:t>term</a:t>
+            </a:r>
+            <a:r>
+              <a:rPr lang="de-DE" b="1" dirty="0">
+                <a:solidFill>
+                  <a:schemeClr val="tx1"/>
+                </a:solidFill>
+              </a:rPr>
+              <a:t> </a:t>
+            </a:r>
+            <a:r>
+              <a:rPr lang="de-DE" b="1" dirty="0" err="1">
+                <a:solidFill>
+                  <a:schemeClr val="tx1"/>
+                </a:solidFill>
+              </a:rPr>
+              <a:t>shifts</a:t>
+            </a:r>
+            <a:r>
+              <a:rPr lang="de-DE" b="1" dirty="0">
+                <a:solidFill>
+                  <a:schemeClr val="tx1"/>
+                </a:solidFill>
+              </a:rPr>
+              <a:t> in </a:t>
+            </a:r>
+            <a:r>
+              <a:rPr lang="de-DE" b="1" dirty="0" err="1">
+                <a:solidFill>
+                  <a:schemeClr val="tx1"/>
+                </a:solidFill>
+              </a:rPr>
+              <a:t>party</a:t>
+            </a:r>
+            <a:r>
+              <a:rPr lang="de-DE" b="1" dirty="0">
+                <a:solidFill>
+                  <a:schemeClr val="tx1"/>
+                </a:solidFill>
+              </a:rPr>
+              <a:t> </a:t>
+            </a:r>
+            <a:r>
+              <a:rPr lang="de-DE" b="1" dirty="0" err="1">
+                <a:solidFill>
+                  <a:schemeClr val="tx1"/>
+                </a:solidFill>
+              </a:rPr>
+              <a:t>preference</a:t>
+            </a:r>
+            <a:r>
+              <a:rPr lang="de-DE" b="1" dirty="0">
+                <a:solidFill>
+                  <a:schemeClr val="tx1"/>
+                </a:solidFill>
+              </a:rPr>
+              <a:t>?</a:t>
+            </a:r>
+          </a:p>
+        </p:txBody>
+      </p:sp>
     </p:spTree>
     <p:extLst>
       <p:ext uri="{BB962C8B-B14F-4D97-AF65-F5344CB8AC3E}">
@@ -31677,9 +32572,9 @@
         <p:grpSpPr>
           <a:xfrm>
             <a:off x="716829" y="1726939"/>
-            <a:ext cx="4866047" cy="2259845"/>
+            <a:ext cx="4866047" cy="2272037"/>
             <a:chOff x="911901" y="1726939"/>
-            <a:chExt cx="4866047" cy="2259845"/>
+            <a:chExt cx="4866047" cy="2272037"/>
           </a:xfrm>
         </p:grpSpPr>
         <p:sp>
@@ -31872,7 +32767,7 @@
           </p:nvSpPr>
           <p:spPr>
             <a:xfrm>
-              <a:off x="911901" y="2086361"/>
+              <a:off x="911901" y="2098553"/>
               <a:ext cx="4866047" cy="1900423"/>
             </a:xfrm>
             <a:custGeom>
@@ -32474,9 +33369,9 @@
         <p:grpSpPr>
           <a:xfrm>
             <a:off x="6648237" y="1726939"/>
-            <a:ext cx="4866047" cy="3643637"/>
+            <a:ext cx="4866047" cy="3491237"/>
             <a:chOff x="6843309" y="1781803"/>
-            <a:chExt cx="4866047" cy="3643637"/>
+            <a:chExt cx="4866047" cy="3491237"/>
           </a:xfrm>
         </p:grpSpPr>
         <p:sp>
@@ -32494,7 +33389,7 @@
           <p:spPr>
             <a:xfrm>
               <a:off x="6843309" y="1781803"/>
-              <a:ext cx="4866047" cy="552902"/>
+              <a:ext cx="4866047" cy="373907"/>
             </a:xfrm>
             <a:custGeom>
               <a:avLst/>
@@ -32628,8 +33523,8 @@
           </p:nvSpPr>
           <p:spPr>
             <a:xfrm>
-              <a:off x="6843309" y="2141225"/>
-              <a:ext cx="4866047" cy="3284215"/>
+              <a:off x="6843309" y="2165609"/>
+              <a:ext cx="4866047" cy="3107431"/>
             </a:xfrm>
             <a:custGeom>
               <a:avLst/>
@@ -33263,9 +34158,9 @@
         <p:grpSpPr>
           <a:xfrm>
             <a:off x="716829" y="4199879"/>
-            <a:ext cx="4866047" cy="1969273"/>
+            <a:ext cx="4866047" cy="2190177"/>
             <a:chOff x="902779" y="4199879"/>
-            <a:chExt cx="4866047" cy="1969273"/>
+            <a:chExt cx="4866047" cy="2190177"/>
           </a:xfrm>
         </p:grpSpPr>
         <p:sp>
@@ -33398,7 +34293,7 @@
                     </a:schemeClr>
                   </a:solidFill>
                 </a:rPr>
-                <a:t>Post-</a:t>
+                <a:t>General </a:t>
               </a:r>
               <a:r>
                 <a:rPr lang="de-DE" b="1" dirty="0" err="1">
@@ -33409,7 +34304,7 @@
                     </a:schemeClr>
                   </a:solidFill>
                 </a:rPr>
-                <a:t>stratification</a:t>
+                <a:t>problems</a:t>
               </a:r>
               <a:r>
                 <a:rPr lang="de-DE" b="1" dirty="0">
@@ -33431,7 +34326,29 @@
                     </a:schemeClr>
                   </a:solidFill>
                 </a:rPr>
-                <a:t>approach</a:t>
+                <a:t>of</a:t>
+              </a:r>
+              <a:r>
+                <a:rPr lang="de-DE" b="1" dirty="0">
+                  <a:solidFill>
+                    <a:schemeClr val="tx1">
+                      <a:lumMod val="75000"/>
+                      <a:lumOff val="25000"/>
+                    </a:schemeClr>
+                  </a:solidFill>
+                </a:rPr>
+                <a:t> post-</a:t>
+              </a:r>
+              <a:r>
+                <a:rPr lang="de-DE" b="1" dirty="0" err="1">
+                  <a:solidFill>
+                    <a:schemeClr val="tx1">
+                      <a:lumMod val="75000"/>
+                      <a:lumOff val="25000"/>
+                    </a:schemeClr>
+                  </a:solidFill>
+                </a:rPr>
+                <a:t>stratification</a:t>
               </a:r>
               <a:endParaRPr lang="de-DE" b="1" dirty="0">
                 <a:solidFill>
@@ -33459,7 +34376,7 @@
           <p:spPr>
             <a:xfrm>
               <a:off x="902779" y="4559301"/>
-              <a:ext cx="4866047" cy="1609851"/>
+              <a:ext cx="4866047" cy="1830755"/>
             </a:xfrm>
             <a:custGeom>
               <a:avLst/>
@@ -33569,17 +34486,6 @@
             <a:lstStyle/>
             <a:p>
               <a:r>
-                <a:rPr lang="de-DE" b="1" dirty="0">
-                  <a:solidFill>
-                    <a:schemeClr val="tx1">
-                      <a:lumMod val="75000"/>
-                      <a:lumOff val="25000"/>
-                    </a:schemeClr>
-                  </a:solidFill>
-                </a:rPr>
-                <a:t>Problem: </a:t>
-              </a:r>
-              <a:r>
                 <a:rPr lang="de-DE" b="1" dirty="0" err="1">
                   <a:solidFill>
                     <a:schemeClr val="tx1">
@@ -33656,17 +34562,6 @@
                 </a:rPr>
                 <a:t>clusters</a:t>
               </a:r>
-              <a:endParaRPr lang="de-DE" b="1" dirty="0">
-                <a:solidFill>
-                  <a:schemeClr val="tx1">
-                    <a:lumMod val="75000"/>
-                    <a:lumOff val="25000"/>
-                  </a:schemeClr>
-                </a:solidFill>
-              </a:endParaRPr>
-            </a:p>
-            <a:p>
-              <a:pPr lvl="1"/>
               <a:r>
                 <a:rPr lang="de-DE" b="1" dirty="0">
                   <a:solidFill>
@@ -33676,7 +34571,23 @@
                     </a:schemeClr>
                   </a:solidFill>
                 </a:rPr>
-                <a:t>1. Small </a:t>
+                <a:t>:</a:t>
+              </a:r>
+            </a:p>
+            <a:p>
+              <a:pPr marL="800100" lvl="1" indent="-342900">
+                <a:buAutoNum type="arabicPeriod"/>
+              </a:pPr>
+              <a:r>
+                <a:rPr lang="de-DE" b="1" dirty="0">
+                  <a:solidFill>
+                    <a:schemeClr val="tx1">
+                      <a:lumMod val="75000"/>
+                      <a:lumOff val="25000"/>
+                    </a:schemeClr>
+                  </a:solidFill>
+                </a:rPr>
+                <a:t>Small </a:t>
               </a:r>
               <a:r>
                 <a:rPr lang="de-DE" b="1" dirty="0" err="1">
@@ -33687,7 +34598,7 @@
                     </a:schemeClr>
                   </a:solidFill>
                 </a:rPr>
-                <a:t>clusters</a:t>
+                <a:t>cluster</a:t>
               </a:r>
               <a:r>
                 <a:rPr lang="de-DE" b="1" dirty="0">
@@ -33698,65 +34609,7 @@
                     </a:schemeClr>
                   </a:solidFill>
                 </a:rPr>
-                <a:t> (n&lt;30)</a:t>
-              </a:r>
-            </a:p>
-            <a:p>
-              <a:pPr lvl="2"/>
-              <a:r>
-                <a:rPr lang="de-DE" b="1" dirty="0">
-                  <a:solidFill>
-                    <a:schemeClr val="tx1">
-                      <a:lumMod val="75000"/>
-                      <a:lumOff val="25000"/>
-                    </a:schemeClr>
-                  </a:solidFill>
-                </a:rPr>
-                <a:t>Lead </a:t>
-              </a:r>
-              <a:r>
-                <a:rPr lang="de-DE" b="1" dirty="0" err="1">
-                  <a:solidFill>
-                    <a:schemeClr val="tx1">
-                      <a:lumMod val="75000"/>
-                      <a:lumOff val="25000"/>
-                    </a:schemeClr>
-                  </a:solidFill>
-                </a:rPr>
-                <a:t>to</a:t>
-              </a:r>
-              <a:r>
-                <a:rPr lang="de-DE" b="1" dirty="0">
-                  <a:solidFill>
-                    <a:schemeClr val="tx1">
-                      <a:lumMod val="75000"/>
-                      <a:lumOff val="25000"/>
-                    </a:schemeClr>
-                  </a:solidFill>
-                </a:rPr>
-                <a:t> large </a:t>
-              </a:r>
-              <a:r>
-                <a:rPr lang="de-DE" b="1" dirty="0" err="1">
-                  <a:solidFill>
-                    <a:schemeClr val="tx1">
-                      <a:lumMod val="75000"/>
-                      <a:lumOff val="25000"/>
-                    </a:schemeClr>
-                  </a:solidFill>
-                </a:rPr>
-                <a:t>standard</a:t>
-              </a:r>
-              <a:r>
-                <a:rPr lang="de-DE" b="1" dirty="0">
-                  <a:solidFill>
-                    <a:schemeClr val="tx1">
-                      <a:lumMod val="75000"/>
-                      <a:lumOff val="25000"/>
-                    </a:schemeClr>
-                  </a:solidFill>
-                </a:rPr>
-                <a:t> </a:t>
+                <a:t> (n&lt;30) =&gt; large </a:t>
               </a:r>
               <a:r>
                 <a:rPr lang="de-DE" b="1" dirty="0" err="1">
@@ -33779,7 +34632,9 @@
               </a:endParaRPr>
             </a:p>
             <a:p>
-              <a:pPr lvl="1"/>
+              <a:pPr marL="800100" lvl="1" indent="-342900">
+                <a:buAutoNum type="arabicPeriod"/>
+              </a:pPr>
               <a:r>
                 <a:rPr lang="de-DE" b="1" dirty="0">
                   <a:solidFill>
@@ -33789,7 +34644,7 @@
                     </a:schemeClr>
                   </a:solidFill>
                 </a:rPr>
-                <a:t>2. </a:t>
+                <a:t>Empty </a:t>
               </a:r>
               <a:r>
                 <a:rPr lang="de-DE" b="1" dirty="0" err="1">
@@ -33800,7 +34655,29 @@
                     </a:schemeClr>
                   </a:solidFill>
                 </a:rPr>
-                <a:t>Empthy</a:t>
+                <a:t>cluster</a:t>
+              </a:r>
+              <a:r>
+                <a:rPr lang="de-DE" b="1" dirty="0">
+                  <a:solidFill>
+                    <a:schemeClr val="tx1">
+                      <a:lumMod val="75000"/>
+                      <a:lumOff val="25000"/>
+                    </a:schemeClr>
+                  </a:solidFill>
+                </a:rPr>
+                <a:t> =&gt; </a:t>
+              </a:r>
+              <a:r>
+                <a:rPr lang="de-DE" b="1" dirty="0" err="1">
+                  <a:solidFill>
+                    <a:schemeClr val="tx1">
+                      <a:lumMod val="75000"/>
+                      <a:lumOff val="25000"/>
+                    </a:schemeClr>
+                  </a:solidFill>
+                </a:rPr>
+                <a:t>no</a:t>
               </a:r>
               <a:r>
                 <a:rPr lang="de-DE" b="1" dirty="0">
@@ -33822,7 +34699,7 @@
                     </a:schemeClr>
                   </a:solidFill>
                 </a:rPr>
-                <a:t>clusters</a:t>
+                <a:t>weights</a:t>
               </a:r>
               <a:endParaRPr lang="de-DE" b="1" dirty="0">
                 <a:solidFill>
@@ -33834,7 +34711,23 @@
               </a:endParaRPr>
             </a:p>
             <a:p>
-              <a:pPr lvl="2"/>
+              <a:pPr marL="800100" lvl="1" indent="-342900">
+                <a:buAutoNum type="arabicPeriod"/>
+              </a:pPr>
+              <a:endParaRPr lang="de-DE" b="1" dirty="0">
+                <a:solidFill>
+                  <a:schemeClr val="tx1">
+                    <a:lumMod val="75000"/>
+                    <a:lumOff val="25000"/>
+                  </a:schemeClr>
+                </a:solidFill>
+              </a:endParaRPr>
+            </a:p>
+            <a:p>
+              <a:pPr marL="285750" indent="-285750">
+                <a:buFont typeface="Symbol" panose="05050102010706020507" pitchFamily="18" charset="2"/>
+                <a:buChar char="Þ"/>
+              </a:pPr>
               <a:r>
                 <a:rPr lang="de-DE" b="1" dirty="0">
                   <a:solidFill>
@@ -33844,7 +34737,7 @@
                     </a:schemeClr>
                   </a:solidFill>
                 </a:rPr>
-                <a:t>Ad-hoc </a:t>
+                <a:t>Ad hoc </a:t>
               </a:r>
               <a:r>
                 <a:rPr lang="de-DE" b="1" dirty="0" err="1">
@@ -33901,6 +34794,83 @@
                 </a:rPr>
                 <a:t>categories</a:t>
               </a:r>
+              <a:r>
+                <a:rPr lang="de-DE" b="1" dirty="0">
+                  <a:solidFill>
+                    <a:schemeClr val="tx1">
+                      <a:lumMod val="75000"/>
+                      <a:lumOff val="25000"/>
+                    </a:schemeClr>
+                  </a:solidFill>
+                </a:rPr>
+                <a:t> (e.g. </a:t>
+              </a:r>
+              <a:r>
+                <a:rPr lang="de-DE" b="1" dirty="0" err="1">
+                  <a:solidFill>
+                    <a:schemeClr val="tx1">
+                      <a:lumMod val="75000"/>
+                      <a:lumOff val="25000"/>
+                    </a:schemeClr>
+                  </a:solidFill>
+                </a:rPr>
+                <a:t>merge</a:t>
+              </a:r>
+              <a:r>
+                <a:rPr lang="de-DE" b="1" dirty="0">
+                  <a:solidFill>
+                    <a:schemeClr val="tx1">
+                      <a:lumMod val="75000"/>
+                      <a:lumOff val="25000"/>
+                    </a:schemeClr>
+                  </a:solidFill>
+                </a:rPr>
+                <a:t> </a:t>
+              </a:r>
+              <a:r>
+                <a:rPr lang="de-DE" b="1" dirty="0" err="1">
+                  <a:solidFill>
+                    <a:schemeClr val="tx1">
+                      <a:lumMod val="75000"/>
+                      <a:lumOff val="25000"/>
+                    </a:schemeClr>
+                  </a:solidFill>
+                </a:rPr>
+                <a:t>age</a:t>
+              </a:r>
+              <a:r>
+                <a:rPr lang="de-DE" b="1" dirty="0">
+                  <a:solidFill>
+                    <a:schemeClr val="tx1">
+                      <a:lumMod val="75000"/>
+                      <a:lumOff val="25000"/>
+                    </a:schemeClr>
+                  </a:solidFill>
+                </a:rPr>
+                <a:t> </a:t>
+              </a:r>
+              <a:r>
+                <a:rPr lang="de-DE" b="1" dirty="0" err="1">
+                  <a:solidFill>
+                    <a:schemeClr val="tx1">
+                      <a:lumMod val="75000"/>
+                      <a:lumOff val="25000"/>
+                    </a:schemeClr>
+                  </a:solidFill>
+                </a:rPr>
+                <a:t>categories</a:t>
+              </a:r>
+              <a:r>
+                <a:rPr lang="de-DE" b="1" dirty="0">
+                  <a:solidFill>
+                    <a:schemeClr val="tx1">
+                      <a:lumMod val="75000"/>
+                      <a:lumOff val="25000"/>
+                    </a:schemeClr>
+                  </a:solidFill>
+                </a:rPr>
+                <a:t>)</a:t>
+              </a:r>
               <a:endParaRPr lang="en-US" kern="1200" dirty="0">
                 <a:latin typeface="+mj-lt"/>
               </a:endParaRPr>
@@ -33908,6 +34878,275 @@
           </p:txBody>
         </p:sp>
       </p:grpSp>
+      <p:sp>
+        <p:nvSpPr>
+          <p:cNvPr id="3" name="Speech Bubble: Rectangle 2">
+            <a:extLst>
+              <a:ext uri="{FF2B5EF4-FFF2-40B4-BE49-F238E27FC236}">
+                <a16:creationId xmlns:a16="http://schemas.microsoft.com/office/drawing/2014/main" id="{7F0AD741-7330-47A2-A0CA-77FB8F20F942}"/>
+              </a:ext>
+            </a:extLst>
+          </p:cNvPr>
+          <p:cNvSpPr/>
+          <p:nvPr/>
+        </p:nvSpPr>
+        <p:spPr>
+          <a:xfrm>
+            <a:off x="6764780" y="4228167"/>
+            <a:ext cx="4632960" cy="1603513"/>
+          </a:xfrm>
+          <a:prstGeom prst="wedgeRectCallout">
+            <a:avLst/>
+          </a:prstGeom>
+        </p:spPr>
+        <p:style>
+          <a:lnRef idx="2">
+            <a:schemeClr val="accent1">
+              <a:shade val="50000"/>
+            </a:schemeClr>
+          </a:lnRef>
+          <a:fillRef idx="1">
+            <a:schemeClr val="accent1"/>
+          </a:fillRef>
+          <a:effectRef idx="0">
+            <a:schemeClr val="accent1"/>
+          </a:effectRef>
+          <a:fontRef idx="minor">
+            <a:schemeClr val="lt1"/>
+          </a:fontRef>
+        </p:style>
+        <p:txBody>
+          <a:bodyPr rtlCol="0" anchor="ctr"/>
+          <a:lstStyle/>
+          <a:p>
+            <a:pPr algn="ctr"/>
+            <a:r>
+              <a:rPr lang="de-DE" b="1" dirty="0">
+                <a:solidFill>
+                  <a:schemeClr val="tx1"/>
+                </a:solidFill>
+              </a:rPr>
+              <a:t>Data </a:t>
+            </a:r>
+            <a:r>
+              <a:rPr lang="de-DE" b="1" dirty="0" err="1">
+                <a:solidFill>
+                  <a:schemeClr val="tx1"/>
+                </a:solidFill>
+              </a:rPr>
+              <a:t>cleaning</a:t>
+            </a:r>
+            <a:r>
+              <a:rPr lang="de-DE" b="1" dirty="0">
+                <a:solidFill>
+                  <a:schemeClr val="tx1"/>
+                </a:solidFill>
+              </a:rPr>
+              <a:t>?</a:t>
+            </a:r>
+          </a:p>
+          <a:p>
+            <a:pPr algn="ctr"/>
+            <a:r>
+              <a:rPr lang="de-DE" b="1" dirty="0">
+                <a:solidFill>
+                  <a:schemeClr val="tx1"/>
+                </a:solidFill>
+              </a:rPr>
+              <a:t>Take </a:t>
+            </a:r>
+            <a:r>
+              <a:rPr lang="de-DE" b="1" dirty="0" err="1">
+                <a:solidFill>
+                  <a:schemeClr val="tx1"/>
+                </a:solidFill>
+              </a:rPr>
+              <a:t>away</a:t>
+            </a:r>
+            <a:r>
+              <a:rPr lang="de-DE" b="1" dirty="0">
+                <a:solidFill>
+                  <a:schemeClr val="tx1"/>
+                </a:solidFill>
+              </a:rPr>
+              <a:t>/</a:t>
+            </a:r>
+            <a:r>
+              <a:rPr lang="de-DE" b="1" dirty="0" err="1">
+                <a:solidFill>
+                  <a:schemeClr val="tx1"/>
+                </a:solidFill>
+              </a:rPr>
+              <a:t>appraoch</a:t>
+            </a:r>
+            <a:r>
+              <a:rPr lang="de-DE" b="1" dirty="0">
+                <a:solidFill>
+                  <a:schemeClr val="tx1"/>
+                </a:solidFill>
+              </a:rPr>
+              <a:t>: </a:t>
+            </a:r>
+            <a:r>
+              <a:rPr lang="de-DE" b="1" dirty="0" err="1">
+                <a:solidFill>
+                  <a:schemeClr val="tx1"/>
+                </a:solidFill>
+              </a:rPr>
+              <a:t>Good</a:t>
+            </a:r>
+            <a:r>
+              <a:rPr lang="de-DE" b="1" dirty="0">
+                <a:solidFill>
+                  <a:schemeClr val="tx1"/>
+                </a:solidFill>
+              </a:rPr>
+              <a:t> </a:t>
+            </a:r>
+            <a:r>
+              <a:rPr lang="de-DE" b="1" dirty="0" err="1">
+                <a:solidFill>
+                  <a:schemeClr val="tx1"/>
+                </a:solidFill>
+              </a:rPr>
+              <a:t>results</a:t>
+            </a:r>
+            <a:r>
+              <a:rPr lang="de-DE" b="1" dirty="0">
+                <a:solidFill>
+                  <a:schemeClr val="tx1"/>
+                </a:solidFill>
+              </a:rPr>
+              <a:t> </a:t>
+            </a:r>
+            <a:r>
+              <a:rPr lang="de-DE" b="1" dirty="0" err="1">
+                <a:solidFill>
+                  <a:schemeClr val="tx1"/>
+                </a:solidFill>
+              </a:rPr>
+              <a:t>compared</a:t>
+            </a:r>
+            <a:r>
+              <a:rPr lang="de-DE" b="1" dirty="0">
+                <a:solidFill>
+                  <a:schemeClr val="tx1"/>
+                </a:solidFill>
+              </a:rPr>
+              <a:t> </a:t>
+            </a:r>
+            <a:r>
+              <a:rPr lang="de-DE" b="1" dirty="0" err="1">
+                <a:solidFill>
+                  <a:schemeClr val="tx1"/>
+                </a:solidFill>
+              </a:rPr>
+              <a:t>to</a:t>
+            </a:r>
+            <a:r>
+              <a:rPr lang="de-DE" b="1" dirty="0">
+                <a:solidFill>
+                  <a:schemeClr val="tx1"/>
+                </a:solidFill>
+              </a:rPr>
+              <a:t> benchmark </a:t>
+            </a:r>
+            <a:r>
+              <a:rPr lang="de-DE" b="1" dirty="0" err="1">
+                <a:solidFill>
+                  <a:schemeClr val="tx1"/>
+                </a:solidFill>
+              </a:rPr>
+              <a:t>with</a:t>
+            </a:r>
+            <a:r>
+              <a:rPr lang="de-DE" b="1" dirty="0">
+                <a:solidFill>
+                  <a:schemeClr val="tx1"/>
+                </a:solidFill>
+              </a:rPr>
+              <a:t> </a:t>
+            </a:r>
+            <a:r>
+              <a:rPr lang="de-DE" b="1" dirty="0" err="1">
+                <a:solidFill>
+                  <a:schemeClr val="tx1"/>
+                </a:solidFill>
+              </a:rPr>
+              <a:t>publicly</a:t>
+            </a:r>
+            <a:r>
+              <a:rPr lang="de-DE" b="1" dirty="0">
+                <a:solidFill>
+                  <a:schemeClr val="tx1"/>
+                </a:solidFill>
+              </a:rPr>
+              <a:t> </a:t>
+            </a:r>
+            <a:r>
+              <a:rPr lang="de-DE" b="1" dirty="0" err="1">
+                <a:solidFill>
+                  <a:schemeClr val="tx1"/>
+                </a:solidFill>
+              </a:rPr>
+              <a:t>available</a:t>
+            </a:r>
+            <a:r>
+              <a:rPr lang="de-DE" b="1" dirty="0">
+                <a:solidFill>
+                  <a:schemeClr val="tx1"/>
+                </a:solidFill>
+              </a:rPr>
+              <a:t> </a:t>
+            </a:r>
+            <a:r>
+              <a:rPr lang="de-DE" b="1" dirty="0" err="1">
+                <a:solidFill>
+                  <a:schemeClr val="tx1"/>
+                </a:solidFill>
+              </a:rPr>
+              <a:t>exit</a:t>
+            </a:r>
+            <a:r>
+              <a:rPr lang="de-DE" b="1" dirty="0">
+                <a:solidFill>
+                  <a:schemeClr val="tx1"/>
+                </a:solidFill>
+              </a:rPr>
+              <a:t> </a:t>
+            </a:r>
+            <a:r>
+              <a:rPr lang="de-DE" b="1" dirty="0" err="1">
+                <a:solidFill>
+                  <a:schemeClr val="tx1"/>
+                </a:solidFill>
+              </a:rPr>
+              <a:t>polls</a:t>
+            </a:r>
+            <a:r>
+              <a:rPr lang="de-DE" b="1" dirty="0">
+                <a:solidFill>
+                  <a:schemeClr val="tx1"/>
+                </a:solidFill>
+              </a:rPr>
+              <a:t> </a:t>
+            </a:r>
+            <a:r>
+              <a:rPr lang="de-DE" b="1" dirty="0" err="1">
+                <a:solidFill>
+                  <a:schemeClr val="tx1"/>
+                </a:solidFill>
+              </a:rPr>
+              <a:t>data</a:t>
+            </a:r>
+            <a:endParaRPr lang="de-DE" b="1" dirty="0">
+              <a:solidFill>
+                <a:schemeClr val="tx1"/>
+              </a:solidFill>
+            </a:endParaRPr>
+          </a:p>
+        </p:txBody>
+      </p:sp>
     </p:spTree>
     <p:extLst>
       <p:ext uri="{BB962C8B-B14F-4D97-AF65-F5344CB8AC3E}">

--- a/Dalia Presentation/20171006_Dalia_Lunchtime Talk_Election Forecasting_v2.pptx
+++ b/Dalia Presentation/20171006_Dalia_Lunchtime Talk_Election Forecasting_v2.pptx
@@ -11,7 +11,7 @@
     <p:sldMasterId id="2147483660" r:id="rId7"/>
   </p:sldMasterIdLst>
   <p:notesMasterIdLst>
-    <p:notesMasterId r:id="rId24"/>
+    <p:notesMasterId r:id="rId23"/>
   </p:notesMasterIdLst>
   <p:sldIdLst>
     <p:sldId id="256" r:id="rId8"/>
@@ -27,9 +27,8 @@
     <p:sldId id="265" r:id="rId18"/>
     <p:sldId id="273" r:id="rId19"/>
     <p:sldId id="274" r:id="rId20"/>
-    <p:sldId id="268" r:id="rId21"/>
-    <p:sldId id="261" r:id="rId22"/>
-    <p:sldId id="269" r:id="rId23"/>
+    <p:sldId id="275" r:id="rId21"/>
+    <p:sldId id="276" r:id="rId22"/>
   </p:sldIdLst>
   <p:sldSz cx="12192000" cy="6858000"/>
   <p:notesSz cx="6858000" cy="9144000"/>
@@ -130,7 +129,7 @@
   </p:defaultTextStyle>
   <p:extLst>
     <p:ext uri="{EFAFB233-063F-42B5-8137-9DF3F51BA10A}">
-      <p15:sldGuideLst xmlns:p15="http://schemas.microsoft.com/office/powerpoint/2012/main">
+      <p15:sldGuideLst xmlns:p15="http://schemas.microsoft.com/office/powerpoint/2012/main" xmlns="">
         <p15:guide id="1" orient="horz" pos="2160" userDrawn="1">
           <p15:clr>
             <a:srgbClr val="A4A3A4"/>
@@ -233,7 +232,7 @@
           <a:p>
             <a:fld id="{04CBE4CE-4A76-4E91-A0AE-C9E6E325719B}" type="datetimeFigureOut">
               <a:rPr lang="de-DE" smtClean="0"/>
-              <a:t>31.10.2017</a:t>
+              <a:t>01.11.2017</a:t>
             </a:fld>
             <a:endParaRPr lang="de-DE"/>
           </a:p>
@@ -699,7 +698,7 @@
           <p:cNvPr id="3" name="Subtitle 2">
             <a:extLst>
               <a:ext uri="{FF2B5EF4-FFF2-40B4-BE49-F238E27FC236}">
-                <a16:creationId xmlns:a16="http://schemas.microsoft.com/office/drawing/2014/main" id="{52CB8609-D1C9-4053-9799-16F0B8007F7D}"/>
+                <a16:creationId xmlns:a16="http://schemas.microsoft.com/office/drawing/2014/main" xmlns="" id="{52CB8609-D1C9-4053-9799-16F0B8007F7D}"/>
               </a:ext>
             </a:extLst>
           </p:cNvPr>
@@ -770,7 +769,7 @@
           <p:cNvPr id="12" name="Title 11">
             <a:extLst>
               <a:ext uri="{FF2B5EF4-FFF2-40B4-BE49-F238E27FC236}">
-                <a16:creationId xmlns:a16="http://schemas.microsoft.com/office/drawing/2014/main" id="{4A249804-7F1E-492E-B488-2DC1CF94AB81}"/>
+                <a16:creationId xmlns:a16="http://schemas.microsoft.com/office/drawing/2014/main" xmlns="" id="{4A249804-7F1E-492E-B488-2DC1CF94AB81}"/>
               </a:ext>
             </a:extLst>
           </p:cNvPr>
@@ -837,7 +836,7 @@
           <p:cNvPr id="2" name="Title 1">
             <a:extLst>
               <a:ext uri="{FF2B5EF4-FFF2-40B4-BE49-F238E27FC236}">
-                <a16:creationId xmlns:a16="http://schemas.microsoft.com/office/drawing/2014/main" id="{590B7302-973C-43E2-8266-EB309C74CAE0}"/>
+                <a16:creationId xmlns:a16="http://schemas.microsoft.com/office/drawing/2014/main" xmlns="" id="{590B7302-973C-43E2-8266-EB309C74CAE0}"/>
               </a:ext>
             </a:extLst>
           </p:cNvPr>
@@ -878,7 +877,7 @@
           <p:cNvPr id="3" name="Picture Placeholder 2">
             <a:extLst>
               <a:ext uri="{FF2B5EF4-FFF2-40B4-BE49-F238E27FC236}">
-                <a16:creationId xmlns:a16="http://schemas.microsoft.com/office/drawing/2014/main" id="{0BB4836D-2B27-4E99-A4E9-44E63B07037A}"/>
+                <a16:creationId xmlns:a16="http://schemas.microsoft.com/office/drawing/2014/main" xmlns="" id="{0BB4836D-2B27-4E99-A4E9-44E63B07037A}"/>
               </a:ext>
             </a:extLst>
           </p:cNvPr>
@@ -945,7 +944,7 @@
           <p:cNvPr id="4" name="Text Placeholder 3">
             <a:extLst>
               <a:ext uri="{FF2B5EF4-FFF2-40B4-BE49-F238E27FC236}">
-                <a16:creationId xmlns:a16="http://schemas.microsoft.com/office/drawing/2014/main" id="{7E6EB6B5-C561-4656-9550-3F6CDD14D15F}"/>
+                <a16:creationId xmlns:a16="http://schemas.microsoft.com/office/drawing/2014/main" xmlns="" id="{7E6EB6B5-C561-4656-9550-3F6CDD14D15F}"/>
               </a:ext>
             </a:extLst>
           </p:cNvPr>
@@ -1016,7 +1015,7 @@
           <p:cNvPr id="5" name="Date Placeholder 4">
             <a:extLst>
               <a:ext uri="{FF2B5EF4-FFF2-40B4-BE49-F238E27FC236}">
-                <a16:creationId xmlns:a16="http://schemas.microsoft.com/office/drawing/2014/main" id="{B2403665-2894-4978-BE66-31EBAF67ADD9}"/>
+                <a16:creationId xmlns:a16="http://schemas.microsoft.com/office/drawing/2014/main" xmlns="" id="{B2403665-2894-4978-BE66-31EBAF67ADD9}"/>
               </a:ext>
             </a:extLst>
           </p:cNvPr>
@@ -1052,7 +1051,7 @@
           <p:cNvPr id="6" name="Footer Placeholder 5">
             <a:extLst>
               <a:ext uri="{FF2B5EF4-FFF2-40B4-BE49-F238E27FC236}">
-                <a16:creationId xmlns:a16="http://schemas.microsoft.com/office/drawing/2014/main" id="{CB79DDA8-96EB-4C77-B5AA-536AAD6A1C2C}"/>
+                <a16:creationId xmlns:a16="http://schemas.microsoft.com/office/drawing/2014/main" xmlns="" id="{CB79DDA8-96EB-4C77-B5AA-536AAD6A1C2C}"/>
               </a:ext>
             </a:extLst>
           </p:cNvPr>
@@ -1088,7 +1087,7 @@
           <p:cNvPr id="7" name="Slide Number Placeholder 6">
             <a:extLst>
               <a:ext uri="{FF2B5EF4-FFF2-40B4-BE49-F238E27FC236}">
-                <a16:creationId xmlns:a16="http://schemas.microsoft.com/office/drawing/2014/main" id="{99887644-4078-46FE-AFB7-670AAA65DFEC}"/>
+                <a16:creationId xmlns:a16="http://schemas.microsoft.com/office/drawing/2014/main" xmlns="" id="{99887644-4078-46FE-AFB7-670AAA65DFEC}"/>
               </a:ext>
             </a:extLst>
           </p:cNvPr>
@@ -1147,7 +1146,7 @@
           <p:cNvPr id="2" name="Title 1">
             <a:extLst>
               <a:ext uri="{FF2B5EF4-FFF2-40B4-BE49-F238E27FC236}">
-                <a16:creationId xmlns:a16="http://schemas.microsoft.com/office/drawing/2014/main" id="{F5979442-03EA-4EBA-BD35-CB21398A83A0}"/>
+                <a16:creationId xmlns:a16="http://schemas.microsoft.com/office/drawing/2014/main" xmlns="" id="{F5979442-03EA-4EBA-BD35-CB21398A83A0}"/>
               </a:ext>
             </a:extLst>
           </p:cNvPr>
@@ -1184,7 +1183,7 @@
           <p:cNvPr id="3" name="Vertical Text Placeholder 2">
             <a:extLst>
               <a:ext uri="{FF2B5EF4-FFF2-40B4-BE49-F238E27FC236}">
-                <a16:creationId xmlns:a16="http://schemas.microsoft.com/office/drawing/2014/main" id="{3027FAED-F90B-411D-9103-FB91E40E2E81}"/>
+                <a16:creationId xmlns:a16="http://schemas.microsoft.com/office/drawing/2014/main" xmlns="" id="{3027FAED-F90B-411D-9103-FB91E40E2E81}"/>
               </a:ext>
             </a:extLst>
           </p:cNvPr>
@@ -1242,7 +1241,7 @@
           <p:cNvPr id="4" name="Date Placeholder 3">
             <a:extLst>
               <a:ext uri="{FF2B5EF4-FFF2-40B4-BE49-F238E27FC236}">
-                <a16:creationId xmlns:a16="http://schemas.microsoft.com/office/drawing/2014/main" id="{448AA73C-A629-4F94-AC74-6BE10A9D2661}"/>
+                <a16:creationId xmlns:a16="http://schemas.microsoft.com/office/drawing/2014/main" xmlns="" id="{448AA73C-A629-4F94-AC74-6BE10A9D2661}"/>
               </a:ext>
             </a:extLst>
           </p:cNvPr>
@@ -1278,7 +1277,7 @@
           <p:cNvPr id="5" name="Footer Placeholder 4">
             <a:extLst>
               <a:ext uri="{FF2B5EF4-FFF2-40B4-BE49-F238E27FC236}">
-                <a16:creationId xmlns:a16="http://schemas.microsoft.com/office/drawing/2014/main" id="{11AFB4C5-DC5C-4E0B-A30A-B3E2C65006F8}"/>
+                <a16:creationId xmlns:a16="http://schemas.microsoft.com/office/drawing/2014/main" xmlns="" id="{11AFB4C5-DC5C-4E0B-A30A-B3E2C65006F8}"/>
               </a:ext>
             </a:extLst>
           </p:cNvPr>
@@ -1314,7 +1313,7 @@
           <p:cNvPr id="6" name="Slide Number Placeholder 5">
             <a:extLst>
               <a:ext uri="{FF2B5EF4-FFF2-40B4-BE49-F238E27FC236}">
-                <a16:creationId xmlns:a16="http://schemas.microsoft.com/office/drawing/2014/main" id="{BA60360F-588E-4EC9-8B45-836F48AC3064}"/>
+                <a16:creationId xmlns:a16="http://schemas.microsoft.com/office/drawing/2014/main" xmlns="" id="{BA60360F-588E-4EC9-8B45-836F48AC3064}"/>
               </a:ext>
             </a:extLst>
           </p:cNvPr>
@@ -1373,7 +1372,7 @@
           <p:cNvPr id="2" name="Vertical Title 1">
             <a:extLst>
               <a:ext uri="{FF2B5EF4-FFF2-40B4-BE49-F238E27FC236}">
-                <a16:creationId xmlns:a16="http://schemas.microsoft.com/office/drawing/2014/main" id="{37030969-C7E9-4B4B-AF99-D36C9DDF4398}"/>
+                <a16:creationId xmlns:a16="http://schemas.microsoft.com/office/drawing/2014/main" xmlns="" id="{37030969-C7E9-4B4B-AF99-D36C9DDF4398}"/>
               </a:ext>
             </a:extLst>
           </p:cNvPr>
@@ -1410,7 +1409,7 @@
           <p:cNvPr id="3" name="Vertical Text Placeholder 2">
             <a:extLst>
               <a:ext uri="{FF2B5EF4-FFF2-40B4-BE49-F238E27FC236}">
-                <a16:creationId xmlns:a16="http://schemas.microsoft.com/office/drawing/2014/main" id="{31BD9FE5-2ED8-4149-8CAD-50697597EE3C}"/>
+                <a16:creationId xmlns:a16="http://schemas.microsoft.com/office/drawing/2014/main" xmlns="" id="{31BD9FE5-2ED8-4149-8CAD-50697597EE3C}"/>
               </a:ext>
             </a:extLst>
           </p:cNvPr>
@@ -1473,7 +1472,7 @@
           <p:cNvPr id="4" name="Date Placeholder 3">
             <a:extLst>
               <a:ext uri="{FF2B5EF4-FFF2-40B4-BE49-F238E27FC236}">
-                <a16:creationId xmlns:a16="http://schemas.microsoft.com/office/drawing/2014/main" id="{8E2818A7-EBD8-420F-9988-4CA46CC2962D}"/>
+                <a16:creationId xmlns:a16="http://schemas.microsoft.com/office/drawing/2014/main" xmlns="" id="{8E2818A7-EBD8-420F-9988-4CA46CC2962D}"/>
               </a:ext>
             </a:extLst>
           </p:cNvPr>
@@ -1509,7 +1508,7 @@
           <p:cNvPr id="5" name="Footer Placeholder 4">
             <a:extLst>
               <a:ext uri="{FF2B5EF4-FFF2-40B4-BE49-F238E27FC236}">
-                <a16:creationId xmlns:a16="http://schemas.microsoft.com/office/drawing/2014/main" id="{0EA8B38A-E7CA-4BB1-BED4-A750E07D50E9}"/>
+                <a16:creationId xmlns:a16="http://schemas.microsoft.com/office/drawing/2014/main" xmlns="" id="{0EA8B38A-E7CA-4BB1-BED4-A750E07D50E9}"/>
               </a:ext>
             </a:extLst>
           </p:cNvPr>
@@ -1545,7 +1544,7 @@
           <p:cNvPr id="6" name="Slide Number Placeholder 5">
             <a:extLst>
               <a:ext uri="{FF2B5EF4-FFF2-40B4-BE49-F238E27FC236}">
-                <a16:creationId xmlns:a16="http://schemas.microsoft.com/office/drawing/2014/main" id="{137CEC92-5AB4-4AA4-9949-EE34922FC12D}"/>
+                <a16:creationId xmlns:a16="http://schemas.microsoft.com/office/drawing/2014/main" xmlns="" id="{137CEC92-5AB4-4AA4-9949-EE34922FC12D}"/>
               </a:ext>
             </a:extLst>
           </p:cNvPr>
@@ -1604,7 +1603,7 @@
           <p:cNvPr id="2" name="Title 1">
             <a:extLst>
               <a:ext uri="{FF2B5EF4-FFF2-40B4-BE49-F238E27FC236}">
-                <a16:creationId xmlns:a16="http://schemas.microsoft.com/office/drawing/2014/main" id="{90AA0FE8-9A07-48C1-9F71-A15EDD4BED76}"/>
+                <a16:creationId xmlns:a16="http://schemas.microsoft.com/office/drawing/2014/main" xmlns="" id="{90AA0FE8-9A07-48C1-9F71-A15EDD4BED76}"/>
               </a:ext>
             </a:extLst>
           </p:cNvPr>
@@ -1642,7 +1641,7 @@
           <p:cNvPr id="3" name="Subtitle 2">
             <a:extLst>
               <a:ext uri="{FF2B5EF4-FFF2-40B4-BE49-F238E27FC236}">
-                <a16:creationId xmlns:a16="http://schemas.microsoft.com/office/drawing/2014/main" id="{1FAD4D1B-3833-42A1-952B-D0C7D674817A}"/>
+                <a16:creationId xmlns:a16="http://schemas.microsoft.com/office/drawing/2014/main" xmlns="" id="{1FAD4D1B-3833-42A1-952B-D0C7D674817A}"/>
               </a:ext>
             </a:extLst>
           </p:cNvPr>
@@ -1713,7 +1712,7 @@
           <p:cNvPr id="4" name="Date Placeholder 3">
             <a:extLst>
               <a:ext uri="{FF2B5EF4-FFF2-40B4-BE49-F238E27FC236}">
-                <a16:creationId xmlns:a16="http://schemas.microsoft.com/office/drawing/2014/main" id="{AA71BE10-EFB9-4A3B-BF06-A7DB4E2DD265}"/>
+                <a16:creationId xmlns:a16="http://schemas.microsoft.com/office/drawing/2014/main" xmlns="" id="{AA71BE10-EFB9-4A3B-BF06-A7DB4E2DD265}"/>
               </a:ext>
             </a:extLst>
           </p:cNvPr>
@@ -1741,7 +1740,7 @@
           <p:cNvPr id="5" name="Footer Placeholder 4">
             <a:extLst>
               <a:ext uri="{FF2B5EF4-FFF2-40B4-BE49-F238E27FC236}">
-                <a16:creationId xmlns:a16="http://schemas.microsoft.com/office/drawing/2014/main" id="{E81DB2DB-DFB9-40C4-96A7-715247ACBC1F}"/>
+                <a16:creationId xmlns:a16="http://schemas.microsoft.com/office/drawing/2014/main" xmlns="" id="{E81DB2DB-DFB9-40C4-96A7-715247ACBC1F}"/>
               </a:ext>
             </a:extLst>
           </p:cNvPr>
@@ -1769,7 +1768,7 @@
           <p:cNvPr id="6" name="Slide Number Placeholder 5">
             <a:extLst>
               <a:ext uri="{FF2B5EF4-FFF2-40B4-BE49-F238E27FC236}">
-                <a16:creationId xmlns:a16="http://schemas.microsoft.com/office/drawing/2014/main" id="{219B381C-86DD-4A40-AC0B-D2DCD0BBDB54}"/>
+                <a16:creationId xmlns:a16="http://schemas.microsoft.com/office/drawing/2014/main" xmlns="" id="{219B381C-86DD-4A40-AC0B-D2DCD0BBDB54}"/>
               </a:ext>
             </a:extLst>
           </p:cNvPr>
@@ -1828,7 +1827,7 @@
           <p:cNvPr id="2" name="Title 1">
             <a:extLst>
               <a:ext uri="{FF2B5EF4-FFF2-40B4-BE49-F238E27FC236}">
-                <a16:creationId xmlns:a16="http://schemas.microsoft.com/office/drawing/2014/main" id="{A7837CE3-4941-42FC-8805-8D05E504259E}"/>
+                <a16:creationId xmlns:a16="http://schemas.microsoft.com/office/drawing/2014/main" xmlns="" id="{A7837CE3-4941-42FC-8805-8D05E504259E}"/>
               </a:ext>
             </a:extLst>
           </p:cNvPr>
@@ -1857,7 +1856,7 @@
           <p:cNvPr id="3" name="Content Placeholder 2">
             <a:extLst>
               <a:ext uri="{FF2B5EF4-FFF2-40B4-BE49-F238E27FC236}">
-                <a16:creationId xmlns:a16="http://schemas.microsoft.com/office/drawing/2014/main" id="{7B646712-37D0-4CA7-9647-F4CC4067FB11}"/>
+                <a16:creationId xmlns:a16="http://schemas.microsoft.com/office/drawing/2014/main" xmlns="" id="{7B646712-37D0-4CA7-9647-F4CC4067FB11}"/>
               </a:ext>
             </a:extLst>
           </p:cNvPr>
@@ -1915,7 +1914,7 @@
           <p:cNvPr id="4" name="Date Placeholder 3">
             <a:extLst>
               <a:ext uri="{FF2B5EF4-FFF2-40B4-BE49-F238E27FC236}">
-                <a16:creationId xmlns:a16="http://schemas.microsoft.com/office/drawing/2014/main" id="{3A2EF43D-BC10-43CF-9AF4-6491CF3C9F62}"/>
+                <a16:creationId xmlns:a16="http://schemas.microsoft.com/office/drawing/2014/main" xmlns="" id="{3A2EF43D-BC10-43CF-9AF4-6491CF3C9F62}"/>
               </a:ext>
             </a:extLst>
           </p:cNvPr>
@@ -1943,7 +1942,7 @@
           <p:cNvPr id="5" name="Footer Placeholder 4">
             <a:extLst>
               <a:ext uri="{FF2B5EF4-FFF2-40B4-BE49-F238E27FC236}">
-                <a16:creationId xmlns:a16="http://schemas.microsoft.com/office/drawing/2014/main" id="{B1BDC6ED-B168-4960-BDDB-8600C1032A35}"/>
+                <a16:creationId xmlns:a16="http://schemas.microsoft.com/office/drawing/2014/main" xmlns="" id="{B1BDC6ED-B168-4960-BDDB-8600C1032A35}"/>
               </a:ext>
             </a:extLst>
           </p:cNvPr>
@@ -1971,7 +1970,7 @@
           <p:cNvPr id="6" name="Slide Number Placeholder 5">
             <a:extLst>
               <a:ext uri="{FF2B5EF4-FFF2-40B4-BE49-F238E27FC236}">
-                <a16:creationId xmlns:a16="http://schemas.microsoft.com/office/drawing/2014/main" id="{D5093027-2CD6-42FD-B8E8-BB382F4F2940}"/>
+                <a16:creationId xmlns:a16="http://schemas.microsoft.com/office/drawing/2014/main" xmlns="" id="{D5093027-2CD6-42FD-B8E8-BB382F4F2940}"/>
               </a:ext>
             </a:extLst>
           </p:cNvPr>
@@ -2030,7 +2029,7 @@
           <p:cNvPr id="2" name="Title 1">
             <a:extLst>
               <a:ext uri="{FF2B5EF4-FFF2-40B4-BE49-F238E27FC236}">
-                <a16:creationId xmlns:a16="http://schemas.microsoft.com/office/drawing/2014/main" id="{996AEA25-E535-44A9-AA7C-AAC286AF6024}"/>
+                <a16:creationId xmlns:a16="http://schemas.microsoft.com/office/drawing/2014/main" xmlns="" id="{996AEA25-E535-44A9-AA7C-AAC286AF6024}"/>
               </a:ext>
             </a:extLst>
           </p:cNvPr>
@@ -2068,7 +2067,7 @@
           <p:cNvPr id="3" name="Text Placeholder 2">
             <a:extLst>
               <a:ext uri="{FF2B5EF4-FFF2-40B4-BE49-F238E27FC236}">
-                <a16:creationId xmlns:a16="http://schemas.microsoft.com/office/drawing/2014/main" id="{5BEA329E-1D30-4D0A-A2FD-F1A9410710B1}"/>
+                <a16:creationId xmlns:a16="http://schemas.microsoft.com/office/drawing/2014/main" xmlns="" id="{5BEA329E-1D30-4D0A-A2FD-F1A9410710B1}"/>
               </a:ext>
             </a:extLst>
           </p:cNvPr>
@@ -2193,7 +2192,7 @@
           <p:cNvPr id="4" name="Date Placeholder 3">
             <a:extLst>
               <a:ext uri="{FF2B5EF4-FFF2-40B4-BE49-F238E27FC236}">
-                <a16:creationId xmlns:a16="http://schemas.microsoft.com/office/drawing/2014/main" id="{209EAD24-9BEF-45A1-96C7-0736FE62AD1F}"/>
+                <a16:creationId xmlns:a16="http://schemas.microsoft.com/office/drawing/2014/main" xmlns="" id="{209EAD24-9BEF-45A1-96C7-0736FE62AD1F}"/>
               </a:ext>
             </a:extLst>
           </p:cNvPr>
@@ -2221,7 +2220,7 @@
           <p:cNvPr id="5" name="Footer Placeholder 4">
             <a:extLst>
               <a:ext uri="{FF2B5EF4-FFF2-40B4-BE49-F238E27FC236}">
-                <a16:creationId xmlns:a16="http://schemas.microsoft.com/office/drawing/2014/main" id="{3FFB2A4B-5A5F-4F72-8147-77C997DA72C0}"/>
+                <a16:creationId xmlns:a16="http://schemas.microsoft.com/office/drawing/2014/main" xmlns="" id="{3FFB2A4B-5A5F-4F72-8147-77C997DA72C0}"/>
               </a:ext>
             </a:extLst>
           </p:cNvPr>
@@ -2249,7 +2248,7 @@
           <p:cNvPr id="6" name="Slide Number Placeholder 5">
             <a:extLst>
               <a:ext uri="{FF2B5EF4-FFF2-40B4-BE49-F238E27FC236}">
-                <a16:creationId xmlns:a16="http://schemas.microsoft.com/office/drawing/2014/main" id="{26AAB9A1-7091-4A31-AD61-B89A39E37401}"/>
+                <a16:creationId xmlns:a16="http://schemas.microsoft.com/office/drawing/2014/main" xmlns="" id="{26AAB9A1-7091-4A31-AD61-B89A39E37401}"/>
               </a:ext>
             </a:extLst>
           </p:cNvPr>
@@ -2308,7 +2307,7 @@
           <p:cNvPr id="2" name="Title 1">
             <a:extLst>
               <a:ext uri="{FF2B5EF4-FFF2-40B4-BE49-F238E27FC236}">
-                <a16:creationId xmlns:a16="http://schemas.microsoft.com/office/drawing/2014/main" id="{A1A2D6D2-5BF4-4D03-9734-B1A9D7395B39}"/>
+                <a16:creationId xmlns:a16="http://schemas.microsoft.com/office/drawing/2014/main" xmlns="" id="{A1A2D6D2-5BF4-4D03-9734-B1A9D7395B39}"/>
               </a:ext>
             </a:extLst>
           </p:cNvPr>
@@ -2337,7 +2336,7 @@
           <p:cNvPr id="3" name="Content Placeholder 2">
             <a:extLst>
               <a:ext uri="{FF2B5EF4-FFF2-40B4-BE49-F238E27FC236}">
-                <a16:creationId xmlns:a16="http://schemas.microsoft.com/office/drawing/2014/main" id="{A160FD90-9E4E-4A0C-B0B2-BF3BFD76EA6A}"/>
+                <a16:creationId xmlns:a16="http://schemas.microsoft.com/office/drawing/2014/main" xmlns="" id="{A160FD90-9E4E-4A0C-B0B2-BF3BFD76EA6A}"/>
               </a:ext>
             </a:extLst>
           </p:cNvPr>
@@ -2400,7 +2399,7 @@
           <p:cNvPr id="4" name="Content Placeholder 3">
             <a:extLst>
               <a:ext uri="{FF2B5EF4-FFF2-40B4-BE49-F238E27FC236}">
-                <a16:creationId xmlns:a16="http://schemas.microsoft.com/office/drawing/2014/main" id="{47206AD0-AA8C-4E70-8FE4-4D6D7CECED97}"/>
+                <a16:creationId xmlns:a16="http://schemas.microsoft.com/office/drawing/2014/main" xmlns="" id="{47206AD0-AA8C-4E70-8FE4-4D6D7CECED97}"/>
               </a:ext>
             </a:extLst>
           </p:cNvPr>
@@ -2463,7 +2462,7 @@
           <p:cNvPr id="5" name="Date Placeholder 4">
             <a:extLst>
               <a:ext uri="{FF2B5EF4-FFF2-40B4-BE49-F238E27FC236}">
-                <a16:creationId xmlns:a16="http://schemas.microsoft.com/office/drawing/2014/main" id="{E019F736-CA2D-4F85-AE35-45A1D5074F93}"/>
+                <a16:creationId xmlns:a16="http://schemas.microsoft.com/office/drawing/2014/main" xmlns="" id="{E019F736-CA2D-4F85-AE35-45A1D5074F93}"/>
               </a:ext>
             </a:extLst>
           </p:cNvPr>
@@ -2491,7 +2490,7 @@
           <p:cNvPr id="6" name="Footer Placeholder 5">
             <a:extLst>
               <a:ext uri="{FF2B5EF4-FFF2-40B4-BE49-F238E27FC236}">
-                <a16:creationId xmlns:a16="http://schemas.microsoft.com/office/drawing/2014/main" id="{F9641821-57BD-409F-84E6-FC232F22D55A}"/>
+                <a16:creationId xmlns:a16="http://schemas.microsoft.com/office/drawing/2014/main" xmlns="" id="{F9641821-57BD-409F-84E6-FC232F22D55A}"/>
               </a:ext>
             </a:extLst>
           </p:cNvPr>
@@ -2519,7 +2518,7 @@
           <p:cNvPr id="7" name="Slide Number Placeholder 6">
             <a:extLst>
               <a:ext uri="{FF2B5EF4-FFF2-40B4-BE49-F238E27FC236}">
-                <a16:creationId xmlns:a16="http://schemas.microsoft.com/office/drawing/2014/main" id="{C7E89143-81F1-4298-A74A-D30324EA4090}"/>
+                <a16:creationId xmlns:a16="http://schemas.microsoft.com/office/drawing/2014/main" xmlns="" id="{C7E89143-81F1-4298-A74A-D30324EA4090}"/>
               </a:ext>
             </a:extLst>
           </p:cNvPr>
@@ -2578,7 +2577,7 @@
           <p:cNvPr id="2" name="Title 1">
             <a:extLst>
               <a:ext uri="{FF2B5EF4-FFF2-40B4-BE49-F238E27FC236}">
-                <a16:creationId xmlns:a16="http://schemas.microsoft.com/office/drawing/2014/main" id="{A46AA468-23A1-474E-836D-D09773ACDFF2}"/>
+                <a16:creationId xmlns:a16="http://schemas.microsoft.com/office/drawing/2014/main" xmlns="" id="{A46AA468-23A1-474E-836D-D09773ACDFF2}"/>
               </a:ext>
             </a:extLst>
           </p:cNvPr>
@@ -2612,7 +2611,7 @@
           <p:cNvPr id="3" name="Text Placeholder 2">
             <a:extLst>
               <a:ext uri="{FF2B5EF4-FFF2-40B4-BE49-F238E27FC236}">
-                <a16:creationId xmlns:a16="http://schemas.microsoft.com/office/drawing/2014/main" id="{95B730A4-5FED-4C39-B4A2-96F8CFB25CAD}"/>
+                <a16:creationId xmlns:a16="http://schemas.microsoft.com/office/drawing/2014/main" xmlns="" id="{95B730A4-5FED-4C39-B4A2-96F8CFB25CAD}"/>
               </a:ext>
             </a:extLst>
           </p:cNvPr>
@@ -2683,7 +2682,7 @@
           <p:cNvPr id="4" name="Content Placeholder 3">
             <a:extLst>
               <a:ext uri="{FF2B5EF4-FFF2-40B4-BE49-F238E27FC236}">
-                <a16:creationId xmlns:a16="http://schemas.microsoft.com/office/drawing/2014/main" id="{05972F4C-5CBF-40F0-9B58-8CE9C52A9A00}"/>
+                <a16:creationId xmlns:a16="http://schemas.microsoft.com/office/drawing/2014/main" xmlns="" id="{05972F4C-5CBF-40F0-9B58-8CE9C52A9A00}"/>
               </a:ext>
             </a:extLst>
           </p:cNvPr>
@@ -2746,7 +2745,7 @@
           <p:cNvPr id="5" name="Text Placeholder 4">
             <a:extLst>
               <a:ext uri="{FF2B5EF4-FFF2-40B4-BE49-F238E27FC236}">
-                <a16:creationId xmlns:a16="http://schemas.microsoft.com/office/drawing/2014/main" id="{3B7848B4-22E1-4953-BC1B-96F59730AD25}"/>
+                <a16:creationId xmlns:a16="http://schemas.microsoft.com/office/drawing/2014/main" xmlns="" id="{3B7848B4-22E1-4953-BC1B-96F59730AD25}"/>
               </a:ext>
             </a:extLst>
           </p:cNvPr>
@@ -2817,7 +2816,7 @@
           <p:cNvPr id="6" name="Content Placeholder 5">
             <a:extLst>
               <a:ext uri="{FF2B5EF4-FFF2-40B4-BE49-F238E27FC236}">
-                <a16:creationId xmlns:a16="http://schemas.microsoft.com/office/drawing/2014/main" id="{BEAA87B8-8395-459F-8CEE-659FF42544A8}"/>
+                <a16:creationId xmlns:a16="http://schemas.microsoft.com/office/drawing/2014/main" xmlns="" id="{BEAA87B8-8395-459F-8CEE-659FF42544A8}"/>
               </a:ext>
             </a:extLst>
           </p:cNvPr>
@@ -2880,7 +2879,7 @@
           <p:cNvPr id="7" name="Date Placeholder 6">
             <a:extLst>
               <a:ext uri="{FF2B5EF4-FFF2-40B4-BE49-F238E27FC236}">
-                <a16:creationId xmlns:a16="http://schemas.microsoft.com/office/drawing/2014/main" id="{3F8CF109-8121-4B61-8E36-04656F0E52AB}"/>
+                <a16:creationId xmlns:a16="http://schemas.microsoft.com/office/drawing/2014/main" xmlns="" id="{3F8CF109-8121-4B61-8E36-04656F0E52AB}"/>
               </a:ext>
             </a:extLst>
           </p:cNvPr>
@@ -2908,7 +2907,7 @@
           <p:cNvPr id="8" name="Footer Placeholder 7">
             <a:extLst>
               <a:ext uri="{FF2B5EF4-FFF2-40B4-BE49-F238E27FC236}">
-                <a16:creationId xmlns:a16="http://schemas.microsoft.com/office/drawing/2014/main" id="{6C29360A-D844-4153-AB93-90E691C4AA75}"/>
+                <a16:creationId xmlns:a16="http://schemas.microsoft.com/office/drawing/2014/main" xmlns="" id="{6C29360A-D844-4153-AB93-90E691C4AA75}"/>
               </a:ext>
             </a:extLst>
           </p:cNvPr>
@@ -2936,7 +2935,7 @@
           <p:cNvPr id="9" name="Slide Number Placeholder 8">
             <a:extLst>
               <a:ext uri="{FF2B5EF4-FFF2-40B4-BE49-F238E27FC236}">
-                <a16:creationId xmlns:a16="http://schemas.microsoft.com/office/drawing/2014/main" id="{4B1DDE8F-8FC7-460C-B500-B6B26C62C352}"/>
+                <a16:creationId xmlns:a16="http://schemas.microsoft.com/office/drawing/2014/main" xmlns="" id="{4B1DDE8F-8FC7-460C-B500-B6B26C62C352}"/>
               </a:ext>
             </a:extLst>
           </p:cNvPr>
@@ -2995,7 +2994,7 @@
           <p:cNvPr id="2" name="Title 1">
             <a:extLst>
               <a:ext uri="{FF2B5EF4-FFF2-40B4-BE49-F238E27FC236}">
-                <a16:creationId xmlns:a16="http://schemas.microsoft.com/office/drawing/2014/main" id="{3FA11698-2FAE-4208-83FB-AFB7F3BF5F7E}"/>
+                <a16:creationId xmlns:a16="http://schemas.microsoft.com/office/drawing/2014/main" xmlns="" id="{3FA11698-2FAE-4208-83FB-AFB7F3BF5F7E}"/>
               </a:ext>
             </a:extLst>
           </p:cNvPr>
@@ -3024,7 +3023,7 @@
           <p:cNvPr id="3" name="Date Placeholder 2">
             <a:extLst>
               <a:ext uri="{FF2B5EF4-FFF2-40B4-BE49-F238E27FC236}">
-                <a16:creationId xmlns:a16="http://schemas.microsoft.com/office/drawing/2014/main" id="{8073870F-A4ED-4837-935A-B497D0AF5E08}"/>
+                <a16:creationId xmlns:a16="http://schemas.microsoft.com/office/drawing/2014/main" xmlns="" id="{8073870F-A4ED-4837-935A-B497D0AF5E08}"/>
               </a:ext>
             </a:extLst>
           </p:cNvPr>
@@ -3052,7 +3051,7 @@
           <p:cNvPr id="4" name="Footer Placeholder 3">
             <a:extLst>
               <a:ext uri="{FF2B5EF4-FFF2-40B4-BE49-F238E27FC236}">
-                <a16:creationId xmlns:a16="http://schemas.microsoft.com/office/drawing/2014/main" id="{EC13DD87-F26E-4AC7-A1FB-4F0C54C8E8F4}"/>
+                <a16:creationId xmlns:a16="http://schemas.microsoft.com/office/drawing/2014/main" xmlns="" id="{EC13DD87-F26E-4AC7-A1FB-4F0C54C8E8F4}"/>
               </a:ext>
             </a:extLst>
           </p:cNvPr>
@@ -3080,7 +3079,7 @@
           <p:cNvPr id="5" name="Slide Number Placeholder 4">
             <a:extLst>
               <a:ext uri="{FF2B5EF4-FFF2-40B4-BE49-F238E27FC236}">
-                <a16:creationId xmlns:a16="http://schemas.microsoft.com/office/drawing/2014/main" id="{7F0EAF5A-977A-4A0B-B296-2EACB9A22FA0}"/>
+                <a16:creationId xmlns:a16="http://schemas.microsoft.com/office/drawing/2014/main" xmlns="" id="{7F0EAF5A-977A-4A0B-B296-2EACB9A22FA0}"/>
               </a:ext>
             </a:extLst>
           </p:cNvPr>
@@ -3139,7 +3138,7 @@
           <p:cNvPr id="2" name="Date Placeholder 1">
             <a:extLst>
               <a:ext uri="{FF2B5EF4-FFF2-40B4-BE49-F238E27FC236}">
-                <a16:creationId xmlns:a16="http://schemas.microsoft.com/office/drawing/2014/main" id="{E127DAAF-7F7D-443C-A7F2-C577454C3118}"/>
+                <a16:creationId xmlns:a16="http://schemas.microsoft.com/office/drawing/2014/main" xmlns="" id="{E127DAAF-7F7D-443C-A7F2-C577454C3118}"/>
               </a:ext>
             </a:extLst>
           </p:cNvPr>
@@ -3167,7 +3166,7 @@
           <p:cNvPr id="3" name="Footer Placeholder 2">
             <a:extLst>
               <a:ext uri="{FF2B5EF4-FFF2-40B4-BE49-F238E27FC236}">
-                <a16:creationId xmlns:a16="http://schemas.microsoft.com/office/drawing/2014/main" id="{987003E4-481D-4AA5-B0A9-4F0EF4909A4D}"/>
+                <a16:creationId xmlns:a16="http://schemas.microsoft.com/office/drawing/2014/main" xmlns="" id="{987003E4-481D-4AA5-B0A9-4F0EF4909A4D}"/>
               </a:ext>
             </a:extLst>
           </p:cNvPr>
@@ -3195,7 +3194,7 @@
           <p:cNvPr id="4" name="Slide Number Placeholder 3">
             <a:extLst>
               <a:ext uri="{FF2B5EF4-FFF2-40B4-BE49-F238E27FC236}">
-                <a16:creationId xmlns:a16="http://schemas.microsoft.com/office/drawing/2014/main" id="{A3C17DD6-DC58-4270-BA44-5DD5E53A2061}"/>
+                <a16:creationId xmlns:a16="http://schemas.microsoft.com/office/drawing/2014/main" xmlns="" id="{A3C17DD6-DC58-4270-BA44-5DD5E53A2061}"/>
               </a:ext>
             </a:extLst>
           </p:cNvPr>
@@ -3254,7 +3253,7 @@
           <p:cNvPr id="4" name="Footer Placeholder 3">
             <a:extLst>
               <a:ext uri="{FF2B5EF4-FFF2-40B4-BE49-F238E27FC236}">
-                <a16:creationId xmlns:a16="http://schemas.microsoft.com/office/drawing/2014/main" id="{6764A468-E363-410F-BC5D-EBDB40606F2F}"/>
+                <a16:creationId xmlns:a16="http://schemas.microsoft.com/office/drawing/2014/main" xmlns="" id="{6764A468-E363-410F-BC5D-EBDB40606F2F}"/>
               </a:ext>
             </a:extLst>
           </p:cNvPr>
@@ -3301,7 +3300,7 @@
           <p:cNvPr id="5" name="Slide Number Placeholder 4">
             <a:extLst>
               <a:ext uri="{FF2B5EF4-FFF2-40B4-BE49-F238E27FC236}">
-                <a16:creationId xmlns:a16="http://schemas.microsoft.com/office/drawing/2014/main" id="{1DC0058B-ACBF-4487-89CD-041FA73B8C70}"/>
+                <a16:creationId xmlns:a16="http://schemas.microsoft.com/office/drawing/2014/main" xmlns="" id="{1DC0058B-ACBF-4487-89CD-041FA73B8C70}"/>
               </a:ext>
             </a:extLst>
           </p:cNvPr>
@@ -3341,7 +3340,7 @@
           <p:cNvPr id="6" name="Rectangle: Rounded Corners 5">
             <a:extLst>
               <a:ext uri="{FF2B5EF4-FFF2-40B4-BE49-F238E27FC236}">
-                <a16:creationId xmlns:a16="http://schemas.microsoft.com/office/drawing/2014/main" id="{14BD397D-1ECA-47D4-A0C0-4C0CCFBC3928}"/>
+                <a16:creationId xmlns:a16="http://schemas.microsoft.com/office/drawing/2014/main" xmlns="" id="{14BD397D-1ECA-47D4-A0C0-4C0CCFBC3928}"/>
               </a:ext>
             </a:extLst>
           </p:cNvPr>
@@ -3397,7 +3396,7 @@
           <p:cNvPr id="8" name="Title 1">
             <a:extLst>
               <a:ext uri="{FF2B5EF4-FFF2-40B4-BE49-F238E27FC236}">
-                <a16:creationId xmlns:a16="http://schemas.microsoft.com/office/drawing/2014/main" id="{F50940E9-D71A-4A32-82D0-42198457C50B}"/>
+                <a16:creationId xmlns:a16="http://schemas.microsoft.com/office/drawing/2014/main" xmlns="" id="{F50940E9-D71A-4A32-82D0-42198457C50B}"/>
               </a:ext>
             </a:extLst>
           </p:cNvPr>
@@ -3442,7 +3441,7 @@
           <p:cNvPr id="9" name="Footer Placeholder 4">
             <a:extLst>
               <a:ext uri="{FF2B5EF4-FFF2-40B4-BE49-F238E27FC236}">
-                <a16:creationId xmlns:a16="http://schemas.microsoft.com/office/drawing/2014/main" id="{40A74FF7-9F5E-4406-982E-23E39DBF604A}"/>
+                <a16:creationId xmlns:a16="http://schemas.microsoft.com/office/drawing/2014/main" xmlns="" id="{40A74FF7-9F5E-4406-982E-23E39DBF604A}"/>
               </a:ext>
             </a:extLst>
           </p:cNvPr>
@@ -3604,7 +3603,7 @@
           <p:cNvPr id="2" name="Title 1">
             <a:extLst>
               <a:ext uri="{FF2B5EF4-FFF2-40B4-BE49-F238E27FC236}">
-                <a16:creationId xmlns:a16="http://schemas.microsoft.com/office/drawing/2014/main" id="{7C996E02-04DC-4E38-A180-B6235D88577B}"/>
+                <a16:creationId xmlns:a16="http://schemas.microsoft.com/office/drawing/2014/main" xmlns="" id="{7C996E02-04DC-4E38-A180-B6235D88577B}"/>
               </a:ext>
             </a:extLst>
           </p:cNvPr>
@@ -3642,7 +3641,7 @@
           <p:cNvPr id="3" name="Content Placeholder 2">
             <a:extLst>
               <a:ext uri="{FF2B5EF4-FFF2-40B4-BE49-F238E27FC236}">
-                <a16:creationId xmlns:a16="http://schemas.microsoft.com/office/drawing/2014/main" id="{A470C626-9D39-4C37-9415-41412FB74456}"/>
+                <a16:creationId xmlns:a16="http://schemas.microsoft.com/office/drawing/2014/main" xmlns="" id="{A470C626-9D39-4C37-9415-41412FB74456}"/>
               </a:ext>
             </a:extLst>
           </p:cNvPr>
@@ -3733,7 +3732,7 @@
           <p:cNvPr id="4" name="Text Placeholder 3">
             <a:extLst>
               <a:ext uri="{FF2B5EF4-FFF2-40B4-BE49-F238E27FC236}">
-                <a16:creationId xmlns:a16="http://schemas.microsoft.com/office/drawing/2014/main" id="{5F6D8FAF-8C98-43D3-A021-DDD8F8542563}"/>
+                <a16:creationId xmlns:a16="http://schemas.microsoft.com/office/drawing/2014/main" xmlns="" id="{5F6D8FAF-8C98-43D3-A021-DDD8F8542563}"/>
               </a:ext>
             </a:extLst>
           </p:cNvPr>
@@ -3804,7 +3803,7 @@
           <p:cNvPr id="5" name="Date Placeholder 4">
             <a:extLst>
               <a:ext uri="{FF2B5EF4-FFF2-40B4-BE49-F238E27FC236}">
-                <a16:creationId xmlns:a16="http://schemas.microsoft.com/office/drawing/2014/main" id="{CA7D6792-CD36-402C-B6E7-CAB3E19E6AD9}"/>
+                <a16:creationId xmlns:a16="http://schemas.microsoft.com/office/drawing/2014/main" xmlns="" id="{CA7D6792-CD36-402C-B6E7-CAB3E19E6AD9}"/>
               </a:ext>
             </a:extLst>
           </p:cNvPr>
@@ -3832,7 +3831,7 @@
           <p:cNvPr id="6" name="Footer Placeholder 5">
             <a:extLst>
               <a:ext uri="{FF2B5EF4-FFF2-40B4-BE49-F238E27FC236}">
-                <a16:creationId xmlns:a16="http://schemas.microsoft.com/office/drawing/2014/main" id="{260F526C-5CDD-4DC8-A807-188160CDAB97}"/>
+                <a16:creationId xmlns:a16="http://schemas.microsoft.com/office/drawing/2014/main" xmlns="" id="{260F526C-5CDD-4DC8-A807-188160CDAB97}"/>
               </a:ext>
             </a:extLst>
           </p:cNvPr>
@@ -3860,7 +3859,7 @@
           <p:cNvPr id="7" name="Slide Number Placeholder 6">
             <a:extLst>
               <a:ext uri="{FF2B5EF4-FFF2-40B4-BE49-F238E27FC236}">
-                <a16:creationId xmlns:a16="http://schemas.microsoft.com/office/drawing/2014/main" id="{F4250E34-A9B1-4A4B-AA8F-F3B56005B638}"/>
+                <a16:creationId xmlns:a16="http://schemas.microsoft.com/office/drawing/2014/main" xmlns="" id="{F4250E34-A9B1-4A4B-AA8F-F3B56005B638}"/>
               </a:ext>
             </a:extLst>
           </p:cNvPr>
@@ -3919,7 +3918,7 @@
           <p:cNvPr id="2" name="Title 1">
             <a:extLst>
               <a:ext uri="{FF2B5EF4-FFF2-40B4-BE49-F238E27FC236}">
-                <a16:creationId xmlns:a16="http://schemas.microsoft.com/office/drawing/2014/main" id="{0965F309-ACB4-4A02-B252-BB308E86B0EA}"/>
+                <a16:creationId xmlns:a16="http://schemas.microsoft.com/office/drawing/2014/main" xmlns="" id="{0965F309-ACB4-4A02-B252-BB308E86B0EA}"/>
               </a:ext>
             </a:extLst>
           </p:cNvPr>
@@ -3957,7 +3956,7 @@
           <p:cNvPr id="3" name="Picture Placeholder 2">
             <a:extLst>
               <a:ext uri="{FF2B5EF4-FFF2-40B4-BE49-F238E27FC236}">
-                <a16:creationId xmlns:a16="http://schemas.microsoft.com/office/drawing/2014/main" id="{E8398C3A-15A4-40EB-B19E-C593B3B99189}"/>
+                <a16:creationId xmlns:a16="http://schemas.microsoft.com/office/drawing/2014/main" xmlns="" id="{E8398C3A-15A4-40EB-B19E-C593B3B99189}"/>
               </a:ext>
             </a:extLst>
           </p:cNvPr>
@@ -4024,7 +4023,7 @@
           <p:cNvPr id="4" name="Text Placeholder 3">
             <a:extLst>
               <a:ext uri="{FF2B5EF4-FFF2-40B4-BE49-F238E27FC236}">
-                <a16:creationId xmlns:a16="http://schemas.microsoft.com/office/drawing/2014/main" id="{88DB9E60-8399-47B0-92B9-03998DC0E46A}"/>
+                <a16:creationId xmlns:a16="http://schemas.microsoft.com/office/drawing/2014/main" xmlns="" id="{88DB9E60-8399-47B0-92B9-03998DC0E46A}"/>
               </a:ext>
             </a:extLst>
           </p:cNvPr>
@@ -4095,7 +4094,7 @@
           <p:cNvPr id="5" name="Date Placeholder 4">
             <a:extLst>
               <a:ext uri="{FF2B5EF4-FFF2-40B4-BE49-F238E27FC236}">
-                <a16:creationId xmlns:a16="http://schemas.microsoft.com/office/drawing/2014/main" id="{4017D339-69ED-42AC-8BC2-17B3B0A8E4BF}"/>
+                <a16:creationId xmlns:a16="http://schemas.microsoft.com/office/drawing/2014/main" xmlns="" id="{4017D339-69ED-42AC-8BC2-17B3B0A8E4BF}"/>
               </a:ext>
             </a:extLst>
           </p:cNvPr>
@@ -4123,7 +4122,7 @@
           <p:cNvPr id="6" name="Footer Placeholder 5">
             <a:extLst>
               <a:ext uri="{FF2B5EF4-FFF2-40B4-BE49-F238E27FC236}">
-                <a16:creationId xmlns:a16="http://schemas.microsoft.com/office/drawing/2014/main" id="{9DC14141-BABE-4C23-BF95-B7F7EE67B7E2}"/>
+                <a16:creationId xmlns:a16="http://schemas.microsoft.com/office/drawing/2014/main" xmlns="" id="{9DC14141-BABE-4C23-BF95-B7F7EE67B7E2}"/>
               </a:ext>
             </a:extLst>
           </p:cNvPr>
@@ -4151,7 +4150,7 @@
           <p:cNvPr id="7" name="Slide Number Placeholder 6">
             <a:extLst>
               <a:ext uri="{FF2B5EF4-FFF2-40B4-BE49-F238E27FC236}">
-                <a16:creationId xmlns:a16="http://schemas.microsoft.com/office/drawing/2014/main" id="{DAF4A564-D15C-4390-AB73-32021A889D77}"/>
+                <a16:creationId xmlns:a16="http://schemas.microsoft.com/office/drawing/2014/main" xmlns="" id="{DAF4A564-D15C-4390-AB73-32021A889D77}"/>
               </a:ext>
             </a:extLst>
           </p:cNvPr>
@@ -4210,7 +4209,7 @@
           <p:cNvPr id="2" name="Title 1">
             <a:extLst>
               <a:ext uri="{FF2B5EF4-FFF2-40B4-BE49-F238E27FC236}">
-                <a16:creationId xmlns:a16="http://schemas.microsoft.com/office/drawing/2014/main" id="{47107D61-3B9E-47FF-93B4-4332CB617FB6}"/>
+                <a16:creationId xmlns:a16="http://schemas.microsoft.com/office/drawing/2014/main" xmlns="" id="{47107D61-3B9E-47FF-93B4-4332CB617FB6}"/>
               </a:ext>
             </a:extLst>
           </p:cNvPr>
@@ -4239,7 +4238,7 @@
           <p:cNvPr id="3" name="Vertical Text Placeholder 2">
             <a:extLst>
               <a:ext uri="{FF2B5EF4-FFF2-40B4-BE49-F238E27FC236}">
-                <a16:creationId xmlns:a16="http://schemas.microsoft.com/office/drawing/2014/main" id="{BA9D4B74-EA97-435E-B579-D50840505F09}"/>
+                <a16:creationId xmlns:a16="http://schemas.microsoft.com/office/drawing/2014/main" xmlns="" id="{BA9D4B74-EA97-435E-B579-D50840505F09}"/>
               </a:ext>
             </a:extLst>
           </p:cNvPr>
@@ -4297,7 +4296,7 @@
           <p:cNvPr id="4" name="Date Placeholder 3">
             <a:extLst>
               <a:ext uri="{FF2B5EF4-FFF2-40B4-BE49-F238E27FC236}">
-                <a16:creationId xmlns:a16="http://schemas.microsoft.com/office/drawing/2014/main" id="{89CA1304-DA09-44CF-A5D2-553AC49A17CC}"/>
+                <a16:creationId xmlns:a16="http://schemas.microsoft.com/office/drawing/2014/main" xmlns="" id="{89CA1304-DA09-44CF-A5D2-553AC49A17CC}"/>
               </a:ext>
             </a:extLst>
           </p:cNvPr>
@@ -4325,7 +4324,7 @@
           <p:cNvPr id="5" name="Footer Placeholder 4">
             <a:extLst>
               <a:ext uri="{FF2B5EF4-FFF2-40B4-BE49-F238E27FC236}">
-                <a16:creationId xmlns:a16="http://schemas.microsoft.com/office/drawing/2014/main" id="{428D3C90-37BD-4AF3-B294-7700114377AC}"/>
+                <a16:creationId xmlns:a16="http://schemas.microsoft.com/office/drawing/2014/main" xmlns="" id="{428D3C90-37BD-4AF3-B294-7700114377AC}"/>
               </a:ext>
             </a:extLst>
           </p:cNvPr>
@@ -4353,7 +4352,7 @@
           <p:cNvPr id="6" name="Slide Number Placeholder 5">
             <a:extLst>
               <a:ext uri="{FF2B5EF4-FFF2-40B4-BE49-F238E27FC236}">
-                <a16:creationId xmlns:a16="http://schemas.microsoft.com/office/drawing/2014/main" id="{846AF888-F3F9-42B4-AD0D-0958DDAD94B0}"/>
+                <a16:creationId xmlns:a16="http://schemas.microsoft.com/office/drawing/2014/main" xmlns="" id="{846AF888-F3F9-42B4-AD0D-0958DDAD94B0}"/>
               </a:ext>
             </a:extLst>
           </p:cNvPr>
@@ -4412,7 +4411,7 @@
           <p:cNvPr id="2" name="Vertical Title 1">
             <a:extLst>
               <a:ext uri="{FF2B5EF4-FFF2-40B4-BE49-F238E27FC236}">
-                <a16:creationId xmlns:a16="http://schemas.microsoft.com/office/drawing/2014/main" id="{0EA842E8-A0AC-4991-ADE2-2473F4B54456}"/>
+                <a16:creationId xmlns:a16="http://schemas.microsoft.com/office/drawing/2014/main" xmlns="" id="{0EA842E8-A0AC-4991-ADE2-2473F4B54456}"/>
               </a:ext>
             </a:extLst>
           </p:cNvPr>
@@ -4446,7 +4445,7 @@
           <p:cNvPr id="3" name="Vertical Text Placeholder 2">
             <a:extLst>
               <a:ext uri="{FF2B5EF4-FFF2-40B4-BE49-F238E27FC236}">
-                <a16:creationId xmlns:a16="http://schemas.microsoft.com/office/drawing/2014/main" id="{30AA7ADB-41CD-43CC-A23D-CDBD9D0D8193}"/>
+                <a16:creationId xmlns:a16="http://schemas.microsoft.com/office/drawing/2014/main" xmlns="" id="{30AA7ADB-41CD-43CC-A23D-CDBD9D0D8193}"/>
               </a:ext>
             </a:extLst>
           </p:cNvPr>
@@ -4509,7 +4508,7 @@
           <p:cNvPr id="4" name="Date Placeholder 3">
             <a:extLst>
               <a:ext uri="{FF2B5EF4-FFF2-40B4-BE49-F238E27FC236}">
-                <a16:creationId xmlns:a16="http://schemas.microsoft.com/office/drawing/2014/main" id="{459DFDFF-8A3E-40A3-BD0E-4FE88A014182}"/>
+                <a16:creationId xmlns:a16="http://schemas.microsoft.com/office/drawing/2014/main" xmlns="" id="{459DFDFF-8A3E-40A3-BD0E-4FE88A014182}"/>
               </a:ext>
             </a:extLst>
           </p:cNvPr>
@@ -4537,7 +4536,7 @@
           <p:cNvPr id="5" name="Footer Placeholder 4">
             <a:extLst>
               <a:ext uri="{FF2B5EF4-FFF2-40B4-BE49-F238E27FC236}">
-                <a16:creationId xmlns:a16="http://schemas.microsoft.com/office/drawing/2014/main" id="{2EEC31E1-B173-4E5B-8253-18ABB91CEDFA}"/>
+                <a16:creationId xmlns:a16="http://schemas.microsoft.com/office/drawing/2014/main" xmlns="" id="{2EEC31E1-B173-4E5B-8253-18ABB91CEDFA}"/>
               </a:ext>
             </a:extLst>
           </p:cNvPr>
@@ -4565,7 +4564,7 @@
           <p:cNvPr id="6" name="Slide Number Placeholder 5">
             <a:extLst>
               <a:ext uri="{FF2B5EF4-FFF2-40B4-BE49-F238E27FC236}">
-                <a16:creationId xmlns:a16="http://schemas.microsoft.com/office/drawing/2014/main" id="{D610562A-D3E2-4D59-B9C2-B0960479F195}"/>
+                <a16:creationId xmlns:a16="http://schemas.microsoft.com/office/drawing/2014/main" xmlns="" id="{D610562A-D3E2-4D59-B9C2-B0960479F195}"/>
               </a:ext>
             </a:extLst>
           </p:cNvPr>
@@ -4624,7 +4623,7 @@
           <p:cNvPr id="2" name="Title 1">
             <a:extLst>
               <a:ext uri="{FF2B5EF4-FFF2-40B4-BE49-F238E27FC236}">
-                <a16:creationId xmlns:a16="http://schemas.microsoft.com/office/drawing/2014/main" id="{EF40842B-C6CA-43A0-8C7B-C51A8BA4E18E}"/>
+                <a16:creationId xmlns:a16="http://schemas.microsoft.com/office/drawing/2014/main" xmlns="" id="{EF40842B-C6CA-43A0-8C7B-C51A8BA4E18E}"/>
               </a:ext>
             </a:extLst>
           </p:cNvPr>
@@ -4662,7 +4661,7 @@
           <p:cNvPr id="3" name="Subtitle 2">
             <a:extLst>
               <a:ext uri="{FF2B5EF4-FFF2-40B4-BE49-F238E27FC236}">
-                <a16:creationId xmlns:a16="http://schemas.microsoft.com/office/drawing/2014/main" id="{52CB8609-D1C9-4053-9799-16F0B8007F7D}"/>
+                <a16:creationId xmlns:a16="http://schemas.microsoft.com/office/drawing/2014/main" xmlns="" id="{52CB8609-D1C9-4053-9799-16F0B8007F7D}"/>
               </a:ext>
             </a:extLst>
           </p:cNvPr>
@@ -4733,7 +4732,7 @@
           <p:cNvPr id="4" name="Date Placeholder 3">
             <a:extLst>
               <a:ext uri="{FF2B5EF4-FFF2-40B4-BE49-F238E27FC236}">
-                <a16:creationId xmlns:a16="http://schemas.microsoft.com/office/drawing/2014/main" id="{F2E68D7E-AF4D-4C00-8C02-89B28DF7B604}"/>
+                <a16:creationId xmlns:a16="http://schemas.microsoft.com/office/drawing/2014/main" xmlns="" id="{F2E68D7E-AF4D-4C00-8C02-89B28DF7B604}"/>
               </a:ext>
             </a:extLst>
           </p:cNvPr>
@@ -4761,7 +4760,7 @@
           <p:cNvPr id="5" name="Footer Placeholder 4">
             <a:extLst>
               <a:ext uri="{FF2B5EF4-FFF2-40B4-BE49-F238E27FC236}">
-                <a16:creationId xmlns:a16="http://schemas.microsoft.com/office/drawing/2014/main" id="{859379C3-5354-435E-8EB3-C5E2012D7430}"/>
+                <a16:creationId xmlns:a16="http://schemas.microsoft.com/office/drawing/2014/main" xmlns="" id="{859379C3-5354-435E-8EB3-C5E2012D7430}"/>
               </a:ext>
             </a:extLst>
           </p:cNvPr>
@@ -4789,7 +4788,7 @@
           <p:cNvPr id="6" name="Slide Number Placeholder 5">
             <a:extLst>
               <a:ext uri="{FF2B5EF4-FFF2-40B4-BE49-F238E27FC236}">
-                <a16:creationId xmlns:a16="http://schemas.microsoft.com/office/drawing/2014/main" id="{90DCA2A0-DDFB-45DB-B7EF-062DE2EF1079}"/>
+                <a16:creationId xmlns:a16="http://schemas.microsoft.com/office/drawing/2014/main" xmlns="" id="{90DCA2A0-DDFB-45DB-B7EF-062DE2EF1079}"/>
               </a:ext>
             </a:extLst>
           </p:cNvPr>
@@ -4848,7 +4847,7 @@
           <p:cNvPr id="2" name="Title 1">
             <a:extLst>
               <a:ext uri="{FF2B5EF4-FFF2-40B4-BE49-F238E27FC236}">
-                <a16:creationId xmlns:a16="http://schemas.microsoft.com/office/drawing/2014/main" id="{F69BB830-5846-4BFF-94AC-4EC6ADCFDCAD}"/>
+                <a16:creationId xmlns:a16="http://schemas.microsoft.com/office/drawing/2014/main" xmlns="" id="{F69BB830-5846-4BFF-94AC-4EC6ADCFDCAD}"/>
               </a:ext>
             </a:extLst>
           </p:cNvPr>
@@ -4877,7 +4876,7 @@
           <p:cNvPr id="3" name="Content Placeholder 2">
             <a:extLst>
               <a:ext uri="{FF2B5EF4-FFF2-40B4-BE49-F238E27FC236}">
-                <a16:creationId xmlns:a16="http://schemas.microsoft.com/office/drawing/2014/main" id="{FFD1DC8A-530A-4051-8628-65AAC3BD36BC}"/>
+                <a16:creationId xmlns:a16="http://schemas.microsoft.com/office/drawing/2014/main" xmlns="" id="{FFD1DC8A-530A-4051-8628-65AAC3BD36BC}"/>
               </a:ext>
             </a:extLst>
           </p:cNvPr>
@@ -4935,7 +4934,7 @@
           <p:cNvPr id="4" name="Date Placeholder 3">
             <a:extLst>
               <a:ext uri="{FF2B5EF4-FFF2-40B4-BE49-F238E27FC236}">
-                <a16:creationId xmlns:a16="http://schemas.microsoft.com/office/drawing/2014/main" id="{62EBD670-43FB-418C-8970-CC12DC5DAD9F}"/>
+                <a16:creationId xmlns:a16="http://schemas.microsoft.com/office/drawing/2014/main" xmlns="" id="{62EBD670-43FB-418C-8970-CC12DC5DAD9F}"/>
               </a:ext>
             </a:extLst>
           </p:cNvPr>
@@ -4963,7 +4962,7 @@
           <p:cNvPr id="5" name="Footer Placeholder 4">
             <a:extLst>
               <a:ext uri="{FF2B5EF4-FFF2-40B4-BE49-F238E27FC236}">
-                <a16:creationId xmlns:a16="http://schemas.microsoft.com/office/drawing/2014/main" id="{0E8ECFD0-8AA1-4672-A66F-2F482DE1A92F}"/>
+                <a16:creationId xmlns:a16="http://schemas.microsoft.com/office/drawing/2014/main" xmlns="" id="{0E8ECFD0-8AA1-4672-A66F-2F482DE1A92F}"/>
               </a:ext>
             </a:extLst>
           </p:cNvPr>
@@ -4991,7 +4990,7 @@
           <p:cNvPr id="6" name="Slide Number Placeholder 5">
             <a:extLst>
               <a:ext uri="{FF2B5EF4-FFF2-40B4-BE49-F238E27FC236}">
-                <a16:creationId xmlns:a16="http://schemas.microsoft.com/office/drawing/2014/main" id="{EDA04B25-8EB3-4981-853A-C79EAA4B6292}"/>
+                <a16:creationId xmlns:a16="http://schemas.microsoft.com/office/drawing/2014/main" xmlns="" id="{EDA04B25-8EB3-4981-853A-C79EAA4B6292}"/>
               </a:ext>
             </a:extLst>
           </p:cNvPr>
@@ -5050,7 +5049,7 @@
           <p:cNvPr id="2" name="Title 1">
             <a:extLst>
               <a:ext uri="{FF2B5EF4-FFF2-40B4-BE49-F238E27FC236}">
-                <a16:creationId xmlns:a16="http://schemas.microsoft.com/office/drawing/2014/main" id="{94ADA874-EEE2-44F9-9137-4320AB078C65}"/>
+                <a16:creationId xmlns:a16="http://schemas.microsoft.com/office/drawing/2014/main" xmlns="" id="{94ADA874-EEE2-44F9-9137-4320AB078C65}"/>
               </a:ext>
             </a:extLst>
           </p:cNvPr>
@@ -5088,7 +5087,7 @@
           <p:cNvPr id="3" name="Text Placeholder 2">
             <a:extLst>
               <a:ext uri="{FF2B5EF4-FFF2-40B4-BE49-F238E27FC236}">
-                <a16:creationId xmlns:a16="http://schemas.microsoft.com/office/drawing/2014/main" id="{ACDA1EFE-1D8A-478A-9AFA-91409EBBBCF3}"/>
+                <a16:creationId xmlns:a16="http://schemas.microsoft.com/office/drawing/2014/main" xmlns="" id="{ACDA1EFE-1D8A-478A-9AFA-91409EBBBCF3}"/>
               </a:ext>
             </a:extLst>
           </p:cNvPr>
@@ -5213,7 +5212,7 @@
           <p:cNvPr id="4" name="Date Placeholder 3">
             <a:extLst>
               <a:ext uri="{FF2B5EF4-FFF2-40B4-BE49-F238E27FC236}">
-                <a16:creationId xmlns:a16="http://schemas.microsoft.com/office/drawing/2014/main" id="{D3F1E7FD-497A-491B-8917-253A34DF4EB1}"/>
+                <a16:creationId xmlns:a16="http://schemas.microsoft.com/office/drawing/2014/main" xmlns="" id="{D3F1E7FD-497A-491B-8917-253A34DF4EB1}"/>
               </a:ext>
             </a:extLst>
           </p:cNvPr>
@@ -5241,7 +5240,7 @@
           <p:cNvPr id="5" name="Footer Placeholder 4">
             <a:extLst>
               <a:ext uri="{FF2B5EF4-FFF2-40B4-BE49-F238E27FC236}">
-                <a16:creationId xmlns:a16="http://schemas.microsoft.com/office/drawing/2014/main" id="{9534D2FA-20F1-4183-A307-7A55CC8E1EFE}"/>
+                <a16:creationId xmlns:a16="http://schemas.microsoft.com/office/drawing/2014/main" xmlns="" id="{9534D2FA-20F1-4183-A307-7A55CC8E1EFE}"/>
               </a:ext>
             </a:extLst>
           </p:cNvPr>
@@ -5269,7 +5268,7 @@
           <p:cNvPr id="6" name="Slide Number Placeholder 5">
             <a:extLst>
               <a:ext uri="{FF2B5EF4-FFF2-40B4-BE49-F238E27FC236}">
-                <a16:creationId xmlns:a16="http://schemas.microsoft.com/office/drawing/2014/main" id="{EB62A000-FACF-4C3A-999D-9801F85A5B78}"/>
+                <a16:creationId xmlns:a16="http://schemas.microsoft.com/office/drawing/2014/main" xmlns="" id="{EB62A000-FACF-4C3A-999D-9801F85A5B78}"/>
               </a:ext>
             </a:extLst>
           </p:cNvPr>
@@ -5328,7 +5327,7 @@
           <p:cNvPr id="2" name="Title 1">
             <a:extLst>
               <a:ext uri="{FF2B5EF4-FFF2-40B4-BE49-F238E27FC236}">
-                <a16:creationId xmlns:a16="http://schemas.microsoft.com/office/drawing/2014/main" id="{C613E725-FB4D-4A68-9B99-2621DA34273F}"/>
+                <a16:creationId xmlns:a16="http://schemas.microsoft.com/office/drawing/2014/main" xmlns="" id="{C613E725-FB4D-4A68-9B99-2621DA34273F}"/>
               </a:ext>
             </a:extLst>
           </p:cNvPr>
@@ -5357,7 +5356,7 @@
           <p:cNvPr id="3" name="Content Placeholder 2">
             <a:extLst>
               <a:ext uri="{FF2B5EF4-FFF2-40B4-BE49-F238E27FC236}">
-                <a16:creationId xmlns:a16="http://schemas.microsoft.com/office/drawing/2014/main" id="{74D48DA3-CF9C-49A7-B8EF-F58E7C9DD96B}"/>
+                <a16:creationId xmlns:a16="http://schemas.microsoft.com/office/drawing/2014/main" xmlns="" id="{74D48DA3-CF9C-49A7-B8EF-F58E7C9DD96B}"/>
               </a:ext>
             </a:extLst>
           </p:cNvPr>
@@ -5420,7 +5419,7 @@
           <p:cNvPr id="4" name="Content Placeholder 3">
             <a:extLst>
               <a:ext uri="{FF2B5EF4-FFF2-40B4-BE49-F238E27FC236}">
-                <a16:creationId xmlns:a16="http://schemas.microsoft.com/office/drawing/2014/main" id="{F90842DA-F193-4FD2-B85C-820D02F67803}"/>
+                <a16:creationId xmlns:a16="http://schemas.microsoft.com/office/drawing/2014/main" xmlns="" id="{F90842DA-F193-4FD2-B85C-820D02F67803}"/>
               </a:ext>
             </a:extLst>
           </p:cNvPr>
@@ -5483,7 +5482,7 @@
           <p:cNvPr id="5" name="Date Placeholder 4">
             <a:extLst>
               <a:ext uri="{FF2B5EF4-FFF2-40B4-BE49-F238E27FC236}">
-                <a16:creationId xmlns:a16="http://schemas.microsoft.com/office/drawing/2014/main" id="{D1FFF39B-B900-4142-BD19-4C7BC14A9C3D}"/>
+                <a16:creationId xmlns:a16="http://schemas.microsoft.com/office/drawing/2014/main" xmlns="" id="{D1FFF39B-B900-4142-BD19-4C7BC14A9C3D}"/>
               </a:ext>
             </a:extLst>
           </p:cNvPr>
@@ -5511,7 +5510,7 @@
           <p:cNvPr id="6" name="Footer Placeholder 5">
             <a:extLst>
               <a:ext uri="{FF2B5EF4-FFF2-40B4-BE49-F238E27FC236}">
-                <a16:creationId xmlns:a16="http://schemas.microsoft.com/office/drawing/2014/main" id="{8FFBC69E-19FD-4BF3-8BD4-78AD855CA3A9}"/>
+                <a16:creationId xmlns:a16="http://schemas.microsoft.com/office/drawing/2014/main" xmlns="" id="{8FFBC69E-19FD-4BF3-8BD4-78AD855CA3A9}"/>
               </a:ext>
             </a:extLst>
           </p:cNvPr>
@@ -5539,7 +5538,7 @@
           <p:cNvPr id="7" name="Slide Number Placeholder 6">
             <a:extLst>
               <a:ext uri="{FF2B5EF4-FFF2-40B4-BE49-F238E27FC236}">
-                <a16:creationId xmlns:a16="http://schemas.microsoft.com/office/drawing/2014/main" id="{C18E0F0F-E071-4289-9E46-1C97383E8B16}"/>
+                <a16:creationId xmlns:a16="http://schemas.microsoft.com/office/drawing/2014/main" xmlns="" id="{C18E0F0F-E071-4289-9E46-1C97383E8B16}"/>
               </a:ext>
             </a:extLst>
           </p:cNvPr>
@@ -5598,7 +5597,7 @@
           <p:cNvPr id="2" name="Title 1">
             <a:extLst>
               <a:ext uri="{FF2B5EF4-FFF2-40B4-BE49-F238E27FC236}">
-                <a16:creationId xmlns:a16="http://schemas.microsoft.com/office/drawing/2014/main" id="{9CBCC924-5FC3-40EF-AA67-3D8D94E469FD}"/>
+                <a16:creationId xmlns:a16="http://schemas.microsoft.com/office/drawing/2014/main" xmlns="" id="{9CBCC924-5FC3-40EF-AA67-3D8D94E469FD}"/>
               </a:ext>
             </a:extLst>
           </p:cNvPr>
@@ -5632,7 +5631,7 @@
           <p:cNvPr id="3" name="Text Placeholder 2">
             <a:extLst>
               <a:ext uri="{FF2B5EF4-FFF2-40B4-BE49-F238E27FC236}">
-                <a16:creationId xmlns:a16="http://schemas.microsoft.com/office/drawing/2014/main" id="{5B107A9B-C253-4673-8329-D020D5F18957}"/>
+                <a16:creationId xmlns:a16="http://schemas.microsoft.com/office/drawing/2014/main" xmlns="" id="{5B107A9B-C253-4673-8329-D020D5F18957}"/>
               </a:ext>
             </a:extLst>
           </p:cNvPr>
@@ -5703,7 +5702,7 @@
           <p:cNvPr id="4" name="Content Placeholder 3">
             <a:extLst>
               <a:ext uri="{FF2B5EF4-FFF2-40B4-BE49-F238E27FC236}">
-                <a16:creationId xmlns:a16="http://schemas.microsoft.com/office/drawing/2014/main" id="{DC691E33-F611-4241-BE78-D855D265C0BD}"/>
+                <a16:creationId xmlns:a16="http://schemas.microsoft.com/office/drawing/2014/main" xmlns="" id="{DC691E33-F611-4241-BE78-D855D265C0BD}"/>
               </a:ext>
             </a:extLst>
           </p:cNvPr>
@@ -5766,7 +5765,7 @@
           <p:cNvPr id="5" name="Text Placeholder 4">
             <a:extLst>
               <a:ext uri="{FF2B5EF4-FFF2-40B4-BE49-F238E27FC236}">
-                <a16:creationId xmlns:a16="http://schemas.microsoft.com/office/drawing/2014/main" id="{DCD9C807-6408-4D96-B053-DBDB3B44C35D}"/>
+                <a16:creationId xmlns:a16="http://schemas.microsoft.com/office/drawing/2014/main" xmlns="" id="{DCD9C807-6408-4D96-B053-DBDB3B44C35D}"/>
               </a:ext>
             </a:extLst>
           </p:cNvPr>
@@ -5837,7 +5836,7 @@
           <p:cNvPr id="6" name="Content Placeholder 5">
             <a:extLst>
               <a:ext uri="{FF2B5EF4-FFF2-40B4-BE49-F238E27FC236}">
-                <a16:creationId xmlns:a16="http://schemas.microsoft.com/office/drawing/2014/main" id="{FB8BDB55-FD39-4883-AC08-C990C56E6612}"/>
+                <a16:creationId xmlns:a16="http://schemas.microsoft.com/office/drawing/2014/main" xmlns="" id="{FB8BDB55-FD39-4883-AC08-C990C56E6612}"/>
               </a:ext>
             </a:extLst>
           </p:cNvPr>
@@ -5900,7 +5899,7 @@
           <p:cNvPr id="7" name="Date Placeholder 6">
             <a:extLst>
               <a:ext uri="{FF2B5EF4-FFF2-40B4-BE49-F238E27FC236}">
-                <a16:creationId xmlns:a16="http://schemas.microsoft.com/office/drawing/2014/main" id="{1C6402DF-2215-4CD2-8CDD-D7F43333FDDC}"/>
+                <a16:creationId xmlns:a16="http://schemas.microsoft.com/office/drawing/2014/main" xmlns="" id="{1C6402DF-2215-4CD2-8CDD-D7F43333FDDC}"/>
               </a:ext>
             </a:extLst>
           </p:cNvPr>
@@ -5928,7 +5927,7 @@
           <p:cNvPr id="8" name="Footer Placeholder 7">
             <a:extLst>
               <a:ext uri="{FF2B5EF4-FFF2-40B4-BE49-F238E27FC236}">
-                <a16:creationId xmlns:a16="http://schemas.microsoft.com/office/drawing/2014/main" id="{F8DEC84C-54F8-4052-BD55-5B1A789D3429}"/>
+                <a16:creationId xmlns:a16="http://schemas.microsoft.com/office/drawing/2014/main" xmlns="" id="{F8DEC84C-54F8-4052-BD55-5B1A789D3429}"/>
               </a:ext>
             </a:extLst>
           </p:cNvPr>
@@ -5956,7 +5955,7 @@
           <p:cNvPr id="9" name="Slide Number Placeholder 8">
             <a:extLst>
               <a:ext uri="{FF2B5EF4-FFF2-40B4-BE49-F238E27FC236}">
-                <a16:creationId xmlns:a16="http://schemas.microsoft.com/office/drawing/2014/main" id="{0444D7D6-6DF9-4DA0-85C9-5F7127EF9CF5}"/>
+                <a16:creationId xmlns:a16="http://schemas.microsoft.com/office/drawing/2014/main" xmlns="" id="{0444D7D6-6DF9-4DA0-85C9-5F7127EF9CF5}"/>
               </a:ext>
             </a:extLst>
           </p:cNvPr>
@@ -6015,7 +6014,7 @@
           <p:cNvPr id="2" name="Title 1">
             <a:extLst>
               <a:ext uri="{FF2B5EF4-FFF2-40B4-BE49-F238E27FC236}">
-                <a16:creationId xmlns:a16="http://schemas.microsoft.com/office/drawing/2014/main" id="{CEF827E2-1D5B-4507-B543-84936310706F}"/>
+                <a16:creationId xmlns:a16="http://schemas.microsoft.com/office/drawing/2014/main" xmlns="" id="{CEF827E2-1D5B-4507-B543-84936310706F}"/>
               </a:ext>
             </a:extLst>
           </p:cNvPr>
@@ -6044,7 +6043,7 @@
           <p:cNvPr id="3" name="Date Placeholder 2">
             <a:extLst>
               <a:ext uri="{FF2B5EF4-FFF2-40B4-BE49-F238E27FC236}">
-                <a16:creationId xmlns:a16="http://schemas.microsoft.com/office/drawing/2014/main" id="{EBA6D65D-D8C4-4F81-AF58-83B63151B46F}"/>
+                <a16:creationId xmlns:a16="http://schemas.microsoft.com/office/drawing/2014/main" xmlns="" id="{EBA6D65D-D8C4-4F81-AF58-83B63151B46F}"/>
               </a:ext>
             </a:extLst>
           </p:cNvPr>
@@ -6072,7 +6071,7 @@
           <p:cNvPr id="4" name="Footer Placeholder 3">
             <a:extLst>
               <a:ext uri="{FF2B5EF4-FFF2-40B4-BE49-F238E27FC236}">
-                <a16:creationId xmlns:a16="http://schemas.microsoft.com/office/drawing/2014/main" id="{A6178248-65F1-4276-A5D6-E764CA5BD92F}"/>
+                <a16:creationId xmlns:a16="http://schemas.microsoft.com/office/drawing/2014/main" xmlns="" id="{A6178248-65F1-4276-A5D6-E764CA5BD92F}"/>
               </a:ext>
             </a:extLst>
           </p:cNvPr>
@@ -6100,7 +6099,7 @@
           <p:cNvPr id="5" name="Slide Number Placeholder 4">
             <a:extLst>
               <a:ext uri="{FF2B5EF4-FFF2-40B4-BE49-F238E27FC236}">
-                <a16:creationId xmlns:a16="http://schemas.microsoft.com/office/drawing/2014/main" id="{E3184932-81C3-41E8-BB6B-D32E0A6B1361}"/>
+                <a16:creationId xmlns:a16="http://schemas.microsoft.com/office/drawing/2014/main" xmlns="" id="{E3184932-81C3-41E8-BB6B-D32E0A6B1361}"/>
               </a:ext>
             </a:extLst>
           </p:cNvPr>
@@ -6159,7 +6158,7 @@
           <p:cNvPr id="2" name="Title 1">
             <a:extLst>
               <a:ext uri="{FF2B5EF4-FFF2-40B4-BE49-F238E27FC236}">
-                <a16:creationId xmlns:a16="http://schemas.microsoft.com/office/drawing/2014/main" id="{F69BB830-5846-4BFF-94AC-4EC6ADCFDCAD}"/>
+                <a16:creationId xmlns:a16="http://schemas.microsoft.com/office/drawing/2014/main" xmlns="" id="{F69BB830-5846-4BFF-94AC-4EC6ADCFDCAD}"/>
               </a:ext>
             </a:extLst>
           </p:cNvPr>
@@ -6196,7 +6195,7 @@
           <p:cNvPr id="3" name="Content Placeholder 2">
             <a:extLst>
               <a:ext uri="{FF2B5EF4-FFF2-40B4-BE49-F238E27FC236}">
-                <a16:creationId xmlns:a16="http://schemas.microsoft.com/office/drawing/2014/main" id="{FFD1DC8A-530A-4051-8628-65AAC3BD36BC}"/>
+                <a16:creationId xmlns:a16="http://schemas.microsoft.com/office/drawing/2014/main" xmlns="" id="{FFD1DC8A-530A-4051-8628-65AAC3BD36BC}"/>
               </a:ext>
             </a:extLst>
           </p:cNvPr>
@@ -6259,7 +6258,7 @@
           <p:cNvPr id="4" name="Date Placeholder 3">
             <a:extLst>
               <a:ext uri="{FF2B5EF4-FFF2-40B4-BE49-F238E27FC236}">
-                <a16:creationId xmlns:a16="http://schemas.microsoft.com/office/drawing/2014/main" id="{62EBD670-43FB-418C-8970-CC12DC5DAD9F}"/>
+                <a16:creationId xmlns:a16="http://schemas.microsoft.com/office/drawing/2014/main" xmlns="" id="{62EBD670-43FB-418C-8970-CC12DC5DAD9F}"/>
               </a:ext>
             </a:extLst>
           </p:cNvPr>
@@ -6295,7 +6294,7 @@
           <p:cNvPr id="5" name="Footer Placeholder 4">
             <a:extLst>
               <a:ext uri="{FF2B5EF4-FFF2-40B4-BE49-F238E27FC236}">
-                <a16:creationId xmlns:a16="http://schemas.microsoft.com/office/drawing/2014/main" id="{0E8ECFD0-8AA1-4672-A66F-2F482DE1A92F}"/>
+                <a16:creationId xmlns:a16="http://schemas.microsoft.com/office/drawing/2014/main" xmlns="" id="{0E8ECFD0-8AA1-4672-A66F-2F482DE1A92F}"/>
               </a:ext>
             </a:extLst>
           </p:cNvPr>
@@ -6332,7 +6331,7 @@
           <p:cNvPr id="6" name="Slide Number Placeholder 5">
             <a:extLst>
               <a:ext uri="{FF2B5EF4-FFF2-40B4-BE49-F238E27FC236}">
-                <a16:creationId xmlns:a16="http://schemas.microsoft.com/office/drawing/2014/main" id="{EDA04B25-8EB3-4981-853A-C79EAA4B6292}"/>
+                <a16:creationId xmlns:a16="http://schemas.microsoft.com/office/drawing/2014/main" xmlns="" id="{EDA04B25-8EB3-4981-853A-C79EAA4B6292}"/>
               </a:ext>
             </a:extLst>
           </p:cNvPr>
@@ -6391,7 +6390,7 @@
           <p:cNvPr id="2" name="Date Placeholder 1">
             <a:extLst>
               <a:ext uri="{FF2B5EF4-FFF2-40B4-BE49-F238E27FC236}">
-                <a16:creationId xmlns:a16="http://schemas.microsoft.com/office/drawing/2014/main" id="{7DA7B4B3-1D5D-4642-951F-BE795AAE65C4}"/>
+                <a16:creationId xmlns:a16="http://schemas.microsoft.com/office/drawing/2014/main" xmlns="" id="{7DA7B4B3-1D5D-4642-951F-BE795AAE65C4}"/>
               </a:ext>
             </a:extLst>
           </p:cNvPr>
@@ -6419,7 +6418,7 @@
           <p:cNvPr id="3" name="Footer Placeholder 2">
             <a:extLst>
               <a:ext uri="{FF2B5EF4-FFF2-40B4-BE49-F238E27FC236}">
-                <a16:creationId xmlns:a16="http://schemas.microsoft.com/office/drawing/2014/main" id="{8884173B-5683-4B07-A6B6-FE65E1A82E77}"/>
+                <a16:creationId xmlns:a16="http://schemas.microsoft.com/office/drawing/2014/main" xmlns="" id="{8884173B-5683-4B07-A6B6-FE65E1A82E77}"/>
               </a:ext>
             </a:extLst>
           </p:cNvPr>
@@ -6447,7 +6446,7 @@
           <p:cNvPr id="4" name="Slide Number Placeholder 3">
             <a:extLst>
               <a:ext uri="{FF2B5EF4-FFF2-40B4-BE49-F238E27FC236}">
-                <a16:creationId xmlns:a16="http://schemas.microsoft.com/office/drawing/2014/main" id="{A3604C50-87DF-45F5-93A9-563F680A4F86}"/>
+                <a16:creationId xmlns:a16="http://schemas.microsoft.com/office/drawing/2014/main" xmlns="" id="{A3604C50-87DF-45F5-93A9-563F680A4F86}"/>
               </a:ext>
             </a:extLst>
           </p:cNvPr>
@@ -6506,7 +6505,7 @@
           <p:cNvPr id="2" name="Title 1">
             <a:extLst>
               <a:ext uri="{FF2B5EF4-FFF2-40B4-BE49-F238E27FC236}">
-                <a16:creationId xmlns:a16="http://schemas.microsoft.com/office/drawing/2014/main" id="{89DE626C-A862-4DB9-BB4B-60DFE8BAA8FD}"/>
+                <a16:creationId xmlns:a16="http://schemas.microsoft.com/office/drawing/2014/main" xmlns="" id="{89DE626C-A862-4DB9-BB4B-60DFE8BAA8FD}"/>
               </a:ext>
             </a:extLst>
           </p:cNvPr>
@@ -6544,7 +6543,7 @@
           <p:cNvPr id="3" name="Content Placeholder 2">
             <a:extLst>
               <a:ext uri="{FF2B5EF4-FFF2-40B4-BE49-F238E27FC236}">
-                <a16:creationId xmlns:a16="http://schemas.microsoft.com/office/drawing/2014/main" id="{30C8A0A6-E54D-4A23-82BB-ED65BAE64D38}"/>
+                <a16:creationId xmlns:a16="http://schemas.microsoft.com/office/drawing/2014/main" xmlns="" id="{30C8A0A6-E54D-4A23-82BB-ED65BAE64D38}"/>
               </a:ext>
             </a:extLst>
           </p:cNvPr>
@@ -6635,7 +6634,7 @@
           <p:cNvPr id="4" name="Text Placeholder 3">
             <a:extLst>
               <a:ext uri="{FF2B5EF4-FFF2-40B4-BE49-F238E27FC236}">
-                <a16:creationId xmlns:a16="http://schemas.microsoft.com/office/drawing/2014/main" id="{F974B46C-C7A3-468B-9B6D-13DBE08782F6}"/>
+                <a16:creationId xmlns:a16="http://schemas.microsoft.com/office/drawing/2014/main" xmlns="" id="{F974B46C-C7A3-468B-9B6D-13DBE08782F6}"/>
               </a:ext>
             </a:extLst>
           </p:cNvPr>
@@ -6706,7 +6705,7 @@
           <p:cNvPr id="5" name="Date Placeholder 4">
             <a:extLst>
               <a:ext uri="{FF2B5EF4-FFF2-40B4-BE49-F238E27FC236}">
-                <a16:creationId xmlns:a16="http://schemas.microsoft.com/office/drawing/2014/main" id="{3A0DEE69-0C06-40B4-A585-623689A0E1B7}"/>
+                <a16:creationId xmlns:a16="http://schemas.microsoft.com/office/drawing/2014/main" xmlns="" id="{3A0DEE69-0C06-40B4-A585-623689A0E1B7}"/>
               </a:ext>
             </a:extLst>
           </p:cNvPr>
@@ -6734,7 +6733,7 @@
           <p:cNvPr id="6" name="Footer Placeholder 5">
             <a:extLst>
               <a:ext uri="{FF2B5EF4-FFF2-40B4-BE49-F238E27FC236}">
-                <a16:creationId xmlns:a16="http://schemas.microsoft.com/office/drawing/2014/main" id="{7DC33A2F-2971-4E6B-BEE2-98ECF3481927}"/>
+                <a16:creationId xmlns:a16="http://schemas.microsoft.com/office/drawing/2014/main" xmlns="" id="{7DC33A2F-2971-4E6B-BEE2-98ECF3481927}"/>
               </a:ext>
             </a:extLst>
           </p:cNvPr>
@@ -6762,7 +6761,7 @@
           <p:cNvPr id="7" name="Slide Number Placeholder 6">
             <a:extLst>
               <a:ext uri="{FF2B5EF4-FFF2-40B4-BE49-F238E27FC236}">
-                <a16:creationId xmlns:a16="http://schemas.microsoft.com/office/drawing/2014/main" id="{A0E8ED68-03D2-4B6B-9D83-4B8C7798C47E}"/>
+                <a16:creationId xmlns:a16="http://schemas.microsoft.com/office/drawing/2014/main" xmlns="" id="{A0E8ED68-03D2-4B6B-9D83-4B8C7798C47E}"/>
               </a:ext>
             </a:extLst>
           </p:cNvPr>
@@ -6821,7 +6820,7 @@
           <p:cNvPr id="2" name="Title 1">
             <a:extLst>
               <a:ext uri="{FF2B5EF4-FFF2-40B4-BE49-F238E27FC236}">
-                <a16:creationId xmlns:a16="http://schemas.microsoft.com/office/drawing/2014/main" id="{590B7302-973C-43E2-8266-EB309C74CAE0}"/>
+                <a16:creationId xmlns:a16="http://schemas.microsoft.com/office/drawing/2014/main" xmlns="" id="{590B7302-973C-43E2-8266-EB309C74CAE0}"/>
               </a:ext>
             </a:extLst>
           </p:cNvPr>
@@ -6859,7 +6858,7 @@
           <p:cNvPr id="3" name="Picture Placeholder 2">
             <a:extLst>
               <a:ext uri="{FF2B5EF4-FFF2-40B4-BE49-F238E27FC236}">
-                <a16:creationId xmlns:a16="http://schemas.microsoft.com/office/drawing/2014/main" id="{0BB4836D-2B27-4E99-A4E9-44E63B07037A}"/>
+                <a16:creationId xmlns:a16="http://schemas.microsoft.com/office/drawing/2014/main" xmlns="" id="{0BB4836D-2B27-4E99-A4E9-44E63B07037A}"/>
               </a:ext>
             </a:extLst>
           </p:cNvPr>
@@ -6926,7 +6925,7 @@
           <p:cNvPr id="4" name="Text Placeholder 3">
             <a:extLst>
               <a:ext uri="{FF2B5EF4-FFF2-40B4-BE49-F238E27FC236}">
-                <a16:creationId xmlns:a16="http://schemas.microsoft.com/office/drawing/2014/main" id="{7E6EB6B5-C561-4656-9550-3F6CDD14D15F}"/>
+                <a16:creationId xmlns:a16="http://schemas.microsoft.com/office/drawing/2014/main" xmlns="" id="{7E6EB6B5-C561-4656-9550-3F6CDD14D15F}"/>
               </a:ext>
             </a:extLst>
           </p:cNvPr>
@@ -6997,7 +6996,7 @@
           <p:cNvPr id="5" name="Date Placeholder 4">
             <a:extLst>
               <a:ext uri="{FF2B5EF4-FFF2-40B4-BE49-F238E27FC236}">
-                <a16:creationId xmlns:a16="http://schemas.microsoft.com/office/drawing/2014/main" id="{B2403665-2894-4978-BE66-31EBAF67ADD9}"/>
+                <a16:creationId xmlns:a16="http://schemas.microsoft.com/office/drawing/2014/main" xmlns="" id="{B2403665-2894-4978-BE66-31EBAF67ADD9}"/>
               </a:ext>
             </a:extLst>
           </p:cNvPr>
@@ -7025,7 +7024,7 @@
           <p:cNvPr id="6" name="Footer Placeholder 5">
             <a:extLst>
               <a:ext uri="{FF2B5EF4-FFF2-40B4-BE49-F238E27FC236}">
-                <a16:creationId xmlns:a16="http://schemas.microsoft.com/office/drawing/2014/main" id="{CB79DDA8-96EB-4C77-B5AA-536AAD6A1C2C}"/>
+                <a16:creationId xmlns:a16="http://schemas.microsoft.com/office/drawing/2014/main" xmlns="" id="{CB79DDA8-96EB-4C77-B5AA-536AAD6A1C2C}"/>
               </a:ext>
             </a:extLst>
           </p:cNvPr>
@@ -7053,7 +7052,7 @@
           <p:cNvPr id="7" name="Slide Number Placeholder 6">
             <a:extLst>
               <a:ext uri="{FF2B5EF4-FFF2-40B4-BE49-F238E27FC236}">
-                <a16:creationId xmlns:a16="http://schemas.microsoft.com/office/drawing/2014/main" id="{99887644-4078-46FE-AFB7-670AAA65DFEC}"/>
+                <a16:creationId xmlns:a16="http://schemas.microsoft.com/office/drawing/2014/main" xmlns="" id="{99887644-4078-46FE-AFB7-670AAA65DFEC}"/>
               </a:ext>
             </a:extLst>
           </p:cNvPr>
@@ -7112,7 +7111,7 @@
           <p:cNvPr id="2" name="Title 1">
             <a:extLst>
               <a:ext uri="{FF2B5EF4-FFF2-40B4-BE49-F238E27FC236}">
-                <a16:creationId xmlns:a16="http://schemas.microsoft.com/office/drawing/2014/main" id="{F5979442-03EA-4EBA-BD35-CB21398A83A0}"/>
+                <a16:creationId xmlns:a16="http://schemas.microsoft.com/office/drawing/2014/main" xmlns="" id="{F5979442-03EA-4EBA-BD35-CB21398A83A0}"/>
               </a:ext>
             </a:extLst>
           </p:cNvPr>
@@ -7141,7 +7140,7 @@
           <p:cNvPr id="3" name="Vertical Text Placeholder 2">
             <a:extLst>
               <a:ext uri="{FF2B5EF4-FFF2-40B4-BE49-F238E27FC236}">
-                <a16:creationId xmlns:a16="http://schemas.microsoft.com/office/drawing/2014/main" id="{3027FAED-F90B-411D-9103-FB91E40E2E81}"/>
+                <a16:creationId xmlns:a16="http://schemas.microsoft.com/office/drawing/2014/main" xmlns="" id="{3027FAED-F90B-411D-9103-FB91E40E2E81}"/>
               </a:ext>
             </a:extLst>
           </p:cNvPr>
@@ -7199,7 +7198,7 @@
           <p:cNvPr id="4" name="Date Placeholder 3">
             <a:extLst>
               <a:ext uri="{FF2B5EF4-FFF2-40B4-BE49-F238E27FC236}">
-                <a16:creationId xmlns:a16="http://schemas.microsoft.com/office/drawing/2014/main" id="{448AA73C-A629-4F94-AC74-6BE10A9D2661}"/>
+                <a16:creationId xmlns:a16="http://schemas.microsoft.com/office/drawing/2014/main" xmlns="" id="{448AA73C-A629-4F94-AC74-6BE10A9D2661}"/>
               </a:ext>
             </a:extLst>
           </p:cNvPr>
@@ -7227,7 +7226,7 @@
           <p:cNvPr id="5" name="Footer Placeholder 4">
             <a:extLst>
               <a:ext uri="{FF2B5EF4-FFF2-40B4-BE49-F238E27FC236}">
-                <a16:creationId xmlns:a16="http://schemas.microsoft.com/office/drawing/2014/main" id="{11AFB4C5-DC5C-4E0B-A30A-B3E2C65006F8}"/>
+                <a16:creationId xmlns:a16="http://schemas.microsoft.com/office/drawing/2014/main" xmlns="" id="{11AFB4C5-DC5C-4E0B-A30A-B3E2C65006F8}"/>
               </a:ext>
             </a:extLst>
           </p:cNvPr>
@@ -7255,7 +7254,7 @@
           <p:cNvPr id="6" name="Slide Number Placeholder 5">
             <a:extLst>
               <a:ext uri="{FF2B5EF4-FFF2-40B4-BE49-F238E27FC236}">
-                <a16:creationId xmlns:a16="http://schemas.microsoft.com/office/drawing/2014/main" id="{BA60360F-588E-4EC9-8B45-836F48AC3064}"/>
+                <a16:creationId xmlns:a16="http://schemas.microsoft.com/office/drawing/2014/main" xmlns="" id="{BA60360F-588E-4EC9-8B45-836F48AC3064}"/>
               </a:ext>
             </a:extLst>
           </p:cNvPr>
@@ -7314,7 +7313,7 @@
           <p:cNvPr id="2" name="Vertical Title 1">
             <a:extLst>
               <a:ext uri="{FF2B5EF4-FFF2-40B4-BE49-F238E27FC236}">
-                <a16:creationId xmlns:a16="http://schemas.microsoft.com/office/drawing/2014/main" id="{37030969-C7E9-4B4B-AF99-D36C9DDF4398}"/>
+                <a16:creationId xmlns:a16="http://schemas.microsoft.com/office/drawing/2014/main" xmlns="" id="{37030969-C7E9-4B4B-AF99-D36C9DDF4398}"/>
               </a:ext>
             </a:extLst>
           </p:cNvPr>
@@ -7348,7 +7347,7 @@
           <p:cNvPr id="3" name="Vertical Text Placeholder 2">
             <a:extLst>
               <a:ext uri="{FF2B5EF4-FFF2-40B4-BE49-F238E27FC236}">
-                <a16:creationId xmlns:a16="http://schemas.microsoft.com/office/drawing/2014/main" id="{31BD9FE5-2ED8-4149-8CAD-50697597EE3C}"/>
+                <a16:creationId xmlns:a16="http://schemas.microsoft.com/office/drawing/2014/main" xmlns="" id="{31BD9FE5-2ED8-4149-8CAD-50697597EE3C}"/>
               </a:ext>
             </a:extLst>
           </p:cNvPr>
@@ -7411,7 +7410,7 @@
           <p:cNvPr id="4" name="Date Placeholder 3">
             <a:extLst>
               <a:ext uri="{FF2B5EF4-FFF2-40B4-BE49-F238E27FC236}">
-                <a16:creationId xmlns:a16="http://schemas.microsoft.com/office/drawing/2014/main" id="{8E2818A7-EBD8-420F-9988-4CA46CC2962D}"/>
+                <a16:creationId xmlns:a16="http://schemas.microsoft.com/office/drawing/2014/main" xmlns="" id="{8E2818A7-EBD8-420F-9988-4CA46CC2962D}"/>
               </a:ext>
             </a:extLst>
           </p:cNvPr>
@@ -7439,7 +7438,7 @@
           <p:cNvPr id="5" name="Footer Placeholder 4">
             <a:extLst>
               <a:ext uri="{FF2B5EF4-FFF2-40B4-BE49-F238E27FC236}">
-                <a16:creationId xmlns:a16="http://schemas.microsoft.com/office/drawing/2014/main" id="{0EA8B38A-E7CA-4BB1-BED4-A750E07D50E9}"/>
+                <a16:creationId xmlns:a16="http://schemas.microsoft.com/office/drawing/2014/main" xmlns="" id="{0EA8B38A-E7CA-4BB1-BED4-A750E07D50E9}"/>
               </a:ext>
             </a:extLst>
           </p:cNvPr>
@@ -7467,7 +7466,7 @@
           <p:cNvPr id="6" name="Slide Number Placeholder 5">
             <a:extLst>
               <a:ext uri="{FF2B5EF4-FFF2-40B4-BE49-F238E27FC236}">
-                <a16:creationId xmlns:a16="http://schemas.microsoft.com/office/drawing/2014/main" id="{137CEC92-5AB4-4AA4-9949-EE34922FC12D}"/>
+                <a16:creationId xmlns:a16="http://schemas.microsoft.com/office/drawing/2014/main" xmlns="" id="{137CEC92-5AB4-4AA4-9949-EE34922FC12D}"/>
               </a:ext>
             </a:extLst>
           </p:cNvPr>
@@ -7526,7 +7525,7 @@
           <p:cNvPr id="2" name="Title 1">
             <a:extLst>
               <a:ext uri="{FF2B5EF4-FFF2-40B4-BE49-F238E27FC236}">
-                <a16:creationId xmlns:a16="http://schemas.microsoft.com/office/drawing/2014/main" id="{EF40842B-C6CA-43A0-8C7B-C51A8BA4E18E}"/>
+                <a16:creationId xmlns:a16="http://schemas.microsoft.com/office/drawing/2014/main" xmlns="" id="{EF40842B-C6CA-43A0-8C7B-C51A8BA4E18E}"/>
               </a:ext>
             </a:extLst>
           </p:cNvPr>
@@ -7564,7 +7563,7 @@
           <p:cNvPr id="3" name="Subtitle 2">
             <a:extLst>
               <a:ext uri="{FF2B5EF4-FFF2-40B4-BE49-F238E27FC236}">
-                <a16:creationId xmlns:a16="http://schemas.microsoft.com/office/drawing/2014/main" id="{52CB8609-D1C9-4053-9799-16F0B8007F7D}"/>
+                <a16:creationId xmlns:a16="http://schemas.microsoft.com/office/drawing/2014/main" xmlns="" id="{52CB8609-D1C9-4053-9799-16F0B8007F7D}"/>
               </a:ext>
             </a:extLst>
           </p:cNvPr>
@@ -7635,7 +7634,7 @@
           <p:cNvPr id="4" name="Date Placeholder 3">
             <a:extLst>
               <a:ext uri="{FF2B5EF4-FFF2-40B4-BE49-F238E27FC236}">
-                <a16:creationId xmlns:a16="http://schemas.microsoft.com/office/drawing/2014/main" id="{F2E68D7E-AF4D-4C00-8C02-89B28DF7B604}"/>
+                <a16:creationId xmlns:a16="http://schemas.microsoft.com/office/drawing/2014/main" xmlns="" id="{F2E68D7E-AF4D-4C00-8C02-89B28DF7B604}"/>
               </a:ext>
             </a:extLst>
           </p:cNvPr>
@@ -7663,7 +7662,7 @@
           <p:cNvPr id="5" name="Footer Placeholder 4">
             <a:extLst>
               <a:ext uri="{FF2B5EF4-FFF2-40B4-BE49-F238E27FC236}">
-                <a16:creationId xmlns:a16="http://schemas.microsoft.com/office/drawing/2014/main" id="{859379C3-5354-435E-8EB3-C5E2012D7430}"/>
+                <a16:creationId xmlns:a16="http://schemas.microsoft.com/office/drawing/2014/main" xmlns="" id="{859379C3-5354-435E-8EB3-C5E2012D7430}"/>
               </a:ext>
             </a:extLst>
           </p:cNvPr>
@@ -7691,7 +7690,7 @@
           <p:cNvPr id="6" name="Slide Number Placeholder 5">
             <a:extLst>
               <a:ext uri="{FF2B5EF4-FFF2-40B4-BE49-F238E27FC236}">
-                <a16:creationId xmlns:a16="http://schemas.microsoft.com/office/drawing/2014/main" id="{90DCA2A0-DDFB-45DB-B7EF-062DE2EF1079}"/>
+                <a16:creationId xmlns:a16="http://schemas.microsoft.com/office/drawing/2014/main" xmlns="" id="{90DCA2A0-DDFB-45DB-B7EF-062DE2EF1079}"/>
               </a:ext>
             </a:extLst>
           </p:cNvPr>
@@ -7750,7 +7749,7 @@
           <p:cNvPr id="2" name="Title 1">
             <a:extLst>
               <a:ext uri="{FF2B5EF4-FFF2-40B4-BE49-F238E27FC236}">
-                <a16:creationId xmlns:a16="http://schemas.microsoft.com/office/drawing/2014/main" id="{F69BB830-5846-4BFF-94AC-4EC6ADCFDCAD}"/>
+                <a16:creationId xmlns:a16="http://schemas.microsoft.com/office/drawing/2014/main" xmlns="" id="{F69BB830-5846-4BFF-94AC-4EC6ADCFDCAD}"/>
               </a:ext>
             </a:extLst>
           </p:cNvPr>
@@ -7779,7 +7778,7 @@
           <p:cNvPr id="3" name="Content Placeholder 2">
             <a:extLst>
               <a:ext uri="{FF2B5EF4-FFF2-40B4-BE49-F238E27FC236}">
-                <a16:creationId xmlns:a16="http://schemas.microsoft.com/office/drawing/2014/main" id="{FFD1DC8A-530A-4051-8628-65AAC3BD36BC}"/>
+                <a16:creationId xmlns:a16="http://schemas.microsoft.com/office/drawing/2014/main" xmlns="" id="{FFD1DC8A-530A-4051-8628-65AAC3BD36BC}"/>
               </a:ext>
             </a:extLst>
           </p:cNvPr>
@@ -7837,7 +7836,7 @@
           <p:cNvPr id="4" name="Date Placeholder 3">
             <a:extLst>
               <a:ext uri="{FF2B5EF4-FFF2-40B4-BE49-F238E27FC236}">
-                <a16:creationId xmlns:a16="http://schemas.microsoft.com/office/drawing/2014/main" id="{62EBD670-43FB-418C-8970-CC12DC5DAD9F}"/>
+                <a16:creationId xmlns:a16="http://schemas.microsoft.com/office/drawing/2014/main" xmlns="" id="{62EBD670-43FB-418C-8970-CC12DC5DAD9F}"/>
               </a:ext>
             </a:extLst>
           </p:cNvPr>
@@ -7865,7 +7864,7 @@
           <p:cNvPr id="5" name="Footer Placeholder 4">
             <a:extLst>
               <a:ext uri="{FF2B5EF4-FFF2-40B4-BE49-F238E27FC236}">
-                <a16:creationId xmlns:a16="http://schemas.microsoft.com/office/drawing/2014/main" id="{0E8ECFD0-8AA1-4672-A66F-2F482DE1A92F}"/>
+                <a16:creationId xmlns:a16="http://schemas.microsoft.com/office/drawing/2014/main" xmlns="" id="{0E8ECFD0-8AA1-4672-A66F-2F482DE1A92F}"/>
               </a:ext>
             </a:extLst>
           </p:cNvPr>
@@ -7893,7 +7892,7 @@
           <p:cNvPr id="6" name="Slide Number Placeholder 5">
             <a:extLst>
               <a:ext uri="{FF2B5EF4-FFF2-40B4-BE49-F238E27FC236}">
-                <a16:creationId xmlns:a16="http://schemas.microsoft.com/office/drawing/2014/main" id="{EDA04B25-8EB3-4981-853A-C79EAA4B6292}"/>
+                <a16:creationId xmlns:a16="http://schemas.microsoft.com/office/drawing/2014/main" xmlns="" id="{EDA04B25-8EB3-4981-853A-C79EAA4B6292}"/>
               </a:ext>
             </a:extLst>
           </p:cNvPr>
@@ -7952,7 +7951,7 @@
           <p:cNvPr id="2" name="Title 1">
             <a:extLst>
               <a:ext uri="{FF2B5EF4-FFF2-40B4-BE49-F238E27FC236}">
-                <a16:creationId xmlns:a16="http://schemas.microsoft.com/office/drawing/2014/main" id="{94ADA874-EEE2-44F9-9137-4320AB078C65}"/>
+                <a16:creationId xmlns:a16="http://schemas.microsoft.com/office/drawing/2014/main" xmlns="" id="{94ADA874-EEE2-44F9-9137-4320AB078C65}"/>
               </a:ext>
             </a:extLst>
           </p:cNvPr>
@@ -7990,7 +7989,7 @@
           <p:cNvPr id="3" name="Text Placeholder 2">
             <a:extLst>
               <a:ext uri="{FF2B5EF4-FFF2-40B4-BE49-F238E27FC236}">
-                <a16:creationId xmlns:a16="http://schemas.microsoft.com/office/drawing/2014/main" id="{ACDA1EFE-1D8A-478A-9AFA-91409EBBBCF3}"/>
+                <a16:creationId xmlns:a16="http://schemas.microsoft.com/office/drawing/2014/main" xmlns="" id="{ACDA1EFE-1D8A-478A-9AFA-91409EBBBCF3}"/>
               </a:ext>
             </a:extLst>
           </p:cNvPr>
@@ -8115,7 +8114,7 @@
           <p:cNvPr id="4" name="Date Placeholder 3">
             <a:extLst>
               <a:ext uri="{FF2B5EF4-FFF2-40B4-BE49-F238E27FC236}">
-                <a16:creationId xmlns:a16="http://schemas.microsoft.com/office/drawing/2014/main" id="{D3F1E7FD-497A-491B-8917-253A34DF4EB1}"/>
+                <a16:creationId xmlns:a16="http://schemas.microsoft.com/office/drawing/2014/main" xmlns="" id="{D3F1E7FD-497A-491B-8917-253A34DF4EB1}"/>
               </a:ext>
             </a:extLst>
           </p:cNvPr>
@@ -8143,7 +8142,7 @@
           <p:cNvPr id="5" name="Footer Placeholder 4">
             <a:extLst>
               <a:ext uri="{FF2B5EF4-FFF2-40B4-BE49-F238E27FC236}">
-                <a16:creationId xmlns:a16="http://schemas.microsoft.com/office/drawing/2014/main" id="{9534D2FA-20F1-4183-A307-7A55CC8E1EFE}"/>
+                <a16:creationId xmlns:a16="http://schemas.microsoft.com/office/drawing/2014/main" xmlns="" id="{9534D2FA-20F1-4183-A307-7A55CC8E1EFE}"/>
               </a:ext>
             </a:extLst>
           </p:cNvPr>
@@ -8171,7 +8170,7 @@
           <p:cNvPr id="6" name="Slide Number Placeholder 5">
             <a:extLst>
               <a:ext uri="{FF2B5EF4-FFF2-40B4-BE49-F238E27FC236}">
-                <a16:creationId xmlns:a16="http://schemas.microsoft.com/office/drawing/2014/main" id="{EB62A000-FACF-4C3A-999D-9801F85A5B78}"/>
+                <a16:creationId xmlns:a16="http://schemas.microsoft.com/office/drawing/2014/main" xmlns="" id="{EB62A000-FACF-4C3A-999D-9801F85A5B78}"/>
               </a:ext>
             </a:extLst>
           </p:cNvPr>
@@ -8230,7 +8229,7 @@
           <p:cNvPr id="2" name="Title 1">
             <a:extLst>
               <a:ext uri="{FF2B5EF4-FFF2-40B4-BE49-F238E27FC236}">
-                <a16:creationId xmlns:a16="http://schemas.microsoft.com/office/drawing/2014/main" id="{C613E725-FB4D-4A68-9B99-2621DA34273F}"/>
+                <a16:creationId xmlns:a16="http://schemas.microsoft.com/office/drawing/2014/main" xmlns="" id="{C613E725-FB4D-4A68-9B99-2621DA34273F}"/>
               </a:ext>
             </a:extLst>
           </p:cNvPr>
@@ -8259,7 +8258,7 @@
           <p:cNvPr id="3" name="Content Placeholder 2">
             <a:extLst>
               <a:ext uri="{FF2B5EF4-FFF2-40B4-BE49-F238E27FC236}">
-                <a16:creationId xmlns:a16="http://schemas.microsoft.com/office/drawing/2014/main" id="{74D48DA3-CF9C-49A7-B8EF-F58E7C9DD96B}"/>
+                <a16:creationId xmlns:a16="http://schemas.microsoft.com/office/drawing/2014/main" xmlns="" id="{74D48DA3-CF9C-49A7-B8EF-F58E7C9DD96B}"/>
               </a:ext>
             </a:extLst>
           </p:cNvPr>
@@ -8322,7 +8321,7 @@
           <p:cNvPr id="4" name="Content Placeholder 3">
             <a:extLst>
               <a:ext uri="{FF2B5EF4-FFF2-40B4-BE49-F238E27FC236}">
-                <a16:creationId xmlns:a16="http://schemas.microsoft.com/office/drawing/2014/main" id="{F90842DA-F193-4FD2-B85C-820D02F67803}"/>
+                <a16:creationId xmlns:a16="http://schemas.microsoft.com/office/drawing/2014/main" xmlns="" id="{F90842DA-F193-4FD2-B85C-820D02F67803}"/>
               </a:ext>
             </a:extLst>
           </p:cNvPr>
@@ -8385,7 +8384,7 @@
           <p:cNvPr id="5" name="Date Placeholder 4">
             <a:extLst>
               <a:ext uri="{FF2B5EF4-FFF2-40B4-BE49-F238E27FC236}">
-                <a16:creationId xmlns:a16="http://schemas.microsoft.com/office/drawing/2014/main" id="{D1FFF39B-B900-4142-BD19-4C7BC14A9C3D}"/>
+                <a16:creationId xmlns:a16="http://schemas.microsoft.com/office/drawing/2014/main" xmlns="" id="{D1FFF39B-B900-4142-BD19-4C7BC14A9C3D}"/>
               </a:ext>
             </a:extLst>
           </p:cNvPr>
@@ -8413,7 +8412,7 @@
           <p:cNvPr id="6" name="Footer Placeholder 5">
             <a:extLst>
               <a:ext uri="{FF2B5EF4-FFF2-40B4-BE49-F238E27FC236}">
-                <a16:creationId xmlns:a16="http://schemas.microsoft.com/office/drawing/2014/main" id="{8FFBC69E-19FD-4BF3-8BD4-78AD855CA3A9}"/>
+                <a16:creationId xmlns:a16="http://schemas.microsoft.com/office/drawing/2014/main" xmlns="" id="{8FFBC69E-19FD-4BF3-8BD4-78AD855CA3A9}"/>
               </a:ext>
             </a:extLst>
           </p:cNvPr>
@@ -8441,7 +8440,7 @@
           <p:cNvPr id="7" name="Slide Number Placeholder 6">
             <a:extLst>
               <a:ext uri="{FF2B5EF4-FFF2-40B4-BE49-F238E27FC236}">
-                <a16:creationId xmlns:a16="http://schemas.microsoft.com/office/drawing/2014/main" id="{C18E0F0F-E071-4289-9E46-1C97383E8B16}"/>
+                <a16:creationId xmlns:a16="http://schemas.microsoft.com/office/drawing/2014/main" xmlns="" id="{C18E0F0F-E071-4289-9E46-1C97383E8B16}"/>
               </a:ext>
             </a:extLst>
           </p:cNvPr>
@@ -8500,7 +8499,7 @@
           <p:cNvPr id="2" name="Title 1">
             <a:extLst>
               <a:ext uri="{FF2B5EF4-FFF2-40B4-BE49-F238E27FC236}">
-                <a16:creationId xmlns:a16="http://schemas.microsoft.com/office/drawing/2014/main" id="{9CBCC924-5FC3-40EF-AA67-3D8D94E469FD}"/>
+                <a16:creationId xmlns:a16="http://schemas.microsoft.com/office/drawing/2014/main" xmlns="" id="{9CBCC924-5FC3-40EF-AA67-3D8D94E469FD}"/>
               </a:ext>
             </a:extLst>
           </p:cNvPr>
@@ -8534,7 +8533,7 @@
           <p:cNvPr id="3" name="Text Placeholder 2">
             <a:extLst>
               <a:ext uri="{FF2B5EF4-FFF2-40B4-BE49-F238E27FC236}">
-                <a16:creationId xmlns:a16="http://schemas.microsoft.com/office/drawing/2014/main" id="{5B107A9B-C253-4673-8329-D020D5F18957}"/>
+                <a16:creationId xmlns:a16="http://schemas.microsoft.com/office/drawing/2014/main" xmlns="" id="{5B107A9B-C253-4673-8329-D020D5F18957}"/>
               </a:ext>
             </a:extLst>
           </p:cNvPr>
@@ -8605,7 +8604,7 @@
           <p:cNvPr id="4" name="Content Placeholder 3">
             <a:extLst>
               <a:ext uri="{FF2B5EF4-FFF2-40B4-BE49-F238E27FC236}">
-                <a16:creationId xmlns:a16="http://schemas.microsoft.com/office/drawing/2014/main" id="{DC691E33-F611-4241-BE78-D855D265C0BD}"/>
+                <a16:creationId xmlns:a16="http://schemas.microsoft.com/office/drawing/2014/main" xmlns="" id="{DC691E33-F611-4241-BE78-D855D265C0BD}"/>
               </a:ext>
             </a:extLst>
           </p:cNvPr>
@@ -8668,7 +8667,7 @@
           <p:cNvPr id="5" name="Text Placeholder 4">
             <a:extLst>
               <a:ext uri="{FF2B5EF4-FFF2-40B4-BE49-F238E27FC236}">
-                <a16:creationId xmlns:a16="http://schemas.microsoft.com/office/drawing/2014/main" id="{DCD9C807-6408-4D96-B053-DBDB3B44C35D}"/>
+                <a16:creationId xmlns:a16="http://schemas.microsoft.com/office/drawing/2014/main" xmlns="" id="{DCD9C807-6408-4D96-B053-DBDB3B44C35D}"/>
               </a:ext>
             </a:extLst>
           </p:cNvPr>
@@ -8739,7 +8738,7 @@
           <p:cNvPr id="6" name="Content Placeholder 5">
             <a:extLst>
               <a:ext uri="{FF2B5EF4-FFF2-40B4-BE49-F238E27FC236}">
-                <a16:creationId xmlns:a16="http://schemas.microsoft.com/office/drawing/2014/main" id="{FB8BDB55-FD39-4883-AC08-C990C56E6612}"/>
+                <a16:creationId xmlns:a16="http://schemas.microsoft.com/office/drawing/2014/main" xmlns="" id="{FB8BDB55-FD39-4883-AC08-C990C56E6612}"/>
               </a:ext>
             </a:extLst>
           </p:cNvPr>
@@ -8802,7 +8801,7 @@
           <p:cNvPr id="7" name="Date Placeholder 6">
             <a:extLst>
               <a:ext uri="{FF2B5EF4-FFF2-40B4-BE49-F238E27FC236}">
-                <a16:creationId xmlns:a16="http://schemas.microsoft.com/office/drawing/2014/main" id="{1C6402DF-2215-4CD2-8CDD-D7F43333FDDC}"/>
+                <a16:creationId xmlns:a16="http://schemas.microsoft.com/office/drawing/2014/main" xmlns="" id="{1C6402DF-2215-4CD2-8CDD-D7F43333FDDC}"/>
               </a:ext>
             </a:extLst>
           </p:cNvPr>
@@ -8830,7 +8829,7 @@
           <p:cNvPr id="8" name="Footer Placeholder 7">
             <a:extLst>
               <a:ext uri="{FF2B5EF4-FFF2-40B4-BE49-F238E27FC236}">
-                <a16:creationId xmlns:a16="http://schemas.microsoft.com/office/drawing/2014/main" id="{F8DEC84C-54F8-4052-BD55-5B1A789D3429}"/>
+                <a16:creationId xmlns:a16="http://schemas.microsoft.com/office/drawing/2014/main" xmlns="" id="{F8DEC84C-54F8-4052-BD55-5B1A789D3429}"/>
               </a:ext>
             </a:extLst>
           </p:cNvPr>
@@ -8858,7 +8857,7 @@
           <p:cNvPr id="9" name="Slide Number Placeholder 8">
             <a:extLst>
               <a:ext uri="{FF2B5EF4-FFF2-40B4-BE49-F238E27FC236}">
-                <a16:creationId xmlns:a16="http://schemas.microsoft.com/office/drawing/2014/main" id="{0444D7D6-6DF9-4DA0-85C9-5F7127EF9CF5}"/>
+                <a16:creationId xmlns:a16="http://schemas.microsoft.com/office/drawing/2014/main" xmlns="" id="{0444D7D6-6DF9-4DA0-85C9-5F7127EF9CF5}"/>
               </a:ext>
             </a:extLst>
           </p:cNvPr>
@@ -8917,7 +8916,7 @@
           <p:cNvPr id="2" name="Title 1">
             <a:extLst>
               <a:ext uri="{FF2B5EF4-FFF2-40B4-BE49-F238E27FC236}">
-                <a16:creationId xmlns:a16="http://schemas.microsoft.com/office/drawing/2014/main" id="{94ADA874-EEE2-44F9-9137-4320AB078C65}"/>
+                <a16:creationId xmlns:a16="http://schemas.microsoft.com/office/drawing/2014/main" xmlns="" id="{94ADA874-EEE2-44F9-9137-4320AB078C65}"/>
               </a:ext>
             </a:extLst>
           </p:cNvPr>
@@ -8958,7 +8957,7 @@
           <p:cNvPr id="3" name="Text Placeholder 2">
             <a:extLst>
               <a:ext uri="{FF2B5EF4-FFF2-40B4-BE49-F238E27FC236}">
-                <a16:creationId xmlns:a16="http://schemas.microsoft.com/office/drawing/2014/main" id="{ACDA1EFE-1D8A-478A-9AFA-91409EBBBCF3}"/>
+                <a16:creationId xmlns:a16="http://schemas.microsoft.com/office/drawing/2014/main" xmlns="" id="{ACDA1EFE-1D8A-478A-9AFA-91409EBBBCF3}"/>
               </a:ext>
             </a:extLst>
           </p:cNvPr>
@@ -9083,7 +9082,7 @@
           <p:cNvPr id="4" name="Date Placeholder 3">
             <a:extLst>
               <a:ext uri="{FF2B5EF4-FFF2-40B4-BE49-F238E27FC236}">
-                <a16:creationId xmlns:a16="http://schemas.microsoft.com/office/drawing/2014/main" id="{D3F1E7FD-497A-491B-8917-253A34DF4EB1}"/>
+                <a16:creationId xmlns:a16="http://schemas.microsoft.com/office/drawing/2014/main" xmlns="" id="{D3F1E7FD-497A-491B-8917-253A34DF4EB1}"/>
               </a:ext>
             </a:extLst>
           </p:cNvPr>
@@ -9119,7 +9118,7 @@
           <p:cNvPr id="5" name="Footer Placeholder 4">
             <a:extLst>
               <a:ext uri="{FF2B5EF4-FFF2-40B4-BE49-F238E27FC236}">
-                <a16:creationId xmlns:a16="http://schemas.microsoft.com/office/drawing/2014/main" id="{9534D2FA-20F1-4183-A307-7A55CC8E1EFE}"/>
+                <a16:creationId xmlns:a16="http://schemas.microsoft.com/office/drawing/2014/main" xmlns="" id="{9534D2FA-20F1-4183-A307-7A55CC8E1EFE}"/>
               </a:ext>
             </a:extLst>
           </p:cNvPr>
@@ -9155,7 +9154,7 @@
           <p:cNvPr id="6" name="Slide Number Placeholder 5">
             <a:extLst>
               <a:ext uri="{FF2B5EF4-FFF2-40B4-BE49-F238E27FC236}">
-                <a16:creationId xmlns:a16="http://schemas.microsoft.com/office/drawing/2014/main" id="{EB62A000-FACF-4C3A-999D-9801F85A5B78}"/>
+                <a16:creationId xmlns:a16="http://schemas.microsoft.com/office/drawing/2014/main" xmlns="" id="{EB62A000-FACF-4C3A-999D-9801F85A5B78}"/>
               </a:ext>
             </a:extLst>
           </p:cNvPr>
@@ -9214,7 +9213,7 @@
           <p:cNvPr id="2" name="Title 1">
             <a:extLst>
               <a:ext uri="{FF2B5EF4-FFF2-40B4-BE49-F238E27FC236}">
-                <a16:creationId xmlns:a16="http://schemas.microsoft.com/office/drawing/2014/main" id="{CEF827E2-1D5B-4507-B543-84936310706F}"/>
+                <a16:creationId xmlns:a16="http://schemas.microsoft.com/office/drawing/2014/main" xmlns="" id="{CEF827E2-1D5B-4507-B543-84936310706F}"/>
               </a:ext>
             </a:extLst>
           </p:cNvPr>
@@ -9243,7 +9242,7 @@
           <p:cNvPr id="3" name="Date Placeholder 2">
             <a:extLst>
               <a:ext uri="{FF2B5EF4-FFF2-40B4-BE49-F238E27FC236}">
-                <a16:creationId xmlns:a16="http://schemas.microsoft.com/office/drawing/2014/main" id="{EBA6D65D-D8C4-4F81-AF58-83B63151B46F}"/>
+                <a16:creationId xmlns:a16="http://schemas.microsoft.com/office/drawing/2014/main" xmlns="" id="{EBA6D65D-D8C4-4F81-AF58-83B63151B46F}"/>
               </a:ext>
             </a:extLst>
           </p:cNvPr>
@@ -9271,7 +9270,7 @@
           <p:cNvPr id="4" name="Footer Placeholder 3">
             <a:extLst>
               <a:ext uri="{FF2B5EF4-FFF2-40B4-BE49-F238E27FC236}">
-                <a16:creationId xmlns:a16="http://schemas.microsoft.com/office/drawing/2014/main" id="{A6178248-65F1-4276-A5D6-E764CA5BD92F}"/>
+                <a16:creationId xmlns:a16="http://schemas.microsoft.com/office/drawing/2014/main" xmlns="" id="{A6178248-65F1-4276-A5D6-E764CA5BD92F}"/>
               </a:ext>
             </a:extLst>
           </p:cNvPr>
@@ -9299,7 +9298,7 @@
           <p:cNvPr id="5" name="Slide Number Placeholder 4">
             <a:extLst>
               <a:ext uri="{FF2B5EF4-FFF2-40B4-BE49-F238E27FC236}">
-                <a16:creationId xmlns:a16="http://schemas.microsoft.com/office/drawing/2014/main" id="{E3184932-81C3-41E8-BB6B-D32E0A6B1361}"/>
+                <a16:creationId xmlns:a16="http://schemas.microsoft.com/office/drawing/2014/main" xmlns="" id="{E3184932-81C3-41E8-BB6B-D32E0A6B1361}"/>
               </a:ext>
             </a:extLst>
           </p:cNvPr>
@@ -9358,7 +9357,7 @@
           <p:cNvPr id="2" name="Date Placeholder 1">
             <a:extLst>
               <a:ext uri="{FF2B5EF4-FFF2-40B4-BE49-F238E27FC236}">
-                <a16:creationId xmlns:a16="http://schemas.microsoft.com/office/drawing/2014/main" id="{7DA7B4B3-1D5D-4642-951F-BE795AAE65C4}"/>
+                <a16:creationId xmlns:a16="http://schemas.microsoft.com/office/drawing/2014/main" xmlns="" id="{7DA7B4B3-1D5D-4642-951F-BE795AAE65C4}"/>
               </a:ext>
             </a:extLst>
           </p:cNvPr>
@@ -9386,7 +9385,7 @@
           <p:cNvPr id="3" name="Footer Placeholder 2">
             <a:extLst>
               <a:ext uri="{FF2B5EF4-FFF2-40B4-BE49-F238E27FC236}">
-                <a16:creationId xmlns:a16="http://schemas.microsoft.com/office/drawing/2014/main" id="{8884173B-5683-4B07-A6B6-FE65E1A82E77}"/>
+                <a16:creationId xmlns:a16="http://schemas.microsoft.com/office/drawing/2014/main" xmlns="" id="{8884173B-5683-4B07-A6B6-FE65E1A82E77}"/>
               </a:ext>
             </a:extLst>
           </p:cNvPr>
@@ -9414,7 +9413,7 @@
           <p:cNvPr id="4" name="Slide Number Placeholder 3">
             <a:extLst>
               <a:ext uri="{FF2B5EF4-FFF2-40B4-BE49-F238E27FC236}">
-                <a16:creationId xmlns:a16="http://schemas.microsoft.com/office/drawing/2014/main" id="{A3604C50-87DF-45F5-93A9-563F680A4F86}"/>
+                <a16:creationId xmlns:a16="http://schemas.microsoft.com/office/drawing/2014/main" xmlns="" id="{A3604C50-87DF-45F5-93A9-563F680A4F86}"/>
               </a:ext>
             </a:extLst>
           </p:cNvPr>
@@ -9473,7 +9472,7 @@
           <p:cNvPr id="2" name="Title 1">
             <a:extLst>
               <a:ext uri="{FF2B5EF4-FFF2-40B4-BE49-F238E27FC236}">
-                <a16:creationId xmlns:a16="http://schemas.microsoft.com/office/drawing/2014/main" id="{89DE626C-A862-4DB9-BB4B-60DFE8BAA8FD}"/>
+                <a16:creationId xmlns:a16="http://schemas.microsoft.com/office/drawing/2014/main" xmlns="" id="{89DE626C-A862-4DB9-BB4B-60DFE8BAA8FD}"/>
               </a:ext>
             </a:extLst>
           </p:cNvPr>
@@ -9511,7 +9510,7 @@
           <p:cNvPr id="3" name="Content Placeholder 2">
             <a:extLst>
               <a:ext uri="{FF2B5EF4-FFF2-40B4-BE49-F238E27FC236}">
-                <a16:creationId xmlns:a16="http://schemas.microsoft.com/office/drawing/2014/main" id="{30C8A0A6-E54D-4A23-82BB-ED65BAE64D38}"/>
+                <a16:creationId xmlns:a16="http://schemas.microsoft.com/office/drawing/2014/main" xmlns="" id="{30C8A0A6-E54D-4A23-82BB-ED65BAE64D38}"/>
               </a:ext>
             </a:extLst>
           </p:cNvPr>
@@ -9602,7 +9601,7 @@
           <p:cNvPr id="4" name="Text Placeholder 3">
             <a:extLst>
               <a:ext uri="{FF2B5EF4-FFF2-40B4-BE49-F238E27FC236}">
-                <a16:creationId xmlns:a16="http://schemas.microsoft.com/office/drawing/2014/main" id="{F974B46C-C7A3-468B-9B6D-13DBE08782F6}"/>
+                <a16:creationId xmlns:a16="http://schemas.microsoft.com/office/drawing/2014/main" xmlns="" id="{F974B46C-C7A3-468B-9B6D-13DBE08782F6}"/>
               </a:ext>
             </a:extLst>
           </p:cNvPr>
@@ -9673,7 +9672,7 @@
           <p:cNvPr id="5" name="Date Placeholder 4">
             <a:extLst>
               <a:ext uri="{FF2B5EF4-FFF2-40B4-BE49-F238E27FC236}">
-                <a16:creationId xmlns:a16="http://schemas.microsoft.com/office/drawing/2014/main" id="{3A0DEE69-0C06-40B4-A585-623689A0E1B7}"/>
+                <a16:creationId xmlns:a16="http://schemas.microsoft.com/office/drawing/2014/main" xmlns="" id="{3A0DEE69-0C06-40B4-A585-623689A0E1B7}"/>
               </a:ext>
             </a:extLst>
           </p:cNvPr>
@@ -9701,7 +9700,7 @@
           <p:cNvPr id="6" name="Footer Placeholder 5">
             <a:extLst>
               <a:ext uri="{FF2B5EF4-FFF2-40B4-BE49-F238E27FC236}">
-                <a16:creationId xmlns:a16="http://schemas.microsoft.com/office/drawing/2014/main" id="{7DC33A2F-2971-4E6B-BEE2-98ECF3481927}"/>
+                <a16:creationId xmlns:a16="http://schemas.microsoft.com/office/drawing/2014/main" xmlns="" id="{7DC33A2F-2971-4E6B-BEE2-98ECF3481927}"/>
               </a:ext>
             </a:extLst>
           </p:cNvPr>
@@ -9729,7 +9728,7 @@
           <p:cNvPr id="7" name="Slide Number Placeholder 6">
             <a:extLst>
               <a:ext uri="{FF2B5EF4-FFF2-40B4-BE49-F238E27FC236}">
-                <a16:creationId xmlns:a16="http://schemas.microsoft.com/office/drawing/2014/main" id="{A0E8ED68-03D2-4B6B-9D83-4B8C7798C47E}"/>
+                <a16:creationId xmlns:a16="http://schemas.microsoft.com/office/drawing/2014/main" xmlns="" id="{A0E8ED68-03D2-4B6B-9D83-4B8C7798C47E}"/>
               </a:ext>
             </a:extLst>
           </p:cNvPr>
@@ -9788,7 +9787,7 @@
           <p:cNvPr id="2" name="Title 1">
             <a:extLst>
               <a:ext uri="{FF2B5EF4-FFF2-40B4-BE49-F238E27FC236}">
-                <a16:creationId xmlns:a16="http://schemas.microsoft.com/office/drawing/2014/main" id="{590B7302-973C-43E2-8266-EB309C74CAE0}"/>
+                <a16:creationId xmlns:a16="http://schemas.microsoft.com/office/drawing/2014/main" xmlns="" id="{590B7302-973C-43E2-8266-EB309C74CAE0}"/>
               </a:ext>
             </a:extLst>
           </p:cNvPr>
@@ -9826,7 +9825,7 @@
           <p:cNvPr id="3" name="Picture Placeholder 2">
             <a:extLst>
               <a:ext uri="{FF2B5EF4-FFF2-40B4-BE49-F238E27FC236}">
-                <a16:creationId xmlns:a16="http://schemas.microsoft.com/office/drawing/2014/main" id="{0BB4836D-2B27-4E99-A4E9-44E63B07037A}"/>
+                <a16:creationId xmlns:a16="http://schemas.microsoft.com/office/drawing/2014/main" xmlns="" id="{0BB4836D-2B27-4E99-A4E9-44E63B07037A}"/>
               </a:ext>
             </a:extLst>
           </p:cNvPr>
@@ -9893,7 +9892,7 @@
           <p:cNvPr id="4" name="Text Placeholder 3">
             <a:extLst>
               <a:ext uri="{FF2B5EF4-FFF2-40B4-BE49-F238E27FC236}">
-                <a16:creationId xmlns:a16="http://schemas.microsoft.com/office/drawing/2014/main" id="{7E6EB6B5-C561-4656-9550-3F6CDD14D15F}"/>
+                <a16:creationId xmlns:a16="http://schemas.microsoft.com/office/drawing/2014/main" xmlns="" id="{7E6EB6B5-C561-4656-9550-3F6CDD14D15F}"/>
               </a:ext>
             </a:extLst>
           </p:cNvPr>
@@ -9964,7 +9963,7 @@
           <p:cNvPr id="5" name="Date Placeholder 4">
             <a:extLst>
               <a:ext uri="{FF2B5EF4-FFF2-40B4-BE49-F238E27FC236}">
-                <a16:creationId xmlns:a16="http://schemas.microsoft.com/office/drawing/2014/main" id="{B2403665-2894-4978-BE66-31EBAF67ADD9}"/>
+                <a16:creationId xmlns:a16="http://schemas.microsoft.com/office/drawing/2014/main" xmlns="" id="{B2403665-2894-4978-BE66-31EBAF67ADD9}"/>
               </a:ext>
             </a:extLst>
           </p:cNvPr>
@@ -9992,7 +9991,7 @@
           <p:cNvPr id="6" name="Footer Placeholder 5">
             <a:extLst>
               <a:ext uri="{FF2B5EF4-FFF2-40B4-BE49-F238E27FC236}">
-                <a16:creationId xmlns:a16="http://schemas.microsoft.com/office/drawing/2014/main" id="{CB79DDA8-96EB-4C77-B5AA-536AAD6A1C2C}"/>
+                <a16:creationId xmlns:a16="http://schemas.microsoft.com/office/drawing/2014/main" xmlns="" id="{CB79DDA8-96EB-4C77-B5AA-536AAD6A1C2C}"/>
               </a:ext>
             </a:extLst>
           </p:cNvPr>
@@ -10020,7 +10019,7 @@
           <p:cNvPr id="7" name="Slide Number Placeholder 6">
             <a:extLst>
               <a:ext uri="{FF2B5EF4-FFF2-40B4-BE49-F238E27FC236}">
-                <a16:creationId xmlns:a16="http://schemas.microsoft.com/office/drawing/2014/main" id="{99887644-4078-46FE-AFB7-670AAA65DFEC}"/>
+                <a16:creationId xmlns:a16="http://schemas.microsoft.com/office/drawing/2014/main" xmlns="" id="{99887644-4078-46FE-AFB7-670AAA65DFEC}"/>
               </a:ext>
             </a:extLst>
           </p:cNvPr>
@@ -10079,7 +10078,7 @@
           <p:cNvPr id="2" name="Title 1">
             <a:extLst>
               <a:ext uri="{FF2B5EF4-FFF2-40B4-BE49-F238E27FC236}">
-                <a16:creationId xmlns:a16="http://schemas.microsoft.com/office/drawing/2014/main" id="{F5979442-03EA-4EBA-BD35-CB21398A83A0}"/>
+                <a16:creationId xmlns:a16="http://schemas.microsoft.com/office/drawing/2014/main" xmlns="" id="{F5979442-03EA-4EBA-BD35-CB21398A83A0}"/>
               </a:ext>
             </a:extLst>
           </p:cNvPr>
@@ -10108,7 +10107,7 @@
           <p:cNvPr id="3" name="Vertical Text Placeholder 2">
             <a:extLst>
               <a:ext uri="{FF2B5EF4-FFF2-40B4-BE49-F238E27FC236}">
-                <a16:creationId xmlns:a16="http://schemas.microsoft.com/office/drawing/2014/main" id="{3027FAED-F90B-411D-9103-FB91E40E2E81}"/>
+                <a16:creationId xmlns:a16="http://schemas.microsoft.com/office/drawing/2014/main" xmlns="" id="{3027FAED-F90B-411D-9103-FB91E40E2E81}"/>
               </a:ext>
             </a:extLst>
           </p:cNvPr>
@@ -10166,7 +10165,7 @@
           <p:cNvPr id="4" name="Date Placeholder 3">
             <a:extLst>
               <a:ext uri="{FF2B5EF4-FFF2-40B4-BE49-F238E27FC236}">
-                <a16:creationId xmlns:a16="http://schemas.microsoft.com/office/drawing/2014/main" id="{448AA73C-A629-4F94-AC74-6BE10A9D2661}"/>
+                <a16:creationId xmlns:a16="http://schemas.microsoft.com/office/drawing/2014/main" xmlns="" id="{448AA73C-A629-4F94-AC74-6BE10A9D2661}"/>
               </a:ext>
             </a:extLst>
           </p:cNvPr>
@@ -10194,7 +10193,7 @@
           <p:cNvPr id="5" name="Footer Placeholder 4">
             <a:extLst>
               <a:ext uri="{FF2B5EF4-FFF2-40B4-BE49-F238E27FC236}">
-                <a16:creationId xmlns:a16="http://schemas.microsoft.com/office/drawing/2014/main" id="{11AFB4C5-DC5C-4E0B-A30A-B3E2C65006F8}"/>
+                <a16:creationId xmlns:a16="http://schemas.microsoft.com/office/drawing/2014/main" xmlns="" id="{11AFB4C5-DC5C-4E0B-A30A-B3E2C65006F8}"/>
               </a:ext>
             </a:extLst>
           </p:cNvPr>
@@ -10222,7 +10221,7 @@
           <p:cNvPr id="6" name="Slide Number Placeholder 5">
             <a:extLst>
               <a:ext uri="{FF2B5EF4-FFF2-40B4-BE49-F238E27FC236}">
-                <a16:creationId xmlns:a16="http://schemas.microsoft.com/office/drawing/2014/main" id="{BA60360F-588E-4EC9-8B45-836F48AC3064}"/>
+                <a16:creationId xmlns:a16="http://schemas.microsoft.com/office/drawing/2014/main" xmlns="" id="{BA60360F-588E-4EC9-8B45-836F48AC3064}"/>
               </a:ext>
             </a:extLst>
           </p:cNvPr>
@@ -10281,7 +10280,7 @@
           <p:cNvPr id="2" name="Vertical Title 1">
             <a:extLst>
               <a:ext uri="{FF2B5EF4-FFF2-40B4-BE49-F238E27FC236}">
-                <a16:creationId xmlns:a16="http://schemas.microsoft.com/office/drawing/2014/main" id="{37030969-C7E9-4B4B-AF99-D36C9DDF4398}"/>
+                <a16:creationId xmlns:a16="http://schemas.microsoft.com/office/drawing/2014/main" xmlns="" id="{37030969-C7E9-4B4B-AF99-D36C9DDF4398}"/>
               </a:ext>
             </a:extLst>
           </p:cNvPr>
@@ -10315,7 +10314,7 @@
           <p:cNvPr id="3" name="Vertical Text Placeholder 2">
             <a:extLst>
               <a:ext uri="{FF2B5EF4-FFF2-40B4-BE49-F238E27FC236}">
-                <a16:creationId xmlns:a16="http://schemas.microsoft.com/office/drawing/2014/main" id="{31BD9FE5-2ED8-4149-8CAD-50697597EE3C}"/>
+                <a16:creationId xmlns:a16="http://schemas.microsoft.com/office/drawing/2014/main" xmlns="" id="{31BD9FE5-2ED8-4149-8CAD-50697597EE3C}"/>
               </a:ext>
             </a:extLst>
           </p:cNvPr>
@@ -10378,7 +10377,7 @@
           <p:cNvPr id="4" name="Date Placeholder 3">
             <a:extLst>
               <a:ext uri="{FF2B5EF4-FFF2-40B4-BE49-F238E27FC236}">
-                <a16:creationId xmlns:a16="http://schemas.microsoft.com/office/drawing/2014/main" id="{8E2818A7-EBD8-420F-9988-4CA46CC2962D}"/>
+                <a16:creationId xmlns:a16="http://schemas.microsoft.com/office/drawing/2014/main" xmlns="" id="{8E2818A7-EBD8-420F-9988-4CA46CC2962D}"/>
               </a:ext>
             </a:extLst>
           </p:cNvPr>
@@ -10406,7 +10405,7 @@
           <p:cNvPr id="5" name="Footer Placeholder 4">
             <a:extLst>
               <a:ext uri="{FF2B5EF4-FFF2-40B4-BE49-F238E27FC236}">
-                <a16:creationId xmlns:a16="http://schemas.microsoft.com/office/drawing/2014/main" id="{0EA8B38A-E7CA-4BB1-BED4-A750E07D50E9}"/>
+                <a16:creationId xmlns:a16="http://schemas.microsoft.com/office/drawing/2014/main" xmlns="" id="{0EA8B38A-E7CA-4BB1-BED4-A750E07D50E9}"/>
               </a:ext>
             </a:extLst>
           </p:cNvPr>
@@ -10434,7 +10433,7 @@
           <p:cNvPr id="6" name="Slide Number Placeholder 5">
             <a:extLst>
               <a:ext uri="{FF2B5EF4-FFF2-40B4-BE49-F238E27FC236}">
-                <a16:creationId xmlns:a16="http://schemas.microsoft.com/office/drawing/2014/main" id="{137CEC92-5AB4-4AA4-9949-EE34922FC12D}"/>
+                <a16:creationId xmlns:a16="http://schemas.microsoft.com/office/drawing/2014/main" xmlns="" id="{137CEC92-5AB4-4AA4-9949-EE34922FC12D}"/>
               </a:ext>
             </a:extLst>
           </p:cNvPr>
@@ -10493,7 +10492,7 @@
           <p:cNvPr id="2" name="Title 1">
             <a:extLst>
               <a:ext uri="{FF2B5EF4-FFF2-40B4-BE49-F238E27FC236}">
-                <a16:creationId xmlns:a16="http://schemas.microsoft.com/office/drawing/2014/main" id="{EF40842B-C6CA-43A0-8C7B-C51A8BA4E18E}"/>
+                <a16:creationId xmlns:a16="http://schemas.microsoft.com/office/drawing/2014/main" xmlns="" id="{EF40842B-C6CA-43A0-8C7B-C51A8BA4E18E}"/>
               </a:ext>
             </a:extLst>
           </p:cNvPr>
@@ -10531,7 +10530,7 @@
           <p:cNvPr id="3" name="Subtitle 2">
             <a:extLst>
               <a:ext uri="{FF2B5EF4-FFF2-40B4-BE49-F238E27FC236}">
-                <a16:creationId xmlns:a16="http://schemas.microsoft.com/office/drawing/2014/main" id="{52CB8609-D1C9-4053-9799-16F0B8007F7D}"/>
+                <a16:creationId xmlns:a16="http://schemas.microsoft.com/office/drawing/2014/main" xmlns="" id="{52CB8609-D1C9-4053-9799-16F0B8007F7D}"/>
               </a:ext>
             </a:extLst>
           </p:cNvPr>
@@ -10602,7 +10601,7 @@
           <p:cNvPr id="4" name="Date Placeholder 3">
             <a:extLst>
               <a:ext uri="{FF2B5EF4-FFF2-40B4-BE49-F238E27FC236}">
-                <a16:creationId xmlns:a16="http://schemas.microsoft.com/office/drawing/2014/main" id="{F2E68D7E-AF4D-4C00-8C02-89B28DF7B604}"/>
+                <a16:creationId xmlns:a16="http://schemas.microsoft.com/office/drawing/2014/main" xmlns="" id="{F2E68D7E-AF4D-4C00-8C02-89B28DF7B604}"/>
               </a:ext>
             </a:extLst>
           </p:cNvPr>
@@ -10630,7 +10629,7 @@
           <p:cNvPr id="5" name="Footer Placeholder 4">
             <a:extLst>
               <a:ext uri="{FF2B5EF4-FFF2-40B4-BE49-F238E27FC236}">
-                <a16:creationId xmlns:a16="http://schemas.microsoft.com/office/drawing/2014/main" id="{859379C3-5354-435E-8EB3-C5E2012D7430}"/>
+                <a16:creationId xmlns:a16="http://schemas.microsoft.com/office/drawing/2014/main" xmlns="" id="{859379C3-5354-435E-8EB3-C5E2012D7430}"/>
               </a:ext>
             </a:extLst>
           </p:cNvPr>
@@ -10658,7 +10657,7 @@
           <p:cNvPr id="6" name="Slide Number Placeholder 5">
             <a:extLst>
               <a:ext uri="{FF2B5EF4-FFF2-40B4-BE49-F238E27FC236}">
-                <a16:creationId xmlns:a16="http://schemas.microsoft.com/office/drawing/2014/main" id="{90DCA2A0-DDFB-45DB-B7EF-062DE2EF1079}"/>
+                <a16:creationId xmlns:a16="http://schemas.microsoft.com/office/drawing/2014/main" xmlns="" id="{90DCA2A0-DDFB-45DB-B7EF-062DE2EF1079}"/>
               </a:ext>
             </a:extLst>
           </p:cNvPr>
@@ -10717,7 +10716,7 @@
           <p:cNvPr id="2" name="Title 1">
             <a:extLst>
               <a:ext uri="{FF2B5EF4-FFF2-40B4-BE49-F238E27FC236}">
-                <a16:creationId xmlns:a16="http://schemas.microsoft.com/office/drawing/2014/main" id="{F69BB830-5846-4BFF-94AC-4EC6ADCFDCAD}"/>
+                <a16:creationId xmlns:a16="http://schemas.microsoft.com/office/drawing/2014/main" xmlns="" id="{F69BB830-5846-4BFF-94AC-4EC6ADCFDCAD}"/>
               </a:ext>
             </a:extLst>
           </p:cNvPr>
@@ -10746,7 +10745,7 @@
           <p:cNvPr id="3" name="Content Placeholder 2">
             <a:extLst>
               <a:ext uri="{FF2B5EF4-FFF2-40B4-BE49-F238E27FC236}">
-                <a16:creationId xmlns:a16="http://schemas.microsoft.com/office/drawing/2014/main" id="{FFD1DC8A-530A-4051-8628-65AAC3BD36BC}"/>
+                <a16:creationId xmlns:a16="http://schemas.microsoft.com/office/drawing/2014/main" xmlns="" id="{FFD1DC8A-530A-4051-8628-65AAC3BD36BC}"/>
               </a:ext>
             </a:extLst>
           </p:cNvPr>
@@ -10804,7 +10803,7 @@
           <p:cNvPr id="4" name="Date Placeholder 3">
             <a:extLst>
               <a:ext uri="{FF2B5EF4-FFF2-40B4-BE49-F238E27FC236}">
-                <a16:creationId xmlns:a16="http://schemas.microsoft.com/office/drawing/2014/main" id="{62EBD670-43FB-418C-8970-CC12DC5DAD9F}"/>
+                <a16:creationId xmlns:a16="http://schemas.microsoft.com/office/drawing/2014/main" xmlns="" id="{62EBD670-43FB-418C-8970-CC12DC5DAD9F}"/>
               </a:ext>
             </a:extLst>
           </p:cNvPr>
@@ -10832,7 +10831,7 @@
           <p:cNvPr id="5" name="Footer Placeholder 4">
             <a:extLst>
               <a:ext uri="{FF2B5EF4-FFF2-40B4-BE49-F238E27FC236}">
-                <a16:creationId xmlns:a16="http://schemas.microsoft.com/office/drawing/2014/main" id="{0E8ECFD0-8AA1-4672-A66F-2F482DE1A92F}"/>
+                <a16:creationId xmlns:a16="http://schemas.microsoft.com/office/drawing/2014/main" xmlns="" id="{0E8ECFD0-8AA1-4672-A66F-2F482DE1A92F}"/>
               </a:ext>
             </a:extLst>
           </p:cNvPr>
@@ -10860,7 +10859,7 @@
           <p:cNvPr id="6" name="Slide Number Placeholder 5">
             <a:extLst>
               <a:ext uri="{FF2B5EF4-FFF2-40B4-BE49-F238E27FC236}">
-                <a16:creationId xmlns:a16="http://schemas.microsoft.com/office/drawing/2014/main" id="{EDA04B25-8EB3-4981-853A-C79EAA4B6292}"/>
+                <a16:creationId xmlns:a16="http://schemas.microsoft.com/office/drawing/2014/main" xmlns="" id="{EDA04B25-8EB3-4981-853A-C79EAA4B6292}"/>
               </a:ext>
             </a:extLst>
           </p:cNvPr>
@@ -10919,7 +10918,7 @@
           <p:cNvPr id="2" name="Title 1">
             <a:extLst>
               <a:ext uri="{FF2B5EF4-FFF2-40B4-BE49-F238E27FC236}">
-                <a16:creationId xmlns:a16="http://schemas.microsoft.com/office/drawing/2014/main" id="{94ADA874-EEE2-44F9-9137-4320AB078C65}"/>
+                <a16:creationId xmlns:a16="http://schemas.microsoft.com/office/drawing/2014/main" xmlns="" id="{94ADA874-EEE2-44F9-9137-4320AB078C65}"/>
               </a:ext>
             </a:extLst>
           </p:cNvPr>
@@ -10957,7 +10956,7 @@
           <p:cNvPr id="3" name="Text Placeholder 2">
             <a:extLst>
               <a:ext uri="{FF2B5EF4-FFF2-40B4-BE49-F238E27FC236}">
-                <a16:creationId xmlns:a16="http://schemas.microsoft.com/office/drawing/2014/main" id="{ACDA1EFE-1D8A-478A-9AFA-91409EBBBCF3}"/>
+                <a16:creationId xmlns:a16="http://schemas.microsoft.com/office/drawing/2014/main" xmlns="" id="{ACDA1EFE-1D8A-478A-9AFA-91409EBBBCF3}"/>
               </a:ext>
             </a:extLst>
           </p:cNvPr>
@@ -11082,7 +11081,7 @@
           <p:cNvPr id="4" name="Date Placeholder 3">
             <a:extLst>
               <a:ext uri="{FF2B5EF4-FFF2-40B4-BE49-F238E27FC236}">
-                <a16:creationId xmlns:a16="http://schemas.microsoft.com/office/drawing/2014/main" id="{D3F1E7FD-497A-491B-8917-253A34DF4EB1}"/>
+                <a16:creationId xmlns:a16="http://schemas.microsoft.com/office/drawing/2014/main" xmlns="" id="{D3F1E7FD-497A-491B-8917-253A34DF4EB1}"/>
               </a:ext>
             </a:extLst>
           </p:cNvPr>
@@ -11110,7 +11109,7 @@
           <p:cNvPr id="5" name="Footer Placeholder 4">
             <a:extLst>
               <a:ext uri="{FF2B5EF4-FFF2-40B4-BE49-F238E27FC236}">
-                <a16:creationId xmlns:a16="http://schemas.microsoft.com/office/drawing/2014/main" id="{9534D2FA-20F1-4183-A307-7A55CC8E1EFE}"/>
+                <a16:creationId xmlns:a16="http://schemas.microsoft.com/office/drawing/2014/main" xmlns="" id="{9534D2FA-20F1-4183-A307-7A55CC8E1EFE}"/>
               </a:ext>
             </a:extLst>
           </p:cNvPr>
@@ -11138,7 +11137,7 @@
           <p:cNvPr id="6" name="Slide Number Placeholder 5">
             <a:extLst>
               <a:ext uri="{FF2B5EF4-FFF2-40B4-BE49-F238E27FC236}">
-                <a16:creationId xmlns:a16="http://schemas.microsoft.com/office/drawing/2014/main" id="{EB62A000-FACF-4C3A-999D-9801F85A5B78}"/>
+                <a16:creationId xmlns:a16="http://schemas.microsoft.com/office/drawing/2014/main" xmlns="" id="{EB62A000-FACF-4C3A-999D-9801F85A5B78}"/>
               </a:ext>
             </a:extLst>
           </p:cNvPr>
@@ -11197,7 +11196,7 @@
           <p:cNvPr id="2" name="Title 1">
             <a:extLst>
               <a:ext uri="{FF2B5EF4-FFF2-40B4-BE49-F238E27FC236}">
-                <a16:creationId xmlns:a16="http://schemas.microsoft.com/office/drawing/2014/main" id="{C613E725-FB4D-4A68-9B99-2621DA34273F}"/>
+                <a16:creationId xmlns:a16="http://schemas.microsoft.com/office/drawing/2014/main" xmlns="" id="{C613E725-FB4D-4A68-9B99-2621DA34273F}"/>
               </a:ext>
             </a:extLst>
           </p:cNvPr>
@@ -11226,7 +11225,7 @@
           <p:cNvPr id="3" name="Content Placeholder 2">
             <a:extLst>
               <a:ext uri="{FF2B5EF4-FFF2-40B4-BE49-F238E27FC236}">
-                <a16:creationId xmlns:a16="http://schemas.microsoft.com/office/drawing/2014/main" id="{74D48DA3-CF9C-49A7-B8EF-F58E7C9DD96B}"/>
+                <a16:creationId xmlns:a16="http://schemas.microsoft.com/office/drawing/2014/main" xmlns="" id="{74D48DA3-CF9C-49A7-B8EF-F58E7C9DD96B}"/>
               </a:ext>
             </a:extLst>
           </p:cNvPr>
@@ -11289,7 +11288,7 @@
           <p:cNvPr id="4" name="Content Placeholder 3">
             <a:extLst>
               <a:ext uri="{FF2B5EF4-FFF2-40B4-BE49-F238E27FC236}">
-                <a16:creationId xmlns:a16="http://schemas.microsoft.com/office/drawing/2014/main" id="{F90842DA-F193-4FD2-B85C-820D02F67803}"/>
+                <a16:creationId xmlns:a16="http://schemas.microsoft.com/office/drawing/2014/main" xmlns="" id="{F90842DA-F193-4FD2-B85C-820D02F67803}"/>
               </a:ext>
             </a:extLst>
           </p:cNvPr>
@@ -11352,7 +11351,7 @@
           <p:cNvPr id="5" name="Date Placeholder 4">
             <a:extLst>
               <a:ext uri="{FF2B5EF4-FFF2-40B4-BE49-F238E27FC236}">
-                <a16:creationId xmlns:a16="http://schemas.microsoft.com/office/drawing/2014/main" id="{D1FFF39B-B900-4142-BD19-4C7BC14A9C3D}"/>
+                <a16:creationId xmlns:a16="http://schemas.microsoft.com/office/drawing/2014/main" xmlns="" id="{D1FFF39B-B900-4142-BD19-4C7BC14A9C3D}"/>
               </a:ext>
             </a:extLst>
           </p:cNvPr>
@@ -11380,7 +11379,7 @@
           <p:cNvPr id="6" name="Footer Placeholder 5">
             <a:extLst>
               <a:ext uri="{FF2B5EF4-FFF2-40B4-BE49-F238E27FC236}">
-                <a16:creationId xmlns:a16="http://schemas.microsoft.com/office/drawing/2014/main" id="{8FFBC69E-19FD-4BF3-8BD4-78AD855CA3A9}"/>
+                <a16:creationId xmlns:a16="http://schemas.microsoft.com/office/drawing/2014/main" xmlns="" id="{8FFBC69E-19FD-4BF3-8BD4-78AD855CA3A9}"/>
               </a:ext>
             </a:extLst>
           </p:cNvPr>
@@ -11408,7 +11407,7 @@
           <p:cNvPr id="7" name="Slide Number Placeholder 6">
             <a:extLst>
               <a:ext uri="{FF2B5EF4-FFF2-40B4-BE49-F238E27FC236}">
-                <a16:creationId xmlns:a16="http://schemas.microsoft.com/office/drawing/2014/main" id="{C18E0F0F-E071-4289-9E46-1C97383E8B16}"/>
+                <a16:creationId xmlns:a16="http://schemas.microsoft.com/office/drawing/2014/main" xmlns="" id="{C18E0F0F-E071-4289-9E46-1C97383E8B16}"/>
               </a:ext>
             </a:extLst>
           </p:cNvPr>
@@ -11467,7 +11466,7 @@
           <p:cNvPr id="2" name="Title 1">
             <a:extLst>
               <a:ext uri="{FF2B5EF4-FFF2-40B4-BE49-F238E27FC236}">
-                <a16:creationId xmlns:a16="http://schemas.microsoft.com/office/drawing/2014/main" id="{C613E725-FB4D-4A68-9B99-2621DA34273F}"/>
+                <a16:creationId xmlns:a16="http://schemas.microsoft.com/office/drawing/2014/main" xmlns="" id="{C613E725-FB4D-4A68-9B99-2621DA34273F}"/>
               </a:ext>
             </a:extLst>
           </p:cNvPr>
@@ -11504,7 +11503,7 @@
           <p:cNvPr id="3" name="Content Placeholder 2">
             <a:extLst>
               <a:ext uri="{FF2B5EF4-FFF2-40B4-BE49-F238E27FC236}">
-                <a16:creationId xmlns:a16="http://schemas.microsoft.com/office/drawing/2014/main" id="{74D48DA3-CF9C-49A7-B8EF-F58E7C9DD96B}"/>
+                <a16:creationId xmlns:a16="http://schemas.microsoft.com/office/drawing/2014/main" xmlns="" id="{74D48DA3-CF9C-49A7-B8EF-F58E7C9DD96B}"/>
               </a:ext>
             </a:extLst>
           </p:cNvPr>
@@ -11567,7 +11566,7 @@
           <p:cNvPr id="4" name="Content Placeholder 3">
             <a:extLst>
               <a:ext uri="{FF2B5EF4-FFF2-40B4-BE49-F238E27FC236}">
-                <a16:creationId xmlns:a16="http://schemas.microsoft.com/office/drawing/2014/main" id="{F90842DA-F193-4FD2-B85C-820D02F67803}"/>
+                <a16:creationId xmlns:a16="http://schemas.microsoft.com/office/drawing/2014/main" xmlns="" id="{F90842DA-F193-4FD2-B85C-820D02F67803}"/>
               </a:ext>
             </a:extLst>
           </p:cNvPr>
@@ -11630,7 +11629,7 @@
           <p:cNvPr id="5" name="Date Placeholder 4">
             <a:extLst>
               <a:ext uri="{FF2B5EF4-FFF2-40B4-BE49-F238E27FC236}">
-                <a16:creationId xmlns:a16="http://schemas.microsoft.com/office/drawing/2014/main" id="{D1FFF39B-B900-4142-BD19-4C7BC14A9C3D}"/>
+                <a16:creationId xmlns:a16="http://schemas.microsoft.com/office/drawing/2014/main" xmlns="" id="{D1FFF39B-B900-4142-BD19-4C7BC14A9C3D}"/>
               </a:ext>
             </a:extLst>
           </p:cNvPr>
@@ -11666,7 +11665,7 @@
           <p:cNvPr id="6" name="Footer Placeholder 5">
             <a:extLst>
               <a:ext uri="{FF2B5EF4-FFF2-40B4-BE49-F238E27FC236}">
-                <a16:creationId xmlns:a16="http://schemas.microsoft.com/office/drawing/2014/main" id="{8FFBC69E-19FD-4BF3-8BD4-78AD855CA3A9}"/>
+                <a16:creationId xmlns:a16="http://schemas.microsoft.com/office/drawing/2014/main" xmlns="" id="{8FFBC69E-19FD-4BF3-8BD4-78AD855CA3A9}"/>
               </a:ext>
             </a:extLst>
           </p:cNvPr>
@@ -11702,7 +11701,7 @@
           <p:cNvPr id="7" name="Slide Number Placeholder 6">
             <a:extLst>
               <a:ext uri="{FF2B5EF4-FFF2-40B4-BE49-F238E27FC236}">
-                <a16:creationId xmlns:a16="http://schemas.microsoft.com/office/drawing/2014/main" id="{C18E0F0F-E071-4289-9E46-1C97383E8B16}"/>
+                <a16:creationId xmlns:a16="http://schemas.microsoft.com/office/drawing/2014/main" xmlns="" id="{C18E0F0F-E071-4289-9E46-1C97383E8B16}"/>
               </a:ext>
             </a:extLst>
           </p:cNvPr>
@@ -11761,7 +11760,7 @@
           <p:cNvPr id="2" name="Title 1">
             <a:extLst>
               <a:ext uri="{FF2B5EF4-FFF2-40B4-BE49-F238E27FC236}">
-                <a16:creationId xmlns:a16="http://schemas.microsoft.com/office/drawing/2014/main" id="{9CBCC924-5FC3-40EF-AA67-3D8D94E469FD}"/>
+                <a16:creationId xmlns:a16="http://schemas.microsoft.com/office/drawing/2014/main" xmlns="" id="{9CBCC924-5FC3-40EF-AA67-3D8D94E469FD}"/>
               </a:ext>
             </a:extLst>
           </p:cNvPr>
@@ -11795,7 +11794,7 @@
           <p:cNvPr id="3" name="Text Placeholder 2">
             <a:extLst>
               <a:ext uri="{FF2B5EF4-FFF2-40B4-BE49-F238E27FC236}">
-                <a16:creationId xmlns:a16="http://schemas.microsoft.com/office/drawing/2014/main" id="{5B107A9B-C253-4673-8329-D020D5F18957}"/>
+                <a16:creationId xmlns:a16="http://schemas.microsoft.com/office/drawing/2014/main" xmlns="" id="{5B107A9B-C253-4673-8329-D020D5F18957}"/>
               </a:ext>
             </a:extLst>
           </p:cNvPr>
@@ -11866,7 +11865,7 @@
           <p:cNvPr id="4" name="Content Placeholder 3">
             <a:extLst>
               <a:ext uri="{FF2B5EF4-FFF2-40B4-BE49-F238E27FC236}">
-                <a16:creationId xmlns:a16="http://schemas.microsoft.com/office/drawing/2014/main" id="{DC691E33-F611-4241-BE78-D855D265C0BD}"/>
+                <a16:creationId xmlns:a16="http://schemas.microsoft.com/office/drawing/2014/main" xmlns="" id="{DC691E33-F611-4241-BE78-D855D265C0BD}"/>
               </a:ext>
             </a:extLst>
           </p:cNvPr>
@@ -11929,7 +11928,7 @@
           <p:cNvPr id="5" name="Text Placeholder 4">
             <a:extLst>
               <a:ext uri="{FF2B5EF4-FFF2-40B4-BE49-F238E27FC236}">
-                <a16:creationId xmlns:a16="http://schemas.microsoft.com/office/drawing/2014/main" id="{DCD9C807-6408-4D96-B053-DBDB3B44C35D}"/>
+                <a16:creationId xmlns:a16="http://schemas.microsoft.com/office/drawing/2014/main" xmlns="" id="{DCD9C807-6408-4D96-B053-DBDB3B44C35D}"/>
               </a:ext>
             </a:extLst>
           </p:cNvPr>
@@ -12000,7 +11999,7 @@
           <p:cNvPr id="6" name="Content Placeholder 5">
             <a:extLst>
               <a:ext uri="{FF2B5EF4-FFF2-40B4-BE49-F238E27FC236}">
-                <a16:creationId xmlns:a16="http://schemas.microsoft.com/office/drawing/2014/main" id="{FB8BDB55-FD39-4883-AC08-C990C56E6612}"/>
+                <a16:creationId xmlns:a16="http://schemas.microsoft.com/office/drawing/2014/main" xmlns="" id="{FB8BDB55-FD39-4883-AC08-C990C56E6612}"/>
               </a:ext>
             </a:extLst>
           </p:cNvPr>
@@ -12063,7 +12062,7 @@
           <p:cNvPr id="7" name="Date Placeholder 6">
             <a:extLst>
               <a:ext uri="{FF2B5EF4-FFF2-40B4-BE49-F238E27FC236}">
-                <a16:creationId xmlns:a16="http://schemas.microsoft.com/office/drawing/2014/main" id="{1C6402DF-2215-4CD2-8CDD-D7F43333FDDC}"/>
+                <a16:creationId xmlns:a16="http://schemas.microsoft.com/office/drawing/2014/main" xmlns="" id="{1C6402DF-2215-4CD2-8CDD-D7F43333FDDC}"/>
               </a:ext>
             </a:extLst>
           </p:cNvPr>
@@ -12091,7 +12090,7 @@
           <p:cNvPr id="8" name="Footer Placeholder 7">
             <a:extLst>
               <a:ext uri="{FF2B5EF4-FFF2-40B4-BE49-F238E27FC236}">
-                <a16:creationId xmlns:a16="http://schemas.microsoft.com/office/drawing/2014/main" id="{F8DEC84C-54F8-4052-BD55-5B1A789D3429}"/>
+                <a16:creationId xmlns:a16="http://schemas.microsoft.com/office/drawing/2014/main" xmlns="" id="{F8DEC84C-54F8-4052-BD55-5B1A789D3429}"/>
               </a:ext>
             </a:extLst>
           </p:cNvPr>
@@ -12119,7 +12118,7 @@
           <p:cNvPr id="9" name="Slide Number Placeholder 8">
             <a:extLst>
               <a:ext uri="{FF2B5EF4-FFF2-40B4-BE49-F238E27FC236}">
-                <a16:creationId xmlns:a16="http://schemas.microsoft.com/office/drawing/2014/main" id="{0444D7D6-6DF9-4DA0-85C9-5F7127EF9CF5}"/>
+                <a16:creationId xmlns:a16="http://schemas.microsoft.com/office/drawing/2014/main" xmlns="" id="{0444D7D6-6DF9-4DA0-85C9-5F7127EF9CF5}"/>
               </a:ext>
             </a:extLst>
           </p:cNvPr>
@@ -12178,7 +12177,7 @@
           <p:cNvPr id="2" name="Title 1">
             <a:extLst>
               <a:ext uri="{FF2B5EF4-FFF2-40B4-BE49-F238E27FC236}">
-                <a16:creationId xmlns:a16="http://schemas.microsoft.com/office/drawing/2014/main" id="{CEF827E2-1D5B-4507-B543-84936310706F}"/>
+                <a16:creationId xmlns:a16="http://schemas.microsoft.com/office/drawing/2014/main" xmlns="" id="{CEF827E2-1D5B-4507-B543-84936310706F}"/>
               </a:ext>
             </a:extLst>
           </p:cNvPr>
@@ -12207,7 +12206,7 @@
           <p:cNvPr id="3" name="Date Placeholder 2">
             <a:extLst>
               <a:ext uri="{FF2B5EF4-FFF2-40B4-BE49-F238E27FC236}">
-                <a16:creationId xmlns:a16="http://schemas.microsoft.com/office/drawing/2014/main" id="{EBA6D65D-D8C4-4F81-AF58-83B63151B46F}"/>
+                <a16:creationId xmlns:a16="http://schemas.microsoft.com/office/drawing/2014/main" xmlns="" id="{EBA6D65D-D8C4-4F81-AF58-83B63151B46F}"/>
               </a:ext>
             </a:extLst>
           </p:cNvPr>
@@ -12235,7 +12234,7 @@
           <p:cNvPr id="4" name="Footer Placeholder 3">
             <a:extLst>
               <a:ext uri="{FF2B5EF4-FFF2-40B4-BE49-F238E27FC236}">
-                <a16:creationId xmlns:a16="http://schemas.microsoft.com/office/drawing/2014/main" id="{A6178248-65F1-4276-A5D6-E764CA5BD92F}"/>
+                <a16:creationId xmlns:a16="http://schemas.microsoft.com/office/drawing/2014/main" xmlns="" id="{A6178248-65F1-4276-A5D6-E764CA5BD92F}"/>
               </a:ext>
             </a:extLst>
           </p:cNvPr>
@@ -12263,7 +12262,7 @@
           <p:cNvPr id="5" name="Slide Number Placeholder 4">
             <a:extLst>
               <a:ext uri="{FF2B5EF4-FFF2-40B4-BE49-F238E27FC236}">
-                <a16:creationId xmlns:a16="http://schemas.microsoft.com/office/drawing/2014/main" id="{E3184932-81C3-41E8-BB6B-D32E0A6B1361}"/>
+                <a16:creationId xmlns:a16="http://schemas.microsoft.com/office/drawing/2014/main" xmlns="" id="{E3184932-81C3-41E8-BB6B-D32E0A6B1361}"/>
               </a:ext>
             </a:extLst>
           </p:cNvPr>
@@ -12322,7 +12321,7 @@
           <p:cNvPr id="2" name="Date Placeholder 1">
             <a:extLst>
               <a:ext uri="{FF2B5EF4-FFF2-40B4-BE49-F238E27FC236}">
-                <a16:creationId xmlns:a16="http://schemas.microsoft.com/office/drawing/2014/main" id="{7DA7B4B3-1D5D-4642-951F-BE795AAE65C4}"/>
+                <a16:creationId xmlns:a16="http://schemas.microsoft.com/office/drawing/2014/main" xmlns="" id="{7DA7B4B3-1D5D-4642-951F-BE795AAE65C4}"/>
               </a:ext>
             </a:extLst>
           </p:cNvPr>
@@ -12350,7 +12349,7 @@
           <p:cNvPr id="3" name="Footer Placeholder 2">
             <a:extLst>
               <a:ext uri="{FF2B5EF4-FFF2-40B4-BE49-F238E27FC236}">
-                <a16:creationId xmlns:a16="http://schemas.microsoft.com/office/drawing/2014/main" id="{8884173B-5683-4B07-A6B6-FE65E1A82E77}"/>
+                <a16:creationId xmlns:a16="http://schemas.microsoft.com/office/drawing/2014/main" xmlns="" id="{8884173B-5683-4B07-A6B6-FE65E1A82E77}"/>
               </a:ext>
             </a:extLst>
           </p:cNvPr>
@@ -12378,7 +12377,7 @@
           <p:cNvPr id="4" name="Slide Number Placeholder 3">
             <a:extLst>
               <a:ext uri="{FF2B5EF4-FFF2-40B4-BE49-F238E27FC236}">
-                <a16:creationId xmlns:a16="http://schemas.microsoft.com/office/drawing/2014/main" id="{A3604C50-87DF-45F5-93A9-563F680A4F86}"/>
+                <a16:creationId xmlns:a16="http://schemas.microsoft.com/office/drawing/2014/main" xmlns="" id="{A3604C50-87DF-45F5-93A9-563F680A4F86}"/>
               </a:ext>
             </a:extLst>
           </p:cNvPr>
@@ -12437,7 +12436,7 @@
           <p:cNvPr id="2" name="Title 1">
             <a:extLst>
               <a:ext uri="{FF2B5EF4-FFF2-40B4-BE49-F238E27FC236}">
-                <a16:creationId xmlns:a16="http://schemas.microsoft.com/office/drawing/2014/main" id="{89DE626C-A862-4DB9-BB4B-60DFE8BAA8FD}"/>
+                <a16:creationId xmlns:a16="http://schemas.microsoft.com/office/drawing/2014/main" xmlns="" id="{89DE626C-A862-4DB9-BB4B-60DFE8BAA8FD}"/>
               </a:ext>
             </a:extLst>
           </p:cNvPr>
@@ -12475,7 +12474,7 @@
           <p:cNvPr id="3" name="Content Placeholder 2">
             <a:extLst>
               <a:ext uri="{FF2B5EF4-FFF2-40B4-BE49-F238E27FC236}">
-                <a16:creationId xmlns:a16="http://schemas.microsoft.com/office/drawing/2014/main" id="{30C8A0A6-E54D-4A23-82BB-ED65BAE64D38}"/>
+                <a16:creationId xmlns:a16="http://schemas.microsoft.com/office/drawing/2014/main" xmlns="" id="{30C8A0A6-E54D-4A23-82BB-ED65BAE64D38}"/>
               </a:ext>
             </a:extLst>
           </p:cNvPr>
@@ -12566,7 +12565,7 @@
           <p:cNvPr id="4" name="Text Placeholder 3">
             <a:extLst>
               <a:ext uri="{FF2B5EF4-FFF2-40B4-BE49-F238E27FC236}">
-                <a16:creationId xmlns:a16="http://schemas.microsoft.com/office/drawing/2014/main" id="{F974B46C-C7A3-468B-9B6D-13DBE08782F6}"/>
+                <a16:creationId xmlns:a16="http://schemas.microsoft.com/office/drawing/2014/main" xmlns="" id="{F974B46C-C7A3-468B-9B6D-13DBE08782F6}"/>
               </a:ext>
             </a:extLst>
           </p:cNvPr>
@@ -12637,7 +12636,7 @@
           <p:cNvPr id="5" name="Date Placeholder 4">
             <a:extLst>
               <a:ext uri="{FF2B5EF4-FFF2-40B4-BE49-F238E27FC236}">
-                <a16:creationId xmlns:a16="http://schemas.microsoft.com/office/drawing/2014/main" id="{3A0DEE69-0C06-40B4-A585-623689A0E1B7}"/>
+                <a16:creationId xmlns:a16="http://schemas.microsoft.com/office/drawing/2014/main" xmlns="" id="{3A0DEE69-0C06-40B4-A585-623689A0E1B7}"/>
               </a:ext>
             </a:extLst>
           </p:cNvPr>
@@ -12665,7 +12664,7 @@
           <p:cNvPr id="6" name="Footer Placeholder 5">
             <a:extLst>
               <a:ext uri="{FF2B5EF4-FFF2-40B4-BE49-F238E27FC236}">
-                <a16:creationId xmlns:a16="http://schemas.microsoft.com/office/drawing/2014/main" id="{7DC33A2F-2971-4E6B-BEE2-98ECF3481927}"/>
+                <a16:creationId xmlns:a16="http://schemas.microsoft.com/office/drawing/2014/main" xmlns="" id="{7DC33A2F-2971-4E6B-BEE2-98ECF3481927}"/>
               </a:ext>
             </a:extLst>
           </p:cNvPr>
@@ -12693,7 +12692,7 @@
           <p:cNvPr id="7" name="Slide Number Placeholder 6">
             <a:extLst>
               <a:ext uri="{FF2B5EF4-FFF2-40B4-BE49-F238E27FC236}">
-                <a16:creationId xmlns:a16="http://schemas.microsoft.com/office/drawing/2014/main" id="{A0E8ED68-03D2-4B6B-9D83-4B8C7798C47E}"/>
+                <a16:creationId xmlns:a16="http://schemas.microsoft.com/office/drawing/2014/main" xmlns="" id="{A0E8ED68-03D2-4B6B-9D83-4B8C7798C47E}"/>
               </a:ext>
             </a:extLst>
           </p:cNvPr>
@@ -12752,7 +12751,7 @@
           <p:cNvPr id="2" name="Title 1">
             <a:extLst>
               <a:ext uri="{FF2B5EF4-FFF2-40B4-BE49-F238E27FC236}">
-                <a16:creationId xmlns:a16="http://schemas.microsoft.com/office/drawing/2014/main" id="{590B7302-973C-43E2-8266-EB309C74CAE0}"/>
+                <a16:creationId xmlns:a16="http://schemas.microsoft.com/office/drawing/2014/main" xmlns="" id="{590B7302-973C-43E2-8266-EB309C74CAE0}"/>
               </a:ext>
             </a:extLst>
           </p:cNvPr>
@@ -12790,7 +12789,7 @@
           <p:cNvPr id="3" name="Picture Placeholder 2">
             <a:extLst>
               <a:ext uri="{FF2B5EF4-FFF2-40B4-BE49-F238E27FC236}">
-                <a16:creationId xmlns:a16="http://schemas.microsoft.com/office/drawing/2014/main" id="{0BB4836D-2B27-4E99-A4E9-44E63B07037A}"/>
+                <a16:creationId xmlns:a16="http://schemas.microsoft.com/office/drawing/2014/main" xmlns="" id="{0BB4836D-2B27-4E99-A4E9-44E63B07037A}"/>
               </a:ext>
             </a:extLst>
           </p:cNvPr>
@@ -12857,7 +12856,7 @@
           <p:cNvPr id="4" name="Text Placeholder 3">
             <a:extLst>
               <a:ext uri="{FF2B5EF4-FFF2-40B4-BE49-F238E27FC236}">
-                <a16:creationId xmlns:a16="http://schemas.microsoft.com/office/drawing/2014/main" id="{7E6EB6B5-C561-4656-9550-3F6CDD14D15F}"/>
+                <a16:creationId xmlns:a16="http://schemas.microsoft.com/office/drawing/2014/main" xmlns="" id="{7E6EB6B5-C561-4656-9550-3F6CDD14D15F}"/>
               </a:ext>
             </a:extLst>
           </p:cNvPr>
@@ -12928,7 +12927,7 @@
           <p:cNvPr id="5" name="Date Placeholder 4">
             <a:extLst>
               <a:ext uri="{FF2B5EF4-FFF2-40B4-BE49-F238E27FC236}">
-                <a16:creationId xmlns:a16="http://schemas.microsoft.com/office/drawing/2014/main" id="{B2403665-2894-4978-BE66-31EBAF67ADD9}"/>
+                <a16:creationId xmlns:a16="http://schemas.microsoft.com/office/drawing/2014/main" xmlns="" id="{B2403665-2894-4978-BE66-31EBAF67ADD9}"/>
               </a:ext>
             </a:extLst>
           </p:cNvPr>
@@ -12956,7 +12955,7 @@
           <p:cNvPr id="6" name="Footer Placeholder 5">
             <a:extLst>
               <a:ext uri="{FF2B5EF4-FFF2-40B4-BE49-F238E27FC236}">
-                <a16:creationId xmlns:a16="http://schemas.microsoft.com/office/drawing/2014/main" id="{CB79DDA8-96EB-4C77-B5AA-536AAD6A1C2C}"/>
+                <a16:creationId xmlns:a16="http://schemas.microsoft.com/office/drawing/2014/main" xmlns="" id="{CB79DDA8-96EB-4C77-B5AA-536AAD6A1C2C}"/>
               </a:ext>
             </a:extLst>
           </p:cNvPr>
@@ -12984,7 +12983,7 @@
           <p:cNvPr id="7" name="Slide Number Placeholder 6">
             <a:extLst>
               <a:ext uri="{FF2B5EF4-FFF2-40B4-BE49-F238E27FC236}">
-                <a16:creationId xmlns:a16="http://schemas.microsoft.com/office/drawing/2014/main" id="{99887644-4078-46FE-AFB7-670AAA65DFEC}"/>
+                <a16:creationId xmlns:a16="http://schemas.microsoft.com/office/drawing/2014/main" xmlns="" id="{99887644-4078-46FE-AFB7-670AAA65DFEC}"/>
               </a:ext>
             </a:extLst>
           </p:cNvPr>
@@ -13043,7 +13042,7 @@
           <p:cNvPr id="2" name="Title 1">
             <a:extLst>
               <a:ext uri="{FF2B5EF4-FFF2-40B4-BE49-F238E27FC236}">
-                <a16:creationId xmlns:a16="http://schemas.microsoft.com/office/drawing/2014/main" id="{F5979442-03EA-4EBA-BD35-CB21398A83A0}"/>
+                <a16:creationId xmlns:a16="http://schemas.microsoft.com/office/drawing/2014/main" xmlns="" id="{F5979442-03EA-4EBA-BD35-CB21398A83A0}"/>
               </a:ext>
             </a:extLst>
           </p:cNvPr>
@@ -13072,7 +13071,7 @@
           <p:cNvPr id="3" name="Vertical Text Placeholder 2">
             <a:extLst>
               <a:ext uri="{FF2B5EF4-FFF2-40B4-BE49-F238E27FC236}">
-                <a16:creationId xmlns:a16="http://schemas.microsoft.com/office/drawing/2014/main" id="{3027FAED-F90B-411D-9103-FB91E40E2E81}"/>
+                <a16:creationId xmlns:a16="http://schemas.microsoft.com/office/drawing/2014/main" xmlns="" id="{3027FAED-F90B-411D-9103-FB91E40E2E81}"/>
               </a:ext>
             </a:extLst>
           </p:cNvPr>
@@ -13130,7 +13129,7 @@
           <p:cNvPr id="4" name="Date Placeholder 3">
             <a:extLst>
               <a:ext uri="{FF2B5EF4-FFF2-40B4-BE49-F238E27FC236}">
-                <a16:creationId xmlns:a16="http://schemas.microsoft.com/office/drawing/2014/main" id="{448AA73C-A629-4F94-AC74-6BE10A9D2661}"/>
+                <a16:creationId xmlns:a16="http://schemas.microsoft.com/office/drawing/2014/main" xmlns="" id="{448AA73C-A629-4F94-AC74-6BE10A9D2661}"/>
               </a:ext>
             </a:extLst>
           </p:cNvPr>
@@ -13158,7 +13157,7 @@
           <p:cNvPr id="5" name="Footer Placeholder 4">
             <a:extLst>
               <a:ext uri="{FF2B5EF4-FFF2-40B4-BE49-F238E27FC236}">
-                <a16:creationId xmlns:a16="http://schemas.microsoft.com/office/drawing/2014/main" id="{11AFB4C5-DC5C-4E0B-A30A-B3E2C65006F8}"/>
+                <a16:creationId xmlns:a16="http://schemas.microsoft.com/office/drawing/2014/main" xmlns="" id="{11AFB4C5-DC5C-4E0B-A30A-B3E2C65006F8}"/>
               </a:ext>
             </a:extLst>
           </p:cNvPr>
@@ -13186,7 +13185,7 @@
           <p:cNvPr id="6" name="Slide Number Placeholder 5">
             <a:extLst>
               <a:ext uri="{FF2B5EF4-FFF2-40B4-BE49-F238E27FC236}">
-                <a16:creationId xmlns:a16="http://schemas.microsoft.com/office/drawing/2014/main" id="{BA60360F-588E-4EC9-8B45-836F48AC3064}"/>
+                <a16:creationId xmlns:a16="http://schemas.microsoft.com/office/drawing/2014/main" xmlns="" id="{BA60360F-588E-4EC9-8B45-836F48AC3064}"/>
               </a:ext>
             </a:extLst>
           </p:cNvPr>
@@ -13245,7 +13244,7 @@
           <p:cNvPr id="2" name="Vertical Title 1">
             <a:extLst>
               <a:ext uri="{FF2B5EF4-FFF2-40B4-BE49-F238E27FC236}">
-                <a16:creationId xmlns:a16="http://schemas.microsoft.com/office/drawing/2014/main" id="{37030969-C7E9-4B4B-AF99-D36C9DDF4398}"/>
+                <a16:creationId xmlns:a16="http://schemas.microsoft.com/office/drawing/2014/main" xmlns="" id="{37030969-C7E9-4B4B-AF99-D36C9DDF4398}"/>
               </a:ext>
             </a:extLst>
           </p:cNvPr>
@@ -13279,7 +13278,7 @@
           <p:cNvPr id="3" name="Vertical Text Placeholder 2">
             <a:extLst>
               <a:ext uri="{FF2B5EF4-FFF2-40B4-BE49-F238E27FC236}">
-                <a16:creationId xmlns:a16="http://schemas.microsoft.com/office/drawing/2014/main" id="{31BD9FE5-2ED8-4149-8CAD-50697597EE3C}"/>
+                <a16:creationId xmlns:a16="http://schemas.microsoft.com/office/drawing/2014/main" xmlns="" id="{31BD9FE5-2ED8-4149-8CAD-50697597EE3C}"/>
               </a:ext>
             </a:extLst>
           </p:cNvPr>
@@ -13342,7 +13341,7 @@
           <p:cNvPr id="4" name="Date Placeholder 3">
             <a:extLst>
               <a:ext uri="{FF2B5EF4-FFF2-40B4-BE49-F238E27FC236}">
-                <a16:creationId xmlns:a16="http://schemas.microsoft.com/office/drawing/2014/main" id="{8E2818A7-EBD8-420F-9988-4CA46CC2962D}"/>
+                <a16:creationId xmlns:a16="http://schemas.microsoft.com/office/drawing/2014/main" xmlns="" id="{8E2818A7-EBD8-420F-9988-4CA46CC2962D}"/>
               </a:ext>
             </a:extLst>
           </p:cNvPr>
@@ -13370,7 +13369,7 @@
           <p:cNvPr id="5" name="Footer Placeholder 4">
             <a:extLst>
               <a:ext uri="{FF2B5EF4-FFF2-40B4-BE49-F238E27FC236}">
-                <a16:creationId xmlns:a16="http://schemas.microsoft.com/office/drawing/2014/main" id="{0EA8B38A-E7CA-4BB1-BED4-A750E07D50E9}"/>
+                <a16:creationId xmlns:a16="http://schemas.microsoft.com/office/drawing/2014/main" xmlns="" id="{0EA8B38A-E7CA-4BB1-BED4-A750E07D50E9}"/>
               </a:ext>
             </a:extLst>
           </p:cNvPr>
@@ -13398,7 +13397,7 @@
           <p:cNvPr id="6" name="Slide Number Placeholder 5">
             <a:extLst>
               <a:ext uri="{FF2B5EF4-FFF2-40B4-BE49-F238E27FC236}">
-                <a16:creationId xmlns:a16="http://schemas.microsoft.com/office/drawing/2014/main" id="{137CEC92-5AB4-4AA4-9949-EE34922FC12D}"/>
+                <a16:creationId xmlns:a16="http://schemas.microsoft.com/office/drawing/2014/main" xmlns="" id="{137CEC92-5AB4-4AA4-9949-EE34922FC12D}"/>
               </a:ext>
             </a:extLst>
           </p:cNvPr>
@@ -13457,7 +13456,7 @@
           <p:cNvPr id="2" name="Title 1">
             <a:extLst>
               <a:ext uri="{FF2B5EF4-FFF2-40B4-BE49-F238E27FC236}">
-                <a16:creationId xmlns:a16="http://schemas.microsoft.com/office/drawing/2014/main" id="{EF40842B-C6CA-43A0-8C7B-C51A8BA4E18E}"/>
+                <a16:creationId xmlns:a16="http://schemas.microsoft.com/office/drawing/2014/main" xmlns="" id="{EF40842B-C6CA-43A0-8C7B-C51A8BA4E18E}"/>
               </a:ext>
             </a:extLst>
           </p:cNvPr>
@@ -13495,7 +13494,7 @@
           <p:cNvPr id="3" name="Subtitle 2">
             <a:extLst>
               <a:ext uri="{FF2B5EF4-FFF2-40B4-BE49-F238E27FC236}">
-                <a16:creationId xmlns:a16="http://schemas.microsoft.com/office/drawing/2014/main" id="{52CB8609-D1C9-4053-9799-16F0B8007F7D}"/>
+                <a16:creationId xmlns:a16="http://schemas.microsoft.com/office/drawing/2014/main" xmlns="" id="{52CB8609-D1C9-4053-9799-16F0B8007F7D}"/>
               </a:ext>
             </a:extLst>
           </p:cNvPr>
@@ -13566,7 +13565,7 @@
           <p:cNvPr id="4" name="Date Placeholder 3">
             <a:extLst>
               <a:ext uri="{FF2B5EF4-FFF2-40B4-BE49-F238E27FC236}">
-                <a16:creationId xmlns:a16="http://schemas.microsoft.com/office/drawing/2014/main" id="{F2E68D7E-AF4D-4C00-8C02-89B28DF7B604}"/>
+                <a16:creationId xmlns:a16="http://schemas.microsoft.com/office/drawing/2014/main" xmlns="" id="{F2E68D7E-AF4D-4C00-8C02-89B28DF7B604}"/>
               </a:ext>
             </a:extLst>
           </p:cNvPr>
@@ -13594,7 +13593,7 @@
           <p:cNvPr id="5" name="Footer Placeholder 4">
             <a:extLst>
               <a:ext uri="{FF2B5EF4-FFF2-40B4-BE49-F238E27FC236}">
-                <a16:creationId xmlns:a16="http://schemas.microsoft.com/office/drawing/2014/main" id="{859379C3-5354-435E-8EB3-C5E2012D7430}"/>
+                <a16:creationId xmlns:a16="http://schemas.microsoft.com/office/drawing/2014/main" xmlns="" id="{859379C3-5354-435E-8EB3-C5E2012D7430}"/>
               </a:ext>
             </a:extLst>
           </p:cNvPr>
@@ -13622,7 +13621,7 @@
           <p:cNvPr id="6" name="Slide Number Placeholder 5">
             <a:extLst>
               <a:ext uri="{FF2B5EF4-FFF2-40B4-BE49-F238E27FC236}">
-                <a16:creationId xmlns:a16="http://schemas.microsoft.com/office/drawing/2014/main" id="{90DCA2A0-DDFB-45DB-B7EF-062DE2EF1079}"/>
+                <a16:creationId xmlns:a16="http://schemas.microsoft.com/office/drawing/2014/main" xmlns="" id="{90DCA2A0-DDFB-45DB-B7EF-062DE2EF1079}"/>
               </a:ext>
             </a:extLst>
           </p:cNvPr>
@@ -13681,7 +13680,7 @@
           <p:cNvPr id="2" name="Title 1">
             <a:extLst>
               <a:ext uri="{FF2B5EF4-FFF2-40B4-BE49-F238E27FC236}">
-                <a16:creationId xmlns:a16="http://schemas.microsoft.com/office/drawing/2014/main" id="{F69BB830-5846-4BFF-94AC-4EC6ADCFDCAD}"/>
+                <a16:creationId xmlns:a16="http://schemas.microsoft.com/office/drawing/2014/main" xmlns="" id="{F69BB830-5846-4BFF-94AC-4EC6ADCFDCAD}"/>
               </a:ext>
             </a:extLst>
           </p:cNvPr>
@@ -13710,7 +13709,7 @@
           <p:cNvPr id="3" name="Content Placeholder 2">
             <a:extLst>
               <a:ext uri="{FF2B5EF4-FFF2-40B4-BE49-F238E27FC236}">
-                <a16:creationId xmlns:a16="http://schemas.microsoft.com/office/drawing/2014/main" id="{FFD1DC8A-530A-4051-8628-65AAC3BD36BC}"/>
+                <a16:creationId xmlns:a16="http://schemas.microsoft.com/office/drawing/2014/main" xmlns="" id="{FFD1DC8A-530A-4051-8628-65AAC3BD36BC}"/>
               </a:ext>
             </a:extLst>
           </p:cNvPr>
@@ -13768,7 +13767,7 @@
           <p:cNvPr id="4" name="Date Placeholder 3">
             <a:extLst>
               <a:ext uri="{FF2B5EF4-FFF2-40B4-BE49-F238E27FC236}">
-                <a16:creationId xmlns:a16="http://schemas.microsoft.com/office/drawing/2014/main" id="{62EBD670-43FB-418C-8970-CC12DC5DAD9F}"/>
+                <a16:creationId xmlns:a16="http://schemas.microsoft.com/office/drawing/2014/main" xmlns="" id="{62EBD670-43FB-418C-8970-CC12DC5DAD9F}"/>
               </a:ext>
             </a:extLst>
           </p:cNvPr>
@@ -13796,7 +13795,7 @@
           <p:cNvPr id="5" name="Footer Placeholder 4">
             <a:extLst>
               <a:ext uri="{FF2B5EF4-FFF2-40B4-BE49-F238E27FC236}">
-                <a16:creationId xmlns:a16="http://schemas.microsoft.com/office/drawing/2014/main" id="{0E8ECFD0-8AA1-4672-A66F-2F482DE1A92F}"/>
+                <a16:creationId xmlns:a16="http://schemas.microsoft.com/office/drawing/2014/main" xmlns="" id="{0E8ECFD0-8AA1-4672-A66F-2F482DE1A92F}"/>
               </a:ext>
             </a:extLst>
           </p:cNvPr>
@@ -13824,7 +13823,7 @@
           <p:cNvPr id="6" name="Slide Number Placeholder 5">
             <a:extLst>
               <a:ext uri="{FF2B5EF4-FFF2-40B4-BE49-F238E27FC236}">
-                <a16:creationId xmlns:a16="http://schemas.microsoft.com/office/drawing/2014/main" id="{EDA04B25-8EB3-4981-853A-C79EAA4B6292}"/>
+                <a16:creationId xmlns:a16="http://schemas.microsoft.com/office/drawing/2014/main" xmlns="" id="{EDA04B25-8EB3-4981-853A-C79EAA4B6292}"/>
               </a:ext>
             </a:extLst>
           </p:cNvPr>
@@ -13883,7 +13882,7 @@
           <p:cNvPr id="2" name="Title 1">
             <a:extLst>
               <a:ext uri="{FF2B5EF4-FFF2-40B4-BE49-F238E27FC236}">
-                <a16:creationId xmlns:a16="http://schemas.microsoft.com/office/drawing/2014/main" id="{94ADA874-EEE2-44F9-9137-4320AB078C65}"/>
+                <a16:creationId xmlns:a16="http://schemas.microsoft.com/office/drawing/2014/main" xmlns="" id="{94ADA874-EEE2-44F9-9137-4320AB078C65}"/>
               </a:ext>
             </a:extLst>
           </p:cNvPr>
@@ -13921,7 +13920,7 @@
           <p:cNvPr id="3" name="Text Placeholder 2">
             <a:extLst>
               <a:ext uri="{FF2B5EF4-FFF2-40B4-BE49-F238E27FC236}">
-                <a16:creationId xmlns:a16="http://schemas.microsoft.com/office/drawing/2014/main" id="{ACDA1EFE-1D8A-478A-9AFA-91409EBBBCF3}"/>
+                <a16:creationId xmlns:a16="http://schemas.microsoft.com/office/drawing/2014/main" xmlns="" id="{ACDA1EFE-1D8A-478A-9AFA-91409EBBBCF3}"/>
               </a:ext>
             </a:extLst>
           </p:cNvPr>
@@ -14046,7 +14045,7 @@
           <p:cNvPr id="4" name="Date Placeholder 3">
             <a:extLst>
               <a:ext uri="{FF2B5EF4-FFF2-40B4-BE49-F238E27FC236}">
-                <a16:creationId xmlns:a16="http://schemas.microsoft.com/office/drawing/2014/main" id="{D3F1E7FD-497A-491B-8917-253A34DF4EB1}"/>
+                <a16:creationId xmlns:a16="http://schemas.microsoft.com/office/drawing/2014/main" xmlns="" id="{D3F1E7FD-497A-491B-8917-253A34DF4EB1}"/>
               </a:ext>
             </a:extLst>
           </p:cNvPr>
@@ -14074,7 +14073,7 @@
           <p:cNvPr id="5" name="Footer Placeholder 4">
             <a:extLst>
               <a:ext uri="{FF2B5EF4-FFF2-40B4-BE49-F238E27FC236}">
-                <a16:creationId xmlns:a16="http://schemas.microsoft.com/office/drawing/2014/main" id="{9534D2FA-20F1-4183-A307-7A55CC8E1EFE}"/>
+                <a16:creationId xmlns:a16="http://schemas.microsoft.com/office/drawing/2014/main" xmlns="" id="{9534D2FA-20F1-4183-A307-7A55CC8E1EFE}"/>
               </a:ext>
             </a:extLst>
           </p:cNvPr>
@@ -14102,7 +14101,7 @@
           <p:cNvPr id="6" name="Slide Number Placeholder 5">
             <a:extLst>
               <a:ext uri="{FF2B5EF4-FFF2-40B4-BE49-F238E27FC236}">
-                <a16:creationId xmlns:a16="http://schemas.microsoft.com/office/drawing/2014/main" id="{EB62A000-FACF-4C3A-999D-9801F85A5B78}"/>
+                <a16:creationId xmlns:a16="http://schemas.microsoft.com/office/drawing/2014/main" xmlns="" id="{EB62A000-FACF-4C3A-999D-9801F85A5B78}"/>
               </a:ext>
             </a:extLst>
           </p:cNvPr>
@@ -14161,7 +14160,7 @@
           <p:cNvPr id="2" name="Title 1">
             <a:extLst>
               <a:ext uri="{FF2B5EF4-FFF2-40B4-BE49-F238E27FC236}">
-                <a16:creationId xmlns:a16="http://schemas.microsoft.com/office/drawing/2014/main" id="{9CBCC924-5FC3-40EF-AA67-3D8D94E469FD}"/>
+                <a16:creationId xmlns:a16="http://schemas.microsoft.com/office/drawing/2014/main" xmlns="" id="{9CBCC924-5FC3-40EF-AA67-3D8D94E469FD}"/>
               </a:ext>
             </a:extLst>
           </p:cNvPr>
@@ -14198,7 +14197,7 @@
           <p:cNvPr id="3" name="Text Placeholder 2">
             <a:extLst>
               <a:ext uri="{FF2B5EF4-FFF2-40B4-BE49-F238E27FC236}">
-                <a16:creationId xmlns:a16="http://schemas.microsoft.com/office/drawing/2014/main" id="{5B107A9B-C253-4673-8329-D020D5F18957}"/>
+                <a16:creationId xmlns:a16="http://schemas.microsoft.com/office/drawing/2014/main" xmlns="" id="{5B107A9B-C253-4673-8329-D020D5F18957}"/>
               </a:ext>
             </a:extLst>
           </p:cNvPr>
@@ -14269,7 +14268,7 @@
           <p:cNvPr id="4" name="Content Placeholder 3">
             <a:extLst>
               <a:ext uri="{FF2B5EF4-FFF2-40B4-BE49-F238E27FC236}">
-                <a16:creationId xmlns:a16="http://schemas.microsoft.com/office/drawing/2014/main" id="{DC691E33-F611-4241-BE78-D855D265C0BD}"/>
+                <a16:creationId xmlns:a16="http://schemas.microsoft.com/office/drawing/2014/main" xmlns="" id="{DC691E33-F611-4241-BE78-D855D265C0BD}"/>
               </a:ext>
             </a:extLst>
           </p:cNvPr>
@@ -14332,7 +14331,7 @@
           <p:cNvPr id="5" name="Text Placeholder 4">
             <a:extLst>
               <a:ext uri="{FF2B5EF4-FFF2-40B4-BE49-F238E27FC236}">
-                <a16:creationId xmlns:a16="http://schemas.microsoft.com/office/drawing/2014/main" id="{DCD9C807-6408-4D96-B053-DBDB3B44C35D}"/>
+                <a16:creationId xmlns:a16="http://schemas.microsoft.com/office/drawing/2014/main" xmlns="" id="{DCD9C807-6408-4D96-B053-DBDB3B44C35D}"/>
               </a:ext>
             </a:extLst>
           </p:cNvPr>
@@ -14403,7 +14402,7 @@
           <p:cNvPr id="6" name="Content Placeholder 5">
             <a:extLst>
               <a:ext uri="{FF2B5EF4-FFF2-40B4-BE49-F238E27FC236}">
-                <a16:creationId xmlns:a16="http://schemas.microsoft.com/office/drawing/2014/main" id="{FB8BDB55-FD39-4883-AC08-C990C56E6612}"/>
+                <a16:creationId xmlns:a16="http://schemas.microsoft.com/office/drawing/2014/main" xmlns="" id="{FB8BDB55-FD39-4883-AC08-C990C56E6612}"/>
               </a:ext>
             </a:extLst>
           </p:cNvPr>
@@ -14466,7 +14465,7 @@
           <p:cNvPr id="7" name="Date Placeholder 6">
             <a:extLst>
               <a:ext uri="{FF2B5EF4-FFF2-40B4-BE49-F238E27FC236}">
-                <a16:creationId xmlns:a16="http://schemas.microsoft.com/office/drawing/2014/main" id="{1C6402DF-2215-4CD2-8CDD-D7F43333FDDC}"/>
+                <a16:creationId xmlns:a16="http://schemas.microsoft.com/office/drawing/2014/main" xmlns="" id="{1C6402DF-2215-4CD2-8CDD-D7F43333FDDC}"/>
               </a:ext>
             </a:extLst>
           </p:cNvPr>
@@ -14502,7 +14501,7 @@
           <p:cNvPr id="8" name="Footer Placeholder 7">
             <a:extLst>
               <a:ext uri="{FF2B5EF4-FFF2-40B4-BE49-F238E27FC236}">
-                <a16:creationId xmlns:a16="http://schemas.microsoft.com/office/drawing/2014/main" id="{F8DEC84C-54F8-4052-BD55-5B1A789D3429}"/>
+                <a16:creationId xmlns:a16="http://schemas.microsoft.com/office/drawing/2014/main" xmlns="" id="{F8DEC84C-54F8-4052-BD55-5B1A789D3429}"/>
               </a:ext>
             </a:extLst>
           </p:cNvPr>
@@ -14538,7 +14537,7 @@
           <p:cNvPr id="9" name="Slide Number Placeholder 8">
             <a:extLst>
               <a:ext uri="{FF2B5EF4-FFF2-40B4-BE49-F238E27FC236}">
-                <a16:creationId xmlns:a16="http://schemas.microsoft.com/office/drawing/2014/main" id="{0444D7D6-6DF9-4DA0-85C9-5F7127EF9CF5}"/>
+                <a16:creationId xmlns:a16="http://schemas.microsoft.com/office/drawing/2014/main" xmlns="" id="{0444D7D6-6DF9-4DA0-85C9-5F7127EF9CF5}"/>
               </a:ext>
             </a:extLst>
           </p:cNvPr>
@@ -14597,7 +14596,7 @@
           <p:cNvPr id="2" name="Title 1">
             <a:extLst>
               <a:ext uri="{FF2B5EF4-FFF2-40B4-BE49-F238E27FC236}">
-                <a16:creationId xmlns:a16="http://schemas.microsoft.com/office/drawing/2014/main" id="{C613E725-FB4D-4A68-9B99-2621DA34273F}"/>
+                <a16:creationId xmlns:a16="http://schemas.microsoft.com/office/drawing/2014/main" xmlns="" id="{C613E725-FB4D-4A68-9B99-2621DA34273F}"/>
               </a:ext>
             </a:extLst>
           </p:cNvPr>
@@ -14626,7 +14625,7 @@
           <p:cNvPr id="3" name="Content Placeholder 2">
             <a:extLst>
               <a:ext uri="{FF2B5EF4-FFF2-40B4-BE49-F238E27FC236}">
-                <a16:creationId xmlns:a16="http://schemas.microsoft.com/office/drawing/2014/main" id="{74D48DA3-CF9C-49A7-B8EF-F58E7C9DD96B}"/>
+                <a16:creationId xmlns:a16="http://schemas.microsoft.com/office/drawing/2014/main" xmlns="" id="{74D48DA3-CF9C-49A7-B8EF-F58E7C9DD96B}"/>
               </a:ext>
             </a:extLst>
           </p:cNvPr>
@@ -14689,7 +14688,7 @@
           <p:cNvPr id="4" name="Content Placeholder 3">
             <a:extLst>
               <a:ext uri="{FF2B5EF4-FFF2-40B4-BE49-F238E27FC236}">
-                <a16:creationId xmlns:a16="http://schemas.microsoft.com/office/drawing/2014/main" id="{F90842DA-F193-4FD2-B85C-820D02F67803}"/>
+                <a16:creationId xmlns:a16="http://schemas.microsoft.com/office/drawing/2014/main" xmlns="" id="{F90842DA-F193-4FD2-B85C-820D02F67803}"/>
               </a:ext>
             </a:extLst>
           </p:cNvPr>
@@ -14752,7 +14751,7 @@
           <p:cNvPr id="5" name="Date Placeholder 4">
             <a:extLst>
               <a:ext uri="{FF2B5EF4-FFF2-40B4-BE49-F238E27FC236}">
-                <a16:creationId xmlns:a16="http://schemas.microsoft.com/office/drawing/2014/main" id="{D1FFF39B-B900-4142-BD19-4C7BC14A9C3D}"/>
+                <a16:creationId xmlns:a16="http://schemas.microsoft.com/office/drawing/2014/main" xmlns="" id="{D1FFF39B-B900-4142-BD19-4C7BC14A9C3D}"/>
               </a:ext>
             </a:extLst>
           </p:cNvPr>
@@ -14780,7 +14779,7 @@
           <p:cNvPr id="6" name="Footer Placeholder 5">
             <a:extLst>
               <a:ext uri="{FF2B5EF4-FFF2-40B4-BE49-F238E27FC236}">
-                <a16:creationId xmlns:a16="http://schemas.microsoft.com/office/drawing/2014/main" id="{8FFBC69E-19FD-4BF3-8BD4-78AD855CA3A9}"/>
+                <a16:creationId xmlns:a16="http://schemas.microsoft.com/office/drawing/2014/main" xmlns="" id="{8FFBC69E-19FD-4BF3-8BD4-78AD855CA3A9}"/>
               </a:ext>
             </a:extLst>
           </p:cNvPr>
@@ -14808,7 +14807,7 @@
           <p:cNvPr id="7" name="Slide Number Placeholder 6">
             <a:extLst>
               <a:ext uri="{FF2B5EF4-FFF2-40B4-BE49-F238E27FC236}">
-                <a16:creationId xmlns:a16="http://schemas.microsoft.com/office/drawing/2014/main" id="{C18E0F0F-E071-4289-9E46-1C97383E8B16}"/>
+                <a16:creationId xmlns:a16="http://schemas.microsoft.com/office/drawing/2014/main" xmlns="" id="{C18E0F0F-E071-4289-9E46-1C97383E8B16}"/>
               </a:ext>
             </a:extLst>
           </p:cNvPr>
@@ -14867,7 +14866,7 @@
           <p:cNvPr id="2" name="Title 1">
             <a:extLst>
               <a:ext uri="{FF2B5EF4-FFF2-40B4-BE49-F238E27FC236}">
-                <a16:creationId xmlns:a16="http://schemas.microsoft.com/office/drawing/2014/main" id="{9CBCC924-5FC3-40EF-AA67-3D8D94E469FD}"/>
+                <a16:creationId xmlns:a16="http://schemas.microsoft.com/office/drawing/2014/main" xmlns="" id="{9CBCC924-5FC3-40EF-AA67-3D8D94E469FD}"/>
               </a:ext>
             </a:extLst>
           </p:cNvPr>
@@ -14901,7 +14900,7 @@
           <p:cNvPr id="3" name="Text Placeholder 2">
             <a:extLst>
               <a:ext uri="{FF2B5EF4-FFF2-40B4-BE49-F238E27FC236}">
-                <a16:creationId xmlns:a16="http://schemas.microsoft.com/office/drawing/2014/main" id="{5B107A9B-C253-4673-8329-D020D5F18957}"/>
+                <a16:creationId xmlns:a16="http://schemas.microsoft.com/office/drawing/2014/main" xmlns="" id="{5B107A9B-C253-4673-8329-D020D5F18957}"/>
               </a:ext>
             </a:extLst>
           </p:cNvPr>
@@ -14972,7 +14971,7 @@
           <p:cNvPr id="4" name="Content Placeholder 3">
             <a:extLst>
               <a:ext uri="{FF2B5EF4-FFF2-40B4-BE49-F238E27FC236}">
-                <a16:creationId xmlns:a16="http://schemas.microsoft.com/office/drawing/2014/main" id="{DC691E33-F611-4241-BE78-D855D265C0BD}"/>
+                <a16:creationId xmlns:a16="http://schemas.microsoft.com/office/drawing/2014/main" xmlns="" id="{DC691E33-F611-4241-BE78-D855D265C0BD}"/>
               </a:ext>
             </a:extLst>
           </p:cNvPr>
@@ -15035,7 +15034,7 @@
           <p:cNvPr id="5" name="Text Placeholder 4">
             <a:extLst>
               <a:ext uri="{FF2B5EF4-FFF2-40B4-BE49-F238E27FC236}">
-                <a16:creationId xmlns:a16="http://schemas.microsoft.com/office/drawing/2014/main" id="{DCD9C807-6408-4D96-B053-DBDB3B44C35D}"/>
+                <a16:creationId xmlns:a16="http://schemas.microsoft.com/office/drawing/2014/main" xmlns="" id="{DCD9C807-6408-4D96-B053-DBDB3B44C35D}"/>
               </a:ext>
             </a:extLst>
           </p:cNvPr>
@@ -15106,7 +15105,7 @@
           <p:cNvPr id="6" name="Content Placeholder 5">
             <a:extLst>
               <a:ext uri="{FF2B5EF4-FFF2-40B4-BE49-F238E27FC236}">
-                <a16:creationId xmlns:a16="http://schemas.microsoft.com/office/drawing/2014/main" id="{FB8BDB55-FD39-4883-AC08-C990C56E6612}"/>
+                <a16:creationId xmlns:a16="http://schemas.microsoft.com/office/drawing/2014/main" xmlns="" id="{FB8BDB55-FD39-4883-AC08-C990C56E6612}"/>
               </a:ext>
             </a:extLst>
           </p:cNvPr>
@@ -15169,7 +15168,7 @@
           <p:cNvPr id="7" name="Date Placeholder 6">
             <a:extLst>
               <a:ext uri="{FF2B5EF4-FFF2-40B4-BE49-F238E27FC236}">
-                <a16:creationId xmlns:a16="http://schemas.microsoft.com/office/drawing/2014/main" id="{1C6402DF-2215-4CD2-8CDD-D7F43333FDDC}"/>
+                <a16:creationId xmlns:a16="http://schemas.microsoft.com/office/drawing/2014/main" xmlns="" id="{1C6402DF-2215-4CD2-8CDD-D7F43333FDDC}"/>
               </a:ext>
             </a:extLst>
           </p:cNvPr>
@@ -15197,7 +15196,7 @@
           <p:cNvPr id="8" name="Footer Placeholder 7">
             <a:extLst>
               <a:ext uri="{FF2B5EF4-FFF2-40B4-BE49-F238E27FC236}">
-                <a16:creationId xmlns:a16="http://schemas.microsoft.com/office/drawing/2014/main" id="{F8DEC84C-54F8-4052-BD55-5B1A789D3429}"/>
+                <a16:creationId xmlns:a16="http://schemas.microsoft.com/office/drawing/2014/main" xmlns="" id="{F8DEC84C-54F8-4052-BD55-5B1A789D3429}"/>
               </a:ext>
             </a:extLst>
           </p:cNvPr>
@@ -15225,7 +15224,7 @@
           <p:cNvPr id="9" name="Slide Number Placeholder 8">
             <a:extLst>
               <a:ext uri="{FF2B5EF4-FFF2-40B4-BE49-F238E27FC236}">
-                <a16:creationId xmlns:a16="http://schemas.microsoft.com/office/drawing/2014/main" id="{0444D7D6-6DF9-4DA0-85C9-5F7127EF9CF5}"/>
+                <a16:creationId xmlns:a16="http://schemas.microsoft.com/office/drawing/2014/main" xmlns="" id="{0444D7D6-6DF9-4DA0-85C9-5F7127EF9CF5}"/>
               </a:ext>
             </a:extLst>
           </p:cNvPr>
@@ -15284,7 +15283,7 @@
           <p:cNvPr id="2" name="Title 1">
             <a:extLst>
               <a:ext uri="{FF2B5EF4-FFF2-40B4-BE49-F238E27FC236}">
-                <a16:creationId xmlns:a16="http://schemas.microsoft.com/office/drawing/2014/main" id="{CEF827E2-1D5B-4507-B543-84936310706F}"/>
+                <a16:creationId xmlns:a16="http://schemas.microsoft.com/office/drawing/2014/main" xmlns="" id="{CEF827E2-1D5B-4507-B543-84936310706F}"/>
               </a:ext>
             </a:extLst>
           </p:cNvPr>
@@ -15313,7 +15312,7 @@
           <p:cNvPr id="3" name="Date Placeholder 2">
             <a:extLst>
               <a:ext uri="{FF2B5EF4-FFF2-40B4-BE49-F238E27FC236}">
-                <a16:creationId xmlns:a16="http://schemas.microsoft.com/office/drawing/2014/main" id="{EBA6D65D-D8C4-4F81-AF58-83B63151B46F}"/>
+                <a16:creationId xmlns:a16="http://schemas.microsoft.com/office/drawing/2014/main" xmlns="" id="{EBA6D65D-D8C4-4F81-AF58-83B63151B46F}"/>
               </a:ext>
             </a:extLst>
           </p:cNvPr>
@@ -15341,7 +15340,7 @@
           <p:cNvPr id="4" name="Footer Placeholder 3">
             <a:extLst>
               <a:ext uri="{FF2B5EF4-FFF2-40B4-BE49-F238E27FC236}">
-                <a16:creationId xmlns:a16="http://schemas.microsoft.com/office/drawing/2014/main" id="{A6178248-65F1-4276-A5D6-E764CA5BD92F}"/>
+                <a16:creationId xmlns:a16="http://schemas.microsoft.com/office/drawing/2014/main" xmlns="" id="{A6178248-65F1-4276-A5D6-E764CA5BD92F}"/>
               </a:ext>
             </a:extLst>
           </p:cNvPr>
@@ -15369,7 +15368,7 @@
           <p:cNvPr id="5" name="Slide Number Placeholder 4">
             <a:extLst>
               <a:ext uri="{FF2B5EF4-FFF2-40B4-BE49-F238E27FC236}">
-                <a16:creationId xmlns:a16="http://schemas.microsoft.com/office/drawing/2014/main" id="{E3184932-81C3-41E8-BB6B-D32E0A6B1361}"/>
+                <a16:creationId xmlns:a16="http://schemas.microsoft.com/office/drawing/2014/main" xmlns="" id="{E3184932-81C3-41E8-BB6B-D32E0A6B1361}"/>
               </a:ext>
             </a:extLst>
           </p:cNvPr>
@@ -15428,7 +15427,7 @@
           <p:cNvPr id="2" name="Date Placeholder 1">
             <a:extLst>
               <a:ext uri="{FF2B5EF4-FFF2-40B4-BE49-F238E27FC236}">
-                <a16:creationId xmlns:a16="http://schemas.microsoft.com/office/drawing/2014/main" id="{7DA7B4B3-1D5D-4642-951F-BE795AAE65C4}"/>
+                <a16:creationId xmlns:a16="http://schemas.microsoft.com/office/drawing/2014/main" xmlns="" id="{7DA7B4B3-1D5D-4642-951F-BE795AAE65C4}"/>
               </a:ext>
             </a:extLst>
           </p:cNvPr>
@@ -15456,7 +15455,7 @@
           <p:cNvPr id="3" name="Footer Placeholder 2">
             <a:extLst>
               <a:ext uri="{FF2B5EF4-FFF2-40B4-BE49-F238E27FC236}">
-                <a16:creationId xmlns:a16="http://schemas.microsoft.com/office/drawing/2014/main" id="{8884173B-5683-4B07-A6B6-FE65E1A82E77}"/>
+                <a16:creationId xmlns:a16="http://schemas.microsoft.com/office/drawing/2014/main" xmlns="" id="{8884173B-5683-4B07-A6B6-FE65E1A82E77}"/>
               </a:ext>
             </a:extLst>
           </p:cNvPr>
@@ -15484,7 +15483,7 @@
           <p:cNvPr id="4" name="Slide Number Placeholder 3">
             <a:extLst>
               <a:ext uri="{FF2B5EF4-FFF2-40B4-BE49-F238E27FC236}">
-                <a16:creationId xmlns:a16="http://schemas.microsoft.com/office/drawing/2014/main" id="{A3604C50-87DF-45F5-93A9-563F680A4F86}"/>
+                <a16:creationId xmlns:a16="http://schemas.microsoft.com/office/drawing/2014/main" xmlns="" id="{A3604C50-87DF-45F5-93A9-563F680A4F86}"/>
               </a:ext>
             </a:extLst>
           </p:cNvPr>
@@ -15543,7 +15542,7 @@
           <p:cNvPr id="2" name="Title 1">
             <a:extLst>
               <a:ext uri="{FF2B5EF4-FFF2-40B4-BE49-F238E27FC236}">
-                <a16:creationId xmlns:a16="http://schemas.microsoft.com/office/drawing/2014/main" id="{89DE626C-A862-4DB9-BB4B-60DFE8BAA8FD}"/>
+                <a16:creationId xmlns:a16="http://schemas.microsoft.com/office/drawing/2014/main" xmlns="" id="{89DE626C-A862-4DB9-BB4B-60DFE8BAA8FD}"/>
               </a:ext>
             </a:extLst>
           </p:cNvPr>
@@ -15581,7 +15580,7 @@
           <p:cNvPr id="3" name="Content Placeholder 2">
             <a:extLst>
               <a:ext uri="{FF2B5EF4-FFF2-40B4-BE49-F238E27FC236}">
-                <a16:creationId xmlns:a16="http://schemas.microsoft.com/office/drawing/2014/main" id="{30C8A0A6-E54D-4A23-82BB-ED65BAE64D38}"/>
+                <a16:creationId xmlns:a16="http://schemas.microsoft.com/office/drawing/2014/main" xmlns="" id="{30C8A0A6-E54D-4A23-82BB-ED65BAE64D38}"/>
               </a:ext>
             </a:extLst>
           </p:cNvPr>
@@ -15672,7 +15671,7 @@
           <p:cNvPr id="4" name="Text Placeholder 3">
             <a:extLst>
               <a:ext uri="{FF2B5EF4-FFF2-40B4-BE49-F238E27FC236}">
-                <a16:creationId xmlns:a16="http://schemas.microsoft.com/office/drawing/2014/main" id="{F974B46C-C7A3-468B-9B6D-13DBE08782F6}"/>
+                <a16:creationId xmlns:a16="http://schemas.microsoft.com/office/drawing/2014/main" xmlns="" id="{F974B46C-C7A3-468B-9B6D-13DBE08782F6}"/>
               </a:ext>
             </a:extLst>
           </p:cNvPr>
@@ -15743,7 +15742,7 @@
           <p:cNvPr id="5" name="Date Placeholder 4">
             <a:extLst>
               <a:ext uri="{FF2B5EF4-FFF2-40B4-BE49-F238E27FC236}">
-                <a16:creationId xmlns:a16="http://schemas.microsoft.com/office/drawing/2014/main" id="{3A0DEE69-0C06-40B4-A585-623689A0E1B7}"/>
+                <a16:creationId xmlns:a16="http://schemas.microsoft.com/office/drawing/2014/main" xmlns="" id="{3A0DEE69-0C06-40B4-A585-623689A0E1B7}"/>
               </a:ext>
             </a:extLst>
           </p:cNvPr>
@@ -15771,7 +15770,7 @@
           <p:cNvPr id="6" name="Footer Placeholder 5">
             <a:extLst>
               <a:ext uri="{FF2B5EF4-FFF2-40B4-BE49-F238E27FC236}">
-                <a16:creationId xmlns:a16="http://schemas.microsoft.com/office/drawing/2014/main" id="{7DC33A2F-2971-4E6B-BEE2-98ECF3481927}"/>
+                <a16:creationId xmlns:a16="http://schemas.microsoft.com/office/drawing/2014/main" xmlns="" id="{7DC33A2F-2971-4E6B-BEE2-98ECF3481927}"/>
               </a:ext>
             </a:extLst>
           </p:cNvPr>
@@ -15799,7 +15798,7 @@
           <p:cNvPr id="7" name="Slide Number Placeholder 6">
             <a:extLst>
               <a:ext uri="{FF2B5EF4-FFF2-40B4-BE49-F238E27FC236}">
-                <a16:creationId xmlns:a16="http://schemas.microsoft.com/office/drawing/2014/main" id="{A0E8ED68-03D2-4B6B-9D83-4B8C7798C47E}"/>
+                <a16:creationId xmlns:a16="http://schemas.microsoft.com/office/drawing/2014/main" xmlns="" id="{A0E8ED68-03D2-4B6B-9D83-4B8C7798C47E}"/>
               </a:ext>
             </a:extLst>
           </p:cNvPr>
@@ -15858,7 +15857,7 @@
           <p:cNvPr id="2" name="Title 1">
             <a:extLst>
               <a:ext uri="{FF2B5EF4-FFF2-40B4-BE49-F238E27FC236}">
-                <a16:creationId xmlns:a16="http://schemas.microsoft.com/office/drawing/2014/main" id="{590B7302-973C-43E2-8266-EB309C74CAE0}"/>
+                <a16:creationId xmlns:a16="http://schemas.microsoft.com/office/drawing/2014/main" xmlns="" id="{590B7302-973C-43E2-8266-EB309C74CAE0}"/>
               </a:ext>
             </a:extLst>
           </p:cNvPr>
@@ -15896,7 +15895,7 @@
           <p:cNvPr id="3" name="Picture Placeholder 2">
             <a:extLst>
               <a:ext uri="{FF2B5EF4-FFF2-40B4-BE49-F238E27FC236}">
-                <a16:creationId xmlns:a16="http://schemas.microsoft.com/office/drawing/2014/main" id="{0BB4836D-2B27-4E99-A4E9-44E63B07037A}"/>
+                <a16:creationId xmlns:a16="http://schemas.microsoft.com/office/drawing/2014/main" xmlns="" id="{0BB4836D-2B27-4E99-A4E9-44E63B07037A}"/>
               </a:ext>
             </a:extLst>
           </p:cNvPr>
@@ -15963,7 +15962,7 @@
           <p:cNvPr id="4" name="Text Placeholder 3">
             <a:extLst>
               <a:ext uri="{FF2B5EF4-FFF2-40B4-BE49-F238E27FC236}">
-                <a16:creationId xmlns:a16="http://schemas.microsoft.com/office/drawing/2014/main" id="{7E6EB6B5-C561-4656-9550-3F6CDD14D15F}"/>
+                <a16:creationId xmlns:a16="http://schemas.microsoft.com/office/drawing/2014/main" xmlns="" id="{7E6EB6B5-C561-4656-9550-3F6CDD14D15F}"/>
               </a:ext>
             </a:extLst>
           </p:cNvPr>
@@ -16034,7 +16033,7 @@
           <p:cNvPr id="5" name="Date Placeholder 4">
             <a:extLst>
               <a:ext uri="{FF2B5EF4-FFF2-40B4-BE49-F238E27FC236}">
-                <a16:creationId xmlns:a16="http://schemas.microsoft.com/office/drawing/2014/main" id="{B2403665-2894-4978-BE66-31EBAF67ADD9}"/>
+                <a16:creationId xmlns:a16="http://schemas.microsoft.com/office/drawing/2014/main" xmlns="" id="{B2403665-2894-4978-BE66-31EBAF67ADD9}"/>
               </a:ext>
             </a:extLst>
           </p:cNvPr>
@@ -16062,7 +16061,7 @@
           <p:cNvPr id="6" name="Footer Placeholder 5">
             <a:extLst>
               <a:ext uri="{FF2B5EF4-FFF2-40B4-BE49-F238E27FC236}">
-                <a16:creationId xmlns:a16="http://schemas.microsoft.com/office/drawing/2014/main" id="{CB79DDA8-96EB-4C77-B5AA-536AAD6A1C2C}"/>
+                <a16:creationId xmlns:a16="http://schemas.microsoft.com/office/drawing/2014/main" xmlns="" id="{CB79DDA8-96EB-4C77-B5AA-536AAD6A1C2C}"/>
               </a:ext>
             </a:extLst>
           </p:cNvPr>
@@ -16090,7 +16089,7 @@
           <p:cNvPr id="7" name="Slide Number Placeholder 6">
             <a:extLst>
               <a:ext uri="{FF2B5EF4-FFF2-40B4-BE49-F238E27FC236}">
-                <a16:creationId xmlns:a16="http://schemas.microsoft.com/office/drawing/2014/main" id="{99887644-4078-46FE-AFB7-670AAA65DFEC}"/>
+                <a16:creationId xmlns:a16="http://schemas.microsoft.com/office/drawing/2014/main" xmlns="" id="{99887644-4078-46FE-AFB7-670AAA65DFEC}"/>
               </a:ext>
             </a:extLst>
           </p:cNvPr>
@@ -16149,7 +16148,7 @@
           <p:cNvPr id="2" name="Title 1">
             <a:extLst>
               <a:ext uri="{FF2B5EF4-FFF2-40B4-BE49-F238E27FC236}">
-                <a16:creationId xmlns:a16="http://schemas.microsoft.com/office/drawing/2014/main" id="{F5979442-03EA-4EBA-BD35-CB21398A83A0}"/>
+                <a16:creationId xmlns:a16="http://schemas.microsoft.com/office/drawing/2014/main" xmlns="" id="{F5979442-03EA-4EBA-BD35-CB21398A83A0}"/>
               </a:ext>
             </a:extLst>
           </p:cNvPr>
@@ -16178,7 +16177,7 @@
           <p:cNvPr id="3" name="Vertical Text Placeholder 2">
             <a:extLst>
               <a:ext uri="{FF2B5EF4-FFF2-40B4-BE49-F238E27FC236}">
-                <a16:creationId xmlns:a16="http://schemas.microsoft.com/office/drawing/2014/main" id="{3027FAED-F90B-411D-9103-FB91E40E2E81}"/>
+                <a16:creationId xmlns:a16="http://schemas.microsoft.com/office/drawing/2014/main" xmlns="" id="{3027FAED-F90B-411D-9103-FB91E40E2E81}"/>
               </a:ext>
             </a:extLst>
           </p:cNvPr>
@@ -16236,7 +16235,7 @@
           <p:cNvPr id="4" name="Date Placeholder 3">
             <a:extLst>
               <a:ext uri="{FF2B5EF4-FFF2-40B4-BE49-F238E27FC236}">
-                <a16:creationId xmlns:a16="http://schemas.microsoft.com/office/drawing/2014/main" id="{448AA73C-A629-4F94-AC74-6BE10A9D2661}"/>
+                <a16:creationId xmlns:a16="http://schemas.microsoft.com/office/drawing/2014/main" xmlns="" id="{448AA73C-A629-4F94-AC74-6BE10A9D2661}"/>
               </a:ext>
             </a:extLst>
           </p:cNvPr>
@@ -16264,7 +16263,7 @@
           <p:cNvPr id="5" name="Footer Placeholder 4">
             <a:extLst>
               <a:ext uri="{FF2B5EF4-FFF2-40B4-BE49-F238E27FC236}">
-                <a16:creationId xmlns:a16="http://schemas.microsoft.com/office/drawing/2014/main" id="{11AFB4C5-DC5C-4E0B-A30A-B3E2C65006F8}"/>
+                <a16:creationId xmlns:a16="http://schemas.microsoft.com/office/drawing/2014/main" xmlns="" id="{11AFB4C5-DC5C-4E0B-A30A-B3E2C65006F8}"/>
               </a:ext>
             </a:extLst>
           </p:cNvPr>
@@ -16292,7 +16291,7 @@
           <p:cNvPr id="6" name="Slide Number Placeholder 5">
             <a:extLst>
               <a:ext uri="{FF2B5EF4-FFF2-40B4-BE49-F238E27FC236}">
-                <a16:creationId xmlns:a16="http://schemas.microsoft.com/office/drawing/2014/main" id="{BA60360F-588E-4EC9-8B45-836F48AC3064}"/>
+                <a16:creationId xmlns:a16="http://schemas.microsoft.com/office/drawing/2014/main" xmlns="" id="{BA60360F-588E-4EC9-8B45-836F48AC3064}"/>
               </a:ext>
             </a:extLst>
           </p:cNvPr>
@@ -16351,7 +16350,7 @@
           <p:cNvPr id="2" name="Vertical Title 1">
             <a:extLst>
               <a:ext uri="{FF2B5EF4-FFF2-40B4-BE49-F238E27FC236}">
-                <a16:creationId xmlns:a16="http://schemas.microsoft.com/office/drawing/2014/main" id="{37030969-C7E9-4B4B-AF99-D36C9DDF4398}"/>
+                <a16:creationId xmlns:a16="http://schemas.microsoft.com/office/drawing/2014/main" xmlns="" id="{37030969-C7E9-4B4B-AF99-D36C9DDF4398}"/>
               </a:ext>
             </a:extLst>
           </p:cNvPr>
@@ -16385,7 +16384,7 @@
           <p:cNvPr id="3" name="Vertical Text Placeholder 2">
             <a:extLst>
               <a:ext uri="{FF2B5EF4-FFF2-40B4-BE49-F238E27FC236}">
-                <a16:creationId xmlns:a16="http://schemas.microsoft.com/office/drawing/2014/main" id="{31BD9FE5-2ED8-4149-8CAD-50697597EE3C}"/>
+                <a16:creationId xmlns:a16="http://schemas.microsoft.com/office/drawing/2014/main" xmlns="" id="{31BD9FE5-2ED8-4149-8CAD-50697597EE3C}"/>
               </a:ext>
             </a:extLst>
           </p:cNvPr>
@@ -16448,7 +16447,7 @@
           <p:cNvPr id="4" name="Date Placeholder 3">
             <a:extLst>
               <a:ext uri="{FF2B5EF4-FFF2-40B4-BE49-F238E27FC236}">
-                <a16:creationId xmlns:a16="http://schemas.microsoft.com/office/drawing/2014/main" id="{8E2818A7-EBD8-420F-9988-4CA46CC2962D}"/>
+                <a16:creationId xmlns:a16="http://schemas.microsoft.com/office/drawing/2014/main" xmlns="" id="{8E2818A7-EBD8-420F-9988-4CA46CC2962D}"/>
               </a:ext>
             </a:extLst>
           </p:cNvPr>
@@ -16476,7 +16475,7 @@
           <p:cNvPr id="5" name="Footer Placeholder 4">
             <a:extLst>
               <a:ext uri="{FF2B5EF4-FFF2-40B4-BE49-F238E27FC236}">
-                <a16:creationId xmlns:a16="http://schemas.microsoft.com/office/drawing/2014/main" id="{0EA8B38A-E7CA-4BB1-BED4-A750E07D50E9}"/>
+                <a16:creationId xmlns:a16="http://schemas.microsoft.com/office/drawing/2014/main" xmlns="" id="{0EA8B38A-E7CA-4BB1-BED4-A750E07D50E9}"/>
               </a:ext>
             </a:extLst>
           </p:cNvPr>
@@ -16504,7 +16503,7 @@
           <p:cNvPr id="6" name="Slide Number Placeholder 5">
             <a:extLst>
               <a:ext uri="{FF2B5EF4-FFF2-40B4-BE49-F238E27FC236}">
-                <a16:creationId xmlns:a16="http://schemas.microsoft.com/office/drawing/2014/main" id="{137CEC92-5AB4-4AA4-9949-EE34922FC12D}"/>
+                <a16:creationId xmlns:a16="http://schemas.microsoft.com/office/drawing/2014/main" xmlns="" id="{137CEC92-5AB4-4AA4-9949-EE34922FC12D}"/>
               </a:ext>
             </a:extLst>
           </p:cNvPr>
@@ -16563,7 +16562,7 @@
           <p:cNvPr id="2" name="Title 1">
             <a:extLst>
               <a:ext uri="{FF2B5EF4-FFF2-40B4-BE49-F238E27FC236}">
-                <a16:creationId xmlns:a16="http://schemas.microsoft.com/office/drawing/2014/main" id="{74A03561-673B-4EE8-978F-778E47A1D172}"/>
+                <a16:creationId xmlns:a16="http://schemas.microsoft.com/office/drawing/2014/main" xmlns="" id="{74A03561-673B-4EE8-978F-778E47A1D172}"/>
               </a:ext>
             </a:extLst>
           </p:cNvPr>
@@ -16601,7 +16600,7 @@
           <p:cNvPr id="3" name="Subtitle 2">
             <a:extLst>
               <a:ext uri="{FF2B5EF4-FFF2-40B4-BE49-F238E27FC236}">
-                <a16:creationId xmlns:a16="http://schemas.microsoft.com/office/drawing/2014/main" id="{389A1386-B307-45AC-AD3D-9794754A881C}"/>
+                <a16:creationId xmlns:a16="http://schemas.microsoft.com/office/drawing/2014/main" xmlns="" id="{389A1386-B307-45AC-AD3D-9794754A881C}"/>
               </a:ext>
             </a:extLst>
           </p:cNvPr>
@@ -16672,7 +16671,7 @@
           <p:cNvPr id="4" name="Date Placeholder 3">
             <a:extLst>
               <a:ext uri="{FF2B5EF4-FFF2-40B4-BE49-F238E27FC236}">
-                <a16:creationId xmlns:a16="http://schemas.microsoft.com/office/drawing/2014/main" id="{7A5F9F07-DA9D-4DE4-8ED5-7F4D5879A178}"/>
+                <a16:creationId xmlns:a16="http://schemas.microsoft.com/office/drawing/2014/main" xmlns="" id="{7A5F9F07-DA9D-4DE4-8ED5-7F4D5879A178}"/>
               </a:ext>
             </a:extLst>
           </p:cNvPr>
@@ -16700,7 +16699,7 @@
           <p:cNvPr id="5" name="Footer Placeholder 4">
             <a:extLst>
               <a:ext uri="{FF2B5EF4-FFF2-40B4-BE49-F238E27FC236}">
-                <a16:creationId xmlns:a16="http://schemas.microsoft.com/office/drawing/2014/main" id="{CBB2CE29-745B-4D03-ACD9-7CABACFB8FA1}"/>
+                <a16:creationId xmlns:a16="http://schemas.microsoft.com/office/drawing/2014/main" xmlns="" id="{CBB2CE29-745B-4D03-ACD9-7CABACFB8FA1}"/>
               </a:ext>
             </a:extLst>
           </p:cNvPr>
@@ -16728,7 +16727,7 @@
           <p:cNvPr id="6" name="Slide Number Placeholder 5">
             <a:extLst>
               <a:ext uri="{FF2B5EF4-FFF2-40B4-BE49-F238E27FC236}">
-                <a16:creationId xmlns:a16="http://schemas.microsoft.com/office/drawing/2014/main" id="{A3564628-0188-41B4-9B1D-86E2EBE2B198}"/>
+                <a16:creationId xmlns:a16="http://schemas.microsoft.com/office/drawing/2014/main" xmlns="" id="{A3564628-0188-41B4-9B1D-86E2EBE2B198}"/>
               </a:ext>
             </a:extLst>
           </p:cNvPr>
@@ -16787,7 +16786,7 @@
           <p:cNvPr id="2" name="Title 1">
             <a:extLst>
               <a:ext uri="{FF2B5EF4-FFF2-40B4-BE49-F238E27FC236}">
-                <a16:creationId xmlns:a16="http://schemas.microsoft.com/office/drawing/2014/main" id="{EF733AD1-3BE1-4012-B7D3-21ACB8F3C7E9}"/>
+                <a16:creationId xmlns:a16="http://schemas.microsoft.com/office/drawing/2014/main" xmlns="" id="{EF733AD1-3BE1-4012-B7D3-21ACB8F3C7E9}"/>
               </a:ext>
             </a:extLst>
           </p:cNvPr>
@@ -16816,7 +16815,7 @@
           <p:cNvPr id="3" name="Content Placeholder 2">
             <a:extLst>
               <a:ext uri="{FF2B5EF4-FFF2-40B4-BE49-F238E27FC236}">
-                <a16:creationId xmlns:a16="http://schemas.microsoft.com/office/drawing/2014/main" id="{CA67E07B-2B87-4660-98AE-49C3C9BF87FB}"/>
+                <a16:creationId xmlns:a16="http://schemas.microsoft.com/office/drawing/2014/main" xmlns="" id="{CA67E07B-2B87-4660-98AE-49C3C9BF87FB}"/>
               </a:ext>
             </a:extLst>
           </p:cNvPr>
@@ -16874,7 +16873,7 @@
           <p:cNvPr id="4" name="Date Placeholder 3">
             <a:extLst>
               <a:ext uri="{FF2B5EF4-FFF2-40B4-BE49-F238E27FC236}">
-                <a16:creationId xmlns:a16="http://schemas.microsoft.com/office/drawing/2014/main" id="{F7690054-2CF0-42DF-B9E2-37B997E17E7A}"/>
+                <a16:creationId xmlns:a16="http://schemas.microsoft.com/office/drawing/2014/main" xmlns="" id="{F7690054-2CF0-42DF-B9E2-37B997E17E7A}"/>
               </a:ext>
             </a:extLst>
           </p:cNvPr>
@@ -16902,7 +16901,7 @@
           <p:cNvPr id="5" name="Footer Placeholder 4">
             <a:extLst>
               <a:ext uri="{FF2B5EF4-FFF2-40B4-BE49-F238E27FC236}">
-                <a16:creationId xmlns:a16="http://schemas.microsoft.com/office/drawing/2014/main" id="{DE809ECF-0791-404B-BAF8-B56F439CBA0A}"/>
+                <a16:creationId xmlns:a16="http://schemas.microsoft.com/office/drawing/2014/main" xmlns="" id="{DE809ECF-0791-404B-BAF8-B56F439CBA0A}"/>
               </a:ext>
             </a:extLst>
           </p:cNvPr>
@@ -16930,7 +16929,7 @@
           <p:cNvPr id="6" name="Slide Number Placeholder 5">
             <a:extLst>
               <a:ext uri="{FF2B5EF4-FFF2-40B4-BE49-F238E27FC236}">
-                <a16:creationId xmlns:a16="http://schemas.microsoft.com/office/drawing/2014/main" id="{358CC913-DB14-4561-968C-E56583E216B2}"/>
+                <a16:creationId xmlns:a16="http://schemas.microsoft.com/office/drawing/2014/main" xmlns="" id="{358CC913-DB14-4561-968C-E56583E216B2}"/>
               </a:ext>
             </a:extLst>
           </p:cNvPr>
@@ -16989,7 +16988,7 @@
           <p:cNvPr id="2" name="Title 1">
             <a:extLst>
               <a:ext uri="{FF2B5EF4-FFF2-40B4-BE49-F238E27FC236}">
-                <a16:creationId xmlns:a16="http://schemas.microsoft.com/office/drawing/2014/main" id="{CEF827E2-1D5B-4507-B543-84936310706F}"/>
+                <a16:creationId xmlns:a16="http://schemas.microsoft.com/office/drawing/2014/main" xmlns="" id="{CEF827E2-1D5B-4507-B543-84936310706F}"/>
               </a:ext>
             </a:extLst>
           </p:cNvPr>
@@ -17026,7 +17025,7 @@
           <p:cNvPr id="3" name="Date Placeholder 2">
             <a:extLst>
               <a:ext uri="{FF2B5EF4-FFF2-40B4-BE49-F238E27FC236}">
-                <a16:creationId xmlns:a16="http://schemas.microsoft.com/office/drawing/2014/main" id="{EBA6D65D-D8C4-4F81-AF58-83B63151B46F}"/>
+                <a16:creationId xmlns:a16="http://schemas.microsoft.com/office/drawing/2014/main" xmlns="" id="{EBA6D65D-D8C4-4F81-AF58-83B63151B46F}"/>
               </a:ext>
             </a:extLst>
           </p:cNvPr>
@@ -17062,7 +17061,7 @@
           <p:cNvPr id="4" name="Footer Placeholder 3">
             <a:extLst>
               <a:ext uri="{FF2B5EF4-FFF2-40B4-BE49-F238E27FC236}">
-                <a16:creationId xmlns:a16="http://schemas.microsoft.com/office/drawing/2014/main" id="{A6178248-65F1-4276-A5D6-E764CA5BD92F}"/>
+                <a16:creationId xmlns:a16="http://schemas.microsoft.com/office/drawing/2014/main" xmlns="" id="{A6178248-65F1-4276-A5D6-E764CA5BD92F}"/>
               </a:ext>
             </a:extLst>
           </p:cNvPr>
@@ -17098,7 +17097,7 @@
           <p:cNvPr id="5" name="Slide Number Placeholder 4">
             <a:extLst>
               <a:ext uri="{FF2B5EF4-FFF2-40B4-BE49-F238E27FC236}">
-                <a16:creationId xmlns:a16="http://schemas.microsoft.com/office/drawing/2014/main" id="{E3184932-81C3-41E8-BB6B-D32E0A6B1361}"/>
+                <a16:creationId xmlns:a16="http://schemas.microsoft.com/office/drawing/2014/main" xmlns="" id="{E3184932-81C3-41E8-BB6B-D32E0A6B1361}"/>
               </a:ext>
             </a:extLst>
           </p:cNvPr>
@@ -17157,7 +17156,7 @@
           <p:cNvPr id="2" name="Title 1">
             <a:extLst>
               <a:ext uri="{FF2B5EF4-FFF2-40B4-BE49-F238E27FC236}">
-                <a16:creationId xmlns:a16="http://schemas.microsoft.com/office/drawing/2014/main" id="{C1C86B2F-0E0C-4BF3-8BC9-6DA878858FEC}"/>
+                <a16:creationId xmlns:a16="http://schemas.microsoft.com/office/drawing/2014/main" xmlns="" id="{C1C86B2F-0E0C-4BF3-8BC9-6DA878858FEC}"/>
               </a:ext>
             </a:extLst>
           </p:cNvPr>
@@ -17195,7 +17194,7 @@
           <p:cNvPr id="3" name="Text Placeholder 2">
             <a:extLst>
               <a:ext uri="{FF2B5EF4-FFF2-40B4-BE49-F238E27FC236}">
-                <a16:creationId xmlns:a16="http://schemas.microsoft.com/office/drawing/2014/main" id="{8A220467-6566-4D6B-9B1F-9E7961580019}"/>
+                <a16:creationId xmlns:a16="http://schemas.microsoft.com/office/drawing/2014/main" xmlns="" id="{8A220467-6566-4D6B-9B1F-9E7961580019}"/>
               </a:ext>
             </a:extLst>
           </p:cNvPr>
@@ -17320,7 +17319,7 @@
           <p:cNvPr id="4" name="Date Placeholder 3">
             <a:extLst>
               <a:ext uri="{FF2B5EF4-FFF2-40B4-BE49-F238E27FC236}">
-                <a16:creationId xmlns:a16="http://schemas.microsoft.com/office/drawing/2014/main" id="{F4579452-A5C9-4A8F-B2B1-22BC1F7CF1D2}"/>
+                <a16:creationId xmlns:a16="http://schemas.microsoft.com/office/drawing/2014/main" xmlns="" id="{F4579452-A5C9-4A8F-B2B1-22BC1F7CF1D2}"/>
               </a:ext>
             </a:extLst>
           </p:cNvPr>
@@ -17348,7 +17347,7 @@
           <p:cNvPr id="5" name="Footer Placeholder 4">
             <a:extLst>
               <a:ext uri="{FF2B5EF4-FFF2-40B4-BE49-F238E27FC236}">
-                <a16:creationId xmlns:a16="http://schemas.microsoft.com/office/drawing/2014/main" id="{10BE6889-122E-4368-857E-50E45328CCEF}"/>
+                <a16:creationId xmlns:a16="http://schemas.microsoft.com/office/drawing/2014/main" xmlns="" id="{10BE6889-122E-4368-857E-50E45328CCEF}"/>
               </a:ext>
             </a:extLst>
           </p:cNvPr>
@@ -17376,7 +17375,7 @@
           <p:cNvPr id="6" name="Slide Number Placeholder 5">
             <a:extLst>
               <a:ext uri="{FF2B5EF4-FFF2-40B4-BE49-F238E27FC236}">
-                <a16:creationId xmlns:a16="http://schemas.microsoft.com/office/drawing/2014/main" id="{3DBC5090-3C58-4AF7-AB6C-1512E4E7D753}"/>
+                <a16:creationId xmlns:a16="http://schemas.microsoft.com/office/drawing/2014/main" xmlns="" id="{3DBC5090-3C58-4AF7-AB6C-1512E4E7D753}"/>
               </a:ext>
             </a:extLst>
           </p:cNvPr>
@@ -17435,7 +17434,7 @@
           <p:cNvPr id="2" name="Title 1">
             <a:extLst>
               <a:ext uri="{FF2B5EF4-FFF2-40B4-BE49-F238E27FC236}">
-                <a16:creationId xmlns:a16="http://schemas.microsoft.com/office/drawing/2014/main" id="{23D28DB5-4F75-472B-B8C6-4927BCA01A1C}"/>
+                <a16:creationId xmlns:a16="http://schemas.microsoft.com/office/drawing/2014/main" xmlns="" id="{23D28DB5-4F75-472B-B8C6-4927BCA01A1C}"/>
               </a:ext>
             </a:extLst>
           </p:cNvPr>
@@ -17464,7 +17463,7 @@
           <p:cNvPr id="3" name="Content Placeholder 2">
             <a:extLst>
               <a:ext uri="{FF2B5EF4-FFF2-40B4-BE49-F238E27FC236}">
-                <a16:creationId xmlns:a16="http://schemas.microsoft.com/office/drawing/2014/main" id="{3771CBFF-9052-4837-AFCC-6EF3B63BE8C3}"/>
+                <a16:creationId xmlns:a16="http://schemas.microsoft.com/office/drawing/2014/main" xmlns="" id="{3771CBFF-9052-4837-AFCC-6EF3B63BE8C3}"/>
               </a:ext>
             </a:extLst>
           </p:cNvPr>
@@ -17527,7 +17526,7 @@
           <p:cNvPr id="4" name="Content Placeholder 3">
             <a:extLst>
               <a:ext uri="{FF2B5EF4-FFF2-40B4-BE49-F238E27FC236}">
-                <a16:creationId xmlns:a16="http://schemas.microsoft.com/office/drawing/2014/main" id="{165C4696-FCB5-48F7-BC9E-8249CD7DAFBF}"/>
+                <a16:creationId xmlns:a16="http://schemas.microsoft.com/office/drawing/2014/main" xmlns="" id="{165C4696-FCB5-48F7-BC9E-8249CD7DAFBF}"/>
               </a:ext>
             </a:extLst>
           </p:cNvPr>
@@ -17590,7 +17589,7 @@
           <p:cNvPr id="5" name="Date Placeholder 4">
             <a:extLst>
               <a:ext uri="{FF2B5EF4-FFF2-40B4-BE49-F238E27FC236}">
-                <a16:creationId xmlns:a16="http://schemas.microsoft.com/office/drawing/2014/main" id="{88044935-68A4-4F9E-B7BE-20DAFDD1A3FA}"/>
+                <a16:creationId xmlns:a16="http://schemas.microsoft.com/office/drawing/2014/main" xmlns="" id="{88044935-68A4-4F9E-B7BE-20DAFDD1A3FA}"/>
               </a:ext>
             </a:extLst>
           </p:cNvPr>
@@ -17618,7 +17617,7 @@
           <p:cNvPr id="6" name="Footer Placeholder 5">
             <a:extLst>
               <a:ext uri="{FF2B5EF4-FFF2-40B4-BE49-F238E27FC236}">
-                <a16:creationId xmlns:a16="http://schemas.microsoft.com/office/drawing/2014/main" id="{82D2F816-2A4F-425E-BE9A-760FAFD9017D}"/>
+                <a16:creationId xmlns:a16="http://schemas.microsoft.com/office/drawing/2014/main" xmlns="" id="{82D2F816-2A4F-425E-BE9A-760FAFD9017D}"/>
               </a:ext>
             </a:extLst>
           </p:cNvPr>
@@ -17646,7 +17645,7 @@
           <p:cNvPr id="7" name="Slide Number Placeholder 6">
             <a:extLst>
               <a:ext uri="{FF2B5EF4-FFF2-40B4-BE49-F238E27FC236}">
-                <a16:creationId xmlns:a16="http://schemas.microsoft.com/office/drawing/2014/main" id="{5559C903-9DE6-4C9F-A99F-9858910C5A64}"/>
+                <a16:creationId xmlns:a16="http://schemas.microsoft.com/office/drawing/2014/main" xmlns="" id="{5559C903-9DE6-4C9F-A99F-9858910C5A64}"/>
               </a:ext>
             </a:extLst>
           </p:cNvPr>
@@ -17705,7 +17704,7 @@
           <p:cNvPr id="2" name="Title 1">
             <a:extLst>
               <a:ext uri="{FF2B5EF4-FFF2-40B4-BE49-F238E27FC236}">
-                <a16:creationId xmlns:a16="http://schemas.microsoft.com/office/drawing/2014/main" id="{9BDF2350-6224-47D3-82DC-AE239E37324F}"/>
+                <a16:creationId xmlns:a16="http://schemas.microsoft.com/office/drawing/2014/main" xmlns="" id="{9BDF2350-6224-47D3-82DC-AE239E37324F}"/>
               </a:ext>
             </a:extLst>
           </p:cNvPr>
@@ -17739,7 +17738,7 @@
           <p:cNvPr id="3" name="Text Placeholder 2">
             <a:extLst>
               <a:ext uri="{FF2B5EF4-FFF2-40B4-BE49-F238E27FC236}">
-                <a16:creationId xmlns:a16="http://schemas.microsoft.com/office/drawing/2014/main" id="{7AB9E4D6-E38A-4E18-A7B7-73C8142E9F6A}"/>
+                <a16:creationId xmlns:a16="http://schemas.microsoft.com/office/drawing/2014/main" xmlns="" id="{7AB9E4D6-E38A-4E18-A7B7-73C8142E9F6A}"/>
               </a:ext>
             </a:extLst>
           </p:cNvPr>
@@ -17810,7 +17809,7 @@
           <p:cNvPr id="4" name="Content Placeholder 3">
             <a:extLst>
               <a:ext uri="{FF2B5EF4-FFF2-40B4-BE49-F238E27FC236}">
-                <a16:creationId xmlns:a16="http://schemas.microsoft.com/office/drawing/2014/main" id="{ECAE4A65-E4C0-416F-905C-75B76928280E}"/>
+                <a16:creationId xmlns:a16="http://schemas.microsoft.com/office/drawing/2014/main" xmlns="" id="{ECAE4A65-E4C0-416F-905C-75B76928280E}"/>
               </a:ext>
             </a:extLst>
           </p:cNvPr>
@@ -17873,7 +17872,7 @@
           <p:cNvPr id="5" name="Text Placeholder 4">
             <a:extLst>
               <a:ext uri="{FF2B5EF4-FFF2-40B4-BE49-F238E27FC236}">
-                <a16:creationId xmlns:a16="http://schemas.microsoft.com/office/drawing/2014/main" id="{F0C5ED7C-DCFE-4FA1-982C-124F27C3918C}"/>
+                <a16:creationId xmlns:a16="http://schemas.microsoft.com/office/drawing/2014/main" xmlns="" id="{F0C5ED7C-DCFE-4FA1-982C-124F27C3918C}"/>
               </a:ext>
             </a:extLst>
           </p:cNvPr>
@@ -17944,7 +17943,7 @@
           <p:cNvPr id="6" name="Content Placeholder 5">
             <a:extLst>
               <a:ext uri="{FF2B5EF4-FFF2-40B4-BE49-F238E27FC236}">
-                <a16:creationId xmlns:a16="http://schemas.microsoft.com/office/drawing/2014/main" id="{BC2E85FD-18C9-4042-B24E-316A616C60C0}"/>
+                <a16:creationId xmlns:a16="http://schemas.microsoft.com/office/drawing/2014/main" xmlns="" id="{BC2E85FD-18C9-4042-B24E-316A616C60C0}"/>
               </a:ext>
             </a:extLst>
           </p:cNvPr>
@@ -18007,7 +18006,7 @@
           <p:cNvPr id="7" name="Date Placeholder 6">
             <a:extLst>
               <a:ext uri="{FF2B5EF4-FFF2-40B4-BE49-F238E27FC236}">
-                <a16:creationId xmlns:a16="http://schemas.microsoft.com/office/drawing/2014/main" id="{A7F33DAA-361D-42FD-A121-FFFC86F1DF39}"/>
+                <a16:creationId xmlns:a16="http://schemas.microsoft.com/office/drawing/2014/main" xmlns="" id="{A7F33DAA-361D-42FD-A121-FFFC86F1DF39}"/>
               </a:ext>
             </a:extLst>
           </p:cNvPr>
@@ -18035,7 +18034,7 @@
           <p:cNvPr id="8" name="Footer Placeholder 7">
             <a:extLst>
               <a:ext uri="{FF2B5EF4-FFF2-40B4-BE49-F238E27FC236}">
-                <a16:creationId xmlns:a16="http://schemas.microsoft.com/office/drawing/2014/main" id="{591B2D77-4C20-48C1-86AA-35588318CE6A}"/>
+                <a16:creationId xmlns:a16="http://schemas.microsoft.com/office/drawing/2014/main" xmlns="" id="{591B2D77-4C20-48C1-86AA-35588318CE6A}"/>
               </a:ext>
             </a:extLst>
           </p:cNvPr>
@@ -18063,7 +18062,7 @@
           <p:cNvPr id="9" name="Slide Number Placeholder 8">
             <a:extLst>
               <a:ext uri="{FF2B5EF4-FFF2-40B4-BE49-F238E27FC236}">
-                <a16:creationId xmlns:a16="http://schemas.microsoft.com/office/drawing/2014/main" id="{61BFB683-ECC0-4FD0-BE82-55517AE12233}"/>
+                <a16:creationId xmlns:a16="http://schemas.microsoft.com/office/drawing/2014/main" xmlns="" id="{61BFB683-ECC0-4FD0-BE82-55517AE12233}"/>
               </a:ext>
             </a:extLst>
           </p:cNvPr>
@@ -18122,7 +18121,7 @@
           <p:cNvPr id="2" name="Title 1">
             <a:extLst>
               <a:ext uri="{FF2B5EF4-FFF2-40B4-BE49-F238E27FC236}">
-                <a16:creationId xmlns:a16="http://schemas.microsoft.com/office/drawing/2014/main" id="{25280A49-D7C9-47AB-AD25-697B22C703E9}"/>
+                <a16:creationId xmlns:a16="http://schemas.microsoft.com/office/drawing/2014/main" xmlns="" id="{25280A49-D7C9-47AB-AD25-697B22C703E9}"/>
               </a:ext>
             </a:extLst>
           </p:cNvPr>
@@ -18151,7 +18150,7 @@
           <p:cNvPr id="3" name="Date Placeholder 2">
             <a:extLst>
               <a:ext uri="{FF2B5EF4-FFF2-40B4-BE49-F238E27FC236}">
-                <a16:creationId xmlns:a16="http://schemas.microsoft.com/office/drawing/2014/main" id="{B7A01FE6-976C-4C1E-8158-09A88B7AE1F4}"/>
+                <a16:creationId xmlns:a16="http://schemas.microsoft.com/office/drawing/2014/main" xmlns="" id="{B7A01FE6-976C-4C1E-8158-09A88B7AE1F4}"/>
               </a:ext>
             </a:extLst>
           </p:cNvPr>
@@ -18179,7 +18178,7 @@
           <p:cNvPr id="4" name="Footer Placeholder 3">
             <a:extLst>
               <a:ext uri="{FF2B5EF4-FFF2-40B4-BE49-F238E27FC236}">
-                <a16:creationId xmlns:a16="http://schemas.microsoft.com/office/drawing/2014/main" id="{0205F8D8-64EA-428C-B1D8-1FB5BB991307}"/>
+                <a16:creationId xmlns:a16="http://schemas.microsoft.com/office/drawing/2014/main" xmlns="" id="{0205F8D8-64EA-428C-B1D8-1FB5BB991307}"/>
               </a:ext>
             </a:extLst>
           </p:cNvPr>
@@ -18207,7 +18206,7 @@
           <p:cNvPr id="5" name="Slide Number Placeholder 4">
             <a:extLst>
               <a:ext uri="{FF2B5EF4-FFF2-40B4-BE49-F238E27FC236}">
-                <a16:creationId xmlns:a16="http://schemas.microsoft.com/office/drawing/2014/main" id="{714F293F-276D-448C-BC7A-1E3C68539C42}"/>
+                <a16:creationId xmlns:a16="http://schemas.microsoft.com/office/drawing/2014/main" xmlns="" id="{714F293F-276D-448C-BC7A-1E3C68539C42}"/>
               </a:ext>
             </a:extLst>
           </p:cNvPr>
@@ -18266,7 +18265,7 @@
           <p:cNvPr id="2" name="Date Placeholder 1">
             <a:extLst>
               <a:ext uri="{FF2B5EF4-FFF2-40B4-BE49-F238E27FC236}">
-                <a16:creationId xmlns:a16="http://schemas.microsoft.com/office/drawing/2014/main" id="{E62B9DE7-CD96-4ECC-8AE4-E9CBDE878FD2}"/>
+                <a16:creationId xmlns:a16="http://schemas.microsoft.com/office/drawing/2014/main" xmlns="" id="{E62B9DE7-CD96-4ECC-8AE4-E9CBDE878FD2}"/>
               </a:ext>
             </a:extLst>
           </p:cNvPr>
@@ -18294,7 +18293,7 @@
           <p:cNvPr id="3" name="Footer Placeholder 2">
             <a:extLst>
               <a:ext uri="{FF2B5EF4-FFF2-40B4-BE49-F238E27FC236}">
-                <a16:creationId xmlns:a16="http://schemas.microsoft.com/office/drawing/2014/main" id="{6D04D3AC-7077-4083-A7FA-5A513923F8B2}"/>
+                <a16:creationId xmlns:a16="http://schemas.microsoft.com/office/drawing/2014/main" xmlns="" id="{6D04D3AC-7077-4083-A7FA-5A513923F8B2}"/>
               </a:ext>
             </a:extLst>
           </p:cNvPr>
@@ -18322,7 +18321,7 @@
           <p:cNvPr id="4" name="Slide Number Placeholder 3">
             <a:extLst>
               <a:ext uri="{FF2B5EF4-FFF2-40B4-BE49-F238E27FC236}">
-                <a16:creationId xmlns:a16="http://schemas.microsoft.com/office/drawing/2014/main" id="{5382F872-91BB-4897-A374-EC78A9D75257}"/>
+                <a16:creationId xmlns:a16="http://schemas.microsoft.com/office/drawing/2014/main" xmlns="" id="{5382F872-91BB-4897-A374-EC78A9D75257}"/>
               </a:ext>
             </a:extLst>
           </p:cNvPr>
@@ -18381,7 +18380,7 @@
           <p:cNvPr id="2" name="Title 1">
             <a:extLst>
               <a:ext uri="{FF2B5EF4-FFF2-40B4-BE49-F238E27FC236}">
-                <a16:creationId xmlns:a16="http://schemas.microsoft.com/office/drawing/2014/main" id="{54CE5727-0697-4B17-A0A2-4E5434FF25E9}"/>
+                <a16:creationId xmlns:a16="http://schemas.microsoft.com/office/drawing/2014/main" xmlns="" id="{54CE5727-0697-4B17-A0A2-4E5434FF25E9}"/>
               </a:ext>
             </a:extLst>
           </p:cNvPr>
@@ -18419,7 +18418,7 @@
           <p:cNvPr id="3" name="Content Placeholder 2">
             <a:extLst>
               <a:ext uri="{FF2B5EF4-FFF2-40B4-BE49-F238E27FC236}">
-                <a16:creationId xmlns:a16="http://schemas.microsoft.com/office/drawing/2014/main" id="{EF909629-7333-44C3-B6B2-C7B3C60DCE42}"/>
+                <a16:creationId xmlns:a16="http://schemas.microsoft.com/office/drawing/2014/main" xmlns="" id="{EF909629-7333-44C3-B6B2-C7B3C60DCE42}"/>
               </a:ext>
             </a:extLst>
           </p:cNvPr>
@@ -18510,7 +18509,7 @@
           <p:cNvPr id="4" name="Text Placeholder 3">
             <a:extLst>
               <a:ext uri="{FF2B5EF4-FFF2-40B4-BE49-F238E27FC236}">
-                <a16:creationId xmlns:a16="http://schemas.microsoft.com/office/drawing/2014/main" id="{89CD481C-30CC-4777-805E-583B343EA41D}"/>
+                <a16:creationId xmlns:a16="http://schemas.microsoft.com/office/drawing/2014/main" xmlns="" id="{89CD481C-30CC-4777-805E-583B343EA41D}"/>
               </a:ext>
             </a:extLst>
           </p:cNvPr>
@@ -18581,7 +18580,7 @@
           <p:cNvPr id="5" name="Date Placeholder 4">
             <a:extLst>
               <a:ext uri="{FF2B5EF4-FFF2-40B4-BE49-F238E27FC236}">
-                <a16:creationId xmlns:a16="http://schemas.microsoft.com/office/drawing/2014/main" id="{7FA7F1CF-391D-4025-9A5A-66D7F8A5A014}"/>
+                <a16:creationId xmlns:a16="http://schemas.microsoft.com/office/drawing/2014/main" xmlns="" id="{7FA7F1CF-391D-4025-9A5A-66D7F8A5A014}"/>
               </a:ext>
             </a:extLst>
           </p:cNvPr>
@@ -18609,7 +18608,7 @@
           <p:cNvPr id="6" name="Footer Placeholder 5">
             <a:extLst>
               <a:ext uri="{FF2B5EF4-FFF2-40B4-BE49-F238E27FC236}">
-                <a16:creationId xmlns:a16="http://schemas.microsoft.com/office/drawing/2014/main" id="{BE92D260-A4D4-4D20-B54B-6F4088529360}"/>
+                <a16:creationId xmlns:a16="http://schemas.microsoft.com/office/drawing/2014/main" xmlns="" id="{BE92D260-A4D4-4D20-B54B-6F4088529360}"/>
               </a:ext>
             </a:extLst>
           </p:cNvPr>
@@ -18637,7 +18636,7 @@
           <p:cNvPr id="7" name="Slide Number Placeholder 6">
             <a:extLst>
               <a:ext uri="{FF2B5EF4-FFF2-40B4-BE49-F238E27FC236}">
-                <a16:creationId xmlns:a16="http://schemas.microsoft.com/office/drawing/2014/main" id="{77AC80B8-2200-4B38-AE45-FDE47A94A0E7}"/>
+                <a16:creationId xmlns:a16="http://schemas.microsoft.com/office/drawing/2014/main" xmlns="" id="{77AC80B8-2200-4B38-AE45-FDE47A94A0E7}"/>
               </a:ext>
             </a:extLst>
           </p:cNvPr>
@@ -18696,7 +18695,7 @@
           <p:cNvPr id="2" name="Title 1">
             <a:extLst>
               <a:ext uri="{FF2B5EF4-FFF2-40B4-BE49-F238E27FC236}">
-                <a16:creationId xmlns:a16="http://schemas.microsoft.com/office/drawing/2014/main" id="{474C08A6-262D-482F-A236-DBE3C537FD43}"/>
+                <a16:creationId xmlns:a16="http://schemas.microsoft.com/office/drawing/2014/main" xmlns="" id="{474C08A6-262D-482F-A236-DBE3C537FD43}"/>
               </a:ext>
             </a:extLst>
           </p:cNvPr>
@@ -18734,7 +18733,7 @@
           <p:cNvPr id="3" name="Picture Placeholder 2">
             <a:extLst>
               <a:ext uri="{FF2B5EF4-FFF2-40B4-BE49-F238E27FC236}">
-                <a16:creationId xmlns:a16="http://schemas.microsoft.com/office/drawing/2014/main" id="{99D8EEF7-390C-4A14-A245-3979DD80A9DC}"/>
+                <a16:creationId xmlns:a16="http://schemas.microsoft.com/office/drawing/2014/main" xmlns="" id="{99D8EEF7-390C-4A14-A245-3979DD80A9DC}"/>
               </a:ext>
             </a:extLst>
           </p:cNvPr>
@@ -18801,7 +18800,7 @@
           <p:cNvPr id="4" name="Text Placeholder 3">
             <a:extLst>
               <a:ext uri="{FF2B5EF4-FFF2-40B4-BE49-F238E27FC236}">
-                <a16:creationId xmlns:a16="http://schemas.microsoft.com/office/drawing/2014/main" id="{C46D3F36-AB9A-4995-BD56-02DF5A9D8143}"/>
+                <a16:creationId xmlns:a16="http://schemas.microsoft.com/office/drawing/2014/main" xmlns="" id="{C46D3F36-AB9A-4995-BD56-02DF5A9D8143}"/>
               </a:ext>
             </a:extLst>
           </p:cNvPr>
@@ -18872,7 +18871,7 @@
           <p:cNvPr id="5" name="Date Placeholder 4">
             <a:extLst>
               <a:ext uri="{FF2B5EF4-FFF2-40B4-BE49-F238E27FC236}">
-                <a16:creationId xmlns:a16="http://schemas.microsoft.com/office/drawing/2014/main" id="{550708F2-9356-409D-924D-E4EDDBF4A7A7}"/>
+                <a16:creationId xmlns:a16="http://schemas.microsoft.com/office/drawing/2014/main" xmlns="" id="{550708F2-9356-409D-924D-E4EDDBF4A7A7}"/>
               </a:ext>
             </a:extLst>
           </p:cNvPr>
@@ -18900,7 +18899,7 @@
           <p:cNvPr id="6" name="Footer Placeholder 5">
             <a:extLst>
               <a:ext uri="{FF2B5EF4-FFF2-40B4-BE49-F238E27FC236}">
-                <a16:creationId xmlns:a16="http://schemas.microsoft.com/office/drawing/2014/main" id="{86EA0E75-4295-4E22-922C-6522230085DC}"/>
+                <a16:creationId xmlns:a16="http://schemas.microsoft.com/office/drawing/2014/main" xmlns="" id="{86EA0E75-4295-4E22-922C-6522230085DC}"/>
               </a:ext>
             </a:extLst>
           </p:cNvPr>
@@ -18928,7 +18927,7 @@
           <p:cNvPr id="7" name="Slide Number Placeholder 6">
             <a:extLst>
               <a:ext uri="{FF2B5EF4-FFF2-40B4-BE49-F238E27FC236}">
-                <a16:creationId xmlns:a16="http://schemas.microsoft.com/office/drawing/2014/main" id="{970C9313-8543-4B43-9B5E-06F6CA5F76EB}"/>
+                <a16:creationId xmlns:a16="http://schemas.microsoft.com/office/drawing/2014/main" xmlns="" id="{970C9313-8543-4B43-9B5E-06F6CA5F76EB}"/>
               </a:ext>
             </a:extLst>
           </p:cNvPr>
@@ -18987,7 +18986,7 @@
           <p:cNvPr id="2" name="Title 1">
             <a:extLst>
               <a:ext uri="{FF2B5EF4-FFF2-40B4-BE49-F238E27FC236}">
-                <a16:creationId xmlns:a16="http://schemas.microsoft.com/office/drawing/2014/main" id="{CA1F0E16-CB75-4A72-9809-960D6AB1FCB7}"/>
+                <a16:creationId xmlns:a16="http://schemas.microsoft.com/office/drawing/2014/main" xmlns="" id="{CA1F0E16-CB75-4A72-9809-960D6AB1FCB7}"/>
               </a:ext>
             </a:extLst>
           </p:cNvPr>
@@ -19016,7 +19015,7 @@
           <p:cNvPr id="3" name="Vertical Text Placeholder 2">
             <a:extLst>
               <a:ext uri="{FF2B5EF4-FFF2-40B4-BE49-F238E27FC236}">
-                <a16:creationId xmlns:a16="http://schemas.microsoft.com/office/drawing/2014/main" id="{823C304E-0F6E-4F84-85E9-68657341589F}"/>
+                <a16:creationId xmlns:a16="http://schemas.microsoft.com/office/drawing/2014/main" xmlns="" id="{823C304E-0F6E-4F84-85E9-68657341589F}"/>
               </a:ext>
             </a:extLst>
           </p:cNvPr>
@@ -19074,7 +19073,7 @@
           <p:cNvPr id="4" name="Date Placeholder 3">
             <a:extLst>
               <a:ext uri="{FF2B5EF4-FFF2-40B4-BE49-F238E27FC236}">
-                <a16:creationId xmlns:a16="http://schemas.microsoft.com/office/drawing/2014/main" id="{00A9121A-5810-42C0-9DD4-A5E4EF82CD98}"/>
+                <a16:creationId xmlns:a16="http://schemas.microsoft.com/office/drawing/2014/main" xmlns="" id="{00A9121A-5810-42C0-9DD4-A5E4EF82CD98}"/>
               </a:ext>
             </a:extLst>
           </p:cNvPr>
@@ -19102,7 +19101,7 @@
           <p:cNvPr id="5" name="Footer Placeholder 4">
             <a:extLst>
               <a:ext uri="{FF2B5EF4-FFF2-40B4-BE49-F238E27FC236}">
-                <a16:creationId xmlns:a16="http://schemas.microsoft.com/office/drawing/2014/main" id="{0DC99013-8F7C-4DEC-8DA5-9C2FB46783A3}"/>
+                <a16:creationId xmlns:a16="http://schemas.microsoft.com/office/drawing/2014/main" xmlns="" id="{0DC99013-8F7C-4DEC-8DA5-9C2FB46783A3}"/>
               </a:ext>
             </a:extLst>
           </p:cNvPr>
@@ -19130,7 +19129,7 @@
           <p:cNvPr id="6" name="Slide Number Placeholder 5">
             <a:extLst>
               <a:ext uri="{FF2B5EF4-FFF2-40B4-BE49-F238E27FC236}">
-                <a16:creationId xmlns:a16="http://schemas.microsoft.com/office/drawing/2014/main" id="{DF0E7E18-1AEE-463C-B1EA-6965BBD9FDAC}"/>
+                <a16:creationId xmlns:a16="http://schemas.microsoft.com/office/drawing/2014/main" xmlns="" id="{DF0E7E18-1AEE-463C-B1EA-6965BBD9FDAC}"/>
               </a:ext>
             </a:extLst>
           </p:cNvPr>
@@ -19189,7 +19188,7 @@
           <p:cNvPr id="2" name="Vertical Title 1">
             <a:extLst>
               <a:ext uri="{FF2B5EF4-FFF2-40B4-BE49-F238E27FC236}">
-                <a16:creationId xmlns:a16="http://schemas.microsoft.com/office/drawing/2014/main" id="{B225F123-2447-4D42-9366-CBB04B3C4F7C}"/>
+                <a16:creationId xmlns:a16="http://schemas.microsoft.com/office/drawing/2014/main" xmlns="" id="{B225F123-2447-4D42-9366-CBB04B3C4F7C}"/>
               </a:ext>
             </a:extLst>
           </p:cNvPr>
@@ -19223,7 +19222,7 @@
           <p:cNvPr id="3" name="Vertical Text Placeholder 2">
             <a:extLst>
               <a:ext uri="{FF2B5EF4-FFF2-40B4-BE49-F238E27FC236}">
-                <a16:creationId xmlns:a16="http://schemas.microsoft.com/office/drawing/2014/main" id="{D3F26E51-150F-42E0-B486-66B12C82088B}"/>
+                <a16:creationId xmlns:a16="http://schemas.microsoft.com/office/drawing/2014/main" xmlns="" id="{D3F26E51-150F-42E0-B486-66B12C82088B}"/>
               </a:ext>
             </a:extLst>
           </p:cNvPr>
@@ -19286,7 +19285,7 @@
           <p:cNvPr id="4" name="Date Placeholder 3">
             <a:extLst>
               <a:ext uri="{FF2B5EF4-FFF2-40B4-BE49-F238E27FC236}">
-                <a16:creationId xmlns:a16="http://schemas.microsoft.com/office/drawing/2014/main" id="{9D793371-20B4-4977-81E2-C722E363B771}"/>
+                <a16:creationId xmlns:a16="http://schemas.microsoft.com/office/drawing/2014/main" xmlns="" id="{9D793371-20B4-4977-81E2-C722E363B771}"/>
               </a:ext>
             </a:extLst>
           </p:cNvPr>
@@ -19314,7 +19313,7 @@
           <p:cNvPr id="5" name="Footer Placeholder 4">
             <a:extLst>
               <a:ext uri="{FF2B5EF4-FFF2-40B4-BE49-F238E27FC236}">
-                <a16:creationId xmlns:a16="http://schemas.microsoft.com/office/drawing/2014/main" id="{5C67776E-59F5-48FB-BDED-589412F5F4BA}"/>
+                <a16:creationId xmlns:a16="http://schemas.microsoft.com/office/drawing/2014/main" xmlns="" id="{5C67776E-59F5-48FB-BDED-589412F5F4BA}"/>
               </a:ext>
             </a:extLst>
           </p:cNvPr>
@@ -19342,7 +19341,7 @@
           <p:cNvPr id="6" name="Slide Number Placeholder 5">
             <a:extLst>
               <a:ext uri="{FF2B5EF4-FFF2-40B4-BE49-F238E27FC236}">
-                <a16:creationId xmlns:a16="http://schemas.microsoft.com/office/drawing/2014/main" id="{1FEACF8C-07B0-477C-BE2D-DBF3F87BBDFA}"/>
+                <a16:creationId xmlns:a16="http://schemas.microsoft.com/office/drawing/2014/main" xmlns="" id="{1FEACF8C-07B0-477C-BE2D-DBF3F87BBDFA}"/>
               </a:ext>
             </a:extLst>
           </p:cNvPr>
@@ -19401,7 +19400,7 @@
           <p:cNvPr id="2" name="Date Placeholder 1">
             <a:extLst>
               <a:ext uri="{FF2B5EF4-FFF2-40B4-BE49-F238E27FC236}">
-                <a16:creationId xmlns:a16="http://schemas.microsoft.com/office/drawing/2014/main" id="{7DA7B4B3-1D5D-4642-951F-BE795AAE65C4}"/>
+                <a16:creationId xmlns:a16="http://schemas.microsoft.com/office/drawing/2014/main" xmlns="" id="{7DA7B4B3-1D5D-4642-951F-BE795AAE65C4}"/>
               </a:ext>
             </a:extLst>
           </p:cNvPr>
@@ -19437,7 +19436,7 @@
           <p:cNvPr id="3" name="Footer Placeholder 2">
             <a:extLst>
               <a:ext uri="{FF2B5EF4-FFF2-40B4-BE49-F238E27FC236}">
-                <a16:creationId xmlns:a16="http://schemas.microsoft.com/office/drawing/2014/main" id="{8884173B-5683-4B07-A6B6-FE65E1A82E77}"/>
+                <a16:creationId xmlns:a16="http://schemas.microsoft.com/office/drawing/2014/main" xmlns="" id="{8884173B-5683-4B07-A6B6-FE65E1A82E77}"/>
               </a:ext>
             </a:extLst>
           </p:cNvPr>
@@ -19473,7 +19472,7 @@
           <p:cNvPr id="4" name="Slide Number Placeholder 3">
             <a:extLst>
               <a:ext uri="{FF2B5EF4-FFF2-40B4-BE49-F238E27FC236}">
-                <a16:creationId xmlns:a16="http://schemas.microsoft.com/office/drawing/2014/main" id="{A3604C50-87DF-45F5-93A9-563F680A4F86}"/>
+                <a16:creationId xmlns:a16="http://schemas.microsoft.com/office/drawing/2014/main" xmlns="" id="{A3604C50-87DF-45F5-93A9-563F680A4F86}"/>
               </a:ext>
             </a:extLst>
           </p:cNvPr>
@@ -19532,7 +19531,7 @@
           <p:cNvPr id="2" name="Title 1">
             <a:extLst>
               <a:ext uri="{FF2B5EF4-FFF2-40B4-BE49-F238E27FC236}">
-                <a16:creationId xmlns:a16="http://schemas.microsoft.com/office/drawing/2014/main" id="{89DE626C-A862-4DB9-BB4B-60DFE8BAA8FD}"/>
+                <a16:creationId xmlns:a16="http://schemas.microsoft.com/office/drawing/2014/main" xmlns="" id="{89DE626C-A862-4DB9-BB4B-60DFE8BAA8FD}"/>
               </a:ext>
             </a:extLst>
           </p:cNvPr>
@@ -19573,7 +19572,7 @@
           <p:cNvPr id="3" name="Content Placeholder 2">
             <a:extLst>
               <a:ext uri="{FF2B5EF4-FFF2-40B4-BE49-F238E27FC236}">
-                <a16:creationId xmlns:a16="http://schemas.microsoft.com/office/drawing/2014/main" id="{30C8A0A6-E54D-4A23-82BB-ED65BAE64D38}"/>
+                <a16:creationId xmlns:a16="http://schemas.microsoft.com/office/drawing/2014/main" xmlns="" id="{30C8A0A6-E54D-4A23-82BB-ED65BAE64D38}"/>
               </a:ext>
             </a:extLst>
           </p:cNvPr>
@@ -19664,7 +19663,7 @@
           <p:cNvPr id="4" name="Text Placeholder 3">
             <a:extLst>
               <a:ext uri="{FF2B5EF4-FFF2-40B4-BE49-F238E27FC236}">
-                <a16:creationId xmlns:a16="http://schemas.microsoft.com/office/drawing/2014/main" id="{F974B46C-C7A3-468B-9B6D-13DBE08782F6}"/>
+                <a16:creationId xmlns:a16="http://schemas.microsoft.com/office/drawing/2014/main" xmlns="" id="{F974B46C-C7A3-468B-9B6D-13DBE08782F6}"/>
               </a:ext>
             </a:extLst>
           </p:cNvPr>
@@ -19735,7 +19734,7 @@
           <p:cNvPr id="5" name="Date Placeholder 4">
             <a:extLst>
               <a:ext uri="{FF2B5EF4-FFF2-40B4-BE49-F238E27FC236}">
-                <a16:creationId xmlns:a16="http://schemas.microsoft.com/office/drawing/2014/main" id="{3A0DEE69-0C06-40B4-A585-623689A0E1B7}"/>
+                <a16:creationId xmlns:a16="http://schemas.microsoft.com/office/drawing/2014/main" xmlns="" id="{3A0DEE69-0C06-40B4-A585-623689A0E1B7}"/>
               </a:ext>
             </a:extLst>
           </p:cNvPr>
@@ -19771,7 +19770,7 @@
           <p:cNvPr id="6" name="Footer Placeholder 5">
             <a:extLst>
               <a:ext uri="{FF2B5EF4-FFF2-40B4-BE49-F238E27FC236}">
-                <a16:creationId xmlns:a16="http://schemas.microsoft.com/office/drawing/2014/main" id="{7DC33A2F-2971-4E6B-BEE2-98ECF3481927}"/>
+                <a16:creationId xmlns:a16="http://schemas.microsoft.com/office/drawing/2014/main" xmlns="" id="{7DC33A2F-2971-4E6B-BEE2-98ECF3481927}"/>
               </a:ext>
             </a:extLst>
           </p:cNvPr>
@@ -19807,7 +19806,7 @@
           <p:cNvPr id="7" name="Slide Number Placeholder 6">
             <a:extLst>
               <a:ext uri="{FF2B5EF4-FFF2-40B4-BE49-F238E27FC236}">
-                <a16:creationId xmlns:a16="http://schemas.microsoft.com/office/drawing/2014/main" id="{A0E8ED68-03D2-4B6B-9D83-4B8C7798C47E}"/>
+                <a16:creationId xmlns:a16="http://schemas.microsoft.com/office/drawing/2014/main" xmlns="" id="{A0E8ED68-03D2-4B6B-9D83-4B8C7798C47E}"/>
               </a:ext>
             </a:extLst>
           </p:cNvPr>
@@ -19871,7 +19870,7 @@
           <p:cNvPr id="3" name="Text Placeholder 2">
             <a:extLst>
               <a:ext uri="{FF2B5EF4-FFF2-40B4-BE49-F238E27FC236}">
-                <a16:creationId xmlns:a16="http://schemas.microsoft.com/office/drawing/2014/main" id="{FC2E2E25-8D67-4426-BED3-000EECFC99DC}"/>
+                <a16:creationId xmlns:a16="http://schemas.microsoft.com/office/drawing/2014/main" xmlns="" id="{FC2E2E25-8D67-4426-BED3-000EECFC99DC}"/>
               </a:ext>
             </a:extLst>
           </p:cNvPr>
@@ -19939,7 +19938,7 @@
           <p:cNvPr id="6" name="Slide Number Placeholder 5">
             <a:extLst>
               <a:ext uri="{FF2B5EF4-FFF2-40B4-BE49-F238E27FC236}">
-                <a16:creationId xmlns:a16="http://schemas.microsoft.com/office/drawing/2014/main" id="{F3E9AECE-A1A2-425A-9129-6F77B5DE4959}"/>
+                <a16:creationId xmlns:a16="http://schemas.microsoft.com/office/drawing/2014/main" xmlns="" id="{F3E9AECE-A1A2-425A-9129-6F77B5DE4959}"/>
               </a:ext>
             </a:extLst>
           </p:cNvPr>
@@ -19986,7 +19985,7 @@
           <p:cNvPr id="12" name="Group 11">
             <a:extLst>
               <a:ext uri="{FF2B5EF4-FFF2-40B4-BE49-F238E27FC236}">
-                <a16:creationId xmlns:a16="http://schemas.microsoft.com/office/drawing/2014/main" id="{6FD8E3C3-EEFF-4FC3-BF2D-BDE336158EBB}"/>
+                <a16:creationId xmlns:a16="http://schemas.microsoft.com/office/drawing/2014/main" xmlns="" id="{6FD8E3C3-EEFF-4FC3-BF2D-BDE336158EBB}"/>
               </a:ext>
             </a:extLst>
           </p:cNvPr>
@@ -20006,7 +20005,7 @@
             <p:cNvPr id="9" name="Footer Placeholder 4">
               <a:extLst>
                 <a:ext uri="{FF2B5EF4-FFF2-40B4-BE49-F238E27FC236}">
-                  <a16:creationId xmlns:a16="http://schemas.microsoft.com/office/drawing/2014/main" id="{9A68BA21-0156-41F9-A88B-1228255CC0F8}"/>
+                  <a16:creationId xmlns:a16="http://schemas.microsoft.com/office/drawing/2014/main" xmlns="" id="{9A68BA21-0156-41F9-A88B-1228255CC0F8}"/>
                 </a:ext>
               </a:extLst>
             </p:cNvPr>
@@ -20147,7 +20146,7 @@
             <p:cNvPr id="10" name="Picture 9" descr="A close up of a sign&#10;&#10;Description generated with high confidence">
               <a:extLst>
                 <a:ext uri="{FF2B5EF4-FFF2-40B4-BE49-F238E27FC236}">
-                  <a16:creationId xmlns:a16="http://schemas.microsoft.com/office/drawing/2014/main" id="{FCE68F13-D472-4C9D-948D-951BD124F178}"/>
+                  <a16:creationId xmlns:a16="http://schemas.microsoft.com/office/drawing/2014/main" xmlns="" id="{FCE68F13-D472-4C9D-948D-951BD124F178}"/>
                 </a:ext>
               </a:extLst>
             </p:cNvPr>
@@ -20527,7 +20526,7 @@
           <p:cNvPr id="2" name="Title Placeholder 1">
             <a:extLst>
               <a:ext uri="{FF2B5EF4-FFF2-40B4-BE49-F238E27FC236}">
-                <a16:creationId xmlns:a16="http://schemas.microsoft.com/office/drawing/2014/main" id="{D616F725-915E-4BE4-B069-DB49D922489E}"/>
+                <a16:creationId xmlns:a16="http://schemas.microsoft.com/office/drawing/2014/main" xmlns="" id="{D616F725-915E-4BE4-B069-DB49D922489E}"/>
               </a:ext>
             </a:extLst>
           </p:cNvPr>
@@ -20566,7 +20565,7 @@
           <p:cNvPr id="3" name="Text Placeholder 2">
             <a:extLst>
               <a:ext uri="{FF2B5EF4-FFF2-40B4-BE49-F238E27FC236}">
-                <a16:creationId xmlns:a16="http://schemas.microsoft.com/office/drawing/2014/main" id="{DDA19520-FC9E-4186-AF12-E30A561F6388}"/>
+                <a16:creationId xmlns:a16="http://schemas.microsoft.com/office/drawing/2014/main" xmlns="" id="{DDA19520-FC9E-4186-AF12-E30A561F6388}"/>
               </a:ext>
             </a:extLst>
           </p:cNvPr>
@@ -20634,7 +20633,7 @@
           <p:cNvPr id="4" name="Date Placeholder 3">
             <a:extLst>
               <a:ext uri="{FF2B5EF4-FFF2-40B4-BE49-F238E27FC236}">
-                <a16:creationId xmlns:a16="http://schemas.microsoft.com/office/drawing/2014/main" id="{08EFC4A8-FDF8-4F21-BC70-98475D01FBEE}"/>
+                <a16:creationId xmlns:a16="http://schemas.microsoft.com/office/drawing/2014/main" xmlns="" id="{08EFC4A8-FDF8-4F21-BC70-98475D01FBEE}"/>
               </a:ext>
             </a:extLst>
           </p:cNvPr>
@@ -20680,7 +20679,7 @@
           <p:cNvPr id="5" name="Footer Placeholder 4">
             <a:extLst>
               <a:ext uri="{FF2B5EF4-FFF2-40B4-BE49-F238E27FC236}">
-                <a16:creationId xmlns:a16="http://schemas.microsoft.com/office/drawing/2014/main" id="{9136EE38-C237-4C31-B509-70C0C5697A8B}"/>
+                <a16:creationId xmlns:a16="http://schemas.microsoft.com/office/drawing/2014/main" xmlns="" id="{9136EE38-C237-4C31-B509-70C0C5697A8B}"/>
               </a:ext>
             </a:extLst>
           </p:cNvPr>
@@ -20726,7 +20725,7 @@
           <p:cNvPr id="6" name="Slide Number Placeholder 5">
             <a:extLst>
               <a:ext uri="{FF2B5EF4-FFF2-40B4-BE49-F238E27FC236}">
-                <a16:creationId xmlns:a16="http://schemas.microsoft.com/office/drawing/2014/main" id="{1B33980C-2599-4D95-9494-3299F70AD679}"/>
+                <a16:creationId xmlns:a16="http://schemas.microsoft.com/office/drawing/2014/main" xmlns="" id="{1B33980C-2599-4D95-9494-3299F70AD679}"/>
               </a:ext>
             </a:extLst>
           </p:cNvPr>
@@ -21100,7 +21099,7 @@
           <p:cNvPr id="2" name="Title Placeholder 1">
             <a:extLst>
               <a:ext uri="{FF2B5EF4-FFF2-40B4-BE49-F238E27FC236}">
-                <a16:creationId xmlns:a16="http://schemas.microsoft.com/office/drawing/2014/main" id="{303D8E64-645E-4FAA-A2E9-E8AC6CA81CF6}"/>
+                <a16:creationId xmlns:a16="http://schemas.microsoft.com/office/drawing/2014/main" xmlns="" id="{303D8E64-645E-4FAA-A2E9-E8AC6CA81CF6}"/>
               </a:ext>
             </a:extLst>
           </p:cNvPr>
@@ -21139,7 +21138,7 @@
           <p:cNvPr id="3" name="Text Placeholder 2">
             <a:extLst>
               <a:ext uri="{FF2B5EF4-FFF2-40B4-BE49-F238E27FC236}">
-                <a16:creationId xmlns:a16="http://schemas.microsoft.com/office/drawing/2014/main" id="{FC2E2E25-8D67-4426-BED3-000EECFC99DC}"/>
+                <a16:creationId xmlns:a16="http://schemas.microsoft.com/office/drawing/2014/main" xmlns="" id="{FC2E2E25-8D67-4426-BED3-000EECFC99DC}"/>
               </a:ext>
             </a:extLst>
           </p:cNvPr>
@@ -21207,7 +21206,7 @@
           <p:cNvPr id="4" name="Date Placeholder 3">
             <a:extLst>
               <a:ext uri="{FF2B5EF4-FFF2-40B4-BE49-F238E27FC236}">
-                <a16:creationId xmlns:a16="http://schemas.microsoft.com/office/drawing/2014/main" id="{A7F24D76-9E54-4939-A00F-87F0330AC2F9}"/>
+                <a16:creationId xmlns:a16="http://schemas.microsoft.com/office/drawing/2014/main" xmlns="" id="{A7F24D76-9E54-4939-A00F-87F0330AC2F9}"/>
               </a:ext>
             </a:extLst>
           </p:cNvPr>
@@ -21253,7 +21252,7 @@
           <p:cNvPr id="5" name="Footer Placeholder 4">
             <a:extLst>
               <a:ext uri="{FF2B5EF4-FFF2-40B4-BE49-F238E27FC236}">
-                <a16:creationId xmlns:a16="http://schemas.microsoft.com/office/drawing/2014/main" id="{631F7A46-051D-4218-91A1-F7766B1FD9BA}"/>
+                <a16:creationId xmlns:a16="http://schemas.microsoft.com/office/drawing/2014/main" xmlns="" id="{631F7A46-051D-4218-91A1-F7766B1FD9BA}"/>
               </a:ext>
             </a:extLst>
           </p:cNvPr>
@@ -21299,7 +21298,7 @@
           <p:cNvPr id="6" name="Slide Number Placeholder 5">
             <a:extLst>
               <a:ext uri="{FF2B5EF4-FFF2-40B4-BE49-F238E27FC236}">
-                <a16:creationId xmlns:a16="http://schemas.microsoft.com/office/drawing/2014/main" id="{F3E9AECE-A1A2-425A-9129-6F77B5DE4959}"/>
+                <a16:creationId xmlns:a16="http://schemas.microsoft.com/office/drawing/2014/main" xmlns="" id="{F3E9AECE-A1A2-425A-9129-6F77B5DE4959}"/>
               </a:ext>
             </a:extLst>
           </p:cNvPr>
@@ -21673,7 +21672,7 @@
           <p:cNvPr id="2" name="Title Placeholder 1">
             <a:extLst>
               <a:ext uri="{FF2B5EF4-FFF2-40B4-BE49-F238E27FC236}">
-                <a16:creationId xmlns:a16="http://schemas.microsoft.com/office/drawing/2014/main" id="{303D8E64-645E-4FAA-A2E9-E8AC6CA81CF6}"/>
+                <a16:creationId xmlns:a16="http://schemas.microsoft.com/office/drawing/2014/main" xmlns="" id="{303D8E64-645E-4FAA-A2E9-E8AC6CA81CF6}"/>
               </a:ext>
             </a:extLst>
           </p:cNvPr>
@@ -21712,7 +21711,7 @@
           <p:cNvPr id="3" name="Text Placeholder 2">
             <a:extLst>
               <a:ext uri="{FF2B5EF4-FFF2-40B4-BE49-F238E27FC236}">
-                <a16:creationId xmlns:a16="http://schemas.microsoft.com/office/drawing/2014/main" id="{FC2E2E25-8D67-4426-BED3-000EECFC99DC}"/>
+                <a16:creationId xmlns:a16="http://schemas.microsoft.com/office/drawing/2014/main" xmlns="" id="{FC2E2E25-8D67-4426-BED3-000EECFC99DC}"/>
               </a:ext>
             </a:extLst>
           </p:cNvPr>
@@ -21780,7 +21779,7 @@
           <p:cNvPr id="4" name="Date Placeholder 3">
             <a:extLst>
               <a:ext uri="{FF2B5EF4-FFF2-40B4-BE49-F238E27FC236}">
-                <a16:creationId xmlns:a16="http://schemas.microsoft.com/office/drawing/2014/main" id="{A7F24D76-9E54-4939-A00F-87F0330AC2F9}"/>
+                <a16:creationId xmlns:a16="http://schemas.microsoft.com/office/drawing/2014/main" xmlns="" id="{A7F24D76-9E54-4939-A00F-87F0330AC2F9}"/>
               </a:ext>
             </a:extLst>
           </p:cNvPr>
@@ -21826,7 +21825,7 @@
           <p:cNvPr id="5" name="Footer Placeholder 4">
             <a:extLst>
               <a:ext uri="{FF2B5EF4-FFF2-40B4-BE49-F238E27FC236}">
-                <a16:creationId xmlns:a16="http://schemas.microsoft.com/office/drawing/2014/main" id="{631F7A46-051D-4218-91A1-F7766B1FD9BA}"/>
+                <a16:creationId xmlns:a16="http://schemas.microsoft.com/office/drawing/2014/main" xmlns="" id="{631F7A46-051D-4218-91A1-F7766B1FD9BA}"/>
               </a:ext>
             </a:extLst>
           </p:cNvPr>
@@ -21872,7 +21871,7 @@
           <p:cNvPr id="6" name="Slide Number Placeholder 5">
             <a:extLst>
               <a:ext uri="{FF2B5EF4-FFF2-40B4-BE49-F238E27FC236}">
-                <a16:creationId xmlns:a16="http://schemas.microsoft.com/office/drawing/2014/main" id="{F3E9AECE-A1A2-425A-9129-6F77B5DE4959}"/>
+                <a16:creationId xmlns:a16="http://schemas.microsoft.com/office/drawing/2014/main" xmlns="" id="{F3E9AECE-A1A2-425A-9129-6F77B5DE4959}"/>
               </a:ext>
             </a:extLst>
           </p:cNvPr>
@@ -22246,7 +22245,7 @@
           <p:cNvPr id="2" name="Title Placeholder 1">
             <a:extLst>
               <a:ext uri="{FF2B5EF4-FFF2-40B4-BE49-F238E27FC236}">
-                <a16:creationId xmlns:a16="http://schemas.microsoft.com/office/drawing/2014/main" id="{303D8E64-645E-4FAA-A2E9-E8AC6CA81CF6}"/>
+                <a16:creationId xmlns:a16="http://schemas.microsoft.com/office/drawing/2014/main" xmlns="" id="{303D8E64-645E-4FAA-A2E9-E8AC6CA81CF6}"/>
               </a:ext>
             </a:extLst>
           </p:cNvPr>
@@ -22285,7 +22284,7 @@
           <p:cNvPr id="3" name="Text Placeholder 2">
             <a:extLst>
               <a:ext uri="{FF2B5EF4-FFF2-40B4-BE49-F238E27FC236}">
-                <a16:creationId xmlns:a16="http://schemas.microsoft.com/office/drawing/2014/main" id="{FC2E2E25-8D67-4426-BED3-000EECFC99DC}"/>
+                <a16:creationId xmlns:a16="http://schemas.microsoft.com/office/drawing/2014/main" xmlns="" id="{FC2E2E25-8D67-4426-BED3-000EECFC99DC}"/>
               </a:ext>
             </a:extLst>
           </p:cNvPr>
@@ -22353,7 +22352,7 @@
           <p:cNvPr id="4" name="Date Placeholder 3">
             <a:extLst>
               <a:ext uri="{FF2B5EF4-FFF2-40B4-BE49-F238E27FC236}">
-                <a16:creationId xmlns:a16="http://schemas.microsoft.com/office/drawing/2014/main" id="{A7F24D76-9E54-4939-A00F-87F0330AC2F9}"/>
+                <a16:creationId xmlns:a16="http://schemas.microsoft.com/office/drawing/2014/main" xmlns="" id="{A7F24D76-9E54-4939-A00F-87F0330AC2F9}"/>
               </a:ext>
             </a:extLst>
           </p:cNvPr>
@@ -22399,7 +22398,7 @@
           <p:cNvPr id="5" name="Footer Placeholder 4">
             <a:extLst>
               <a:ext uri="{FF2B5EF4-FFF2-40B4-BE49-F238E27FC236}">
-                <a16:creationId xmlns:a16="http://schemas.microsoft.com/office/drawing/2014/main" id="{631F7A46-051D-4218-91A1-F7766B1FD9BA}"/>
+                <a16:creationId xmlns:a16="http://schemas.microsoft.com/office/drawing/2014/main" xmlns="" id="{631F7A46-051D-4218-91A1-F7766B1FD9BA}"/>
               </a:ext>
             </a:extLst>
           </p:cNvPr>
@@ -22445,7 +22444,7 @@
           <p:cNvPr id="6" name="Slide Number Placeholder 5">
             <a:extLst>
               <a:ext uri="{FF2B5EF4-FFF2-40B4-BE49-F238E27FC236}">
-                <a16:creationId xmlns:a16="http://schemas.microsoft.com/office/drawing/2014/main" id="{F3E9AECE-A1A2-425A-9129-6F77B5DE4959}"/>
+                <a16:creationId xmlns:a16="http://schemas.microsoft.com/office/drawing/2014/main" xmlns="" id="{F3E9AECE-A1A2-425A-9129-6F77B5DE4959}"/>
               </a:ext>
             </a:extLst>
           </p:cNvPr>
@@ -22819,7 +22818,7 @@
           <p:cNvPr id="2" name="Title Placeholder 1">
             <a:extLst>
               <a:ext uri="{FF2B5EF4-FFF2-40B4-BE49-F238E27FC236}">
-                <a16:creationId xmlns:a16="http://schemas.microsoft.com/office/drawing/2014/main" id="{303D8E64-645E-4FAA-A2E9-E8AC6CA81CF6}"/>
+                <a16:creationId xmlns:a16="http://schemas.microsoft.com/office/drawing/2014/main" xmlns="" id="{303D8E64-645E-4FAA-A2E9-E8AC6CA81CF6}"/>
               </a:ext>
             </a:extLst>
           </p:cNvPr>
@@ -22858,7 +22857,7 @@
           <p:cNvPr id="3" name="Text Placeholder 2">
             <a:extLst>
               <a:ext uri="{FF2B5EF4-FFF2-40B4-BE49-F238E27FC236}">
-                <a16:creationId xmlns:a16="http://schemas.microsoft.com/office/drawing/2014/main" id="{FC2E2E25-8D67-4426-BED3-000EECFC99DC}"/>
+                <a16:creationId xmlns:a16="http://schemas.microsoft.com/office/drawing/2014/main" xmlns="" id="{FC2E2E25-8D67-4426-BED3-000EECFC99DC}"/>
               </a:ext>
             </a:extLst>
           </p:cNvPr>
@@ -22926,7 +22925,7 @@
           <p:cNvPr id="4" name="Date Placeholder 3">
             <a:extLst>
               <a:ext uri="{FF2B5EF4-FFF2-40B4-BE49-F238E27FC236}">
-                <a16:creationId xmlns:a16="http://schemas.microsoft.com/office/drawing/2014/main" id="{A7F24D76-9E54-4939-A00F-87F0330AC2F9}"/>
+                <a16:creationId xmlns:a16="http://schemas.microsoft.com/office/drawing/2014/main" xmlns="" id="{A7F24D76-9E54-4939-A00F-87F0330AC2F9}"/>
               </a:ext>
             </a:extLst>
           </p:cNvPr>
@@ -22972,7 +22971,7 @@
           <p:cNvPr id="5" name="Footer Placeholder 4">
             <a:extLst>
               <a:ext uri="{FF2B5EF4-FFF2-40B4-BE49-F238E27FC236}">
-                <a16:creationId xmlns:a16="http://schemas.microsoft.com/office/drawing/2014/main" id="{631F7A46-051D-4218-91A1-F7766B1FD9BA}"/>
+                <a16:creationId xmlns:a16="http://schemas.microsoft.com/office/drawing/2014/main" xmlns="" id="{631F7A46-051D-4218-91A1-F7766B1FD9BA}"/>
               </a:ext>
             </a:extLst>
           </p:cNvPr>
@@ -23018,7 +23017,7 @@
           <p:cNvPr id="6" name="Slide Number Placeholder 5">
             <a:extLst>
               <a:ext uri="{FF2B5EF4-FFF2-40B4-BE49-F238E27FC236}">
-                <a16:creationId xmlns:a16="http://schemas.microsoft.com/office/drawing/2014/main" id="{F3E9AECE-A1A2-425A-9129-6F77B5DE4959}"/>
+                <a16:creationId xmlns:a16="http://schemas.microsoft.com/office/drawing/2014/main" xmlns="" id="{F3E9AECE-A1A2-425A-9129-6F77B5DE4959}"/>
               </a:ext>
             </a:extLst>
           </p:cNvPr>
@@ -23392,7 +23391,7 @@
           <p:cNvPr id="2" name="Title Placeholder 1">
             <a:extLst>
               <a:ext uri="{FF2B5EF4-FFF2-40B4-BE49-F238E27FC236}">
-                <a16:creationId xmlns:a16="http://schemas.microsoft.com/office/drawing/2014/main" id="{7A5094E4-7489-463B-B540-5BFE48556C7D}"/>
+                <a16:creationId xmlns:a16="http://schemas.microsoft.com/office/drawing/2014/main" xmlns="" id="{7A5094E4-7489-463B-B540-5BFE48556C7D}"/>
               </a:ext>
             </a:extLst>
           </p:cNvPr>
@@ -23431,7 +23430,7 @@
           <p:cNvPr id="3" name="Text Placeholder 2">
             <a:extLst>
               <a:ext uri="{FF2B5EF4-FFF2-40B4-BE49-F238E27FC236}">
-                <a16:creationId xmlns:a16="http://schemas.microsoft.com/office/drawing/2014/main" id="{BF711C78-5208-4358-9C16-578640BB7964}"/>
+                <a16:creationId xmlns:a16="http://schemas.microsoft.com/office/drawing/2014/main" xmlns="" id="{BF711C78-5208-4358-9C16-578640BB7964}"/>
               </a:ext>
             </a:extLst>
           </p:cNvPr>
@@ -23499,7 +23498,7 @@
           <p:cNvPr id="4" name="Date Placeholder 3">
             <a:extLst>
               <a:ext uri="{FF2B5EF4-FFF2-40B4-BE49-F238E27FC236}">
-                <a16:creationId xmlns:a16="http://schemas.microsoft.com/office/drawing/2014/main" id="{AF2E5181-0C09-405C-B867-BC562A72C239}"/>
+                <a16:creationId xmlns:a16="http://schemas.microsoft.com/office/drawing/2014/main" xmlns="" id="{AF2E5181-0C09-405C-B867-BC562A72C239}"/>
               </a:ext>
             </a:extLst>
           </p:cNvPr>
@@ -23545,7 +23544,7 @@
           <p:cNvPr id="5" name="Footer Placeholder 4">
             <a:extLst>
               <a:ext uri="{FF2B5EF4-FFF2-40B4-BE49-F238E27FC236}">
-                <a16:creationId xmlns:a16="http://schemas.microsoft.com/office/drawing/2014/main" id="{5892A7AE-5BF8-4FBD-9B0B-AFFC238A4F34}"/>
+                <a16:creationId xmlns:a16="http://schemas.microsoft.com/office/drawing/2014/main" xmlns="" id="{5892A7AE-5BF8-4FBD-9B0B-AFFC238A4F34}"/>
               </a:ext>
             </a:extLst>
           </p:cNvPr>
@@ -23591,7 +23590,7 @@
           <p:cNvPr id="6" name="Slide Number Placeholder 5">
             <a:extLst>
               <a:ext uri="{FF2B5EF4-FFF2-40B4-BE49-F238E27FC236}">
-                <a16:creationId xmlns:a16="http://schemas.microsoft.com/office/drawing/2014/main" id="{9F4E2777-B121-44EA-9281-59D097FB663E}"/>
+                <a16:creationId xmlns:a16="http://schemas.microsoft.com/office/drawing/2014/main" xmlns="" id="{9F4E2777-B121-44EA-9281-59D097FB663E}"/>
               </a:ext>
             </a:extLst>
           </p:cNvPr>
@@ -23960,7 +23959,7 @@
           <p:cNvPr id="2" name="Title 1">
             <a:extLst>
               <a:ext uri="{FF2B5EF4-FFF2-40B4-BE49-F238E27FC236}">
-                <a16:creationId xmlns:a16="http://schemas.microsoft.com/office/drawing/2014/main" id="{032C85AB-1D7E-4CA3-8340-39CBD394BF3E}"/>
+                <a16:creationId xmlns:a16="http://schemas.microsoft.com/office/drawing/2014/main" xmlns="" id="{032C85AB-1D7E-4CA3-8340-39CBD394BF3E}"/>
               </a:ext>
             </a:extLst>
           </p:cNvPr>
@@ -24017,7 +24016,7 @@
           <p:cNvPr id="3" name="Subtitle 2">
             <a:extLst>
               <a:ext uri="{FF2B5EF4-FFF2-40B4-BE49-F238E27FC236}">
-                <a16:creationId xmlns:a16="http://schemas.microsoft.com/office/drawing/2014/main" id="{DEBF45EC-2724-4F61-A440-6BF061274043}"/>
+                <a16:creationId xmlns:a16="http://schemas.microsoft.com/office/drawing/2014/main" xmlns="" id="{DEBF45EC-2724-4F61-A440-6BF061274043}"/>
               </a:ext>
             </a:extLst>
           </p:cNvPr>
@@ -24063,7 +24062,7 @@
           <p:cNvPr id="10" name="Straight Connector 9">
             <a:extLst>
               <a:ext uri="{FF2B5EF4-FFF2-40B4-BE49-F238E27FC236}">
-                <a16:creationId xmlns:a16="http://schemas.microsoft.com/office/drawing/2014/main" id="{502B73EC-A0D1-4DB8-BCCC-B97BB2F42897}"/>
+                <a16:creationId xmlns:a16="http://schemas.microsoft.com/office/drawing/2014/main" xmlns="" id="{502B73EC-A0D1-4DB8-BCCC-B97BB2F42897}"/>
               </a:ext>
             </a:extLst>
           </p:cNvPr>
@@ -24104,7 +24103,7 @@
           <p:cNvPr id="12" name="Group 11">
             <a:extLst>
               <a:ext uri="{FF2B5EF4-FFF2-40B4-BE49-F238E27FC236}">
-                <a16:creationId xmlns:a16="http://schemas.microsoft.com/office/drawing/2014/main" id="{AF87287F-ACD6-4720-8E2E-44B792E6AF92}"/>
+                <a16:creationId xmlns:a16="http://schemas.microsoft.com/office/drawing/2014/main" xmlns="" id="{AF87287F-ACD6-4720-8E2E-44B792E6AF92}"/>
               </a:ext>
             </a:extLst>
           </p:cNvPr>
@@ -24124,7 +24123,7 @@
             <p:cNvPr id="5" name="TextBox 4">
               <a:extLst>
                 <a:ext uri="{FF2B5EF4-FFF2-40B4-BE49-F238E27FC236}">
-                  <a16:creationId xmlns:a16="http://schemas.microsoft.com/office/drawing/2014/main" id="{0A35E5DB-5DCA-4C79-973B-22435E75E89A}"/>
+                  <a16:creationId xmlns:a16="http://schemas.microsoft.com/office/drawing/2014/main" xmlns="" id="{0A35E5DB-5DCA-4C79-973B-22435E75E89A}"/>
                 </a:ext>
               </a:extLst>
             </p:cNvPr>
@@ -24167,7 +24166,7 @@
             <p:cNvPr id="11" name="Footer Placeholder 4">
               <a:extLst>
                 <a:ext uri="{FF2B5EF4-FFF2-40B4-BE49-F238E27FC236}">
-                  <a16:creationId xmlns:a16="http://schemas.microsoft.com/office/drawing/2014/main" id="{0C6F5DBE-018D-4EDE-B311-3701DEA53A3E}"/>
+                  <a16:creationId xmlns:a16="http://schemas.microsoft.com/office/drawing/2014/main" xmlns="" id="{0C6F5DBE-018D-4EDE-B311-3701DEA53A3E}"/>
                 </a:ext>
               </a:extLst>
             </p:cNvPr>
@@ -24324,7 +24323,7 @@
           <p:cNvPr id="4" name="Footer Placeholder 3">
             <a:extLst>
               <a:ext uri="{FF2B5EF4-FFF2-40B4-BE49-F238E27FC236}">
-                <a16:creationId xmlns:a16="http://schemas.microsoft.com/office/drawing/2014/main" id="{661A11DD-06F3-46BD-8483-02820BC1BABD}"/>
+                <a16:creationId xmlns:a16="http://schemas.microsoft.com/office/drawing/2014/main" xmlns="" id="{661A11DD-06F3-46BD-8483-02820BC1BABD}"/>
               </a:ext>
             </a:extLst>
           </p:cNvPr>
@@ -24354,7 +24353,7 @@
           <p:cNvPr id="5" name="Slide Number Placeholder 4">
             <a:extLst>
               <a:ext uri="{FF2B5EF4-FFF2-40B4-BE49-F238E27FC236}">
-                <a16:creationId xmlns:a16="http://schemas.microsoft.com/office/drawing/2014/main" id="{4BA4614F-9420-4DDC-A044-B7FDF2B50010}"/>
+                <a16:creationId xmlns:a16="http://schemas.microsoft.com/office/drawing/2014/main" xmlns="" id="{4BA4614F-9420-4DDC-A044-B7FDF2B50010}"/>
               </a:ext>
             </a:extLst>
           </p:cNvPr>
@@ -24383,7 +24382,7 @@
           <p:cNvPr id="2" name="Title 1">
             <a:extLst>
               <a:ext uri="{FF2B5EF4-FFF2-40B4-BE49-F238E27FC236}">
-                <a16:creationId xmlns:a16="http://schemas.microsoft.com/office/drawing/2014/main" id="{03CCF6E9-3AA2-4C28-B85E-CE1C41357C88}"/>
+                <a16:creationId xmlns:a16="http://schemas.microsoft.com/office/drawing/2014/main" xmlns="" id="{03CCF6E9-3AA2-4C28-B85E-CE1C41357C88}"/>
               </a:ext>
             </a:extLst>
           </p:cNvPr>
@@ -24438,7 +24437,7 @@
           <p:cNvPr id="6" name="Group 5">
             <a:extLst>
               <a:ext uri="{FF2B5EF4-FFF2-40B4-BE49-F238E27FC236}">
-                <a16:creationId xmlns:a16="http://schemas.microsoft.com/office/drawing/2014/main" id="{BC62B6A4-7E3A-4D00-9199-7FFF3EAD1485}"/>
+                <a16:creationId xmlns:a16="http://schemas.microsoft.com/office/drawing/2014/main" xmlns="" id="{BC62B6A4-7E3A-4D00-9199-7FFF3EAD1485}"/>
               </a:ext>
             </a:extLst>
           </p:cNvPr>
@@ -24458,7 +24457,7 @@
             <p:cNvPr id="7" name="Rectangle 6">
               <a:extLst>
                 <a:ext uri="{FF2B5EF4-FFF2-40B4-BE49-F238E27FC236}">
-                  <a16:creationId xmlns:a16="http://schemas.microsoft.com/office/drawing/2014/main" id="{694673B8-2688-48BC-A16B-397F61832538}"/>
+                  <a16:creationId xmlns:a16="http://schemas.microsoft.com/office/drawing/2014/main" xmlns="" id="{694673B8-2688-48BC-A16B-397F61832538}"/>
                 </a:ext>
               </a:extLst>
             </p:cNvPr>
@@ -24474,10 +24473,14 @@
               <a:avLst/>
             </a:prstGeom>
             <a:solidFill>
-              <a:srgbClr val="4EB3CF"/>
+              <a:schemeClr val="bg1">
+                <a:lumMod val="95000"/>
+              </a:schemeClr>
             </a:solidFill>
-            <a:ln>
-              <a:noFill/>
+            <a:ln w="76200">
+              <a:solidFill>
+                <a:srgbClr val="4EB3CF"/>
+              </a:solidFill>
             </a:ln>
           </p:spPr>
           <p:style>
@@ -24510,7 +24513,7 @@
             <p:cNvPr id="8" name="TextBox 7">
               <a:extLst>
                 <a:ext uri="{FF2B5EF4-FFF2-40B4-BE49-F238E27FC236}">
-                  <a16:creationId xmlns:a16="http://schemas.microsoft.com/office/drawing/2014/main" id="{9EB8FADB-34AE-46F5-9882-BF0AF21F83C9}"/>
+                  <a16:creationId xmlns:a16="http://schemas.microsoft.com/office/drawing/2014/main" xmlns="" id="{9EB8FADB-34AE-46F5-9882-BF0AF21F83C9}"/>
                 </a:ext>
               </a:extLst>
             </p:cNvPr>
@@ -24547,7 +24550,7 @@
             <p:cNvPr id="9" name="Rectangle 8">
               <a:extLst>
                 <a:ext uri="{FF2B5EF4-FFF2-40B4-BE49-F238E27FC236}">
-                  <a16:creationId xmlns:a16="http://schemas.microsoft.com/office/drawing/2014/main" id="{389434B2-EC6F-421C-B6E3-1C5C7DD99BE1}"/>
+                  <a16:creationId xmlns:a16="http://schemas.microsoft.com/office/drawing/2014/main" xmlns="" id="{389434B2-EC6F-421C-B6E3-1C5C7DD99BE1}"/>
                 </a:ext>
               </a:extLst>
             </p:cNvPr>
@@ -24584,7 +24587,7 @@
             <p:cNvPr id="10" name="Rectangle 9">
               <a:extLst>
                 <a:ext uri="{FF2B5EF4-FFF2-40B4-BE49-F238E27FC236}">
-                  <a16:creationId xmlns:a16="http://schemas.microsoft.com/office/drawing/2014/main" id="{7D26B5CB-A8C9-4F77-8DEB-83AD52D7119C}"/>
+                  <a16:creationId xmlns:a16="http://schemas.microsoft.com/office/drawing/2014/main" xmlns="" id="{7D26B5CB-A8C9-4F77-8DEB-83AD52D7119C}"/>
                 </a:ext>
               </a:extLst>
             </p:cNvPr>
@@ -24600,10 +24603,14 @@
               <a:avLst/>
             </a:prstGeom>
             <a:solidFill>
-              <a:srgbClr val="51C3F9"/>
+              <a:schemeClr val="bg1">
+                <a:lumMod val="95000"/>
+              </a:schemeClr>
             </a:solidFill>
-            <a:ln>
-              <a:noFill/>
+            <a:ln w="76200">
+              <a:solidFill>
+                <a:srgbClr val="4EB3CF"/>
+              </a:solidFill>
             </a:ln>
           </p:spPr>
           <p:style>
@@ -24636,7 +24643,7 @@
             <p:cNvPr id="11" name="TextBox 10">
               <a:extLst>
                 <a:ext uri="{FF2B5EF4-FFF2-40B4-BE49-F238E27FC236}">
-                  <a16:creationId xmlns:a16="http://schemas.microsoft.com/office/drawing/2014/main" id="{5B8E362C-3C46-4B67-9648-FF85BC689582}"/>
+                  <a16:creationId xmlns:a16="http://schemas.microsoft.com/office/drawing/2014/main" xmlns="" id="{5B8E362C-3C46-4B67-9648-FF85BC689582}"/>
                 </a:ext>
               </a:extLst>
             </p:cNvPr>
@@ -24685,7 +24692,7 @@
             <p:cNvPr id="12" name="Rectangle 11">
               <a:extLst>
                 <a:ext uri="{FF2B5EF4-FFF2-40B4-BE49-F238E27FC236}">
-                  <a16:creationId xmlns:a16="http://schemas.microsoft.com/office/drawing/2014/main" id="{70AC819E-F906-481B-AB2C-971C6CA8B71F}"/>
+                  <a16:creationId xmlns:a16="http://schemas.microsoft.com/office/drawing/2014/main" xmlns="" id="{70AC819E-F906-481B-AB2C-971C6CA8B71F}"/>
                 </a:ext>
               </a:extLst>
             </p:cNvPr>
@@ -24722,7 +24729,7 @@
             <p:cNvPr id="13" name="Rectangle 12">
               <a:extLst>
                 <a:ext uri="{FF2B5EF4-FFF2-40B4-BE49-F238E27FC236}">
-                  <a16:creationId xmlns:a16="http://schemas.microsoft.com/office/drawing/2014/main" id="{6E2A2B25-34EB-4290-B2DA-E2C2FCECE448}"/>
+                  <a16:creationId xmlns:a16="http://schemas.microsoft.com/office/drawing/2014/main" xmlns="" id="{6E2A2B25-34EB-4290-B2DA-E2C2FCECE448}"/>
                 </a:ext>
               </a:extLst>
             </p:cNvPr>
@@ -24738,10 +24745,14 @@
               <a:avLst/>
             </a:prstGeom>
             <a:solidFill>
-              <a:srgbClr val="4EB3CF"/>
+              <a:schemeClr val="bg1">
+                <a:lumMod val="95000"/>
+              </a:schemeClr>
             </a:solidFill>
-            <a:ln>
-              <a:noFill/>
+            <a:ln w="76200">
+              <a:solidFill>
+                <a:srgbClr val="4EB3CF"/>
+              </a:solidFill>
             </a:ln>
           </p:spPr>
           <p:style>
@@ -24774,7 +24785,7 @@
             <p:cNvPr id="14" name="TextBox 13">
               <a:extLst>
                 <a:ext uri="{FF2B5EF4-FFF2-40B4-BE49-F238E27FC236}">
-                  <a16:creationId xmlns:a16="http://schemas.microsoft.com/office/drawing/2014/main" id="{266EEBF9-C9B2-4CD6-BDD4-6FC8C818646C}"/>
+                  <a16:creationId xmlns:a16="http://schemas.microsoft.com/office/drawing/2014/main" xmlns="" id="{266EEBF9-C9B2-4CD6-BDD4-6FC8C818646C}"/>
                 </a:ext>
               </a:extLst>
             </p:cNvPr>
@@ -24832,7 +24843,7 @@
             <p:cNvPr id="15" name="Rectangle 14">
               <a:extLst>
                 <a:ext uri="{FF2B5EF4-FFF2-40B4-BE49-F238E27FC236}">
-                  <a16:creationId xmlns:a16="http://schemas.microsoft.com/office/drawing/2014/main" id="{3EF040AE-C45B-4440-BF11-074CA40A5DBB}"/>
+                  <a16:creationId xmlns:a16="http://schemas.microsoft.com/office/drawing/2014/main" xmlns="" id="{3EF040AE-C45B-4440-BF11-074CA40A5DBB}"/>
                 </a:ext>
               </a:extLst>
             </p:cNvPr>
@@ -24869,7 +24880,7 @@
             <p:cNvPr id="16" name="Rectangle 15">
               <a:extLst>
                 <a:ext uri="{FF2B5EF4-FFF2-40B4-BE49-F238E27FC236}">
-                  <a16:creationId xmlns:a16="http://schemas.microsoft.com/office/drawing/2014/main" id="{5E712BD8-1945-4212-92CA-0E06F169AEF2}"/>
+                  <a16:creationId xmlns:a16="http://schemas.microsoft.com/office/drawing/2014/main" xmlns="" id="{5E712BD8-1945-4212-92CA-0E06F169AEF2}"/>
                 </a:ext>
               </a:extLst>
             </p:cNvPr>
@@ -24885,10 +24896,14 @@
               <a:avLst/>
             </a:prstGeom>
             <a:solidFill>
-              <a:srgbClr val="51C3F9"/>
+              <a:schemeClr val="bg1">
+                <a:lumMod val="95000"/>
+              </a:schemeClr>
             </a:solidFill>
-            <a:ln>
-              <a:noFill/>
+            <a:ln w="76200">
+              <a:solidFill>
+                <a:srgbClr val="4EB3CF"/>
+              </a:solidFill>
             </a:ln>
           </p:spPr>
           <p:style>
@@ -24921,7 +24936,7 @@
             <p:cNvPr id="17" name="TextBox 16">
               <a:extLst>
                 <a:ext uri="{FF2B5EF4-FFF2-40B4-BE49-F238E27FC236}">
-                  <a16:creationId xmlns:a16="http://schemas.microsoft.com/office/drawing/2014/main" id="{84C6A423-CEF7-4726-BFD1-580E54A22648}"/>
+                  <a16:creationId xmlns:a16="http://schemas.microsoft.com/office/drawing/2014/main" xmlns="" id="{84C6A423-CEF7-4726-BFD1-580E54A22648}"/>
                 </a:ext>
               </a:extLst>
             </p:cNvPr>
@@ -24958,7 +24973,7 @@
             <p:cNvPr id="18" name="Rectangle 17">
               <a:extLst>
                 <a:ext uri="{FF2B5EF4-FFF2-40B4-BE49-F238E27FC236}">
-                  <a16:creationId xmlns:a16="http://schemas.microsoft.com/office/drawing/2014/main" id="{82FAE4E4-8974-4D43-8837-ABA368DABA9A}"/>
+                  <a16:creationId xmlns:a16="http://schemas.microsoft.com/office/drawing/2014/main" xmlns="" id="{82FAE4E4-8974-4D43-8837-ABA368DABA9A}"/>
                 </a:ext>
               </a:extLst>
             </p:cNvPr>
@@ -24991,128 +25006,6 @@
           </p:txBody>
         </p:sp>
       </p:grpSp>
-      <p:sp>
-        <p:nvSpPr>
-          <p:cNvPr id="3" name="Speech Bubble: Rectangle 2">
-            <a:extLst>
-              <a:ext uri="{FF2B5EF4-FFF2-40B4-BE49-F238E27FC236}">
-                <a16:creationId xmlns:a16="http://schemas.microsoft.com/office/drawing/2014/main" id="{E3F29CFF-41DC-42FC-9039-977D590E4A53}"/>
-              </a:ext>
-            </a:extLst>
-          </p:cNvPr>
-          <p:cNvSpPr/>
-          <p:nvPr/>
-        </p:nvSpPr>
-        <p:spPr>
-          <a:xfrm>
-            <a:off x="591456" y="794053"/>
-            <a:ext cx="4443840" cy="3043851"/>
-          </a:xfrm>
-          <a:prstGeom prst="wedgeRectCallout">
-            <a:avLst/>
-          </a:prstGeom>
-        </p:spPr>
-        <p:style>
-          <a:lnRef idx="2">
-            <a:schemeClr val="accent1">
-              <a:shade val="50000"/>
-            </a:schemeClr>
-          </a:lnRef>
-          <a:fillRef idx="1">
-            <a:schemeClr val="accent1"/>
-          </a:fillRef>
-          <a:effectRef idx="0">
-            <a:schemeClr val="accent1"/>
-          </a:effectRef>
-          <a:fontRef idx="minor">
-            <a:schemeClr val="lt1"/>
-          </a:fontRef>
-        </p:style>
-        <p:txBody>
-          <a:bodyPr rtlCol="0" anchor="ctr"/>
-          <a:lstStyle/>
-          <a:p>
-            <a:pPr algn="ctr"/>
-            <a:r>
-              <a:rPr lang="de-DE" b="1" dirty="0" err="1">
-                <a:solidFill>
-                  <a:schemeClr val="tx1"/>
-                </a:solidFill>
-              </a:rPr>
-              <a:t>Important</a:t>
-            </a:r>
-            <a:r>
-              <a:rPr lang="de-DE" b="1" dirty="0">
-                <a:solidFill>
-                  <a:schemeClr val="tx1"/>
-                </a:solidFill>
-              </a:rPr>
-              <a:t>: </a:t>
-            </a:r>
-            <a:r>
-              <a:rPr lang="de-DE" b="1" dirty="0" err="1">
-                <a:solidFill>
-                  <a:schemeClr val="tx1"/>
-                </a:solidFill>
-              </a:rPr>
-              <a:t>Leave</a:t>
-            </a:r>
-            <a:r>
-              <a:rPr lang="de-DE" b="1" dirty="0">
-                <a:solidFill>
-                  <a:schemeClr val="tx1"/>
-                </a:solidFill>
-              </a:rPr>
-              <a:t> „last </a:t>
-            </a:r>
-            <a:r>
-              <a:rPr lang="de-DE" b="1" dirty="0" err="1">
-                <a:solidFill>
-                  <a:schemeClr val="tx1"/>
-                </a:solidFill>
-              </a:rPr>
-              <a:t>vote</a:t>
-            </a:r>
-            <a:r>
-              <a:rPr lang="de-DE" b="1" dirty="0">
-                <a:solidFill>
-                  <a:schemeClr val="tx1"/>
-                </a:solidFill>
-              </a:rPr>
-              <a:t>“ in </a:t>
-            </a:r>
-            <a:r>
-              <a:rPr lang="de-DE" b="1" dirty="0" err="1">
-                <a:solidFill>
-                  <a:schemeClr val="tx1"/>
-                </a:solidFill>
-              </a:rPr>
-              <a:t>your</a:t>
-            </a:r>
-            <a:r>
-              <a:rPr lang="de-DE" b="1" dirty="0">
-                <a:solidFill>
-                  <a:schemeClr val="tx1"/>
-                </a:solidFill>
-              </a:rPr>
-              <a:t> </a:t>
-            </a:r>
-            <a:r>
-              <a:rPr lang="de-DE" b="1" dirty="0" err="1">
-                <a:solidFill>
-                  <a:schemeClr val="tx1"/>
-                </a:solidFill>
-              </a:rPr>
-              <a:t>questionaire</a:t>
-            </a:r>
-            <a:endParaRPr lang="de-DE" b="1" dirty="0">
-              <a:solidFill>
-                <a:schemeClr val="tx1"/>
-              </a:solidFill>
-            </a:endParaRPr>
-          </a:p>
-        </p:txBody>
-      </p:sp>
     </p:spTree>
     <p:extLst>
       <p:ext uri="{BB962C8B-B14F-4D97-AF65-F5344CB8AC3E}">
@@ -25148,7 +25041,7 @@
           <p:cNvPr id="5" name="Footer Placeholder 4">
             <a:extLst>
               <a:ext uri="{FF2B5EF4-FFF2-40B4-BE49-F238E27FC236}">
-                <a16:creationId xmlns:a16="http://schemas.microsoft.com/office/drawing/2014/main" id="{9B02C603-B93A-48B7-B987-397CF7A5C17B}"/>
+                <a16:creationId xmlns:a16="http://schemas.microsoft.com/office/drawing/2014/main" xmlns="" id="{9B02C603-B93A-48B7-B987-397CF7A5C17B}"/>
               </a:ext>
             </a:extLst>
           </p:cNvPr>
@@ -25178,7 +25071,7 @@
           <p:cNvPr id="6" name="Slide Number Placeholder 5">
             <a:extLst>
               <a:ext uri="{FF2B5EF4-FFF2-40B4-BE49-F238E27FC236}">
-                <a16:creationId xmlns:a16="http://schemas.microsoft.com/office/drawing/2014/main" id="{1FFA6EAA-3B37-4F04-9B1C-1E27BE68E62E}"/>
+                <a16:creationId xmlns:a16="http://schemas.microsoft.com/office/drawing/2014/main" xmlns="" id="{1FFA6EAA-3B37-4F04-9B1C-1E27BE68E62E}"/>
               </a:ext>
             </a:extLst>
           </p:cNvPr>
@@ -25207,7 +25100,7 @@
           <p:cNvPr id="2" name="Title 1">
             <a:extLst>
               <a:ext uri="{FF2B5EF4-FFF2-40B4-BE49-F238E27FC236}">
-                <a16:creationId xmlns:a16="http://schemas.microsoft.com/office/drawing/2014/main" id="{03CCF6E9-3AA2-4C28-B85E-CE1C41357C88}"/>
+                <a16:creationId xmlns:a16="http://schemas.microsoft.com/office/drawing/2014/main" xmlns="" id="{03CCF6E9-3AA2-4C28-B85E-CE1C41357C88}"/>
               </a:ext>
             </a:extLst>
           </p:cNvPr>
@@ -25243,7 +25136,7 @@
           <p:cNvPr id="8" name="TextBox 7">
             <a:extLst>
               <a:ext uri="{FF2B5EF4-FFF2-40B4-BE49-F238E27FC236}">
-                <a16:creationId xmlns:a16="http://schemas.microsoft.com/office/drawing/2014/main" id="{0C6E69E5-2E3B-4380-93E9-45EDA8AEAAC8}"/>
+                <a16:creationId xmlns:a16="http://schemas.microsoft.com/office/drawing/2014/main" xmlns="" id="{0C6E69E5-2E3B-4380-93E9-45EDA8AEAAC8}"/>
               </a:ext>
             </a:extLst>
           </p:cNvPr>
@@ -25671,7 +25564,7 @@
           <p:cNvPr id="5" name="Footer Placeholder 4">
             <a:extLst>
               <a:ext uri="{FF2B5EF4-FFF2-40B4-BE49-F238E27FC236}">
-                <a16:creationId xmlns:a16="http://schemas.microsoft.com/office/drawing/2014/main" id="{9B02C603-B93A-48B7-B987-397CF7A5C17B}"/>
+                <a16:creationId xmlns:a16="http://schemas.microsoft.com/office/drawing/2014/main" xmlns="" id="{9B02C603-B93A-48B7-B987-397CF7A5C17B}"/>
               </a:ext>
             </a:extLst>
           </p:cNvPr>
@@ -25701,7 +25594,7 @@
           <p:cNvPr id="6" name="Slide Number Placeholder 5">
             <a:extLst>
               <a:ext uri="{FF2B5EF4-FFF2-40B4-BE49-F238E27FC236}">
-                <a16:creationId xmlns:a16="http://schemas.microsoft.com/office/drawing/2014/main" id="{1FFA6EAA-3B37-4F04-9B1C-1E27BE68E62E}"/>
+                <a16:creationId xmlns:a16="http://schemas.microsoft.com/office/drawing/2014/main" xmlns="" id="{1FFA6EAA-3B37-4F04-9B1C-1E27BE68E62E}"/>
               </a:ext>
             </a:extLst>
           </p:cNvPr>
@@ -25730,7 +25623,7 @@
           <p:cNvPr id="2" name="Title 1">
             <a:extLst>
               <a:ext uri="{FF2B5EF4-FFF2-40B4-BE49-F238E27FC236}">
-                <a16:creationId xmlns:a16="http://schemas.microsoft.com/office/drawing/2014/main" id="{03CCF6E9-3AA2-4C28-B85E-CE1C41357C88}"/>
+                <a16:creationId xmlns:a16="http://schemas.microsoft.com/office/drawing/2014/main" xmlns="" id="{03CCF6E9-3AA2-4C28-B85E-CE1C41357C88}"/>
               </a:ext>
             </a:extLst>
           </p:cNvPr>
@@ -25766,7 +25659,7 @@
           <p:cNvPr id="8" name="TextBox 7">
             <a:extLst>
               <a:ext uri="{FF2B5EF4-FFF2-40B4-BE49-F238E27FC236}">
-                <a16:creationId xmlns:a16="http://schemas.microsoft.com/office/drawing/2014/main" id="{0C6E69E5-2E3B-4380-93E9-45EDA8AEAAC8}"/>
+                <a16:creationId xmlns:a16="http://schemas.microsoft.com/office/drawing/2014/main" xmlns="" id="{0C6E69E5-2E3B-4380-93E9-45EDA8AEAAC8}"/>
               </a:ext>
             </a:extLst>
           </p:cNvPr>
@@ -26099,7 +25992,7 @@
           <p:cNvPr id="2" name="Footer Placeholder 1">
             <a:extLst>
               <a:ext uri="{FF2B5EF4-FFF2-40B4-BE49-F238E27FC236}">
-                <a16:creationId xmlns:a16="http://schemas.microsoft.com/office/drawing/2014/main" id="{492C7A39-7602-4E25-BB76-1DE6581E388C}"/>
+                <a16:creationId xmlns:a16="http://schemas.microsoft.com/office/drawing/2014/main" xmlns="" id="{492C7A39-7602-4E25-BB76-1DE6581E388C}"/>
               </a:ext>
             </a:extLst>
           </p:cNvPr>
@@ -26129,7 +26022,7 @@
           <p:cNvPr id="3" name="Slide Number Placeholder 2">
             <a:extLst>
               <a:ext uri="{FF2B5EF4-FFF2-40B4-BE49-F238E27FC236}">
-                <a16:creationId xmlns:a16="http://schemas.microsoft.com/office/drawing/2014/main" id="{8614D188-4CBF-492E-8A54-7DA915B7B7EE}"/>
+                <a16:creationId xmlns:a16="http://schemas.microsoft.com/office/drawing/2014/main" xmlns="" id="{8614D188-4CBF-492E-8A54-7DA915B7B7EE}"/>
               </a:ext>
             </a:extLst>
           </p:cNvPr>
@@ -26160,7 +26053,7 @@
           <p:cNvPr id="4" name="Title 3">
             <a:extLst>
               <a:ext uri="{FF2B5EF4-FFF2-40B4-BE49-F238E27FC236}">
-                <a16:creationId xmlns:a16="http://schemas.microsoft.com/office/drawing/2014/main" id="{1D3E4C57-5229-4C8C-9C65-71EBCFA34896}"/>
+                <a16:creationId xmlns:a16="http://schemas.microsoft.com/office/drawing/2014/main" xmlns="" id="{1D3E4C57-5229-4C8C-9C65-71EBCFA34896}"/>
               </a:ext>
             </a:extLst>
           </p:cNvPr>
@@ -26189,7 +26082,7 @@
           <p:cNvPr id="5" name="TextBox 4">
             <a:extLst>
               <a:ext uri="{FF2B5EF4-FFF2-40B4-BE49-F238E27FC236}">
-                <a16:creationId xmlns:a16="http://schemas.microsoft.com/office/drawing/2014/main" id="{8A845C4F-8FDB-446A-A287-09546570C404}"/>
+                <a16:creationId xmlns:a16="http://schemas.microsoft.com/office/drawing/2014/main" xmlns="" id="{8A845C4F-8FDB-446A-A287-09546570C404}"/>
               </a:ext>
             </a:extLst>
           </p:cNvPr>
@@ -26198,8 +26091,8 @@
         </p:nvSpPr>
         <p:spPr>
           <a:xfrm>
-            <a:off x="591456" y="1584960"/>
-            <a:ext cx="10990944" cy="369332"/>
+            <a:off x="591456" y="2479481"/>
+            <a:ext cx="11116840" cy="1569660"/>
           </a:xfrm>
           <a:prstGeom prst="rect">
             <a:avLst/>
@@ -26207,433 +26100,37 @@
           <a:noFill/>
         </p:spPr>
         <p:txBody>
-          <a:bodyPr wrap="square" rtlCol="0">
+          <a:bodyPr wrap="square" rtlCol="0" anchor="ctr">
             <a:spAutoFit/>
           </a:bodyPr>
           <a:lstStyle/>
+          <a:p>
+            <a:pPr algn="ctr"/>
+            <a:r>
+              <a:rPr lang="de-DE" sz="3200" b="1" dirty="0" smtClean="0">
+                <a:solidFill>
+                  <a:srgbClr val="37434B"/>
+                </a:solidFill>
+              </a:rPr>
+              <a:t>What can be the role of election forecasting for Dalia?</a:t>
+            </a:r>
+          </a:p>
+          <a:p>
+            <a:pPr algn="ctr"/>
+            <a:endParaRPr lang="de-DE" sz="3200" dirty="0" smtClean="0">
+              <a:solidFill>
+                <a:srgbClr val="37434B"/>
+              </a:solidFill>
+            </a:endParaRPr>
+          </a:p>
           <a:p>
             <a:pPr marL="285750" indent="-285750">
               <a:buFont typeface="Arial" panose="020B0604020202020204" pitchFamily="34" charset="0"/>
               <a:buChar char="•"/>
             </a:pPr>
-            <a:r>
-              <a:rPr lang="de-DE" dirty="0"/>
-              <a:t>Questions</a:t>
-            </a:r>
-          </a:p>
-        </p:txBody>
-      </p:sp>
-      <p:sp>
-        <p:nvSpPr>
-          <p:cNvPr id="6" name="Speech Bubble: Rectangle 5">
-            <a:extLst>
-              <a:ext uri="{FF2B5EF4-FFF2-40B4-BE49-F238E27FC236}">
-                <a16:creationId xmlns:a16="http://schemas.microsoft.com/office/drawing/2014/main" id="{73BB8E4C-7AC9-4AC1-8CCC-783A86DDB949}"/>
-              </a:ext>
-            </a:extLst>
-          </p:cNvPr>
-          <p:cNvSpPr/>
-          <p:nvPr/>
-        </p:nvSpPr>
-        <p:spPr>
-          <a:xfrm>
-            <a:off x="2182368" y="2353056"/>
-            <a:ext cx="4023360" cy="2292096"/>
-          </a:xfrm>
-          <a:prstGeom prst="wedgeRectCallout">
-            <a:avLst/>
-          </a:prstGeom>
-        </p:spPr>
-        <p:style>
-          <a:lnRef idx="2">
-            <a:schemeClr val="accent1">
-              <a:shade val="50000"/>
-            </a:schemeClr>
-          </a:lnRef>
-          <a:fillRef idx="1">
-            <a:schemeClr val="accent1"/>
-          </a:fillRef>
-          <a:effectRef idx="0">
-            <a:schemeClr val="accent1"/>
-          </a:effectRef>
-          <a:fontRef idx="minor">
-            <a:schemeClr val="lt1"/>
-          </a:fontRef>
-        </p:style>
-        <p:txBody>
-          <a:bodyPr rtlCol="0" anchor="ctr"/>
-          <a:lstStyle/>
-          <a:p>
-            <a:pPr algn="ctr"/>
-            <a:r>
-              <a:rPr lang="de-DE" b="1" dirty="0" err="1">
-                <a:solidFill>
-                  <a:schemeClr val="tx1"/>
-                </a:solidFill>
-              </a:rPr>
-              <a:t>Some</a:t>
-            </a:r>
-            <a:r>
-              <a:rPr lang="de-DE" b="1" dirty="0">
-                <a:solidFill>
-                  <a:schemeClr val="tx1"/>
-                </a:solidFill>
-              </a:rPr>
-              <a:t> </a:t>
-            </a:r>
-            <a:r>
-              <a:rPr lang="de-DE" b="1" dirty="0" err="1">
-                <a:solidFill>
-                  <a:schemeClr val="tx1"/>
-                </a:solidFill>
-              </a:rPr>
-              <a:t>interesting</a:t>
-            </a:r>
-            <a:r>
-              <a:rPr lang="de-DE" b="1" dirty="0">
-                <a:solidFill>
-                  <a:schemeClr val="tx1"/>
-                </a:solidFill>
-              </a:rPr>
-              <a:t> </a:t>
-            </a:r>
-            <a:r>
-              <a:rPr lang="de-DE" b="1" dirty="0" err="1">
-                <a:solidFill>
-                  <a:schemeClr val="tx1"/>
-                </a:solidFill>
-              </a:rPr>
-              <a:t>questions</a:t>
-            </a:r>
-            <a:r>
-              <a:rPr lang="de-DE" b="1" dirty="0">
-                <a:solidFill>
-                  <a:schemeClr val="tx1"/>
-                </a:solidFill>
-              </a:rPr>
-              <a:t>:</a:t>
-            </a:r>
-            <a:br>
-              <a:rPr lang="de-DE" b="1" dirty="0">
-                <a:solidFill>
-                  <a:schemeClr val="tx1"/>
-                </a:solidFill>
-              </a:rPr>
-            </a:br>
-            <a:br>
-              <a:rPr lang="de-DE" b="1" dirty="0">
-                <a:solidFill>
-                  <a:schemeClr val="tx1"/>
-                </a:solidFill>
-              </a:rPr>
-            </a:br>
-            <a:r>
-              <a:rPr lang="de-DE" b="1" dirty="0">
-                <a:solidFill>
-                  <a:schemeClr val="tx1"/>
-                </a:solidFill>
-              </a:rPr>
-              <a:t>e.g. </a:t>
-            </a:r>
-            <a:r>
-              <a:rPr lang="de-DE" b="1" dirty="0" err="1">
-                <a:solidFill>
-                  <a:schemeClr val="tx1"/>
-                </a:solidFill>
-              </a:rPr>
-              <a:t>Simply</a:t>
-            </a:r>
-            <a:r>
-              <a:rPr lang="de-DE" b="1" dirty="0">
-                <a:solidFill>
-                  <a:schemeClr val="tx1"/>
-                </a:solidFill>
-              </a:rPr>
-              <a:t> </a:t>
-            </a:r>
-            <a:r>
-              <a:rPr lang="de-DE" b="1" dirty="0" err="1">
-                <a:solidFill>
-                  <a:schemeClr val="tx1"/>
-                </a:solidFill>
-              </a:rPr>
-              <a:t>create</a:t>
-            </a:r>
-            <a:r>
-              <a:rPr lang="de-DE" b="1" dirty="0">
-                <a:solidFill>
-                  <a:schemeClr val="tx1"/>
-                </a:solidFill>
-              </a:rPr>
-              <a:t> a </a:t>
-            </a:r>
-            <a:r>
-              <a:rPr lang="de-DE" b="1" dirty="0" err="1">
-                <a:solidFill>
-                  <a:schemeClr val="tx1"/>
-                </a:solidFill>
-              </a:rPr>
-              <a:t>profile</a:t>
-            </a:r>
-            <a:r>
-              <a:rPr lang="de-DE" b="1" dirty="0">
-                <a:solidFill>
-                  <a:schemeClr val="tx1"/>
-                </a:solidFill>
-              </a:rPr>
-              <a:t> </a:t>
-            </a:r>
-            <a:r>
-              <a:rPr lang="de-DE" b="1" dirty="0" err="1">
-                <a:solidFill>
-                  <a:schemeClr val="tx1"/>
-                </a:solidFill>
-              </a:rPr>
-              <a:t>as</a:t>
-            </a:r>
-            <a:r>
-              <a:rPr lang="de-DE" b="1" dirty="0">
-                <a:solidFill>
-                  <a:schemeClr val="tx1"/>
-                </a:solidFill>
-              </a:rPr>
-              <a:t> a </a:t>
-            </a:r>
-            <a:r>
-              <a:rPr lang="de-DE" b="1" dirty="0" err="1">
-                <a:solidFill>
-                  <a:schemeClr val="tx1"/>
-                </a:solidFill>
-              </a:rPr>
-              <a:t>more</a:t>
-            </a:r>
-            <a:r>
-              <a:rPr lang="de-DE" b="1" dirty="0">
-                <a:solidFill>
-                  <a:schemeClr val="tx1"/>
-                </a:solidFill>
-              </a:rPr>
-              <a:t> </a:t>
-            </a:r>
-            <a:r>
-              <a:rPr lang="de-DE" b="1" dirty="0" err="1">
-                <a:solidFill>
-                  <a:schemeClr val="tx1"/>
-                </a:solidFill>
-              </a:rPr>
-              <a:t>or</a:t>
-            </a:r>
-            <a:r>
-              <a:rPr lang="de-DE" b="1" dirty="0">
-                <a:solidFill>
-                  <a:schemeClr val="tx1"/>
-                </a:solidFill>
-              </a:rPr>
-              <a:t> </a:t>
-            </a:r>
-            <a:r>
-              <a:rPr lang="de-DE" b="1" dirty="0" err="1">
-                <a:solidFill>
-                  <a:schemeClr val="tx1"/>
-                </a:solidFill>
-              </a:rPr>
-              <a:t>less</a:t>
-            </a:r>
-            <a:r>
-              <a:rPr lang="de-DE" b="1" dirty="0">
-                <a:solidFill>
-                  <a:schemeClr val="tx1"/>
-                </a:solidFill>
-              </a:rPr>
-              <a:t> reliable </a:t>
-            </a:r>
-            <a:r>
-              <a:rPr lang="de-DE" b="1" dirty="0" err="1">
-                <a:solidFill>
-                  <a:schemeClr val="tx1"/>
-                </a:solidFill>
-              </a:rPr>
-              <a:t>election</a:t>
-            </a:r>
-            <a:r>
-              <a:rPr lang="de-DE" b="1" dirty="0">
-                <a:solidFill>
-                  <a:schemeClr val="tx1"/>
-                </a:solidFill>
-              </a:rPr>
-              <a:t> </a:t>
-            </a:r>
-            <a:r>
-              <a:rPr lang="de-DE" b="1" dirty="0" err="1">
-                <a:solidFill>
-                  <a:schemeClr val="tx1"/>
-                </a:solidFill>
-              </a:rPr>
-              <a:t>polling</a:t>
-            </a:r>
-            <a:r>
-              <a:rPr lang="de-DE" b="1" dirty="0">
-                <a:solidFill>
-                  <a:schemeClr val="tx1"/>
-                </a:solidFill>
-              </a:rPr>
-              <a:t> </a:t>
-            </a:r>
-            <a:r>
-              <a:rPr lang="de-DE" b="1" dirty="0" err="1">
-                <a:solidFill>
-                  <a:schemeClr val="tx1"/>
-                </a:solidFill>
-              </a:rPr>
-              <a:t>institution</a:t>
-            </a:r>
-            <a:r>
-              <a:rPr lang="de-DE" b="1" dirty="0">
-                <a:solidFill>
-                  <a:schemeClr val="tx1"/>
-                </a:solidFill>
-              </a:rPr>
-              <a:t>: additional </a:t>
-            </a:r>
-            <a:r>
-              <a:rPr lang="de-DE" b="1" dirty="0" err="1">
-                <a:solidFill>
-                  <a:schemeClr val="tx1"/>
-                </a:solidFill>
-              </a:rPr>
-              <a:t>costs</a:t>
-            </a:r>
-            <a:r>
-              <a:rPr lang="de-DE" b="1" dirty="0">
-                <a:solidFill>
-                  <a:schemeClr val="tx1"/>
-                </a:solidFill>
-              </a:rPr>
-              <a:t> </a:t>
-            </a:r>
-            <a:r>
-              <a:rPr lang="de-DE" b="1" dirty="0" err="1">
-                <a:solidFill>
-                  <a:schemeClr val="tx1"/>
-                </a:solidFill>
-              </a:rPr>
-              <a:t>are</a:t>
-            </a:r>
-            <a:r>
-              <a:rPr lang="de-DE" b="1" dirty="0">
-                <a:solidFill>
-                  <a:schemeClr val="tx1"/>
-                </a:solidFill>
-              </a:rPr>
-              <a:t> minimal; </a:t>
-            </a:r>
-            <a:r>
-              <a:rPr lang="de-DE" b="1" dirty="0" err="1">
-                <a:solidFill>
-                  <a:schemeClr val="tx1"/>
-                </a:solidFill>
-              </a:rPr>
-              <a:t>accuracy</a:t>
-            </a:r>
-            <a:r>
-              <a:rPr lang="de-DE" b="1" dirty="0">
-                <a:solidFill>
-                  <a:schemeClr val="tx1"/>
-                </a:solidFill>
-              </a:rPr>
-              <a:t> </a:t>
-            </a:r>
-            <a:r>
-              <a:rPr lang="de-DE" b="1" dirty="0" err="1">
-                <a:solidFill>
-                  <a:schemeClr val="tx1"/>
-                </a:solidFill>
-              </a:rPr>
-              <a:t>can</a:t>
-            </a:r>
-            <a:r>
-              <a:rPr lang="de-DE" b="1" dirty="0">
-                <a:solidFill>
-                  <a:schemeClr val="tx1"/>
-                </a:solidFill>
-              </a:rPr>
-              <a:t> </a:t>
-            </a:r>
-            <a:r>
-              <a:rPr lang="de-DE" b="1" dirty="0" err="1">
-                <a:solidFill>
-                  <a:schemeClr val="tx1"/>
-                </a:solidFill>
-              </a:rPr>
-              <a:t>compete</a:t>
-            </a:r>
-            <a:r>
-              <a:rPr lang="de-DE" b="1" dirty="0">
-                <a:solidFill>
-                  <a:schemeClr val="tx1"/>
-                </a:solidFill>
-              </a:rPr>
-              <a:t> </a:t>
-            </a:r>
-            <a:r>
-              <a:rPr lang="de-DE" b="1" dirty="0" err="1">
-                <a:solidFill>
-                  <a:schemeClr val="tx1"/>
-                </a:solidFill>
-              </a:rPr>
-              <a:t>with</a:t>
-            </a:r>
-            <a:r>
-              <a:rPr lang="de-DE" b="1" dirty="0">
-                <a:solidFill>
-                  <a:schemeClr val="tx1"/>
-                </a:solidFill>
-              </a:rPr>
-              <a:t> </a:t>
-            </a:r>
-            <a:r>
-              <a:rPr lang="de-DE" b="1" dirty="0" err="1">
-                <a:solidFill>
-                  <a:schemeClr val="tx1"/>
-                </a:solidFill>
-              </a:rPr>
-              <a:t>major</a:t>
-            </a:r>
-            <a:r>
-              <a:rPr lang="de-DE" b="1" dirty="0">
-                <a:solidFill>
-                  <a:schemeClr val="tx1"/>
-                </a:solidFill>
-              </a:rPr>
-              <a:t> </a:t>
-            </a:r>
-            <a:r>
-              <a:rPr lang="de-DE" b="1" dirty="0" err="1">
-                <a:solidFill>
-                  <a:schemeClr val="tx1"/>
-                </a:solidFill>
-              </a:rPr>
-              <a:t>polling</a:t>
-            </a:r>
-            <a:r>
-              <a:rPr lang="de-DE" b="1" dirty="0">
-                <a:solidFill>
-                  <a:schemeClr val="tx1"/>
-                </a:solidFill>
-              </a:rPr>
-              <a:t> </a:t>
-            </a:r>
-            <a:r>
-              <a:rPr lang="de-DE" b="1" dirty="0" err="1">
-                <a:solidFill>
-                  <a:schemeClr val="tx1"/>
-                </a:solidFill>
-              </a:rPr>
-              <a:t>institutions</a:t>
-            </a:r>
-            <a:endParaRPr lang="de-DE" b="1" dirty="0">
+            <a:endParaRPr lang="de-DE" sz="3200" dirty="0">
               <a:solidFill>
-                <a:schemeClr val="tx1"/>
+                <a:srgbClr val="37434B"/>
               </a:solidFill>
             </a:endParaRPr>
           </a:p>
@@ -26669,50 +26166,51 @@
           <a:chExt cx="0" cy="0"/>
         </a:xfrm>
       </p:grpSpPr>
-      <p:pic>
-        <p:nvPicPr>
-          <p:cNvPr id="9" name="Picture 8" descr="A close up of a map&#10;&#10;Description generated with high confidence">
-            <a:extLst>
-              <a:ext uri="{FF2B5EF4-FFF2-40B4-BE49-F238E27FC236}">
-                <a16:creationId xmlns:a16="http://schemas.microsoft.com/office/drawing/2014/main" id="{FDA5F165-838C-4801-AA4F-0FEF6E6E387A}"/>
-              </a:ext>
-            </a:extLst>
-          </p:cNvPr>
-          <p:cNvPicPr>
-            <a:picLocks noChangeAspect="1"/>
-          </p:cNvPicPr>
-          <p:nvPr/>
-        </p:nvPicPr>
-        <p:blipFill rotWithShape="1">
-          <a:blip r:embed="rId2">
-            <a:extLst>
-              <a:ext uri="{28A0092B-C50C-407E-A947-70E740481C1C}">
-                <a14:useLocalDpi xmlns:a14="http://schemas.microsoft.com/office/drawing/2010/main" val="0"/>
-              </a:ext>
-            </a:extLst>
-          </a:blip>
-          <a:srcRect t="7990" r="1" b="1"/>
-          <a:stretch/>
-        </p:blipFill>
-        <p:spPr>
-          <a:xfrm>
-            <a:off x="5349240" y="1904281"/>
-            <a:ext cx="6233160" cy="4272681"/>
-          </a:xfrm>
-          <a:prstGeom prst="rect">
-            <a:avLst/>
-          </a:prstGeom>
-        </p:spPr>
-      </p:pic>
-      <p:sp>
-        <p:nvSpPr>
-          <p:cNvPr id="3" name="Footer Placeholder 2">
-            <a:extLst>
-              <a:ext uri="{FF2B5EF4-FFF2-40B4-BE49-F238E27FC236}">
-                <a16:creationId xmlns:a16="http://schemas.microsoft.com/office/drawing/2014/main" id="{EF9E36A0-794C-4615-AF87-189AB6A03E20}"/>
-              </a:ext>
-            </a:extLst>
-          </p:cNvPr>
+      <p:sp>
+        <p:nvSpPr>
+          <p:cNvPr id="2" name="Title 1"/>
+          <p:cNvSpPr>
+            <a:spLocks noGrp="1"/>
+          </p:cNvSpPr>
+          <p:nvPr>
+            <p:ph type="title"/>
+          </p:nvPr>
+        </p:nvSpPr>
+        <p:spPr/>
+        <p:txBody>
+          <a:bodyPr/>
+          <a:lstStyle/>
+          <a:p>
+            <a:r>
+              <a:rPr lang="de-DE" dirty="0" smtClean="0"/>
+              <a:t>APPENDIX</a:t>
+            </a:r>
+            <a:endParaRPr lang="de-DE" dirty="0"/>
+          </a:p>
+        </p:txBody>
+      </p:sp>
+      <p:sp>
+        <p:nvSpPr>
+          <p:cNvPr id="3" name="Text Placeholder 2"/>
+          <p:cNvSpPr>
+            <a:spLocks noGrp="1"/>
+          </p:cNvSpPr>
+          <p:nvPr>
+            <p:ph type="body" idx="1"/>
+          </p:nvPr>
+        </p:nvSpPr>
+        <p:spPr/>
+        <p:txBody>
+          <a:bodyPr/>
+          <a:lstStyle/>
+          <a:p>
+            <a:endParaRPr lang="de-DE"/>
+          </a:p>
+        </p:txBody>
+      </p:sp>
+      <p:sp>
+        <p:nvSpPr>
+          <p:cNvPr id="4" name="Footer Placeholder 3"/>
           <p:cNvSpPr>
             <a:spLocks noGrp="1"/>
           </p:cNvSpPr>
@@ -26725,24 +26223,17 @@
           <a:bodyPr/>
           <a:lstStyle/>
           <a:p>
-            <a:pPr algn="ctr"/>
-            <a:r>
-              <a:rPr lang="de-DE"/>
+            <a:r>
+              <a:rPr lang="de-DE" smtClean="0"/>
               <a:t>10.10.2017</a:t>
             </a:r>
-            <a:endParaRPr lang="de-DE" dirty="0"/>
-          </a:p>
-        </p:txBody>
-      </p:sp>
-      <p:sp>
-        <p:nvSpPr>
-          <p:cNvPr id="4" name="Slide Number Placeholder 3">
-            <a:extLst>
-              <a:ext uri="{FF2B5EF4-FFF2-40B4-BE49-F238E27FC236}">
-                <a16:creationId xmlns:a16="http://schemas.microsoft.com/office/drawing/2014/main" id="{F750773E-5713-4393-BFBD-2EA32ABE59FD}"/>
-              </a:ext>
-            </a:extLst>
-          </p:cNvPr>
+            <a:endParaRPr lang="de-DE"/>
+          </a:p>
+        </p:txBody>
+      </p:sp>
+      <p:sp>
+        <p:nvSpPr>
+          <p:cNvPr id="5" name="Slide Number Placeholder 4"/>
           <p:cNvSpPr>
             <a:spLocks noGrp="1"/>
           </p:cNvSpPr>
@@ -26759,214 +26250,14 @@
               <a:rPr lang="de-DE" smtClean="0"/>
               <a:t>14</a:t>
             </a:fld>
-            <a:endParaRPr lang="de-DE" dirty="0"/>
-          </a:p>
-        </p:txBody>
-      </p:sp>
-      <p:sp>
-        <p:nvSpPr>
-          <p:cNvPr id="2" name="Title 1">
-            <a:extLst>
-              <a:ext uri="{FF2B5EF4-FFF2-40B4-BE49-F238E27FC236}">
-                <a16:creationId xmlns:a16="http://schemas.microsoft.com/office/drawing/2014/main" id="{03CCF6E9-3AA2-4C28-B85E-CE1C41357C88}"/>
-              </a:ext>
-            </a:extLst>
-          </p:cNvPr>
-          <p:cNvSpPr>
-            <a:spLocks noGrp="1"/>
-          </p:cNvSpPr>
-          <p:nvPr>
-            <p:ph type="title"/>
-          </p:nvPr>
-        </p:nvSpPr>
-        <p:spPr>
-          <a:prstGeom prst="rect">
-            <a:avLst/>
-          </a:prstGeom>
-        </p:spPr>
-        <p:txBody>
-          <a:bodyPr>
-            <a:normAutofit/>
-          </a:bodyPr>
-          <a:lstStyle/>
-          <a:p>
-            <a:r>
-              <a:rPr lang="de-DE" b="1" dirty="0">
-                <a:latin typeface="Arial Black" panose="020B0A04020102020204" pitchFamily="34" charset="0"/>
-              </a:rPr>
-              <a:t>Polling: General </a:t>
-            </a:r>
-            <a:r>
-              <a:rPr lang="de-DE" b="1" dirty="0" err="1">
-                <a:latin typeface="Arial Black" panose="020B0A04020102020204" pitchFamily="34" charset="0"/>
-              </a:rPr>
-              <a:t>remarks</a:t>
-            </a:r>
-            <a:endParaRPr lang="de-DE" b="1" dirty="0">
-              <a:latin typeface="Arial Black" panose="020B0A04020102020204" pitchFamily="34" charset="0"/>
-            </a:endParaRPr>
-          </a:p>
-        </p:txBody>
-      </p:sp>
-      <p:sp>
-        <p:nvSpPr>
-          <p:cNvPr id="7" name="Content Placeholder 2">
-            <a:extLst>
-              <a:ext uri="{FF2B5EF4-FFF2-40B4-BE49-F238E27FC236}">
-                <a16:creationId xmlns:a16="http://schemas.microsoft.com/office/drawing/2014/main" id="{C38B3F35-6CC2-4D19-8230-F792387EBA79}"/>
-              </a:ext>
-            </a:extLst>
-          </p:cNvPr>
-          <p:cNvSpPr>
-            <a:spLocks noGrp="1"/>
-          </p:cNvSpPr>
-          <p:nvPr>
-            <p:ph idx="4294967295"/>
-          </p:nvPr>
-        </p:nvSpPr>
-        <p:spPr>
-          <a:xfrm>
-            <a:off x="622300" y="1901824"/>
-            <a:ext cx="4991100" cy="4275137"/>
-          </a:xfrm>
-        </p:spPr>
-        <p:txBody>
-          <a:bodyPr>
-            <a:normAutofit/>
-          </a:bodyPr>
-          <a:lstStyle/>
-          <a:p>
-            <a:r>
-              <a:rPr lang="de-DE" sz="1800" b="1" dirty="0">
-                <a:solidFill>
-                  <a:schemeClr val="tx1">
-                    <a:lumMod val="75000"/>
-                    <a:lumOff val="25000"/>
-                  </a:schemeClr>
-                </a:solidFill>
-              </a:rPr>
-              <a:t>Most election polls are based on small samples (n=1000)</a:t>
-            </a:r>
-          </a:p>
-          <a:p>
-            <a:r>
-              <a:rPr lang="de-DE" sz="1800" b="1" dirty="0"/>
-              <a:t>Showing robust change in voter support is difficult</a:t>
-            </a:r>
-          </a:p>
-          <a:p>
-            <a:pPr lvl="1"/>
-            <a:r>
-              <a:rPr lang="de-DE" sz="1800" b="1" dirty="0"/>
-              <a:t>Large samples required</a:t>
-            </a:r>
-          </a:p>
-          <a:p>
-            <a:pPr lvl="1"/>
-            <a:r>
-              <a:rPr lang="de-DE" sz="1800" b="1" dirty="0"/>
-              <a:t>Hence, limited reliability of classical polls</a:t>
-            </a:r>
-            <a:endParaRPr lang="de-DE" sz="2200" b="1" dirty="0"/>
-          </a:p>
-          <a:p>
-            <a:endParaRPr lang="de-DE" sz="1800" b="1" dirty="0">
-              <a:solidFill>
-                <a:schemeClr val="tx1">
-                  <a:lumMod val="75000"/>
-                  <a:lumOff val="25000"/>
-                </a:schemeClr>
-              </a:solidFill>
-            </a:endParaRPr>
-          </a:p>
-          <a:p>
-            <a:endParaRPr lang="de-DE" sz="1800" b="1" dirty="0"/>
-          </a:p>
-          <a:p>
-            <a:endParaRPr lang="de-DE" sz="1800" b="1" dirty="0">
-              <a:solidFill>
-                <a:schemeClr val="tx1">
-                  <a:lumMod val="75000"/>
-                  <a:lumOff val="25000"/>
-                </a:schemeClr>
-              </a:solidFill>
-            </a:endParaRPr>
-          </a:p>
-          <a:p>
-            <a:endParaRPr lang="de-DE" sz="1800" b="1" dirty="0"/>
-          </a:p>
-          <a:p>
-            <a:r>
-              <a:rPr lang="de-DE" sz="1800" b="1" dirty="0">
-                <a:solidFill>
-                  <a:schemeClr val="tx1">
-                    <a:lumMod val="75000"/>
-                    <a:lumOff val="25000"/>
-                  </a:schemeClr>
-                </a:solidFill>
-              </a:rPr>
-              <a:t>Careful: only large samples is not enough</a:t>
-            </a:r>
-          </a:p>
-          <a:p>
-            <a:pPr lvl="1"/>
-            <a:r>
-              <a:rPr lang="de-DE" sz="1800" b="1" dirty="0"/>
-              <a:t>Literary Digest 1936 poll mistake</a:t>
-            </a:r>
-          </a:p>
-          <a:p>
-            <a:endParaRPr lang="de-DE" sz="1800" b="1" dirty="0">
-              <a:solidFill>
-                <a:schemeClr val="tx1">
-                  <a:lumMod val="75000"/>
-                  <a:lumOff val="25000"/>
-                </a:schemeClr>
-              </a:solidFill>
-            </a:endParaRPr>
-          </a:p>
-        </p:txBody>
-      </p:sp>
-      <p:pic>
-        <p:nvPicPr>
-          <p:cNvPr id="11" name="Picture 10" descr="A picture containing object&#10;&#10;Description generated with very high confidence">
-            <a:extLst>
-              <a:ext uri="{FF2B5EF4-FFF2-40B4-BE49-F238E27FC236}">
-                <a16:creationId xmlns:a16="http://schemas.microsoft.com/office/drawing/2014/main" id="{C9FCC23B-C008-4215-A2FC-F258C9CBAB47}"/>
-              </a:ext>
-            </a:extLst>
-          </p:cNvPr>
-          <p:cNvPicPr>
-            <a:picLocks noChangeAspect="1"/>
-          </p:cNvPicPr>
-          <p:nvPr/>
-        </p:nvPicPr>
-        <p:blipFill>
-          <a:blip r:embed="rId3">
-            <a:extLst>
-              <a:ext uri="{28A0092B-C50C-407E-A947-70E740481C1C}">
-                <a14:useLocalDpi xmlns:a14="http://schemas.microsoft.com/office/drawing/2010/main" val="0"/>
-              </a:ext>
-            </a:extLst>
-          </a:blip>
-          <a:stretch>
-            <a:fillRect/>
-          </a:stretch>
-        </p:blipFill>
-        <p:spPr>
-          <a:xfrm>
-            <a:off x="1325486" y="4010004"/>
-            <a:ext cx="3305557" cy="850798"/>
-          </a:xfrm>
-          <a:prstGeom prst="rect">
-            <a:avLst/>
-          </a:prstGeom>
-        </p:spPr>
-      </p:pic>
+            <a:endParaRPr lang="de-DE"/>
+          </a:p>
+        </p:txBody>
+      </p:sp>
     </p:spTree>
     <p:extLst>
       <p:ext uri="{BB962C8B-B14F-4D97-AF65-F5344CB8AC3E}">
-        <p14:creationId xmlns:p14="http://schemas.microsoft.com/office/powerpoint/2010/main" val="3408655522"/>
+        <p14:creationId xmlns:p14="http://schemas.microsoft.com/office/powerpoint/2010/main" val="2679562288"/>
       </p:ext>
     </p:extLst>
   </p:cSld>
@@ -26995,13 +26286,7 @@
       </p:grpSpPr>
       <p:sp>
         <p:nvSpPr>
-          <p:cNvPr id="5" name="Footer Placeholder 4">
-            <a:extLst>
-              <a:ext uri="{FF2B5EF4-FFF2-40B4-BE49-F238E27FC236}">
-                <a16:creationId xmlns:a16="http://schemas.microsoft.com/office/drawing/2014/main" id="{13AC2200-672F-4184-A8F1-040A0AB0AC15}"/>
-              </a:ext>
-            </a:extLst>
-          </p:cNvPr>
+          <p:cNvPr id="2" name="Footer Placeholder 1"/>
           <p:cNvSpPr>
             <a:spLocks noGrp="1"/>
           </p:cNvSpPr>
@@ -27016,7 +26301,7 @@
           <a:p>
             <a:pPr algn="ctr"/>
             <a:r>
-              <a:rPr lang="de-DE"/>
+              <a:rPr lang="de-DE" smtClean="0"/>
               <a:t>10.10.2017</a:t>
             </a:r>
             <a:endParaRPr lang="de-DE" dirty="0"/>
@@ -27025,13 +26310,7 @@
       </p:sp>
       <p:sp>
         <p:nvSpPr>
-          <p:cNvPr id="7" name="Slide Number Placeholder 6">
-            <a:extLst>
-              <a:ext uri="{FF2B5EF4-FFF2-40B4-BE49-F238E27FC236}">
-                <a16:creationId xmlns:a16="http://schemas.microsoft.com/office/drawing/2014/main" id="{B2B890B5-F570-4B94-A6DA-0BC1422ECA80}"/>
-              </a:ext>
-            </a:extLst>
-          </p:cNvPr>
+          <p:cNvPr id="3" name="Slide Number Placeholder 2"/>
           <p:cNvSpPr>
             <a:spLocks noGrp="1"/>
           </p:cNvSpPr>
@@ -27044,8 +26323,10 @@
           <a:bodyPr/>
           <a:lstStyle/>
           <a:p>
+            <a:pPr algn="ctr"/>
             <a:fld id="{C9A4031B-9BF7-4225-8822-865626CAA73B}" type="slidenum">
               <a:rPr lang="de-DE" smtClean="0"/>
+              <a:pPr algn="ctr"/>
               <a:t>15</a:t>
             </a:fld>
             <a:endParaRPr lang="de-DE" dirty="0"/>
@@ -27054,13 +26335,7 @@
       </p:sp>
       <p:sp>
         <p:nvSpPr>
-          <p:cNvPr id="2" name="Title 1">
-            <a:extLst>
-              <a:ext uri="{FF2B5EF4-FFF2-40B4-BE49-F238E27FC236}">
-                <a16:creationId xmlns:a16="http://schemas.microsoft.com/office/drawing/2014/main" id="{03CCF6E9-3AA2-4C28-B85E-CE1C41357C88}"/>
-              </a:ext>
-            </a:extLst>
-          </p:cNvPr>
+          <p:cNvPr id="4" name="Title 3"/>
           <p:cNvSpPr>
             <a:spLocks noGrp="1"/>
           </p:cNvSpPr>
@@ -27068,922 +26343,14 @@
             <p:ph type="title"/>
           </p:nvPr>
         </p:nvSpPr>
-        <p:spPr>
-          <a:prstGeom prst="rect">
-            <a:avLst/>
-          </a:prstGeom>
-        </p:spPr>
-        <p:txBody>
-          <a:bodyPr>
-            <a:normAutofit/>
-          </a:bodyPr>
-          <a:lstStyle/>
-          <a:p>
-            <a:r>
-              <a:rPr lang="de-DE" sz="3600" b="1" dirty="0">
-                <a:latin typeface="Arial Black" panose="020B0A04020102020204" pitchFamily="34" charset="0"/>
-              </a:rPr>
-              <a:t>Polling: Pros and </a:t>
-            </a:r>
-            <a:r>
-              <a:rPr lang="de-DE" sz="3600" b="1" dirty="0" err="1">
-                <a:latin typeface="Arial Black" panose="020B0A04020102020204" pitchFamily="34" charset="0"/>
-              </a:rPr>
-              <a:t>Cons</a:t>
-            </a:r>
-            <a:endParaRPr lang="de-DE" sz="3600" b="1" dirty="0">
-              <a:latin typeface="Arial Black" panose="020B0A04020102020204" pitchFamily="34" charset="0"/>
-            </a:endParaRPr>
-          </a:p>
-        </p:txBody>
-      </p:sp>
-      <p:grpSp>
-        <p:nvGrpSpPr>
-          <p:cNvPr id="9" name="Group 8">
-            <a:extLst>
-              <a:ext uri="{FF2B5EF4-FFF2-40B4-BE49-F238E27FC236}">
-                <a16:creationId xmlns:a16="http://schemas.microsoft.com/office/drawing/2014/main" id="{EFE7E6FD-6B3F-4C20-832F-8FB7353D84F6}"/>
-              </a:ext>
-            </a:extLst>
-          </p:cNvPr>
-          <p:cNvGrpSpPr/>
-          <p:nvPr/>
-        </p:nvGrpSpPr>
-        <p:grpSpPr>
-          <a:xfrm>
-            <a:off x="914452" y="1965449"/>
-            <a:ext cx="10363096" cy="4071689"/>
-            <a:chOff x="914451" y="1965449"/>
-            <a:chExt cx="10363096" cy="4071689"/>
-          </a:xfrm>
-        </p:grpSpPr>
-        <p:sp>
-          <p:nvSpPr>
-            <p:cNvPr id="10" name="Freeform: Shape 9">
-              <a:extLst>
-                <a:ext uri="{FF2B5EF4-FFF2-40B4-BE49-F238E27FC236}">
-                  <a16:creationId xmlns:a16="http://schemas.microsoft.com/office/drawing/2014/main" id="{0237C9BE-9224-43EB-8B58-1A3E5F09F65D}"/>
-                </a:ext>
-              </a:extLst>
-            </p:cNvPr>
-            <p:cNvSpPr/>
-            <p:nvPr/>
-          </p:nvSpPr>
-          <p:spPr>
-            <a:xfrm>
-              <a:off x="914451" y="1965449"/>
-              <a:ext cx="4913783" cy="662400"/>
-            </a:xfrm>
-            <a:custGeom>
-              <a:avLst/>
-              <a:gdLst>
-                <a:gd name="connsiteX0" fmla="*/ 0 w 4913783"/>
-                <a:gd name="connsiteY0" fmla="*/ 0 h 662400"/>
-                <a:gd name="connsiteX1" fmla="*/ 4913783 w 4913783"/>
-                <a:gd name="connsiteY1" fmla="*/ 0 h 662400"/>
-                <a:gd name="connsiteX2" fmla="*/ 4913783 w 4913783"/>
-                <a:gd name="connsiteY2" fmla="*/ 662400 h 662400"/>
-                <a:gd name="connsiteX3" fmla="*/ 0 w 4913783"/>
-                <a:gd name="connsiteY3" fmla="*/ 662400 h 662400"/>
-                <a:gd name="connsiteX4" fmla="*/ 0 w 4913783"/>
-                <a:gd name="connsiteY4" fmla="*/ 0 h 662400"/>
-              </a:gdLst>
-              <a:ahLst/>
-              <a:cxnLst>
-                <a:cxn ang="0">
-                  <a:pos x="connsiteX0" y="connsiteY0"/>
-                </a:cxn>
-                <a:cxn ang="0">
-                  <a:pos x="connsiteX1" y="connsiteY1"/>
-                </a:cxn>
-                <a:cxn ang="0">
-                  <a:pos x="connsiteX2" y="connsiteY2"/>
-                </a:cxn>
-                <a:cxn ang="0">
-                  <a:pos x="connsiteX3" y="connsiteY3"/>
-                </a:cxn>
-                <a:cxn ang="0">
-                  <a:pos x="connsiteX4" y="connsiteY4"/>
-                </a:cxn>
-              </a:cxnLst>
-              <a:rect l="l" t="t" r="r" b="b"/>
-              <a:pathLst>
-                <a:path w="4913783" h="662400">
-                  <a:moveTo>
-                    <a:pt x="0" y="0"/>
-                  </a:moveTo>
-                  <a:lnTo>
-                    <a:pt x="4913783" y="0"/>
-                  </a:lnTo>
-                  <a:lnTo>
-                    <a:pt x="4913783" y="662400"/>
-                  </a:lnTo>
-                  <a:lnTo>
-                    <a:pt x="0" y="662400"/>
-                  </a:lnTo>
-                  <a:lnTo>
-                    <a:pt x="0" y="0"/>
-                  </a:lnTo>
-                  <a:close/>
-                </a:path>
-              </a:pathLst>
-            </a:custGeom>
-            <a:solidFill>
-              <a:schemeClr val="accent2">
-                <a:lumMod val="60000"/>
-                <a:lumOff val="40000"/>
-              </a:schemeClr>
-            </a:solidFill>
-          </p:spPr>
-          <p:style>
-            <a:lnRef idx="2">
-              <a:schemeClr val="accent5">
-                <a:hueOff val="0"/>
-                <a:satOff val="0"/>
-                <a:lumOff val="0"/>
-                <a:alphaOff val="0"/>
-              </a:schemeClr>
-            </a:lnRef>
-            <a:fillRef idx="1">
-              <a:schemeClr val="accent5">
-                <a:hueOff val="0"/>
-                <a:satOff val="0"/>
-                <a:lumOff val="0"/>
-                <a:alphaOff val="0"/>
-              </a:schemeClr>
-            </a:fillRef>
-            <a:effectRef idx="0">
-              <a:schemeClr val="accent5">
-                <a:hueOff val="0"/>
-                <a:satOff val="0"/>
-                <a:lumOff val="0"/>
-                <a:alphaOff val="0"/>
-              </a:schemeClr>
-            </a:effectRef>
-            <a:fontRef idx="minor">
-              <a:schemeClr val="lt1"/>
-            </a:fontRef>
-          </p:style>
-          <p:txBody>
-            <a:bodyPr spcFirstLastPara="0" vert="horz" wrap="square" lIns="163576" tIns="93472" rIns="163576" bIns="93472" numCol="1" spcCol="1270" anchor="ctr" anchorCtr="0">
-              <a:noAutofit/>
-            </a:bodyPr>
-            <a:lstStyle/>
-            <a:p>
-              <a:pPr marL="0" lvl="0" indent="0" algn="ctr" defTabSz="1022350">
-                <a:lnSpc>
-                  <a:spcPct val="90000"/>
-                </a:lnSpc>
-                <a:spcBef>
-                  <a:spcPct val="0"/>
-                </a:spcBef>
-                <a:spcAft>
-                  <a:spcPct val="35000"/>
-                </a:spcAft>
-                <a:buNone/>
-              </a:pPr>
-              <a:r>
-                <a:rPr lang="de-DE" sz="2300" b="0" i="0" u="none" strike="noStrike" kern="1200" baseline="0" dirty="0">
-                  <a:solidFill>
-                    <a:schemeClr val="tx1">
-                      <a:lumMod val="75000"/>
-                      <a:lumOff val="25000"/>
-                    </a:schemeClr>
-                  </a:solidFill>
-                  <a:latin typeface="Arial Black" panose="020B0A04020102020204" pitchFamily="34" charset="0"/>
-                </a:rPr>
-                <a:t>Pros</a:t>
-              </a:r>
-              <a:endParaRPr lang="de-DE" sz="2300" kern="1200" dirty="0">
-                <a:solidFill>
-                  <a:schemeClr val="tx1">
-                    <a:lumMod val="75000"/>
-                    <a:lumOff val="25000"/>
-                  </a:schemeClr>
-                </a:solidFill>
-                <a:latin typeface="Arial Black" panose="020B0A04020102020204" pitchFamily="34" charset="0"/>
-              </a:endParaRPr>
-            </a:p>
-          </p:txBody>
-        </p:sp>
-        <p:sp>
-          <p:nvSpPr>
-            <p:cNvPr id="11" name="Freeform: Shape 10">
-              <a:extLst>
-                <a:ext uri="{FF2B5EF4-FFF2-40B4-BE49-F238E27FC236}">
-                  <a16:creationId xmlns:a16="http://schemas.microsoft.com/office/drawing/2014/main" id="{4301A182-F5D7-4729-B166-FA8667FD7FC3}"/>
-                </a:ext>
-              </a:extLst>
-            </p:cNvPr>
-            <p:cNvSpPr/>
-            <p:nvPr/>
-          </p:nvSpPr>
-          <p:spPr>
-            <a:xfrm>
-              <a:off x="914451" y="2627849"/>
-              <a:ext cx="4913783" cy="3409289"/>
-            </a:xfrm>
-            <a:custGeom>
-              <a:avLst/>
-              <a:gdLst>
-                <a:gd name="connsiteX0" fmla="*/ 0 w 4913783"/>
-                <a:gd name="connsiteY0" fmla="*/ 0 h 3409289"/>
-                <a:gd name="connsiteX1" fmla="*/ 4913783 w 4913783"/>
-                <a:gd name="connsiteY1" fmla="*/ 0 h 3409289"/>
-                <a:gd name="connsiteX2" fmla="*/ 4913783 w 4913783"/>
-                <a:gd name="connsiteY2" fmla="*/ 3409289 h 3409289"/>
-                <a:gd name="connsiteX3" fmla="*/ 0 w 4913783"/>
-                <a:gd name="connsiteY3" fmla="*/ 3409289 h 3409289"/>
-                <a:gd name="connsiteX4" fmla="*/ 0 w 4913783"/>
-                <a:gd name="connsiteY4" fmla="*/ 0 h 3409289"/>
-              </a:gdLst>
-              <a:ahLst/>
-              <a:cxnLst>
-                <a:cxn ang="0">
-                  <a:pos x="connsiteX0" y="connsiteY0"/>
-                </a:cxn>
-                <a:cxn ang="0">
-                  <a:pos x="connsiteX1" y="connsiteY1"/>
-                </a:cxn>
-                <a:cxn ang="0">
-                  <a:pos x="connsiteX2" y="connsiteY2"/>
-                </a:cxn>
-                <a:cxn ang="0">
-                  <a:pos x="connsiteX3" y="connsiteY3"/>
-                </a:cxn>
-                <a:cxn ang="0">
-                  <a:pos x="connsiteX4" y="connsiteY4"/>
-                </a:cxn>
-              </a:cxnLst>
-              <a:rect l="l" t="t" r="r" b="b"/>
-              <a:pathLst>
-                <a:path w="4913783" h="3409289">
-                  <a:moveTo>
-                    <a:pt x="0" y="0"/>
-                  </a:moveTo>
-                  <a:lnTo>
-                    <a:pt x="4913783" y="0"/>
-                  </a:lnTo>
-                  <a:lnTo>
-                    <a:pt x="4913783" y="3409289"/>
-                  </a:lnTo>
-                  <a:lnTo>
-                    <a:pt x="0" y="3409289"/>
-                  </a:lnTo>
-                  <a:lnTo>
-                    <a:pt x="0" y="0"/>
-                  </a:lnTo>
-                  <a:close/>
-                </a:path>
-              </a:pathLst>
-            </a:custGeom>
-            <a:solidFill>
-              <a:schemeClr val="bg1">
-                <a:lumMod val="95000"/>
-                <a:alpha val="90000"/>
-              </a:schemeClr>
-            </a:solidFill>
-          </p:spPr>
-          <p:style>
-            <a:lnRef idx="2">
-              <a:schemeClr val="accent5">
-                <a:tint val="40000"/>
-                <a:alpha val="90000"/>
-                <a:hueOff val="0"/>
-                <a:satOff val="0"/>
-                <a:lumOff val="0"/>
-                <a:alphaOff val="0"/>
-              </a:schemeClr>
-            </a:lnRef>
-            <a:fillRef idx="1">
-              <a:schemeClr val="accent5">
-                <a:tint val="40000"/>
-                <a:alpha val="90000"/>
-                <a:hueOff val="0"/>
-                <a:satOff val="0"/>
-                <a:lumOff val="0"/>
-                <a:alphaOff val="0"/>
-              </a:schemeClr>
-            </a:fillRef>
-            <a:effectRef idx="0">
-              <a:schemeClr val="accent5">
-                <a:tint val="40000"/>
-                <a:alpha val="90000"/>
-                <a:hueOff val="0"/>
-                <a:satOff val="0"/>
-                <a:lumOff val="0"/>
-                <a:alphaOff val="0"/>
-              </a:schemeClr>
-            </a:effectRef>
-            <a:fontRef idx="minor">
-              <a:schemeClr val="dk1">
-                <a:hueOff val="0"/>
-                <a:satOff val="0"/>
-                <a:lumOff val="0"/>
-                <a:alphaOff val="0"/>
-              </a:schemeClr>
-            </a:fontRef>
-          </p:style>
-          <p:txBody>
-            <a:bodyPr spcFirstLastPara="0" vert="horz" wrap="square" lIns="122682" tIns="122682" rIns="163576" bIns="184023" numCol="1" spcCol="1270" anchor="t" anchorCtr="0">
-              <a:noAutofit/>
-            </a:bodyPr>
-            <a:lstStyle/>
-            <a:p>
-              <a:pPr marL="228600" lvl="1" indent="-228600" algn="l" defTabSz="1022350">
-                <a:lnSpc>
-                  <a:spcPct val="90000"/>
-                </a:lnSpc>
-                <a:spcBef>
-                  <a:spcPct val="0"/>
-                </a:spcBef>
-                <a:spcAft>
-                  <a:spcPct val="15000"/>
-                </a:spcAft>
-                <a:buChar char="•"/>
-              </a:pPr>
-              <a:r>
-                <a:rPr lang="de-DE" sz="2300" kern="1200" dirty="0">
-                  <a:latin typeface="+mj-lt"/>
-                </a:rPr>
-                <a:t>most popular method</a:t>
-              </a:r>
-            </a:p>
-            <a:p>
-              <a:pPr marL="228600" lvl="1" indent="-228600" algn="l" defTabSz="1022350">
-                <a:lnSpc>
-                  <a:spcPct val="90000"/>
-                </a:lnSpc>
-                <a:spcBef>
-                  <a:spcPct val="0"/>
-                </a:spcBef>
-                <a:spcAft>
-                  <a:spcPct val="15000"/>
-                </a:spcAft>
-                <a:buChar char="•"/>
-              </a:pPr>
-              <a:r>
-                <a:rPr lang="en-US" sz="2300" kern="1200" dirty="0">
-                  <a:latin typeface="+mj-lt"/>
-                </a:rPr>
-                <a:t>polls as natural by-product of campaigns</a:t>
-              </a:r>
-            </a:p>
-            <a:p>
-              <a:pPr marL="228600" lvl="1" indent="-228600" algn="l" defTabSz="1022350">
-                <a:lnSpc>
-                  <a:spcPct val="90000"/>
-                </a:lnSpc>
-                <a:spcBef>
-                  <a:spcPct val="0"/>
-                </a:spcBef>
-                <a:spcAft>
-                  <a:spcPct val="15000"/>
-                </a:spcAft>
-                <a:buChar char="•"/>
-              </a:pPr>
-              <a:r>
-                <a:rPr lang="en-US" sz="2300" kern="1200" dirty="0">
-                  <a:latin typeface="+mj-lt"/>
-                </a:rPr>
-                <a:t>incorporation of effects of campaign events</a:t>
-              </a:r>
-            </a:p>
-            <a:p>
-              <a:pPr marL="228600" lvl="1" indent="-228600" algn="l" defTabSz="1022350">
-                <a:lnSpc>
-                  <a:spcPct val="90000"/>
-                </a:lnSpc>
-                <a:spcBef>
-                  <a:spcPct val="0"/>
-                </a:spcBef>
-                <a:spcAft>
-                  <a:spcPct val="15000"/>
-                </a:spcAft>
-                <a:buChar char="•"/>
-              </a:pPr>
-              <a:r>
-                <a:rPr lang="en-US" sz="2300" kern="1200" dirty="0">
-                  <a:latin typeface="+mj-lt"/>
-                </a:rPr>
-                <a:t>dynamic forecasts possible </a:t>
-              </a:r>
-              <a:r>
-                <a:rPr lang="en-US" sz="2300" kern="1200" dirty="0">
-                  <a:latin typeface="+mj-lt"/>
-                  <a:sym typeface="Wingdings" panose="05000000000000000000" pitchFamily="2" charset="2"/>
-                </a:rPr>
-                <a:t> </a:t>
-              </a:r>
-              <a:r>
-                <a:rPr lang="en-US" sz="2300" b="1" kern="1200" dirty="0">
-                  <a:latin typeface="+mj-lt"/>
-                </a:rPr>
-                <a:t>horserace journalism</a:t>
-              </a:r>
-            </a:p>
-            <a:p>
-              <a:pPr marL="228600" lvl="1" indent="-228600" algn="l" defTabSz="1022350">
-                <a:lnSpc>
-                  <a:spcPct val="90000"/>
-                </a:lnSpc>
-                <a:spcBef>
-                  <a:spcPct val="0"/>
-                </a:spcBef>
-                <a:spcAft>
-                  <a:spcPct val="15000"/>
-                </a:spcAft>
-                <a:buChar char="•"/>
-              </a:pPr>
-              <a:r>
-                <a:rPr lang="en-US" sz="2300" kern="1200" dirty="0">
-                  <a:latin typeface="+mj-lt"/>
-                </a:rPr>
-                <a:t>high face validity: predictor and outcome closely related</a:t>
-              </a:r>
-            </a:p>
-          </p:txBody>
-        </p:sp>
-        <p:sp>
-          <p:nvSpPr>
-            <p:cNvPr id="12" name="Freeform: Shape 11">
-              <a:extLst>
-                <a:ext uri="{FF2B5EF4-FFF2-40B4-BE49-F238E27FC236}">
-                  <a16:creationId xmlns:a16="http://schemas.microsoft.com/office/drawing/2014/main" id="{038D6F5B-4863-4ED3-B110-2C97C6AEC8C2}"/>
-                </a:ext>
-              </a:extLst>
-            </p:cNvPr>
-            <p:cNvSpPr/>
-            <p:nvPr/>
-          </p:nvSpPr>
-          <p:spPr>
-            <a:xfrm>
-              <a:off x="6363764" y="1965449"/>
-              <a:ext cx="4913783" cy="662400"/>
-            </a:xfrm>
-            <a:custGeom>
-              <a:avLst/>
-              <a:gdLst>
-                <a:gd name="connsiteX0" fmla="*/ 0 w 4913783"/>
-                <a:gd name="connsiteY0" fmla="*/ 0 h 662400"/>
-                <a:gd name="connsiteX1" fmla="*/ 4913783 w 4913783"/>
-                <a:gd name="connsiteY1" fmla="*/ 0 h 662400"/>
-                <a:gd name="connsiteX2" fmla="*/ 4913783 w 4913783"/>
-                <a:gd name="connsiteY2" fmla="*/ 662400 h 662400"/>
-                <a:gd name="connsiteX3" fmla="*/ 0 w 4913783"/>
-                <a:gd name="connsiteY3" fmla="*/ 662400 h 662400"/>
-                <a:gd name="connsiteX4" fmla="*/ 0 w 4913783"/>
-                <a:gd name="connsiteY4" fmla="*/ 0 h 662400"/>
-              </a:gdLst>
-              <a:ahLst/>
-              <a:cxnLst>
-                <a:cxn ang="0">
-                  <a:pos x="connsiteX0" y="connsiteY0"/>
-                </a:cxn>
-                <a:cxn ang="0">
-                  <a:pos x="connsiteX1" y="connsiteY1"/>
-                </a:cxn>
-                <a:cxn ang="0">
-                  <a:pos x="connsiteX2" y="connsiteY2"/>
-                </a:cxn>
-                <a:cxn ang="0">
-                  <a:pos x="connsiteX3" y="connsiteY3"/>
-                </a:cxn>
-                <a:cxn ang="0">
-                  <a:pos x="connsiteX4" y="connsiteY4"/>
-                </a:cxn>
-              </a:cxnLst>
-              <a:rect l="l" t="t" r="r" b="b"/>
-              <a:pathLst>
-                <a:path w="4913783" h="662400">
-                  <a:moveTo>
-                    <a:pt x="0" y="0"/>
-                  </a:moveTo>
-                  <a:lnTo>
-                    <a:pt x="4913783" y="0"/>
-                  </a:lnTo>
-                  <a:lnTo>
-                    <a:pt x="4913783" y="662400"/>
-                  </a:lnTo>
-                  <a:lnTo>
-                    <a:pt x="0" y="662400"/>
-                  </a:lnTo>
-                  <a:lnTo>
-                    <a:pt x="0" y="0"/>
-                  </a:lnTo>
-                  <a:close/>
-                </a:path>
-              </a:pathLst>
-            </a:custGeom>
-            <a:solidFill>
-              <a:srgbClr val="37434B"/>
-            </a:solidFill>
-          </p:spPr>
-          <p:style>
-            <a:lnRef idx="2">
-              <a:schemeClr val="accent5">
-                <a:hueOff val="375767"/>
-                <a:satOff val="36001"/>
-                <a:lumOff val="8823"/>
-                <a:alphaOff val="0"/>
-              </a:schemeClr>
-            </a:lnRef>
-            <a:fillRef idx="1">
-              <a:schemeClr val="accent5">
-                <a:hueOff val="375767"/>
-                <a:satOff val="36001"/>
-                <a:lumOff val="8823"/>
-                <a:alphaOff val="0"/>
-              </a:schemeClr>
-            </a:fillRef>
-            <a:effectRef idx="0">
-              <a:schemeClr val="accent5">
-                <a:hueOff val="375767"/>
-                <a:satOff val="36001"/>
-                <a:lumOff val="8823"/>
-                <a:alphaOff val="0"/>
-              </a:schemeClr>
-            </a:effectRef>
-            <a:fontRef idx="minor">
-              <a:schemeClr val="lt1"/>
-            </a:fontRef>
-          </p:style>
-          <p:txBody>
-            <a:bodyPr spcFirstLastPara="0" vert="horz" wrap="square" lIns="163576" tIns="93472" rIns="163576" bIns="93472" numCol="1" spcCol="1270" anchor="ctr" anchorCtr="0">
-              <a:noAutofit/>
-            </a:bodyPr>
-            <a:lstStyle/>
-            <a:p>
-              <a:pPr marL="0" lvl="0" indent="0" algn="ctr" defTabSz="1022350">
-                <a:lnSpc>
-                  <a:spcPct val="90000"/>
-                </a:lnSpc>
-                <a:spcBef>
-                  <a:spcPct val="0"/>
-                </a:spcBef>
-                <a:spcAft>
-                  <a:spcPct val="35000"/>
-                </a:spcAft>
-                <a:buNone/>
-              </a:pPr>
-              <a:r>
-                <a:rPr lang="de-DE" sz="2300" kern="1200" dirty="0" err="1">
-                  <a:solidFill>
-                    <a:schemeClr val="bg1"/>
-                  </a:solidFill>
-                  <a:latin typeface="Arial Black" panose="020B0A04020102020204" pitchFamily="34" charset="0"/>
-                </a:rPr>
-                <a:t>Cons</a:t>
-              </a:r>
-              <a:endParaRPr lang="de-DE" sz="2300" kern="1200" dirty="0">
-                <a:solidFill>
-                  <a:schemeClr val="bg1"/>
-                </a:solidFill>
-                <a:latin typeface="Arial Black" panose="020B0A04020102020204" pitchFamily="34" charset="0"/>
-              </a:endParaRPr>
-            </a:p>
-          </p:txBody>
-        </p:sp>
-        <p:sp>
-          <p:nvSpPr>
-            <p:cNvPr id="13" name="Freeform: Shape 12">
-              <a:extLst>
-                <a:ext uri="{FF2B5EF4-FFF2-40B4-BE49-F238E27FC236}">
-                  <a16:creationId xmlns:a16="http://schemas.microsoft.com/office/drawing/2014/main" id="{2A53E908-1A43-42B3-B046-B00B4284C415}"/>
-                </a:ext>
-              </a:extLst>
-            </p:cNvPr>
-            <p:cNvSpPr/>
-            <p:nvPr/>
-          </p:nvSpPr>
-          <p:spPr>
-            <a:xfrm>
-              <a:off x="6363764" y="2627849"/>
-              <a:ext cx="4913783" cy="3409289"/>
-            </a:xfrm>
-            <a:custGeom>
-              <a:avLst/>
-              <a:gdLst>
-                <a:gd name="connsiteX0" fmla="*/ 0 w 4913783"/>
-                <a:gd name="connsiteY0" fmla="*/ 0 h 3409289"/>
-                <a:gd name="connsiteX1" fmla="*/ 4913783 w 4913783"/>
-                <a:gd name="connsiteY1" fmla="*/ 0 h 3409289"/>
-                <a:gd name="connsiteX2" fmla="*/ 4913783 w 4913783"/>
-                <a:gd name="connsiteY2" fmla="*/ 3409289 h 3409289"/>
-                <a:gd name="connsiteX3" fmla="*/ 0 w 4913783"/>
-                <a:gd name="connsiteY3" fmla="*/ 3409289 h 3409289"/>
-                <a:gd name="connsiteX4" fmla="*/ 0 w 4913783"/>
-                <a:gd name="connsiteY4" fmla="*/ 0 h 3409289"/>
-              </a:gdLst>
-              <a:ahLst/>
-              <a:cxnLst>
-                <a:cxn ang="0">
-                  <a:pos x="connsiteX0" y="connsiteY0"/>
-                </a:cxn>
-                <a:cxn ang="0">
-                  <a:pos x="connsiteX1" y="connsiteY1"/>
-                </a:cxn>
-                <a:cxn ang="0">
-                  <a:pos x="connsiteX2" y="connsiteY2"/>
-                </a:cxn>
-                <a:cxn ang="0">
-                  <a:pos x="connsiteX3" y="connsiteY3"/>
-                </a:cxn>
-                <a:cxn ang="0">
-                  <a:pos x="connsiteX4" y="connsiteY4"/>
-                </a:cxn>
-              </a:cxnLst>
-              <a:rect l="l" t="t" r="r" b="b"/>
-              <a:pathLst>
-                <a:path w="4913783" h="3409289">
-                  <a:moveTo>
-                    <a:pt x="0" y="0"/>
-                  </a:moveTo>
-                  <a:lnTo>
-                    <a:pt x="4913783" y="0"/>
-                  </a:lnTo>
-                  <a:lnTo>
-                    <a:pt x="4913783" y="3409289"/>
-                  </a:lnTo>
-                  <a:lnTo>
-                    <a:pt x="0" y="3409289"/>
-                  </a:lnTo>
-                  <a:lnTo>
-                    <a:pt x="0" y="0"/>
-                  </a:lnTo>
-                  <a:close/>
-                </a:path>
-              </a:pathLst>
-            </a:custGeom>
-            <a:solidFill>
-              <a:schemeClr val="bg1">
-                <a:lumMod val="95000"/>
-                <a:alpha val="90000"/>
-              </a:schemeClr>
-            </a:solidFill>
-          </p:spPr>
-          <p:style>
-            <a:lnRef idx="2">
-              <a:schemeClr val="accent5">
-                <a:tint val="40000"/>
-                <a:alpha val="90000"/>
-                <a:hueOff val="486652"/>
-                <a:satOff val="44911"/>
-                <a:lumOff val="3068"/>
-                <a:alphaOff val="0"/>
-              </a:schemeClr>
-            </a:lnRef>
-            <a:fillRef idx="1">
-              <a:schemeClr val="accent5">
-                <a:tint val="40000"/>
-                <a:alpha val="90000"/>
-                <a:hueOff val="486652"/>
-                <a:satOff val="44911"/>
-                <a:lumOff val="3068"/>
-                <a:alphaOff val="0"/>
-              </a:schemeClr>
-            </a:fillRef>
-            <a:effectRef idx="0">
-              <a:schemeClr val="accent5">
-                <a:tint val="40000"/>
-                <a:alpha val="90000"/>
-                <a:hueOff val="486652"/>
-                <a:satOff val="44911"/>
-                <a:lumOff val="3068"/>
-                <a:alphaOff val="0"/>
-              </a:schemeClr>
-            </a:effectRef>
-            <a:fontRef idx="minor">
-              <a:schemeClr val="dk1">
-                <a:hueOff val="0"/>
-                <a:satOff val="0"/>
-                <a:lumOff val="0"/>
-                <a:alphaOff val="0"/>
-              </a:schemeClr>
-            </a:fontRef>
-          </p:style>
-          <p:txBody>
-            <a:bodyPr spcFirstLastPara="0" vert="horz" wrap="square" lIns="122682" tIns="122682" rIns="163576" bIns="184023" numCol="1" spcCol="1270" anchor="t" anchorCtr="0">
-              <a:noAutofit/>
-            </a:bodyPr>
-            <a:lstStyle/>
-            <a:p>
-              <a:pPr marL="228600" lvl="1" indent="-228600" algn="l" defTabSz="1022350">
-                <a:lnSpc>
-                  <a:spcPct val="90000"/>
-                </a:lnSpc>
-                <a:spcBef>
-                  <a:spcPct val="0"/>
-                </a:spcBef>
-                <a:spcAft>
-                  <a:spcPct val="15000"/>
-                </a:spcAft>
-                <a:buChar char="•"/>
-              </a:pPr>
-              <a:r>
-                <a:rPr lang="en-US" sz="2300" kern="1200" dirty="0">
-                  <a:latin typeface="+mj-lt"/>
-                </a:rPr>
-                <a:t>campaign noise </a:t>
-              </a:r>
-              <a:r>
-                <a:rPr lang="en-US" sz="2300" kern="1200" dirty="0">
-                  <a:latin typeface="+mj-lt"/>
-                  <a:sym typeface="Wingdings" panose="05000000000000000000" pitchFamily="2" charset="2"/>
-                </a:rPr>
-                <a:t></a:t>
-              </a:r>
-              <a:r>
-                <a:rPr lang="en-US" sz="2300" kern="1200" dirty="0">
-                  <a:latin typeface="+mj-lt"/>
-                </a:rPr>
-                <a:t> are observed shifts substantive?</a:t>
-              </a:r>
-              <a:endParaRPr lang="de-DE" sz="2300" kern="1200" dirty="0">
-                <a:latin typeface="+mj-lt"/>
-              </a:endParaRPr>
-            </a:p>
-            <a:p>
-              <a:pPr marL="228600" lvl="1" indent="-228600" algn="l" defTabSz="1022350">
-                <a:lnSpc>
-                  <a:spcPct val="90000"/>
-                </a:lnSpc>
-                <a:spcBef>
-                  <a:spcPct val="0"/>
-                </a:spcBef>
-                <a:spcAft>
-                  <a:spcPct val="15000"/>
-                </a:spcAft>
-                <a:buChar char="•"/>
-              </a:pPr>
-              <a:r>
-                <a:rPr lang="en-US" sz="2300" kern="1200" dirty="0">
-                  <a:latin typeface="+mj-lt"/>
-                </a:rPr>
-                <a:t>what’s the point of dynamic forecasts of a singular event?</a:t>
-              </a:r>
-            </a:p>
-            <a:p>
-              <a:pPr marL="228600" lvl="1" indent="-228600" algn="l" defTabSz="1022350">
-                <a:lnSpc>
-                  <a:spcPct val="90000"/>
-                </a:lnSpc>
-                <a:spcBef>
-                  <a:spcPct val="0"/>
-                </a:spcBef>
-                <a:spcAft>
-                  <a:spcPct val="15000"/>
-                </a:spcAft>
-                <a:buChar char="•"/>
-              </a:pPr>
-              <a:r>
-                <a:rPr lang="en-US" sz="2300" kern="1200" dirty="0">
-                  <a:latin typeface="+mj-lt"/>
-                </a:rPr>
-                <a:t>survey institutes as black boxes </a:t>
-              </a:r>
-              <a:r>
-                <a:rPr lang="en-US" sz="2300" kern="1200" dirty="0">
-                  <a:latin typeface="+mj-lt"/>
-                  <a:sym typeface="Wingdings" panose="05000000000000000000" pitchFamily="2" charset="2"/>
-                </a:rPr>
-                <a:t></a:t>
-              </a:r>
-              <a:r>
-                <a:rPr lang="en-US" sz="2300" kern="1200" dirty="0">
-                  <a:latin typeface="+mj-lt"/>
-                </a:rPr>
-                <a:t> polling failures</a:t>
-              </a:r>
-            </a:p>
-            <a:p>
-              <a:pPr marL="228600" lvl="1" indent="-228600" algn="l" defTabSz="1022350">
-                <a:lnSpc>
-                  <a:spcPct val="90000"/>
-                </a:lnSpc>
-                <a:spcBef>
-                  <a:spcPct val="0"/>
-                </a:spcBef>
-                <a:spcAft>
-                  <a:spcPct val="15000"/>
-                </a:spcAft>
-                <a:buChar char="•"/>
-              </a:pPr>
-              <a:r>
-                <a:rPr lang="de-DE" sz="2300" kern="1200" dirty="0" err="1">
-                  <a:latin typeface="+mj-lt"/>
-                </a:rPr>
-                <a:t>specification</a:t>
-              </a:r>
-              <a:r>
-                <a:rPr lang="de-DE" sz="2300" kern="1200" dirty="0">
-                  <a:latin typeface="+mj-lt"/>
-                </a:rPr>
-                <a:t> </a:t>
-              </a:r>
-              <a:r>
-                <a:rPr lang="de-DE" sz="2300" kern="1200" dirty="0" err="1">
-                  <a:latin typeface="+mj-lt"/>
-                </a:rPr>
-                <a:t>of</a:t>
-              </a:r>
-              <a:r>
-                <a:rPr lang="de-DE" sz="2300" kern="1200" dirty="0">
-                  <a:latin typeface="+mj-lt"/>
-                </a:rPr>
-                <a:t> </a:t>
-              </a:r>
-              <a:r>
-                <a:rPr lang="de-DE" sz="2300" kern="1200" dirty="0" err="1">
-                  <a:latin typeface="+mj-lt"/>
-                </a:rPr>
-                <a:t>uncertainty</a:t>
-              </a:r>
-              <a:r>
-                <a:rPr lang="de-DE" sz="2300" kern="1200" dirty="0">
-                  <a:latin typeface="+mj-lt"/>
-                </a:rPr>
-                <a:t>?</a:t>
-              </a:r>
-            </a:p>
-            <a:p>
-              <a:pPr marL="228600" lvl="1" indent="-228600" algn="l" defTabSz="1022350">
-                <a:lnSpc>
-                  <a:spcPct val="90000"/>
-                </a:lnSpc>
-                <a:spcBef>
-                  <a:spcPct val="0"/>
-                </a:spcBef>
-                <a:spcAft>
-                  <a:spcPct val="15000"/>
-                </a:spcAft>
-                <a:buChar char="•"/>
-              </a:pPr>
-              <a:r>
-                <a:rPr lang="de-DE" sz="2300" kern="1200" dirty="0">
-                  <a:latin typeface="+mj-lt"/>
-                </a:rPr>
-                <a:t>no substantive theoretical value; almost tautological models</a:t>
-              </a:r>
-            </a:p>
-          </p:txBody>
-        </p:sp>
-      </p:grpSp>
-    </p:spTree>
-    <p:extLst>
-      <p:ext uri="{BB962C8B-B14F-4D97-AF65-F5344CB8AC3E}">
-        <p14:creationId xmlns:p14="http://schemas.microsoft.com/office/powerpoint/2010/main" val="1723470074"/>
-      </p:ext>
-    </p:extLst>
-  </p:cSld>
-  <p:clrMapOvr>
-    <a:masterClrMapping/>
-  </p:clrMapOvr>
-</p:sld>
-</file>
-
-<file path=ppt/slides/slide16.xml><?xml version="1.0" encoding="utf-8"?>
-<p:sld xmlns:a="http://schemas.openxmlformats.org/drawingml/2006/main" xmlns:r="http://schemas.openxmlformats.org/officeDocument/2006/relationships" xmlns:p="http://schemas.openxmlformats.org/presentationml/2006/main">
-  <p:cSld>
-    <p:spTree>
-      <p:nvGrpSpPr>
-        <p:cNvPr id="1" name=""/>
-        <p:cNvGrpSpPr/>
-        <p:nvPr/>
-      </p:nvGrpSpPr>
-      <p:grpSpPr>
-        <a:xfrm>
-          <a:off x="0" y="0"/>
-          <a:ext cx="0" cy="0"/>
-          <a:chOff x="0" y="0"/>
-          <a:chExt cx="0" cy="0"/>
-        </a:xfrm>
-      </p:grpSpPr>
-      <p:sp>
-        <p:nvSpPr>
-          <p:cNvPr id="4" name="Footer Placeholder 3">
-            <a:extLst>
-              <a:ext uri="{FF2B5EF4-FFF2-40B4-BE49-F238E27FC236}">
-                <a16:creationId xmlns:a16="http://schemas.microsoft.com/office/drawing/2014/main" id="{FB69459A-8DAA-43B4-BB51-A73832D7B6C9}"/>
-              </a:ext>
-            </a:extLst>
-          </p:cNvPr>
-          <p:cNvSpPr>
-            <a:spLocks noGrp="1"/>
-          </p:cNvSpPr>
-          <p:nvPr>
-            <p:ph type="ftr" sz="quarter" idx="11"/>
-          </p:nvPr>
-        </p:nvSpPr>
         <p:spPr/>
         <p:txBody>
           <a:bodyPr/>
           <a:lstStyle/>
           <a:p>
-            <a:pPr algn="ctr"/>
-            <a:r>
-              <a:rPr lang="de-DE"/>
-              <a:t>10.10.2017</a:t>
+            <a:r>
+              <a:rPr lang="de-DE" dirty="0" smtClean="0"/>
+              <a:t>Digital Trace Models</a:t>
             </a:r>
             <a:endParaRPr lang="de-DE" dirty="0"/>
           </a:p>
@@ -27991,265 +26358,506 @@
       </p:sp>
       <p:sp>
         <p:nvSpPr>
-          <p:cNvPr id="6" name="Slide Number Placeholder 5">
-            <a:extLst>
-              <a:ext uri="{FF2B5EF4-FFF2-40B4-BE49-F238E27FC236}">
-                <a16:creationId xmlns:a16="http://schemas.microsoft.com/office/drawing/2014/main" id="{8601D1AA-B326-42FD-933D-C02E148EE487}"/>
-              </a:ext>
-            </a:extLst>
-          </p:cNvPr>
-          <p:cNvSpPr>
-            <a:spLocks noGrp="1"/>
-          </p:cNvSpPr>
-          <p:nvPr>
-            <p:ph type="sldNum" sz="quarter" idx="12"/>
-          </p:nvPr>
-        </p:nvSpPr>
-        <p:spPr/>
-        <p:txBody>
-          <a:bodyPr/>
-          <a:lstStyle/>
-          <a:p>
-            <a:fld id="{C9A4031B-9BF7-4225-8822-865626CAA73B}" type="slidenum">
-              <a:rPr lang="de-DE" smtClean="0"/>
-              <a:t>16</a:t>
-            </a:fld>
-            <a:endParaRPr lang="de-DE" dirty="0"/>
-          </a:p>
-        </p:txBody>
-      </p:sp>
-      <p:sp>
-        <p:nvSpPr>
-          <p:cNvPr id="2" name="Title 1">
-            <a:extLst>
-              <a:ext uri="{FF2B5EF4-FFF2-40B4-BE49-F238E27FC236}">
-                <a16:creationId xmlns:a16="http://schemas.microsoft.com/office/drawing/2014/main" id="{03CCF6E9-3AA2-4C28-B85E-CE1C41357C88}"/>
-              </a:ext>
-            </a:extLst>
-          </p:cNvPr>
-          <p:cNvSpPr>
-            <a:spLocks noGrp="1"/>
-          </p:cNvSpPr>
-          <p:nvPr>
-            <p:ph type="title"/>
-          </p:nvPr>
-        </p:nvSpPr>
-        <p:spPr>
-          <a:prstGeom prst="rect">
-            <a:avLst/>
-          </a:prstGeom>
-        </p:spPr>
-        <p:txBody>
-          <a:bodyPr>
-            <a:normAutofit/>
-          </a:bodyPr>
-          <a:lstStyle/>
-          <a:p>
-            <a:r>
-              <a:rPr lang="de-DE" b="1" dirty="0">
-                <a:latin typeface="Arial Black" panose="020B0A04020102020204" pitchFamily="34" charset="0"/>
-              </a:rPr>
-              <a:t>Polling: Polling </a:t>
-            </a:r>
-            <a:r>
-              <a:rPr lang="de-DE" b="1" dirty="0" err="1">
-                <a:latin typeface="Arial Black" panose="020B0A04020102020204" pitchFamily="34" charset="0"/>
-              </a:rPr>
-              <a:t>the</a:t>
-            </a:r>
-            <a:r>
-              <a:rPr lang="de-DE" b="1" dirty="0">
-                <a:latin typeface="Arial Black" panose="020B0A04020102020204" pitchFamily="34" charset="0"/>
-              </a:rPr>
-              <a:t> Polls</a:t>
-            </a:r>
-          </a:p>
-        </p:txBody>
-      </p:sp>
-      <p:sp>
-        <p:nvSpPr>
-          <p:cNvPr id="5" name="Rectangle 4">
-            <a:extLst>
-              <a:ext uri="{FF2B5EF4-FFF2-40B4-BE49-F238E27FC236}">
-                <a16:creationId xmlns:a16="http://schemas.microsoft.com/office/drawing/2014/main" id="{DED952B7-5A22-4A6C-82B8-2B8940026C6A}"/>
-              </a:ext>
-            </a:extLst>
-          </p:cNvPr>
-          <p:cNvSpPr/>
+          <p:cNvPr id="5" name="TextBox 4"/>
+          <p:cNvSpPr txBox="1"/>
           <p:nvPr/>
         </p:nvSpPr>
         <p:spPr>
           <a:xfrm>
-            <a:off x="638700" y="1607563"/>
-            <a:ext cx="6096000" cy="1938992"/>
+            <a:off x="854765" y="1967948"/>
+            <a:ext cx="9650896" cy="4247317"/>
           </a:xfrm>
           <a:prstGeom prst="rect">
             <a:avLst/>
           </a:prstGeom>
+          <a:noFill/>
         </p:spPr>
         <p:txBody>
-          <a:bodyPr>
+          <a:bodyPr wrap="square" rtlCol="0">
             <a:spAutoFit/>
           </a:bodyPr>
           <a:lstStyle/>
           <a:p>
-            <a:r>
-              <a:rPr lang="de-DE" dirty="0" err="1">
-                <a:latin typeface="SFBMR10"/>
+            <a:pPr marL="285750" indent="-285750">
+              <a:buFont typeface="Arial" panose="020B0604020202020204" pitchFamily="34" charset="0"/>
+              <a:buChar char="•"/>
+            </a:pPr>
+            <a:r>
+              <a:rPr lang="de-DE" b="1" dirty="0" smtClean="0">
+                <a:solidFill>
+                  <a:srgbClr val="4EB3CF"/>
+                </a:solidFill>
               </a:rPr>
-              <a:t>Considerations</a:t>
-            </a:r>
-            <a:endParaRPr lang="de-DE" dirty="0">
-              <a:latin typeface="SFBMR10"/>
-            </a:endParaRPr>
+              <a:t>Twitter</a:t>
+            </a:r>
+            <a:r>
+              <a:rPr lang="de-DE" dirty="0" smtClean="0"/>
+              <a:t>:</a:t>
+            </a:r>
+          </a:p>
+          <a:p>
+            <a:pPr marL="742950" lvl="1" indent="-285750">
+              <a:buFont typeface="Arial" panose="020B0604020202020204" pitchFamily="34" charset="0"/>
+              <a:buChar char="•"/>
+            </a:pPr>
+            <a:r>
+              <a:rPr lang="de-DE" b="1" dirty="0" smtClean="0"/>
+              <a:t>Idea</a:t>
+            </a:r>
+            <a:r>
+              <a:rPr lang="de-DE" dirty="0" smtClean="0"/>
+              <a:t>: # of mentioning</a:t>
+            </a:r>
+          </a:p>
+          <a:p>
+            <a:pPr marL="742950" lvl="1" indent="-285750">
+              <a:buFont typeface="Arial" panose="020B0604020202020204" pitchFamily="34" charset="0"/>
+              <a:buChar char="•"/>
+            </a:pPr>
+            <a:r>
+              <a:rPr lang="de-DE" dirty="0" smtClean="0"/>
+              <a:t>Some successes (Tumasjan </a:t>
+            </a:r>
+            <a:r>
+              <a:rPr lang="de-DE" dirty="0"/>
+              <a:t>et al. </a:t>
+            </a:r>
+            <a:r>
+              <a:rPr lang="de-DE" dirty="0" smtClean="0"/>
+              <a:t>2010)</a:t>
+            </a:r>
+          </a:p>
+          <a:p>
+            <a:pPr marL="742950" lvl="1" indent="-285750">
+              <a:buFont typeface="Arial" panose="020B0604020202020204" pitchFamily="34" charset="0"/>
+              <a:buChar char="•"/>
+            </a:pPr>
+            <a:r>
+              <a:rPr lang="de-DE" dirty="0" smtClean="0"/>
+              <a:t>But:</a:t>
+            </a:r>
+          </a:p>
+          <a:p>
+            <a:pPr marL="1200150" lvl="2" indent="-285750">
+              <a:buFont typeface="Arial" panose="020B0604020202020204" pitchFamily="34" charset="0"/>
+              <a:buChar char="•"/>
+            </a:pPr>
+            <a:r>
+              <a:rPr lang="de-DE" dirty="0" smtClean="0"/>
+              <a:t>Not replicable (Jungherr et al. 2012)</a:t>
+            </a:r>
+          </a:p>
+          <a:p>
+            <a:pPr marL="1200150" lvl="2" indent="-285750">
+              <a:buFont typeface="Arial" panose="020B0604020202020204" pitchFamily="34" charset="0"/>
+              <a:buChar char="•"/>
+            </a:pPr>
+            <a:r>
+              <a:rPr lang="de-DE" dirty="0" smtClean="0"/>
+              <a:t>Twitter usage very low, in particular in Germany</a:t>
+            </a:r>
           </a:p>
           <a:p>
             <a:pPr marL="285750" indent="-285750">
-              <a:buFont typeface="Wingdings" panose="05000000000000000000" pitchFamily="2" charset="2"/>
-              <a:buChar char="§"/>
+              <a:buFont typeface="Arial" panose="020B0604020202020204" pitchFamily="34" charset="0"/>
+              <a:buChar char="•"/>
             </a:pPr>
             <a:r>
-              <a:rPr lang="de-DE" sz="1400" dirty="0" err="1">
-                <a:latin typeface="SFBMR9"/>
+              <a:rPr lang="de-DE" b="1" dirty="0">
+                <a:solidFill>
+                  <a:srgbClr val="4EB3CF"/>
+                </a:solidFill>
               </a:rPr>
-              <a:t>poll</a:t>
-            </a:r>
-            <a:r>
-              <a:rPr lang="de-DE" sz="1400" dirty="0">
-                <a:latin typeface="SFBMR9"/>
+              <a:t>Wikipedia</a:t>
+            </a:r>
+            <a:r>
+              <a:rPr lang="de-DE" dirty="0">
+                <a:solidFill>
+                  <a:srgbClr val="4EB3CF"/>
+                </a:solidFill>
               </a:rPr>
               <a:t> </a:t>
             </a:r>
-            <a:r>
-              <a:rPr lang="de-DE" sz="1400" dirty="0" err="1">
-                <a:latin typeface="SFBMR9"/>
+            <a:endParaRPr lang="de-DE" dirty="0" smtClean="0">
+              <a:solidFill>
+                <a:srgbClr val="4EB3CF"/>
+              </a:solidFill>
+            </a:endParaRPr>
+          </a:p>
+          <a:p>
+            <a:pPr marL="742950" lvl="1" indent="-285750">
+              <a:buFont typeface="Arial" panose="020B0604020202020204" pitchFamily="34" charset="0"/>
+              <a:buChar char="•"/>
+            </a:pPr>
+            <a:r>
+              <a:rPr lang="de-DE" b="1" dirty="0" smtClean="0"/>
+              <a:t>Idea</a:t>
+            </a:r>
+            <a:r>
+              <a:rPr lang="de-DE" dirty="0" smtClean="0"/>
+              <a:t>: Information seeking before election</a:t>
+            </a:r>
+            <a:endParaRPr lang="de-DE" dirty="0"/>
+          </a:p>
+          <a:p>
+            <a:pPr marL="1200150" lvl="2" indent="-285750">
+              <a:buFont typeface="Arial" panose="020B0604020202020204" pitchFamily="34" charset="0"/>
+              <a:buChar char="•"/>
+            </a:pPr>
+            <a:r>
+              <a:rPr lang="de-DE" dirty="0" smtClean="0"/>
+              <a:t>Tested by Yasseri </a:t>
+            </a:r>
+            <a:r>
+              <a:rPr lang="de-DE" dirty="0"/>
+              <a:t>and Bright </a:t>
+            </a:r>
+            <a:r>
+              <a:rPr lang="de-DE" dirty="0" smtClean="0"/>
+              <a:t>(2016) for European Elections</a:t>
+            </a:r>
+            <a:endParaRPr lang="de-DE" dirty="0"/>
+          </a:p>
+          <a:p>
+            <a:pPr marL="742950" lvl="1" indent="-285750">
+              <a:buFont typeface="Arial" panose="020B0604020202020204" pitchFamily="34" charset="0"/>
+              <a:buChar char="•"/>
+            </a:pPr>
+            <a:r>
+              <a:rPr lang="en-US" dirty="0" smtClean="0"/>
+              <a:t>Little insight into absolute vote outcomes</a:t>
+            </a:r>
+            <a:endParaRPr lang="en-US" dirty="0"/>
+          </a:p>
+          <a:p>
+            <a:pPr marL="742950" lvl="1" indent="-285750">
+              <a:buFont typeface="Arial" panose="020B0604020202020204" pitchFamily="34" charset="0"/>
+              <a:buChar char="•"/>
+            </a:pPr>
+            <a:r>
+              <a:rPr lang="en-US" dirty="0" smtClean="0"/>
+              <a:t>Good information about changes in both overall turnout at elections</a:t>
+            </a:r>
+            <a:endParaRPr lang="de-DE" dirty="0" smtClean="0"/>
+          </a:p>
+          <a:p>
+            <a:pPr marL="285750" indent="-285750">
+              <a:buFont typeface="Arial" panose="020B0604020202020204" pitchFamily="34" charset="0"/>
+              <a:buChar char="•"/>
+            </a:pPr>
+            <a:r>
+              <a:rPr lang="de-DE" b="1" dirty="0" smtClean="0">
+                <a:solidFill>
+                  <a:srgbClr val="4EB3CF"/>
+                </a:solidFill>
               </a:rPr>
-              <a:t>variation</a:t>
-            </a:r>
-            <a:r>
-              <a:rPr lang="de-DE" sz="1400" dirty="0">
-                <a:latin typeface="SFBMR9"/>
-              </a:rPr>
-              <a:t> </a:t>
-            </a:r>
-            <a:r>
-              <a:rPr lang="de-DE" sz="1400" dirty="0" err="1">
-                <a:latin typeface="SFBMR9"/>
-              </a:rPr>
-              <a:t>over</a:t>
-            </a:r>
-            <a:r>
-              <a:rPr lang="de-DE" sz="1400" dirty="0">
-                <a:latin typeface="SFBMR9"/>
-              </a:rPr>
-              <a:t> time</a:t>
+              <a:t>Google Search</a:t>
+            </a:r>
+          </a:p>
+          <a:p>
+            <a:pPr marL="742950" lvl="1" indent="-285750">
+              <a:buFont typeface="Arial" panose="020B0604020202020204" pitchFamily="34" charset="0"/>
+              <a:buChar char="•"/>
+            </a:pPr>
+            <a:r>
+              <a:rPr lang="de-DE" b="1" dirty="0" smtClean="0"/>
+              <a:t>Idea</a:t>
+            </a:r>
+            <a:r>
+              <a:rPr lang="de-DE" dirty="0" smtClean="0"/>
+              <a:t>: Compare # of searches of parties / candidates</a:t>
+            </a:r>
+          </a:p>
+          <a:p>
+            <a:pPr marL="742950" lvl="1" indent="-285750">
+              <a:buFont typeface="Arial" panose="020B0604020202020204" pitchFamily="34" charset="0"/>
+              <a:buChar char="•"/>
+            </a:pPr>
+            <a:r>
+              <a:rPr lang="de-DE" dirty="0" smtClean="0"/>
+              <a:t>Result: Good measure of public attention</a:t>
             </a:r>
           </a:p>
           <a:p>
             <a:pPr marL="285750" indent="-285750">
-              <a:buFont typeface="Wingdings" panose="05000000000000000000" pitchFamily="2" charset="2"/>
-              <a:buChar char="§"/>
+              <a:buFont typeface="Arial" panose="020B0604020202020204" pitchFamily="34" charset="0"/>
+              <a:buChar char="•"/>
             </a:pPr>
-            <a:r>
-              <a:rPr lang="en-US" sz="1400" dirty="0">
-                <a:latin typeface="SFBMR9"/>
-              </a:rPr>
-              <a:t>poll variation across polling organizations (“house effects”)</a:t>
+            <a:endParaRPr lang="de-DE" dirty="0"/>
+          </a:p>
+        </p:txBody>
+      </p:sp>
+      <p:sp>
+        <p:nvSpPr>
+          <p:cNvPr id="6" name="TextBox 5"/>
+          <p:cNvSpPr txBox="1"/>
+          <p:nvPr/>
+        </p:nvSpPr>
+        <p:spPr>
+          <a:xfrm>
+            <a:off x="8348868" y="2981739"/>
+            <a:ext cx="3349487" cy="2862322"/>
+          </a:xfrm>
+          <a:prstGeom prst="rect">
+            <a:avLst/>
+          </a:prstGeom>
+          <a:ln w="57150"/>
+        </p:spPr>
+        <p:style>
+          <a:lnRef idx="2">
+            <a:schemeClr val="accent6"/>
+          </a:lnRef>
+          <a:fillRef idx="1">
+            <a:schemeClr val="lt1"/>
+          </a:fillRef>
+          <a:effectRef idx="0">
+            <a:schemeClr val="accent6"/>
+          </a:effectRef>
+          <a:fontRef idx="minor">
+            <a:schemeClr val="dk1"/>
+          </a:fontRef>
+        </p:style>
+        <p:txBody>
+          <a:bodyPr wrap="square" rtlCol="0">
+            <a:spAutoFit/>
+          </a:bodyPr>
+          <a:lstStyle/>
+          <a:p>
+            <a:r>
+              <a:rPr lang="de-DE" b="1" dirty="0" smtClean="0"/>
+              <a:t>Fields of applications</a:t>
             </a:r>
           </a:p>
           <a:p>
             <a:pPr marL="285750" indent="-285750">
-              <a:buFont typeface="Wingdings" panose="05000000000000000000" pitchFamily="2" charset="2"/>
-              <a:buChar char="§"/>
+              <a:buFontTx/>
+              <a:buChar char="-"/>
             </a:pPr>
             <a:r>
-              <a:rPr lang="de-DE" sz="1400" dirty="0" err="1">
-                <a:latin typeface="SFBMR9"/>
-              </a:rPr>
-              <a:t>single</a:t>
-            </a:r>
-            <a:r>
-              <a:rPr lang="de-DE" sz="1400" dirty="0">
-                <a:latin typeface="SFBMR9"/>
-              </a:rPr>
-              <a:t> </a:t>
-            </a:r>
-            <a:r>
-              <a:rPr lang="de-DE" sz="1400" dirty="0" err="1">
-                <a:latin typeface="SFBMR9"/>
-              </a:rPr>
-              <a:t>polls</a:t>
-            </a:r>
-            <a:r>
-              <a:rPr lang="de-DE" sz="1400" dirty="0">
-                <a:latin typeface="SFBMR9"/>
-              </a:rPr>
-              <a:t> </a:t>
-            </a:r>
-            <a:r>
-              <a:rPr lang="de-DE" sz="1400" dirty="0" err="1">
-                <a:latin typeface="SFBMR9"/>
-              </a:rPr>
-              <a:t>hardly</a:t>
-            </a:r>
-            <a:r>
-              <a:rPr lang="de-DE" sz="1400" dirty="0">
-                <a:latin typeface="SFBMR9"/>
-              </a:rPr>
-              <a:t> informative</a:t>
-            </a:r>
-          </a:p>
-          <a:p>
-            <a:r>
-              <a:rPr lang="de-DE" dirty="0">
-                <a:latin typeface="SFBMR10"/>
-              </a:rPr>
-              <a:t>Approach</a:t>
-            </a:r>
-          </a:p>
-          <a:p>
-            <a:pPr marL="342900" indent="-342900">
-              <a:buFont typeface="+mj-lt"/>
-              <a:buAutoNum type="arabicPeriod"/>
+              <a:rPr lang="de-DE" dirty="0" smtClean="0"/>
+              <a:t>Influenza incidence</a:t>
+            </a:r>
+          </a:p>
+          <a:p>
+            <a:pPr marL="742950" lvl="1" indent="-285750">
+              <a:buFontTx/>
+              <a:buChar char="-"/>
             </a:pPr>
             <a:r>
-              <a:rPr lang="en-US" sz="1400" dirty="0">
-                <a:latin typeface="SFBMR9"/>
-              </a:rPr>
-              <a:t>pool polls (more data, more precision)</a:t>
-            </a:r>
-          </a:p>
-          <a:p>
-            <a:pPr marL="342900" indent="-342900">
-              <a:buFont typeface="+mj-lt"/>
-              <a:buAutoNum type="arabicPeriod"/>
+              <a:rPr lang="de-DE" dirty="0" smtClean="0"/>
+              <a:t>E.g. </a:t>
+            </a:r>
+            <a:r>
+              <a:rPr lang="de-DE" dirty="0"/>
+              <a:t>Google Flu </a:t>
+            </a:r>
+            <a:r>
+              <a:rPr lang="de-DE" dirty="0" smtClean="0"/>
+              <a:t>Trends</a:t>
+            </a:r>
+          </a:p>
+          <a:p>
+            <a:pPr marL="742950" lvl="1" indent="-285750">
+              <a:buFontTx/>
+              <a:buChar char="-"/>
             </a:pPr>
             <a:r>
-              <a:rPr lang="en-US" sz="1400" dirty="0">
-                <a:latin typeface="SFBMR9"/>
-              </a:rPr>
-              <a:t>smooth over time (intentions less variable than poll variability suggests)</a:t>
-            </a:r>
-          </a:p>
-          <a:p>
-            <a:pPr marL="342900" indent="-342900">
-              <a:buFont typeface="+mj-lt"/>
-              <a:buAutoNum type="arabicPeriod"/>
+              <a:rPr lang="de-DE" dirty="0" smtClean="0"/>
+              <a:t>But relation broke down</a:t>
+            </a:r>
+          </a:p>
+          <a:p>
+            <a:pPr marL="285750" indent="-285750">
+              <a:buFontTx/>
+              <a:buChar char="-"/>
             </a:pPr>
             <a:r>
-              <a:rPr lang="en-US" sz="1400" dirty="0">
-                <a:latin typeface="SFBMR9"/>
-              </a:rPr>
-              <a:t>correct for house-specific bias</a:t>
-            </a:r>
-            <a:endParaRPr lang="de-DE" sz="1400" dirty="0"/>
-          </a:p>
-        </p:txBody>
-      </p:sp>
+              <a:rPr lang="de-DE" dirty="0" smtClean="0"/>
+              <a:t>Product sales</a:t>
+            </a:r>
+          </a:p>
+          <a:p>
+            <a:pPr marL="742950" lvl="1" indent="-285750">
+              <a:buFontTx/>
+              <a:buChar char="-"/>
+            </a:pPr>
+            <a:r>
+              <a:rPr lang="de-DE" dirty="0" smtClean="0"/>
+              <a:t>E.g. Books, films</a:t>
+            </a:r>
+          </a:p>
+          <a:p>
+            <a:pPr marL="285750" indent="-285750">
+              <a:buFontTx/>
+              <a:buChar char="-"/>
+            </a:pPr>
+            <a:r>
+              <a:rPr lang="de-DE" dirty="0" smtClean="0"/>
+              <a:t>Stock markets</a:t>
+            </a:r>
+          </a:p>
+          <a:p>
+            <a:pPr marL="742950" lvl="1" indent="-285750">
+              <a:buFontTx/>
+              <a:buChar char="-"/>
+            </a:pPr>
+            <a:r>
+              <a:rPr lang="de-DE" dirty="0" smtClean="0"/>
+              <a:t>Online follows market and not the otherway</a:t>
+            </a:r>
+          </a:p>
+          <a:p>
+            <a:pPr marL="285750" indent="-285750">
+              <a:buFontTx/>
+              <a:buChar char="-"/>
+            </a:pPr>
+            <a:r>
+              <a:rPr lang="de-DE" dirty="0" smtClean="0"/>
+              <a:t>Elections</a:t>
+            </a:r>
+            <a:endParaRPr lang="de-DE" dirty="0"/>
+          </a:p>
+        </p:txBody>
+      </p:sp>
+      <p:pic>
+        <p:nvPicPr>
+          <p:cNvPr id="8" name="Picture 4" descr="https://www.sketchappsources.com/resources/source-image/twitterlogo_1x.png">
+            <a:extLst>
+              <a:ext uri="{FF2B5EF4-FFF2-40B4-BE49-F238E27FC236}">
+                <a16:creationId xmlns:a16="http://schemas.microsoft.com/office/drawing/2014/main" xmlns="" id="{9E671737-62F7-4123-B727-E6CB49F599B4}"/>
+              </a:ext>
+            </a:extLst>
+          </p:cNvPr>
+          <p:cNvPicPr>
+            <a:picLocks noChangeAspect="1" noChangeArrowheads="1"/>
+          </p:cNvPicPr>
+          <p:nvPr/>
+        </p:nvPicPr>
+        <p:blipFill>
+          <a:blip r:embed="rId2" cstate="print">
+            <a:extLst>
+              <a:ext uri="{28A0092B-C50C-407E-A947-70E740481C1C}">
+                <a14:useLocalDpi xmlns:a14="http://schemas.microsoft.com/office/drawing/2010/main" val="0"/>
+              </a:ext>
+            </a:extLst>
+          </a:blip>
+          <a:srcRect/>
+          <a:stretch>
+            <a:fillRect/>
+          </a:stretch>
+        </p:blipFill>
+        <p:spPr bwMode="auto">
+          <a:xfrm>
+            <a:off x="315517" y="2045560"/>
+            <a:ext cx="959225" cy="719419"/>
+          </a:xfrm>
+          <a:prstGeom prst="rect">
+            <a:avLst/>
+          </a:prstGeom>
+          <a:noFill/>
+          <a:extLst>
+            <a:ext uri="{909E8E84-426E-40DD-AFC4-6F175D3DCCD1}">
+              <a14:hiddenFill xmlns:a14="http://schemas.microsoft.com/office/drawing/2010/main">
+                <a:solidFill>
+                  <a:srgbClr val="FFFFFF"/>
+                </a:solidFill>
+              </a14:hiddenFill>
+            </a:ext>
+          </a:extLst>
+        </p:spPr>
+      </p:pic>
+      <p:pic>
+        <p:nvPicPr>
+          <p:cNvPr id="9" name="Picture 8" descr="https://upload.wikimedia.org/wikipedia/commons/thumb/5/53/Google_%22G%22_Logo.svg/1000px-Google_%22G%22_Logo.svg.png">
+            <a:extLst>
+              <a:ext uri="{FF2B5EF4-FFF2-40B4-BE49-F238E27FC236}">
+                <a16:creationId xmlns:a16="http://schemas.microsoft.com/office/drawing/2014/main" xmlns="" id="{3BA78E80-6E02-4995-9677-D2BF4CB7E203}"/>
+              </a:ext>
+            </a:extLst>
+          </p:cNvPr>
+          <p:cNvPicPr>
+            <a:picLocks noChangeAspect="1" noChangeArrowheads="1"/>
+          </p:cNvPicPr>
+          <p:nvPr/>
+        </p:nvPicPr>
+        <p:blipFill>
+          <a:blip r:embed="rId3" cstate="print">
+            <a:extLst>
+              <a:ext uri="{28A0092B-C50C-407E-A947-70E740481C1C}">
+                <a14:useLocalDpi xmlns:a14="http://schemas.microsoft.com/office/drawing/2010/main" val="0"/>
+              </a:ext>
+            </a:extLst>
+          </a:blip>
+          <a:srcRect/>
+          <a:stretch>
+            <a:fillRect/>
+          </a:stretch>
+        </p:blipFill>
+        <p:spPr bwMode="auto">
+          <a:xfrm>
+            <a:off x="489452" y="5030346"/>
+            <a:ext cx="710745" cy="710745"/>
+          </a:xfrm>
+          <a:prstGeom prst="rect">
+            <a:avLst/>
+          </a:prstGeom>
+          <a:noFill/>
+          <a:extLst>
+            <a:ext uri="{909E8E84-426E-40DD-AFC4-6F175D3DCCD1}">
+              <a14:hiddenFill xmlns:a14="http://schemas.microsoft.com/office/drawing/2010/main">
+                <a:solidFill>
+                  <a:srgbClr val="FFFFFF"/>
+                </a:solidFill>
+              </a14:hiddenFill>
+            </a:ext>
+          </a:extLst>
+        </p:spPr>
+      </p:pic>
+      <p:pic>
+        <p:nvPicPr>
+          <p:cNvPr id="2050" name="Picture 2" descr="https://upload.wikimedia.org/wikipedia/en/thumb/8/80/Wikipedia-logo-v2.svg/1200px-Wikipedia-logo-v2.svg.png"/>
+          <p:cNvPicPr>
+            <a:picLocks noChangeAspect="1" noChangeArrowheads="1"/>
+          </p:cNvPicPr>
+          <p:nvPr/>
+        </p:nvPicPr>
+        <p:blipFill>
+          <a:blip r:embed="rId4" cstate="print">
+            <a:extLst>
+              <a:ext uri="{28A0092B-C50C-407E-A947-70E740481C1C}">
+                <a14:useLocalDpi xmlns:a14="http://schemas.microsoft.com/office/drawing/2010/main" val="0"/>
+              </a:ext>
+            </a:extLst>
+          </a:blip>
+          <a:srcRect/>
+          <a:stretch>
+            <a:fillRect/>
+          </a:stretch>
+        </p:blipFill>
+        <p:spPr bwMode="auto">
+          <a:xfrm>
+            <a:off x="489451" y="3758070"/>
+            <a:ext cx="728719" cy="665115"/>
+          </a:xfrm>
+          <a:prstGeom prst="rect">
+            <a:avLst/>
+          </a:prstGeom>
+          <a:noFill/>
+          <a:extLst>
+            <a:ext uri="{909E8E84-426E-40DD-AFC4-6F175D3DCCD1}">
+              <a14:hiddenFill xmlns:a14="http://schemas.microsoft.com/office/drawing/2010/main">
+                <a:solidFill>
+                  <a:srgbClr val="FFFFFF"/>
+                </a:solidFill>
+              </a14:hiddenFill>
+            </a:ext>
+          </a:extLst>
+        </p:spPr>
+      </p:pic>
     </p:spTree>
     <p:extLst>
       <p:ext uri="{BB962C8B-B14F-4D97-AF65-F5344CB8AC3E}">
-        <p14:creationId xmlns:p14="http://schemas.microsoft.com/office/powerpoint/2010/main" val="1178811887"/>
+        <p14:creationId xmlns:p14="http://schemas.microsoft.com/office/powerpoint/2010/main" val="1153299494"/>
       </p:ext>
     </p:extLst>
   </p:cSld>
@@ -28281,7 +26889,7 @@
           <p:cNvPr id="2" name="Title 1">
             <a:extLst>
               <a:ext uri="{FF2B5EF4-FFF2-40B4-BE49-F238E27FC236}">
-                <a16:creationId xmlns:a16="http://schemas.microsoft.com/office/drawing/2014/main" id="{03CCF6E9-3AA2-4C28-B85E-CE1C41357C88}"/>
+                <a16:creationId xmlns:a16="http://schemas.microsoft.com/office/drawing/2014/main" xmlns="" id="{03CCF6E9-3AA2-4C28-B85E-CE1C41357C88}"/>
               </a:ext>
             </a:extLst>
           </p:cNvPr>
@@ -28321,7 +26929,7 @@
           <p:cNvPr id="3" name="Content Placeholder 2">
             <a:extLst>
               <a:ext uri="{FF2B5EF4-FFF2-40B4-BE49-F238E27FC236}">
-                <a16:creationId xmlns:a16="http://schemas.microsoft.com/office/drawing/2014/main" id="{6FE2FFA4-F718-4F5A-8E9F-CE4D52755ACD}"/>
+                <a16:creationId xmlns:a16="http://schemas.microsoft.com/office/drawing/2014/main" xmlns="" id="{6FE2FFA4-F718-4F5A-8E9F-CE4D52755ACD}"/>
               </a:ext>
             </a:extLst>
           </p:cNvPr>
@@ -28339,7 +26947,7 @@
           </a:xfrm>
         </p:spPr>
         <p:txBody>
-          <a:bodyPr>
+          <a:bodyPr anchor="ctr">
             <a:normAutofit/>
           </a:bodyPr>
           <a:lstStyle/>
@@ -28469,7 +27077,7 @@
           <p:cNvPr id="4" name="Footer Placeholder 3">
             <a:extLst>
               <a:ext uri="{FF2B5EF4-FFF2-40B4-BE49-F238E27FC236}">
-                <a16:creationId xmlns:a16="http://schemas.microsoft.com/office/drawing/2014/main" id="{F7FF8BF5-F19B-4D6E-A91F-F32D05D50D8A}"/>
+                <a16:creationId xmlns:a16="http://schemas.microsoft.com/office/drawing/2014/main" xmlns="" id="{F7FF8BF5-F19B-4D6E-A91F-F32D05D50D8A}"/>
               </a:ext>
             </a:extLst>
           </p:cNvPr>
@@ -28499,7 +27107,7 @@
           <p:cNvPr id="5" name="Slide Number Placeholder 4">
             <a:extLst>
               <a:ext uri="{FF2B5EF4-FFF2-40B4-BE49-F238E27FC236}">
-                <a16:creationId xmlns:a16="http://schemas.microsoft.com/office/drawing/2014/main" id="{3887320C-EC08-4010-BABA-F09CA20C9CDA}"/>
+                <a16:creationId xmlns:a16="http://schemas.microsoft.com/office/drawing/2014/main" xmlns="" id="{3887320C-EC08-4010-BABA-F09CA20C9CDA}"/>
               </a:ext>
             </a:extLst>
           </p:cNvPr>
@@ -28558,7 +27166,7 @@
           <p:cNvPr id="4" name="Footer Placeholder 3">
             <a:extLst>
               <a:ext uri="{FF2B5EF4-FFF2-40B4-BE49-F238E27FC236}">
-                <a16:creationId xmlns:a16="http://schemas.microsoft.com/office/drawing/2014/main" id="{52E02BE0-4DB5-4C19-AF13-260CE4776365}"/>
+                <a16:creationId xmlns:a16="http://schemas.microsoft.com/office/drawing/2014/main" xmlns="" id="{52E02BE0-4DB5-4C19-AF13-260CE4776365}"/>
               </a:ext>
             </a:extLst>
           </p:cNvPr>
@@ -28588,7 +27196,7 @@
           <p:cNvPr id="5" name="Slide Number Placeholder 4">
             <a:extLst>
               <a:ext uri="{FF2B5EF4-FFF2-40B4-BE49-F238E27FC236}">
-                <a16:creationId xmlns:a16="http://schemas.microsoft.com/office/drawing/2014/main" id="{D5A4ED33-7535-4F9B-862D-71BFA1E8534E}"/>
+                <a16:creationId xmlns:a16="http://schemas.microsoft.com/office/drawing/2014/main" xmlns="" id="{D5A4ED33-7535-4F9B-862D-71BFA1E8534E}"/>
               </a:ext>
             </a:extLst>
           </p:cNvPr>
@@ -28617,7 +27225,7 @@
           <p:cNvPr id="6" name="Title 5">
             <a:extLst>
               <a:ext uri="{FF2B5EF4-FFF2-40B4-BE49-F238E27FC236}">
-                <a16:creationId xmlns:a16="http://schemas.microsoft.com/office/drawing/2014/main" id="{EA7EC3C7-0422-45D6-BD84-E8ABE19E69EB}"/>
+                <a16:creationId xmlns:a16="http://schemas.microsoft.com/office/drawing/2014/main" xmlns="" id="{EA7EC3C7-0422-45D6-BD84-E8ABE19E69EB}"/>
               </a:ext>
             </a:extLst>
           </p:cNvPr>
@@ -28657,7 +27265,7 @@
           <p:cNvPr id="7" name="Group 6">
             <a:extLst>
               <a:ext uri="{FF2B5EF4-FFF2-40B4-BE49-F238E27FC236}">
-                <a16:creationId xmlns:a16="http://schemas.microsoft.com/office/drawing/2014/main" id="{11D9B790-277C-4548-B1DE-7A26C9269371}"/>
+                <a16:creationId xmlns:a16="http://schemas.microsoft.com/office/drawing/2014/main" xmlns="" id="{11D9B790-277C-4548-B1DE-7A26C9269371}"/>
               </a:ext>
             </a:extLst>
           </p:cNvPr>
@@ -28677,7 +27285,7 @@
             <p:cNvPr id="8" name="Rectangle 7">
               <a:extLst>
                 <a:ext uri="{FF2B5EF4-FFF2-40B4-BE49-F238E27FC236}">
-                  <a16:creationId xmlns:a16="http://schemas.microsoft.com/office/drawing/2014/main" id="{7D99495E-6F4C-4A59-B867-42E035870D38}"/>
+                  <a16:creationId xmlns:a16="http://schemas.microsoft.com/office/drawing/2014/main" xmlns="" id="{7D99495E-6F4C-4A59-B867-42E035870D38}"/>
                 </a:ext>
               </a:extLst>
             </p:cNvPr>
@@ -28731,7 +27339,7 @@
             <p:cNvPr id="9" name="Rectangle 8">
               <a:extLst>
                 <a:ext uri="{FF2B5EF4-FFF2-40B4-BE49-F238E27FC236}">
-                  <a16:creationId xmlns:a16="http://schemas.microsoft.com/office/drawing/2014/main" id="{EF79EA5E-267D-452C-98DC-C2F7D21970CB}"/>
+                  <a16:creationId xmlns:a16="http://schemas.microsoft.com/office/drawing/2014/main" xmlns="" id="{EF79EA5E-267D-452C-98DC-C2F7D21970CB}"/>
                 </a:ext>
               </a:extLst>
             </p:cNvPr>
@@ -28780,7 +27388,7 @@
             <p:cNvPr id="10" name="Rectangle 9">
               <a:extLst>
                 <a:ext uri="{FF2B5EF4-FFF2-40B4-BE49-F238E27FC236}">
-                  <a16:creationId xmlns:a16="http://schemas.microsoft.com/office/drawing/2014/main" id="{13671E83-EF04-4E07-BD31-2B4B90667657}"/>
+                  <a16:creationId xmlns:a16="http://schemas.microsoft.com/office/drawing/2014/main" xmlns="" id="{13671E83-EF04-4E07-BD31-2B4B90667657}"/>
                 </a:ext>
               </a:extLst>
             </p:cNvPr>
@@ -28834,7 +27442,7 @@
             <p:cNvPr id="11" name="Rectangle 10">
               <a:extLst>
                 <a:ext uri="{FF2B5EF4-FFF2-40B4-BE49-F238E27FC236}">
-                  <a16:creationId xmlns:a16="http://schemas.microsoft.com/office/drawing/2014/main" id="{D5E2C502-6822-476F-AA4D-9925166DC144}"/>
+                  <a16:creationId xmlns:a16="http://schemas.microsoft.com/office/drawing/2014/main" xmlns="" id="{D5E2C502-6822-476F-AA4D-9925166DC144}"/>
                 </a:ext>
               </a:extLst>
             </p:cNvPr>
@@ -28888,7 +27496,7 @@
             <p:cNvPr id="12" name="Rectangle 11">
               <a:extLst>
                 <a:ext uri="{FF2B5EF4-FFF2-40B4-BE49-F238E27FC236}">
-                  <a16:creationId xmlns:a16="http://schemas.microsoft.com/office/drawing/2014/main" id="{F01A7696-3F88-45E4-8139-91BAFB1598DC}"/>
+                  <a16:creationId xmlns:a16="http://schemas.microsoft.com/office/drawing/2014/main" xmlns="" id="{F01A7696-3F88-45E4-8139-91BAFB1598DC}"/>
                 </a:ext>
               </a:extLst>
             </p:cNvPr>
@@ -28942,7 +27550,7 @@
             <p:cNvPr id="13" name="Rectangle 12">
               <a:extLst>
                 <a:ext uri="{FF2B5EF4-FFF2-40B4-BE49-F238E27FC236}">
-                  <a16:creationId xmlns:a16="http://schemas.microsoft.com/office/drawing/2014/main" id="{A7C4B42B-4112-4759-B238-F6C4271632F5}"/>
+                  <a16:creationId xmlns:a16="http://schemas.microsoft.com/office/drawing/2014/main" xmlns="" id="{A7C4B42B-4112-4759-B238-F6C4271632F5}"/>
                 </a:ext>
               </a:extLst>
             </p:cNvPr>
@@ -28996,7 +27604,7 @@
             <p:cNvPr id="14" name="TextBox 13">
               <a:extLst>
                 <a:ext uri="{FF2B5EF4-FFF2-40B4-BE49-F238E27FC236}">
-                  <a16:creationId xmlns:a16="http://schemas.microsoft.com/office/drawing/2014/main" id="{DD2BD608-DBA7-4686-80B7-ED5E0AA87D54}"/>
+                  <a16:creationId xmlns:a16="http://schemas.microsoft.com/office/drawing/2014/main" xmlns="" id="{DD2BD608-DBA7-4686-80B7-ED5E0AA87D54}"/>
                 </a:ext>
               </a:extLst>
             </p:cNvPr>
@@ -29034,7 +27642,7 @@
             <p:cNvPr id="15" name="TextBox 14">
               <a:extLst>
                 <a:ext uri="{FF2B5EF4-FFF2-40B4-BE49-F238E27FC236}">
-                  <a16:creationId xmlns:a16="http://schemas.microsoft.com/office/drawing/2014/main" id="{0D571318-B2B6-4D81-B07C-28610E8AC063}"/>
+                  <a16:creationId xmlns:a16="http://schemas.microsoft.com/office/drawing/2014/main" xmlns="" id="{0D571318-B2B6-4D81-B07C-28610E8AC063}"/>
                 </a:ext>
               </a:extLst>
             </p:cNvPr>
@@ -29072,7 +27680,7 @@
             <p:cNvPr id="16" name="TextBox 15">
               <a:extLst>
                 <a:ext uri="{FF2B5EF4-FFF2-40B4-BE49-F238E27FC236}">
-                  <a16:creationId xmlns:a16="http://schemas.microsoft.com/office/drawing/2014/main" id="{37B8B858-DFE1-4BD9-A50F-9F449BAF64F9}"/>
+                  <a16:creationId xmlns:a16="http://schemas.microsoft.com/office/drawing/2014/main" xmlns="" id="{37B8B858-DFE1-4BD9-A50F-9F449BAF64F9}"/>
                 </a:ext>
               </a:extLst>
             </p:cNvPr>
@@ -29110,7 +27718,7 @@
             <p:cNvPr id="17" name="TextBox 16">
               <a:extLst>
                 <a:ext uri="{FF2B5EF4-FFF2-40B4-BE49-F238E27FC236}">
-                  <a16:creationId xmlns:a16="http://schemas.microsoft.com/office/drawing/2014/main" id="{5CDD0C04-E313-49E0-BC3E-288CBC265E7F}"/>
+                  <a16:creationId xmlns:a16="http://schemas.microsoft.com/office/drawing/2014/main" xmlns="" id="{5CDD0C04-E313-49E0-BC3E-288CBC265E7F}"/>
                 </a:ext>
               </a:extLst>
             </p:cNvPr>
@@ -29148,7 +27756,7 @@
             <p:cNvPr id="18" name="TextBox 17">
               <a:extLst>
                 <a:ext uri="{FF2B5EF4-FFF2-40B4-BE49-F238E27FC236}">
-                  <a16:creationId xmlns:a16="http://schemas.microsoft.com/office/drawing/2014/main" id="{72F46BFA-B0A7-42CB-98E1-44A2DE7CC316}"/>
+                  <a16:creationId xmlns:a16="http://schemas.microsoft.com/office/drawing/2014/main" xmlns="" id="{72F46BFA-B0A7-42CB-98E1-44A2DE7CC316}"/>
                 </a:ext>
               </a:extLst>
             </p:cNvPr>
@@ -29186,7 +27794,7 @@
             <p:cNvPr id="19" name="TextBox 18">
               <a:extLst>
                 <a:ext uri="{FF2B5EF4-FFF2-40B4-BE49-F238E27FC236}">
-                  <a16:creationId xmlns:a16="http://schemas.microsoft.com/office/drawing/2014/main" id="{47A3215C-3829-4089-981F-45372D9F8320}"/>
+                  <a16:creationId xmlns:a16="http://schemas.microsoft.com/office/drawing/2014/main" xmlns="" id="{47A3215C-3829-4089-981F-45372D9F8320}"/>
                 </a:ext>
               </a:extLst>
             </p:cNvPr>
@@ -29224,7 +27832,7 @@
             <p:cNvPr id="20" name="TextBox 19">
               <a:extLst>
                 <a:ext uri="{FF2B5EF4-FFF2-40B4-BE49-F238E27FC236}">
-                  <a16:creationId xmlns:a16="http://schemas.microsoft.com/office/drawing/2014/main" id="{486E841F-9A87-4A9A-BF79-29192C45DC52}"/>
+                  <a16:creationId xmlns:a16="http://schemas.microsoft.com/office/drawing/2014/main" xmlns="" id="{486E841F-9A87-4A9A-BF79-29192C45DC52}"/>
                 </a:ext>
               </a:extLst>
             </p:cNvPr>
@@ -29269,7 +27877,7 @@
             <p:cNvPr id="21" name="Rectangle 20">
               <a:extLst>
                 <a:ext uri="{FF2B5EF4-FFF2-40B4-BE49-F238E27FC236}">
-                  <a16:creationId xmlns:a16="http://schemas.microsoft.com/office/drawing/2014/main" id="{6CB9B212-A55A-40EA-B8F0-6704EA9B7E0B}"/>
+                  <a16:creationId xmlns:a16="http://schemas.microsoft.com/office/drawing/2014/main" xmlns="" id="{6CB9B212-A55A-40EA-B8F0-6704EA9B7E0B}"/>
                 </a:ext>
               </a:extLst>
             </p:cNvPr>
@@ -29306,7 +27914,7 @@
             <p:cNvPr id="22" name="TextBox 21">
               <a:extLst>
                 <a:ext uri="{FF2B5EF4-FFF2-40B4-BE49-F238E27FC236}">
-                  <a16:creationId xmlns:a16="http://schemas.microsoft.com/office/drawing/2014/main" id="{894C1F34-F1E1-486E-830A-51B25334126C}"/>
+                  <a16:creationId xmlns:a16="http://schemas.microsoft.com/office/drawing/2014/main" xmlns="" id="{894C1F34-F1E1-486E-830A-51B25334126C}"/>
                 </a:ext>
               </a:extLst>
             </p:cNvPr>
@@ -29351,7 +27959,7 @@
             <p:cNvPr id="23" name="Straight Arrow Connector 22">
               <a:extLst>
                 <a:ext uri="{FF2B5EF4-FFF2-40B4-BE49-F238E27FC236}">
-                  <a16:creationId xmlns:a16="http://schemas.microsoft.com/office/drawing/2014/main" id="{C52618E9-106C-454A-B38F-AB0793B1CA73}"/>
+                  <a16:creationId xmlns:a16="http://schemas.microsoft.com/office/drawing/2014/main" xmlns="" id="{C52618E9-106C-454A-B38F-AB0793B1CA73}"/>
                 </a:ext>
               </a:extLst>
             </p:cNvPr>
@@ -29395,7 +28003,7 @@
             <p:cNvPr id="24" name="Straight Arrow Connector 23">
               <a:extLst>
                 <a:ext uri="{FF2B5EF4-FFF2-40B4-BE49-F238E27FC236}">
-                  <a16:creationId xmlns:a16="http://schemas.microsoft.com/office/drawing/2014/main" id="{CC115C25-5353-4E7A-ACFF-65147C305A89}"/>
+                  <a16:creationId xmlns:a16="http://schemas.microsoft.com/office/drawing/2014/main" xmlns="" id="{CC115C25-5353-4E7A-ACFF-65147C305A89}"/>
                 </a:ext>
               </a:extLst>
             </p:cNvPr>
@@ -29437,7 +28045,7 @@
             <p:cNvPr id="25" name="Picture 2" descr="https://facebookbrand.com/wp-content/themes/fb-branding/prj-fb-branding/assets/images/fb-art.png">
               <a:extLst>
                 <a:ext uri="{FF2B5EF4-FFF2-40B4-BE49-F238E27FC236}">
-                  <a16:creationId xmlns:a16="http://schemas.microsoft.com/office/drawing/2014/main" id="{BA293DC2-0F00-4E70-8426-9E0242A4405A}"/>
+                  <a16:creationId xmlns:a16="http://schemas.microsoft.com/office/drawing/2014/main" xmlns="" id="{BA293DC2-0F00-4E70-8426-9E0242A4405A}"/>
                 </a:ext>
               </a:extLst>
             </p:cNvPr>
@@ -29484,7 +28092,7 @@
             <p:cNvPr id="26" name="Picture 4" descr="https://www.sketchappsources.com/resources/source-image/twitterlogo_1x.png">
               <a:extLst>
                 <a:ext uri="{FF2B5EF4-FFF2-40B4-BE49-F238E27FC236}">
-                  <a16:creationId xmlns:a16="http://schemas.microsoft.com/office/drawing/2014/main" id="{9E671737-62F7-4123-B727-E6CB49F599B4}"/>
+                  <a16:creationId xmlns:a16="http://schemas.microsoft.com/office/drawing/2014/main" xmlns="" id="{9E671737-62F7-4123-B727-E6CB49F599B4}"/>
                 </a:ext>
               </a:extLst>
             </p:cNvPr>
@@ -29531,7 +28139,7 @@
             <p:cNvPr id="27" name="Picture 8" descr="https://upload.wikimedia.org/wikipedia/commons/thumb/5/53/Google_%22G%22_Logo.svg/1000px-Google_%22G%22_Logo.svg.png">
               <a:extLst>
                 <a:ext uri="{FF2B5EF4-FFF2-40B4-BE49-F238E27FC236}">
-                  <a16:creationId xmlns:a16="http://schemas.microsoft.com/office/drawing/2014/main" id="{3BA78E80-6E02-4995-9677-D2BF4CB7E203}"/>
+                  <a16:creationId xmlns:a16="http://schemas.microsoft.com/office/drawing/2014/main" xmlns="" id="{3BA78E80-6E02-4995-9677-D2BF4CB7E203}"/>
                 </a:ext>
               </a:extLst>
             </p:cNvPr>
@@ -29578,7 +28186,7 @@
             <p:cNvPr id="28" name="Picture 10" descr="https://computationallegalstudies.com/wp-content/uploads/2010/11/Screen-shot-2010-11-01-at-11.30.07-PM.png">
               <a:extLst>
                 <a:ext uri="{FF2B5EF4-FFF2-40B4-BE49-F238E27FC236}">
-                  <a16:creationId xmlns:a16="http://schemas.microsoft.com/office/drawing/2014/main" id="{81610F28-6F39-4539-A87D-DF709B0D807B}"/>
+                  <a16:creationId xmlns:a16="http://schemas.microsoft.com/office/drawing/2014/main" xmlns="" id="{81610F28-6F39-4539-A87D-DF709B0D807B}"/>
                 </a:ext>
               </a:extLst>
             </p:cNvPr>
@@ -29625,7 +28233,7 @@
             <p:cNvPr id="29" name="TextBox 28">
               <a:extLst>
                 <a:ext uri="{FF2B5EF4-FFF2-40B4-BE49-F238E27FC236}">
-                  <a16:creationId xmlns:a16="http://schemas.microsoft.com/office/drawing/2014/main" id="{B4621847-5CEA-4EFB-A517-A6CF0ED8ABC2}"/>
+                  <a16:creationId xmlns:a16="http://schemas.microsoft.com/office/drawing/2014/main" xmlns="" id="{B4621847-5CEA-4EFB-A517-A6CF0ED8ABC2}"/>
                 </a:ext>
               </a:extLst>
             </p:cNvPr>
@@ -29684,7 +28292,7 @@
             <p:cNvPr id="30" name="Picture 16" descr="https://upload.wikimedia.org/wikipedia/commons/thumb/1/13/FiveThirtyEight_Logo.svg/2000px-FiveThirtyEight_Logo.svg.png">
               <a:extLst>
                 <a:ext uri="{FF2B5EF4-FFF2-40B4-BE49-F238E27FC236}">
-                  <a16:creationId xmlns:a16="http://schemas.microsoft.com/office/drawing/2014/main" id="{E56F567D-CCA3-43B5-A5FF-39C31490C599}"/>
+                  <a16:creationId xmlns:a16="http://schemas.microsoft.com/office/drawing/2014/main" xmlns="" id="{E56F567D-CCA3-43B5-A5FF-39C31490C599}"/>
                 </a:ext>
               </a:extLst>
             </p:cNvPr>
@@ -29731,7 +28339,7 @@
             <p:cNvPr id="31" name="Picture 18" descr="https://upload.wikimedia.org/wikipedia/commons/thumb/f/ff/S%C3%BCddeutsche-Zeitung-Logo.svg/1280px-S%C3%BCddeutsche-Zeitung-Logo.svg.png">
               <a:extLst>
                 <a:ext uri="{FF2B5EF4-FFF2-40B4-BE49-F238E27FC236}">
-                  <a16:creationId xmlns:a16="http://schemas.microsoft.com/office/drawing/2014/main" id="{B0D2A5D9-1603-4C45-B4FF-95C34A74CD8B}"/>
+                  <a16:creationId xmlns:a16="http://schemas.microsoft.com/office/drawing/2014/main" xmlns="" id="{B0D2A5D9-1603-4C45-B4FF-95C34A74CD8B}"/>
                 </a:ext>
               </a:extLst>
             </p:cNvPr>
@@ -29778,7 +28386,7 @@
             <p:cNvPr id="32" name="Picture 20" descr="http://zweitstimme.org/img/logo_orange.png">
               <a:extLst>
                 <a:ext uri="{FF2B5EF4-FFF2-40B4-BE49-F238E27FC236}">
-                  <a16:creationId xmlns:a16="http://schemas.microsoft.com/office/drawing/2014/main" id="{546BD194-E458-471E-8150-210A0F9F0A57}"/>
+                  <a16:creationId xmlns:a16="http://schemas.microsoft.com/office/drawing/2014/main" xmlns="" id="{546BD194-E458-471E-8150-210A0F9F0A57}"/>
                 </a:ext>
               </a:extLst>
             </p:cNvPr>
@@ -29825,7 +28433,7 @@
             <p:cNvPr id="33" name="Picture 22" descr="http://www.politicalcampaigningtips.com/wp-content/uploads/2014/09/political-polls.jpg">
               <a:extLst>
                 <a:ext uri="{FF2B5EF4-FFF2-40B4-BE49-F238E27FC236}">
-                  <a16:creationId xmlns:a16="http://schemas.microsoft.com/office/drawing/2014/main" id="{D269E46C-9F46-4EF2-9552-4421C5DC1AEF}"/>
+                  <a16:creationId xmlns:a16="http://schemas.microsoft.com/office/drawing/2014/main" xmlns="" id="{D269E46C-9F46-4EF2-9552-4421C5DC1AEF}"/>
                 </a:ext>
               </a:extLst>
             </p:cNvPr>
@@ -29903,7 +28511,7 @@
           <p:cNvPr id="3" name="Footer Placeholder 2">
             <a:extLst>
               <a:ext uri="{FF2B5EF4-FFF2-40B4-BE49-F238E27FC236}">
-                <a16:creationId xmlns:a16="http://schemas.microsoft.com/office/drawing/2014/main" id="{B5B0C009-E66B-4550-8E04-B2C171D9F9BF}"/>
+                <a16:creationId xmlns:a16="http://schemas.microsoft.com/office/drawing/2014/main" xmlns="" id="{B5B0C009-E66B-4550-8E04-B2C171D9F9BF}"/>
               </a:ext>
             </a:extLst>
           </p:cNvPr>
@@ -29933,7 +28541,7 @@
           <p:cNvPr id="5" name="Slide Number Placeholder 4">
             <a:extLst>
               <a:ext uri="{FF2B5EF4-FFF2-40B4-BE49-F238E27FC236}">
-                <a16:creationId xmlns:a16="http://schemas.microsoft.com/office/drawing/2014/main" id="{D4698CF4-DA43-4259-8C19-B2608AEB59AF}"/>
+                <a16:creationId xmlns:a16="http://schemas.microsoft.com/office/drawing/2014/main" xmlns="" id="{D4698CF4-DA43-4259-8C19-B2608AEB59AF}"/>
               </a:ext>
             </a:extLst>
           </p:cNvPr>
@@ -29962,7 +28570,7 @@
           <p:cNvPr id="2" name="Title 1">
             <a:extLst>
               <a:ext uri="{FF2B5EF4-FFF2-40B4-BE49-F238E27FC236}">
-                <a16:creationId xmlns:a16="http://schemas.microsoft.com/office/drawing/2014/main" id="{03CCF6E9-3AA2-4C28-B85E-CE1C41357C88}"/>
+                <a16:creationId xmlns:a16="http://schemas.microsoft.com/office/drawing/2014/main" xmlns="" id="{03CCF6E9-3AA2-4C28-B85E-CE1C41357C88}"/>
               </a:ext>
             </a:extLst>
           </p:cNvPr>
@@ -30021,7 +28629,7 @@
           <p:cNvPr id="4" name="Picture 3" descr="A close up of a map&#10;&#10;Description generated with very high confidence">
             <a:extLst>
               <a:ext uri="{FF2B5EF4-FFF2-40B4-BE49-F238E27FC236}">
-                <a16:creationId xmlns:a16="http://schemas.microsoft.com/office/drawing/2014/main" id="{4FA2BB9E-F671-47F2-B994-60698360332E}"/>
+                <a16:creationId xmlns:a16="http://schemas.microsoft.com/office/drawing/2014/main" xmlns="" id="{4FA2BB9E-F671-47F2-B994-60698360332E}"/>
               </a:ext>
             </a:extLst>
           </p:cNvPr>
@@ -30057,7 +28665,7 @@
           <p:cNvPr id="6" name="Picture 5" descr="A close up of a map&#10;&#10;Description generated with high confidence">
             <a:extLst>
               <a:ext uri="{FF2B5EF4-FFF2-40B4-BE49-F238E27FC236}">
-                <a16:creationId xmlns:a16="http://schemas.microsoft.com/office/drawing/2014/main" id="{933DC4F2-00CC-4B97-9E44-D2C7330D1BCC}"/>
+                <a16:creationId xmlns:a16="http://schemas.microsoft.com/office/drawing/2014/main" xmlns="" id="{933DC4F2-00CC-4B97-9E44-D2C7330D1BCC}"/>
               </a:ext>
             </a:extLst>
           </p:cNvPr>
@@ -30093,7 +28701,7 @@
           <p:cNvPr id="8" name="Content Placeholder 2">
             <a:extLst>
               <a:ext uri="{FF2B5EF4-FFF2-40B4-BE49-F238E27FC236}">
-                <a16:creationId xmlns:a16="http://schemas.microsoft.com/office/drawing/2014/main" id="{C3C779AF-886A-4A32-B6F5-2ABCB5AC01B0}"/>
+                <a16:creationId xmlns:a16="http://schemas.microsoft.com/office/drawing/2014/main" xmlns="" id="{C3C779AF-886A-4A32-B6F5-2ABCB5AC01B0}"/>
               </a:ext>
             </a:extLst>
           </p:cNvPr>
@@ -30303,11 +28911,41 @@
                   </a:schemeClr>
                 </a:solidFill>
               </a:rPr>
-              <a:t>Noise due to simple sample variation</a:t>
-            </a:r>
-          </a:p>
-          <a:p>
-            <a:endParaRPr lang="de-DE" sz="1800" b="1" dirty="0">
+              <a:t>Noise due to simple sample </a:t>
+            </a:r>
+            <a:r>
+              <a:rPr lang="de-DE" sz="1800" b="1" dirty="0" smtClean="0">
+                <a:solidFill>
+                  <a:schemeClr val="tx1">
+                    <a:lumMod val="75000"/>
+                    <a:lumOff val="25000"/>
+                  </a:schemeClr>
+                </a:solidFill>
+              </a:rPr>
+              <a:t>variation</a:t>
+            </a:r>
+          </a:p>
+          <a:p>
+            <a:r>
+              <a:rPr lang="de-DE" sz="2000" b="1" dirty="0">
+                <a:solidFill>
+                  <a:srgbClr val="00CBE6"/>
+                </a:solidFill>
+              </a:rPr>
+              <a:t>Uncertainty</a:t>
+            </a:r>
+            <a:r>
+              <a:rPr lang="de-DE" sz="2000" b="1" dirty="0" smtClean="0">
+                <a:solidFill>
+                  <a:schemeClr val="tx1">
+                    <a:lumMod val="75000"/>
+                    <a:lumOff val="25000"/>
+                  </a:schemeClr>
+                </a:solidFill>
+              </a:rPr>
+              <a:t> often not representated</a:t>
+            </a:r>
+            <a:endParaRPr lang="de-DE" sz="2000" b="1" dirty="0">
               <a:solidFill>
                 <a:schemeClr val="tx1">
                   <a:lumMod val="75000"/>
@@ -30317,6 +28955,17 @@
             </a:endParaRPr>
           </a:p>
           <a:p>
+            <a:r>
+              <a:rPr lang="de-DE" sz="2000" b="1" dirty="0" smtClean="0">
+                <a:solidFill>
+                  <a:schemeClr val="tx1">
+                    <a:lumMod val="75000"/>
+                    <a:lumOff val="25000"/>
+                  </a:schemeClr>
+                </a:solidFill>
+              </a:rPr>
+              <a:t>Tendency </a:t>
+            </a:r>
             <a:r>
               <a:rPr lang="de-DE" sz="2000" b="1" dirty="0">
                 <a:solidFill>
@@ -30326,7 +28975,7 @@
                   </a:schemeClr>
                 </a:solidFill>
               </a:rPr>
-              <a:t>Tendency to </a:t>
+              <a:t>to </a:t>
             </a:r>
             <a:r>
               <a:rPr lang="de-DE" sz="2000" b="1" dirty="0">
@@ -30367,203 +29016,58 @@
           </a:p>
         </p:txBody>
       </p:sp>
-      <p:sp>
-        <p:nvSpPr>
-          <p:cNvPr id="7" name="Speech Bubble: Rectangle 6">
-            <a:extLst>
-              <a:ext uri="{FF2B5EF4-FFF2-40B4-BE49-F238E27FC236}">
-                <a16:creationId xmlns:a16="http://schemas.microsoft.com/office/drawing/2014/main" id="{9D559B88-529A-445D-A88B-6C914B206295}"/>
-              </a:ext>
-            </a:extLst>
-          </p:cNvPr>
-          <p:cNvSpPr/>
+      <p:pic>
+        <p:nvPicPr>
+          <p:cNvPr id="1026" name="Picture 2"/>
+          <p:cNvPicPr>
+            <a:picLocks noChangeAspect="1" noChangeArrowheads="1"/>
+          </p:cNvPicPr>
           <p:nvPr/>
-        </p:nvSpPr>
-        <p:spPr>
+        </p:nvPicPr>
+        <p:blipFill rotWithShape="1">
+          <a:blip r:embed="rId4">
+            <a:extLst>
+              <a:ext uri="{28A0092B-C50C-407E-A947-70E740481C1C}">
+                <a14:useLocalDpi xmlns:a14="http://schemas.microsoft.com/office/drawing/2010/main" val="0"/>
+              </a:ext>
+            </a:extLst>
+          </a:blip>
+          <a:srcRect l="27799" t="31160" r="18478" b="31014"/>
+          <a:stretch/>
+        </p:blipFill>
+        <p:spPr bwMode="auto">
           <a:xfrm>
-            <a:off x="1524000" y="2938272"/>
-            <a:ext cx="3499104" cy="2657856"/>
+            <a:off x="457199" y="4237388"/>
+            <a:ext cx="5565914" cy="2204406"/>
           </a:xfrm>
-          <a:prstGeom prst="wedgeRectCallout">
+          <a:prstGeom prst="rect">
             <a:avLst/>
           </a:prstGeom>
-        </p:spPr>
-        <p:style>
-          <a:lnRef idx="2">
-            <a:schemeClr val="accent1">
-              <a:shade val="50000"/>
-            </a:schemeClr>
-          </a:lnRef>
-          <a:fillRef idx="1">
-            <a:schemeClr val="accent1"/>
-          </a:fillRef>
-          <a:effectRef idx="0">
-            <a:schemeClr val="accent1"/>
-          </a:effectRef>
-          <a:fontRef idx="minor">
-            <a:schemeClr val="lt1"/>
-          </a:fontRef>
-        </p:style>
-        <p:txBody>
-          <a:bodyPr rtlCol="0" anchor="ctr"/>
-          <a:lstStyle/>
-          <a:p>
-            <a:pPr algn="ctr"/>
-            <a:r>
-              <a:rPr lang="de-DE" b="1" dirty="0">
+          <a:noFill/>
+          <a:ln>
+            <a:noFill/>
+          </a:ln>
+          <a:extLst>
+            <a:ext uri="{909E8E84-426E-40DD-AFC4-6F175D3DCCD1}">
+              <a14:hiddenFill xmlns:a14="http://schemas.microsoft.com/office/drawing/2010/main">
+                <a:solidFill>
+                  <a:schemeClr val="accent1"/>
+                </a:solidFill>
+              </a14:hiddenFill>
+            </a:ext>
+            <a:ext uri="{91240B29-F687-4F45-9708-019B960494DF}">
+              <a14:hiddenLine xmlns:a14="http://schemas.microsoft.com/office/drawing/2010/main" w="9525">
                 <a:solidFill>
                   <a:schemeClr val="tx1"/>
                 </a:solidFill>
-              </a:rPr>
-              <a:t>Daily </a:t>
-            </a:r>
-            <a:r>
-              <a:rPr lang="de-DE" b="1" dirty="0" err="1">
-                <a:solidFill>
-                  <a:schemeClr val="tx1"/>
-                </a:solidFill>
-              </a:rPr>
-              <a:t>snapshop</a:t>
-            </a:r>
-            <a:r>
-              <a:rPr lang="de-DE" b="1" dirty="0">
-                <a:solidFill>
-                  <a:schemeClr val="tx1"/>
-                </a:solidFill>
-              </a:rPr>
-              <a:t> </a:t>
-            </a:r>
-            <a:r>
-              <a:rPr lang="de-DE" b="1" dirty="0" err="1">
-                <a:solidFill>
-                  <a:schemeClr val="tx1"/>
-                </a:solidFill>
-              </a:rPr>
-              <a:t>of</a:t>
-            </a:r>
-            <a:r>
-              <a:rPr lang="de-DE" b="1" dirty="0">
-                <a:solidFill>
-                  <a:schemeClr val="tx1"/>
-                </a:solidFill>
-              </a:rPr>
-              <a:t> </a:t>
-            </a:r>
-            <a:r>
-              <a:rPr lang="de-DE" b="1" dirty="0" err="1">
-                <a:solidFill>
-                  <a:schemeClr val="tx1"/>
-                </a:solidFill>
-              </a:rPr>
-              <a:t>opinion</a:t>
-            </a:r>
-            <a:r>
-              <a:rPr lang="de-DE" b="1" dirty="0">
-                <a:solidFill>
-                  <a:schemeClr val="tx1"/>
-                </a:solidFill>
-              </a:rPr>
-              <a:t> </a:t>
-            </a:r>
-            <a:r>
-              <a:rPr lang="de-DE" b="1" dirty="0" err="1">
-                <a:solidFill>
-                  <a:schemeClr val="tx1"/>
-                </a:solidFill>
-              </a:rPr>
-              <a:t>or</a:t>
-            </a:r>
-            <a:r>
-              <a:rPr lang="de-DE" b="1" dirty="0">
-                <a:solidFill>
-                  <a:schemeClr val="tx1"/>
-                </a:solidFill>
-              </a:rPr>
-              <a:t> </a:t>
-            </a:r>
-            <a:r>
-              <a:rPr lang="de-DE" b="1" dirty="0" err="1">
-                <a:solidFill>
-                  <a:schemeClr val="tx1"/>
-                </a:solidFill>
-              </a:rPr>
-              <a:t>long</a:t>
-            </a:r>
-            <a:r>
-              <a:rPr lang="de-DE" b="1" dirty="0">
-                <a:solidFill>
-                  <a:schemeClr val="tx1"/>
-                </a:solidFill>
-              </a:rPr>
-              <a:t> </a:t>
-            </a:r>
-            <a:r>
-              <a:rPr lang="de-DE" b="1" dirty="0" err="1">
-                <a:solidFill>
-                  <a:schemeClr val="tx1"/>
-                </a:solidFill>
-              </a:rPr>
-              <a:t>term</a:t>
-            </a:r>
-            <a:r>
-              <a:rPr lang="de-DE" b="1" dirty="0">
-                <a:solidFill>
-                  <a:schemeClr val="tx1"/>
-                </a:solidFill>
-              </a:rPr>
-              <a:t> </a:t>
-            </a:r>
-            <a:r>
-              <a:rPr lang="de-DE" b="1" dirty="0" err="1">
-                <a:solidFill>
-                  <a:schemeClr val="tx1"/>
-                </a:solidFill>
-              </a:rPr>
-              <a:t>shifts</a:t>
-            </a:r>
-            <a:r>
-              <a:rPr lang="de-DE" b="1" dirty="0">
-                <a:solidFill>
-                  <a:schemeClr val="tx1"/>
-                </a:solidFill>
-              </a:rPr>
-              <a:t> in </a:t>
-            </a:r>
-            <a:r>
-              <a:rPr lang="de-DE" b="1" dirty="0" err="1">
-                <a:solidFill>
-                  <a:schemeClr val="tx1"/>
-                </a:solidFill>
-              </a:rPr>
-              <a:t>party</a:t>
-            </a:r>
-            <a:r>
-              <a:rPr lang="de-DE" b="1" dirty="0">
-                <a:solidFill>
-                  <a:schemeClr val="tx1"/>
-                </a:solidFill>
-              </a:rPr>
-              <a:t> </a:t>
-            </a:r>
-            <a:r>
-              <a:rPr lang="de-DE" b="1" dirty="0" err="1">
-                <a:solidFill>
-                  <a:schemeClr val="tx1"/>
-                </a:solidFill>
-              </a:rPr>
-              <a:t>preference</a:t>
-            </a:r>
-            <a:r>
-              <a:rPr lang="de-DE" b="1" dirty="0">
-                <a:solidFill>
-                  <a:schemeClr val="tx1"/>
-                </a:solidFill>
-              </a:rPr>
-              <a:t>?</a:t>
-            </a:r>
-          </a:p>
-        </p:txBody>
-      </p:sp>
+                <a:miter lim="800000"/>
+                <a:headEnd/>
+                <a:tailEnd/>
+              </a14:hiddenLine>
+            </a:ext>
+          </a:extLst>
+        </p:spPr>
+      </p:pic>
     </p:spTree>
     <p:extLst>
       <p:ext uri="{BB962C8B-B14F-4D97-AF65-F5344CB8AC3E}">
@@ -30599,7 +29103,7 @@
           <p:cNvPr id="8" name="Picture 7" descr="A close up of a map&#10;&#10;Description generated with high confidence">
             <a:extLst>
               <a:ext uri="{FF2B5EF4-FFF2-40B4-BE49-F238E27FC236}">
-                <a16:creationId xmlns:a16="http://schemas.microsoft.com/office/drawing/2014/main" id="{FDA5F165-838C-4801-AA4F-0FEF6E6E387A}"/>
+                <a16:creationId xmlns:a16="http://schemas.microsoft.com/office/drawing/2014/main" xmlns="" id="{FDA5F165-838C-4801-AA4F-0FEF6E6E387A}"/>
               </a:ext>
             </a:extLst>
           </p:cNvPr>
@@ -30634,7 +29138,7 @@
           <p:cNvPr id="11" name="Footer Placeholder 10">
             <a:extLst>
               <a:ext uri="{FF2B5EF4-FFF2-40B4-BE49-F238E27FC236}">
-                <a16:creationId xmlns:a16="http://schemas.microsoft.com/office/drawing/2014/main" id="{66BD8FAE-B0A8-4C31-AE01-91E11A0A4F53}"/>
+                <a16:creationId xmlns:a16="http://schemas.microsoft.com/office/drawing/2014/main" xmlns="" id="{66BD8FAE-B0A8-4C31-AE01-91E11A0A4F53}"/>
               </a:ext>
             </a:extLst>
           </p:cNvPr>
@@ -30664,7 +29168,7 @@
           <p:cNvPr id="12" name="Slide Number Placeholder 11">
             <a:extLst>
               <a:ext uri="{FF2B5EF4-FFF2-40B4-BE49-F238E27FC236}">
-                <a16:creationId xmlns:a16="http://schemas.microsoft.com/office/drawing/2014/main" id="{6F64087E-089A-4FE9-8E47-42105E369018}"/>
+                <a16:creationId xmlns:a16="http://schemas.microsoft.com/office/drawing/2014/main" xmlns="" id="{6F64087E-089A-4FE9-8E47-42105E369018}"/>
               </a:ext>
             </a:extLst>
           </p:cNvPr>
@@ -30693,7 +29197,7 @@
           <p:cNvPr id="2" name="Title 1">
             <a:extLst>
               <a:ext uri="{FF2B5EF4-FFF2-40B4-BE49-F238E27FC236}">
-                <a16:creationId xmlns:a16="http://schemas.microsoft.com/office/drawing/2014/main" id="{03CCF6E9-3AA2-4C28-B85E-CE1C41357C88}"/>
+                <a16:creationId xmlns:a16="http://schemas.microsoft.com/office/drawing/2014/main" xmlns="" id="{03CCF6E9-3AA2-4C28-B85E-CE1C41357C88}"/>
               </a:ext>
             </a:extLst>
           </p:cNvPr>
@@ -30736,7 +29240,7 @@
           <p:cNvPr id="9" name="Picture 8" descr="A large map&#10;&#10;Description generated with high confidence">
             <a:extLst>
               <a:ext uri="{FF2B5EF4-FFF2-40B4-BE49-F238E27FC236}">
-                <a16:creationId xmlns:a16="http://schemas.microsoft.com/office/drawing/2014/main" id="{79FE17B6-7392-470D-B005-B0C3F2526D8F}"/>
+                <a16:creationId xmlns:a16="http://schemas.microsoft.com/office/drawing/2014/main" xmlns="" id="{79FE17B6-7392-470D-B005-B0C3F2526D8F}"/>
               </a:ext>
             </a:extLst>
           </p:cNvPr>
@@ -30772,7 +29276,7 @@
           <p:cNvPr id="6" name="Content Placeholder 2">
             <a:extLst>
               <a:ext uri="{FF2B5EF4-FFF2-40B4-BE49-F238E27FC236}">
-                <a16:creationId xmlns:a16="http://schemas.microsoft.com/office/drawing/2014/main" id="{C38B3F35-6CC2-4D19-8230-F792387EBA79}"/>
+                <a16:creationId xmlns:a16="http://schemas.microsoft.com/office/drawing/2014/main" xmlns="" id="{C38B3F35-6CC2-4D19-8230-F792387EBA79}"/>
               </a:ext>
             </a:extLst>
           </p:cNvPr>
@@ -31011,7 +29515,7 @@
           <p:cNvPr id="7" name="Content Placeholder 2">
             <a:extLst>
               <a:ext uri="{FF2B5EF4-FFF2-40B4-BE49-F238E27FC236}">
-                <a16:creationId xmlns:a16="http://schemas.microsoft.com/office/drawing/2014/main" id="{C38B3F35-6CC2-4D19-8230-F792387EBA79}"/>
+                <a16:creationId xmlns:a16="http://schemas.microsoft.com/office/drawing/2014/main" xmlns="" id="{C38B3F35-6CC2-4D19-8230-F792387EBA79}"/>
               </a:ext>
             </a:extLst>
           </p:cNvPr>
@@ -31243,7 +29747,7 @@
           <p:cNvPr id="10" name="Picture 9" descr="A picture containing object&#10;&#10;Description generated with very high confidence">
             <a:extLst>
               <a:ext uri="{FF2B5EF4-FFF2-40B4-BE49-F238E27FC236}">
-                <a16:creationId xmlns:a16="http://schemas.microsoft.com/office/drawing/2014/main" id="{C9FCC23B-C008-4215-A2FC-F258C9CBAB47}"/>
+                <a16:creationId xmlns:a16="http://schemas.microsoft.com/office/drawing/2014/main" xmlns="" id="{C9FCC23B-C008-4215-A2FC-F258C9CBAB47}"/>
               </a:ext>
             </a:extLst>
           </p:cNvPr>
@@ -31309,7 +29813,7 @@
           <p:cNvPr id="10" name="Footer Placeholder 9">
             <a:extLst>
               <a:ext uri="{FF2B5EF4-FFF2-40B4-BE49-F238E27FC236}">
-                <a16:creationId xmlns:a16="http://schemas.microsoft.com/office/drawing/2014/main" id="{04E4B0AD-8F2B-49B9-813A-D1CC744900A3}"/>
+                <a16:creationId xmlns:a16="http://schemas.microsoft.com/office/drawing/2014/main" xmlns="" id="{04E4B0AD-8F2B-49B9-813A-D1CC744900A3}"/>
               </a:ext>
             </a:extLst>
           </p:cNvPr>
@@ -31339,7 +29843,7 @@
           <p:cNvPr id="11" name="Slide Number Placeholder 10">
             <a:extLst>
               <a:ext uri="{FF2B5EF4-FFF2-40B4-BE49-F238E27FC236}">
-                <a16:creationId xmlns:a16="http://schemas.microsoft.com/office/drawing/2014/main" id="{537FB0D4-F136-4F44-9539-019D64F2C0ED}"/>
+                <a16:creationId xmlns:a16="http://schemas.microsoft.com/office/drawing/2014/main" xmlns="" id="{537FB0D4-F136-4F44-9539-019D64F2C0ED}"/>
               </a:ext>
             </a:extLst>
           </p:cNvPr>
@@ -31368,7 +29872,7 @@
           <p:cNvPr id="2" name="Title 1">
             <a:extLst>
               <a:ext uri="{FF2B5EF4-FFF2-40B4-BE49-F238E27FC236}">
-                <a16:creationId xmlns:a16="http://schemas.microsoft.com/office/drawing/2014/main" id="{03CCF6E9-3AA2-4C28-B85E-CE1C41357C88}"/>
+                <a16:creationId xmlns:a16="http://schemas.microsoft.com/office/drawing/2014/main" xmlns="" id="{03CCF6E9-3AA2-4C28-B85E-CE1C41357C88}"/>
               </a:ext>
             </a:extLst>
           </p:cNvPr>
@@ -31416,7 +29920,7 @@
           <p:cNvPr id="13" name="Up-Down Arrow 6">
             <a:extLst>
               <a:ext uri="{FF2B5EF4-FFF2-40B4-BE49-F238E27FC236}">
-                <a16:creationId xmlns:a16="http://schemas.microsoft.com/office/drawing/2014/main" id="{D7248591-4567-447A-9088-C87785A71CC6}"/>
+                <a16:creationId xmlns:a16="http://schemas.microsoft.com/office/drawing/2014/main" xmlns="" id="{D7248591-4567-447A-9088-C87785A71CC6}"/>
               </a:ext>
             </a:extLst>
           </p:cNvPr>
@@ -31470,7 +29974,7 @@
           <p:cNvPr id="14" name="Rectangle 13">
             <a:extLst>
               <a:ext uri="{FF2B5EF4-FFF2-40B4-BE49-F238E27FC236}">
-                <a16:creationId xmlns:a16="http://schemas.microsoft.com/office/drawing/2014/main" id="{59565F05-BB1B-431F-A20E-49CF090116C5}"/>
+                <a16:creationId xmlns:a16="http://schemas.microsoft.com/office/drawing/2014/main" xmlns="" id="{59565F05-BB1B-431F-A20E-49CF090116C5}"/>
               </a:ext>
             </a:extLst>
           </p:cNvPr>
@@ -31516,7 +30020,7 @@
           <p:cNvPr id="15" name="Rectangle 14">
             <a:extLst>
               <a:ext uri="{FF2B5EF4-FFF2-40B4-BE49-F238E27FC236}">
-                <a16:creationId xmlns:a16="http://schemas.microsoft.com/office/drawing/2014/main" id="{8111D2A0-4D62-4409-A3AA-79C3285DAAA0}"/>
+                <a16:creationId xmlns:a16="http://schemas.microsoft.com/office/drawing/2014/main" xmlns="" id="{8111D2A0-4D62-4409-A3AA-79C3285DAAA0}"/>
               </a:ext>
             </a:extLst>
           </p:cNvPr>
@@ -31552,7 +30056,7 @@
           <p:cNvPr id="16" name="Rectangle 15">
             <a:extLst>
               <a:ext uri="{FF2B5EF4-FFF2-40B4-BE49-F238E27FC236}">
-                <a16:creationId xmlns:a16="http://schemas.microsoft.com/office/drawing/2014/main" id="{E736AC81-DE23-4F91-96B1-22A87D663D43}"/>
+                <a16:creationId xmlns:a16="http://schemas.microsoft.com/office/drawing/2014/main" xmlns="" id="{E736AC81-DE23-4F91-96B1-22A87D663D43}"/>
               </a:ext>
             </a:extLst>
           </p:cNvPr>
@@ -31598,7 +30102,7 @@
           <p:cNvPr id="17" name="Rectangle 16">
             <a:extLst>
               <a:ext uri="{FF2B5EF4-FFF2-40B4-BE49-F238E27FC236}">
-                <a16:creationId xmlns:a16="http://schemas.microsoft.com/office/drawing/2014/main" id="{62188D1B-26AE-4749-A3BD-DAF0A6ED65D7}"/>
+                <a16:creationId xmlns:a16="http://schemas.microsoft.com/office/drawing/2014/main" xmlns="" id="{62188D1B-26AE-4749-A3BD-DAF0A6ED65D7}"/>
               </a:ext>
             </a:extLst>
           </p:cNvPr>
@@ -31644,7 +30148,7 @@
           <p:cNvPr id="18" name="Rectangle 17">
             <a:extLst>
               <a:ext uri="{FF2B5EF4-FFF2-40B4-BE49-F238E27FC236}">
-                <a16:creationId xmlns:a16="http://schemas.microsoft.com/office/drawing/2014/main" id="{58CAD762-6299-4DE3-A8AA-86FA4F8AF350}"/>
+                <a16:creationId xmlns:a16="http://schemas.microsoft.com/office/drawing/2014/main" xmlns="" id="{58CAD762-6299-4DE3-A8AA-86FA4F8AF350}"/>
               </a:ext>
             </a:extLst>
           </p:cNvPr>
@@ -31690,7 +30194,7 @@
           <p:cNvPr id="19" name="Rectangle 18">
             <a:extLst>
               <a:ext uri="{FF2B5EF4-FFF2-40B4-BE49-F238E27FC236}">
-                <a16:creationId xmlns:a16="http://schemas.microsoft.com/office/drawing/2014/main" id="{AC067333-9068-461E-9DA7-77A1CE35F330}"/>
+                <a16:creationId xmlns:a16="http://schemas.microsoft.com/office/drawing/2014/main" xmlns="" id="{AC067333-9068-461E-9DA7-77A1CE35F330}"/>
               </a:ext>
             </a:extLst>
           </p:cNvPr>
@@ -31741,7 +30245,7 @@
           <p:cNvPr id="20" name="Rectangle 19">
             <a:extLst>
               <a:ext uri="{FF2B5EF4-FFF2-40B4-BE49-F238E27FC236}">
-                <a16:creationId xmlns:a16="http://schemas.microsoft.com/office/drawing/2014/main" id="{AE88A5EC-0D97-46F5-A219-16930B032707}"/>
+                <a16:creationId xmlns:a16="http://schemas.microsoft.com/office/drawing/2014/main" xmlns="" id="{AE88A5EC-0D97-46F5-A219-16930B032707}"/>
               </a:ext>
             </a:extLst>
           </p:cNvPr>
@@ -31788,7 +30292,7 @@
           <p:cNvPr id="21" name="Rectangle 20">
             <a:extLst>
               <a:ext uri="{FF2B5EF4-FFF2-40B4-BE49-F238E27FC236}">
-                <a16:creationId xmlns:a16="http://schemas.microsoft.com/office/drawing/2014/main" id="{18B85337-5EB4-4600-B2AF-93E4BA176A9F}"/>
+                <a16:creationId xmlns:a16="http://schemas.microsoft.com/office/drawing/2014/main" xmlns="" id="{18B85337-5EB4-4600-B2AF-93E4BA176A9F}"/>
               </a:ext>
             </a:extLst>
           </p:cNvPr>
@@ -31833,7 +30337,7 @@
           <p:cNvPr id="22" name="Rectangle 21">
             <a:extLst>
               <a:ext uri="{FF2B5EF4-FFF2-40B4-BE49-F238E27FC236}">
-                <a16:creationId xmlns:a16="http://schemas.microsoft.com/office/drawing/2014/main" id="{5AB57E7C-54B5-41E7-8CB7-70CF4497855B}"/>
+                <a16:creationId xmlns:a16="http://schemas.microsoft.com/office/drawing/2014/main" xmlns="" id="{5AB57E7C-54B5-41E7-8CB7-70CF4497855B}"/>
               </a:ext>
             </a:extLst>
           </p:cNvPr>
@@ -31884,7 +30388,7 @@
           <p:cNvPr id="23" name="Rectangle 22">
             <a:extLst>
               <a:ext uri="{FF2B5EF4-FFF2-40B4-BE49-F238E27FC236}">
-                <a16:creationId xmlns:a16="http://schemas.microsoft.com/office/drawing/2014/main" id="{8F7EA6B4-1030-4610-A12E-7F47B66F3F15}"/>
+                <a16:creationId xmlns:a16="http://schemas.microsoft.com/office/drawing/2014/main" xmlns="" id="{8F7EA6B4-1030-4610-A12E-7F47B66F3F15}"/>
               </a:ext>
             </a:extLst>
           </p:cNvPr>
@@ -31935,7 +30439,7 @@
           <p:cNvPr id="24" name="Up-Down Arrow 17">
             <a:extLst>
               <a:ext uri="{FF2B5EF4-FFF2-40B4-BE49-F238E27FC236}">
-                <a16:creationId xmlns:a16="http://schemas.microsoft.com/office/drawing/2014/main" id="{D09528CA-4469-44EB-9F57-EE8347EC39E2}"/>
+                <a16:creationId xmlns:a16="http://schemas.microsoft.com/office/drawing/2014/main" xmlns="" id="{D09528CA-4469-44EB-9F57-EE8347EC39E2}"/>
               </a:ext>
             </a:extLst>
           </p:cNvPr>
@@ -31989,7 +30493,7 @@
           <p:cNvPr id="25" name="Rectangle 24">
             <a:extLst>
               <a:ext uri="{FF2B5EF4-FFF2-40B4-BE49-F238E27FC236}">
-                <a16:creationId xmlns:a16="http://schemas.microsoft.com/office/drawing/2014/main" id="{D87CFDED-770A-40BC-85F1-C74F3CB1D33A}"/>
+                <a16:creationId xmlns:a16="http://schemas.microsoft.com/office/drawing/2014/main" xmlns="" id="{D87CFDED-770A-40BC-85F1-C74F3CB1D33A}"/>
               </a:ext>
             </a:extLst>
           </p:cNvPr>
@@ -32025,7 +30529,7 @@
           <p:cNvPr id="26" name="Right Arrow 19">
             <a:extLst>
               <a:ext uri="{FF2B5EF4-FFF2-40B4-BE49-F238E27FC236}">
-                <a16:creationId xmlns:a16="http://schemas.microsoft.com/office/drawing/2014/main" id="{DD28E636-3F2A-49AA-853B-9F7A2C6CCE26}"/>
+                <a16:creationId xmlns:a16="http://schemas.microsoft.com/office/drawing/2014/main" xmlns="" id="{DD28E636-3F2A-49AA-853B-9F7A2C6CCE26}"/>
               </a:ext>
             </a:extLst>
           </p:cNvPr>
@@ -32079,7 +30583,7 @@
           <p:cNvPr id="28" name="Right Arrow 19">
             <a:extLst>
               <a:ext uri="{FF2B5EF4-FFF2-40B4-BE49-F238E27FC236}">
-                <a16:creationId xmlns:a16="http://schemas.microsoft.com/office/drawing/2014/main" id="{EE4AC01E-6251-4F5B-90C4-D5522CA48BFB}"/>
+                <a16:creationId xmlns:a16="http://schemas.microsoft.com/office/drawing/2014/main" xmlns="" id="{EE4AC01E-6251-4F5B-90C4-D5522CA48BFB}"/>
               </a:ext>
             </a:extLst>
           </p:cNvPr>
@@ -32133,7 +30637,7 @@
           <p:cNvPr id="29" name="Rectangle: Rounded Corners 28">
             <a:extLst>
               <a:ext uri="{FF2B5EF4-FFF2-40B4-BE49-F238E27FC236}">
-                <a16:creationId xmlns:a16="http://schemas.microsoft.com/office/drawing/2014/main" id="{FEB2FC0C-7965-435A-98DA-CDCA925DAC4C}"/>
+                <a16:creationId xmlns:a16="http://schemas.microsoft.com/office/drawing/2014/main" xmlns="" id="{FEB2FC0C-7965-435A-98DA-CDCA925DAC4C}"/>
               </a:ext>
             </a:extLst>
           </p:cNvPr>
@@ -32238,7 +30742,7 @@
           <p:cNvPr id="4" name="Footer Placeholder 3">
             <a:extLst>
               <a:ext uri="{FF2B5EF4-FFF2-40B4-BE49-F238E27FC236}">
-                <a16:creationId xmlns:a16="http://schemas.microsoft.com/office/drawing/2014/main" id="{C4FFD36D-497E-420D-9EC7-3B97DBD33A37}"/>
+                <a16:creationId xmlns:a16="http://schemas.microsoft.com/office/drawing/2014/main" xmlns="" id="{C4FFD36D-497E-420D-9EC7-3B97DBD33A37}"/>
               </a:ext>
             </a:extLst>
           </p:cNvPr>
@@ -32268,7 +30772,7 @@
           <p:cNvPr id="5" name="Slide Number Placeholder 4">
             <a:extLst>
               <a:ext uri="{FF2B5EF4-FFF2-40B4-BE49-F238E27FC236}">
-                <a16:creationId xmlns:a16="http://schemas.microsoft.com/office/drawing/2014/main" id="{EB1781EB-FA17-4D07-A6EA-FD877F66ACED}"/>
+                <a16:creationId xmlns:a16="http://schemas.microsoft.com/office/drawing/2014/main" xmlns="" id="{EB1781EB-FA17-4D07-A6EA-FD877F66ACED}"/>
               </a:ext>
             </a:extLst>
           </p:cNvPr>
@@ -32297,7 +30801,7 @@
           <p:cNvPr id="2" name="Title 1">
             <a:extLst>
               <a:ext uri="{FF2B5EF4-FFF2-40B4-BE49-F238E27FC236}">
-                <a16:creationId xmlns:a16="http://schemas.microsoft.com/office/drawing/2014/main" id="{03CCF6E9-3AA2-4C28-B85E-CE1C41357C88}"/>
+                <a16:creationId xmlns:a16="http://schemas.microsoft.com/office/drawing/2014/main" xmlns="" id="{03CCF6E9-3AA2-4C28-B85E-CE1C41357C88}"/>
               </a:ext>
             </a:extLst>
           </p:cNvPr>
@@ -32348,7 +30852,7 @@
           <p:cNvPr id="8" name="Content Placeholder 2">
             <a:extLst>
               <a:ext uri="{FF2B5EF4-FFF2-40B4-BE49-F238E27FC236}">
-                <a16:creationId xmlns:a16="http://schemas.microsoft.com/office/drawing/2014/main" id="{C3C779AF-886A-4A32-B6F5-2ABCB5AC01B0}"/>
+                <a16:creationId xmlns:a16="http://schemas.microsoft.com/office/drawing/2014/main" xmlns="" id="{C3C779AF-886A-4A32-B6F5-2ABCB5AC01B0}"/>
               </a:ext>
             </a:extLst>
           </p:cNvPr>
@@ -32562,7 +31066,7 @@
           <p:cNvPr id="16" name="Group 15">
             <a:extLst>
               <a:ext uri="{FF2B5EF4-FFF2-40B4-BE49-F238E27FC236}">
-                <a16:creationId xmlns:a16="http://schemas.microsoft.com/office/drawing/2014/main" id="{21750DAB-DB18-4E95-9F08-16CE9E03B6D3}"/>
+                <a16:creationId xmlns:a16="http://schemas.microsoft.com/office/drawing/2014/main" xmlns="" id="{21750DAB-DB18-4E95-9F08-16CE9E03B6D3}"/>
               </a:ext>
             </a:extLst>
           </p:cNvPr>
@@ -32582,7 +31086,7 @@
             <p:cNvPr id="10" name="Freeform: Shape 9">
               <a:extLst>
                 <a:ext uri="{FF2B5EF4-FFF2-40B4-BE49-F238E27FC236}">
-                  <a16:creationId xmlns:a16="http://schemas.microsoft.com/office/drawing/2014/main" id="{676DE108-3439-4F83-92F3-67B10B2ECC81}"/>
+                  <a16:creationId xmlns:a16="http://schemas.microsoft.com/office/drawing/2014/main" xmlns="" id="{676DE108-3439-4F83-92F3-67B10B2ECC81}"/>
                 </a:ext>
               </a:extLst>
             </p:cNvPr>
@@ -32758,7 +31262,7 @@
             <p:cNvPr id="11" name="Freeform: Shape 10">
               <a:extLst>
                 <a:ext uri="{FF2B5EF4-FFF2-40B4-BE49-F238E27FC236}">
-                  <a16:creationId xmlns:a16="http://schemas.microsoft.com/office/drawing/2014/main" id="{F0FD93ED-3741-4791-B952-2929BE2F9395}"/>
+                  <a16:creationId xmlns:a16="http://schemas.microsoft.com/office/drawing/2014/main" xmlns="" id="{F0FD93ED-3741-4791-B952-2929BE2F9395}"/>
                 </a:ext>
               </a:extLst>
             </p:cNvPr>
@@ -33359,7 +31863,7 @@
           <p:cNvPr id="7" name="Group 6">
             <a:extLst>
               <a:ext uri="{FF2B5EF4-FFF2-40B4-BE49-F238E27FC236}">
-                <a16:creationId xmlns:a16="http://schemas.microsoft.com/office/drawing/2014/main" id="{4A7E91A1-3D6A-486D-B40D-E73AADE2D0A7}"/>
+                <a16:creationId xmlns:a16="http://schemas.microsoft.com/office/drawing/2014/main" xmlns="" id="{4A7E91A1-3D6A-486D-B40D-E73AADE2D0A7}"/>
               </a:ext>
             </a:extLst>
           </p:cNvPr>
@@ -33379,7 +31883,7 @@
             <p:cNvPr id="12" name="Freeform: Shape 11">
               <a:extLst>
                 <a:ext uri="{FF2B5EF4-FFF2-40B4-BE49-F238E27FC236}">
-                  <a16:creationId xmlns:a16="http://schemas.microsoft.com/office/drawing/2014/main" id="{CCC7BA8A-B150-4930-A88B-16249120B0C0}"/>
+                  <a16:creationId xmlns:a16="http://schemas.microsoft.com/office/drawing/2014/main" xmlns="" id="{CCC7BA8A-B150-4930-A88B-16249120B0C0}"/>
                 </a:ext>
               </a:extLst>
             </p:cNvPr>
@@ -33514,7 +32018,7 @@
             <p:cNvPr id="13" name="Freeform: Shape 12">
               <a:extLst>
                 <a:ext uri="{FF2B5EF4-FFF2-40B4-BE49-F238E27FC236}">
-                  <a16:creationId xmlns:a16="http://schemas.microsoft.com/office/drawing/2014/main" id="{A2604810-E4D6-4346-83A5-061FC3EB0BBA}"/>
+                  <a16:creationId xmlns:a16="http://schemas.microsoft.com/office/drawing/2014/main" xmlns="" id="{A2604810-E4D6-4346-83A5-061FC3EB0BBA}"/>
                 </a:ext>
               </a:extLst>
             </p:cNvPr>
@@ -34148,7 +32652,7 @@
           <p:cNvPr id="17" name="Group 16">
             <a:extLst>
               <a:ext uri="{FF2B5EF4-FFF2-40B4-BE49-F238E27FC236}">
-                <a16:creationId xmlns:a16="http://schemas.microsoft.com/office/drawing/2014/main" id="{22BFAE8A-68A9-4985-B00E-736BAE118810}"/>
+                <a16:creationId xmlns:a16="http://schemas.microsoft.com/office/drawing/2014/main" xmlns="" id="{22BFAE8A-68A9-4985-B00E-736BAE118810}"/>
               </a:ext>
             </a:extLst>
           </p:cNvPr>
@@ -34168,7 +32672,7 @@
             <p:cNvPr id="14" name="Freeform: Shape 13">
               <a:extLst>
                 <a:ext uri="{FF2B5EF4-FFF2-40B4-BE49-F238E27FC236}">
-                  <a16:creationId xmlns:a16="http://schemas.microsoft.com/office/drawing/2014/main" id="{AB3F902F-9814-4895-A89A-76F964734AD7}"/>
+                  <a16:creationId xmlns:a16="http://schemas.microsoft.com/office/drawing/2014/main" xmlns="" id="{AB3F902F-9814-4895-A89A-76F964734AD7}"/>
                 </a:ext>
               </a:extLst>
             </p:cNvPr>
@@ -34366,7 +32870,7 @@
             <p:cNvPr id="15" name="Freeform: Shape 14">
               <a:extLst>
                 <a:ext uri="{FF2B5EF4-FFF2-40B4-BE49-F238E27FC236}">
-                  <a16:creationId xmlns:a16="http://schemas.microsoft.com/office/drawing/2014/main" id="{8C397FE8-0CF0-4934-88F8-534947F6D078}"/>
+                  <a16:creationId xmlns:a16="http://schemas.microsoft.com/office/drawing/2014/main" xmlns="" id="{8C397FE8-0CF0-4934-88F8-534947F6D078}"/>
                 </a:ext>
               </a:extLst>
             </p:cNvPr>
@@ -34883,7 +33387,7 @@
           <p:cNvPr id="3" name="Speech Bubble: Rectangle 2">
             <a:extLst>
               <a:ext uri="{FF2B5EF4-FFF2-40B4-BE49-F238E27FC236}">
-                <a16:creationId xmlns:a16="http://schemas.microsoft.com/office/drawing/2014/main" id="{7F0AD741-7330-47A2-A0CA-77FB8F20F942}"/>
+                <a16:creationId xmlns:a16="http://schemas.microsoft.com/office/drawing/2014/main" xmlns="" id="{7F0AD741-7330-47A2-A0CA-77FB8F20F942}"/>
               </a:ext>
             </a:extLst>
           </p:cNvPr>
@@ -35182,7 +33686,7 @@
           <p:cNvPr id="4" name="Title 1">
             <a:extLst>
               <a:ext uri="{FF2B5EF4-FFF2-40B4-BE49-F238E27FC236}">
-                <a16:creationId xmlns:a16="http://schemas.microsoft.com/office/drawing/2014/main" id="{B12A9008-576F-44B6-A8DF-579E3024792B}"/>
+                <a16:creationId xmlns:a16="http://schemas.microsoft.com/office/drawing/2014/main" xmlns="" id="{B12A9008-576F-44B6-A8DF-579E3024792B}"/>
               </a:ext>
             </a:extLst>
           </p:cNvPr>
@@ -35235,7 +33739,7 @@
           <p:cNvPr id="6" name="Picture 5" descr="A screenshot of a cell phone&#10;&#10;Description generated with very high confidence">
             <a:extLst>
               <a:ext uri="{FF2B5EF4-FFF2-40B4-BE49-F238E27FC236}">
-                <a16:creationId xmlns:a16="http://schemas.microsoft.com/office/drawing/2014/main" id="{25DE5961-EFC5-4D15-8712-A60F2F98CBE9}"/>
+                <a16:creationId xmlns:a16="http://schemas.microsoft.com/office/drawing/2014/main" xmlns="" id="{25DE5961-EFC5-4D15-8712-A60F2F98CBE9}"/>
               </a:ext>
             </a:extLst>
           </p:cNvPr>
@@ -35271,7 +33775,7 @@
           <p:cNvPr id="5" name="Footer Placeholder 4">
             <a:extLst>
               <a:ext uri="{FF2B5EF4-FFF2-40B4-BE49-F238E27FC236}">
-                <a16:creationId xmlns:a16="http://schemas.microsoft.com/office/drawing/2014/main" id="{D3DB4B50-DF6E-42BA-9A88-C6736E485B39}"/>
+                <a16:creationId xmlns:a16="http://schemas.microsoft.com/office/drawing/2014/main" xmlns="" id="{D3DB4B50-DF6E-42BA-9A88-C6736E485B39}"/>
               </a:ext>
             </a:extLst>
           </p:cNvPr>
@@ -35301,7 +33805,7 @@
           <p:cNvPr id="7" name="Slide Number Placeholder 6">
             <a:extLst>
               <a:ext uri="{FF2B5EF4-FFF2-40B4-BE49-F238E27FC236}">
-                <a16:creationId xmlns:a16="http://schemas.microsoft.com/office/drawing/2014/main" id="{9679BBEB-6D02-4B20-8098-BDEC7E96DC08}"/>
+                <a16:creationId xmlns:a16="http://schemas.microsoft.com/office/drawing/2014/main" xmlns="" id="{9679BBEB-6D02-4B20-8098-BDEC7E96DC08}"/>
               </a:ext>
             </a:extLst>
           </p:cNvPr>
@@ -35330,7 +33834,7 @@
           <p:cNvPr id="9" name="Title 8">
             <a:extLst>
               <a:ext uri="{FF2B5EF4-FFF2-40B4-BE49-F238E27FC236}">
-                <a16:creationId xmlns:a16="http://schemas.microsoft.com/office/drawing/2014/main" id="{4DF56FA4-FD68-415C-855C-02998179C95D}"/>
+                <a16:creationId xmlns:a16="http://schemas.microsoft.com/office/drawing/2014/main" xmlns="" id="{4DF56FA4-FD68-415C-855C-02998179C95D}"/>
               </a:ext>
             </a:extLst>
           </p:cNvPr>
@@ -35397,7 +33901,7 @@
           <p:cNvPr id="4" name="Footer Placeholder 3">
             <a:extLst>
               <a:ext uri="{FF2B5EF4-FFF2-40B4-BE49-F238E27FC236}">
-                <a16:creationId xmlns:a16="http://schemas.microsoft.com/office/drawing/2014/main" id="{B41C653D-7CE6-4256-9AA2-E477F5D7A7F0}"/>
+                <a16:creationId xmlns:a16="http://schemas.microsoft.com/office/drawing/2014/main" xmlns="" id="{B41C653D-7CE6-4256-9AA2-E477F5D7A7F0}"/>
               </a:ext>
             </a:extLst>
           </p:cNvPr>
@@ -35427,7 +33931,7 @@
           <p:cNvPr id="6" name="Slide Number Placeholder 5">
             <a:extLst>
               <a:ext uri="{FF2B5EF4-FFF2-40B4-BE49-F238E27FC236}">
-                <a16:creationId xmlns:a16="http://schemas.microsoft.com/office/drawing/2014/main" id="{E21AE32C-DC1D-49AE-BA07-DD20ECC21DCE}"/>
+                <a16:creationId xmlns:a16="http://schemas.microsoft.com/office/drawing/2014/main" xmlns="" id="{E21AE32C-DC1D-49AE-BA07-DD20ECC21DCE}"/>
               </a:ext>
             </a:extLst>
           </p:cNvPr>
@@ -35456,7 +33960,7 @@
           <p:cNvPr id="2" name="Title 1">
             <a:extLst>
               <a:ext uri="{FF2B5EF4-FFF2-40B4-BE49-F238E27FC236}">
-                <a16:creationId xmlns:a16="http://schemas.microsoft.com/office/drawing/2014/main" id="{03CCF6E9-3AA2-4C28-B85E-CE1C41357C88}"/>
+                <a16:creationId xmlns:a16="http://schemas.microsoft.com/office/drawing/2014/main" xmlns="" id="{03CCF6E9-3AA2-4C28-B85E-CE1C41357C88}"/>
               </a:ext>
             </a:extLst>
           </p:cNvPr>
@@ -35507,7 +34011,7 @@
           <p:cNvPr id="5" name="Picture 4" descr="A close up of a map&#10;&#10;Description generated with very high confidence">
             <a:extLst>
               <a:ext uri="{FF2B5EF4-FFF2-40B4-BE49-F238E27FC236}">
-                <a16:creationId xmlns:a16="http://schemas.microsoft.com/office/drawing/2014/main" id="{C2FDA662-4892-4168-9CB9-B819A160B29F}"/>
+                <a16:creationId xmlns:a16="http://schemas.microsoft.com/office/drawing/2014/main" xmlns="" id="{C2FDA662-4892-4168-9CB9-B819A160B29F}"/>
               </a:ext>
             </a:extLst>
           </p:cNvPr>
@@ -35840,7 +34344,7 @@
   <a:extraClrSchemeLst/>
   <a:extLst>
     <a:ext uri="{05A4C25C-085E-4340-85A3-A5531E510DB2}">
-      <thm15:themeFamily xmlns:thm15="http://schemas.microsoft.com/office/thememl/2012/main" name="Office Theme" id="{62F939B6-93AF-4DB8-9C6B-D6C7DFDC589F}" vid="{4A3C46E8-61CC-4603-A589-7422A47A8E4A}"/>
+      <thm15:themeFamily xmlns:thm15="http://schemas.microsoft.com/office/thememl/2012/main" xmlns="" name="Office Theme" id="{62F939B6-93AF-4DB8-9C6B-D6C7DFDC589F}" vid="{4A3C46E8-61CC-4603-A589-7422A47A8E4A}"/>
     </a:ext>
   </a:extLst>
 </a:theme>
@@ -36135,7 +34639,7 @@
   <a:extraClrSchemeLst/>
   <a:extLst>
     <a:ext uri="{05A4C25C-085E-4340-85A3-A5531E510DB2}">
-      <thm15:themeFamily xmlns:thm15="http://schemas.microsoft.com/office/thememl/2012/main" name="Office Theme" id="{62F939B6-93AF-4DB8-9C6B-D6C7DFDC589F}" vid="{4A3C46E8-61CC-4603-A589-7422A47A8E4A}"/>
+      <thm15:themeFamily xmlns:thm15="http://schemas.microsoft.com/office/thememl/2012/main" xmlns="" name="Office Theme" id="{62F939B6-93AF-4DB8-9C6B-D6C7DFDC589F}" vid="{4A3C46E8-61CC-4603-A589-7422A47A8E4A}"/>
     </a:ext>
   </a:extLst>
 </a:theme>
@@ -36430,7 +34934,7 @@
   <a:extraClrSchemeLst/>
   <a:extLst>
     <a:ext uri="{05A4C25C-085E-4340-85A3-A5531E510DB2}">
-      <thm15:themeFamily xmlns:thm15="http://schemas.microsoft.com/office/thememl/2012/main" name="Office Theme" id="{62F939B6-93AF-4DB8-9C6B-D6C7DFDC589F}" vid="{4A3C46E8-61CC-4603-A589-7422A47A8E4A}"/>
+      <thm15:themeFamily xmlns:thm15="http://schemas.microsoft.com/office/thememl/2012/main" xmlns="" name="Office Theme" id="{62F939B6-93AF-4DB8-9C6B-D6C7DFDC589F}" vid="{4A3C46E8-61CC-4603-A589-7422A47A8E4A}"/>
     </a:ext>
   </a:extLst>
 </a:theme>
@@ -36725,7 +35229,7 @@
   <a:extraClrSchemeLst/>
   <a:extLst>
     <a:ext uri="{05A4C25C-085E-4340-85A3-A5531E510DB2}">
-      <thm15:themeFamily xmlns:thm15="http://schemas.microsoft.com/office/thememl/2012/main" name="Office Theme" id="{62F939B6-93AF-4DB8-9C6B-D6C7DFDC589F}" vid="{4A3C46E8-61CC-4603-A589-7422A47A8E4A}"/>
+      <thm15:themeFamily xmlns:thm15="http://schemas.microsoft.com/office/thememl/2012/main" xmlns="" name="Office Theme" id="{62F939B6-93AF-4DB8-9C6B-D6C7DFDC589F}" vid="{4A3C46E8-61CC-4603-A589-7422A47A8E4A}"/>
     </a:ext>
   </a:extLst>
 </a:theme>
@@ -37020,7 +35524,7 @@
   <a:extraClrSchemeLst/>
   <a:extLst>
     <a:ext uri="{05A4C25C-085E-4340-85A3-A5531E510DB2}">
-      <thm15:themeFamily xmlns:thm15="http://schemas.microsoft.com/office/thememl/2012/main" name="Office Theme" id="{62F939B6-93AF-4DB8-9C6B-D6C7DFDC589F}" vid="{4A3C46E8-61CC-4603-A589-7422A47A8E4A}"/>
+      <thm15:themeFamily xmlns:thm15="http://schemas.microsoft.com/office/thememl/2012/main" xmlns="" name="Office Theme" id="{62F939B6-93AF-4DB8-9C6B-D6C7DFDC589F}" vid="{4A3C46E8-61CC-4603-A589-7422A47A8E4A}"/>
     </a:ext>
   </a:extLst>
 </a:theme>
@@ -37315,7 +35819,7 @@
   <a:extraClrSchemeLst/>
   <a:extLst>
     <a:ext uri="{05A4C25C-085E-4340-85A3-A5531E510DB2}">
-      <thm15:themeFamily xmlns:thm15="http://schemas.microsoft.com/office/thememl/2012/main" name="Office Theme" id="{62F939B6-93AF-4DB8-9C6B-D6C7DFDC589F}" vid="{4A3C46E8-61CC-4603-A589-7422A47A8E4A}"/>
+      <thm15:themeFamily xmlns:thm15="http://schemas.microsoft.com/office/thememl/2012/main" xmlns="" name="Office Theme" id="{62F939B6-93AF-4DB8-9C6B-D6C7DFDC589F}" vid="{4A3C46E8-61CC-4603-A589-7422A47A8E4A}"/>
     </a:ext>
   </a:extLst>
 </a:theme>
@@ -37610,7 +36114,7 @@
   <a:extraClrSchemeLst/>
   <a:extLst>
     <a:ext uri="{05A4C25C-085E-4340-85A3-A5531E510DB2}">
-      <thm15:themeFamily xmlns:thm15="http://schemas.microsoft.com/office/thememl/2012/main" name="Office Theme" id="{62F939B6-93AF-4DB8-9C6B-D6C7DFDC589F}" vid="{4A3C46E8-61CC-4603-A589-7422A47A8E4A}"/>
+      <thm15:themeFamily xmlns:thm15="http://schemas.microsoft.com/office/thememl/2012/main" xmlns="" name="Office Theme" id="{62F939B6-93AF-4DB8-9C6B-D6C7DFDC589F}" vid="{4A3C46E8-61CC-4603-A589-7422A47A8E4A}"/>
     </a:ext>
   </a:extLst>
 </a:theme>
@@ -37905,7 +36409,7 @@
   <a:extraClrSchemeLst/>
   <a:extLst>
     <a:ext uri="{05A4C25C-085E-4340-85A3-A5531E510DB2}">
-      <thm15:themeFamily xmlns:thm15="http://schemas.microsoft.com/office/thememl/2012/main" name="Office Theme" id="{62F939B6-93AF-4DB8-9C6B-D6C7DFDC589F}" vid="{4A3C46E8-61CC-4603-A589-7422A47A8E4A}"/>
+      <thm15:themeFamily xmlns:thm15="http://schemas.microsoft.com/office/thememl/2012/main" xmlns="" name="Office Theme" id="{62F939B6-93AF-4DB8-9C6B-D6C7DFDC589F}" vid="{4A3C46E8-61CC-4603-A589-7422A47A8E4A}"/>
     </a:ext>
   </a:extLst>
 </a:theme>
